--- a/RichieChristiansenSenlia/Draft Proposal - Richie Christiansen Senlia.pptx
+++ b/RichieChristiansenSenlia/Draft Proposal - Richie Christiansen Senlia.pptx
@@ -5,22 +5,20 @@
     <p:sldMasterId id="2147483648" r:id="rId1"/>
   </p:sldMasterIdLst>
   <p:notesMasterIdLst>
-    <p:notesMasterId r:id="rId15"/>
+    <p:notesMasterId r:id="rId13"/>
   </p:notesMasterIdLst>
   <p:sldIdLst>
     <p:sldId id="256" r:id="rId2"/>
     <p:sldId id="257" r:id="rId3"/>
-    <p:sldId id="258" r:id="rId4"/>
-    <p:sldId id="268" r:id="rId5"/>
-    <p:sldId id="270" r:id="rId6"/>
-    <p:sldId id="269" r:id="rId7"/>
-    <p:sldId id="265" r:id="rId8"/>
-    <p:sldId id="267" r:id="rId9"/>
-    <p:sldId id="259" r:id="rId10"/>
-    <p:sldId id="260" r:id="rId11"/>
-    <p:sldId id="262" r:id="rId12"/>
-    <p:sldId id="263" r:id="rId13"/>
-    <p:sldId id="266" r:id="rId14"/>
+    <p:sldId id="268" r:id="rId4"/>
+    <p:sldId id="269" r:id="rId5"/>
+    <p:sldId id="265" r:id="rId6"/>
+    <p:sldId id="267" r:id="rId7"/>
+    <p:sldId id="259" r:id="rId8"/>
+    <p:sldId id="260" r:id="rId9"/>
+    <p:sldId id="271" r:id="rId10"/>
+    <p:sldId id="262" r:id="rId11"/>
+    <p:sldId id="263" r:id="rId12"/>
   </p:sldIdLst>
   <p:sldSz cx="9144000" cy="5143500" type="screen16x9"/>
   <p:notesSz cx="6858000" cy="9144000"/>
@@ -269,7 +267,7 @@
       </p15:sldGuideLst>
     </p:ext>
     <p:ext uri="http://customooxmlschemas.google.com/">
-      <go:slidesCustomData xmlns:go="http://customooxmlschemas.google.com/" xmlns:ahyp="http://schemas.microsoft.com/office/drawing/2018/hyperlinkcolor" xmlns:p15="http://schemas.microsoft.com/office/powerpoint/2012/main" xmlns:p14="http://schemas.microsoft.com/office/powerpoint/2010/main" xmlns:com="http://schemas.openxmlformats.org/drawingml/2006/compatibility" xmlns:pvml="urn:schemas-microsoft-com:office:powerpoint" xmlns:v="urn:schemas-microsoft-com:vml" xmlns:o="urn:schemas-microsoft-com:office:office" xmlns:dgm="http://schemas.openxmlformats.org/drawingml/2006/diagram" xmlns:c="http://schemas.openxmlformats.org/drawingml/2006/chart" xmlns:mv="urn:schemas-microsoft-com:mac:vml" xmlns:mc="http://schemas.openxmlformats.org/markup-compatibility/2006" xmlns="" r:id="rId18" roundtripDataSignature="AMtx7mioJHnqF79Zjga0KU7iTsQIiSOzeA=="/>
+      <go:slidesCustomData xmlns="" xmlns:mc="http://schemas.openxmlformats.org/markup-compatibility/2006" xmlns:mv="urn:schemas-microsoft-com:mac:vml" xmlns:c="http://schemas.openxmlformats.org/drawingml/2006/chart" xmlns:dgm="http://schemas.openxmlformats.org/drawingml/2006/diagram" xmlns:o="urn:schemas-microsoft-com:office:office" xmlns:v="urn:schemas-microsoft-com:vml" xmlns:pvml="urn:schemas-microsoft-com:office:powerpoint" xmlns:com="http://schemas.openxmlformats.org/drawingml/2006/compatibility" xmlns:p14="http://schemas.microsoft.com/office/powerpoint/2010/main" xmlns:p15="http://schemas.microsoft.com/office/powerpoint/2012/main" xmlns:ahyp="http://schemas.microsoft.com/office/drawing/2018/hyperlinkcolor" xmlns:go="http://customooxmlschemas.google.com/" r:id="rId18" roundtripDataSignature="AMtx7mioJHnqF79Zjga0KU7iTsQIiSOzeA=="/>
     </p:ext>
   </p:extLst>
 </p:presentation>
@@ -1137,128 +1135,6 @@
   <p:cSld>
     <p:spTree>
       <p:nvGrpSpPr>
-        <p:cNvPr id="1" name="Shape 63"/>
-        <p:cNvGrpSpPr/>
-        <p:nvPr/>
-      </p:nvGrpSpPr>
-      <p:grpSpPr>
-        <a:xfrm>
-          <a:off x="0" y="0"/>
-          <a:ext cx="0" cy="0"/>
-          <a:chOff x="0" y="0"/>
-          <a:chExt cx="0" cy="0"/>
-        </a:xfrm>
-      </p:grpSpPr>
-      <p:sp>
-        <p:nvSpPr>
-          <p:cNvPr id="64" name="Google Shape;64;p3:notes"/>
-          <p:cNvSpPr>
-            <a:spLocks noGrp="1" noRot="1" noChangeAspect="1"/>
-          </p:cNvSpPr>
-          <p:nvPr>
-            <p:ph type="sldImg" idx="2"/>
-          </p:nvPr>
-        </p:nvSpPr>
-        <p:spPr>
-          <a:xfrm>
-            <a:off x="381000" y="685800"/>
-            <a:ext cx="6096000" cy="3429000"/>
-          </a:xfrm>
-          <a:custGeom>
-            <a:avLst/>
-            <a:gdLst/>
-            <a:ahLst/>
-            <a:cxnLst/>
-            <a:rect l="l" t="t" r="r" b="b"/>
-            <a:pathLst>
-              <a:path w="120000" h="120000" extrusionOk="0">
-                <a:moveTo>
-                  <a:pt x="0" y="0"/>
-                </a:moveTo>
-                <a:lnTo>
-                  <a:pt x="120000" y="0"/>
-                </a:lnTo>
-                <a:lnTo>
-                  <a:pt x="120000" y="120000"/>
-                </a:lnTo>
-                <a:lnTo>
-                  <a:pt x="0" y="120000"/>
-                </a:lnTo>
-                <a:close/>
-              </a:path>
-            </a:pathLst>
-          </a:custGeom>
-          <a:noFill/>
-          <a:ln w="9525" cap="flat" cmpd="sng">
-            <a:solidFill>
-              <a:srgbClr val="000000"/>
-            </a:solidFill>
-            <a:prstDash val="solid"/>
-            <a:round/>
-            <a:headEnd type="none" w="sm" len="sm"/>
-            <a:tailEnd type="none" w="sm" len="sm"/>
-          </a:ln>
-        </p:spPr>
-      </p:sp>
-      <p:sp>
-        <p:nvSpPr>
-          <p:cNvPr id="65" name="Google Shape;65;p3:notes"/>
-          <p:cNvSpPr txBox="1">
-            <a:spLocks noGrp="1"/>
-          </p:cNvSpPr>
-          <p:nvPr>
-            <p:ph type="body" idx="1"/>
-          </p:nvPr>
-        </p:nvSpPr>
-        <p:spPr>
-          <a:xfrm>
-            <a:off x="685800" y="4343400"/>
-            <a:ext cx="5486400" cy="4114800"/>
-          </a:xfrm>
-          <a:prstGeom prst="rect">
-            <a:avLst/>
-          </a:prstGeom>
-          <a:noFill/>
-          <a:ln>
-            <a:noFill/>
-          </a:ln>
-        </p:spPr>
-        <p:txBody>
-          <a:bodyPr spcFirstLastPara="1" wrap="square" lIns="91425" tIns="91425" rIns="91425" bIns="91425" anchor="t" anchorCtr="0">
-            <a:noAutofit/>
-          </a:bodyPr>
-          <a:lstStyle/>
-          <a:p>
-            <a:pPr marL="0" lvl="0" indent="0" algn="l" rtl="0">
-              <a:lnSpc>
-                <a:spcPct val="100000"/>
-              </a:lnSpc>
-              <a:spcBef>
-                <a:spcPts val="0"/>
-              </a:spcBef>
-              <a:spcAft>
-                <a:spcPts val="0"/>
-              </a:spcAft>
-              <a:buSzPts val="1100"/>
-              <a:buNone/>
-            </a:pPr>
-            <a:endParaRPr/>
-          </a:p>
-        </p:txBody>
-      </p:sp>
-    </p:spTree>
-  </p:cSld>
-  <p:clrMapOvr>
-    <a:masterClrMapping/>
-  </p:clrMapOvr>
-</p:notes>
-</file>
-
-<file path=ppt/notesSlides/notesSlide4.xml><?xml version="1.0" encoding="utf-8"?>
-<p:notes xmlns:a="http://schemas.openxmlformats.org/drawingml/2006/main" xmlns:r="http://schemas.openxmlformats.org/officeDocument/2006/relationships" xmlns:p="http://schemas.openxmlformats.org/presentationml/2006/main" showMasterSp="0" showMasterPhAnim="0">
-  <p:cSld>
-    <p:spTree>
-      <p:nvGrpSpPr>
         <p:cNvPr id="1" name="Shape 69"/>
         <p:cNvGrpSpPr/>
         <p:nvPr/>
@@ -1376,7 +1252,7 @@
 </p:notes>
 </file>
 
-<file path=ppt/notesSlides/notesSlide5.xml><?xml version="1.0" encoding="utf-8"?>
+<file path=ppt/notesSlides/notesSlide4.xml><?xml version="1.0" encoding="utf-8"?>
 <p:notes xmlns:a="http://schemas.openxmlformats.org/drawingml/2006/main" xmlns:r="http://schemas.openxmlformats.org/officeDocument/2006/relationships" xmlns:p="http://schemas.openxmlformats.org/presentationml/2006/main" showMasterSp="0" showMasterPhAnim="0">
   <p:cSld>
     <p:spTree>
@@ -1498,7 +1374,7 @@
 </p:notes>
 </file>
 
-<file path=ppt/notesSlides/notesSlide6.xml><?xml version="1.0" encoding="utf-8"?>
+<file path=ppt/notesSlides/notesSlide5.xml><?xml version="1.0" encoding="utf-8"?>
 <p:notes xmlns:a="http://schemas.openxmlformats.org/drawingml/2006/main" xmlns:r="http://schemas.openxmlformats.org/officeDocument/2006/relationships" xmlns:p="http://schemas.openxmlformats.org/presentationml/2006/main" showMasterSp="0" showMasterPhAnim="0">
   <p:cSld>
     <p:spTree>
@@ -1620,7 +1496,7 @@
 </p:notes>
 </file>
 
-<file path=ppt/notesSlides/notesSlide7.xml><?xml version="1.0" encoding="utf-8"?>
+<file path=ppt/notesSlides/notesSlide6.xml><?xml version="1.0" encoding="utf-8"?>
 <p:notes xmlns:a="http://schemas.openxmlformats.org/drawingml/2006/main" xmlns:r="http://schemas.openxmlformats.org/officeDocument/2006/relationships" xmlns:p="http://schemas.openxmlformats.org/presentationml/2006/main" showMasterSp="0" showMasterPhAnim="0">
   <p:cSld>
     <p:spTree>
@@ -8431,7 +8307,7 @@
         </p:spPr>
         <p:txBody>
           <a:bodyPr spcFirstLastPara="1" wrap="square" lIns="91425" tIns="91425" rIns="91425" bIns="91425" anchor="b" anchorCtr="0">
-            <a:normAutofit/>
+            <a:normAutofit fontScale="90000"/>
           </a:bodyPr>
           <a:lstStyle/>
           <a:p>
@@ -8449,10 +8325,34 @@
               <a:buNone/>
             </a:pPr>
             <a:r>
-              <a:rPr lang="en-US"/>
-              <a:t>&lt;judul proposal&gt;</a:t>
-            </a:r>
-            <a:endParaRPr/>
+              <a:rPr lang="en-US" dirty="0" err="1"/>
+              <a:t>Pengembanga</a:t>
+            </a:r>
+            <a:r>
+              <a:rPr lang="en-US" sz="4900" dirty="0" err="1"/>
+              <a:t>n</a:t>
+            </a:r>
+            <a:r>
+              <a:rPr lang="en-US" sz="4900" dirty="0"/>
+              <a:t> </a:t>
+            </a:r>
+            <a:r>
+              <a:rPr lang="en-US" sz="4900" dirty="0" err="1"/>
+              <a:t>Ontologi</a:t>
+            </a:r>
+            <a:r>
+              <a:rPr lang="en-US" sz="4900" dirty="0"/>
+              <a:t> Sejarah </a:t>
+            </a:r>
+            <a:r>
+              <a:rPr lang="en-US" sz="4900" dirty="0" err="1"/>
+              <a:t>Kolonialisme</a:t>
+            </a:r>
+            <a:r>
+              <a:rPr lang="en-US" sz="4900" dirty="0"/>
+              <a:t> Indonesia</a:t>
+            </a:r>
+            <a:endParaRPr dirty="0"/>
           </a:p>
         </p:txBody>
       </p:sp>
@@ -8539,7 +8439,7 @@
         <p:spPr>
           <a:xfrm>
             <a:off x="565273" y="4031675"/>
-            <a:ext cx="7919507" cy="738623"/>
+            <a:ext cx="7919507" cy="954067"/>
           </a:xfrm>
           <a:prstGeom prst="rect">
             <a:avLst/>
@@ -8611,7 +8511,7 @@
             </a:endParaRPr>
           </a:p>
           <a:p>
-            <a:pPr marL="0" marR="0" lvl="0" indent="0" algn="l" rtl="0">
+            <a:pPr marR="0" lvl="0" algn="l" rtl="0">
               <a:lnSpc>
                 <a:spcPct val="100000"/>
               </a:lnSpc>
@@ -8665,78 +8565,143 @@
               <a:t>	: </a:t>
             </a:r>
             <a:r>
-              <a:rPr lang="en-ID" i="0" dirty="0" err="1">
-                <a:solidFill>
-                  <a:srgbClr val="161616"/>
-                </a:solidFill>
-                <a:effectLst/>
-                <a:latin typeface="Poppins" panose="00000500000000000000" pitchFamily="2" charset="0"/>
+              <a:rPr lang="en-US" sz="1400" b="0" i="0" u="none" strike="noStrike" cap="none" dirty="0" err="1">
+                <a:solidFill>
+                  <a:schemeClr val="tx1"/>
+                </a:solidFill>
+                <a:latin typeface="Arial"/>
+                <a:ea typeface="Arial"/>
+                <a:cs typeface="Arial"/>
+                <a:sym typeface="Arial"/>
               </a:rPr>
               <a:t>Adila</a:t>
             </a:r>
             <a:r>
-              <a:rPr lang="en-ID" i="0" dirty="0">
-                <a:solidFill>
-                  <a:srgbClr val="161616"/>
-                </a:solidFill>
-                <a:effectLst/>
-                <a:latin typeface="Poppins" panose="00000500000000000000" pitchFamily="2" charset="0"/>
+              <a:rPr lang="en-US" sz="1400" b="0" i="0" u="none" strike="noStrike" cap="none" dirty="0">
+                <a:solidFill>
+                  <a:schemeClr val="tx1"/>
+                </a:solidFill>
+                <a:latin typeface="Arial"/>
+                <a:ea typeface="Arial"/>
+                <a:cs typeface="Arial"/>
+                <a:sym typeface="Arial"/>
               </a:rPr>
               <a:t> Alfa </a:t>
             </a:r>
             <a:r>
-              <a:rPr lang="en-ID" i="0" dirty="0" err="1">
-                <a:solidFill>
-                  <a:srgbClr val="161616"/>
-                </a:solidFill>
-                <a:effectLst/>
-                <a:latin typeface="Poppins" panose="00000500000000000000" pitchFamily="2" charset="0"/>
+              <a:rPr lang="en-US" sz="1400" b="0" i="0" u="none" strike="noStrike" cap="none" dirty="0" err="1">
+                <a:solidFill>
+                  <a:schemeClr val="tx1"/>
+                </a:solidFill>
+                <a:latin typeface="Arial"/>
+                <a:ea typeface="Arial"/>
+                <a:cs typeface="Arial"/>
+                <a:sym typeface="Arial"/>
               </a:rPr>
               <a:t>Krisnadhi</a:t>
             </a:r>
             <a:r>
-              <a:rPr lang="en-ID" i="0" dirty="0">
-                <a:solidFill>
-                  <a:srgbClr val="161616"/>
-                </a:solidFill>
-                <a:effectLst/>
-                <a:latin typeface="Poppins" panose="00000500000000000000" pitchFamily="2" charset="0"/>
+              <a:rPr lang="en-US" sz="1400" b="0" i="0" u="none" strike="noStrike" cap="none" dirty="0">
+                <a:solidFill>
+                  <a:schemeClr val="tx1"/>
+                </a:solidFill>
+                <a:latin typeface="Arial"/>
+                <a:ea typeface="Arial"/>
+                <a:cs typeface="Arial"/>
+                <a:sym typeface="Arial"/>
               </a:rPr>
               <a:t>, </a:t>
             </a:r>
             <a:r>
-              <a:rPr lang="en-ID" i="0" dirty="0" err="1">
-                <a:solidFill>
-                  <a:srgbClr val="161616"/>
-                </a:solidFill>
-                <a:effectLst/>
-                <a:latin typeface="Poppins" panose="00000500000000000000" pitchFamily="2" charset="0"/>
+              <a:rPr lang="en-US" sz="1400" b="0" i="0" u="none" strike="noStrike" cap="none" dirty="0" err="1">
+                <a:solidFill>
+                  <a:schemeClr val="tx1"/>
+                </a:solidFill>
+                <a:latin typeface="Arial"/>
+                <a:ea typeface="Arial"/>
+                <a:cs typeface="Arial"/>
+                <a:sym typeface="Arial"/>
               </a:rPr>
               <a:t>S.Kom</a:t>
             </a:r>
             <a:r>
-              <a:rPr lang="en-ID" i="0" dirty="0">
-                <a:solidFill>
-                  <a:srgbClr val="161616"/>
-                </a:solidFill>
-                <a:effectLst/>
-                <a:latin typeface="Poppins" panose="00000500000000000000" pitchFamily="2" charset="0"/>
+              <a:rPr lang="en-US" sz="1400" b="0" i="0" u="none" strike="noStrike" cap="none" dirty="0">
+                <a:solidFill>
+                  <a:schemeClr val="tx1"/>
+                </a:solidFill>
+                <a:latin typeface="Arial"/>
+                <a:ea typeface="Arial"/>
+                <a:cs typeface="Arial"/>
+                <a:sym typeface="Arial"/>
               </a:rPr>
               <a:t>., M.Sc., </a:t>
             </a:r>
             <a:r>
-              <a:rPr lang="en-ID" i="0" dirty="0" err="1">
-                <a:solidFill>
-                  <a:srgbClr val="161616"/>
-                </a:solidFill>
-                <a:effectLst/>
-                <a:latin typeface="Poppins" panose="00000500000000000000" pitchFamily="2" charset="0"/>
+              <a:rPr lang="en-US" sz="1400" b="0" i="0" u="none" strike="noStrike" cap="none" dirty="0" err="1">
+                <a:solidFill>
+                  <a:schemeClr val="tx1"/>
+                </a:solidFill>
+                <a:latin typeface="Arial"/>
+                <a:ea typeface="Arial"/>
+                <a:cs typeface="Arial"/>
+                <a:sym typeface="Arial"/>
               </a:rPr>
               <a:t>Ph.D</a:t>
             </a:r>
-            <a:endParaRPr sz="1400" i="0" u="none" strike="noStrike" cap="none" dirty="0">
+            <a:r>
+              <a:rPr lang="en-US" sz="1400" b="0" i="0" u="none" strike="noStrike" cap="none" dirty="0">
+                <a:solidFill>
+                  <a:schemeClr val="tx1"/>
+                </a:solidFill>
+                <a:latin typeface="Arial"/>
+                <a:ea typeface="Arial"/>
+                <a:cs typeface="Arial"/>
+                <a:sym typeface="Arial"/>
+              </a:rPr>
+              <a:t> dan </a:t>
+            </a:r>
+          </a:p>
+          <a:p>
+            <a:pPr marR="0" lvl="0" algn="l" rtl="0">
+              <a:lnSpc>
+                <a:spcPct val="100000"/>
+              </a:lnSpc>
+              <a:spcBef>
+                <a:spcPts val="0"/>
+              </a:spcBef>
+              <a:spcAft>
+                <a:spcPts val="0"/>
+              </a:spcAft>
+              <a:buClr>
+                <a:srgbClr val="000000"/>
+              </a:buClr>
+              <a:buSzPts val="1400"/>
+              <a:buFont typeface="Arial"/>
+              <a:buNone/>
+            </a:pPr>
+            <a:r>
+              <a:rPr lang="en-US" dirty="0">
+                <a:solidFill>
+                  <a:schemeClr val="tx1"/>
+                </a:solidFill>
+              </a:rPr>
+              <a:t>			  </a:t>
+            </a:r>
+            <a:r>
+              <a:rPr lang="da-DK" sz="1400" b="0" i="0" u="none" strike="noStrike" cap="none" dirty="0">
+                <a:solidFill>
+                  <a:schemeClr val="tx1"/>
+                </a:solidFill>
+                <a:latin typeface="Arial"/>
+                <a:ea typeface="Arial"/>
+                <a:cs typeface="Arial"/>
+                <a:sym typeface="Arial"/>
+              </a:rPr>
+              <a:t>Iis Afriyanti, S.Kom., M.Sc.</a:t>
+            </a:r>
+            <a:endParaRPr lang="en-US" sz="1400" b="0" i="0" u="none" strike="noStrike" cap="none" dirty="0">
               <a:solidFill>
-                <a:srgbClr val="000000"/>
+                <a:schemeClr val="tx1"/>
               </a:solidFill>
               <a:latin typeface="Arial"/>
               <a:ea typeface="Arial"/>
@@ -8796,31 +8761,11 @@
                 <a:cs typeface="Arial"/>
                 <a:sym typeface="Arial"/>
               </a:rPr>
-              <a:t>		: &lt;Nama lab </a:t>
-            </a:r>
-            <a:r>
-              <a:rPr lang="en-US" sz="1400" b="0" i="0" u="none" strike="noStrike" cap="none" dirty="0" err="1">
-                <a:solidFill>
-                  <a:srgbClr val="000000"/>
-                </a:solidFill>
-                <a:latin typeface="Arial"/>
-                <a:ea typeface="Arial"/>
-                <a:cs typeface="Arial"/>
-                <a:sym typeface="Arial"/>
-              </a:rPr>
-              <a:t>penelitian</a:t>
-            </a:r>
-            <a:r>
-              <a:rPr lang="en-US" sz="1400" b="0" i="0" u="none" strike="noStrike" cap="none" dirty="0">
-                <a:solidFill>
-                  <a:srgbClr val="000000"/>
-                </a:solidFill>
-                <a:latin typeface="Arial"/>
-                <a:ea typeface="Arial"/>
-                <a:cs typeface="Arial"/>
-                <a:sym typeface="Arial"/>
-              </a:rPr>
-              <a:t>&gt;</a:t>
+              <a:t>		: </a:t>
+            </a:r>
+            <a:r>
+              <a:rPr lang="en-US" dirty="0"/>
+              <a:t>IR/NLP</a:t>
             </a:r>
             <a:endParaRPr sz="1400" b="0" i="0" u="none" strike="noStrike" cap="none" dirty="0">
               <a:solidFill>
@@ -8843,267 +8788,6 @@
 </file>
 
 <file path=ppt/slides/slide10.xml><?xml version="1.0" encoding="utf-8"?>
-<p:sld xmlns:a="http://schemas.openxmlformats.org/drawingml/2006/main" xmlns:r="http://schemas.openxmlformats.org/officeDocument/2006/relationships" xmlns:p="http://schemas.openxmlformats.org/presentationml/2006/main">
-  <p:cSld>
-    <p:spTree>
-      <p:nvGrpSpPr>
-        <p:cNvPr id="1" name="Shape 78"/>
-        <p:cNvGrpSpPr/>
-        <p:nvPr/>
-      </p:nvGrpSpPr>
-      <p:grpSpPr>
-        <a:xfrm>
-          <a:off x="0" y="0"/>
-          <a:ext cx="0" cy="0"/>
-          <a:chOff x="0" y="0"/>
-          <a:chExt cx="0" cy="0"/>
-        </a:xfrm>
-      </p:grpSpPr>
-      <p:sp>
-        <p:nvSpPr>
-          <p:cNvPr id="79" name="Google Shape;79;p5"/>
-          <p:cNvSpPr txBox="1">
-            <a:spLocks noGrp="1"/>
-          </p:cNvSpPr>
-          <p:nvPr>
-            <p:ph type="title"/>
-          </p:nvPr>
-        </p:nvSpPr>
-        <p:spPr>
-          <a:xfrm>
-            <a:off x="311700" y="445025"/>
-            <a:ext cx="8520600" cy="572700"/>
-          </a:xfrm>
-          <a:prstGeom prst="rect">
-            <a:avLst/>
-          </a:prstGeom>
-          <a:noFill/>
-          <a:ln>
-            <a:noFill/>
-          </a:ln>
-        </p:spPr>
-        <p:txBody>
-          <a:bodyPr spcFirstLastPara="1" wrap="square" lIns="91425" tIns="91425" rIns="91425" bIns="91425" anchor="t" anchorCtr="0">
-            <a:normAutofit fontScale="90000"/>
-          </a:bodyPr>
-          <a:lstStyle/>
-          <a:p>
-            <a:pPr marL="0" lvl="0" indent="0" algn="l" rtl="0">
-              <a:lnSpc>
-                <a:spcPct val="100000"/>
-              </a:lnSpc>
-              <a:spcBef>
-                <a:spcPts val="0"/>
-              </a:spcBef>
-              <a:spcAft>
-                <a:spcPts val="0"/>
-              </a:spcAft>
-              <a:buSzPct val="111111"/>
-              <a:buNone/>
-            </a:pPr>
-            <a:r>
-              <a:rPr lang="en-US"/>
-              <a:t>metode pemecahan masalah</a:t>
-            </a:r>
-            <a:endParaRPr/>
-          </a:p>
-        </p:txBody>
-      </p:sp>
-      <p:sp>
-        <p:nvSpPr>
-          <p:cNvPr id="80" name="Google Shape;80;p5"/>
-          <p:cNvSpPr txBox="1">
-            <a:spLocks noGrp="1"/>
-          </p:cNvSpPr>
-          <p:nvPr>
-            <p:ph type="body" idx="1"/>
-          </p:nvPr>
-        </p:nvSpPr>
-        <p:spPr>
-          <a:xfrm>
-            <a:off x="311700" y="1152475"/>
-            <a:ext cx="8520600" cy="3416400"/>
-          </a:xfrm>
-          <a:prstGeom prst="rect">
-            <a:avLst/>
-          </a:prstGeom>
-          <a:noFill/>
-          <a:ln>
-            <a:noFill/>
-          </a:ln>
-        </p:spPr>
-        <p:txBody>
-          <a:bodyPr spcFirstLastPara="1" wrap="square" lIns="91425" tIns="91425" rIns="91425" bIns="91425" anchor="t" anchorCtr="0">
-            <a:normAutofit/>
-          </a:bodyPr>
-          <a:lstStyle/>
-          <a:p>
-            <a:pPr marL="0" lvl="0" indent="0" algn="l" rtl="0">
-              <a:lnSpc>
-                <a:spcPct val="115000"/>
-              </a:lnSpc>
-              <a:spcBef>
-                <a:spcPts val="0"/>
-              </a:spcBef>
-              <a:spcAft>
-                <a:spcPts val="1200"/>
-              </a:spcAft>
-              <a:buSzPts val="1800"/>
-              <a:buNone/>
-            </a:pPr>
-            <a:r>
-              <a:rPr lang="en-US" dirty="0"/>
-              <a:t>- </a:t>
-            </a:r>
-            <a:r>
-              <a:rPr lang="en-US" dirty="0" err="1"/>
-              <a:t>Pendefinisian</a:t>
-            </a:r>
-            <a:r>
-              <a:rPr lang="en-US" dirty="0"/>
-              <a:t> </a:t>
-            </a:r>
-            <a:r>
-              <a:rPr lang="en-US" i="1" dirty="0"/>
-              <a:t>vocabulary</a:t>
-            </a:r>
-            <a:r>
-              <a:rPr lang="en-US" dirty="0"/>
-              <a:t> dan </a:t>
-            </a:r>
-            <a:r>
-              <a:rPr lang="en-US" i="1" dirty="0"/>
-              <a:t>class</a:t>
-            </a:r>
-          </a:p>
-          <a:p>
-            <a:pPr marL="0" lvl="0" indent="0" algn="l" rtl="0">
-              <a:lnSpc>
-                <a:spcPct val="115000"/>
-              </a:lnSpc>
-              <a:spcBef>
-                <a:spcPts val="0"/>
-              </a:spcBef>
-              <a:spcAft>
-                <a:spcPts val="1200"/>
-              </a:spcAft>
-              <a:buSzPts val="1800"/>
-              <a:buNone/>
-            </a:pPr>
-            <a:r>
-              <a:rPr lang="en-US" i="1" dirty="0"/>
-              <a:t>- </a:t>
-            </a:r>
-            <a:r>
-              <a:rPr lang="en-US" dirty="0" err="1"/>
-              <a:t>Pengumpulan</a:t>
-            </a:r>
-            <a:r>
-              <a:rPr lang="en-US" dirty="0"/>
-              <a:t> </a:t>
-            </a:r>
-            <a:r>
-              <a:rPr lang="en-US" dirty="0" err="1"/>
-              <a:t>sumber</a:t>
-            </a:r>
-            <a:r>
-              <a:rPr lang="en-US" dirty="0"/>
-              <a:t> data</a:t>
-            </a:r>
-          </a:p>
-          <a:p>
-            <a:pPr marL="0" lvl="0" indent="0" algn="l" rtl="0">
-              <a:lnSpc>
-                <a:spcPct val="115000"/>
-              </a:lnSpc>
-              <a:spcBef>
-                <a:spcPts val="0"/>
-              </a:spcBef>
-              <a:spcAft>
-                <a:spcPts val="1200"/>
-              </a:spcAft>
-              <a:buSzPts val="1800"/>
-              <a:buNone/>
-            </a:pPr>
-            <a:r>
-              <a:rPr lang="en-US" dirty="0"/>
-              <a:t>- Preprocess </a:t>
-            </a:r>
-            <a:r>
-              <a:rPr lang="en-US" dirty="0" err="1"/>
-              <a:t>sumber</a:t>
-            </a:r>
-            <a:r>
-              <a:rPr lang="en-US" dirty="0"/>
-              <a:t> data</a:t>
-            </a:r>
-          </a:p>
-          <a:p>
-            <a:pPr marL="0" lvl="0" indent="0" algn="l" rtl="0">
-              <a:lnSpc>
-                <a:spcPct val="115000"/>
-              </a:lnSpc>
-              <a:spcBef>
-                <a:spcPts val="0"/>
-              </a:spcBef>
-              <a:spcAft>
-                <a:spcPts val="1200"/>
-              </a:spcAft>
-              <a:buSzPts val="1800"/>
-              <a:buNone/>
-            </a:pPr>
-            <a:r>
-              <a:rPr lang="en-US" dirty="0"/>
-              <a:t>- </a:t>
-            </a:r>
-            <a:r>
-              <a:rPr lang="en-US" dirty="0" err="1"/>
-              <a:t>Validasi</a:t>
-            </a:r>
-            <a:r>
-              <a:rPr lang="en-US" dirty="0"/>
-              <a:t> data</a:t>
-            </a:r>
-          </a:p>
-          <a:p>
-            <a:pPr marL="0" lvl="0" indent="0" algn="l" rtl="0">
-              <a:lnSpc>
-                <a:spcPct val="115000"/>
-              </a:lnSpc>
-              <a:spcBef>
-                <a:spcPts val="0"/>
-              </a:spcBef>
-              <a:spcAft>
-                <a:spcPts val="1200"/>
-              </a:spcAft>
-              <a:buSzPts val="1800"/>
-              <a:buNone/>
-            </a:pPr>
-            <a:r>
-              <a:rPr lang="en-US" dirty="0"/>
-              <a:t>- </a:t>
-            </a:r>
-            <a:r>
-              <a:rPr lang="en-US" dirty="0" err="1"/>
-              <a:t>Publikasi</a:t>
-            </a:r>
-            <a:r>
-              <a:rPr lang="en-US" dirty="0"/>
-              <a:t> data</a:t>
-            </a:r>
-            <a:endParaRPr dirty="0"/>
-          </a:p>
-        </p:txBody>
-      </p:sp>
-    </p:spTree>
-  </p:cSld>
-  <p:clrMapOvr>
-    <a:masterClrMapping/>
-  </p:clrMapOvr>
-</p:sld>
-</file>
-
-<file path=ppt/slides/slide11.xml><?xml version="1.0" encoding="utf-8"?>
 <p:sld xmlns:a="http://schemas.openxmlformats.org/drawingml/2006/main" xmlns:r="http://schemas.openxmlformats.org/officeDocument/2006/relationships" xmlns:p="http://schemas.openxmlformats.org/presentationml/2006/main">
   <p:cSld>
     <p:spTree>
@@ -9167,87 +8851,2326 @@
               <a:buNone/>
             </a:pPr>
             <a:r>
-              <a:rPr lang="en-US"/>
-              <a:t>rencana kegiatan dan waktu pelaksanaan</a:t>
-            </a:r>
-            <a:endParaRPr/>
-          </a:p>
-          <a:p>
-            <a:pPr marL="0" lvl="0" indent="0" algn="l" rtl="0">
-              <a:lnSpc>
-                <a:spcPct val="100000"/>
-              </a:lnSpc>
-              <a:spcBef>
-                <a:spcPts val="0"/>
-              </a:spcBef>
-              <a:spcAft>
-                <a:spcPts val="0"/>
-              </a:spcAft>
-              <a:buSzPct val="111111"/>
-              <a:buNone/>
-            </a:pPr>
-            <a:endParaRPr/>
+              <a:rPr lang="fi-FI" dirty="0"/>
+              <a:t>Rencana Kegiatan dan Waktu Pelaksanaan</a:t>
+            </a:r>
+            <a:br>
+              <a:rPr lang="fi-FI" dirty="0"/>
+            </a:br>
+            <a:endParaRPr lang="fi-FI" dirty="0"/>
           </a:p>
         </p:txBody>
       </p:sp>
-      <p:sp>
-        <p:nvSpPr>
-          <p:cNvPr id="92" name="Google Shape;92;p7"/>
-          <p:cNvSpPr txBox="1">
-            <a:spLocks noGrp="1"/>
-          </p:cNvSpPr>
+      <p:graphicFrame>
+        <p:nvGraphicFramePr>
+          <p:cNvPr id="2" name="Table 1">
+            <a:extLst>
+              <a:ext uri="{FF2B5EF4-FFF2-40B4-BE49-F238E27FC236}">
+                <a16:creationId xmlns:a16="http://schemas.microsoft.com/office/drawing/2014/main" id="{7AA9FA0C-5F33-C8A9-7C0C-C5B04CF9191A}"/>
+              </a:ext>
+            </a:extLst>
+          </p:cNvPr>
+          <p:cNvGraphicFramePr>
+            <a:graphicFrameLocks noGrp="1"/>
+          </p:cNvGraphicFramePr>
           <p:nvPr>
-            <p:ph type="body" idx="1"/>
+            <p:extLst>
+              <p:ext uri="{D42A27DB-BD31-4B8C-83A1-F6EECF244321}">
+                <p14:modId xmlns:p14="http://schemas.microsoft.com/office/powerpoint/2010/main" val="3064006052"/>
+              </p:ext>
+            </p:extLst>
           </p:nvPr>
-        </p:nvSpPr>
-        <p:spPr>
-          <a:xfrm>
-            <a:off x="311700" y="1152475"/>
-            <a:ext cx="8520600" cy="3416400"/>
-          </a:xfrm>
-          <a:prstGeom prst="rect">
-            <a:avLst/>
-          </a:prstGeom>
-          <a:noFill/>
-          <a:ln>
-            <a:noFill/>
-          </a:ln>
-        </p:spPr>
-        <p:txBody>
-          <a:bodyPr spcFirstLastPara="1" wrap="square" lIns="91425" tIns="91425" rIns="91425" bIns="91425" anchor="t" anchorCtr="0">
-            <a:normAutofit/>
-          </a:bodyPr>
-          <a:lstStyle/>
-          <a:p>
-            <a:pPr marL="0" lvl="0" indent="0" algn="l" rtl="0">
-              <a:lnSpc>
-                <a:spcPct val="115000"/>
-              </a:lnSpc>
-              <a:spcBef>
-                <a:spcPts val="0"/>
-              </a:spcBef>
-              <a:spcAft>
-                <a:spcPts val="1200"/>
-              </a:spcAft>
-              <a:buSzPts val="1800"/>
-              <a:buNone/>
-            </a:pPr>
-            <a:r>
-              <a:rPr lang="en-US"/>
-              <a:t>&lt;</a:t>
-            </a:r>
-            <a:r>
-              <a:rPr lang="en-US" i="1"/>
-              <a:t>Jelaskan tahapan kegiatan yang akan dilakukan beserta waktu pelaksanaannya, bisa per pekan ataupun tanggal pelaksanaan setiap kegiatan tsb</a:t>
-            </a:r>
-            <a:r>
-              <a:rPr lang="en-US"/>
-              <a:t>&gt;</a:t>
-            </a:r>
-            <a:endParaRPr/>
-          </a:p>
-        </p:txBody>
-      </p:sp>
+        </p:nvGraphicFramePr>
+        <p:xfrm>
+          <a:off x="366013" y="1400964"/>
+          <a:ext cx="8402274" cy="3297511"/>
+        </p:xfrm>
+        <a:graphic>
+          <a:graphicData uri="http://schemas.openxmlformats.org/drawingml/2006/table">
+            <a:tbl>
+              <a:tblPr firstRow="1" lastRow="1" bandRow="1">
+                <a:tableStyleId>{5940675A-B579-460E-94D1-54222C63F5DA}</a:tableStyleId>
+              </a:tblPr>
+              <a:tblGrid>
+                <a:gridCol w="1879106">
+                  <a:extLst>
+                    <a:ext uri="{9D8B030D-6E8A-4147-A177-3AD203B41FA5}">
+                      <a16:colId xmlns:a16="http://schemas.microsoft.com/office/drawing/2014/main" val="2256351474"/>
+                    </a:ext>
+                  </a:extLst>
+                </a:gridCol>
+                <a:gridCol w="407698">
+                  <a:extLst>
+                    <a:ext uri="{9D8B030D-6E8A-4147-A177-3AD203B41FA5}">
+                      <a16:colId xmlns:a16="http://schemas.microsoft.com/office/drawing/2014/main" val="2181716187"/>
+                    </a:ext>
+                  </a:extLst>
+                </a:gridCol>
+                <a:gridCol w="407698">
+                  <a:extLst>
+                    <a:ext uri="{9D8B030D-6E8A-4147-A177-3AD203B41FA5}">
+                      <a16:colId xmlns:a16="http://schemas.microsoft.com/office/drawing/2014/main" val="3913973866"/>
+                    </a:ext>
+                  </a:extLst>
+                </a:gridCol>
+                <a:gridCol w="407698">
+                  <a:extLst>
+                    <a:ext uri="{9D8B030D-6E8A-4147-A177-3AD203B41FA5}">
+                      <a16:colId xmlns:a16="http://schemas.microsoft.com/office/drawing/2014/main" val="3489805662"/>
+                    </a:ext>
+                  </a:extLst>
+                </a:gridCol>
+                <a:gridCol w="407698">
+                  <a:extLst>
+                    <a:ext uri="{9D8B030D-6E8A-4147-A177-3AD203B41FA5}">
+                      <a16:colId xmlns:a16="http://schemas.microsoft.com/office/drawing/2014/main" val="2896614929"/>
+                    </a:ext>
+                  </a:extLst>
+                </a:gridCol>
+                <a:gridCol w="407698">
+                  <a:extLst>
+                    <a:ext uri="{9D8B030D-6E8A-4147-A177-3AD203B41FA5}">
+                      <a16:colId xmlns:a16="http://schemas.microsoft.com/office/drawing/2014/main" val="2837631345"/>
+                    </a:ext>
+                  </a:extLst>
+                </a:gridCol>
+                <a:gridCol w="407698">
+                  <a:extLst>
+                    <a:ext uri="{9D8B030D-6E8A-4147-A177-3AD203B41FA5}">
+                      <a16:colId xmlns:a16="http://schemas.microsoft.com/office/drawing/2014/main" val="873347609"/>
+                    </a:ext>
+                  </a:extLst>
+                </a:gridCol>
+                <a:gridCol w="407698">
+                  <a:extLst>
+                    <a:ext uri="{9D8B030D-6E8A-4147-A177-3AD203B41FA5}">
+                      <a16:colId xmlns:a16="http://schemas.microsoft.com/office/drawing/2014/main" val="1237604295"/>
+                    </a:ext>
+                  </a:extLst>
+                </a:gridCol>
+                <a:gridCol w="407698">
+                  <a:extLst>
+                    <a:ext uri="{9D8B030D-6E8A-4147-A177-3AD203B41FA5}">
+                      <a16:colId xmlns:a16="http://schemas.microsoft.com/office/drawing/2014/main" val="3489626463"/>
+                    </a:ext>
+                  </a:extLst>
+                </a:gridCol>
+                <a:gridCol w="407698">
+                  <a:extLst>
+                    <a:ext uri="{9D8B030D-6E8A-4147-A177-3AD203B41FA5}">
+                      <a16:colId xmlns:a16="http://schemas.microsoft.com/office/drawing/2014/main" val="1735254432"/>
+                    </a:ext>
+                  </a:extLst>
+                </a:gridCol>
+                <a:gridCol w="407698">
+                  <a:extLst>
+                    <a:ext uri="{9D8B030D-6E8A-4147-A177-3AD203B41FA5}">
+                      <a16:colId xmlns:a16="http://schemas.microsoft.com/office/drawing/2014/main" val="2498447279"/>
+                    </a:ext>
+                  </a:extLst>
+                </a:gridCol>
+                <a:gridCol w="407698">
+                  <a:extLst>
+                    <a:ext uri="{9D8B030D-6E8A-4147-A177-3AD203B41FA5}">
+                      <a16:colId xmlns:a16="http://schemas.microsoft.com/office/drawing/2014/main" val="2274088480"/>
+                    </a:ext>
+                  </a:extLst>
+                </a:gridCol>
+                <a:gridCol w="407698">
+                  <a:extLst>
+                    <a:ext uri="{9D8B030D-6E8A-4147-A177-3AD203B41FA5}">
+                      <a16:colId xmlns:a16="http://schemas.microsoft.com/office/drawing/2014/main" val="3001557276"/>
+                    </a:ext>
+                  </a:extLst>
+                </a:gridCol>
+                <a:gridCol w="407698">
+                  <a:extLst>
+                    <a:ext uri="{9D8B030D-6E8A-4147-A177-3AD203B41FA5}">
+                      <a16:colId xmlns:a16="http://schemas.microsoft.com/office/drawing/2014/main" val="1317294408"/>
+                    </a:ext>
+                  </a:extLst>
+                </a:gridCol>
+                <a:gridCol w="407698">
+                  <a:extLst>
+                    <a:ext uri="{9D8B030D-6E8A-4147-A177-3AD203B41FA5}">
+                      <a16:colId xmlns:a16="http://schemas.microsoft.com/office/drawing/2014/main" val="1533416657"/>
+                    </a:ext>
+                  </a:extLst>
+                </a:gridCol>
+                <a:gridCol w="407698">
+                  <a:extLst>
+                    <a:ext uri="{9D8B030D-6E8A-4147-A177-3AD203B41FA5}">
+                      <a16:colId xmlns:a16="http://schemas.microsoft.com/office/drawing/2014/main" val="3043754148"/>
+                    </a:ext>
+                  </a:extLst>
+                </a:gridCol>
+                <a:gridCol w="407698">
+                  <a:extLst>
+                    <a:ext uri="{9D8B030D-6E8A-4147-A177-3AD203B41FA5}">
+                      <a16:colId xmlns:a16="http://schemas.microsoft.com/office/drawing/2014/main" val="210562421"/>
+                    </a:ext>
+                  </a:extLst>
+                </a:gridCol>
+              </a:tblGrid>
+              <a:tr h="470414">
+                <a:tc rowSpan="2">
+                  <a:txBody>
+                    <a:bodyPr/>
+                    <a:lstStyle/>
+                    <a:p>
+                      <a:pPr algn="ctr"/>
+                      <a:r>
+                        <a:rPr lang="en-US" sz="1200" b="1" dirty="0" err="1"/>
+                        <a:t>Kegiatan</a:t>
+                      </a:r>
+                      <a:endParaRPr lang="en-ID" sz="1200" b="1" dirty="0"/>
+                    </a:p>
+                  </a:txBody>
+                  <a:tcPr anchor="ctr"/>
+                </a:tc>
+                <a:tc gridSpan="4">
+                  <a:txBody>
+                    <a:bodyPr/>
+                    <a:lstStyle/>
+                    <a:p>
+                      <a:pPr algn="ctr"/>
+                      <a:r>
+                        <a:rPr lang="en-US" sz="1200" b="1" dirty="0" err="1"/>
+                        <a:t>Februari</a:t>
+                      </a:r>
+                      <a:endParaRPr lang="en-ID" sz="1200" b="1" dirty="0"/>
+                    </a:p>
+                  </a:txBody>
+                  <a:tcPr anchor="ctr"/>
+                </a:tc>
+                <a:tc hMerge="1">
+                  <a:txBody>
+                    <a:bodyPr/>
+                    <a:lstStyle/>
+                    <a:p>
+                      <a:endParaRPr lang="en-ID" dirty="0"/>
+                    </a:p>
+                  </a:txBody>
+                  <a:tcPr/>
+                </a:tc>
+                <a:tc hMerge="1">
+                  <a:txBody>
+                    <a:bodyPr/>
+                    <a:lstStyle/>
+                    <a:p>
+                      <a:endParaRPr lang="en-ID" dirty="0"/>
+                    </a:p>
+                  </a:txBody>
+                  <a:tcPr/>
+                </a:tc>
+                <a:tc hMerge="1">
+                  <a:txBody>
+                    <a:bodyPr/>
+                    <a:lstStyle/>
+                    <a:p>
+                      <a:endParaRPr lang="en-ID" dirty="0"/>
+                    </a:p>
+                  </a:txBody>
+                  <a:tcPr/>
+                </a:tc>
+                <a:tc gridSpan="4">
+                  <a:txBody>
+                    <a:bodyPr/>
+                    <a:lstStyle/>
+                    <a:p>
+                      <a:pPr algn="ctr"/>
+                      <a:r>
+                        <a:rPr lang="en-US" sz="1200" b="1" dirty="0" err="1"/>
+                        <a:t>Maret</a:t>
+                      </a:r>
+                      <a:endParaRPr lang="en-ID" sz="1200" b="1" dirty="0"/>
+                    </a:p>
+                  </a:txBody>
+                  <a:tcPr anchor="ctr"/>
+                </a:tc>
+                <a:tc hMerge="1">
+                  <a:txBody>
+                    <a:bodyPr/>
+                    <a:lstStyle/>
+                    <a:p>
+                      <a:pPr algn="ctr"/>
+                      <a:endParaRPr lang="en-ID" dirty="0"/>
+                    </a:p>
+                  </a:txBody>
+                  <a:tcPr anchor="ctr"/>
+                </a:tc>
+                <a:tc hMerge="1">
+                  <a:txBody>
+                    <a:bodyPr/>
+                    <a:lstStyle/>
+                    <a:p>
+                      <a:pPr algn="ctr"/>
+                      <a:endParaRPr lang="en-ID" dirty="0"/>
+                    </a:p>
+                  </a:txBody>
+                  <a:tcPr anchor="ctr"/>
+                </a:tc>
+                <a:tc hMerge="1">
+                  <a:txBody>
+                    <a:bodyPr/>
+                    <a:lstStyle/>
+                    <a:p>
+                      <a:pPr algn="ctr"/>
+                      <a:endParaRPr lang="en-ID" dirty="0"/>
+                    </a:p>
+                  </a:txBody>
+                  <a:tcPr anchor="ctr"/>
+                </a:tc>
+                <a:tc gridSpan="4">
+                  <a:txBody>
+                    <a:bodyPr/>
+                    <a:lstStyle/>
+                    <a:p>
+                      <a:pPr algn="ctr"/>
+                      <a:r>
+                        <a:rPr lang="en-US" sz="1200" b="1" dirty="0"/>
+                        <a:t>April</a:t>
+                      </a:r>
+                      <a:endParaRPr lang="en-ID" sz="1200" b="1" dirty="0"/>
+                    </a:p>
+                  </a:txBody>
+                  <a:tcPr anchor="ctr"/>
+                </a:tc>
+                <a:tc hMerge="1">
+                  <a:txBody>
+                    <a:bodyPr/>
+                    <a:lstStyle/>
+                    <a:p>
+                      <a:pPr algn="ctr"/>
+                      <a:endParaRPr lang="en-ID" dirty="0"/>
+                    </a:p>
+                  </a:txBody>
+                  <a:tcPr anchor="ctr"/>
+                </a:tc>
+                <a:tc hMerge="1">
+                  <a:txBody>
+                    <a:bodyPr/>
+                    <a:lstStyle/>
+                    <a:p>
+                      <a:pPr algn="ctr"/>
+                      <a:endParaRPr lang="en-ID" dirty="0"/>
+                    </a:p>
+                  </a:txBody>
+                  <a:tcPr anchor="ctr"/>
+                </a:tc>
+                <a:tc hMerge="1">
+                  <a:txBody>
+                    <a:bodyPr/>
+                    <a:lstStyle/>
+                    <a:p>
+                      <a:pPr algn="ctr"/>
+                      <a:endParaRPr lang="en-ID" dirty="0"/>
+                    </a:p>
+                  </a:txBody>
+                  <a:tcPr anchor="ctr"/>
+                </a:tc>
+                <a:tc gridSpan="4">
+                  <a:txBody>
+                    <a:bodyPr/>
+                    <a:lstStyle/>
+                    <a:p>
+                      <a:pPr algn="ctr"/>
+                      <a:r>
+                        <a:rPr lang="en-US" sz="1200" b="1" dirty="0"/>
+                        <a:t>Mei</a:t>
+                      </a:r>
+                      <a:endParaRPr lang="en-ID" sz="1200" b="1" dirty="0"/>
+                    </a:p>
+                  </a:txBody>
+                  <a:tcPr anchor="ctr"/>
+                </a:tc>
+                <a:tc hMerge="1">
+                  <a:txBody>
+                    <a:bodyPr/>
+                    <a:lstStyle/>
+                    <a:p>
+                      <a:pPr algn="ctr"/>
+                      <a:endParaRPr lang="en-ID" dirty="0"/>
+                    </a:p>
+                  </a:txBody>
+                  <a:tcPr anchor="ctr"/>
+                </a:tc>
+                <a:tc hMerge="1">
+                  <a:txBody>
+                    <a:bodyPr/>
+                    <a:lstStyle/>
+                    <a:p>
+                      <a:pPr algn="ctr"/>
+                      <a:endParaRPr lang="en-ID" dirty="0"/>
+                    </a:p>
+                  </a:txBody>
+                  <a:tcPr anchor="ctr"/>
+                </a:tc>
+                <a:tc hMerge="1">
+                  <a:txBody>
+                    <a:bodyPr/>
+                    <a:lstStyle/>
+                    <a:p>
+                      <a:pPr algn="ctr"/>
+                      <a:endParaRPr lang="en-ID" dirty="0"/>
+                    </a:p>
+                  </a:txBody>
+                  <a:tcPr anchor="ctr"/>
+                </a:tc>
+                <a:extLst>
+                  <a:ext uri="{0D108BD9-81ED-4DB2-BD59-A6C34878D82A}">
+                    <a16:rowId xmlns:a16="http://schemas.microsoft.com/office/drawing/2014/main" val="3847714475"/>
+                  </a:ext>
+                </a:extLst>
+              </a:tr>
+              <a:tr h="470414">
+                <a:tc vMerge="1">
+                  <a:txBody>
+                    <a:bodyPr/>
+                    <a:lstStyle/>
+                    <a:p>
+                      <a:pPr algn="ctr"/>
+                      <a:endParaRPr lang="en-ID" dirty="0"/>
+                    </a:p>
+                  </a:txBody>
+                  <a:tcPr anchor="ctr"/>
+                </a:tc>
+                <a:tc>
+                  <a:txBody>
+                    <a:bodyPr/>
+                    <a:lstStyle/>
+                    <a:p>
+                      <a:pPr algn="ctr"/>
+                      <a:r>
+                        <a:rPr lang="en-US" sz="800" b="1" dirty="0"/>
+                        <a:t>W1</a:t>
+                      </a:r>
+                      <a:endParaRPr lang="en-ID" sz="800" b="1" dirty="0"/>
+                    </a:p>
+                  </a:txBody>
+                  <a:tcPr anchor="ctr"/>
+                </a:tc>
+                <a:tc>
+                  <a:txBody>
+                    <a:bodyPr/>
+                    <a:lstStyle/>
+                    <a:p>
+                      <a:pPr algn="ctr"/>
+                      <a:r>
+                        <a:rPr lang="en-US" sz="800" b="1" dirty="0"/>
+                        <a:t>W2</a:t>
+                      </a:r>
+                      <a:endParaRPr lang="en-ID" sz="800" b="1" dirty="0"/>
+                    </a:p>
+                  </a:txBody>
+                  <a:tcPr anchor="ctr"/>
+                </a:tc>
+                <a:tc>
+                  <a:txBody>
+                    <a:bodyPr/>
+                    <a:lstStyle/>
+                    <a:p>
+                      <a:pPr algn="ctr"/>
+                      <a:r>
+                        <a:rPr lang="en-US" sz="800" b="1" dirty="0"/>
+                        <a:t>W3</a:t>
+                      </a:r>
+                      <a:endParaRPr lang="en-ID" sz="800" b="1" dirty="0"/>
+                    </a:p>
+                  </a:txBody>
+                  <a:tcPr anchor="ctr"/>
+                </a:tc>
+                <a:tc>
+                  <a:txBody>
+                    <a:bodyPr/>
+                    <a:lstStyle/>
+                    <a:p>
+                      <a:pPr algn="ctr"/>
+                      <a:r>
+                        <a:rPr lang="en-US" sz="800" b="1" dirty="0"/>
+                        <a:t>W4</a:t>
+                      </a:r>
+                      <a:endParaRPr lang="en-ID" sz="800" b="1" dirty="0"/>
+                    </a:p>
+                  </a:txBody>
+                  <a:tcPr anchor="ctr"/>
+                </a:tc>
+                <a:tc>
+                  <a:txBody>
+                    <a:bodyPr/>
+                    <a:lstStyle/>
+                    <a:p>
+                      <a:pPr algn="ctr"/>
+                      <a:r>
+                        <a:rPr lang="en-US" sz="800" b="1" dirty="0"/>
+                        <a:t>W1</a:t>
+                      </a:r>
+                      <a:endParaRPr lang="en-ID" sz="800" b="1" dirty="0"/>
+                    </a:p>
+                  </a:txBody>
+                  <a:tcPr anchor="ctr"/>
+                </a:tc>
+                <a:tc>
+                  <a:txBody>
+                    <a:bodyPr/>
+                    <a:lstStyle/>
+                    <a:p>
+                      <a:pPr algn="ctr"/>
+                      <a:r>
+                        <a:rPr lang="en-US" sz="800" b="1" dirty="0"/>
+                        <a:t>W2</a:t>
+                      </a:r>
+                      <a:endParaRPr lang="en-ID" sz="800" b="1" dirty="0"/>
+                    </a:p>
+                  </a:txBody>
+                  <a:tcPr anchor="ctr"/>
+                </a:tc>
+                <a:tc>
+                  <a:txBody>
+                    <a:bodyPr/>
+                    <a:lstStyle/>
+                    <a:p>
+                      <a:pPr algn="ctr"/>
+                      <a:r>
+                        <a:rPr lang="en-US" sz="800" b="1" dirty="0"/>
+                        <a:t>W3</a:t>
+                      </a:r>
+                      <a:endParaRPr lang="en-ID" sz="800" b="1" dirty="0"/>
+                    </a:p>
+                  </a:txBody>
+                  <a:tcPr anchor="ctr"/>
+                </a:tc>
+                <a:tc>
+                  <a:txBody>
+                    <a:bodyPr/>
+                    <a:lstStyle/>
+                    <a:p>
+                      <a:pPr algn="ctr"/>
+                      <a:r>
+                        <a:rPr lang="en-US" sz="800" b="1" dirty="0"/>
+                        <a:t>W4</a:t>
+                      </a:r>
+                      <a:endParaRPr lang="en-ID" sz="800" b="1" dirty="0"/>
+                    </a:p>
+                  </a:txBody>
+                  <a:tcPr anchor="ctr"/>
+                </a:tc>
+                <a:tc>
+                  <a:txBody>
+                    <a:bodyPr/>
+                    <a:lstStyle/>
+                    <a:p>
+                      <a:pPr algn="ctr"/>
+                      <a:r>
+                        <a:rPr lang="en-US" sz="800" b="1" dirty="0"/>
+                        <a:t>W1</a:t>
+                      </a:r>
+                      <a:endParaRPr lang="en-ID" sz="800" b="1" dirty="0"/>
+                    </a:p>
+                  </a:txBody>
+                  <a:tcPr anchor="ctr"/>
+                </a:tc>
+                <a:tc>
+                  <a:txBody>
+                    <a:bodyPr/>
+                    <a:lstStyle/>
+                    <a:p>
+                      <a:pPr algn="ctr"/>
+                      <a:r>
+                        <a:rPr lang="en-US" sz="800" b="1" dirty="0"/>
+                        <a:t>W2</a:t>
+                      </a:r>
+                      <a:endParaRPr lang="en-ID" sz="800" b="1" dirty="0"/>
+                    </a:p>
+                  </a:txBody>
+                  <a:tcPr anchor="ctr"/>
+                </a:tc>
+                <a:tc>
+                  <a:txBody>
+                    <a:bodyPr/>
+                    <a:lstStyle/>
+                    <a:p>
+                      <a:pPr algn="ctr"/>
+                      <a:r>
+                        <a:rPr lang="en-US" sz="800" b="1" dirty="0"/>
+                        <a:t>W3</a:t>
+                      </a:r>
+                      <a:endParaRPr lang="en-ID" sz="800" b="1" dirty="0"/>
+                    </a:p>
+                  </a:txBody>
+                  <a:tcPr anchor="ctr"/>
+                </a:tc>
+                <a:tc>
+                  <a:txBody>
+                    <a:bodyPr/>
+                    <a:lstStyle/>
+                    <a:p>
+                      <a:pPr algn="ctr"/>
+                      <a:r>
+                        <a:rPr lang="en-US" sz="800" b="1" dirty="0"/>
+                        <a:t>W4</a:t>
+                      </a:r>
+                      <a:endParaRPr lang="en-ID" sz="800" b="1" dirty="0"/>
+                    </a:p>
+                  </a:txBody>
+                  <a:tcPr anchor="ctr"/>
+                </a:tc>
+                <a:tc>
+                  <a:txBody>
+                    <a:bodyPr/>
+                    <a:lstStyle/>
+                    <a:p>
+                      <a:pPr algn="ctr"/>
+                      <a:r>
+                        <a:rPr lang="en-US" sz="800" b="1" dirty="0"/>
+                        <a:t>W1</a:t>
+                      </a:r>
+                      <a:endParaRPr lang="en-ID" sz="800" b="1" dirty="0"/>
+                    </a:p>
+                  </a:txBody>
+                  <a:tcPr anchor="ctr"/>
+                </a:tc>
+                <a:tc>
+                  <a:txBody>
+                    <a:bodyPr/>
+                    <a:lstStyle/>
+                    <a:p>
+                      <a:pPr algn="ctr"/>
+                      <a:r>
+                        <a:rPr lang="en-US" sz="800" b="1" dirty="0"/>
+                        <a:t>W2</a:t>
+                      </a:r>
+                      <a:endParaRPr lang="en-ID" sz="800" b="1" dirty="0"/>
+                    </a:p>
+                  </a:txBody>
+                  <a:tcPr anchor="ctr"/>
+                </a:tc>
+                <a:tc>
+                  <a:txBody>
+                    <a:bodyPr/>
+                    <a:lstStyle/>
+                    <a:p>
+                      <a:pPr algn="ctr"/>
+                      <a:r>
+                        <a:rPr lang="en-US" sz="800" b="1" dirty="0"/>
+                        <a:t>W3</a:t>
+                      </a:r>
+                      <a:endParaRPr lang="en-ID" sz="800" b="1" dirty="0"/>
+                    </a:p>
+                  </a:txBody>
+                  <a:tcPr anchor="ctr"/>
+                </a:tc>
+                <a:tc>
+                  <a:txBody>
+                    <a:bodyPr/>
+                    <a:lstStyle/>
+                    <a:p>
+                      <a:pPr algn="ctr"/>
+                      <a:r>
+                        <a:rPr lang="en-US" sz="800" b="1" dirty="0"/>
+                        <a:t>W4</a:t>
+                      </a:r>
+                      <a:endParaRPr lang="en-ID" sz="800" b="1" dirty="0"/>
+                    </a:p>
+                  </a:txBody>
+                  <a:tcPr anchor="ctr"/>
+                </a:tc>
+                <a:extLst>
+                  <a:ext uri="{0D108BD9-81ED-4DB2-BD59-A6C34878D82A}">
+                    <a16:rowId xmlns:a16="http://schemas.microsoft.com/office/drawing/2014/main" val="1830249922"/>
+                  </a:ext>
+                </a:extLst>
+              </a:tr>
+              <a:tr h="336669">
+                <a:tc>
+                  <a:txBody>
+                    <a:bodyPr/>
+                    <a:lstStyle/>
+                    <a:p>
+                      <a:pPr algn="l"/>
+                      <a:r>
+                        <a:rPr lang="en-US" sz="900" dirty="0" err="1"/>
+                        <a:t>Eksplorasi</a:t>
+                      </a:r>
+                      <a:r>
+                        <a:rPr lang="en-US" sz="900" dirty="0"/>
+                        <a:t> data</a:t>
+                      </a:r>
+                      <a:endParaRPr lang="en-ID" sz="900" dirty="0"/>
+                    </a:p>
+                  </a:txBody>
+                  <a:tcPr anchor="ctr"/>
+                </a:tc>
+                <a:tc>
+                  <a:txBody>
+                    <a:bodyPr/>
+                    <a:lstStyle/>
+                    <a:p>
+                      <a:pPr algn="ctr"/>
+                      <a:endParaRPr lang="en-ID" sz="1200" dirty="0">
+                        <a:highlight>
+                          <a:srgbClr val="FF0000"/>
+                        </a:highlight>
+                      </a:endParaRPr>
+                    </a:p>
+                  </a:txBody>
+                  <a:tcPr anchor="ctr">
+                    <a:solidFill>
+                      <a:srgbClr val="C00000"/>
+                    </a:solidFill>
+                  </a:tcPr>
+                </a:tc>
+                <a:tc>
+                  <a:txBody>
+                    <a:bodyPr/>
+                    <a:lstStyle/>
+                    <a:p>
+                      <a:pPr algn="ctr"/>
+                      <a:endParaRPr lang="en-ID" sz="1200" dirty="0">
+                        <a:highlight>
+                          <a:srgbClr val="FF0000"/>
+                        </a:highlight>
+                      </a:endParaRPr>
+                    </a:p>
+                  </a:txBody>
+                  <a:tcPr anchor="ctr">
+                    <a:solidFill>
+                      <a:srgbClr val="C00000"/>
+                    </a:solidFill>
+                  </a:tcPr>
+                </a:tc>
+                <a:tc>
+                  <a:txBody>
+                    <a:bodyPr/>
+                    <a:lstStyle/>
+                    <a:p>
+                      <a:pPr algn="ctr"/>
+                      <a:endParaRPr lang="en-ID" sz="1200" dirty="0">
+                        <a:highlight>
+                          <a:srgbClr val="FF0000"/>
+                        </a:highlight>
+                      </a:endParaRPr>
+                    </a:p>
+                  </a:txBody>
+                  <a:tcPr anchor="ctr">
+                    <a:solidFill>
+                      <a:srgbClr val="C00000"/>
+                    </a:solidFill>
+                  </a:tcPr>
+                </a:tc>
+                <a:tc>
+                  <a:txBody>
+                    <a:bodyPr/>
+                    <a:lstStyle/>
+                    <a:p>
+                      <a:pPr algn="ctr"/>
+                      <a:endParaRPr lang="en-ID" sz="1200" dirty="0">
+                        <a:highlight>
+                          <a:srgbClr val="FF0000"/>
+                        </a:highlight>
+                      </a:endParaRPr>
+                    </a:p>
+                  </a:txBody>
+                  <a:tcPr anchor="ctr">
+                    <a:solidFill>
+                      <a:schemeClr val="bg1"/>
+                    </a:solidFill>
+                  </a:tcPr>
+                </a:tc>
+                <a:tc>
+                  <a:txBody>
+                    <a:bodyPr/>
+                    <a:lstStyle/>
+                    <a:p>
+                      <a:pPr algn="ctr"/>
+                      <a:endParaRPr lang="en-ID" sz="1200" dirty="0"/>
+                    </a:p>
+                  </a:txBody>
+                  <a:tcPr anchor="ctr"/>
+                </a:tc>
+                <a:tc>
+                  <a:txBody>
+                    <a:bodyPr/>
+                    <a:lstStyle/>
+                    <a:p>
+                      <a:pPr algn="ctr"/>
+                      <a:endParaRPr lang="en-ID" sz="1200" dirty="0"/>
+                    </a:p>
+                  </a:txBody>
+                  <a:tcPr anchor="ctr"/>
+                </a:tc>
+                <a:tc>
+                  <a:txBody>
+                    <a:bodyPr/>
+                    <a:lstStyle/>
+                    <a:p>
+                      <a:pPr algn="ctr"/>
+                      <a:endParaRPr lang="en-ID" sz="1200" dirty="0"/>
+                    </a:p>
+                  </a:txBody>
+                  <a:tcPr anchor="ctr"/>
+                </a:tc>
+                <a:tc>
+                  <a:txBody>
+                    <a:bodyPr/>
+                    <a:lstStyle/>
+                    <a:p>
+                      <a:pPr algn="ctr"/>
+                      <a:endParaRPr lang="en-ID" sz="1200" dirty="0"/>
+                    </a:p>
+                  </a:txBody>
+                  <a:tcPr anchor="ctr"/>
+                </a:tc>
+                <a:tc>
+                  <a:txBody>
+                    <a:bodyPr/>
+                    <a:lstStyle/>
+                    <a:p>
+                      <a:pPr algn="ctr"/>
+                      <a:endParaRPr lang="en-ID" sz="1200"/>
+                    </a:p>
+                  </a:txBody>
+                  <a:tcPr anchor="ctr"/>
+                </a:tc>
+                <a:tc>
+                  <a:txBody>
+                    <a:bodyPr/>
+                    <a:lstStyle/>
+                    <a:p>
+                      <a:pPr algn="ctr"/>
+                      <a:endParaRPr lang="en-ID" sz="1200" dirty="0"/>
+                    </a:p>
+                  </a:txBody>
+                  <a:tcPr anchor="ctr"/>
+                </a:tc>
+                <a:tc>
+                  <a:txBody>
+                    <a:bodyPr/>
+                    <a:lstStyle/>
+                    <a:p>
+                      <a:pPr algn="ctr"/>
+                      <a:endParaRPr lang="en-ID" sz="1200" dirty="0"/>
+                    </a:p>
+                  </a:txBody>
+                  <a:tcPr anchor="ctr"/>
+                </a:tc>
+                <a:tc>
+                  <a:txBody>
+                    <a:bodyPr/>
+                    <a:lstStyle/>
+                    <a:p>
+                      <a:pPr algn="ctr"/>
+                      <a:endParaRPr lang="en-ID" sz="1200" dirty="0"/>
+                    </a:p>
+                  </a:txBody>
+                  <a:tcPr anchor="ctr"/>
+                </a:tc>
+                <a:tc>
+                  <a:txBody>
+                    <a:bodyPr/>
+                    <a:lstStyle/>
+                    <a:p>
+                      <a:pPr algn="ctr"/>
+                      <a:endParaRPr lang="en-ID" sz="1200" dirty="0"/>
+                    </a:p>
+                  </a:txBody>
+                  <a:tcPr anchor="ctr"/>
+                </a:tc>
+                <a:tc>
+                  <a:txBody>
+                    <a:bodyPr/>
+                    <a:lstStyle/>
+                    <a:p>
+                      <a:pPr algn="ctr"/>
+                      <a:endParaRPr lang="en-ID" sz="1200" dirty="0"/>
+                    </a:p>
+                  </a:txBody>
+                  <a:tcPr anchor="ctr"/>
+                </a:tc>
+                <a:tc>
+                  <a:txBody>
+                    <a:bodyPr/>
+                    <a:lstStyle/>
+                    <a:p>
+                      <a:pPr algn="ctr"/>
+                      <a:endParaRPr lang="en-ID" sz="1200"/>
+                    </a:p>
+                  </a:txBody>
+                  <a:tcPr anchor="ctr"/>
+                </a:tc>
+                <a:tc>
+                  <a:txBody>
+                    <a:bodyPr/>
+                    <a:lstStyle/>
+                    <a:p>
+                      <a:pPr algn="ctr"/>
+                      <a:endParaRPr lang="en-ID" sz="1200"/>
+                    </a:p>
+                  </a:txBody>
+                  <a:tcPr anchor="ctr"/>
+                </a:tc>
+                <a:extLst>
+                  <a:ext uri="{0D108BD9-81ED-4DB2-BD59-A6C34878D82A}">
+                    <a16:rowId xmlns:a16="http://schemas.microsoft.com/office/drawing/2014/main" val="3770667112"/>
+                  </a:ext>
+                </a:extLst>
+              </a:tr>
+              <a:tr h="336669">
+                <a:tc>
+                  <a:txBody>
+                    <a:bodyPr/>
+                    <a:lstStyle/>
+                    <a:p>
+                      <a:pPr algn="l"/>
+                      <a:r>
+                        <a:rPr lang="en-US" sz="900" dirty="0" err="1"/>
+                        <a:t>Pengembangan</a:t>
+                      </a:r>
+                      <a:r>
+                        <a:rPr lang="en-US" sz="900" dirty="0"/>
+                        <a:t> </a:t>
+                      </a:r>
+                      <a:r>
+                        <a:rPr lang="en-US" sz="900" dirty="0" err="1"/>
+                        <a:t>Ontologi</a:t>
+                      </a:r>
+                      <a:endParaRPr lang="en-ID" sz="900" dirty="0"/>
+                    </a:p>
+                  </a:txBody>
+                  <a:tcPr anchor="ctr"/>
+                </a:tc>
+                <a:tc>
+                  <a:txBody>
+                    <a:bodyPr/>
+                    <a:lstStyle/>
+                    <a:p>
+                      <a:pPr algn="ctr"/>
+                      <a:endParaRPr lang="en-ID" sz="1200"/>
+                    </a:p>
+                  </a:txBody>
+                  <a:tcPr anchor="ctr"/>
+                </a:tc>
+                <a:tc>
+                  <a:txBody>
+                    <a:bodyPr/>
+                    <a:lstStyle/>
+                    <a:p>
+                      <a:pPr algn="ctr"/>
+                      <a:endParaRPr lang="en-ID" sz="1200"/>
+                    </a:p>
+                  </a:txBody>
+                  <a:tcPr anchor="ctr"/>
+                </a:tc>
+                <a:tc>
+                  <a:txBody>
+                    <a:bodyPr/>
+                    <a:lstStyle/>
+                    <a:p>
+                      <a:pPr algn="ctr"/>
+                      <a:endParaRPr lang="en-ID" sz="1200" dirty="0"/>
+                    </a:p>
+                  </a:txBody>
+                  <a:tcPr anchor="ctr">
+                    <a:solidFill>
+                      <a:srgbClr val="FFC000"/>
+                    </a:solidFill>
+                  </a:tcPr>
+                </a:tc>
+                <a:tc>
+                  <a:txBody>
+                    <a:bodyPr/>
+                    <a:lstStyle/>
+                    <a:p>
+                      <a:pPr algn="ctr"/>
+                      <a:endParaRPr lang="en-ID" sz="1200" dirty="0"/>
+                    </a:p>
+                  </a:txBody>
+                  <a:tcPr anchor="ctr">
+                    <a:solidFill>
+                      <a:srgbClr val="FFC000"/>
+                    </a:solidFill>
+                  </a:tcPr>
+                </a:tc>
+                <a:tc>
+                  <a:txBody>
+                    <a:bodyPr/>
+                    <a:lstStyle/>
+                    <a:p>
+                      <a:pPr algn="ctr"/>
+                      <a:endParaRPr lang="en-ID" sz="1200" dirty="0"/>
+                    </a:p>
+                  </a:txBody>
+                  <a:tcPr anchor="ctr">
+                    <a:solidFill>
+                      <a:srgbClr val="FFC000"/>
+                    </a:solidFill>
+                  </a:tcPr>
+                </a:tc>
+                <a:tc>
+                  <a:txBody>
+                    <a:bodyPr/>
+                    <a:lstStyle/>
+                    <a:p>
+                      <a:pPr algn="ctr"/>
+                      <a:endParaRPr lang="en-ID" sz="1200" dirty="0"/>
+                    </a:p>
+                  </a:txBody>
+                  <a:tcPr anchor="ctr">
+                    <a:solidFill>
+                      <a:schemeClr val="bg1"/>
+                    </a:solidFill>
+                  </a:tcPr>
+                </a:tc>
+                <a:tc>
+                  <a:txBody>
+                    <a:bodyPr/>
+                    <a:lstStyle/>
+                    <a:p>
+                      <a:pPr algn="ctr"/>
+                      <a:endParaRPr lang="en-ID" sz="1200" dirty="0"/>
+                    </a:p>
+                  </a:txBody>
+                  <a:tcPr anchor="ctr">
+                    <a:solidFill>
+                      <a:schemeClr val="bg1"/>
+                    </a:solidFill>
+                  </a:tcPr>
+                </a:tc>
+                <a:tc>
+                  <a:txBody>
+                    <a:bodyPr/>
+                    <a:lstStyle/>
+                    <a:p>
+                      <a:pPr algn="ctr"/>
+                      <a:endParaRPr lang="en-ID" sz="1200" dirty="0"/>
+                    </a:p>
+                  </a:txBody>
+                  <a:tcPr anchor="ctr"/>
+                </a:tc>
+                <a:tc>
+                  <a:txBody>
+                    <a:bodyPr/>
+                    <a:lstStyle/>
+                    <a:p>
+                      <a:pPr algn="ctr"/>
+                      <a:endParaRPr lang="en-ID" sz="1200" dirty="0"/>
+                    </a:p>
+                  </a:txBody>
+                  <a:tcPr anchor="ctr"/>
+                </a:tc>
+                <a:tc>
+                  <a:txBody>
+                    <a:bodyPr/>
+                    <a:lstStyle/>
+                    <a:p>
+                      <a:pPr algn="ctr"/>
+                      <a:endParaRPr lang="en-ID" sz="1200" dirty="0"/>
+                    </a:p>
+                  </a:txBody>
+                  <a:tcPr anchor="ctr"/>
+                </a:tc>
+                <a:tc>
+                  <a:txBody>
+                    <a:bodyPr/>
+                    <a:lstStyle/>
+                    <a:p>
+                      <a:pPr algn="ctr"/>
+                      <a:endParaRPr lang="en-ID" sz="1200" dirty="0"/>
+                    </a:p>
+                  </a:txBody>
+                  <a:tcPr anchor="ctr"/>
+                </a:tc>
+                <a:tc>
+                  <a:txBody>
+                    <a:bodyPr/>
+                    <a:lstStyle/>
+                    <a:p>
+                      <a:pPr algn="ctr"/>
+                      <a:endParaRPr lang="en-ID" sz="1200"/>
+                    </a:p>
+                  </a:txBody>
+                  <a:tcPr anchor="ctr"/>
+                </a:tc>
+                <a:tc>
+                  <a:txBody>
+                    <a:bodyPr/>
+                    <a:lstStyle/>
+                    <a:p>
+                      <a:pPr algn="ctr"/>
+                      <a:endParaRPr lang="en-ID" sz="1200" dirty="0"/>
+                    </a:p>
+                  </a:txBody>
+                  <a:tcPr anchor="ctr"/>
+                </a:tc>
+                <a:tc>
+                  <a:txBody>
+                    <a:bodyPr/>
+                    <a:lstStyle/>
+                    <a:p>
+                      <a:pPr algn="ctr"/>
+                      <a:endParaRPr lang="en-ID" sz="1200"/>
+                    </a:p>
+                  </a:txBody>
+                  <a:tcPr anchor="ctr"/>
+                </a:tc>
+                <a:tc>
+                  <a:txBody>
+                    <a:bodyPr/>
+                    <a:lstStyle/>
+                    <a:p>
+                      <a:pPr algn="ctr"/>
+                      <a:endParaRPr lang="en-ID" sz="1200"/>
+                    </a:p>
+                  </a:txBody>
+                  <a:tcPr anchor="ctr"/>
+                </a:tc>
+                <a:tc>
+                  <a:txBody>
+                    <a:bodyPr/>
+                    <a:lstStyle/>
+                    <a:p>
+                      <a:pPr algn="ctr"/>
+                      <a:endParaRPr lang="en-ID" sz="1200"/>
+                    </a:p>
+                  </a:txBody>
+                  <a:tcPr anchor="ctr"/>
+                </a:tc>
+                <a:extLst>
+                  <a:ext uri="{0D108BD9-81ED-4DB2-BD59-A6C34878D82A}">
+                    <a16:rowId xmlns:a16="http://schemas.microsoft.com/office/drawing/2014/main" val="2676745353"/>
+                  </a:ext>
+                </a:extLst>
+              </a:tr>
+              <a:tr h="336669">
+                <a:tc>
+                  <a:txBody>
+                    <a:bodyPr/>
+                    <a:lstStyle/>
+                    <a:p>
+                      <a:pPr algn="l"/>
+                      <a:r>
+                        <a:rPr lang="en-US" sz="900" dirty="0" err="1"/>
+                        <a:t>Populasi</a:t>
+                      </a:r>
+                      <a:r>
+                        <a:rPr lang="en-US" sz="900" dirty="0"/>
+                        <a:t> data</a:t>
+                      </a:r>
+                      <a:endParaRPr lang="en-ID" sz="900" dirty="0"/>
+                    </a:p>
+                  </a:txBody>
+                  <a:tcPr anchor="ctr"/>
+                </a:tc>
+                <a:tc>
+                  <a:txBody>
+                    <a:bodyPr/>
+                    <a:lstStyle/>
+                    <a:p>
+                      <a:pPr algn="ctr"/>
+                      <a:endParaRPr lang="en-ID" sz="1200" dirty="0"/>
+                    </a:p>
+                  </a:txBody>
+                  <a:tcPr anchor="ctr"/>
+                </a:tc>
+                <a:tc>
+                  <a:txBody>
+                    <a:bodyPr/>
+                    <a:lstStyle/>
+                    <a:p>
+                      <a:pPr algn="ctr"/>
+                      <a:endParaRPr lang="en-ID" sz="1200" dirty="0"/>
+                    </a:p>
+                  </a:txBody>
+                  <a:tcPr anchor="ctr"/>
+                </a:tc>
+                <a:tc>
+                  <a:txBody>
+                    <a:bodyPr/>
+                    <a:lstStyle/>
+                    <a:p>
+                      <a:pPr algn="ctr"/>
+                      <a:endParaRPr lang="en-ID" sz="1200" dirty="0"/>
+                    </a:p>
+                  </a:txBody>
+                  <a:tcPr anchor="ctr">
+                    <a:solidFill>
+                      <a:srgbClr val="92D050"/>
+                    </a:solidFill>
+                  </a:tcPr>
+                </a:tc>
+                <a:tc>
+                  <a:txBody>
+                    <a:bodyPr/>
+                    <a:lstStyle/>
+                    <a:p>
+                      <a:pPr algn="ctr"/>
+                      <a:endParaRPr lang="en-ID" sz="1200" dirty="0"/>
+                    </a:p>
+                  </a:txBody>
+                  <a:tcPr anchor="ctr">
+                    <a:solidFill>
+                      <a:srgbClr val="92D050"/>
+                    </a:solidFill>
+                  </a:tcPr>
+                </a:tc>
+                <a:tc>
+                  <a:txBody>
+                    <a:bodyPr/>
+                    <a:lstStyle/>
+                    <a:p>
+                      <a:pPr algn="ctr"/>
+                      <a:endParaRPr lang="en-ID" sz="1200" dirty="0"/>
+                    </a:p>
+                  </a:txBody>
+                  <a:tcPr anchor="ctr">
+                    <a:solidFill>
+                      <a:srgbClr val="92D050"/>
+                    </a:solidFill>
+                  </a:tcPr>
+                </a:tc>
+                <a:tc>
+                  <a:txBody>
+                    <a:bodyPr/>
+                    <a:lstStyle/>
+                    <a:p>
+                      <a:pPr algn="ctr"/>
+                      <a:endParaRPr lang="en-ID" sz="1200" dirty="0"/>
+                    </a:p>
+                  </a:txBody>
+                  <a:tcPr anchor="ctr">
+                    <a:solidFill>
+                      <a:schemeClr val="bg1"/>
+                    </a:solidFill>
+                  </a:tcPr>
+                </a:tc>
+                <a:tc>
+                  <a:txBody>
+                    <a:bodyPr/>
+                    <a:lstStyle/>
+                    <a:p>
+                      <a:pPr algn="ctr"/>
+                      <a:endParaRPr lang="en-ID" sz="1200" dirty="0"/>
+                    </a:p>
+                  </a:txBody>
+                  <a:tcPr anchor="ctr">
+                    <a:solidFill>
+                      <a:schemeClr val="bg1"/>
+                    </a:solidFill>
+                  </a:tcPr>
+                </a:tc>
+                <a:tc>
+                  <a:txBody>
+                    <a:bodyPr/>
+                    <a:lstStyle/>
+                    <a:p>
+                      <a:pPr algn="ctr"/>
+                      <a:endParaRPr lang="en-ID" sz="1200" dirty="0"/>
+                    </a:p>
+                  </a:txBody>
+                  <a:tcPr anchor="ctr"/>
+                </a:tc>
+                <a:tc>
+                  <a:txBody>
+                    <a:bodyPr/>
+                    <a:lstStyle/>
+                    <a:p>
+                      <a:pPr algn="ctr"/>
+                      <a:endParaRPr lang="en-ID" sz="1200" dirty="0"/>
+                    </a:p>
+                  </a:txBody>
+                  <a:tcPr anchor="ctr"/>
+                </a:tc>
+                <a:tc>
+                  <a:txBody>
+                    <a:bodyPr/>
+                    <a:lstStyle/>
+                    <a:p>
+                      <a:pPr algn="ctr"/>
+                      <a:endParaRPr lang="en-ID" sz="1200" dirty="0"/>
+                    </a:p>
+                  </a:txBody>
+                  <a:tcPr anchor="ctr"/>
+                </a:tc>
+                <a:tc>
+                  <a:txBody>
+                    <a:bodyPr/>
+                    <a:lstStyle/>
+                    <a:p>
+                      <a:pPr algn="ctr"/>
+                      <a:endParaRPr lang="en-ID" sz="1200" dirty="0"/>
+                    </a:p>
+                  </a:txBody>
+                  <a:tcPr anchor="ctr"/>
+                </a:tc>
+                <a:tc>
+                  <a:txBody>
+                    <a:bodyPr/>
+                    <a:lstStyle/>
+                    <a:p>
+                      <a:pPr algn="ctr"/>
+                      <a:endParaRPr lang="en-ID" sz="1200" dirty="0"/>
+                    </a:p>
+                  </a:txBody>
+                  <a:tcPr anchor="ctr"/>
+                </a:tc>
+                <a:tc>
+                  <a:txBody>
+                    <a:bodyPr/>
+                    <a:lstStyle/>
+                    <a:p>
+                      <a:pPr algn="ctr"/>
+                      <a:endParaRPr lang="en-ID" sz="1200" dirty="0"/>
+                    </a:p>
+                  </a:txBody>
+                  <a:tcPr anchor="ctr"/>
+                </a:tc>
+                <a:tc>
+                  <a:txBody>
+                    <a:bodyPr/>
+                    <a:lstStyle/>
+                    <a:p>
+                      <a:pPr algn="ctr"/>
+                      <a:endParaRPr lang="en-ID" sz="1200" dirty="0"/>
+                    </a:p>
+                  </a:txBody>
+                  <a:tcPr anchor="ctr"/>
+                </a:tc>
+                <a:tc>
+                  <a:txBody>
+                    <a:bodyPr/>
+                    <a:lstStyle/>
+                    <a:p>
+                      <a:pPr algn="ctr"/>
+                      <a:endParaRPr lang="en-ID" sz="1200" dirty="0"/>
+                    </a:p>
+                  </a:txBody>
+                  <a:tcPr anchor="ctr"/>
+                </a:tc>
+                <a:tc>
+                  <a:txBody>
+                    <a:bodyPr/>
+                    <a:lstStyle/>
+                    <a:p>
+                      <a:pPr algn="ctr"/>
+                      <a:endParaRPr lang="en-ID" sz="1200" dirty="0"/>
+                    </a:p>
+                  </a:txBody>
+                  <a:tcPr anchor="ctr"/>
+                </a:tc>
+                <a:extLst>
+                  <a:ext uri="{0D108BD9-81ED-4DB2-BD59-A6C34878D82A}">
+                    <a16:rowId xmlns:a16="http://schemas.microsoft.com/office/drawing/2014/main" val="3220418509"/>
+                  </a:ext>
+                </a:extLst>
+              </a:tr>
+              <a:tr h="336669">
+                <a:tc>
+                  <a:txBody>
+                    <a:bodyPr/>
+                    <a:lstStyle/>
+                    <a:p>
+                      <a:pPr algn="l"/>
+                      <a:r>
+                        <a:rPr lang="en-US" sz="900" dirty="0"/>
+                        <a:t>Desain </a:t>
+                      </a:r>
+                      <a:r>
+                        <a:rPr lang="en-US" sz="900" dirty="0" err="1"/>
+                        <a:t>aplikasi</a:t>
+                      </a:r>
+                      <a:endParaRPr lang="en-ID" sz="900" dirty="0"/>
+                    </a:p>
+                  </a:txBody>
+                  <a:tcPr anchor="ctr"/>
+                </a:tc>
+                <a:tc>
+                  <a:txBody>
+                    <a:bodyPr/>
+                    <a:lstStyle/>
+                    <a:p>
+                      <a:pPr algn="ctr"/>
+                      <a:endParaRPr lang="en-ID" sz="1200"/>
+                    </a:p>
+                  </a:txBody>
+                  <a:tcPr anchor="ctr"/>
+                </a:tc>
+                <a:tc>
+                  <a:txBody>
+                    <a:bodyPr/>
+                    <a:lstStyle/>
+                    <a:p>
+                      <a:pPr algn="ctr"/>
+                      <a:endParaRPr lang="en-ID" sz="1200"/>
+                    </a:p>
+                  </a:txBody>
+                  <a:tcPr anchor="ctr"/>
+                </a:tc>
+                <a:tc>
+                  <a:txBody>
+                    <a:bodyPr/>
+                    <a:lstStyle/>
+                    <a:p>
+                      <a:pPr algn="ctr"/>
+                      <a:endParaRPr lang="en-ID" sz="1200"/>
+                    </a:p>
+                  </a:txBody>
+                  <a:tcPr anchor="ctr"/>
+                </a:tc>
+                <a:tc>
+                  <a:txBody>
+                    <a:bodyPr/>
+                    <a:lstStyle/>
+                    <a:p>
+                      <a:pPr algn="ctr"/>
+                      <a:endParaRPr lang="en-ID" sz="1200"/>
+                    </a:p>
+                  </a:txBody>
+                  <a:tcPr anchor="ctr"/>
+                </a:tc>
+                <a:tc>
+                  <a:txBody>
+                    <a:bodyPr/>
+                    <a:lstStyle/>
+                    <a:p>
+                      <a:pPr algn="ctr"/>
+                      <a:endParaRPr lang="en-ID" sz="1200" dirty="0"/>
+                    </a:p>
+                  </a:txBody>
+                  <a:tcPr anchor="ctr">
+                    <a:solidFill>
+                      <a:srgbClr val="00B0F0"/>
+                    </a:solidFill>
+                  </a:tcPr>
+                </a:tc>
+                <a:tc>
+                  <a:txBody>
+                    <a:bodyPr/>
+                    <a:lstStyle/>
+                    <a:p>
+                      <a:pPr algn="ctr"/>
+                      <a:endParaRPr lang="en-ID" sz="1200" dirty="0"/>
+                    </a:p>
+                  </a:txBody>
+                  <a:tcPr anchor="ctr">
+                    <a:solidFill>
+                      <a:srgbClr val="00B0F0"/>
+                    </a:solidFill>
+                  </a:tcPr>
+                </a:tc>
+                <a:tc>
+                  <a:txBody>
+                    <a:bodyPr/>
+                    <a:lstStyle/>
+                    <a:p>
+                      <a:pPr algn="ctr"/>
+                      <a:endParaRPr lang="en-ID" sz="1200" dirty="0">
+                        <a:solidFill>
+                          <a:srgbClr val="00B0F0"/>
+                        </a:solidFill>
+                      </a:endParaRPr>
+                    </a:p>
+                  </a:txBody>
+                  <a:tcPr anchor="ctr">
+                    <a:solidFill>
+                      <a:srgbClr val="00B0F0"/>
+                    </a:solidFill>
+                  </a:tcPr>
+                </a:tc>
+                <a:tc>
+                  <a:txBody>
+                    <a:bodyPr/>
+                    <a:lstStyle/>
+                    <a:p>
+                      <a:pPr algn="ctr"/>
+                      <a:endParaRPr lang="en-ID" sz="1200" dirty="0">
+                        <a:solidFill>
+                          <a:srgbClr val="00B0F0"/>
+                        </a:solidFill>
+                      </a:endParaRPr>
+                    </a:p>
+                  </a:txBody>
+                  <a:tcPr anchor="ctr">
+                    <a:solidFill>
+                      <a:srgbClr val="00B0F0"/>
+                    </a:solidFill>
+                  </a:tcPr>
+                </a:tc>
+                <a:tc>
+                  <a:txBody>
+                    <a:bodyPr/>
+                    <a:lstStyle/>
+                    <a:p>
+                      <a:pPr algn="ctr"/>
+                      <a:endParaRPr lang="en-ID" sz="1200" dirty="0">
+                        <a:solidFill>
+                          <a:srgbClr val="00B0F0"/>
+                        </a:solidFill>
+                      </a:endParaRPr>
+                    </a:p>
+                  </a:txBody>
+                  <a:tcPr anchor="ctr">
+                    <a:solidFill>
+                      <a:schemeClr val="bg1"/>
+                    </a:solidFill>
+                  </a:tcPr>
+                </a:tc>
+                <a:tc>
+                  <a:txBody>
+                    <a:bodyPr/>
+                    <a:lstStyle/>
+                    <a:p>
+                      <a:pPr algn="ctr"/>
+                      <a:endParaRPr lang="en-ID" sz="1200" dirty="0">
+                        <a:solidFill>
+                          <a:srgbClr val="00B0F0"/>
+                        </a:solidFill>
+                      </a:endParaRPr>
+                    </a:p>
+                  </a:txBody>
+                  <a:tcPr anchor="ctr">
+                    <a:solidFill>
+                      <a:schemeClr val="bg1"/>
+                    </a:solidFill>
+                  </a:tcPr>
+                </a:tc>
+                <a:tc>
+                  <a:txBody>
+                    <a:bodyPr/>
+                    <a:lstStyle/>
+                    <a:p>
+                      <a:pPr algn="ctr"/>
+                      <a:endParaRPr lang="en-ID" sz="1200" dirty="0">
+                        <a:solidFill>
+                          <a:srgbClr val="00B0F0"/>
+                        </a:solidFill>
+                      </a:endParaRPr>
+                    </a:p>
+                  </a:txBody>
+                  <a:tcPr anchor="ctr">
+                    <a:solidFill>
+                      <a:schemeClr val="bg1"/>
+                    </a:solidFill>
+                  </a:tcPr>
+                </a:tc>
+                <a:tc>
+                  <a:txBody>
+                    <a:bodyPr/>
+                    <a:lstStyle/>
+                    <a:p>
+                      <a:pPr algn="ctr"/>
+                      <a:endParaRPr lang="en-ID" sz="1200" dirty="0">
+                        <a:solidFill>
+                          <a:srgbClr val="00B0F0"/>
+                        </a:solidFill>
+                      </a:endParaRPr>
+                    </a:p>
+                  </a:txBody>
+                  <a:tcPr anchor="ctr">
+                    <a:solidFill>
+                      <a:schemeClr val="bg1"/>
+                    </a:solidFill>
+                  </a:tcPr>
+                </a:tc>
+                <a:tc>
+                  <a:txBody>
+                    <a:bodyPr/>
+                    <a:lstStyle/>
+                    <a:p>
+                      <a:pPr algn="ctr"/>
+                      <a:endParaRPr lang="en-ID" sz="1200" dirty="0"/>
+                    </a:p>
+                  </a:txBody>
+                  <a:tcPr anchor="ctr"/>
+                </a:tc>
+                <a:tc>
+                  <a:txBody>
+                    <a:bodyPr/>
+                    <a:lstStyle/>
+                    <a:p>
+                      <a:pPr algn="ctr"/>
+                      <a:endParaRPr lang="en-ID" sz="1200"/>
+                    </a:p>
+                  </a:txBody>
+                  <a:tcPr anchor="ctr"/>
+                </a:tc>
+                <a:tc>
+                  <a:txBody>
+                    <a:bodyPr/>
+                    <a:lstStyle/>
+                    <a:p>
+                      <a:pPr algn="ctr"/>
+                      <a:endParaRPr lang="en-ID" sz="1200"/>
+                    </a:p>
+                  </a:txBody>
+                  <a:tcPr anchor="ctr"/>
+                </a:tc>
+                <a:tc>
+                  <a:txBody>
+                    <a:bodyPr/>
+                    <a:lstStyle/>
+                    <a:p>
+                      <a:pPr algn="ctr"/>
+                      <a:endParaRPr lang="en-ID" sz="1200"/>
+                    </a:p>
+                  </a:txBody>
+                  <a:tcPr anchor="ctr"/>
+                </a:tc>
+                <a:extLst>
+                  <a:ext uri="{0D108BD9-81ED-4DB2-BD59-A6C34878D82A}">
+                    <a16:rowId xmlns:a16="http://schemas.microsoft.com/office/drawing/2014/main" val="538925575"/>
+                  </a:ext>
+                </a:extLst>
+              </a:tr>
+              <a:tr h="336669">
+                <a:tc>
+                  <a:txBody>
+                    <a:bodyPr/>
+                    <a:lstStyle/>
+                    <a:p>
+                      <a:pPr algn="l"/>
+                      <a:r>
+                        <a:rPr lang="en-US" sz="900" dirty="0" err="1"/>
+                        <a:t>Pengembangan</a:t>
+                      </a:r>
+                      <a:r>
+                        <a:rPr lang="en-US" sz="900" dirty="0"/>
+                        <a:t> </a:t>
+                      </a:r>
+                      <a:r>
+                        <a:rPr lang="en-US" sz="900" dirty="0" err="1"/>
+                        <a:t>aplikasi</a:t>
+                      </a:r>
+                      <a:endParaRPr lang="en-ID" sz="900" dirty="0"/>
+                    </a:p>
+                  </a:txBody>
+                  <a:tcPr anchor="ctr"/>
+                </a:tc>
+                <a:tc>
+                  <a:txBody>
+                    <a:bodyPr/>
+                    <a:lstStyle/>
+                    <a:p>
+                      <a:pPr algn="ctr"/>
+                      <a:endParaRPr lang="en-ID" sz="1200"/>
+                    </a:p>
+                  </a:txBody>
+                  <a:tcPr anchor="ctr"/>
+                </a:tc>
+                <a:tc>
+                  <a:txBody>
+                    <a:bodyPr/>
+                    <a:lstStyle/>
+                    <a:p>
+                      <a:pPr algn="ctr"/>
+                      <a:endParaRPr lang="en-ID" sz="1200"/>
+                    </a:p>
+                  </a:txBody>
+                  <a:tcPr anchor="ctr"/>
+                </a:tc>
+                <a:tc>
+                  <a:txBody>
+                    <a:bodyPr/>
+                    <a:lstStyle/>
+                    <a:p>
+                      <a:pPr algn="ctr"/>
+                      <a:endParaRPr lang="en-ID" sz="1200"/>
+                    </a:p>
+                  </a:txBody>
+                  <a:tcPr anchor="ctr"/>
+                </a:tc>
+                <a:tc>
+                  <a:txBody>
+                    <a:bodyPr/>
+                    <a:lstStyle/>
+                    <a:p>
+                      <a:pPr algn="ctr"/>
+                      <a:endParaRPr lang="en-ID" sz="1200" dirty="0"/>
+                    </a:p>
+                  </a:txBody>
+                  <a:tcPr anchor="ctr"/>
+                </a:tc>
+                <a:tc>
+                  <a:txBody>
+                    <a:bodyPr/>
+                    <a:lstStyle/>
+                    <a:p>
+                      <a:pPr algn="ctr"/>
+                      <a:endParaRPr lang="en-ID" sz="1200"/>
+                    </a:p>
+                  </a:txBody>
+                  <a:tcPr anchor="ctr"/>
+                </a:tc>
+                <a:tc>
+                  <a:txBody>
+                    <a:bodyPr/>
+                    <a:lstStyle/>
+                    <a:p>
+                      <a:pPr algn="ctr"/>
+                      <a:endParaRPr lang="en-ID" sz="1200" dirty="0"/>
+                    </a:p>
+                  </a:txBody>
+                  <a:tcPr anchor="ctr"/>
+                </a:tc>
+                <a:tc>
+                  <a:txBody>
+                    <a:bodyPr/>
+                    <a:lstStyle/>
+                    <a:p>
+                      <a:pPr algn="ctr"/>
+                      <a:endParaRPr lang="en-ID" sz="1200" dirty="0"/>
+                    </a:p>
+                  </a:txBody>
+                  <a:tcPr anchor="ctr">
+                    <a:solidFill>
+                      <a:schemeClr val="bg1"/>
+                    </a:solidFill>
+                  </a:tcPr>
+                </a:tc>
+                <a:tc>
+                  <a:txBody>
+                    <a:bodyPr/>
+                    <a:lstStyle/>
+                    <a:p>
+                      <a:pPr algn="ctr"/>
+                      <a:endParaRPr lang="en-ID" sz="1200" dirty="0"/>
+                    </a:p>
+                  </a:txBody>
+                  <a:tcPr anchor="ctr">
+                    <a:solidFill>
+                      <a:schemeClr val="accent2"/>
+                    </a:solidFill>
+                  </a:tcPr>
+                </a:tc>
+                <a:tc>
+                  <a:txBody>
+                    <a:bodyPr/>
+                    <a:lstStyle/>
+                    <a:p>
+                      <a:pPr algn="ctr"/>
+                      <a:endParaRPr lang="en-ID" sz="1200" dirty="0"/>
+                    </a:p>
+                  </a:txBody>
+                  <a:tcPr anchor="ctr">
+                    <a:solidFill>
+                      <a:schemeClr val="accent2"/>
+                    </a:solidFill>
+                  </a:tcPr>
+                </a:tc>
+                <a:tc>
+                  <a:txBody>
+                    <a:bodyPr/>
+                    <a:lstStyle/>
+                    <a:p>
+                      <a:pPr algn="ctr"/>
+                      <a:endParaRPr lang="en-ID" sz="1200" dirty="0"/>
+                    </a:p>
+                  </a:txBody>
+                  <a:tcPr anchor="ctr">
+                    <a:solidFill>
+                      <a:srgbClr val="002060"/>
+                    </a:solidFill>
+                  </a:tcPr>
+                </a:tc>
+                <a:tc>
+                  <a:txBody>
+                    <a:bodyPr/>
+                    <a:lstStyle/>
+                    <a:p>
+                      <a:pPr algn="ctr"/>
+                      <a:endParaRPr lang="en-ID" sz="1200" dirty="0"/>
+                    </a:p>
+                  </a:txBody>
+                  <a:tcPr anchor="ctr">
+                    <a:solidFill>
+                      <a:srgbClr val="002060"/>
+                    </a:solidFill>
+                  </a:tcPr>
+                </a:tc>
+                <a:tc>
+                  <a:txBody>
+                    <a:bodyPr/>
+                    <a:lstStyle/>
+                    <a:p>
+                      <a:pPr algn="ctr"/>
+                      <a:endParaRPr lang="en-ID" sz="1200" dirty="0"/>
+                    </a:p>
+                  </a:txBody>
+                  <a:tcPr anchor="ctr">
+                    <a:solidFill>
+                      <a:srgbClr val="002060"/>
+                    </a:solidFill>
+                  </a:tcPr>
+                </a:tc>
+                <a:tc>
+                  <a:txBody>
+                    <a:bodyPr/>
+                    <a:lstStyle/>
+                    <a:p>
+                      <a:pPr algn="ctr"/>
+                      <a:endParaRPr lang="en-ID" sz="1200" dirty="0"/>
+                    </a:p>
+                  </a:txBody>
+                  <a:tcPr anchor="ctr">
+                    <a:solidFill>
+                      <a:srgbClr val="002060"/>
+                    </a:solidFill>
+                  </a:tcPr>
+                </a:tc>
+                <a:tc>
+                  <a:txBody>
+                    <a:bodyPr/>
+                    <a:lstStyle/>
+                    <a:p>
+                      <a:pPr algn="ctr"/>
+                      <a:endParaRPr lang="en-ID" sz="1200" dirty="0"/>
+                    </a:p>
+                  </a:txBody>
+                  <a:tcPr anchor="ctr"/>
+                </a:tc>
+                <a:tc>
+                  <a:txBody>
+                    <a:bodyPr/>
+                    <a:lstStyle/>
+                    <a:p>
+                      <a:pPr algn="ctr"/>
+                      <a:endParaRPr lang="en-ID" sz="1200"/>
+                    </a:p>
+                  </a:txBody>
+                  <a:tcPr anchor="ctr"/>
+                </a:tc>
+                <a:tc>
+                  <a:txBody>
+                    <a:bodyPr/>
+                    <a:lstStyle/>
+                    <a:p>
+                      <a:pPr algn="ctr"/>
+                      <a:endParaRPr lang="en-ID" sz="1200"/>
+                    </a:p>
+                  </a:txBody>
+                  <a:tcPr anchor="ctr"/>
+                </a:tc>
+                <a:extLst>
+                  <a:ext uri="{0D108BD9-81ED-4DB2-BD59-A6C34878D82A}">
+                    <a16:rowId xmlns:a16="http://schemas.microsoft.com/office/drawing/2014/main" val="1636804771"/>
+                  </a:ext>
+                </a:extLst>
+              </a:tr>
+              <a:tr h="336669">
+                <a:tc>
+                  <a:txBody>
+                    <a:bodyPr/>
+                    <a:lstStyle/>
+                    <a:p>
+                      <a:pPr algn="l"/>
+                      <a:r>
+                        <a:rPr lang="en-US" sz="900" dirty="0" err="1"/>
+                        <a:t>Evaluasi</a:t>
+                      </a:r>
+                      <a:endParaRPr lang="en-ID" sz="900" dirty="0"/>
+                    </a:p>
+                  </a:txBody>
+                  <a:tcPr anchor="ctr"/>
+                </a:tc>
+                <a:tc>
+                  <a:txBody>
+                    <a:bodyPr/>
+                    <a:lstStyle/>
+                    <a:p>
+                      <a:pPr algn="ctr"/>
+                      <a:endParaRPr lang="en-ID" sz="1200"/>
+                    </a:p>
+                  </a:txBody>
+                  <a:tcPr anchor="ctr"/>
+                </a:tc>
+                <a:tc>
+                  <a:txBody>
+                    <a:bodyPr/>
+                    <a:lstStyle/>
+                    <a:p>
+                      <a:pPr algn="ctr"/>
+                      <a:endParaRPr lang="en-ID" sz="1200"/>
+                    </a:p>
+                  </a:txBody>
+                  <a:tcPr anchor="ctr"/>
+                </a:tc>
+                <a:tc>
+                  <a:txBody>
+                    <a:bodyPr/>
+                    <a:lstStyle/>
+                    <a:p>
+                      <a:pPr algn="ctr"/>
+                      <a:endParaRPr lang="en-ID" sz="1200"/>
+                    </a:p>
+                  </a:txBody>
+                  <a:tcPr anchor="ctr"/>
+                </a:tc>
+                <a:tc>
+                  <a:txBody>
+                    <a:bodyPr/>
+                    <a:lstStyle/>
+                    <a:p>
+                      <a:pPr algn="ctr"/>
+                      <a:endParaRPr lang="en-ID" sz="1200"/>
+                    </a:p>
+                  </a:txBody>
+                  <a:tcPr anchor="ctr"/>
+                </a:tc>
+                <a:tc>
+                  <a:txBody>
+                    <a:bodyPr/>
+                    <a:lstStyle/>
+                    <a:p>
+                      <a:pPr algn="ctr"/>
+                      <a:endParaRPr lang="en-ID" sz="1200"/>
+                    </a:p>
+                  </a:txBody>
+                  <a:tcPr anchor="ctr"/>
+                </a:tc>
+                <a:tc>
+                  <a:txBody>
+                    <a:bodyPr/>
+                    <a:lstStyle/>
+                    <a:p>
+                      <a:pPr algn="ctr"/>
+                      <a:endParaRPr lang="en-ID" sz="1200"/>
+                    </a:p>
+                  </a:txBody>
+                  <a:tcPr anchor="ctr"/>
+                </a:tc>
+                <a:tc>
+                  <a:txBody>
+                    <a:bodyPr/>
+                    <a:lstStyle/>
+                    <a:p>
+                      <a:pPr algn="ctr"/>
+                      <a:endParaRPr lang="en-ID" sz="1200" dirty="0"/>
+                    </a:p>
+                  </a:txBody>
+                  <a:tcPr anchor="ctr">
+                    <a:solidFill>
+                      <a:schemeClr val="bg1"/>
+                    </a:solidFill>
+                  </a:tcPr>
+                </a:tc>
+                <a:tc>
+                  <a:txBody>
+                    <a:bodyPr/>
+                    <a:lstStyle/>
+                    <a:p>
+                      <a:pPr algn="ctr"/>
+                      <a:endParaRPr lang="en-ID" sz="1200" dirty="0"/>
+                    </a:p>
+                  </a:txBody>
+                  <a:tcPr anchor="ctr">
+                    <a:solidFill>
+                      <a:schemeClr val="bg1"/>
+                    </a:solidFill>
+                  </a:tcPr>
+                </a:tc>
+                <a:tc>
+                  <a:txBody>
+                    <a:bodyPr/>
+                    <a:lstStyle/>
+                    <a:p>
+                      <a:pPr algn="ctr"/>
+                      <a:endParaRPr lang="en-ID" sz="1200"/>
+                    </a:p>
+                  </a:txBody>
+                  <a:tcPr anchor="ctr">
+                    <a:solidFill>
+                      <a:schemeClr val="bg1"/>
+                    </a:solidFill>
+                  </a:tcPr>
+                </a:tc>
+                <a:tc>
+                  <a:txBody>
+                    <a:bodyPr/>
+                    <a:lstStyle/>
+                    <a:p>
+                      <a:pPr algn="ctr"/>
+                      <a:endParaRPr lang="en-ID" sz="1200" dirty="0"/>
+                    </a:p>
+                  </a:txBody>
+                  <a:tcPr anchor="ctr">
+                    <a:solidFill>
+                      <a:schemeClr val="bg1"/>
+                    </a:solidFill>
+                  </a:tcPr>
+                </a:tc>
+                <a:tc>
+                  <a:txBody>
+                    <a:bodyPr/>
+                    <a:lstStyle/>
+                    <a:p>
+                      <a:pPr algn="ctr"/>
+                      <a:endParaRPr lang="en-ID" sz="1200" dirty="0"/>
+                    </a:p>
+                  </a:txBody>
+                  <a:tcPr anchor="ctr">
+                    <a:solidFill>
+                      <a:schemeClr val="bg1"/>
+                    </a:solidFill>
+                  </a:tcPr>
+                </a:tc>
+                <a:tc>
+                  <a:txBody>
+                    <a:bodyPr/>
+                    <a:lstStyle/>
+                    <a:p>
+                      <a:pPr algn="ctr"/>
+                      <a:endParaRPr lang="en-ID" sz="1200" dirty="0"/>
+                    </a:p>
+                  </a:txBody>
+                  <a:tcPr anchor="ctr">
+                    <a:solidFill>
+                      <a:schemeClr val="bg1"/>
+                    </a:solidFill>
+                  </a:tcPr>
+                </a:tc>
+                <a:tc>
+                  <a:txBody>
+                    <a:bodyPr/>
+                    <a:lstStyle/>
+                    <a:p>
+                      <a:pPr algn="ctr"/>
+                      <a:endParaRPr lang="en-ID" sz="1200" dirty="0"/>
+                    </a:p>
+                  </a:txBody>
+                  <a:tcPr anchor="ctr">
+                    <a:solidFill>
+                      <a:schemeClr val="bg1"/>
+                    </a:solidFill>
+                  </a:tcPr>
+                </a:tc>
+                <a:tc>
+                  <a:txBody>
+                    <a:bodyPr/>
+                    <a:lstStyle/>
+                    <a:p>
+                      <a:pPr algn="ctr"/>
+                      <a:endParaRPr lang="en-ID" sz="1200" dirty="0"/>
+                    </a:p>
+                  </a:txBody>
+                  <a:tcPr anchor="ctr">
+                    <a:solidFill>
+                      <a:schemeClr val="accent6"/>
+                    </a:solidFill>
+                  </a:tcPr>
+                </a:tc>
+                <a:tc>
+                  <a:txBody>
+                    <a:bodyPr/>
+                    <a:lstStyle/>
+                    <a:p>
+                      <a:pPr algn="ctr"/>
+                      <a:endParaRPr lang="en-ID" sz="1200" dirty="0"/>
+                    </a:p>
+                  </a:txBody>
+                  <a:tcPr anchor="ctr">
+                    <a:solidFill>
+                      <a:schemeClr val="accent6"/>
+                    </a:solidFill>
+                  </a:tcPr>
+                </a:tc>
+                <a:tc>
+                  <a:txBody>
+                    <a:bodyPr/>
+                    <a:lstStyle/>
+                    <a:p>
+                      <a:pPr algn="ctr"/>
+                      <a:endParaRPr lang="en-ID" sz="1200" dirty="0"/>
+                    </a:p>
+                  </a:txBody>
+                  <a:tcPr anchor="ctr">
+                    <a:solidFill>
+                      <a:schemeClr val="accent6"/>
+                    </a:solidFill>
+                  </a:tcPr>
+                </a:tc>
+                <a:extLst>
+                  <a:ext uri="{0D108BD9-81ED-4DB2-BD59-A6C34878D82A}">
+                    <a16:rowId xmlns:a16="http://schemas.microsoft.com/office/drawing/2014/main" val="1718804125"/>
+                  </a:ext>
+                </a:extLst>
+              </a:tr>
+              <a:tr h="336669">
+                <a:tc>
+                  <a:txBody>
+                    <a:bodyPr/>
+                    <a:lstStyle/>
+                    <a:p>
+                      <a:pPr algn="l"/>
+                      <a:r>
+                        <a:rPr lang="en-US" sz="900" dirty="0" err="1"/>
+                        <a:t>Penulisan</a:t>
+                      </a:r>
+                      <a:r>
+                        <a:rPr lang="en-US" sz="900" dirty="0"/>
+                        <a:t> </a:t>
+                      </a:r>
+                      <a:r>
+                        <a:rPr lang="en-US" sz="900" dirty="0" err="1"/>
+                        <a:t>Laporan</a:t>
+                      </a:r>
+                      <a:r>
+                        <a:rPr lang="en-US" sz="900" dirty="0"/>
+                        <a:t> Akhir</a:t>
+                      </a:r>
+                      <a:endParaRPr lang="en-ID" sz="900" dirty="0"/>
+                    </a:p>
+                  </a:txBody>
+                  <a:tcPr anchor="ctr"/>
+                </a:tc>
+                <a:tc>
+                  <a:txBody>
+                    <a:bodyPr/>
+                    <a:lstStyle/>
+                    <a:p>
+                      <a:pPr algn="ctr"/>
+                      <a:endParaRPr lang="en-ID" sz="1200" dirty="0"/>
+                    </a:p>
+                  </a:txBody>
+                  <a:tcPr anchor="ctr">
+                    <a:solidFill>
+                      <a:srgbClr val="7030A0"/>
+                    </a:solidFill>
+                  </a:tcPr>
+                </a:tc>
+                <a:tc>
+                  <a:txBody>
+                    <a:bodyPr/>
+                    <a:lstStyle/>
+                    <a:p>
+                      <a:pPr algn="ctr"/>
+                      <a:endParaRPr lang="en-ID" sz="1200" dirty="0"/>
+                    </a:p>
+                  </a:txBody>
+                  <a:tcPr anchor="ctr">
+                    <a:solidFill>
+                      <a:srgbClr val="7030A0"/>
+                    </a:solidFill>
+                  </a:tcPr>
+                </a:tc>
+                <a:tc>
+                  <a:txBody>
+                    <a:bodyPr/>
+                    <a:lstStyle/>
+                    <a:p>
+                      <a:pPr algn="ctr"/>
+                      <a:endParaRPr lang="en-ID" sz="1200" dirty="0"/>
+                    </a:p>
+                  </a:txBody>
+                  <a:tcPr anchor="ctr">
+                    <a:solidFill>
+                      <a:srgbClr val="7030A0"/>
+                    </a:solidFill>
+                  </a:tcPr>
+                </a:tc>
+                <a:tc>
+                  <a:txBody>
+                    <a:bodyPr/>
+                    <a:lstStyle/>
+                    <a:p>
+                      <a:pPr algn="ctr"/>
+                      <a:endParaRPr lang="en-ID" sz="1200" dirty="0"/>
+                    </a:p>
+                  </a:txBody>
+                  <a:tcPr anchor="ctr">
+                    <a:solidFill>
+                      <a:srgbClr val="7030A0"/>
+                    </a:solidFill>
+                  </a:tcPr>
+                </a:tc>
+                <a:tc>
+                  <a:txBody>
+                    <a:bodyPr/>
+                    <a:lstStyle/>
+                    <a:p>
+                      <a:pPr algn="ctr"/>
+                      <a:endParaRPr lang="en-ID" sz="1200" dirty="0"/>
+                    </a:p>
+                  </a:txBody>
+                  <a:tcPr anchor="ctr">
+                    <a:solidFill>
+                      <a:srgbClr val="7030A0"/>
+                    </a:solidFill>
+                  </a:tcPr>
+                </a:tc>
+                <a:tc>
+                  <a:txBody>
+                    <a:bodyPr/>
+                    <a:lstStyle/>
+                    <a:p>
+                      <a:pPr algn="ctr"/>
+                      <a:endParaRPr lang="en-ID" sz="1200" dirty="0"/>
+                    </a:p>
+                  </a:txBody>
+                  <a:tcPr anchor="ctr">
+                    <a:solidFill>
+                      <a:srgbClr val="7030A0"/>
+                    </a:solidFill>
+                  </a:tcPr>
+                </a:tc>
+                <a:tc>
+                  <a:txBody>
+                    <a:bodyPr/>
+                    <a:lstStyle/>
+                    <a:p>
+                      <a:pPr algn="ctr"/>
+                      <a:endParaRPr lang="en-ID" sz="1200" dirty="0"/>
+                    </a:p>
+                  </a:txBody>
+                  <a:tcPr anchor="ctr">
+                    <a:solidFill>
+                      <a:srgbClr val="7030A0"/>
+                    </a:solidFill>
+                  </a:tcPr>
+                </a:tc>
+                <a:tc>
+                  <a:txBody>
+                    <a:bodyPr/>
+                    <a:lstStyle/>
+                    <a:p>
+                      <a:pPr algn="ctr"/>
+                      <a:endParaRPr lang="en-ID" sz="1200" dirty="0"/>
+                    </a:p>
+                  </a:txBody>
+                  <a:tcPr anchor="ctr">
+                    <a:solidFill>
+                      <a:srgbClr val="7030A0"/>
+                    </a:solidFill>
+                  </a:tcPr>
+                </a:tc>
+                <a:tc>
+                  <a:txBody>
+                    <a:bodyPr/>
+                    <a:lstStyle/>
+                    <a:p>
+                      <a:pPr algn="ctr"/>
+                      <a:endParaRPr lang="en-ID" sz="1200" dirty="0"/>
+                    </a:p>
+                  </a:txBody>
+                  <a:tcPr anchor="ctr">
+                    <a:solidFill>
+                      <a:srgbClr val="7030A0"/>
+                    </a:solidFill>
+                  </a:tcPr>
+                </a:tc>
+                <a:tc>
+                  <a:txBody>
+                    <a:bodyPr/>
+                    <a:lstStyle/>
+                    <a:p>
+                      <a:pPr algn="ctr"/>
+                      <a:endParaRPr lang="en-ID" sz="1200" dirty="0"/>
+                    </a:p>
+                  </a:txBody>
+                  <a:tcPr anchor="ctr">
+                    <a:solidFill>
+                      <a:srgbClr val="7030A0"/>
+                    </a:solidFill>
+                  </a:tcPr>
+                </a:tc>
+                <a:tc>
+                  <a:txBody>
+                    <a:bodyPr/>
+                    <a:lstStyle/>
+                    <a:p>
+                      <a:pPr algn="ctr"/>
+                      <a:endParaRPr lang="en-ID" sz="1200" dirty="0"/>
+                    </a:p>
+                  </a:txBody>
+                  <a:tcPr anchor="ctr">
+                    <a:solidFill>
+                      <a:srgbClr val="7030A0"/>
+                    </a:solidFill>
+                  </a:tcPr>
+                </a:tc>
+                <a:tc>
+                  <a:txBody>
+                    <a:bodyPr/>
+                    <a:lstStyle/>
+                    <a:p>
+                      <a:pPr algn="ctr"/>
+                      <a:endParaRPr lang="en-ID" sz="1200" dirty="0"/>
+                    </a:p>
+                  </a:txBody>
+                  <a:tcPr anchor="ctr">
+                    <a:solidFill>
+                      <a:srgbClr val="7030A0"/>
+                    </a:solidFill>
+                  </a:tcPr>
+                </a:tc>
+                <a:tc>
+                  <a:txBody>
+                    <a:bodyPr/>
+                    <a:lstStyle/>
+                    <a:p>
+                      <a:pPr algn="ctr"/>
+                      <a:endParaRPr lang="en-ID" sz="1200" dirty="0"/>
+                    </a:p>
+                  </a:txBody>
+                  <a:tcPr anchor="ctr">
+                    <a:solidFill>
+                      <a:srgbClr val="7030A0"/>
+                    </a:solidFill>
+                  </a:tcPr>
+                </a:tc>
+                <a:tc>
+                  <a:txBody>
+                    <a:bodyPr/>
+                    <a:lstStyle/>
+                    <a:p>
+                      <a:pPr algn="ctr"/>
+                      <a:endParaRPr lang="en-ID" sz="1200" dirty="0"/>
+                    </a:p>
+                  </a:txBody>
+                  <a:tcPr anchor="ctr">
+                    <a:solidFill>
+                      <a:srgbClr val="7030A0"/>
+                    </a:solidFill>
+                  </a:tcPr>
+                </a:tc>
+                <a:tc>
+                  <a:txBody>
+                    <a:bodyPr/>
+                    <a:lstStyle/>
+                    <a:p>
+                      <a:pPr algn="ctr"/>
+                      <a:endParaRPr lang="en-ID" sz="1200" dirty="0"/>
+                    </a:p>
+                  </a:txBody>
+                  <a:tcPr anchor="ctr">
+                    <a:solidFill>
+                      <a:srgbClr val="7030A0"/>
+                    </a:solidFill>
+                  </a:tcPr>
+                </a:tc>
+                <a:tc>
+                  <a:txBody>
+                    <a:bodyPr/>
+                    <a:lstStyle/>
+                    <a:p>
+                      <a:pPr algn="ctr"/>
+                      <a:endParaRPr lang="en-ID" sz="1200" dirty="0"/>
+                    </a:p>
+                  </a:txBody>
+                  <a:tcPr anchor="ctr">
+                    <a:solidFill>
+                      <a:srgbClr val="7030A0"/>
+                    </a:solidFill>
+                  </a:tcPr>
+                </a:tc>
+                <a:extLst>
+                  <a:ext uri="{0D108BD9-81ED-4DB2-BD59-A6C34878D82A}">
+                    <a16:rowId xmlns:a16="http://schemas.microsoft.com/office/drawing/2014/main" val="2061648861"/>
+                  </a:ext>
+                </a:extLst>
+              </a:tr>
+            </a:tbl>
+          </a:graphicData>
+        </a:graphic>
+      </p:graphicFrame>
     </p:spTree>
   </p:cSld>
   <p:clrMapOvr>
@@ -9256,7 +11179,7 @@
 </p:sld>
 </file>
 
-<file path=ppt/slides/slide12.xml><?xml version="1.0" encoding="utf-8"?>
+<file path=ppt/slides/slide11.xml><?xml version="1.0" encoding="utf-8"?>
 <p:sld xmlns:a="http://schemas.openxmlformats.org/drawingml/2006/main" xmlns:r="http://schemas.openxmlformats.org/officeDocument/2006/relationships" xmlns:p="http://schemas.openxmlformats.org/presentationml/2006/main">
   <p:cSld>
     <p:spTree>
@@ -9348,7 +11271,7 @@
         </p:spPr>
         <p:txBody>
           <a:bodyPr spcFirstLastPara="1" wrap="square" lIns="91425" tIns="91425" rIns="91425" bIns="91425" anchor="t" anchorCtr="0">
-            <a:normAutofit fontScale="92500" lnSpcReduction="20000"/>
+            <a:normAutofit/>
           </a:bodyPr>
           <a:lstStyle/>
           <a:p>
@@ -9366,109 +11289,109 @@
               <a:buNone/>
             </a:pPr>
             <a:r>
-              <a:rPr lang="en-US" sz="1800" dirty="0">
+              <a:rPr lang="en-US" sz="1200" dirty="0">
                 <a:solidFill>
                   <a:schemeClr val="dk1"/>
                 </a:solidFill>
-                <a:latin typeface="Times New Roman"/>
+                <a:latin typeface="Times New Roman" panose="02020603050405020304" pitchFamily="18" charset="0"/>
                 <a:ea typeface="Times New Roman"/>
-                <a:cs typeface="Times New Roman"/>
+                <a:cs typeface="Times New Roman" panose="02020603050405020304" pitchFamily="18" charset="0"/>
                 <a:sym typeface="Times New Roman"/>
               </a:rPr>
               <a:t>Lu Wang, </a:t>
             </a:r>
             <a:r>
-              <a:rPr lang="en-US" sz="1800" dirty="0" err="1">
+              <a:rPr lang="en-US" sz="1200" dirty="0" err="1">
                 <a:solidFill>
                   <a:schemeClr val="dk1"/>
                 </a:solidFill>
-                <a:latin typeface="Times New Roman"/>
+                <a:latin typeface="Times New Roman" panose="02020603050405020304" pitchFamily="18" charset="0"/>
                 <a:ea typeface="Times New Roman"/>
-                <a:cs typeface="Times New Roman"/>
+                <a:cs typeface="Times New Roman" panose="02020603050405020304" pitchFamily="18" charset="0"/>
                 <a:sym typeface="Times New Roman"/>
               </a:rPr>
               <a:t>Chenhan</a:t>
             </a:r>
             <a:r>
-              <a:rPr lang="en-US" sz="1800" dirty="0">
+              <a:rPr lang="en-US" sz="1200" dirty="0">
                 <a:solidFill>
                   <a:schemeClr val="dk1"/>
                 </a:solidFill>
-                <a:latin typeface="Times New Roman"/>
+                <a:latin typeface="Times New Roman" panose="02020603050405020304" pitchFamily="18" charset="0"/>
                 <a:ea typeface="Times New Roman"/>
-                <a:cs typeface="Times New Roman"/>
+                <a:cs typeface="Times New Roman" panose="02020603050405020304" pitchFamily="18" charset="0"/>
                 <a:sym typeface="Times New Roman"/>
               </a:rPr>
               <a:t> Sun, </a:t>
             </a:r>
             <a:r>
-              <a:rPr lang="en-US" sz="1800" dirty="0" err="1">
+              <a:rPr lang="en-US" sz="1200" dirty="0" err="1">
                 <a:solidFill>
                   <a:schemeClr val="dk1"/>
                 </a:solidFill>
-                <a:latin typeface="Times New Roman"/>
+                <a:latin typeface="Times New Roman" panose="02020603050405020304" pitchFamily="18" charset="0"/>
                 <a:ea typeface="Times New Roman"/>
-                <a:cs typeface="Times New Roman"/>
+                <a:cs typeface="Times New Roman" panose="02020603050405020304" pitchFamily="18" charset="0"/>
                 <a:sym typeface="Times New Roman"/>
               </a:rPr>
               <a:t>Chongyang</a:t>
             </a:r>
             <a:r>
-              <a:rPr lang="en-US" sz="1800" dirty="0">
+              <a:rPr lang="en-US" sz="1200" dirty="0">
                 <a:solidFill>
                   <a:schemeClr val="dk1"/>
                 </a:solidFill>
-                <a:latin typeface="Times New Roman"/>
+                <a:latin typeface="Times New Roman" panose="02020603050405020304" pitchFamily="18" charset="0"/>
                 <a:ea typeface="Times New Roman"/>
-                <a:cs typeface="Times New Roman"/>
+                <a:cs typeface="Times New Roman" panose="02020603050405020304" pitchFamily="18" charset="0"/>
                 <a:sym typeface="Times New Roman"/>
               </a:rPr>
               <a:t> Zhang, </a:t>
             </a:r>
             <a:r>
-              <a:rPr lang="en-US" sz="1800" dirty="0" err="1">
+              <a:rPr lang="en-US" sz="1200" dirty="0" err="1">
                 <a:solidFill>
                   <a:schemeClr val="dk1"/>
                 </a:solidFill>
-                <a:latin typeface="Times New Roman"/>
+                <a:latin typeface="Times New Roman" panose="02020603050405020304" pitchFamily="18" charset="0"/>
                 <a:ea typeface="Times New Roman"/>
-                <a:cs typeface="Times New Roman"/>
+                <a:cs typeface="Times New Roman" panose="02020603050405020304" pitchFamily="18" charset="0"/>
                 <a:sym typeface="Times New Roman"/>
               </a:rPr>
               <a:t>Weikun</a:t>
             </a:r>
             <a:r>
-              <a:rPr lang="en-US" sz="1800" dirty="0">
+              <a:rPr lang="en-US" sz="1200" dirty="0">
                 <a:solidFill>
                   <a:schemeClr val="dk1"/>
                 </a:solidFill>
-                <a:latin typeface="Times New Roman"/>
+                <a:latin typeface="Times New Roman" panose="02020603050405020304" pitchFamily="18" charset="0"/>
                 <a:ea typeface="Times New Roman"/>
-                <a:cs typeface="Times New Roman"/>
+                <a:cs typeface="Times New Roman" panose="02020603050405020304" pitchFamily="18" charset="0"/>
                 <a:sym typeface="Times New Roman"/>
               </a:rPr>
               <a:t> </a:t>
             </a:r>
             <a:r>
-              <a:rPr lang="en-US" sz="1800" dirty="0" err="1">
+              <a:rPr lang="en-US" sz="1200" dirty="0" err="1">
                 <a:solidFill>
                   <a:schemeClr val="dk1"/>
                 </a:solidFill>
-                <a:latin typeface="Times New Roman"/>
+                <a:latin typeface="Times New Roman" panose="02020603050405020304" pitchFamily="18" charset="0"/>
                 <a:ea typeface="Times New Roman"/>
-                <a:cs typeface="Times New Roman"/>
+                <a:cs typeface="Times New Roman" panose="02020603050405020304" pitchFamily="18" charset="0"/>
                 <a:sym typeface="Times New Roman"/>
               </a:rPr>
               <a:t>Nie</a:t>
             </a:r>
             <a:r>
-              <a:rPr lang="en-US" sz="1800" dirty="0">
+              <a:rPr lang="en-US" sz="1200" dirty="0">
                 <a:solidFill>
                   <a:schemeClr val="dk1"/>
                 </a:solidFill>
-                <a:latin typeface="Times New Roman"/>
+                <a:latin typeface="Times New Roman" panose="02020603050405020304" pitchFamily="18" charset="0"/>
                 <a:ea typeface="Times New Roman"/>
-                <a:cs typeface="Times New Roman"/>
+                <a:cs typeface="Times New Roman" panose="02020603050405020304" pitchFamily="18" charset="0"/>
                 <a:sym typeface="Times New Roman"/>
               </a:rPr>
               <a:t>, Kaiyuan Huang,</a:t>
@@ -9489,13 +11412,13 @@
               <a:buNone/>
             </a:pPr>
             <a:r>
-              <a:rPr lang="en-US" sz="1800" dirty="0">
+              <a:rPr lang="en-US" sz="1200" dirty="0">
                 <a:solidFill>
                   <a:schemeClr val="dk1"/>
                 </a:solidFill>
-                <a:latin typeface="Times New Roman"/>
+                <a:latin typeface="Times New Roman" panose="02020603050405020304" pitchFamily="18" charset="0"/>
                 <a:ea typeface="Times New Roman"/>
-                <a:cs typeface="Times New Roman"/>
+                <a:cs typeface="Times New Roman" panose="02020603050405020304" pitchFamily="18" charset="0"/>
                 <a:sym typeface="Times New Roman"/>
               </a:rPr>
               <a:t>Application of knowledge graph in software engineering field: A systematic literature review,</a:t>
@@ -9516,16 +11439,16 @@
               <a:buNone/>
             </a:pPr>
             <a:r>
-              <a:rPr lang="en-US" sz="1800" dirty="0">
+              <a:rPr lang="en-US" sz="1200" dirty="0">
                 <a:solidFill>
                   <a:schemeClr val="dk1"/>
                 </a:solidFill>
-                <a:latin typeface="Times New Roman"/>
+                <a:latin typeface="Times New Roman" panose="02020603050405020304" pitchFamily="18" charset="0"/>
                 <a:ea typeface="Times New Roman"/>
-                <a:cs typeface="Times New Roman"/>
+                <a:cs typeface="Times New Roman" panose="02020603050405020304" pitchFamily="18" charset="0"/>
                 <a:sym typeface="Times New Roman"/>
               </a:rPr>
-              <a:t>Information and Software Technology,</a:t>
+              <a:t>Information and Software Technology</a:t>
             </a:r>
           </a:p>
           <a:p>
@@ -9543,16 +11466,29 @@
               <a:buNone/>
             </a:pPr>
             <a:r>
-              <a:rPr lang="en-US" sz="1800" dirty="0">
+              <a:rPr lang="en-US" sz="1200" dirty="0">
                 <a:solidFill>
                   <a:schemeClr val="dk1"/>
                 </a:solidFill>
-                <a:latin typeface="Times New Roman"/>
+                <a:latin typeface="Times New Roman" panose="02020603050405020304" pitchFamily="18" charset="0"/>
                 <a:ea typeface="Times New Roman"/>
-                <a:cs typeface="Times New Roman"/>
+                <a:cs typeface="Times New Roman" panose="02020603050405020304" pitchFamily="18" charset="0"/>
                 <a:sym typeface="Times New Roman"/>
-              </a:rPr>
-              <a:t>Volume 164,</a:t>
+                <a:hlinkClick r:id="rId3"/>
+              </a:rPr>
+              <a:t>https://doi.org/10.1016/j.infsof.2023.107327</a:t>
+            </a:r>
+            <a:r>
+              <a:rPr lang="en-US" sz="1200" dirty="0">
+                <a:solidFill>
+                  <a:schemeClr val="dk1"/>
+                </a:solidFill>
+                <a:latin typeface="Times New Roman" panose="02020603050405020304" pitchFamily="18" charset="0"/>
+                <a:ea typeface="Times New Roman"/>
+                <a:cs typeface="Times New Roman" panose="02020603050405020304" pitchFamily="18" charset="0"/>
+                <a:sym typeface="Times New Roman"/>
+              </a:rPr>
+              <a:t>.</a:t>
             </a:r>
           </a:p>
           <a:p>
@@ -9570,16 +11506,25 @@
               <a:buNone/>
             </a:pPr>
             <a:r>
-              <a:rPr lang="en-US" sz="1800" dirty="0">
-                <a:solidFill>
-                  <a:schemeClr val="dk1"/>
-                </a:solidFill>
-                <a:latin typeface="Times New Roman"/>
-                <a:ea typeface="Times New Roman"/>
-                <a:cs typeface="Times New Roman"/>
-                <a:sym typeface="Times New Roman"/>
-              </a:rPr>
-              <a:t>2023,</a:t>
+              <a:rPr lang="en-US" sz="1200" dirty="0">
+                <a:latin typeface="Times New Roman" panose="02020603050405020304" pitchFamily="18" charset="0"/>
+                <a:cs typeface="Times New Roman" panose="02020603050405020304" pitchFamily="18" charset="0"/>
+              </a:rPr>
+              <a:t>Bernhard </a:t>
+            </a:r>
+            <a:r>
+              <a:rPr lang="en-US" sz="1200" dirty="0" err="1">
+                <a:latin typeface="Times New Roman" panose="02020603050405020304" pitchFamily="18" charset="0"/>
+                <a:cs typeface="Times New Roman" panose="02020603050405020304" pitchFamily="18" charset="0"/>
+              </a:rPr>
+              <a:t>Krabina</a:t>
+            </a:r>
+            <a:r>
+              <a:rPr lang="en-US" sz="1200" dirty="0">
+                <a:latin typeface="Times New Roman" panose="02020603050405020304" pitchFamily="18" charset="0"/>
+                <a:cs typeface="Times New Roman" panose="02020603050405020304" pitchFamily="18" charset="0"/>
+              </a:rPr>
+              <a:t>,</a:t>
             </a:r>
           </a:p>
           <a:p>
@@ -9597,16 +11542,25 @@
               <a:buNone/>
             </a:pPr>
             <a:r>
-              <a:rPr lang="en-US" sz="1800" dirty="0">
-                <a:solidFill>
-                  <a:schemeClr val="dk1"/>
-                </a:solidFill>
-                <a:latin typeface="Times New Roman"/>
-                <a:ea typeface="Times New Roman"/>
-                <a:cs typeface="Times New Roman"/>
-                <a:sym typeface="Times New Roman"/>
-              </a:rPr>
-              <a:t>107327,</a:t>
+              <a:rPr lang="en-US" sz="1200" dirty="0">
+                <a:latin typeface="Times New Roman" panose="02020603050405020304" pitchFamily="18" charset="0"/>
+                <a:cs typeface="Times New Roman" panose="02020603050405020304" pitchFamily="18" charset="0"/>
+              </a:rPr>
+              <a:t>Building a Knowledge Graph for the History of Vienna with Semantic </a:t>
+            </a:r>
+            <a:r>
+              <a:rPr lang="en-US" sz="1200" dirty="0" err="1">
+                <a:latin typeface="Times New Roman" panose="02020603050405020304" pitchFamily="18" charset="0"/>
+                <a:cs typeface="Times New Roman" panose="02020603050405020304" pitchFamily="18" charset="0"/>
+              </a:rPr>
+              <a:t>MediaWiki</a:t>
+            </a:r>
+            <a:r>
+              <a:rPr lang="en-US" sz="1200" dirty="0">
+                <a:latin typeface="Times New Roman" panose="02020603050405020304" pitchFamily="18" charset="0"/>
+                <a:cs typeface="Times New Roman" panose="02020603050405020304" pitchFamily="18" charset="0"/>
+              </a:rPr>
+              <a:t>,</a:t>
             </a:r>
           </a:p>
           <a:p>
@@ -9624,16 +11578,11 @@
               <a:buNone/>
             </a:pPr>
             <a:r>
-              <a:rPr lang="en-US" sz="1800" dirty="0">
-                <a:solidFill>
-                  <a:schemeClr val="dk1"/>
-                </a:solidFill>
-                <a:latin typeface="Times New Roman"/>
-                <a:ea typeface="Times New Roman"/>
-                <a:cs typeface="Times New Roman"/>
-                <a:sym typeface="Times New Roman"/>
-              </a:rPr>
-              <a:t>ISSN 0950-5849,</a:t>
+              <a:rPr lang="en-US" sz="1200" dirty="0">
+                <a:latin typeface="Times New Roman" panose="02020603050405020304" pitchFamily="18" charset="0"/>
+                <a:cs typeface="Times New Roman" panose="02020603050405020304" pitchFamily="18" charset="0"/>
+              </a:rPr>
+              <a:t>Journal of Web Semantics</a:t>
             </a:r>
           </a:p>
           <a:p>
@@ -9651,198 +11600,39 @@
               <a:buNone/>
             </a:pPr>
             <a:r>
-              <a:rPr lang="en-US" sz="1800" dirty="0">
-                <a:solidFill>
-                  <a:schemeClr val="dk1"/>
-                </a:solidFill>
-                <a:latin typeface="Times New Roman"/>
-                <a:ea typeface="Times New Roman"/>
-                <a:cs typeface="Times New Roman"/>
-                <a:sym typeface="Times New Roman"/>
-              </a:rPr>
-              <a:t>https://doi.org/10.1016/j.infsof.2023.107327.</a:t>
-            </a:r>
-            <a:endParaRPr sz="2800" dirty="0"/>
+              <a:rPr lang="en-US" sz="1200" dirty="0">
+                <a:latin typeface="Times New Roman" panose="02020603050405020304" pitchFamily="18" charset="0"/>
+                <a:cs typeface="Times New Roman" panose="02020603050405020304" pitchFamily="18" charset="0"/>
+              </a:rPr>
+              <a:t>https://doi.org/10.1016/j.websem.2022.100771.</a:t>
+            </a:r>
+            <a:endParaRPr lang="en-ID" sz="1200" dirty="0">
+              <a:latin typeface="Times New Roman" panose="02020603050405020304" pitchFamily="18" charset="0"/>
+              <a:cs typeface="Times New Roman" panose="02020603050405020304" pitchFamily="18" charset="0"/>
+            </a:endParaRPr>
+          </a:p>
+          <a:p>
+            <a:pPr marL="0" lvl="0" indent="0" algn="l" rtl="0">
+              <a:lnSpc>
+                <a:spcPct val="115000"/>
+              </a:lnSpc>
+              <a:spcBef>
+                <a:spcPts val="0"/>
+              </a:spcBef>
+              <a:spcAft>
+                <a:spcPts val="1200"/>
+              </a:spcAft>
+              <a:buSzPts val="1800"/>
+              <a:buNone/>
+            </a:pPr>
+            <a:endParaRPr sz="1200" dirty="0">
+              <a:latin typeface="Times New Roman" panose="02020603050405020304" pitchFamily="18" charset="0"/>
+              <a:cs typeface="Times New Roman" panose="02020603050405020304" pitchFamily="18" charset="0"/>
+            </a:endParaRPr>
           </a:p>
         </p:txBody>
       </p:sp>
     </p:spTree>
-  </p:cSld>
-  <p:clrMapOvr>
-    <a:masterClrMapping/>
-  </p:clrMapOvr>
-</p:sld>
-</file>
-
-<file path=ppt/slides/slide13.xml><?xml version="1.0" encoding="utf-8"?>
-<p:sld xmlns:a="http://schemas.openxmlformats.org/drawingml/2006/main" xmlns:r="http://schemas.openxmlformats.org/officeDocument/2006/relationships" xmlns:p="http://schemas.openxmlformats.org/presentationml/2006/main">
-  <p:cSld>
-    <p:spTree>
-      <p:nvGrpSpPr>
-        <p:cNvPr id="1" name=""/>
-        <p:cNvGrpSpPr/>
-        <p:nvPr/>
-      </p:nvGrpSpPr>
-      <p:grpSpPr>
-        <a:xfrm>
-          <a:off x="0" y="0"/>
-          <a:ext cx="0" cy="0"/>
-          <a:chOff x="0" y="0"/>
-          <a:chExt cx="0" cy="0"/>
-        </a:xfrm>
-      </p:grpSpPr>
-      <p:sp>
-        <p:nvSpPr>
-          <p:cNvPr id="2" name="Title 1">
-            <a:extLst>
-              <a:ext uri="{FF2B5EF4-FFF2-40B4-BE49-F238E27FC236}">
-                <a16:creationId xmlns:a16="http://schemas.microsoft.com/office/drawing/2014/main" id="{B106E5CC-1926-7AC7-97C2-5B91E234D4EF}"/>
-              </a:ext>
-            </a:extLst>
-          </p:cNvPr>
-          <p:cNvSpPr>
-            <a:spLocks noGrp="1"/>
-          </p:cNvSpPr>
-          <p:nvPr>
-            <p:ph type="title"/>
-          </p:nvPr>
-        </p:nvSpPr>
-        <p:spPr/>
-        <p:txBody>
-          <a:bodyPr>
-            <a:normAutofit fontScale="90000"/>
-          </a:bodyPr>
-          <a:lstStyle/>
-          <a:p>
-            <a:r>
-              <a:rPr lang="en-US" dirty="0"/>
-              <a:t>Daftar </a:t>
-            </a:r>
-            <a:r>
-              <a:rPr lang="en-US" dirty="0" err="1"/>
-              <a:t>referensi</a:t>
-            </a:r>
-            <a:endParaRPr lang="en-ID" dirty="0"/>
-          </a:p>
-        </p:txBody>
-      </p:sp>
-      <p:sp>
-        <p:nvSpPr>
-          <p:cNvPr id="3" name="Text Placeholder 2">
-            <a:extLst>
-              <a:ext uri="{FF2B5EF4-FFF2-40B4-BE49-F238E27FC236}">
-                <a16:creationId xmlns:a16="http://schemas.microsoft.com/office/drawing/2014/main" id="{2BE2B8D9-0920-6CB8-6273-B44B735C5FE6}"/>
-              </a:ext>
-            </a:extLst>
-          </p:cNvPr>
-          <p:cNvSpPr>
-            <a:spLocks noGrp="1"/>
-          </p:cNvSpPr>
-          <p:nvPr>
-            <p:ph type="body" idx="1"/>
-          </p:nvPr>
-        </p:nvSpPr>
-        <p:spPr/>
-        <p:txBody>
-          <a:bodyPr/>
-          <a:lstStyle/>
-          <a:p>
-            <a:pPr marL="114300" indent="0">
-              <a:buNone/>
-            </a:pPr>
-            <a:r>
-              <a:rPr lang="en-US" dirty="0"/>
-              <a:t>Bernhard </a:t>
-            </a:r>
-            <a:r>
-              <a:rPr lang="en-US" dirty="0" err="1"/>
-              <a:t>Krabina</a:t>
-            </a:r>
-            <a:r>
-              <a:rPr lang="en-US" dirty="0"/>
-              <a:t>,</a:t>
-            </a:r>
-          </a:p>
-          <a:p>
-            <a:pPr marL="114300" indent="0">
-              <a:buNone/>
-            </a:pPr>
-            <a:r>
-              <a:rPr lang="en-US" dirty="0"/>
-              <a:t>Building a Knowledge Graph for the History of Vienna with Semantic </a:t>
-            </a:r>
-            <a:r>
-              <a:rPr lang="en-US" dirty="0" err="1"/>
-              <a:t>MediaWiki</a:t>
-            </a:r>
-            <a:r>
-              <a:rPr lang="en-US" dirty="0"/>
-              <a:t>,</a:t>
-            </a:r>
-          </a:p>
-          <a:p>
-            <a:pPr marL="114300" indent="0">
-              <a:buNone/>
-            </a:pPr>
-            <a:r>
-              <a:rPr lang="en-US" dirty="0"/>
-              <a:t>Journal of Web Semantics,</a:t>
-            </a:r>
-          </a:p>
-          <a:p>
-            <a:pPr marL="114300" indent="0">
-              <a:buNone/>
-            </a:pPr>
-            <a:r>
-              <a:rPr lang="en-US" dirty="0"/>
-              <a:t>Volume 76,</a:t>
-            </a:r>
-          </a:p>
-          <a:p>
-            <a:pPr marL="114300" indent="0">
-              <a:buNone/>
-            </a:pPr>
-            <a:r>
-              <a:rPr lang="en-US" dirty="0"/>
-              <a:t>2023,</a:t>
-            </a:r>
-          </a:p>
-          <a:p>
-            <a:pPr marL="114300" indent="0">
-              <a:buNone/>
-            </a:pPr>
-            <a:r>
-              <a:rPr lang="en-US" dirty="0"/>
-              <a:t>100771,</a:t>
-            </a:r>
-          </a:p>
-          <a:p>
-            <a:pPr marL="114300" indent="0">
-              <a:buNone/>
-            </a:pPr>
-            <a:r>
-              <a:rPr lang="en-US" dirty="0"/>
-              <a:t>ISSN 1570-8268,</a:t>
-            </a:r>
-          </a:p>
-          <a:p>
-            <a:pPr marL="114300" indent="0">
-              <a:buNone/>
-            </a:pPr>
-            <a:r>
-              <a:rPr lang="en-US" dirty="0"/>
-              <a:t>https://doi.org/10.1016/j.websem.2022.100771.</a:t>
-            </a:r>
-            <a:endParaRPr lang="en-ID" dirty="0"/>
-          </a:p>
-        </p:txBody>
-      </p:sp>
-    </p:spTree>
-    <p:extLst>
-      <p:ext uri="{BB962C8B-B14F-4D97-AF65-F5344CB8AC3E}">
-        <p14:creationId xmlns:p14="http://schemas.microsoft.com/office/powerpoint/2010/main" val="2283976446"/>
-      </p:ext>
-    </p:extLst>
   </p:cSld>
   <p:clrMapOvr>
     <a:masterClrMapping/>
@@ -9892,7 +11682,7 @@
         </p:spPr>
         <p:txBody>
           <a:bodyPr spcFirstLastPara="1" wrap="square" lIns="91425" tIns="91425" rIns="91425" bIns="91425" anchor="t" anchorCtr="0">
-            <a:normAutofit fontScale="90000"/>
+            <a:normAutofit/>
           </a:bodyPr>
           <a:lstStyle/>
           <a:p>
@@ -9910,22 +11700,14 @@
               <a:buNone/>
             </a:pPr>
             <a:r>
-              <a:rPr lang="en-US"/>
-              <a:t>Lembar Pengesahan </a:t>
-            </a:r>
-            <a:r>
-              <a:rPr lang="en-US" sz="1800"/>
-              <a:t>&lt;</a:t>
-            </a:r>
-            <a:r>
-              <a:rPr lang="en-US" sz="1800" i="1"/>
-              <a:t>berisikan tanda tangan dari calon dosen pembimbing yang sudah berdiskusi dalam pembuatan proposal TA, jika belum mempunyai calon dosen dapat dituliskan usulan calon dosen pembimbing tanpa perlu adanya tanda tangan</a:t>
-            </a:r>
-            <a:r>
-              <a:rPr lang="en-US" sz="1800"/>
-              <a:t>&gt;</a:t>
-            </a:r>
-            <a:endParaRPr/>
+              <a:rPr lang="en-US" dirty="0"/>
+              <a:t>Lembar </a:t>
+            </a:r>
+            <a:r>
+              <a:rPr lang="en-US" dirty="0" err="1"/>
+              <a:t>Pengesahan</a:t>
+            </a:r>
+            <a:endParaRPr dirty="0"/>
           </a:p>
         </p:txBody>
       </p:sp>
@@ -9971,7 +11753,11 @@
               <a:buSzPts val="1800"/>
               <a:buNone/>
             </a:pPr>
-            <a:endParaRPr dirty="0"/>
+            <a:endParaRPr dirty="0">
+              <a:solidFill>
+                <a:schemeClr val="tx1"/>
+              </a:solidFill>
+            </a:endParaRPr>
           </a:p>
           <a:p>
             <a:pPr marL="114300" lvl="0" indent="0" algn="l" rtl="0">
@@ -9988,46 +11774,58 @@
               <a:buNone/>
             </a:pPr>
             <a:r>
-              <a:rPr lang="en-US" dirty="0"/>
+              <a:rPr lang="en-US" dirty="0">
+                <a:solidFill>
+                  <a:schemeClr val="tx1"/>
+                </a:solidFill>
+              </a:rPr>
               <a:t>Nama </a:t>
             </a:r>
             <a:r>
-              <a:rPr lang="en-US" dirty="0" err="1"/>
+              <a:rPr lang="en-US" dirty="0" err="1">
+                <a:solidFill>
+                  <a:schemeClr val="tx1"/>
+                </a:solidFill>
+              </a:rPr>
               <a:t>Mahasiswa</a:t>
             </a:r>
             <a:r>
-              <a:rPr lang="en-US" dirty="0"/>
+              <a:rPr lang="en-US" dirty="0">
+                <a:solidFill>
+                  <a:schemeClr val="tx1"/>
+                </a:solidFill>
+              </a:rPr>
               <a:t>/NPM/</a:t>
             </a:r>
             <a:r>
-              <a:rPr lang="en-US" dirty="0" err="1"/>
+              <a:rPr lang="en-US" dirty="0" err="1">
+                <a:solidFill>
+                  <a:schemeClr val="tx1"/>
+                </a:solidFill>
+              </a:rPr>
               <a:t>No.HP</a:t>
             </a:r>
             <a:r>
-              <a:rPr lang="en-US" dirty="0"/>
-              <a:t>/SKS </a:t>
-            </a:r>
-            <a:r>
-              <a:rPr lang="en-US" dirty="0" err="1"/>
-              <a:t>yg</a:t>
-            </a:r>
-            <a:r>
-              <a:rPr lang="en-US" dirty="0"/>
-              <a:t> </a:t>
-            </a:r>
-            <a:r>
-              <a:rPr lang="en-US" dirty="0" err="1"/>
-              <a:t>sudah</a:t>
-            </a:r>
-            <a:r>
-              <a:rPr lang="en-US" dirty="0"/>
-              <a:t> </a:t>
-            </a:r>
-            <a:r>
-              <a:rPr lang="en-US" dirty="0" err="1"/>
+              <a:rPr lang="en-US" dirty="0">
+                <a:solidFill>
+                  <a:schemeClr val="tx1"/>
+                </a:solidFill>
+              </a:rPr>
+              <a:t>/SKS yang sudah </a:t>
+            </a:r>
+            <a:r>
+              <a:rPr lang="en-US" dirty="0" err="1">
+                <a:solidFill>
+                  <a:schemeClr val="tx1"/>
+                </a:solidFill>
+              </a:rPr>
               <a:t>diperoleh</a:t>
             </a:r>
-            <a:endParaRPr dirty="0"/>
+            <a:endParaRPr dirty="0">
+              <a:solidFill>
+                <a:schemeClr val="tx1"/>
+              </a:solidFill>
+            </a:endParaRPr>
           </a:p>
           <a:p>
             <a:pPr marL="114300" lvl="0" indent="0" algn="l" rtl="0">
@@ -10044,18 +11842,34 @@
               <a:buNone/>
             </a:pPr>
             <a:r>
-              <a:rPr lang="en-US" dirty="0"/>
+              <a:rPr lang="en-US" dirty="0">
+                <a:solidFill>
+                  <a:schemeClr val="tx1"/>
+                </a:solidFill>
+              </a:rPr>
               <a:t>1. Richie Christiansen </a:t>
             </a:r>
             <a:r>
-              <a:rPr lang="en-US" dirty="0" err="1"/>
+              <a:rPr lang="en-US" dirty="0" err="1">
+                <a:solidFill>
+                  <a:schemeClr val="tx1"/>
+                </a:solidFill>
+              </a:rPr>
               <a:t>Senlia</a:t>
             </a:r>
             <a:r>
-              <a:rPr lang="en-US" dirty="0"/>
-              <a:t>/2006473895/138</a:t>
-            </a:r>
-            <a:endParaRPr dirty="0"/>
+              <a:rPr lang="en-US" dirty="0">
+                <a:solidFill>
+                  <a:schemeClr val="tx1"/>
+                </a:solidFill>
+              </a:rPr>
+              <a:t>/2006473895/082175239925/138</a:t>
+            </a:r>
+            <a:endParaRPr dirty="0">
+              <a:solidFill>
+                <a:schemeClr val="tx1"/>
+              </a:solidFill>
+            </a:endParaRPr>
           </a:p>
           <a:p>
             <a:pPr marL="114300" lvl="0" indent="0" algn="l" rtl="0">
@@ -10071,7 +11885,11 @@
               <a:buSzPts val="1800"/>
               <a:buNone/>
             </a:pPr>
-            <a:endParaRPr dirty="0"/>
+            <a:endParaRPr dirty="0">
+              <a:solidFill>
+                <a:schemeClr val="tx1"/>
+              </a:solidFill>
+            </a:endParaRPr>
           </a:p>
           <a:p>
             <a:pPr marL="114300" lvl="0" indent="0" algn="l" rtl="0">
@@ -10087,7 +11905,19 @@
               <a:buSzPts val="1800"/>
               <a:buNone/>
             </a:pPr>
-            <a:endParaRPr dirty="0"/>
+            <a:r>
+              <a:rPr lang="sv-SE" dirty="0">
+                <a:solidFill>
+                  <a:schemeClr val="tx1"/>
+                </a:solidFill>
+              </a:rPr>
+              <a:t>Calon Pembimbing Tugas Akhir I	: Adila Alfa Krisnadhi, S.Kom., M.Sc., Ph.D</a:t>
+            </a:r>
+            <a:endParaRPr dirty="0">
+              <a:solidFill>
+                <a:schemeClr val="tx1"/>
+              </a:solidFill>
+            </a:endParaRPr>
           </a:p>
           <a:p>
             <a:pPr marL="114300" lvl="0" indent="0" algn="l" rtl="0">
@@ -10104,48 +11934,58 @@
               <a:buNone/>
             </a:pPr>
             <a:r>
-              <a:rPr lang="en-US" dirty="0"/>
+              <a:rPr lang="en-US" dirty="0">
+                <a:solidFill>
+                  <a:schemeClr val="tx1"/>
+                </a:solidFill>
+              </a:rPr>
               <a:t>Calon </a:t>
             </a:r>
             <a:r>
-              <a:rPr lang="en-US" dirty="0" err="1"/>
+              <a:rPr lang="en-US" dirty="0" err="1">
+                <a:solidFill>
+                  <a:schemeClr val="tx1"/>
+                </a:solidFill>
+              </a:rPr>
               <a:t>Pembimbing</a:t>
             </a:r>
             <a:r>
-              <a:rPr lang="en-US" dirty="0"/>
+              <a:rPr lang="en-US" dirty="0">
+                <a:solidFill>
+                  <a:schemeClr val="tx1"/>
+                </a:solidFill>
+              </a:rPr>
               <a:t> </a:t>
             </a:r>
             <a:r>
-              <a:rPr lang="en-US" dirty="0" err="1"/>
+              <a:rPr lang="en-US" dirty="0" err="1">
+                <a:solidFill>
+                  <a:schemeClr val="tx1"/>
+                </a:solidFill>
+              </a:rPr>
               <a:t>Tugas</a:t>
             </a:r>
             <a:r>
-              <a:rPr lang="en-US" dirty="0"/>
-              <a:t> Akhir I	: </a:t>
-            </a:r>
-            <a:r>
-              <a:rPr lang="da-DK" b="0" i="0" dirty="0">
-                <a:solidFill>
-                  <a:srgbClr val="6B6B6B"/>
-                </a:solidFill>
-                <a:effectLst/>
-                <a:latin typeface="Poppins" panose="020B0502040204020203" pitchFamily="2" charset="0"/>
+              <a:rPr lang="en-US" dirty="0">
+                <a:solidFill>
+                  <a:schemeClr val="tx1"/>
+                </a:solidFill>
+              </a:rPr>
+              <a:t> Akhir II	: </a:t>
+            </a:r>
+            <a:r>
+              <a:rPr lang="da-DK" dirty="0">
+                <a:solidFill>
+                  <a:schemeClr val="tx1"/>
+                </a:solidFill>
               </a:rPr>
               <a:t>Iis Afriyanti, S.Kom., M.Sc.</a:t>
             </a:r>
-            <a:r>
-              <a:rPr lang="en-US" dirty="0"/>
-              <a:t> (……………</a:t>
-            </a:r>
-            <a:r>
-              <a:rPr lang="en-US" dirty="0" err="1"/>
-              <a:t>ttd</a:t>
-            </a:r>
-            <a:r>
-              <a:rPr lang="en-US" dirty="0"/>
-              <a:t>………..)</a:t>
-            </a:r>
-            <a:endParaRPr dirty="0"/>
+            <a:endParaRPr lang="en-US" dirty="0">
+              <a:solidFill>
+                <a:schemeClr val="tx1"/>
+              </a:solidFill>
+            </a:endParaRPr>
           </a:p>
           <a:p>
             <a:pPr marL="114300" lvl="0" indent="0" algn="l" rtl="0">
@@ -10161,7 +12001,11 @@
               <a:buSzPts val="1800"/>
               <a:buNone/>
             </a:pPr>
-            <a:endParaRPr dirty="0"/>
+            <a:endParaRPr lang="en-US" dirty="0">
+              <a:solidFill>
+                <a:schemeClr val="tx1"/>
+              </a:solidFill>
+            </a:endParaRPr>
           </a:p>
           <a:p>
             <a:pPr marL="114300" lvl="0" indent="0" algn="l" rtl="0">
@@ -10177,112 +12021,181 @@
               <a:buSzPts val="1800"/>
               <a:buNone/>
             </a:pPr>
-            <a:r>
-              <a:rPr lang="en-US" dirty="0"/>
-              <a:t>Calon </a:t>
-            </a:r>
-            <a:r>
-              <a:rPr lang="en-US" dirty="0" err="1"/>
-              <a:t>Pembimbing</a:t>
-            </a:r>
-            <a:r>
-              <a:rPr lang="en-US" dirty="0"/>
-              <a:t> </a:t>
-            </a:r>
-            <a:r>
-              <a:rPr lang="en-US" dirty="0" err="1"/>
-              <a:t>Tugas</a:t>
-            </a:r>
-            <a:r>
-              <a:rPr lang="en-US" dirty="0"/>
-              <a:t> Akhir II	: </a:t>
-            </a:r>
-            <a:r>
-              <a:rPr lang="en-ID" i="0" dirty="0" err="1">
-                <a:solidFill>
-                  <a:srgbClr val="161616"/>
-                </a:solidFill>
-                <a:effectLst/>
-                <a:latin typeface="Poppins" panose="00000500000000000000" pitchFamily="2" charset="0"/>
-              </a:rPr>
-              <a:t>Adila</a:t>
-            </a:r>
-            <a:r>
-              <a:rPr lang="en-ID" i="0" dirty="0">
-                <a:solidFill>
-                  <a:srgbClr val="161616"/>
-                </a:solidFill>
-                <a:effectLst/>
-                <a:latin typeface="Poppins" panose="00000500000000000000" pitchFamily="2" charset="0"/>
-              </a:rPr>
-              <a:t> Alfa </a:t>
-            </a:r>
-            <a:r>
-              <a:rPr lang="en-ID" i="0" dirty="0" err="1">
-                <a:solidFill>
-                  <a:srgbClr val="161616"/>
-                </a:solidFill>
-                <a:effectLst/>
-                <a:latin typeface="Poppins" panose="00000500000000000000" pitchFamily="2" charset="0"/>
-              </a:rPr>
-              <a:t>Krisnadhi</a:t>
-            </a:r>
-            <a:r>
-              <a:rPr lang="en-ID" i="0" dirty="0">
-                <a:solidFill>
-                  <a:srgbClr val="161616"/>
-                </a:solidFill>
-                <a:effectLst/>
-                <a:latin typeface="Poppins" panose="00000500000000000000" pitchFamily="2" charset="0"/>
-              </a:rPr>
-              <a:t>, </a:t>
-            </a:r>
-            <a:r>
-              <a:rPr lang="en-ID" i="0" dirty="0" err="1">
-                <a:solidFill>
-                  <a:srgbClr val="161616"/>
-                </a:solidFill>
-                <a:effectLst/>
-                <a:latin typeface="Poppins" panose="00000500000000000000" pitchFamily="2" charset="0"/>
-              </a:rPr>
-              <a:t>S.Kom</a:t>
-            </a:r>
-            <a:r>
-              <a:rPr lang="en-ID" i="0" dirty="0">
-                <a:solidFill>
-                  <a:srgbClr val="161616"/>
-                </a:solidFill>
-                <a:effectLst/>
-                <a:latin typeface="Poppins" panose="00000500000000000000" pitchFamily="2" charset="0"/>
-              </a:rPr>
-              <a:t>., M.Sc., </a:t>
-            </a:r>
-            <a:r>
-              <a:rPr lang="en-ID" i="0" dirty="0" err="1">
-                <a:solidFill>
-                  <a:srgbClr val="161616"/>
-                </a:solidFill>
-                <a:effectLst/>
-                <a:latin typeface="Poppins" panose="00000500000000000000" pitchFamily="2" charset="0"/>
-              </a:rPr>
-              <a:t>Ph.D</a:t>
-            </a:r>
-            <a:r>
-              <a:rPr lang="en-US" dirty="0"/>
-              <a:t> (……………</a:t>
-            </a:r>
-            <a:r>
-              <a:rPr lang="en-US" dirty="0" err="1"/>
-              <a:t>ttd</a:t>
-            </a:r>
-            <a:r>
-              <a:rPr lang="en-US" dirty="0"/>
-              <a:t>…………)</a:t>
-            </a:r>
-            <a:endParaRPr dirty="0"/>
+            <a:endParaRPr lang="en-US" dirty="0">
+              <a:solidFill>
+                <a:schemeClr val="tx1"/>
+              </a:solidFill>
+            </a:endParaRPr>
+          </a:p>
+          <a:p>
+            <a:pPr marL="114300" lvl="0" indent="0" algn="l" rtl="0">
+              <a:lnSpc>
+                <a:spcPct val="115000"/>
+              </a:lnSpc>
+              <a:spcBef>
+                <a:spcPts val="0"/>
+              </a:spcBef>
+              <a:spcAft>
+                <a:spcPts val="0"/>
+              </a:spcAft>
+              <a:buSzPts val="1800"/>
+              <a:buNone/>
+            </a:pPr>
+            <a:endParaRPr lang="en-US" dirty="0">
+              <a:solidFill>
+                <a:schemeClr val="tx1"/>
+              </a:solidFill>
+            </a:endParaRPr>
+          </a:p>
+          <a:p>
+            <a:pPr marL="114300" indent="0">
+              <a:buNone/>
+            </a:pPr>
+            <a:r>
+              <a:rPr lang="sv-SE" dirty="0">
+                <a:solidFill>
+                  <a:schemeClr val="tx1"/>
+                </a:solidFill>
+              </a:rPr>
+              <a:t>				</a:t>
+            </a:r>
+            <a:endParaRPr lang="en-US" dirty="0">
+              <a:solidFill>
+                <a:schemeClr val="tx1"/>
+              </a:solidFill>
+            </a:endParaRPr>
           </a:p>
         </p:txBody>
       </p:sp>
+      <p:graphicFrame>
+        <p:nvGraphicFramePr>
+          <p:cNvPr id="2" name="Table 1">
+            <a:extLst>
+              <a:ext uri="{FF2B5EF4-FFF2-40B4-BE49-F238E27FC236}">
+                <a16:creationId xmlns:a16="http://schemas.microsoft.com/office/drawing/2014/main" id="{572F8CB4-0C9D-22DF-6F8D-D68A24E7C449}"/>
+              </a:ext>
+            </a:extLst>
+          </p:cNvPr>
+          <p:cNvGraphicFramePr>
+            <a:graphicFrameLocks noGrp="1"/>
+          </p:cNvGraphicFramePr>
+          <p:nvPr/>
+        </p:nvGraphicFramePr>
+        <p:xfrm>
+          <a:off x="311700" y="4279315"/>
+          <a:ext cx="8520600" cy="579120"/>
+        </p:xfrm>
+        <a:graphic>
+          <a:graphicData uri="http://schemas.openxmlformats.org/drawingml/2006/table">
+            <a:tbl>
+              <a:tblPr firstRow="1" bandRow="1">
+                <a:tableStyleId>{2D5ABB26-0587-4C30-8999-92F81FD0307C}</a:tableStyleId>
+              </a:tblPr>
+              <a:tblGrid>
+                <a:gridCol w="4260300">
+                  <a:extLst>
+                    <a:ext uri="{9D8B030D-6E8A-4147-A177-3AD203B41FA5}">
+                      <a16:colId xmlns:a16="http://schemas.microsoft.com/office/drawing/2014/main" val="1420657997"/>
+                    </a:ext>
+                  </a:extLst>
+                </a:gridCol>
+                <a:gridCol w="4260300">
+                  <a:extLst>
+                    <a:ext uri="{9D8B030D-6E8A-4147-A177-3AD203B41FA5}">
+                      <a16:colId xmlns:a16="http://schemas.microsoft.com/office/drawing/2014/main" val="1544976723"/>
+                    </a:ext>
+                  </a:extLst>
+                </a:gridCol>
+              </a:tblGrid>
+              <a:tr h="370840">
+                <a:tc>
+                  <a:txBody>
+                    <a:bodyPr/>
+                    <a:lstStyle/>
+                    <a:p>
+                      <a:pPr marL="114300" indent="0" algn="ctr">
+                        <a:buNone/>
+                      </a:pPr>
+                      <a:r>
+                        <a:rPr lang="sv-SE" sz="1600" dirty="0">
+                          <a:solidFill>
+                            <a:schemeClr val="tx1"/>
+                          </a:solidFill>
+                        </a:rPr>
+                        <a:t>Adila Alfa Krisnadhi, </a:t>
+                      </a:r>
+                    </a:p>
+                    <a:p>
+                      <a:pPr marL="114300" indent="0" algn="ctr">
+                        <a:buNone/>
+                      </a:pPr>
+                      <a:r>
+                        <a:rPr lang="sv-SE" sz="1600" dirty="0">
+                          <a:solidFill>
+                            <a:schemeClr val="tx1"/>
+                          </a:solidFill>
+                        </a:rPr>
+                        <a:t>S.Kom., M.Sc., Ph.D</a:t>
+                      </a:r>
+                      <a:endParaRPr lang="en-ID" sz="1600" dirty="0"/>
+                    </a:p>
+                  </a:txBody>
+                  <a:tcPr/>
+                </a:tc>
+                <a:tc>
+                  <a:txBody>
+                    <a:bodyPr/>
+                    <a:lstStyle/>
+                    <a:p>
+                      <a:pPr marL="0" marR="0" lvl="0" indent="0" algn="ctr" defTabSz="914400" rtl="0" eaLnBrk="1" fontAlgn="auto" latinLnBrk="0" hangingPunct="1">
+                        <a:lnSpc>
+                          <a:spcPct val="100000"/>
+                        </a:lnSpc>
+                        <a:spcBef>
+                          <a:spcPts val="0"/>
+                        </a:spcBef>
+                        <a:spcAft>
+                          <a:spcPts val="0"/>
+                        </a:spcAft>
+                        <a:buClr>
+                          <a:srgbClr val="000000"/>
+                        </a:buClr>
+                        <a:buSzTx/>
+                        <a:buFont typeface="Arial"/>
+                        <a:buNone/>
+                        <a:tabLst/>
+                        <a:defRPr/>
+                      </a:pPr>
+                      <a:r>
+                        <a:rPr lang="da-DK" sz="1600" dirty="0">
+                          <a:solidFill>
+                            <a:schemeClr val="tx1"/>
+                          </a:solidFill>
+                        </a:rPr>
+                        <a:t>Iis Afriyanti, S.Kom., M.Sc.</a:t>
+                      </a:r>
+                      <a:endParaRPr lang="en-US" sz="1600" dirty="0">
+                        <a:solidFill>
+                          <a:schemeClr val="tx1"/>
+                        </a:solidFill>
+                      </a:endParaRPr>
+                    </a:p>
+                    <a:p>
+                      <a:endParaRPr lang="en-ID" sz="1600" dirty="0"/>
+                    </a:p>
+                  </a:txBody>
+                  <a:tcPr/>
+                </a:tc>
+                <a:extLst>
+                  <a:ext uri="{0D108BD9-81ED-4DB2-BD59-A6C34878D82A}">
+                    <a16:rowId xmlns:a16="http://schemas.microsoft.com/office/drawing/2014/main" val="837446583"/>
+                  </a:ext>
+                </a:extLst>
+              </a:tr>
+            </a:tbl>
+          </a:graphicData>
+        </a:graphic>
+      </p:graphicFrame>
     </p:spTree>
   </p:cSld>
   <p:clrMapOvr>
@@ -10292,223 +12205,6 @@
 </file>
 
 <file path=ppt/slides/slide3.xml><?xml version="1.0" encoding="utf-8"?>
-<p:sld xmlns:a="http://schemas.openxmlformats.org/drawingml/2006/main" xmlns:r="http://schemas.openxmlformats.org/officeDocument/2006/relationships" xmlns:p="http://schemas.openxmlformats.org/presentationml/2006/main">
-  <p:cSld>
-    <p:spTree>
-      <p:nvGrpSpPr>
-        <p:cNvPr id="1" name="Shape 66"/>
-        <p:cNvGrpSpPr/>
-        <p:nvPr/>
-      </p:nvGrpSpPr>
-      <p:grpSpPr>
-        <a:xfrm>
-          <a:off x="0" y="0"/>
-          <a:ext cx="0" cy="0"/>
-          <a:chOff x="0" y="0"/>
-          <a:chExt cx="0" cy="0"/>
-        </a:xfrm>
-      </p:grpSpPr>
-      <p:sp>
-        <p:nvSpPr>
-          <p:cNvPr id="67" name="Google Shape;67;p3"/>
-          <p:cNvSpPr txBox="1">
-            <a:spLocks noGrp="1"/>
-          </p:cNvSpPr>
-          <p:nvPr>
-            <p:ph type="title"/>
-          </p:nvPr>
-        </p:nvSpPr>
-        <p:spPr>
-          <a:xfrm>
-            <a:off x="311700" y="445025"/>
-            <a:ext cx="8520600" cy="572700"/>
-          </a:xfrm>
-          <a:prstGeom prst="rect">
-            <a:avLst/>
-          </a:prstGeom>
-          <a:noFill/>
-          <a:ln>
-            <a:noFill/>
-          </a:ln>
-        </p:spPr>
-        <p:txBody>
-          <a:bodyPr spcFirstLastPara="1" wrap="square" lIns="91425" tIns="91425" rIns="91425" bIns="91425" anchor="t" anchorCtr="0">
-            <a:normAutofit fontScale="90000"/>
-          </a:bodyPr>
-          <a:lstStyle/>
-          <a:p>
-            <a:pPr marL="0" lvl="0" indent="0" algn="l" rtl="0">
-              <a:lnSpc>
-                <a:spcPct val="100000"/>
-              </a:lnSpc>
-              <a:spcBef>
-                <a:spcPts val="0"/>
-              </a:spcBef>
-              <a:spcAft>
-                <a:spcPts val="0"/>
-              </a:spcAft>
-              <a:buSzPct val="111111"/>
-              <a:buNone/>
-            </a:pPr>
-            <a:r>
-              <a:rPr lang="en-US"/>
-              <a:t>latar belakang masalah </a:t>
-            </a:r>
-            <a:endParaRPr/>
-          </a:p>
-        </p:txBody>
-      </p:sp>
-      <p:sp>
-        <p:nvSpPr>
-          <p:cNvPr id="68" name="Google Shape;68;p3"/>
-          <p:cNvSpPr txBox="1">
-            <a:spLocks noGrp="1"/>
-          </p:cNvSpPr>
-          <p:nvPr>
-            <p:ph type="body" idx="1"/>
-          </p:nvPr>
-        </p:nvSpPr>
-        <p:spPr>
-          <a:xfrm>
-            <a:off x="311700" y="1152475"/>
-            <a:ext cx="8520600" cy="3416400"/>
-          </a:xfrm>
-          <a:prstGeom prst="rect">
-            <a:avLst/>
-          </a:prstGeom>
-          <a:noFill/>
-          <a:ln>
-            <a:noFill/>
-          </a:ln>
-        </p:spPr>
-        <p:txBody>
-          <a:bodyPr spcFirstLastPara="1" wrap="square" lIns="91425" tIns="91425" rIns="91425" bIns="91425" anchor="t" anchorCtr="0">
-            <a:normAutofit/>
-          </a:bodyPr>
-          <a:lstStyle/>
-          <a:p>
-            <a:pPr marL="0" lvl="0" indent="0" algn="l" rtl="0">
-              <a:lnSpc>
-                <a:spcPct val="115000"/>
-              </a:lnSpc>
-              <a:spcBef>
-                <a:spcPts val="0"/>
-              </a:spcBef>
-              <a:spcAft>
-                <a:spcPts val="0"/>
-              </a:spcAft>
-              <a:buSzPts val="1800"/>
-              <a:buNone/>
-            </a:pPr>
-            <a:r>
-              <a:rPr lang="en-US" sz="1800">
-                <a:solidFill>
-                  <a:schemeClr val="dk1"/>
-                </a:solidFill>
-                <a:latin typeface="Times New Roman"/>
-                <a:ea typeface="Times New Roman"/>
-                <a:cs typeface="Times New Roman"/>
-                <a:sym typeface="Times New Roman"/>
-              </a:rPr>
-              <a:t>&lt;</a:t>
-            </a:r>
-            <a:r>
-              <a:rPr lang="en-US" sz="1800" i="1">
-                <a:solidFill>
-                  <a:schemeClr val="dk1"/>
-                </a:solidFill>
-                <a:latin typeface="Times New Roman"/>
-                <a:ea typeface="Times New Roman"/>
-                <a:cs typeface="Times New Roman"/>
-                <a:sym typeface="Times New Roman"/>
-              </a:rPr>
-              <a:t>Jelaskan hal yang melatar</a:t>
-            </a:r>
-            <a:r>
-              <a:rPr lang="en-US" i="1">
-                <a:solidFill>
-                  <a:schemeClr val="dk1"/>
-                </a:solidFill>
-                <a:latin typeface="Times New Roman"/>
-                <a:ea typeface="Times New Roman"/>
-                <a:cs typeface="Times New Roman"/>
-                <a:sym typeface="Times New Roman"/>
-              </a:rPr>
-              <a:t>-</a:t>
-            </a:r>
-            <a:r>
-              <a:rPr lang="en-US" sz="1800" i="1">
-                <a:solidFill>
-                  <a:schemeClr val="dk1"/>
-                </a:solidFill>
-                <a:latin typeface="Times New Roman"/>
-                <a:ea typeface="Times New Roman"/>
-                <a:cs typeface="Times New Roman"/>
-                <a:sym typeface="Times New Roman"/>
-              </a:rPr>
-              <a:t>belakangi topik TA, jelaskan isu/masalah yang dibahas, kondisi saat ini , kekurangan solusi yang ada atau penelitian sebelumnya, dsb yang dapat memperlihatkan kelayakan dari TA</a:t>
-            </a:r>
-            <a:r>
-              <a:rPr lang="en-US" i="1">
-                <a:solidFill>
-                  <a:schemeClr val="dk1"/>
-                </a:solidFill>
-                <a:latin typeface="Times New Roman"/>
-                <a:ea typeface="Times New Roman"/>
-                <a:cs typeface="Times New Roman"/>
-                <a:sym typeface="Times New Roman"/>
-              </a:rPr>
-              <a:t>. Di bagian ini pula, Anda perlu </a:t>
-            </a:r>
-            <a:r>
-              <a:rPr lang="en-US" b="1" i="1">
-                <a:solidFill>
-                  <a:schemeClr val="dk1"/>
-                </a:solidFill>
-                <a:latin typeface="Times New Roman"/>
-                <a:ea typeface="Times New Roman"/>
-                <a:cs typeface="Times New Roman"/>
-                <a:sym typeface="Times New Roman"/>
-              </a:rPr>
-              <a:t>membahas beberapa literatur (buku, paper, atau jurnal)</a:t>
-            </a:r>
-            <a:r>
-              <a:rPr lang="en-US" i="1">
-                <a:solidFill>
-                  <a:schemeClr val="dk1"/>
-                </a:solidFill>
-                <a:latin typeface="Times New Roman"/>
-                <a:ea typeface="Times New Roman"/>
-                <a:cs typeface="Times New Roman"/>
-                <a:sym typeface="Times New Roman"/>
-              </a:rPr>
-              <a:t> yang mendukung penjelasan latar belakang dan juga rencana kegiatan yang akan dilakukan</a:t>
-            </a:r>
-            <a:r>
-              <a:rPr lang="en-US" sz="1800">
-                <a:solidFill>
-                  <a:schemeClr val="dk1"/>
-                </a:solidFill>
-                <a:latin typeface="Times New Roman"/>
-                <a:ea typeface="Times New Roman"/>
-                <a:cs typeface="Times New Roman"/>
-                <a:sym typeface="Times New Roman"/>
-              </a:rPr>
-              <a:t>&gt;</a:t>
-            </a:r>
-            <a:endParaRPr/>
-          </a:p>
-        </p:txBody>
-      </p:sp>
-    </p:spTree>
-  </p:cSld>
-  <p:clrMapOvr>
-    <a:masterClrMapping/>
-  </p:clrMapOvr>
-</p:sld>
-</file>
-
-<file path=ppt/slides/slide4.xml><?xml version="1.0" encoding="utf-8"?>
 <p:sld xmlns:a="http://schemas.openxmlformats.org/drawingml/2006/main" xmlns:r="http://schemas.openxmlformats.org/officeDocument/2006/relationships" xmlns:p="http://schemas.openxmlformats.org/presentationml/2006/main">
   <p:cSld>
     <p:spTree>
@@ -10590,425 +12286,739 @@
         </p:nvSpPr>
         <p:spPr/>
         <p:txBody>
-          <a:bodyPr/>
+          <a:bodyPr>
+            <a:normAutofit/>
+          </a:bodyPr>
           <a:lstStyle/>
           <a:p>
             <a:pPr marL="114300" indent="0">
               <a:buNone/>
             </a:pPr>
             <a:r>
-              <a:rPr lang="en-US" dirty="0"/>
+              <a:rPr lang="en-US" sz="1200" dirty="0">
+                <a:latin typeface="Times New Roman" panose="02020603050405020304" pitchFamily="18" charset="0"/>
+                <a:cs typeface="Times New Roman" panose="02020603050405020304" pitchFamily="18" charset="0"/>
+              </a:rPr>
               <a:t>Data </a:t>
             </a:r>
             <a:r>
-              <a:rPr lang="en-US" dirty="0" err="1"/>
+              <a:rPr lang="en-US" sz="1200" dirty="0" err="1">
+                <a:latin typeface="Times New Roman" panose="02020603050405020304" pitchFamily="18" charset="0"/>
+                <a:cs typeface="Times New Roman" panose="02020603050405020304" pitchFamily="18" charset="0"/>
+              </a:rPr>
               <a:t>sejarah</a:t>
             </a:r>
             <a:r>
-              <a:rPr lang="en-US" dirty="0"/>
+              <a:rPr lang="en-US" sz="1200" dirty="0">
+                <a:latin typeface="Times New Roman" panose="02020603050405020304" pitchFamily="18" charset="0"/>
+                <a:cs typeface="Times New Roman" panose="02020603050405020304" pitchFamily="18" charset="0"/>
+              </a:rPr>
               <a:t> </a:t>
             </a:r>
             <a:r>
-              <a:rPr lang="en-US" dirty="0" err="1"/>
+              <a:rPr lang="en-US" sz="1200" dirty="0" err="1">
+                <a:latin typeface="Times New Roman" panose="02020603050405020304" pitchFamily="18" charset="0"/>
+                <a:cs typeface="Times New Roman" panose="02020603050405020304" pitchFamily="18" charset="0"/>
+              </a:rPr>
               <a:t>kolonialisme</a:t>
             </a:r>
             <a:r>
-              <a:rPr lang="en-US" dirty="0"/>
+              <a:rPr lang="en-US" sz="1200" dirty="0">
+                <a:latin typeface="Times New Roman" panose="02020603050405020304" pitchFamily="18" charset="0"/>
+                <a:cs typeface="Times New Roman" panose="02020603050405020304" pitchFamily="18" charset="0"/>
+              </a:rPr>
               <a:t> di Indonesia </a:t>
             </a:r>
             <a:r>
-              <a:rPr lang="en-US" dirty="0" err="1"/>
+              <a:rPr lang="en-US" sz="1200" dirty="0" err="1">
+                <a:latin typeface="Times New Roman" panose="02020603050405020304" pitchFamily="18" charset="0"/>
+                <a:cs typeface="Times New Roman" panose="02020603050405020304" pitchFamily="18" charset="0"/>
+              </a:rPr>
               <a:t>tersebar</a:t>
             </a:r>
             <a:r>
-              <a:rPr lang="en-US" dirty="0"/>
+              <a:rPr lang="en-US" sz="1200" dirty="0">
+                <a:latin typeface="Times New Roman" panose="02020603050405020304" pitchFamily="18" charset="0"/>
+                <a:cs typeface="Times New Roman" panose="02020603050405020304" pitchFamily="18" charset="0"/>
+              </a:rPr>
               <a:t> </a:t>
             </a:r>
             <a:r>
-              <a:rPr lang="en-US" dirty="0" err="1"/>
+              <a:rPr lang="en-US" sz="1200" dirty="0" err="1">
+                <a:latin typeface="Times New Roman" panose="02020603050405020304" pitchFamily="18" charset="0"/>
+                <a:cs typeface="Times New Roman" panose="02020603050405020304" pitchFamily="18" charset="0"/>
+              </a:rPr>
               <a:t>dalam</a:t>
             </a:r>
             <a:r>
-              <a:rPr lang="en-US" dirty="0"/>
+              <a:rPr lang="en-US" sz="1200" dirty="0">
+                <a:latin typeface="Times New Roman" panose="02020603050405020304" pitchFamily="18" charset="0"/>
+                <a:cs typeface="Times New Roman" panose="02020603050405020304" pitchFamily="18" charset="0"/>
+              </a:rPr>
               <a:t> </a:t>
             </a:r>
             <a:r>
-              <a:rPr lang="en-US" dirty="0" err="1"/>
+              <a:rPr lang="en-US" sz="1200" dirty="0" err="1">
+                <a:latin typeface="Times New Roman" panose="02020603050405020304" pitchFamily="18" charset="0"/>
+                <a:cs typeface="Times New Roman" panose="02020603050405020304" pitchFamily="18" charset="0"/>
+              </a:rPr>
               <a:t>beberapa</a:t>
             </a:r>
             <a:r>
-              <a:rPr lang="en-US" dirty="0"/>
+              <a:rPr lang="en-US" sz="1200" dirty="0">
+                <a:latin typeface="Times New Roman" panose="02020603050405020304" pitchFamily="18" charset="0"/>
+                <a:cs typeface="Times New Roman" panose="02020603050405020304" pitchFamily="18" charset="0"/>
+              </a:rPr>
               <a:t> </a:t>
             </a:r>
             <a:r>
-              <a:rPr lang="en-US" dirty="0" err="1"/>
+              <a:rPr lang="en-US" sz="1200" dirty="0" err="1">
+                <a:latin typeface="Times New Roman" panose="02020603050405020304" pitchFamily="18" charset="0"/>
+                <a:cs typeface="Times New Roman" panose="02020603050405020304" pitchFamily="18" charset="0"/>
+              </a:rPr>
               <a:t>institusi</a:t>
             </a:r>
             <a:r>
-              <a:rPr lang="en-US" dirty="0"/>
+              <a:rPr lang="en-US" sz="1200" dirty="0">
+                <a:latin typeface="Times New Roman" panose="02020603050405020304" pitchFamily="18" charset="0"/>
+                <a:cs typeface="Times New Roman" panose="02020603050405020304" pitchFamily="18" charset="0"/>
+              </a:rPr>
               <a:t> </a:t>
             </a:r>
             <a:r>
-              <a:rPr lang="en-US" dirty="0" err="1"/>
+              <a:rPr lang="en-US" sz="1200" dirty="0" err="1">
+                <a:latin typeface="Times New Roman" panose="02020603050405020304" pitchFamily="18" charset="0"/>
+                <a:cs typeface="Times New Roman" panose="02020603050405020304" pitchFamily="18" charset="0"/>
+              </a:rPr>
               <a:t>seperti</a:t>
             </a:r>
             <a:r>
-              <a:rPr lang="en-US" dirty="0"/>
+              <a:rPr lang="en-US" sz="1200" dirty="0">
+                <a:latin typeface="Times New Roman" panose="02020603050405020304" pitchFamily="18" charset="0"/>
+                <a:cs typeface="Times New Roman" panose="02020603050405020304" pitchFamily="18" charset="0"/>
+              </a:rPr>
               <a:t> </a:t>
             </a:r>
             <a:r>
-              <a:rPr lang="en-US" dirty="0" err="1"/>
+              <a:rPr lang="en-US" sz="1200" dirty="0" err="1">
+                <a:latin typeface="Times New Roman" panose="02020603050405020304" pitchFamily="18" charset="0"/>
+                <a:cs typeface="Times New Roman" panose="02020603050405020304" pitchFamily="18" charset="0"/>
+              </a:rPr>
               <a:t>musem</a:t>
             </a:r>
             <a:r>
-              <a:rPr lang="en-US" dirty="0"/>
+              <a:rPr lang="en-US" sz="1200" dirty="0">
+                <a:latin typeface="Times New Roman" panose="02020603050405020304" pitchFamily="18" charset="0"/>
+                <a:cs typeface="Times New Roman" panose="02020603050405020304" pitchFamily="18" charset="0"/>
+              </a:rPr>
               <a:t>, </a:t>
             </a:r>
             <a:r>
-              <a:rPr lang="en-US" dirty="0" err="1"/>
+              <a:rPr lang="en-US" sz="1200" dirty="0" err="1">
+                <a:latin typeface="Times New Roman" panose="02020603050405020304" pitchFamily="18" charset="0"/>
+                <a:cs typeface="Times New Roman" panose="02020603050405020304" pitchFamily="18" charset="0"/>
+              </a:rPr>
               <a:t>pemerintah</a:t>
             </a:r>
             <a:r>
-              <a:rPr lang="en-US" dirty="0"/>
+              <a:rPr lang="en-US" sz="1200" dirty="0">
+                <a:latin typeface="Times New Roman" panose="02020603050405020304" pitchFamily="18" charset="0"/>
+                <a:cs typeface="Times New Roman" panose="02020603050405020304" pitchFamily="18" charset="0"/>
+              </a:rPr>
               <a:t> </a:t>
             </a:r>
             <a:r>
-              <a:rPr lang="en-US" dirty="0" err="1"/>
+              <a:rPr lang="en-US" sz="1200" dirty="0" err="1">
+                <a:latin typeface="Times New Roman" panose="02020603050405020304" pitchFamily="18" charset="0"/>
+                <a:cs typeface="Times New Roman" panose="02020603050405020304" pitchFamily="18" charset="0"/>
+              </a:rPr>
               <a:t>daerah</a:t>
             </a:r>
             <a:r>
-              <a:rPr lang="en-US" dirty="0"/>
+              <a:rPr lang="en-US" sz="1200" dirty="0">
+                <a:latin typeface="Times New Roman" panose="02020603050405020304" pitchFamily="18" charset="0"/>
+                <a:cs typeface="Times New Roman" panose="02020603050405020304" pitchFamily="18" charset="0"/>
+              </a:rPr>
               <a:t>, </a:t>
             </a:r>
             <a:r>
-              <a:rPr lang="en-US" dirty="0" err="1"/>
+              <a:rPr lang="en-US" sz="1200" dirty="0" err="1">
+                <a:latin typeface="Times New Roman" panose="02020603050405020304" pitchFamily="18" charset="0"/>
+                <a:cs typeface="Times New Roman" panose="02020603050405020304" pitchFamily="18" charset="0"/>
+              </a:rPr>
               <a:t>pemerintah</a:t>
             </a:r>
             <a:r>
-              <a:rPr lang="en-US" dirty="0"/>
+              <a:rPr lang="en-US" sz="1200" dirty="0">
+                <a:latin typeface="Times New Roman" panose="02020603050405020304" pitchFamily="18" charset="0"/>
+                <a:cs typeface="Times New Roman" panose="02020603050405020304" pitchFamily="18" charset="0"/>
+              </a:rPr>
               <a:t> </a:t>
             </a:r>
             <a:r>
-              <a:rPr lang="en-US" dirty="0" err="1"/>
+              <a:rPr lang="en-US" sz="1200" dirty="0" err="1">
+                <a:latin typeface="Times New Roman" panose="02020603050405020304" pitchFamily="18" charset="0"/>
+                <a:cs typeface="Times New Roman" panose="02020603050405020304" pitchFamily="18" charset="0"/>
+              </a:rPr>
               <a:t>pusat</a:t>
             </a:r>
             <a:r>
-              <a:rPr lang="en-US" dirty="0"/>
+              <a:rPr lang="en-US" sz="1200" dirty="0">
+                <a:latin typeface="Times New Roman" panose="02020603050405020304" pitchFamily="18" charset="0"/>
+                <a:cs typeface="Times New Roman" panose="02020603050405020304" pitchFamily="18" charset="0"/>
+              </a:rPr>
               <a:t> </a:t>
             </a:r>
             <a:r>
-              <a:rPr lang="en-US" dirty="0" err="1"/>
+              <a:rPr lang="en-US" sz="1200" dirty="0" err="1">
+                <a:latin typeface="Times New Roman" panose="02020603050405020304" pitchFamily="18" charset="0"/>
+                <a:cs typeface="Times New Roman" panose="02020603050405020304" pitchFamily="18" charset="0"/>
+              </a:rPr>
               <a:t>ataupun</a:t>
             </a:r>
             <a:r>
-              <a:rPr lang="en-US" dirty="0"/>
+              <a:rPr lang="en-US" sz="1200" dirty="0">
+                <a:latin typeface="Times New Roman" panose="02020603050405020304" pitchFamily="18" charset="0"/>
+                <a:cs typeface="Times New Roman" panose="02020603050405020304" pitchFamily="18" charset="0"/>
+              </a:rPr>
               <a:t> universitas – universitas. </a:t>
             </a:r>
             <a:r>
-              <a:rPr lang="en-US" dirty="0" err="1"/>
+              <a:rPr lang="en-US" sz="1200" dirty="0" err="1">
+                <a:latin typeface="Times New Roman" panose="02020603050405020304" pitchFamily="18" charset="0"/>
+                <a:cs typeface="Times New Roman" panose="02020603050405020304" pitchFamily="18" charset="0"/>
+              </a:rPr>
               <a:t>Tidak</a:t>
             </a:r>
             <a:r>
-              <a:rPr lang="en-US" dirty="0"/>
+              <a:rPr lang="en-US" sz="1200" dirty="0">
+                <a:latin typeface="Times New Roman" panose="02020603050405020304" pitchFamily="18" charset="0"/>
+                <a:cs typeface="Times New Roman" panose="02020603050405020304" pitchFamily="18" charset="0"/>
+              </a:rPr>
               <a:t> </a:t>
             </a:r>
             <a:r>
-              <a:rPr lang="en-US" dirty="0" err="1"/>
+              <a:rPr lang="en-US" sz="1200" dirty="0" err="1">
+                <a:latin typeface="Times New Roman" panose="02020603050405020304" pitchFamily="18" charset="0"/>
+                <a:cs typeface="Times New Roman" panose="02020603050405020304" pitchFamily="18" charset="0"/>
+              </a:rPr>
               <a:t>hanya</a:t>
             </a:r>
             <a:r>
-              <a:rPr lang="en-US" dirty="0"/>
+              <a:rPr lang="en-US" sz="1200" dirty="0">
+                <a:latin typeface="Times New Roman" panose="02020603050405020304" pitchFamily="18" charset="0"/>
+                <a:cs typeface="Times New Roman" panose="02020603050405020304" pitchFamily="18" charset="0"/>
+              </a:rPr>
               <a:t> </a:t>
             </a:r>
             <a:r>
-              <a:rPr lang="en-US" dirty="0" err="1"/>
+              <a:rPr lang="en-US" sz="1200" dirty="0" err="1">
+                <a:latin typeface="Times New Roman" panose="02020603050405020304" pitchFamily="18" charset="0"/>
+                <a:cs typeface="Times New Roman" panose="02020603050405020304" pitchFamily="18" charset="0"/>
+              </a:rPr>
               <a:t>tersebar</a:t>
             </a:r>
             <a:r>
-              <a:rPr lang="en-US" dirty="0"/>
+              <a:rPr lang="en-US" sz="1200" dirty="0">
+                <a:latin typeface="Times New Roman" panose="02020603050405020304" pitchFamily="18" charset="0"/>
+                <a:cs typeface="Times New Roman" panose="02020603050405020304" pitchFamily="18" charset="0"/>
+              </a:rPr>
               <a:t> </a:t>
             </a:r>
             <a:r>
-              <a:rPr lang="en-US" dirty="0" err="1"/>
+              <a:rPr lang="en-US" sz="1200" dirty="0" err="1">
+                <a:latin typeface="Times New Roman" panose="02020603050405020304" pitchFamily="18" charset="0"/>
+                <a:cs typeface="Times New Roman" panose="02020603050405020304" pitchFamily="18" charset="0"/>
+              </a:rPr>
               <a:t>ke</a:t>
             </a:r>
             <a:r>
-              <a:rPr lang="en-US" dirty="0"/>
+              <a:rPr lang="en-US" sz="1200" dirty="0">
+                <a:latin typeface="Times New Roman" panose="02020603050405020304" pitchFamily="18" charset="0"/>
+                <a:cs typeface="Times New Roman" panose="02020603050405020304" pitchFamily="18" charset="0"/>
+              </a:rPr>
               <a:t> </a:t>
             </a:r>
             <a:r>
-              <a:rPr lang="en-US" dirty="0" err="1"/>
+              <a:rPr lang="en-US" sz="1200" dirty="0" err="1">
+                <a:latin typeface="Times New Roman" panose="02020603050405020304" pitchFamily="18" charset="0"/>
+                <a:cs typeface="Times New Roman" panose="02020603050405020304" pitchFamily="18" charset="0"/>
+              </a:rPr>
               <a:t>dalam</a:t>
             </a:r>
             <a:r>
-              <a:rPr lang="en-US" dirty="0"/>
+              <a:rPr lang="en-US" sz="1200" dirty="0">
+                <a:latin typeface="Times New Roman" panose="02020603050405020304" pitchFamily="18" charset="0"/>
+                <a:cs typeface="Times New Roman" panose="02020603050405020304" pitchFamily="18" charset="0"/>
+              </a:rPr>
               <a:t> </a:t>
             </a:r>
             <a:r>
-              <a:rPr lang="en-US" dirty="0" err="1"/>
+              <a:rPr lang="en-US" sz="1200" dirty="0" err="1">
+                <a:latin typeface="Times New Roman" panose="02020603050405020304" pitchFamily="18" charset="0"/>
+                <a:cs typeface="Times New Roman" panose="02020603050405020304" pitchFamily="18" charset="0"/>
+              </a:rPr>
               <a:t>beberapa</a:t>
             </a:r>
             <a:r>
-              <a:rPr lang="en-US" dirty="0"/>
+              <a:rPr lang="en-US" sz="1200" dirty="0">
+                <a:latin typeface="Times New Roman" panose="02020603050405020304" pitchFamily="18" charset="0"/>
+                <a:cs typeface="Times New Roman" panose="02020603050405020304" pitchFamily="18" charset="0"/>
+              </a:rPr>
               <a:t> </a:t>
             </a:r>
             <a:r>
-              <a:rPr lang="en-US" dirty="0" err="1"/>
+              <a:rPr lang="en-US" sz="1200" dirty="0" err="1">
+                <a:latin typeface="Times New Roman" panose="02020603050405020304" pitchFamily="18" charset="0"/>
+                <a:cs typeface="Times New Roman" panose="02020603050405020304" pitchFamily="18" charset="0"/>
+              </a:rPr>
               <a:t>institusi</a:t>
             </a:r>
             <a:r>
-              <a:rPr lang="en-US" dirty="0"/>
+              <a:rPr lang="en-US" sz="1200" dirty="0">
+                <a:latin typeface="Times New Roman" panose="02020603050405020304" pitchFamily="18" charset="0"/>
+                <a:cs typeface="Times New Roman" panose="02020603050405020304" pitchFamily="18" charset="0"/>
+              </a:rPr>
               <a:t>, Sejarah </a:t>
             </a:r>
             <a:r>
-              <a:rPr lang="en-US" dirty="0" err="1"/>
+              <a:rPr lang="en-US" sz="1200" dirty="0" err="1">
+                <a:latin typeface="Times New Roman" panose="02020603050405020304" pitchFamily="18" charset="0"/>
+                <a:cs typeface="Times New Roman" panose="02020603050405020304" pitchFamily="18" charset="0"/>
+              </a:rPr>
               <a:t>kolonialisme</a:t>
             </a:r>
             <a:r>
-              <a:rPr lang="en-US" dirty="0"/>
+              <a:rPr lang="en-US" sz="1200" dirty="0">
+                <a:latin typeface="Times New Roman" panose="02020603050405020304" pitchFamily="18" charset="0"/>
+                <a:cs typeface="Times New Roman" panose="02020603050405020304" pitchFamily="18" charset="0"/>
+              </a:rPr>
               <a:t> di Indonesia juga </a:t>
             </a:r>
             <a:r>
-              <a:rPr lang="en-US" dirty="0" err="1"/>
+              <a:rPr lang="en-US" sz="1200" dirty="0" err="1">
+                <a:latin typeface="Times New Roman" panose="02020603050405020304" pitchFamily="18" charset="0"/>
+                <a:cs typeface="Times New Roman" panose="02020603050405020304" pitchFamily="18" charset="0"/>
+              </a:rPr>
               <a:t>tercatat</a:t>
             </a:r>
             <a:r>
-              <a:rPr lang="en-US" dirty="0"/>
+              <a:rPr lang="en-US" sz="1200" dirty="0">
+                <a:latin typeface="Times New Roman" panose="02020603050405020304" pitchFamily="18" charset="0"/>
+                <a:cs typeface="Times New Roman" panose="02020603050405020304" pitchFamily="18" charset="0"/>
+              </a:rPr>
               <a:t> </a:t>
             </a:r>
             <a:r>
-              <a:rPr lang="en-US" dirty="0" err="1"/>
+              <a:rPr lang="en-US" sz="1200" dirty="0" err="1">
+                <a:latin typeface="Times New Roman" panose="02020603050405020304" pitchFamily="18" charset="0"/>
+                <a:cs typeface="Times New Roman" panose="02020603050405020304" pitchFamily="18" charset="0"/>
+              </a:rPr>
               <a:t>dalam</a:t>
             </a:r>
             <a:r>
-              <a:rPr lang="en-US" dirty="0"/>
+              <a:rPr lang="en-US" sz="1200" dirty="0">
+                <a:latin typeface="Times New Roman" panose="02020603050405020304" pitchFamily="18" charset="0"/>
+                <a:cs typeface="Times New Roman" panose="02020603050405020304" pitchFamily="18" charset="0"/>
+              </a:rPr>
               <a:t> </a:t>
             </a:r>
             <a:r>
-              <a:rPr lang="en-US" dirty="0" err="1"/>
+              <a:rPr lang="en-US" sz="1200" dirty="0" err="1">
+                <a:latin typeface="Times New Roman" panose="02020603050405020304" pitchFamily="18" charset="0"/>
+                <a:cs typeface="Times New Roman" panose="02020603050405020304" pitchFamily="18" charset="0"/>
+              </a:rPr>
               <a:t>arsip</a:t>
             </a:r>
             <a:r>
-              <a:rPr lang="en-US" dirty="0"/>
+              <a:rPr lang="en-US" sz="1200" dirty="0">
+                <a:latin typeface="Times New Roman" panose="02020603050405020304" pitchFamily="18" charset="0"/>
+                <a:cs typeface="Times New Roman" panose="02020603050405020304" pitchFamily="18" charset="0"/>
+              </a:rPr>
               <a:t> – </a:t>
             </a:r>
             <a:r>
-              <a:rPr lang="en-US" dirty="0" err="1"/>
+              <a:rPr lang="en-US" sz="1200" dirty="0" err="1">
+                <a:latin typeface="Times New Roman" panose="02020603050405020304" pitchFamily="18" charset="0"/>
+                <a:cs typeface="Times New Roman" panose="02020603050405020304" pitchFamily="18" charset="0"/>
+              </a:rPr>
               <a:t>arsip</a:t>
             </a:r>
             <a:r>
-              <a:rPr lang="en-US" dirty="0"/>
+              <a:rPr lang="en-US" sz="1200" dirty="0">
+                <a:latin typeface="Times New Roman" panose="02020603050405020304" pitchFamily="18" charset="0"/>
+                <a:cs typeface="Times New Roman" panose="02020603050405020304" pitchFamily="18" charset="0"/>
+              </a:rPr>
               <a:t> negara lain </a:t>
             </a:r>
             <a:r>
-              <a:rPr lang="en-US" dirty="0" err="1"/>
+              <a:rPr lang="en-US" sz="1200" dirty="0" err="1">
+                <a:latin typeface="Times New Roman" panose="02020603050405020304" pitchFamily="18" charset="0"/>
+                <a:cs typeface="Times New Roman" panose="02020603050405020304" pitchFamily="18" charset="0"/>
+              </a:rPr>
               <a:t>seperti</a:t>
             </a:r>
             <a:r>
-              <a:rPr lang="en-US" dirty="0"/>
+              <a:rPr lang="en-US" sz="1200" dirty="0">
+                <a:latin typeface="Times New Roman" panose="02020603050405020304" pitchFamily="18" charset="0"/>
+                <a:cs typeface="Times New Roman" panose="02020603050405020304" pitchFamily="18" charset="0"/>
+              </a:rPr>
               <a:t> Belanda. </a:t>
             </a:r>
             <a:r>
-              <a:rPr lang="en-US" dirty="0" err="1"/>
+              <a:rPr lang="en-US" sz="1200" dirty="0" err="1">
+                <a:latin typeface="Times New Roman" panose="02020603050405020304" pitchFamily="18" charset="0"/>
+                <a:cs typeface="Times New Roman" panose="02020603050405020304" pitchFamily="18" charset="0"/>
+              </a:rPr>
               <a:t>Tersebarnya</a:t>
             </a:r>
             <a:r>
-              <a:rPr lang="en-US" dirty="0"/>
+              <a:rPr lang="en-US" sz="1200" dirty="0">
+                <a:latin typeface="Times New Roman" panose="02020603050405020304" pitchFamily="18" charset="0"/>
+                <a:cs typeface="Times New Roman" panose="02020603050405020304" pitchFamily="18" charset="0"/>
+              </a:rPr>
               <a:t> data – data </a:t>
             </a:r>
             <a:r>
-              <a:rPr lang="en-US" dirty="0" err="1"/>
+              <a:rPr lang="en-US" sz="1200" dirty="0" err="1">
+                <a:latin typeface="Times New Roman" panose="02020603050405020304" pitchFamily="18" charset="0"/>
+                <a:cs typeface="Times New Roman" panose="02020603050405020304" pitchFamily="18" charset="0"/>
+              </a:rPr>
               <a:t>ini</a:t>
             </a:r>
             <a:r>
-              <a:rPr lang="en-US" dirty="0"/>
+              <a:rPr lang="en-US" sz="1200" dirty="0">
+                <a:latin typeface="Times New Roman" panose="02020603050405020304" pitchFamily="18" charset="0"/>
+                <a:cs typeface="Times New Roman" panose="02020603050405020304" pitchFamily="18" charset="0"/>
+              </a:rPr>
               <a:t> </a:t>
             </a:r>
             <a:r>
-              <a:rPr lang="en-US" dirty="0" err="1"/>
+              <a:rPr lang="en-US" sz="1200" dirty="0" err="1">
+                <a:latin typeface="Times New Roman" panose="02020603050405020304" pitchFamily="18" charset="0"/>
+                <a:cs typeface="Times New Roman" panose="02020603050405020304" pitchFamily="18" charset="0"/>
+              </a:rPr>
               <a:t>menimbulkan</a:t>
             </a:r>
             <a:r>
-              <a:rPr lang="en-US" dirty="0"/>
+              <a:rPr lang="en-US" sz="1200" dirty="0">
+                <a:latin typeface="Times New Roman" panose="02020603050405020304" pitchFamily="18" charset="0"/>
+                <a:cs typeface="Times New Roman" panose="02020603050405020304" pitchFamily="18" charset="0"/>
+              </a:rPr>
               <a:t> </a:t>
             </a:r>
             <a:r>
-              <a:rPr lang="en-US" dirty="0" err="1"/>
+              <a:rPr lang="en-US" sz="1200" dirty="0" err="1">
+                <a:latin typeface="Times New Roman" panose="02020603050405020304" pitchFamily="18" charset="0"/>
+                <a:cs typeface="Times New Roman" panose="02020603050405020304" pitchFamily="18" charset="0"/>
+              </a:rPr>
               <a:t>tantangan</a:t>
             </a:r>
             <a:r>
-              <a:rPr lang="en-US" dirty="0"/>
+              <a:rPr lang="en-US" sz="1200" dirty="0">
+                <a:latin typeface="Times New Roman" panose="02020603050405020304" pitchFamily="18" charset="0"/>
+                <a:cs typeface="Times New Roman" panose="02020603050405020304" pitchFamily="18" charset="0"/>
+              </a:rPr>
               <a:t> </a:t>
             </a:r>
             <a:r>
-              <a:rPr lang="en-US" dirty="0" err="1"/>
+              <a:rPr lang="en-US" sz="1200" dirty="0" err="1">
+                <a:latin typeface="Times New Roman" panose="02020603050405020304" pitchFamily="18" charset="0"/>
+                <a:cs typeface="Times New Roman" panose="02020603050405020304" pitchFamily="18" charset="0"/>
+              </a:rPr>
               <a:t>bagi</a:t>
             </a:r>
             <a:r>
-              <a:rPr lang="en-US" dirty="0"/>
+              <a:rPr lang="en-US" sz="1200" dirty="0">
+                <a:latin typeface="Times New Roman" panose="02020603050405020304" pitchFamily="18" charset="0"/>
+                <a:cs typeface="Times New Roman" panose="02020603050405020304" pitchFamily="18" charset="0"/>
+              </a:rPr>
               <a:t> </a:t>
             </a:r>
             <a:r>
-              <a:rPr lang="en-US" dirty="0" err="1"/>
+              <a:rPr lang="en-US" sz="1200" dirty="0" err="1">
+                <a:latin typeface="Times New Roman" panose="02020603050405020304" pitchFamily="18" charset="0"/>
+                <a:cs typeface="Times New Roman" panose="02020603050405020304" pitchFamily="18" charset="0"/>
+              </a:rPr>
               <a:t>peneliti</a:t>
             </a:r>
             <a:r>
-              <a:rPr lang="en-US" dirty="0"/>
+              <a:rPr lang="en-US" sz="1200" dirty="0">
+                <a:latin typeface="Times New Roman" panose="02020603050405020304" pitchFamily="18" charset="0"/>
+                <a:cs typeface="Times New Roman" panose="02020603050405020304" pitchFamily="18" charset="0"/>
+              </a:rPr>
               <a:t> yang </a:t>
             </a:r>
             <a:r>
-              <a:rPr lang="en-US" dirty="0" err="1"/>
+              <a:rPr lang="en-US" sz="1200" dirty="0" err="1">
+                <a:latin typeface="Times New Roman" panose="02020603050405020304" pitchFamily="18" charset="0"/>
+                <a:cs typeface="Times New Roman" panose="02020603050405020304" pitchFamily="18" charset="0"/>
+              </a:rPr>
               <a:t>ingin</a:t>
             </a:r>
             <a:r>
-              <a:rPr lang="en-US" dirty="0"/>
+              <a:rPr lang="en-US" sz="1200" dirty="0">
+                <a:latin typeface="Times New Roman" panose="02020603050405020304" pitchFamily="18" charset="0"/>
+                <a:cs typeface="Times New Roman" panose="02020603050405020304" pitchFamily="18" charset="0"/>
+              </a:rPr>
               <a:t> </a:t>
             </a:r>
             <a:r>
-              <a:rPr lang="en-US" dirty="0" err="1"/>
+              <a:rPr lang="en-US" sz="1200" dirty="0" err="1">
+                <a:latin typeface="Times New Roman" panose="02020603050405020304" pitchFamily="18" charset="0"/>
+                <a:cs typeface="Times New Roman" panose="02020603050405020304" pitchFamily="18" charset="0"/>
+              </a:rPr>
               <a:t>mempelajari</a:t>
             </a:r>
             <a:r>
-              <a:rPr lang="en-US" dirty="0"/>
+              <a:rPr lang="en-US" sz="1200" dirty="0">
+                <a:latin typeface="Times New Roman" panose="02020603050405020304" pitchFamily="18" charset="0"/>
+                <a:cs typeface="Times New Roman" panose="02020603050405020304" pitchFamily="18" charset="0"/>
+              </a:rPr>
               <a:t> </a:t>
             </a:r>
             <a:r>
-              <a:rPr lang="en-US" dirty="0" err="1"/>
+              <a:rPr lang="en-US" sz="1200" dirty="0" err="1">
+                <a:latin typeface="Times New Roman" panose="02020603050405020304" pitchFamily="18" charset="0"/>
+                <a:cs typeface="Times New Roman" panose="02020603050405020304" pitchFamily="18" charset="0"/>
+              </a:rPr>
               <a:t>mengenai</a:t>
             </a:r>
             <a:r>
-              <a:rPr lang="en-US" dirty="0"/>
+              <a:rPr lang="en-US" sz="1200" dirty="0">
+                <a:latin typeface="Times New Roman" panose="02020603050405020304" pitchFamily="18" charset="0"/>
+                <a:cs typeface="Times New Roman" panose="02020603050405020304" pitchFamily="18" charset="0"/>
+              </a:rPr>
               <a:t> Sejarah </a:t>
             </a:r>
             <a:r>
-              <a:rPr lang="en-US" dirty="0" err="1"/>
+              <a:rPr lang="en-US" sz="1200" dirty="0" err="1">
+                <a:latin typeface="Times New Roman" panose="02020603050405020304" pitchFamily="18" charset="0"/>
+                <a:cs typeface="Times New Roman" panose="02020603050405020304" pitchFamily="18" charset="0"/>
+              </a:rPr>
               <a:t>kolonialisme</a:t>
             </a:r>
             <a:r>
-              <a:rPr lang="en-US" dirty="0"/>
+              <a:rPr lang="en-US" sz="1200" dirty="0">
+                <a:latin typeface="Times New Roman" panose="02020603050405020304" pitchFamily="18" charset="0"/>
+                <a:cs typeface="Times New Roman" panose="02020603050405020304" pitchFamily="18" charset="0"/>
+              </a:rPr>
               <a:t> di Indonesia </a:t>
             </a:r>
             <a:r>
-              <a:rPr lang="en-US" dirty="0" err="1"/>
+              <a:rPr lang="en-US" sz="1200" dirty="0" err="1">
+                <a:latin typeface="Times New Roman" panose="02020603050405020304" pitchFamily="18" charset="0"/>
+                <a:cs typeface="Times New Roman" panose="02020603050405020304" pitchFamily="18" charset="0"/>
+              </a:rPr>
               <a:t>seperti</a:t>
             </a:r>
             <a:r>
-              <a:rPr lang="en-US" dirty="0"/>
+              <a:rPr lang="en-US" sz="1200" dirty="0">
+                <a:latin typeface="Times New Roman" panose="02020603050405020304" pitchFamily="18" charset="0"/>
+                <a:cs typeface="Times New Roman" panose="02020603050405020304" pitchFamily="18" charset="0"/>
+              </a:rPr>
               <a:t> </a:t>
             </a:r>
             <a:r>
-              <a:rPr lang="en-US" dirty="0" err="1"/>
+              <a:rPr lang="en-US" sz="1200" dirty="0" err="1">
+                <a:latin typeface="Times New Roman" panose="02020603050405020304" pitchFamily="18" charset="0"/>
+                <a:cs typeface="Times New Roman" panose="02020603050405020304" pitchFamily="18" charset="0"/>
+              </a:rPr>
               <a:t>kebenaran</a:t>
             </a:r>
             <a:r>
-              <a:rPr lang="en-US" dirty="0"/>
+              <a:rPr lang="en-US" sz="1200" dirty="0">
+                <a:latin typeface="Times New Roman" panose="02020603050405020304" pitchFamily="18" charset="0"/>
+                <a:cs typeface="Times New Roman" panose="02020603050405020304" pitchFamily="18" charset="0"/>
+              </a:rPr>
               <a:t> dan </a:t>
             </a:r>
             <a:r>
-              <a:rPr lang="en-US" dirty="0" err="1"/>
+              <a:rPr lang="en-US" sz="1200" dirty="0" err="1">
+                <a:latin typeface="Times New Roman" panose="02020603050405020304" pitchFamily="18" charset="0"/>
+                <a:cs typeface="Times New Roman" panose="02020603050405020304" pitchFamily="18" charset="0"/>
+              </a:rPr>
               <a:t>konsistensi</a:t>
             </a:r>
             <a:r>
-              <a:rPr lang="en-US" dirty="0"/>
+              <a:rPr lang="en-US" sz="1200" dirty="0">
+                <a:latin typeface="Times New Roman" panose="02020603050405020304" pitchFamily="18" charset="0"/>
+                <a:cs typeface="Times New Roman" panose="02020603050405020304" pitchFamily="18" charset="0"/>
+              </a:rPr>
               <a:t> data. Hal </a:t>
             </a:r>
             <a:r>
-              <a:rPr lang="en-US" dirty="0" err="1"/>
+              <a:rPr lang="en-US" sz="1200" dirty="0" err="1">
+                <a:latin typeface="Times New Roman" panose="02020603050405020304" pitchFamily="18" charset="0"/>
+                <a:cs typeface="Times New Roman" panose="02020603050405020304" pitchFamily="18" charset="0"/>
+              </a:rPr>
               <a:t>ini</a:t>
             </a:r>
             <a:r>
-              <a:rPr lang="en-US" dirty="0"/>
+              <a:rPr lang="en-US" sz="1200" dirty="0">
+                <a:latin typeface="Times New Roman" panose="02020603050405020304" pitchFamily="18" charset="0"/>
+                <a:cs typeface="Times New Roman" panose="02020603050405020304" pitchFamily="18" charset="0"/>
+              </a:rPr>
               <a:t> </a:t>
             </a:r>
             <a:r>
-              <a:rPr lang="en-US" dirty="0" err="1"/>
+              <a:rPr lang="en-US" sz="1200" dirty="0" err="1">
+                <a:latin typeface="Times New Roman" panose="02020603050405020304" pitchFamily="18" charset="0"/>
+                <a:cs typeface="Times New Roman" panose="02020603050405020304" pitchFamily="18" charset="0"/>
+              </a:rPr>
               <a:t>memunculkan</a:t>
             </a:r>
             <a:r>
-              <a:rPr lang="en-US" dirty="0"/>
+              <a:rPr lang="en-US" sz="1200" dirty="0">
+                <a:latin typeface="Times New Roman" panose="02020603050405020304" pitchFamily="18" charset="0"/>
+                <a:cs typeface="Times New Roman" panose="02020603050405020304" pitchFamily="18" charset="0"/>
+              </a:rPr>
               <a:t> </a:t>
             </a:r>
             <a:r>
-              <a:rPr lang="en-US" dirty="0" err="1"/>
+              <a:rPr lang="en-US" sz="1200" dirty="0" err="1">
+                <a:latin typeface="Times New Roman" panose="02020603050405020304" pitchFamily="18" charset="0"/>
+                <a:cs typeface="Times New Roman" panose="02020603050405020304" pitchFamily="18" charset="0"/>
+              </a:rPr>
               <a:t>tuntutan</a:t>
             </a:r>
             <a:r>
-              <a:rPr lang="en-US" dirty="0"/>
+              <a:rPr lang="en-US" sz="1200" dirty="0">
+                <a:latin typeface="Times New Roman" panose="02020603050405020304" pitchFamily="18" charset="0"/>
+                <a:cs typeface="Times New Roman" panose="02020603050405020304" pitchFamily="18" charset="0"/>
+              </a:rPr>
               <a:t> </a:t>
             </a:r>
             <a:r>
-              <a:rPr lang="en-US" dirty="0" err="1"/>
+              <a:rPr lang="en-US" sz="1200" dirty="0" err="1">
+                <a:latin typeface="Times New Roman" panose="02020603050405020304" pitchFamily="18" charset="0"/>
+                <a:cs typeface="Times New Roman" panose="02020603050405020304" pitchFamily="18" charset="0"/>
+              </a:rPr>
               <a:t>untuk</a:t>
             </a:r>
             <a:r>
-              <a:rPr lang="en-US" dirty="0"/>
+              <a:rPr lang="en-US" sz="1200" dirty="0">
+                <a:latin typeface="Times New Roman" panose="02020603050405020304" pitchFamily="18" charset="0"/>
+                <a:cs typeface="Times New Roman" panose="02020603050405020304" pitchFamily="18" charset="0"/>
+              </a:rPr>
               <a:t> </a:t>
             </a:r>
             <a:r>
-              <a:rPr lang="en-US" dirty="0" err="1"/>
+              <a:rPr lang="en-US" sz="1200" dirty="0" err="1">
+                <a:latin typeface="Times New Roman" panose="02020603050405020304" pitchFamily="18" charset="0"/>
+                <a:cs typeface="Times New Roman" panose="02020603050405020304" pitchFamily="18" charset="0"/>
+              </a:rPr>
               <a:t>membangun</a:t>
             </a:r>
             <a:r>
-              <a:rPr lang="en-US" dirty="0"/>
+              <a:rPr lang="en-US" sz="1200" dirty="0">
+                <a:latin typeface="Times New Roman" panose="02020603050405020304" pitchFamily="18" charset="0"/>
+                <a:cs typeface="Times New Roman" panose="02020603050405020304" pitchFamily="18" charset="0"/>
+              </a:rPr>
               <a:t> </a:t>
             </a:r>
             <a:r>
-              <a:rPr lang="en-US" dirty="0" err="1"/>
+              <a:rPr lang="en-US" sz="1200" dirty="0" err="1">
+                <a:latin typeface="Times New Roman" panose="02020603050405020304" pitchFamily="18" charset="0"/>
+                <a:cs typeface="Times New Roman" panose="02020603050405020304" pitchFamily="18" charset="0"/>
+              </a:rPr>
               <a:t>suatu</a:t>
             </a:r>
             <a:r>
-              <a:rPr lang="en-US" dirty="0"/>
+              <a:rPr lang="en-US" sz="1200" dirty="0">
+                <a:latin typeface="Times New Roman" panose="02020603050405020304" pitchFamily="18" charset="0"/>
+                <a:cs typeface="Times New Roman" panose="02020603050405020304" pitchFamily="18" charset="0"/>
+              </a:rPr>
               <a:t> </a:t>
             </a:r>
             <a:r>
-              <a:rPr lang="en-US" dirty="0" err="1"/>
+              <a:rPr lang="en-US" sz="1200" dirty="0" err="1">
+                <a:latin typeface="Times New Roman" panose="02020603050405020304" pitchFamily="18" charset="0"/>
+                <a:cs typeface="Times New Roman" panose="02020603050405020304" pitchFamily="18" charset="0"/>
+              </a:rPr>
               <a:t>pusat</a:t>
             </a:r>
             <a:r>
-              <a:rPr lang="en-US" dirty="0"/>
+              <a:rPr lang="en-US" sz="1200" dirty="0">
+                <a:latin typeface="Times New Roman" panose="02020603050405020304" pitchFamily="18" charset="0"/>
+                <a:cs typeface="Times New Roman" panose="02020603050405020304" pitchFamily="18" charset="0"/>
+              </a:rPr>
               <a:t> data yang </a:t>
             </a:r>
             <a:r>
-              <a:rPr lang="en-US" dirty="0" err="1"/>
+              <a:rPr lang="en-US" sz="1200" dirty="0" err="1">
+                <a:latin typeface="Times New Roman" panose="02020603050405020304" pitchFamily="18" charset="0"/>
+                <a:cs typeface="Times New Roman" panose="02020603050405020304" pitchFamily="18" charset="0"/>
+              </a:rPr>
               <a:t>mampu</a:t>
             </a:r>
             <a:r>
-              <a:rPr lang="en-US" dirty="0"/>
+              <a:rPr lang="en-US" sz="1200" dirty="0">
+                <a:latin typeface="Times New Roman" panose="02020603050405020304" pitchFamily="18" charset="0"/>
+                <a:cs typeface="Times New Roman" panose="02020603050405020304" pitchFamily="18" charset="0"/>
+              </a:rPr>
               <a:t> </a:t>
             </a:r>
             <a:r>
-              <a:rPr lang="en-US" dirty="0" err="1"/>
+              <a:rPr lang="en-US" sz="1200" dirty="0" err="1">
+                <a:latin typeface="Times New Roman" panose="02020603050405020304" pitchFamily="18" charset="0"/>
+                <a:cs typeface="Times New Roman" panose="02020603050405020304" pitchFamily="18" charset="0"/>
+              </a:rPr>
               <a:t>menggabungkan</a:t>
             </a:r>
             <a:r>
-              <a:rPr lang="en-US" dirty="0"/>
+              <a:rPr lang="en-US" sz="1200" dirty="0">
+                <a:latin typeface="Times New Roman" panose="02020603050405020304" pitchFamily="18" charset="0"/>
+                <a:cs typeface="Times New Roman" panose="02020603050405020304" pitchFamily="18" charset="0"/>
+              </a:rPr>
               <a:t> </a:t>
             </a:r>
             <a:r>
-              <a:rPr lang="en-US" dirty="0" err="1"/>
+              <a:rPr lang="en-US" sz="1200" dirty="0" err="1">
+                <a:latin typeface="Times New Roman" panose="02020603050405020304" pitchFamily="18" charset="0"/>
+                <a:cs typeface="Times New Roman" panose="02020603050405020304" pitchFamily="18" charset="0"/>
+              </a:rPr>
               <a:t>informasi</a:t>
             </a:r>
             <a:r>
-              <a:rPr lang="en-US" dirty="0"/>
+              <a:rPr lang="en-US" sz="1200" dirty="0">
+                <a:latin typeface="Times New Roman" panose="02020603050405020304" pitchFamily="18" charset="0"/>
+                <a:cs typeface="Times New Roman" panose="02020603050405020304" pitchFamily="18" charset="0"/>
+              </a:rPr>
               <a:t> yang </a:t>
             </a:r>
             <a:r>
-              <a:rPr lang="en-US" dirty="0" err="1"/>
+              <a:rPr lang="en-US" sz="1200" dirty="0" err="1">
+                <a:latin typeface="Times New Roman" panose="02020603050405020304" pitchFamily="18" charset="0"/>
+                <a:cs typeface="Times New Roman" panose="02020603050405020304" pitchFamily="18" charset="0"/>
+              </a:rPr>
               <a:t>tersebar</a:t>
             </a:r>
             <a:r>
-              <a:rPr lang="en-US" dirty="0"/>
+              <a:rPr lang="en-US" sz="1200" dirty="0">
+                <a:latin typeface="Times New Roman" panose="02020603050405020304" pitchFamily="18" charset="0"/>
+                <a:cs typeface="Times New Roman" panose="02020603050405020304" pitchFamily="18" charset="0"/>
+              </a:rPr>
               <a:t> </a:t>
             </a:r>
             <a:r>
-              <a:rPr lang="en-US" dirty="0" err="1"/>
+              <a:rPr lang="en-US" sz="1200" dirty="0" err="1">
+                <a:latin typeface="Times New Roman" panose="02020603050405020304" pitchFamily="18" charset="0"/>
+                <a:cs typeface="Times New Roman" panose="02020603050405020304" pitchFamily="18" charset="0"/>
+              </a:rPr>
               <a:t>tersebut</a:t>
             </a:r>
             <a:r>
-              <a:rPr lang="en-US" dirty="0"/>
+              <a:rPr lang="en-US" sz="1200" dirty="0">
+                <a:latin typeface="Times New Roman" panose="02020603050405020304" pitchFamily="18" charset="0"/>
+                <a:cs typeface="Times New Roman" panose="02020603050405020304" pitchFamily="18" charset="0"/>
+              </a:rPr>
               <a:t>.</a:t>
             </a:r>
-            <a:endParaRPr lang="en-ID" dirty="0"/>
+            <a:endParaRPr lang="en-ID" sz="1200" dirty="0">
+              <a:latin typeface="Times New Roman" panose="02020603050405020304" pitchFamily="18" charset="0"/>
+              <a:cs typeface="Times New Roman" panose="02020603050405020304" pitchFamily="18" charset="0"/>
+            </a:endParaRPr>
           </a:p>
         </p:txBody>
       </p:sp>
@@ -11025,226 +13035,7 @@
 </p:sld>
 </file>
 
-<file path=ppt/slides/slide5.xml><?xml version="1.0" encoding="utf-8"?>
-<p:sld xmlns:a="http://schemas.openxmlformats.org/drawingml/2006/main" xmlns:r="http://schemas.openxmlformats.org/officeDocument/2006/relationships" xmlns:p="http://schemas.openxmlformats.org/presentationml/2006/main">
-  <p:cSld>
-    <p:spTree>
-      <p:nvGrpSpPr>
-        <p:cNvPr id="1" name=""/>
-        <p:cNvGrpSpPr/>
-        <p:nvPr/>
-      </p:nvGrpSpPr>
-      <p:grpSpPr>
-        <a:xfrm>
-          <a:off x="0" y="0"/>
-          <a:ext cx="0" cy="0"/>
-          <a:chOff x="0" y="0"/>
-          <a:chExt cx="0" cy="0"/>
-        </a:xfrm>
-      </p:grpSpPr>
-      <p:sp>
-        <p:nvSpPr>
-          <p:cNvPr id="2" name="Title 1">
-            <a:extLst>
-              <a:ext uri="{FF2B5EF4-FFF2-40B4-BE49-F238E27FC236}">
-                <a16:creationId xmlns:a16="http://schemas.microsoft.com/office/drawing/2014/main" id="{BD948089-FF9D-8C0A-8A24-04E4DA6C9B44}"/>
-              </a:ext>
-            </a:extLst>
-          </p:cNvPr>
-          <p:cNvSpPr>
-            <a:spLocks noGrp="1"/>
-          </p:cNvSpPr>
-          <p:nvPr>
-            <p:ph type="title"/>
-          </p:nvPr>
-        </p:nvSpPr>
-        <p:spPr/>
-        <p:txBody>
-          <a:bodyPr>
-            <a:normAutofit fontScale="90000"/>
-          </a:bodyPr>
-          <a:lstStyle/>
-          <a:p>
-            <a:r>
-              <a:rPr lang="en-US" dirty="0" err="1"/>
-              <a:t>Keterbatasan</a:t>
-            </a:r>
-            <a:r>
-              <a:rPr lang="en-US" dirty="0"/>
-              <a:t> data yang </a:t>
-            </a:r>
-            <a:r>
-              <a:rPr lang="en-US" dirty="0" err="1"/>
-              <a:t>telah</a:t>
-            </a:r>
-            <a:r>
-              <a:rPr lang="en-US" dirty="0"/>
-              <a:t> </a:t>
-            </a:r>
-            <a:r>
-              <a:rPr lang="en-US" dirty="0" err="1"/>
-              <a:t>ada</a:t>
-            </a:r>
-            <a:endParaRPr lang="en-ID" dirty="0"/>
-          </a:p>
-        </p:txBody>
-      </p:sp>
-      <p:sp>
-        <p:nvSpPr>
-          <p:cNvPr id="3" name="Text Placeholder 2">
-            <a:extLst>
-              <a:ext uri="{FF2B5EF4-FFF2-40B4-BE49-F238E27FC236}">
-                <a16:creationId xmlns:a16="http://schemas.microsoft.com/office/drawing/2014/main" id="{C2E6D882-CBCE-5D02-C4D2-CF7CC39801E4}"/>
-              </a:ext>
-            </a:extLst>
-          </p:cNvPr>
-          <p:cNvSpPr>
-            <a:spLocks noGrp="1"/>
-          </p:cNvSpPr>
-          <p:nvPr>
-            <p:ph type="body" idx="1"/>
-          </p:nvPr>
-        </p:nvSpPr>
-        <p:spPr/>
-        <p:txBody>
-          <a:bodyPr/>
-          <a:lstStyle/>
-          <a:p>
-            <a:pPr marL="114300" indent="0">
-              <a:buNone/>
-            </a:pPr>
-            <a:r>
-              <a:rPr lang="en-US" dirty="0"/>
-              <a:t>- Data </a:t>
-            </a:r>
-            <a:r>
-              <a:rPr lang="en-US" dirty="0" err="1"/>
-              <a:t>tersebar</a:t>
-            </a:r>
-            <a:r>
-              <a:rPr lang="en-US" dirty="0"/>
-              <a:t> </a:t>
-            </a:r>
-            <a:r>
-              <a:rPr lang="en-US" dirty="0" err="1"/>
-              <a:t>dalam</a:t>
-            </a:r>
-            <a:r>
-              <a:rPr lang="en-US" dirty="0"/>
-              <a:t> </a:t>
-            </a:r>
-            <a:r>
-              <a:rPr lang="en-US" dirty="0" err="1"/>
-              <a:t>berbagai</a:t>
-            </a:r>
-            <a:r>
-              <a:rPr lang="en-US" dirty="0"/>
-              <a:t> </a:t>
-            </a:r>
-            <a:r>
-              <a:rPr lang="en-US" dirty="0" err="1"/>
-              <a:t>sumber</a:t>
-            </a:r>
-            <a:endParaRPr lang="en-US" dirty="0"/>
-          </a:p>
-          <a:p>
-            <a:pPr marL="114300" indent="0">
-              <a:buNone/>
-            </a:pPr>
-            <a:r>
-              <a:rPr lang="en-US" dirty="0"/>
-              <a:t>- </a:t>
-            </a:r>
-            <a:r>
-              <a:rPr lang="en-US" dirty="0" err="1"/>
-              <a:t>Perbedaan</a:t>
-            </a:r>
-            <a:r>
-              <a:rPr lang="en-US" dirty="0"/>
-              <a:t> Bahasa / </a:t>
-            </a:r>
-            <a:r>
-              <a:rPr lang="en-US" dirty="0" err="1"/>
-              <a:t>ejaan</a:t>
-            </a:r>
-            <a:r>
-              <a:rPr lang="en-US" dirty="0"/>
-              <a:t> yang </a:t>
-            </a:r>
-            <a:r>
-              <a:rPr lang="en-US" dirty="0" err="1"/>
-              <a:t>merujuk</a:t>
-            </a:r>
-            <a:r>
-              <a:rPr lang="en-US" dirty="0"/>
-              <a:t> pada </a:t>
-            </a:r>
-            <a:r>
-              <a:rPr lang="en-US" dirty="0" err="1"/>
-              <a:t>entitas</a:t>
-            </a:r>
-            <a:r>
-              <a:rPr lang="en-US" dirty="0"/>
-              <a:t> yang </a:t>
-            </a:r>
-            <a:r>
-              <a:rPr lang="en-US" dirty="0" err="1"/>
-              <a:t>sama</a:t>
-            </a:r>
-            <a:endParaRPr lang="en-US" dirty="0"/>
-          </a:p>
-          <a:p>
-            <a:pPr marL="114300" indent="0">
-              <a:buNone/>
-            </a:pPr>
-            <a:r>
-              <a:rPr lang="en-US" dirty="0" err="1"/>
-              <a:t>Contoh</a:t>
-            </a:r>
-            <a:r>
-              <a:rPr lang="en-US" dirty="0"/>
-              <a:t> : Srivijaya (Britannia.com) vs </a:t>
-            </a:r>
-            <a:r>
-              <a:rPr lang="en-US" dirty="0" err="1"/>
-              <a:t>Sriwijaya</a:t>
-            </a:r>
-            <a:r>
-              <a:rPr lang="en-US" dirty="0"/>
-              <a:t>, Soekarno vs Sukarno.</a:t>
-            </a:r>
-          </a:p>
-          <a:p>
-            <a:pPr marL="114300" indent="0">
-              <a:buNone/>
-            </a:pPr>
-            <a:r>
-              <a:rPr lang="en-US" dirty="0"/>
-              <a:t>- </a:t>
-            </a:r>
-          </a:p>
-          <a:p>
-            <a:pPr marL="114300" indent="0">
-              <a:buNone/>
-            </a:pPr>
-            <a:endParaRPr lang="en-ID" dirty="0"/>
-          </a:p>
-        </p:txBody>
-      </p:sp>
-    </p:spTree>
-    <p:extLst>
-      <p:ext uri="{BB962C8B-B14F-4D97-AF65-F5344CB8AC3E}">
-        <p14:creationId xmlns:p14="http://schemas.microsoft.com/office/powerpoint/2010/main" val="126807999"/>
-      </p:ext>
-    </p:extLst>
-  </p:cSld>
-  <p:clrMapOvr>
-    <a:masterClrMapping/>
-  </p:clrMapOvr>
-</p:sld>
-</file>
-
-<file path=ppt/slides/slide6.xml><?xml version="1.0" encoding="utf-8"?>
+<file path=ppt/slides/slide4.xml><?xml version="1.0" encoding="utf-8"?>
 <p:sld xmlns:a="http://schemas.openxmlformats.org/drawingml/2006/main" xmlns:r="http://schemas.openxmlformats.org/officeDocument/2006/relationships" xmlns:p="http://schemas.openxmlformats.org/presentationml/2006/main">
   <p:cSld>
     <p:spTree>
@@ -11310,274 +13101,474 @@
         </p:nvSpPr>
         <p:spPr/>
         <p:txBody>
-          <a:bodyPr/>
+          <a:bodyPr>
+            <a:normAutofit/>
+          </a:bodyPr>
           <a:lstStyle/>
           <a:p>
             <a:pPr marL="114300" indent="0">
               <a:buNone/>
             </a:pPr>
             <a:r>
-              <a:rPr lang="en-US" i="1" dirty="0"/>
+              <a:rPr lang="en-US" sz="1200" i="1" dirty="0">
+                <a:latin typeface="Times New Roman" panose="02020603050405020304" pitchFamily="18" charset="0"/>
+                <a:cs typeface="Times New Roman" panose="02020603050405020304" pitchFamily="18" charset="0"/>
+              </a:rPr>
               <a:t>Knowledge graph</a:t>
             </a:r>
             <a:r>
-              <a:rPr lang="en-US" dirty="0"/>
+              <a:rPr lang="en-US" sz="1200" dirty="0">
+                <a:latin typeface="Times New Roman" panose="02020603050405020304" pitchFamily="18" charset="0"/>
+                <a:cs typeface="Times New Roman" panose="02020603050405020304" pitchFamily="18" charset="0"/>
+              </a:rPr>
               <a:t> (KG) </a:t>
             </a:r>
             <a:r>
-              <a:rPr lang="en-US" dirty="0" err="1"/>
+              <a:rPr lang="en-US" sz="1200" dirty="0" err="1">
+                <a:latin typeface="Times New Roman" panose="02020603050405020304" pitchFamily="18" charset="0"/>
+                <a:cs typeface="Times New Roman" panose="02020603050405020304" pitchFamily="18" charset="0"/>
+              </a:rPr>
               <a:t>merupakan</a:t>
             </a:r>
             <a:r>
-              <a:rPr lang="en-US" dirty="0"/>
+              <a:rPr lang="en-US" sz="1200" dirty="0">
+                <a:latin typeface="Times New Roman" panose="02020603050405020304" pitchFamily="18" charset="0"/>
+                <a:cs typeface="Times New Roman" panose="02020603050405020304" pitchFamily="18" charset="0"/>
+              </a:rPr>
               <a:t> </a:t>
             </a:r>
             <a:r>
-              <a:rPr lang="en-US" dirty="0" err="1"/>
+              <a:rPr lang="en-US" sz="1200" dirty="0" err="1">
+                <a:latin typeface="Times New Roman" panose="02020603050405020304" pitchFamily="18" charset="0"/>
+                <a:cs typeface="Times New Roman" panose="02020603050405020304" pitchFamily="18" charset="0"/>
+              </a:rPr>
               <a:t>istilah</a:t>
             </a:r>
             <a:r>
-              <a:rPr lang="en-US" dirty="0"/>
+              <a:rPr lang="en-US" sz="1200" dirty="0">
+                <a:latin typeface="Times New Roman" panose="02020603050405020304" pitchFamily="18" charset="0"/>
+                <a:cs typeface="Times New Roman" panose="02020603050405020304" pitchFamily="18" charset="0"/>
+              </a:rPr>
               <a:t> yang </a:t>
             </a:r>
             <a:r>
-              <a:rPr lang="en-US" dirty="0" err="1"/>
+              <a:rPr lang="en-US" sz="1200" dirty="0" err="1">
+                <a:latin typeface="Times New Roman" panose="02020603050405020304" pitchFamily="18" charset="0"/>
+                <a:cs typeface="Times New Roman" panose="02020603050405020304" pitchFamily="18" charset="0"/>
+              </a:rPr>
               <a:t>dipopulerkan</a:t>
             </a:r>
             <a:r>
-              <a:rPr lang="en-US" dirty="0"/>
+              <a:rPr lang="en-US" sz="1200" dirty="0">
+                <a:latin typeface="Times New Roman" panose="02020603050405020304" pitchFamily="18" charset="0"/>
+                <a:cs typeface="Times New Roman" panose="02020603050405020304" pitchFamily="18" charset="0"/>
+              </a:rPr>
               <a:t> oleh google pada </a:t>
             </a:r>
             <a:r>
-              <a:rPr lang="en-US" dirty="0" err="1"/>
+              <a:rPr lang="en-US" sz="1200" dirty="0" err="1">
+                <a:latin typeface="Times New Roman" panose="02020603050405020304" pitchFamily="18" charset="0"/>
+                <a:cs typeface="Times New Roman" panose="02020603050405020304" pitchFamily="18" charset="0"/>
+              </a:rPr>
               <a:t>tahun</a:t>
             </a:r>
             <a:r>
-              <a:rPr lang="en-US" dirty="0"/>
+              <a:rPr lang="en-US" sz="1200" dirty="0">
+                <a:latin typeface="Times New Roman" panose="02020603050405020304" pitchFamily="18" charset="0"/>
+                <a:cs typeface="Times New Roman" panose="02020603050405020304" pitchFamily="18" charset="0"/>
+              </a:rPr>
               <a:t> 2012. KG </a:t>
             </a:r>
             <a:r>
-              <a:rPr lang="en-US" dirty="0" err="1"/>
+              <a:rPr lang="en-US" sz="1200" dirty="0" err="1">
+                <a:latin typeface="Times New Roman" panose="02020603050405020304" pitchFamily="18" charset="0"/>
+                <a:cs typeface="Times New Roman" panose="02020603050405020304" pitchFamily="18" charset="0"/>
+              </a:rPr>
               <a:t>merupakan</a:t>
             </a:r>
             <a:r>
-              <a:rPr lang="en-US" dirty="0"/>
+              <a:rPr lang="en-US" sz="1200" dirty="0">
+                <a:latin typeface="Times New Roman" panose="02020603050405020304" pitchFamily="18" charset="0"/>
+                <a:cs typeface="Times New Roman" panose="02020603050405020304" pitchFamily="18" charset="0"/>
+              </a:rPr>
               <a:t> </a:t>
             </a:r>
             <a:r>
-              <a:rPr lang="en-US" dirty="0" err="1"/>
+              <a:rPr lang="en-US" sz="1200" dirty="0" err="1">
+                <a:latin typeface="Times New Roman" panose="02020603050405020304" pitchFamily="18" charset="0"/>
+                <a:cs typeface="Times New Roman" panose="02020603050405020304" pitchFamily="18" charset="0"/>
+              </a:rPr>
               <a:t>suatu</a:t>
             </a:r>
             <a:r>
-              <a:rPr lang="en-US" dirty="0"/>
+              <a:rPr lang="en-US" sz="1200" dirty="0">
+                <a:latin typeface="Times New Roman" panose="02020603050405020304" pitchFamily="18" charset="0"/>
+                <a:cs typeface="Times New Roman" panose="02020603050405020304" pitchFamily="18" charset="0"/>
+              </a:rPr>
               <a:t> </a:t>
             </a:r>
             <a:r>
-              <a:rPr lang="en-US" dirty="0" err="1"/>
+              <a:rPr lang="en-US" sz="1200" dirty="0" err="1">
+                <a:latin typeface="Times New Roman" panose="02020603050405020304" pitchFamily="18" charset="0"/>
+                <a:cs typeface="Times New Roman" panose="02020603050405020304" pitchFamily="18" charset="0"/>
+              </a:rPr>
               <a:t>representasi</a:t>
             </a:r>
             <a:r>
-              <a:rPr lang="en-US" dirty="0"/>
+              <a:rPr lang="en-US" sz="1200" dirty="0">
+                <a:latin typeface="Times New Roman" panose="02020603050405020304" pitchFamily="18" charset="0"/>
+                <a:cs typeface="Times New Roman" panose="02020603050405020304" pitchFamily="18" charset="0"/>
+              </a:rPr>
               <a:t> data </a:t>
             </a:r>
             <a:r>
-              <a:rPr lang="en-US" dirty="0" err="1"/>
+              <a:rPr lang="en-US" sz="1200" dirty="0" err="1">
+                <a:latin typeface="Times New Roman" panose="02020603050405020304" pitchFamily="18" charset="0"/>
+                <a:cs typeface="Times New Roman" panose="02020603050405020304" pitchFamily="18" charset="0"/>
+              </a:rPr>
               <a:t>menggunakan</a:t>
             </a:r>
             <a:r>
-              <a:rPr lang="en-US" dirty="0"/>
+              <a:rPr lang="en-US" sz="1200" dirty="0">
+                <a:latin typeface="Times New Roman" panose="02020603050405020304" pitchFamily="18" charset="0"/>
+                <a:cs typeface="Times New Roman" panose="02020603050405020304" pitchFamily="18" charset="0"/>
+              </a:rPr>
               <a:t> </a:t>
             </a:r>
             <a:r>
-              <a:rPr lang="en-US" i="1" dirty="0"/>
+              <a:rPr lang="en-US" sz="1200" i="1" dirty="0">
+                <a:latin typeface="Times New Roman" panose="02020603050405020304" pitchFamily="18" charset="0"/>
+                <a:cs typeface="Times New Roman" panose="02020603050405020304" pitchFamily="18" charset="0"/>
+              </a:rPr>
               <a:t>node</a:t>
             </a:r>
             <a:r>
-              <a:rPr lang="en-US" dirty="0"/>
+              <a:rPr lang="en-US" sz="1200" dirty="0">
+                <a:latin typeface="Times New Roman" panose="02020603050405020304" pitchFamily="18" charset="0"/>
+                <a:cs typeface="Times New Roman" panose="02020603050405020304" pitchFamily="18" charset="0"/>
+              </a:rPr>
               <a:t> dan </a:t>
             </a:r>
             <a:r>
-              <a:rPr lang="en-US" i="1" dirty="0"/>
+              <a:rPr lang="en-US" sz="1200" i="1" dirty="0">
+                <a:latin typeface="Times New Roman" panose="02020603050405020304" pitchFamily="18" charset="0"/>
+                <a:cs typeface="Times New Roman" panose="02020603050405020304" pitchFamily="18" charset="0"/>
+              </a:rPr>
               <a:t>edges</a:t>
             </a:r>
             <a:r>
-              <a:rPr lang="en-US" dirty="0"/>
+              <a:rPr lang="en-US" sz="1200" dirty="0">
+                <a:latin typeface="Times New Roman" panose="02020603050405020304" pitchFamily="18" charset="0"/>
+                <a:cs typeface="Times New Roman" panose="02020603050405020304" pitchFamily="18" charset="0"/>
+              </a:rPr>
               <a:t>. KG </a:t>
             </a:r>
             <a:r>
-              <a:rPr lang="en-US" dirty="0" err="1"/>
+              <a:rPr lang="en-US" sz="1200" dirty="0" err="1">
+                <a:latin typeface="Times New Roman" panose="02020603050405020304" pitchFamily="18" charset="0"/>
+                <a:cs typeface="Times New Roman" panose="02020603050405020304" pitchFamily="18" charset="0"/>
+              </a:rPr>
               <a:t>mampu</a:t>
             </a:r>
             <a:r>
-              <a:rPr lang="en-US" dirty="0"/>
+              <a:rPr lang="en-US" sz="1200" dirty="0">
+                <a:latin typeface="Times New Roman" panose="02020603050405020304" pitchFamily="18" charset="0"/>
+                <a:cs typeface="Times New Roman" panose="02020603050405020304" pitchFamily="18" charset="0"/>
+              </a:rPr>
               <a:t> </a:t>
             </a:r>
             <a:r>
-              <a:rPr lang="en-US" dirty="0" err="1"/>
+              <a:rPr lang="en-US" sz="1200" dirty="0" err="1">
+                <a:latin typeface="Times New Roman" panose="02020603050405020304" pitchFamily="18" charset="0"/>
+                <a:cs typeface="Times New Roman" panose="02020603050405020304" pitchFamily="18" charset="0"/>
+              </a:rPr>
               <a:t>memberikan</a:t>
             </a:r>
             <a:r>
-              <a:rPr lang="en-US" dirty="0"/>
+              <a:rPr lang="en-US" sz="1200" dirty="0">
+                <a:latin typeface="Times New Roman" panose="02020603050405020304" pitchFamily="18" charset="0"/>
+                <a:cs typeface="Times New Roman" panose="02020603050405020304" pitchFamily="18" charset="0"/>
+              </a:rPr>
               <a:t> </a:t>
             </a:r>
             <a:r>
-              <a:rPr lang="en-US" dirty="0" err="1"/>
+              <a:rPr lang="en-US" sz="1200" dirty="0" err="1">
+                <a:latin typeface="Times New Roman" panose="02020603050405020304" pitchFamily="18" charset="0"/>
+                <a:cs typeface="Times New Roman" panose="02020603050405020304" pitchFamily="18" charset="0"/>
+              </a:rPr>
               <a:t>makna</a:t>
             </a:r>
             <a:r>
-              <a:rPr lang="en-US" dirty="0"/>
+              <a:rPr lang="en-US" sz="1200" dirty="0">
+                <a:latin typeface="Times New Roman" panose="02020603050405020304" pitchFamily="18" charset="0"/>
+                <a:cs typeface="Times New Roman" panose="02020603050405020304" pitchFamily="18" charset="0"/>
+              </a:rPr>
               <a:t> </a:t>
             </a:r>
             <a:r>
-              <a:rPr lang="en-US" dirty="0" err="1"/>
+              <a:rPr lang="en-US" sz="1200" dirty="0" err="1">
+                <a:latin typeface="Times New Roman" panose="02020603050405020304" pitchFamily="18" charset="0"/>
+                <a:cs typeface="Times New Roman" panose="02020603050405020304" pitchFamily="18" charset="0"/>
+              </a:rPr>
               <a:t>terhadap</a:t>
             </a:r>
             <a:r>
-              <a:rPr lang="en-US" dirty="0"/>
+              <a:rPr lang="en-US" sz="1200" dirty="0">
+                <a:latin typeface="Times New Roman" panose="02020603050405020304" pitchFamily="18" charset="0"/>
+                <a:cs typeface="Times New Roman" panose="02020603050405020304" pitchFamily="18" charset="0"/>
+              </a:rPr>
               <a:t> </a:t>
             </a:r>
             <a:r>
-              <a:rPr lang="en-US" dirty="0" err="1"/>
+              <a:rPr lang="en-US" sz="1200" dirty="0" err="1">
+                <a:latin typeface="Times New Roman" panose="02020603050405020304" pitchFamily="18" charset="0"/>
+                <a:cs typeface="Times New Roman" panose="02020603050405020304" pitchFamily="18" charset="0"/>
+              </a:rPr>
               <a:t>suatu</a:t>
             </a:r>
             <a:r>
-              <a:rPr lang="en-US" dirty="0"/>
+              <a:rPr lang="en-US" sz="1200" dirty="0">
+                <a:latin typeface="Times New Roman" panose="02020603050405020304" pitchFamily="18" charset="0"/>
+                <a:cs typeface="Times New Roman" panose="02020603050405020304" pitchFamily="18" charset="0"/>
+              </a:rPr>
               <a:t> </a:t>
             </a:r>
             <a:r>
-              <a:rPr lang="en-US" dirty="0" err="1"/>
+              <a:rPr lang="en-US" sz="1200" dirty="0" err="1">
+                <a:latin typeface="Times New Roman" panose="02020603050405020304" pitchFamily="18" charset="0"/>
+                <a:cs typeface="Times New Roman" panose="02020603050405020304" pitchFamily="18" charset="0"/>
+              </a:rPr>
               <a:t>entitas</a:t>
             </a:r>
             <a:r>
-              <a:rPr lang="en-US" dirty="0"/>
+              <a:rPr lang="en-US" sz="1200" dirty="0">
+                <a:latin typeface="Times New Roman" panose="02020603050405020304" pitchFamily="18" charset="0"/>
+                <a:cs typeface="Times New Roman" panose="02020603050405020304" pitchFamily="18" charset="0"/>
+              </a:rPr>
               <a:t> </a:t>
             </a:r>
             <a:r>
-              <a:rPr lang="en-US" dirty="0" err="1"/>
+              <a:rPr lang="en-US" sz="1200" dirty="0" err="1">
+                <a:latin typeface="Times New Roman" panose="02020603050405020304" pitchFamily="18" charset="0"/>
+                <a:cs typeface="Times New Roman" panose="02020603050405020304" pitchFamily="18" charset="0"/>
+              </a:rPr>
               <a:t>dengan</a:t>
             </a:r>
             <a:r>
-              <a:rPr lang="en-US" dirty="0"/>
+              <a:rPr lang="en-US" sz="1200" dirty="0">
+                <a:latin typeface="Times New Roman" panose="02020603050405020304" pitchFamily="18" charset="0"/>
+                <a:cs typeface="Times New Roman" panose="02020603050405020304" pitchFamily="18" charset="0"/>
+              </a:rPr>
               <a:t> </a:t>
             </a:r>
             <a:r>
-              <a:rPr lang="en-US" dirty="0" err="1"/>
+              <a:rPr lang="en-US" sz="1200" dirty="0" err="1">
+                <a:latin typeface="Times New Roman" panose="02020603050405020304" pitchFamily="18" charset="0"/>
+                <a:cs typeface="Times New Roman" panose="02020603050405020304" pitchFamily="18" charset="0"/>
+              </a:rPr>
               <a:t>menggambarkan</a:t>
             </a:r>
             <a:r>
-              <a:rPr lang="en-US" dirty="0"/>
+              <a:rPr lang="en-US" sz="1200" dirty="0">
+                <a:latin typeface="Times New Roman" panose="02020603050405020304" pitchFamily="18" charset="0"/>
+                <a:cs typeface="Times New Roman" panose="02020603050405020304" pitchFamily="18" charset="0"/>
+              </a:rPr>
               <a:t> </a:t>
             </a:r>
             <a:r>
-              <a:rPr lang="en-US" dirty="0" err="1"/>
+              <a:rPr lang="en-US" sz="1200" dirty="0" err="1">
+                <a:latin typeface="Times New Roman" panose="02020603050405020304" pitchFamily="18" charset="0"/>
+                <a:cs typeface="Times New Roman" panose="02020603050405020304" pitchFamily="18" charset="0"/>
+              </a:rPr>
               <a:t>relasi</a:t>
             </a:r>
             <a:r>
-              <a:rPr lang="en-US" dirty="0"/>
+              <a:rPr lang="en-US" sz="1200" dirty="0">
+                <a:latin typeface="Times New Roman" panose="02020603050405020304" pitchFamily="18" charset="0"/>
+                <a:cs typeface="Times New Roman" panose="02020603050405020304" pitchFamily="18" charset="0"/>
+              </a:rPr>
               <a:t> </a:t>
             </a:r>
             <a:r>
-              <a:rPr lang="en-US" dirty="0" err="1"/>
+              <a:rPr lang="en-US" sz="1200" dirty="0" err="1">
+                <a:latin typeface="Times New Roman" panose="02020603050405020304" pitchFamily="18" charset="0"/>
+                <a:cs typeface="Times New Roman" panose="02020603050405020304" pitchFamily="18" charset="0"/>
+              </a:rPr>
               <a:t>antara</a:t>
             </a:r>
             <a:r>
-              <a:rPr lang="en-US" dirty="0"/>
+              <a:rPr lang="en-US" sz="1200" dirty="0">
+                <a:latin typeface="Times New Roman" panose="02020603050405020304" pitchFamily="18" charset="0"/>
+                <a:cs typeface="Times New Roman" panose="02020603050405020304" pitchFamily="18" charset="0"/>
+              </a:rPr>
               <a:t> </a:t>
             </a:r>
             <a:r>
-              <a:rPr lang="en-US" dirty="0" err="1"/>
+              <a:rPr lang="en-US" sz="1200" dirty="0" err="1">
+                <a:latin typeface="Times New Roman" panose="02020603050405020304" pitchFamily="18" charset="0"/>
+                <a:cs typeface="Times New Roman" panose="02020603050405020304" pitchFamily="18" charset="0"/>
+              </a:rPr>
               <a:t>entitas</a:t>
             </a:r>
             <a:r>
-              <a:rPr lang="en-US" dirty="0"/>
+              <a:rPr lang="en-US" sz="1200" dirty="0">
+                <a:latin typeface="Times New Roman" panose="02020603050405020304" pitchFamily="18" charset="0"/>
+                <a:cs typeface="Times New Roman" panose="02020603050405020304" pitchFamily="18" charset="0"/>
+              </a:rPr>
               <a:t> </a:t>
             </a:r>
             <a:r>
-              <a:rPr lang="en-US" dirty="0" err="1"/>
+              <a:rPr lang="en-US" sz="1200" dirty="0" err="1">
+                <a:latin typeface="Times New Roman" panose="02020603050405020304" pitchFamily="18" charset="0"/>
+                <a:cs typeface="Times New Roman" panose="02020603050405020304" pitchFamily="18" charset="0"/>
+              </a:rPr>
               <a:t>tersebut</a:t>
             </a:r>
             <a:r>
-              <a:rPr lang="en-US" dirty="0"/>
+              <a:rPr lang="en-US" sz="1200" dirty="0">
+                <a:latin typeface="Times New Roman" panose="02020603050405020304" pitchFamily="18" charset="0"/>
+                <a:cs typeface="Times New Roman" panose="02020603050405020304" pitchFamily="18" charset="0"/>
+              </a:rPr>
               <a:t> </a:t>
             </a:r>
             <a:r>
-              <a:rPr lang="en-US" dirty="0" err="1"/>
+              <a:rPr lang="en-US" sz="1200" dirty="0" err="1">
+                <a:latin typeface="Times New Roman" panose="02020603050405020304" pitchFamily="18" charset="0"/>
+                <a:cs typeface="Times New Roman" panose="02020603050405020304" pitchFamily="18" charset="0"/>
+              </a:rPr>
               <a:t>dengan</a:t>
             </a:r>
             <a:r>
-              <a:rPr lang="en-US" dirty="0"/>
+              <a:rPr lang="en-US" sz="1200" dirty="0">
+                <a:latin typeface="Times New Roman" panose="02020603050405020304" pitchFamily="18" charset="0"/>
+                <a:cs typeface="Times New Roman" panose="02020603050405020304" pitchFamily="18" charset="0"/>
+              </a:rPr>
               <a:t> </a:t>
             </a:r>
             <a:r>
-              <a:rPr lang="en-US" dirty="0" err="1"/>
+              <a:rPr lang="en-US" sz="1200" dirty="0" err="1">
+                <a:latin typeface="Times New Roman" panose="02020603050405020304" pitchFamily="18" charset="0"/>
+                <a:cs typeface="Times New Roman" panose="02020603050405020304" pitchFamily="18" charset="0"/>
+              </a:rPr>
               <a:t>entitas</a:t>
             </a:r>
             <a:r>
-              <a:rPr lang="en-US" dirty="0"/>
+              <a:rPr lang="en-US" sz="1200" dirty="0">
+                <a:latin typeface="Times New Roman" panose="02020603050405020304" pitchFamily="18" charset="0"/>
+                <a:cs typeface="Times New Roman" panose="02020603050405020304" pitchFamily="18" charset="0"/>
+              </a:rPr>
               <a:t> </a:t>
             </a:r>
             <a:r>
-              <a:rPr lang="en-US" dirty="0" err="1"/>
+              <a:rPr lang="en-US" sz="1200" dirty="0" err="1">
+                <a:latin typeface="Times New Roman" panose="02020603050405020304" pitchFamily="18" charset="0"/>
+                <a:cs typeface="Times New Roman" panose="02020603050405020304" pitchFamily="18" charset="0"/>
+              </a:rPr>
               <a:t>lainnya</a:t>
             </a:r>
             <a:r>
-              <a:rPr lang="en-US" dirty="0"/>
+              <a:rPr lang="en-US" sz="1200" dirty="0">
+                <a:latin typeface="Times New Roman" panose="02020603050405020304" pitchFamily="18" charset="0"/>
+                <a:cs typeface="Times New Roman" panose="02020603050405020304" pitchFamily="18" charset="0"/>
+              </a:rPr>
               <a:t>. </a:t>
             </a:r>
             <a:r>
-              <a:rPr lang="en-US" dirty="0" err="1"/>
+              <a:rPr lang="en-US" sz="1200" dirty="0" err="1">
+                <a:latin typeface="Times New Roman" panose="02020603050405020304" pitchFamily="18" charset="0"/>
+                <a:cs typeface="Times New Roman" panose="02020603050405020304" pitchFamily="18" charset="0"/>
+              </a:rPr>
               <a:t>Keunggulan</a:t>
             </a:r>
             <a:r>
-              <a:rPr lang="en-US" dirty="0"/>
+              <a:rPr lang="en-US" sz="1200" dirty="0">
+                <a:latin typeface="Times New Roman" panose="02020603050405020304" pitchFamily="18" charset="0"/>
+                <a:cs typeface="Times New Roman" panose="02020603050405020304" pitchFamily="18" charset="0"/>
+              </a:rPr>
               <a:t> </a:t>
             </a:r>
             <a:r>
-              <a:rPr lang="en-US" dirty="0" err="1"/>
+              <a:rPr lang="en-US" sz="1200" dirty="0" err="1">
+                <a:latin typeface="Times New Roman" panose="02020603050405020304" pitchFamily="18" charset="0"/>
+                <a:cs typeface="Times New Roman" panose="02020603050405020304" pitchFamily="18" charset="0"/>
+              </a:rPr>
               <a:t>utama</a:t>
             </a:r>
             <a:r>
-              <a:rPr lang="en-US" dirty="0"/>
+              <a:rPr lang="en-US" sz="1200" dirty="0">
+                <a:latin typeface="Times New Roman" panose="02020603050405020304" pitchFamily="18" charset="0"/>
+                <a:cs typeface="Times New Roman" panose="02020603050405020304" pitchFamily="18" charset="0"/>
+              </a:rPr>
               <a:t> yang </a:t>
             </a:r>
             <a:r>
-              <a:rPr lang="en-US" dirty="0" err="1"/>
+              <a:rPr lang="en-US" sz="1200" dirty="0" err="1">
+                <a:latin typeface="Times New Roman" panose="02020603050405020304" pitchFamily="18" charset="0"/>
+                <a:cs typeface="Times New Roman" panose="02020603050405020304" pitchFamily="18" charset="0"/>
+              </a:rPr>
               <a:t>dimiliki</a:t>
             </a:r>
             <a:r>
-              <a:rPr lang="en-US" dirty="0"/>
+              <a:rPr lang="en-US" sz="1200" dirty="0">
+                <a:latin typeface="Times New Roman" panose="02020603050405020304" pitchFamily="18" charset="0"/>
+                <a:cs typeface="Times New Roman" panose="02020603050405020304" pitchFamily="18" charset="0"/>
+              </a:rPr>
               <a:t> oleh KG </a:t>
             </a:r>
             <a:r>
-              <a:rPr lang="en-US" dirty="0" err="1"/>
+              <a:rPr lang="en-US" sz="1200" dirty="0" err="1">
+                <a:latin typeface="Times New Roman" panose="02020603050405020304" pitchFamily="18" charset="0"/>
+                <a:cs typeface="Times New Roman" panose="02020603050405020304" pitchFamily="18" charset="0"/>
+              </a:rPr>
               <a:t>dibandingkan</a:t>
             </a:r>
             <a:r>
-              <a:rPr lang="en-US" dirty="0"/>
+              <a:rPr lang="en-US" sz="1200" dirty="0">
+                <a:latin typeface="Times New Roman" panose="02020603050405020304" pitchFamily="18" charset="0"/>
+                <a:cs typeface="Times New Roman" panose="02020603050405020304" pitchFamily="18" charset="0"/>
+              </a:rPr>
               <a:t> relational database </a:t>
             </a:r>
             <a:r>
-              <a:rPr lang="en-US" dirty="0" err="1"/>
+              <a:rPr lang="en-US" sz="1200" dirty="0" err="1">
+                <a:latin typeface="Times New Roman" panose="02020603050405020304" pitchFamily="18" charset="0"/>
+                <a:cs typeface="Times New Roman" panose="02020603050405020304" pitchFamily="18" charset="0"/>
+              </a:rPr>
               <a:t>terletak</a:t>
             </a:r>
             <a:r>
-              <a:rPr lang="en-US" dirty="0"/>
+              <a:rPr lang="en-US" sz="1200" dirty="0">
+                <a:latin typeface="Times New Roman" panose="02020603050405020304" pitchFamily="18" charset="0"/>
+                <a:cs typeface="Times New Roman" panose="02020603050405020304" pitchFamily="18" charset="0"/>
+              </a:rPr>
               <a:t> pada </a:t>
             </a:r>
             <a:r>
-              <a:rPr lang="en-US" i="1" dirty="0" err="1"/>
+              <a:rPr lang="en-US" sz="1200" i="1" dirty="0" err="1">
+                <a:latin typeface="Times New Roman" panose="02020603050405020304" pitchFamily="18" charset="0"/>
+                <a:cs typeface="Times New Roman" panose="02020603050405020304" pitchFamily="18" charset="0"/>
+              </a:rPr>
               <a:t>fleksibility</a:t>
             </a:r>
             <a:r>
-              <a:rPr lang="en-US" dirty="0"/>
+              <a:rPr lang="en-US" sz="1200" dirty="0">
+                <a:latin typeface="Times New Roman" panose="02020603050405020304" pitchFamily="18" charset="0"/>
+                <a:cs typeface="Times New Roman" panose="02020603050405020304" pitchFamily="18" charset="0"/>
+              </a:rPr>
               <a:t> dan </a:t>
             </a:r>
             <a:r>
-              <a:rPr lang="en-US" i="1" dirty="0"/>
+              <a:rPr lang="en-US" sz="1200" i="1" dirty="0">
+                <a:latin typeface="Times New Roman" panose="02020603050405020304" pitchFamily="18" charset="0"/>
+                <a:cs typeface="Times New Roman" panose="02020603050405020304" pitchFamily="18" charset="0"/>
+              </a:rPr>
               <a:t>scalability</a:t>
             </a:r>
             <a:r>
-              <a:rPr lang="en-US" dirty="0"/>
+              <a:rPr lang="en-US" sz="1200" dirty="0">
+                <a:latin typeface="Times New Roman" panose="02020603050405020304" pitchFamily="18" charset="0"/>
+                <a:cs typeface="Times New Roman" panose="02020603050405020304" pitchFamily="18" charset="0"/>
+              </a:rPr>
               <a:t>. </a:t>
             </a:r>
           </a:p>
@@ -11596,7 +13587,7 @@
 </p:sld>
 </file>
 
-<file path=ppt/slides/slide7.xml><?xml version="1.0" encoding="utf-8"?>
+<file path=ppt/slides/slide5.xml><?xml version="1.0" encoding="utf-8"?>
 <p:sld xmlns:a="http://schemas.openxmlformats.org/drawingml/2006/main" xmlns:r="http://schemas.openxmlformats.org/officeDocument/2006/relationships" xmlns:p="http://schemas.openxmlformats.org/presentationml/2006/main">
   <p:cSld>
     <p:spTree>
@@ -11678,174 +13669,303 @@
               <a:buNone/>
             </a:pPr>
             <a:r>
-              <a:rPr lang="en-US" sz="1200" dirty="0" err="1"/>
+              <a:rPr lang="en-US" sz="1200" dirty="0" err="1">
+                <a:latin typeface="Times New Roman" panose="02020603050405020304" pitchFamily="18" charset="0"/>
+                <a:cs typeface="Times New Roman" panose="02020603050405020304" pitchFamily="18" charset="0"/>
+              </a:rPr>
               <a:t>Terdapat</a:t>
             </a:r>
             <a:r>
-              <a:rPr lang="en-US" sz="1200" dirty="0"/>
+              <a:rPr lang="en-US" sz="1200" dirty="0">
+                <a:latin typeface="Times New Roman" panose="02020603050405020304" pitchFamily="18" charset="0"/>
+                <a:cs typeface="Times New Roman" panose="02020603050405020304" pitchFamily="18" charset="0"/>
+              </a:rPr>
               <a:t> </a:t>
             </a:r>
             <a:r>
-              <a:rPr lang="en-US" sz="1200" dirty="0" err="1"/>
+              <a:rPr lang="en-US" sz="1200" dirty="0" err="1">
+                <a:latin typeface="Times New Roman" panose="02020603050405020304" pitchFamily="18" charset="0"/>
+                <a:cs typeface="Times New Roman" panose="02020603050405020304" pitchFamily="18" charset="0"/>
+              </a:rPr>
               <a:t>peningkatan</a:t>
             </a:r>
             <a:r>
-              <a:rPr lang="en-US" sz="1200" dirty="0"/>
+              <a:rPr lang="en-US" sz="1200" dirty="0">
+                <a:latin typeface="Times New Roman" panose="02020603050405020304" pitchFamily="18" charset="0"/>
+                <a:cs typeface="Times New Roman" panose="02020603050405020304" pitchFamily="18" charset="0"/>
+              </a:rPr>
               <a:t> </a:t>
             </a:r>
             <a:r>
-              <a:rPr lang="en-US" sz="1200" dirty="0" err="1"/>
+              <a:rPr lang="en-US" sz="1200" dirty="0" err="1">
+                <a:latin typeface="Times New Roman" panose="02020603050405020304" pitchFamily="18" charset="0"/>
+                <a:cs typeface="Times New Roman" panose="02020603050405020304" pitchFamily="18" charset="0"/>
+              </a:rPr>
               <a:t>publikasi</a:t>
             </a:r>
             <a:r>
-              <a:rPr lang="en-US" sz="1200" dirty="0"/>
+              <a:rPr lang="en-US" sz="1200" dirty="0">
+                <a:latin typeface="Times New Roman" panose="02020603050405020304" pitchFamily="18" charset="0"/>
+                <a:cs typeface="Times New Roman" panose="02020603050405020304" pitchFamily="18" charset="0"/>
+              </a:rPr>
               <a:t> </a:t>
             </a:r>
             <a:r>
-              <a:rPr lang="en-US" sz="1200" dirty="0" err="1"/>
+              <a:rPr lang="en-US" sz="1200" dirty="0" err="1">
+                <a:latin typeface="Times New Roman" panose="02020603050405020304" pitchFamily="18" charset="0"/>
+                <a:cs typeface="Times New Roman" panose="02020603050405020304" pitchFamily="18" charset="0"/>
+              </a:rPr>
               <a:t>terkait</a:t>
             </a:r>
             <a:r>
-              <a:rPr lang="en-US" sz="1200" dirty="0"/>
+              <a:rPr lang="en-US" sz="1200" dirty="0">
+                <a:latin typeface="Times New Roman" panose="02020603050405020304" pitchFamily="18" charset="0"/>
+                <a:cs typeface="Times New Roman" panose="02020603050405020304" pitchFamily="18" charset="0"/>
+              </a:rPr>
               <a:t> </a:t>
             </a:r>
             <a:r>
-              <a:rPr lang="en-US" sz="1200" dirty="0" err="1"/>
+              <a:rPr lang="en-US" sz="1200" dirty="0" err="1">
+                <a:latin typeface="Times New Roman" panose="02020603050405020304" pitchFamily="18" charset="0"/>
+                <a:cs typeface="Times New Roman" panose="02020603050405020304" pitchFamily="18" charset="0"/>
+              </a:rPr>
               <a:t>penggunaan</a:t>
             </a:r>
             <a:r>
-              <a:rPr lang="en-US" sz="1200" dirty="0"/>
+              <a:rPr lang="en-US" sz="1200" dirty="0">
+                <a:latin typeface="Times New Roman" panose="02020603050405020304" pitchFamily="18" charset="0"/>
+                <a:cs typeface="Times New Roman" panose="02020603050405020304" pitchFamily="18" charset="0"/>
+              </a:rPr>
               <a:t> knowledge graph </a:t>
             </a:r>
             <a:r>
-              <a:rPr lang="en-US" sz="1200" dirty="0" err="1"/>
+              <a:rPr lang="en-US" sz="1200" dirty="0" err="1">
+                <a:latin typeface="Times New Roman" panose="02020603050405020304" pitchFamily="18" charset="0"/>
+                <a:cs typeface="Times New Roman" panose="02020603050405020304" pitchFamily="18" charset="0"/>
+              </a:rPr>
               <a:t>dalam</a:t>
             </a:r>
             <a:r>
-              <a:rPr lang="en-US" sz="1200" dirty="0"/>
+              <a:rPr lang="en-US" sz="1200" dirty="0">
+                <a:latin typeface="Times New Roman" panose="02020603050405020304" pitchFamily="18" charset="0"/>
+                <a:cs typeface="Times New Roman" panose="02020603050405020304" pitchFamily="18" charset="0"/>
+              </a:rPr>
               <a:t> </a:t>
             </a:r>
             <a:r>
-              <a:rPr lang="en-US" sz="1200" dirty="0" err="1"/>
+              <a:rPr lang="en-US" sz="1200" dirty="0" err="1">
+                <a:latin typeface="Times New Roman" panose="02020603050405020304" pitchFamily="18" charset="0"/>
+                <a:cs typeface="Times New Roman" panose="02020603050405020304" pitchFamily="18" charset="0"/>
+              </a:rPr>
               <a:t>bidang</a:t>
             </a:r>
             <a:r>
-              <a:rPr lang="en-US" sz="1200" dirty="0"/>
+              <a:rPr lang="en-US" sz="1200" dirty="0">
+                <a:latin typeface="Times New Roman" panose="02020603050405020304" pitchFamily="18" charset="0"/>
+                <a:cs typeface="Times New Roman" panose="02020603050405020304" pitchFamily="18" charset="0"/>
+              </a:rPr>
               <a:t> software engineering </a:t>
             </a:r>
             <a:r>
-              <a:rPr lang="en-US" sz="1200" dirty="0" err="1"/>
+              <a:rPr lang="en-US" sz="1200" dirty="0" err="1">
+                <a:latin typeface="Times New Roman" panose="02020603050405020304" pitchFamily="18" charset="0"/>
+                <a:cs typeface="Times New Roman" panose="02020603050405020304" pitchFamily="18" charset="0"/>
+              </a:rPr>
               <a:t>dalam</a:t>
             </a:r>
             <a:r>
-              <a:rPr lang="en-US" sz="1200" dirty="0"/>
+              <a:rPr lang="en-US" sz="1200" dirty="0">
+                <a:latin typeface="Times New Roman" panose="02020603050405020304" pitchFamily="18" charset="0"/>
+                <a:cs typeface="Times New Roman" panose="02020603050405020304" pitchFamily="18" charset="0"/>
+              </a:rPr>
               <a:t> </a:t>
             </a:r>
             <a:r>
-              <a:rPr lang="en-US" sz="1200" dirty="0" err="1"/>
+              <a:rPr lang="en-US" sz="1200" dirty="0" err="1">
+                <a:latin typeface="Times New Roman" panose="02020603050405020304" pitchFamily="18" charset="0"/>
+                <a:cs typeface="Times New Roman" panose="02020603050405020304" pitchFamily="18" charset="0"/>
+              </a:rPr>
               <a:t>periode</a:t>
             </a:r>
             <a:r>
-              <a:rPr lang="en-US" sz="1200" dirty="0"/>
+              <a:rPr lang="en-US" sz="1200" dirty="0">
+                <a:latin typeface="Times New Roman" panose="02020603050405020304" pitchFamily="18" charset="0"/>
+                <a:cs typeface="Times New Roman" panose="02020603050405020304" pitchFamily="18" charset="0"/>
+              </a:rPr>
               <a:t> 2017 – 2022 (Lu Wang et all ., 2023). </a:t>
             </a:r>
             <a:r>
-              <a:rPr lang="en-US" sz="1200" dirty="0" err="1"/>
+              <a:rPr lang="en-US" sz="1200" dirty="0" err="1">
+                <a:latin typeface="Times New Roman" panose="02020603050405020304" pitchFamily="18" charset="0"/>
+                <a:cs typeface="Times New Roman" panose="02020603050405020304" pitchFamily="18" charset="0"/>
+              </a:rPr>
               <a:t>Pendefinisian</a:t>
             </a:r>
             <a:r>
-              <a:rPr lang="en-US" sz="1200" dirty="0"/>
+              <a:rPr lang="en-US" sz="1200" dirty="0">
+                <a:latin typeface="Times New Roman" panose="02020603050405020304" pitchFamily="18" charset="0"/>
+                <a:cs typeface="Times New Roman" panose="02020603050405020304" pitchFamily="18" charset="0"/>
+              </a:rPr>
               <a:t> knowledge </a:t>
             </a:r>
             <a:r>
-              <a:rPr lang="en-US" sz="1200" dirty="0" err="1"/>
+              <a:rPr lang="en-US" sz="1200" dirty="0" err="1">
+                <a:latin typeface="Times New Roman" panose="02020603050405020304" pitchFamily="18" charset="0"/>
+                <a:cs typeface="Times New Roman" panose="02020603050405020304" pitchFamily="18" charset="0"/>
+              </a:rPr>
               <a:t>gaph</a:t>
             </a:r>
             <a:r>
-              <a:rPr lang="en-US" sz="1200" dirty="0"/>
+              <a:rPr lang="en-US" sz="1200" dirty="0">
+                <a:latin typeface="Times New Roman" panose="02020603050405020304" pitchFamily="18" charset="0"/>
+                <a:cs typeface="Times New Roman" panose="02020603050405020304" pitchFamily="18" charset="0"/>
+              </a:rPr>
               <a:t> </a:t>
             </a:r>
             <a:r>
-              <a:rPr lang="en-US" sz="1200" dirty="0" err="1"/>
+              <a:rPr lang="en-US" sz="1200" dirty="0" err="1">
+                <a:latin typeface="Times New Roman" panose="02020603050405020304" pitchFamily="18" charset="0"/>
+                <a:cs typeface="Times New Roman" panose="02020603050405020304" pitchFamily="18" charset="0"/>
+              </a:rPr>
               <a:t>dapat</a:t>
             </a:r>
             <a:r>
-              <a:rPr lang="en-US" sz="1200" dirty="0"/>
+              <a:rPr lang="en-US" sz="1200" dirty="0">
+                <a:latin typeface="Times New Roman" panose="02020603050405020304" pitchFamily="18" charset="0"/>
+                <a:cs typeface="Times New Roman" panose="02020603050405020304" pitchFamily="18" charset="0"/>
+              </a:rPr>
               <a:t> </a:t>
             </a:r>
             <a:r>
-              <a:rPr lang="en-US" sz="1200" dirty="0" err="1"/>
+              <a:rPr lang="en-US" sz="1200" dirty="0" err="1">
+                <a:latin typeface="Times New Roman" panose="02020603050405020304" pitchFamily="18" charset="0"/>
+                <a:cs typeface="Times New Roman" panose="02020603050405020304" pitchFamily="18" charset="0"/>
+              </a:rPr>
               <a:t>membuka</a:t>
             </a:r>
             <a:r>
-              <a:rPr lang="en-US" sz="1200" dirty="0"/>
+              <a:rPr lang="en-US" sz="1200" dirty="0">
+                <a:latin typeface="Times New Roman" panose="02020603050405020304" pitchFamily="18" charset="0"/>
+                <a:cs typeface="Times New Roman" panose="02020603050405020304" pitchFamily="18" charset="0"/>
+              </a:rPr>
               <a:t> </a:t>
             </a:r>
             <a:r>
-              <a:rPr lang="en-US" sz="1200" dirty="0" err="1"/>
+              <a:rPr lang="en-US" sz="1200" dirty="0" err="1">
+                <a:latin typeface="Times New Roman" panose="02020603050405020304" pitchFamily="18" charset="0"/>
+                <a:cs typeface="Times New Roman" panose="02020603050405020304" pitchFamily="18" charset="0"/>
+              </a:rPr>
               <a:t>kemungkinan</a:t>
             </a:r>
             <a:r>
-              <a:rPr lang="en-US" sz="1200" dirty="0"/>
+              <a:rPr lang="en-US" sz="1200" dirty="0">
+                <a:latin typeface="Times New Roman" panose="02020603050405020304" pitchFamily="18" charset="0"/>
+                <a:cs typeface="Times New Roman" panose="02020603050405020304" pitchFamily="18" charset="0"/>
+              </a:rPr>
               <a:t> </a:t>
             </a:r>
             <a:r>
-              <a:rPr lang="en-US" sz="1200" dirty="0" err="1"/>
+              <a:rPr lang="en-US" sz="1200" dirty="0" err="1">
+                <a:latin typeface="Times New Roman" panose="02020603050405020304" pitchFamily="18" charset="0"/>
+                <a:cs typeface="Times New Roman" panose="02020603050405020304" pitchFamily="18" charset="0"/>
+              </a:rPr>
               <a:t>bagi</a:t>
             </a:r>
             <a:r>
-              <a:rPr lang="en-US" sz="1200" dirty="0"/>
+              <a:rPr lang="en-US" sz="1200" dirty="0">
+                <a:latin typeface="Times New Roman" panose="02020603050405020304" pitchFamily="18" charset="0"/>
+                <a:cs typeface="Times New Roman" panose="02020603050405020304" pitchFamily="18" charset="0"/>
+              </a:rPr>
               <a:t> </a:t>
             </a:r>
             <a:r>
-              <a:rPr lang="en-US" sz="1200" dirty="0" err="1"/>
+              <a:rPr lang="en-US" sz="1200" dirty="0" err="1">
+                <a:latin typeface="Times New Roman" panose="02020603050405020304" pitchFamily="18" charset="0"/>
+                <a:cs typeface="Times New Roman" panose="02020603050405020304" pitchFamily="18" charset="0"/>
+              </a:rPr>
               <a:t>penelitian</a:t>
             </a:r>
             <a:r>
-              <a:rPr lang="en-US" sz="1200" dirty="0"/>
+              <a:rPr lang="en-US" sz="1200" dirty="0">
+                <a:latin typeface="Times New Roman" panose="02020603050405020304" pitchFamily="18" charset="0"/>
+                <a:cs typeface="Times New Roman" panose="02020603050405020304" pitchFamily="18" charset="0"/>
+              </a:rPr>
               <a:t> – </a:t>
             </a:r>
             <a:r>
-              <a:rPr lang="en-US" sz="1200" dirty="0" err="1"/>
+              <a:rPr lang="en-US" sz="1200" dirty="0" err="1">
+                <a:latin typeface="Times New Roman" panose="02020603050405020304" pitchFamily="18" charset="0"/>
+                <a:cs typeface="Times New Roman" panose="02020603050405020304" pitchFamily="18" charset="0"/>
+              </a:rPr>
               <a:t>penelitian</a:t>
             </a:r>
             <a:r>
-              <a:rPr lang="en-US" sz="1200" dirty="0"/>
+              <a:rPr lang="en-US" sz="1200" dirty="0">
+                <a:latin typeface="Times New Roman" panose="02020603050405020304" pitchFamily="18" charset="0"/>
+                <a:cs typeface="Times New Roman" panose="02020603050405020304" pitchFamily="18" charset="0"/>
+              </a:rPr>
               <a:t> </a:t>
             </a:r>
             <a:r>
-              <a:rPr lang="en-US" sz="1200" dirty="0" err="1"/>
+              <a:rPr lang="en-US" sz="1200" dirty="0" err="1">
+                <a:latin typeface="Times New Roman" panose="02020603050405020304" pitchFamily="18" charset="0"/>
+                <a:cs typeface="Times New Roman" panose="02020603050405020304" pitchFamily="18" charset="0"/>
+              </a:rPr>
               <a:t>untuk</a:t>
             </a:r>
             <a:r>
-              <a:rPr lang="en-US" sz="1200" dirty="0"/>
+              <a:rPr lang="en-US" sz="1200" dirty="0">
+                <a:latin typeface="Times New Roman" panose="02020603050405020304" pitchFamily="18" charset="0"/>
+                <a:cs typeface="Times New Roman" panose="02020603050405020304" pitchFamily="18" charset="0"/>
+              </a:rPr>
               <a:t> </a:t>
             </a:r>
             <a:r>
-              <a:rPr lang="en-US" sz="1200" dirty="0" err="1"/>
+              <a:rPr lang="en-US" sz="1200" dirty="0" err="1">
+                <a:latin typeface="Times New Roman" panose="02020603050405020304" pitchFamily="18" charset="0"/>
+                <a:cs typeface="Times New Roman" panose="02020603050405020304" pitchFamily="18" charset="0"/>
+              </a:rPr>
               <a:t>mengaplikasikan</a:t>
             </a:r>
             <a:r>
-              <a:rPr lang="en-US" sz="1200" dirty="0"/>
+              <a:rPr lang="en-US" sz="1200" dirty="0">
+                <a:latin typeface="Times New Roman" panose="02020603050405020304" pitchFamily="18" charset="0"/>
+                <a:cs typeface="Times New Roman" panose="02020603050405020304" pitchFamily="18" charset="0"/>
+              </a:rPr>
               <a:t> Teknik – Teknik </a:t>
             </a:r>
             <a:r>
-              <a:rPr lang="en-US" sz="1200" dirty="0" err="1"/>
+              <a:rPr lang="en-US" sz="1200" dirty="0" err="1">
+                <a:latin typeface="Times New Roman" panose="02020603050405020304" pitchFamily="18" charset="0"/>
+                <a:cs typeface="Times New Roman" panose="02020603050405020304" pitchFamily="18" charset="0"/>
+              </a:rPr>
               <a:t>mutakhir</a:t>
             </a:r>
             <a:r>
-              <a:rPr lang="en-US" sz="1200" dirty="0"/>
+              <a:rPr lang="en-US" sz="1200" dirty="0">
+                <a:latin typeface="Times New Roman" panose="02020603050405020304" pitchFamily="18" charset="0"/>
+                <a:cs typeface="Times New Roman" panose="02020603050405020304" pitchFamily="18" charset="0"/>
+              </a:rPr>
               <a:t> pada dataset </a:t>
             </a:r>
             <a:r>
-              <a:rPr lang="en-US" sz="1200" dirty="0" err="1"/>
+              <a:rPr lang="en-US" sz="1200" dirty="0" err="1">
+                <a:latin typeface="Times New Roman" panose="02020603050405020304" pitchFamily="18" charset="0"/>
+                <a:cs typeface="Times New Roman" panose="02020603050405020304" pitchFamily="18" charset="0"/>
+              </a:rPr>
               <a:t>tersebut</a:t>
             </a:r>
             <a:r>
-              <a:rPr lang="en-US" sz="1200" dirty="0"/>
+              <a:rPr lang="en-US" sz="1200" dirty="0">
+                <a:latin typeface="Times New Roman" panose="02020603050405020304" pitchFamily="18" charset="0"/>
+                <a:cs typeface="Times New Roman" panose="02020603050405020304" pitchFamily="18" charset="0"/>
+              </a:rPr>
               <a:t>.</a:t>
             </a:r>
-            <a:endParaRPr lang="en-ID" sz="1200" dirty="0"/>
+            <a:endParaRPr lang="en-ID" sz="1200" dirty="0">
+              <a:latin typeface="Times New Roman" panose="02020603050405020304" pitchFamily="18" charset="0"/>
+              <a:cs typeface="Times New Roman" panose="02020603050405020304" pitchFamily="18" charset="0"/>
+            </a:endParaRPr>
           </a:p>
         </p:txBody>
       </p:sp>
@@ -11891,7 +14011,7 @@
 </p:sld>
 </file>
 
-<file path=ppt/slides/slide8.xml><?xml version="1.0" encoding="utf-8"?>
+<file path=ppt/slides/slide6.xml><?xml version="1.0" encoding="utf-8"?>
 <p:sld xmlns:a="http://schemas.openxmlformats.org/drawingml/2006/main" xmlns:r="http://schemas.openxmlformats.org/officeDocument/2006/relationships" xmlns:p="http://schemas.openxmlformats.org/presentationml/2006/main">
   <p:cSld>
     <p:spTree>
@@ -11963,7 +14083,7 @@
         </p:spPr>
         <p:txBody>
           <a:bodyPr>
-            <a:normAutofit lnSpcReduction="10000"/>
+            <a:normAutofit/>
           </a:bodyPr>
           <a:lstStyle/>
           <a:p>
@@ -11971,314 +14091,548 @@
               <a:buNone/>
             </a:pPr>
             <a:r>
-              <a:rPr lang="en-US" dirty="0"/>
+              <a:rPr lang="en-US" sz="1200" dirty="0">
+                <a:latin typeface="Times New Roman" panose="02020603050405020304" pitchFamily="18" charset="0"/>
+                <a:cs typeface="Times New Roman" panose="02020603050405020304" pitchFamily="18" charset="0"/>
+              </a:rPr>
               <a:t>Salah  </a:t>
             </a:r>
             <a:r>
-              <a:rPr lang="en-US" dirty="0" err="1"/>
+              <a:rPr lang="en-US" sz="1200" dirty="0" err="1">
+                <a:latin typeface="Times New Roman" panose="02020603050405020304" pitchFamily="18" charset="0"/>
+                <a:cs typeface="Times New Roman" panose="02020603050405020304" pitchFamily="18" charset="0"/>
+              </a:rPr>
               <a:t>satu</a:t>
             </a:r>
             <a:r>
-              <a:rPr lang="en-US" dirty="0"/>
+              <a:rPr lang="en-US" sz="1200" dirty="0">
+                <a:latin typeface="Times New Roman" panose="02020603050405020304" pitchFamily="18" charset="0"/>
+                <a:cs typeface="Times New Roman" panose="02020603050405020304" pitchFamily="18" charset="0"/>
+              </a:rPr>
               <a:t> </a:t>
             </a:r>
             <a:r>
-              <a:rPr lang="en-US" dirty="0" err="1"/>
+              <a:rPr lang="en-US" sz="1200" dirty="0" err="1">
+                <a:latin typeface="Times New Roman" panose="02020603050405020304" pitchFamily="18" charset="0"/>
+                <a:cs typeface="Times New Roman" panose="02020603050405020304" pitchFamily="18" charset="0"/>
+              </a:rPr>
               <a:t>penerepan</a:t>
             </a:r>
             <a:r>
-              <a:rPr lang="en-US" dirty="0"/>
+              <a:rPr lang="en-US" sz="1200" dirty="0">
+                <a:latin typeface="Times New Roman" panose="02020603050405020304" pitchFamily="18" charset="0"/>
+                <a:cs typeface="Times New Roman" panose="02020603050405020304" pitchFamily="18" charset="0"/>
+              </a:rPr>
               <a:t> knowledge graph </a:t>
             </a:r>
             <a:r>
-              <a:rPr lang="en-US" dirty="0" err="1"/>
+              <a:rPr lang="en-US" sz="1200" dirty="0" err="1">
+                <a:latin typeface="Times New Roman" panose="02020603050405020304" pitchFamily="18" charset="0"/>
+                <a:cs typeface="Times New Roman" panose="02020603050405020304" pitchFamily="18" charset="0"/>
+              </a:rPr>
               <a:t>dalam</a:t>
             </a:r>
             <a:r>
-              <a:rPr lang="en-US" dirty="0"/>
+              <a:rPr lang="en-US" sz="1200" dirty="0">
+                <a:latin typeface="Times New Roman" panose="02020603050405020304" pitchFamily="18" charset="0"/>
+                <a:cs typeface="Times New Roman" panose="02020603050405020304" pitchFamily="18" charset="0"/>
+              </a:rPr>
               <a:t> </a:t>
             </a:r>
             <a:r>
-              <a:rPr lang="en-US" dirty="0" err="1"/>
+              <a:rPr lang="en-US" sz="1200" dirty="0" err="1">
+                <a:latin typeface="Times New Roman" panose="02020603050405020304" pitchFamily="18" charset="0"/>
+                <a:cs typeface="Times New Roman" panose="02020603050405020304" pitchFamily="18" charset="0"/>
+              </a:rPr>
               <a:t>bidang</a:t>
             </a:r>
             <a:r>
-              <a:rPr lang="en-US" dirty="0"/>
+              <a:rPr lang="en-US" sz="1200" dirty="0">
+                <a:latin typeface="Times New Roman" panose="02020603050405020304" pitchFamily="18" charset="0"/>
+                <a:cs typeface="Times New Roman" panose="02020603050405020304" pitchFamily="18" charset="0"/>
+              </a:rPr>
               <a:t> Sejarah </a:t>
             </a:r>
             <a:r>
-              <a:rPr lang="en-US" dirty="0" err="1"/>
+              <a:rPr lang="en-US" sz="1200" dirty="0" err="1">
+                <a:latin typeface="Times New Roman" panose="02020603050405020304" pitchFamily="18" charset="0"/>
+                <a:cs typeface="Times New Roman" panose="02020603050405020304" pitchFamily="18" charset="0"/>
+              </a:rPr>
               <a:t>dilakukan</a:t>
             </a:r>
             <a:r>
-              <a:rPr lang="en-US" dirty="0"/>
+              <a:rPr lang="en-US" sz="1200" dirty="0">
+                <a:latin typeface="Times New Roman" panose="02020603050405020304" pitchFamily="18" charset="0"/>
+                <a:cs typeface="Times New Roman" panose="02020603050405020304" pitchFamily="18" charset="0"/>
+              </a:rPr>
               <a:t> oleh </a:t>
             </a:r>
             <a:r>
-              <a:rPr lang="en-US" dirty="0" err="1"/>
+              <a:rPr lang="en-US" sz="1200" dirty="0" err="1">
+                <a:latin typeface="Times New Roman" panose="02020603050405020304" pitchFamily="18" charset="0"/>
+                <a:cs typeface="Times New Roman" panose="02020603050405020304" pitchFamily="18" charset="0"/>
+              </a:rPr>
               <a:t>kota</a:t>
             </a:r>
             <a:r>
-              <a:rPr lang="en-US" dirty="0"/>
+              <a:rPr lang="en-US" sz="1200" dirty="0">
+                <a:latin typeface="Times New Roman" panose="02020603050405020304" pitchFamily="18" charset="0"/>
+                <a:cs typeface="Times New Roman" panose="02020603050405020304" pitchFamily="18" charset="0"/>
+              </a:rPr>
               <a:t> Vienna </a:t>
             </a:r>
             <a:r>
-              <a:rPr lang="en-US" dirty="0" err="1"/>
+              <a:rPr lang="en-US" sz="1200" dirty="0" err="1">
+                <a:latin typeface="Times New Roman" panose="02020603050405020304" pitchFamily="18" charset="0"/>
+                <a:cs typeface="Times New Roman" panose="02020603050405020304" pitchFamily="18" charset="0"/>
+              </a:rPr>
               <a:t>untuk</a:t>
             </a:r>
             <a:r>
-              <a:rPr lang="en-US" dirty="0"/>
+              <a:rPr lang="en-US" sz="1200" dirty="0">
+                <a:latin typeface="Times New Roman" panose="02020603050405020304" pitchFamily="18" charset="0"/>
+                <a:cs typeface="Times New Roman" panose="02020603050405020304" pitchFamily="18" charset="0"/>
+              </a:rPr>
               <a:t> </a:t>
             </a:r>
             <a:r>
-              <a:rPr lang="en-US" dirty="0" err="1"/>
+              <a:rPr lang="en-US" sz="1200" dirty="0" err="1">
+                <a:latin typeface="Times New Roman" panose="02020603050405020304" pitchFamily="18" charset="0"/>
+                <a:cs typeface="Times New Roman" panose="02020603050405020304" pitchFamily="18" charset="0"/>
+              </a:rPr>
               <a:t>mencatat</a:t>
             </a:r>
             <a:r>
-              <a:rPr lang="en-US" dirty="0"/>
+              <a:rPr lang="en-US" sz="1200" dirty="0">
+                <a:latin typeface="Times New Roman" panose="02020603050405020304" pitchFamily="18" charset="0"/>
+                <a:cs typeface="Times New Roman" panose="02020603050405020304" pitchFamily="18" charset="0"/>
+              </a:rPr>
               <a:t> </a:t>
             </a:r>
             <a:r>
-              <a:rPr lang="en-US" dirty="0" err="1"/>
+              <a:rPr lang="en-US" sz="1200" dirty="0" err="1">
+                <a:latin typeface="Times New Roman" panose="02020603050405020304" pitchFamily="18" charset="0"/>
+                <a:cs typeface="Times New Roman" panose="02020603050405020304" pitchFamily="18" charset="0"/>
+              </a:rPr>
               <a:t>sejarah</a:t>
             </a:r>
             <a:r>
-              <a:rPr lang="en-US" dirty="0"/>
+              <a:rPr lang="en-US" sz="1200" dirty="0">
+                <a:latin typeface="Times New Roman" panose="02020603050405020304" pitchFamily="18" charset="0"/>
+                <a:cs typeface="Times New Roman" panose="02020603050405020304" pitchFamily="18" charset="0"/>
+              </a:rPr>
               <a:t> </a:t>
             </a:r>
             <a:r>
-              <a:rPr lang="en-US" dirty="0" err="1"/>
+              <a:rPr lang="en-US" sz="1200" dirty="0" err="1">
+                <a:latin typeface="Times New Roman" panose="02020603050405020304" pitchFamily="18" charset="0"/>
+                <a:cs typeface="Times New Roman" panose="02020603050405020304" pitchFamily="18" charset="0"/>
+              </a:rPr>
               <a:t>kota</a:t>
             </a:r>
             <a:r>
-              <a:rPr lang="en-US" dirty="0"/>
+              <a:rPr lang="en-US" sz="1200" dirty="0">
+                <a:latin typeface="Times New Roman" panose="02020603050405020304" pitchFamily="18" charset="0"/>
+                <a:cs typeface="Times New Roman" panose="02020603050405020304" pitchFamily="18" charset="0"/>
+              </a:rPr>
               <a:t> Vienna. The Vienna History Wiki </a:t>
             </a:r>
             <a:r>
-              <a:rPr lang="en-US" dirty="0" err="1"/>
+              <a:rPr lang="en-US" sz="1200" dirty="0" err="1">
+                <a:latin typeface="Times New Roman" panose="02020603050405020304" pitchFamily="18" charset="0"/>
+                <a:cs typeface="Times New Roman" panose="02020603050405020304" pitchFamily="18" charset="0"/>
+              </a:rPr>
               <a:t>merupakan</a:t>
             </a:r>
             <a:r>
-              <a:rPr lang="en-US" dirty="0"/>
+              <a:rPr lang="en-US" sz="1200" dirty="0">
+                <a:latin typeface="Times New Roman" panose="02020603050405020304" pitchFamily="18" charset="0"/>
+                <a:cs typeface="Times New Roman" panose="02020603050405020304" pitchFamily="18" charset="0"/>
+              </a:rPr>
               <a:t> wiki </a:t>
             </a:r>
             <a:r>
-              <a:rPr lang="en-US" dirty="0" err="1"/>
+              <a:rPr lang="en-US" sz="1200" dirty="0" err="1">
+                <a:latin typeface="Times New Roman" panose="02020603050405020304" pitchFamily="18" charset="0"/>
+                <a:cs typeface="Times New Roman" panose="02020603050405020304" pitchFamily="18" charset="0"/>
+              </a:rPr>
               <a:t>sejarah</a:t>
             </a:r>
             <a:r>
-              <a:rPr lang="en-US" dirty="0"/>
+              <a:rPr lang="en-US" sz="1200" dirty="0">
+                <a:latin typeface="Times New Roman" panose="02020603050405020304" pitchFamily="18" charset="0"/>
+                <a:cs typeface="Times New Roman" panose="02020603050405020304" pitchFamily="18" charset="0"/>
+              </a:rPr>
               <a:t> </a:t>
             </a:r>
             <a:r>
-              <a:rPr lang="en-US" dirty="0" err="1"/>
+              <a:rPr lang="en-US" sz="1200" dirty="0" err="1">
+                <a:latin typeface="Times New Roman" panose="02020603050405020304" pitchFamily="18" charset="0"/>
+                <a:cs typeface="Times New Roman" panose="02020603050405020304" pitchFamily="18" charset="0"/>
+              </a:rPr>
               <a:t>terbesar</a:t>
             </a:r>
             <a:r>
-              <a:rPr lang="en-US" dirty="0"/>
+              <a:rPr lang="en-US" sz="1200" dirty="0">
+                <a:latin typeface="Times New Roman" panose="02020603050405020304" pitchFamily="18" charset="0"/>
+                <a:cs typeface="Times New Roman" panose="02020603050405020304" pitchFamily="18" charset="0"/>
+              </a:rPr>
               <a:t> </a:t>
             </a:r>
             <a:r>
-              <a:rPr lang="en-US" dirty="0" err="1"/>
+              <a:rPr lang="en-US" sz="1200" dirty="0" err="1">
+                <a:latin typeface="Times New Roman" panose="02020603050405020304" pitchFamily="18" charset="0"/>
+                <a:cs typeface="Times New Roman" panose="02020603050405020304" pitchFamily="18" charset="0"/>
+              </a:rPr>
               <a:t>kedua</a:t>
             </a:r>
             <a:r>
-              <a:rPr lang="en-US" dirty="0"/>
+              <a:rPr lang="en-US" sz="1200" dirty="0">
+                <a:latin typeface="Times New Roman" panose="02020603050405020304" pitchFamily="18" charset="0"/>
+                <a:cs typeface="Times New Roman" panose="02020603050405020304" pitchFamily="18" charset="0"/>
+              </a:rPr>
               <a:t> di dunia. Wiki </a:t>
             </a:r>
             <a:r>
-              <a:rPr lang="en-US" dirty="0" err="1"/>
+              <a:rPr lang="en-US" sz="1200" dirty="0" err="1">
+                <a:latin typeface="Times New Roman" panose="02020603050405020304" pitchFamily="18" charset="0"/>
+                <a:cs typeface="Times New Roman" panose="02020603050405020304" pitchFamily="18" charset="0"/>
+              </a:rPr>
               <a:t>ini</a:t>
             </a:r>
             <a:r>
-              <a:rPr lang="en-US" dirty="0"/>
+              <a:rPr lang="en-US" sz="1200" dirty="0">
+                <a:latin typeface="Times New Roman" panose="02020603050405020304" pitchFamily="18" charset="0"/>
+                <a:cs typeface="Times New Roman" panose="02020603050405020304" pitchFamily="18" charset="0"/>
+              </a:rPr>
               <a:t> </a:t>
             </a:r>
             <a:r>
-              <a:rPr lang="en-US" dirty="0" err="1"/>
+              <a:rPr lang="en-US" sz="1200" dirty="0" err="1">
+                <a:latin typeface="Times New Roman" panose="02020603050405020304" pitchFamily="18" charset="0"/>
+                <a:cs typeface="Times New Roman" panose="02020603050405020304" pitchFamily="18" charset="0"/>
+              </a:rPr>
               <a:t>dibangun</a:t>
             </a:r>
             <a:r>
-              <a:rPr lang="en-US" dirty="0"/>
+              <a:rPr lang="en-US" sz="1200" dirty="0">
+                <a:latin typeface="Times New Roman" panose="02020603050405020304" pitchFamily="18" charset="0"/>
+                <a:cs typeface="Times New Roman" panose="02020603050405020304" pitchFamily="18" charset="0"/>
+              </a:rPr>
               <a:t> oleh </a:t>
             </a:r>
             <a:r>
-              <a:rPr lang="en-US" dirty="0" err="1"/>
+              <a:rPr lang="en-US" sz="1200" dirty="0" err="1">
+                <a:latin typeface="Times New Roman" panose="02020603050405020304" pitchFamily="18" charset="0"/>
+                <a:cs typeface="Times New Roman" panose="02020603050405020304" pitchFamily="18" charset="0"/>
+              </a:rPr>
               <a:t>kelompok</a:t>
             </a:r>
             <a:r>
-              <a:rPr lang="en-US" dirty="0"/>
+              <a:rPr lang="en-US" sz="1200" dirty="0">
+                <a:latin typeface="Times New Roman" panose="02020603050405020304" pitchFamily="18" charset="0"/>
+                <a:cs typeface="Times New Roman" panose="02020603050405020304" pitchFamily="18" charset="0"/>
+              </a:rPr>
               <a:t> </a:t>
             </a:r>
             <a:r>
-              <a:rPr lang="en-US" dirty="0" err="1"/>
+              <a:rPr lang="en-US" sz="1200" dirty="0" err="1">
+                <a:latin typeface="Times New Roman" panose="02020603050405020304" pitchFamily="18" charset="0"/>
+                <a:cs typeface="Times New Roman" panose="02020603050405020304" pitchFamily="18" charset="0"/>
+              </a:rPr>
               <a:t>ahli</a:t>
             </a:r>
             <a:r>
-              <a:rPr lang="en-US" dirty="0"/>
+              <a:rPr lang="en-US" sz="1200" dirty="0">
+                <a:latin typeface="Times New Roman" panose="02020603050405020304" pitchFamily="18" charset="0"/>
+                <a:cs typeface="Times New Roman" panose="02020603050405020304" pitchFamily="18" charset="0"/>
+              </a:rPr>
               <a:t> dan juga </a:t>
             </a:r>
             <a:r>
-              <a:rPr lang="en-US" dirty="0" err="1"/>
+              <a:rPr lang="en-US" sz="1200" dirty="0" err="1">
+                <a:latin typeface="Times New Roman" panose="02020603050405020304" pitchFamily="18" charset="0"/>
+                <a:cs typeface="Times New Roman" panose="02020603050405020304" pitchFamily="18" charset="0"/>
+              </a:rPr>
               <a:t>kerjasama</a:t>
             </a:r>
             <a:r>
-              <a:rPr lang="en-US" dirty="0"/>
+              <a:rPr lang="en-US" sz="1200" dirty="0">
+                <a:latin typeface="Times New Roman" panose="02020603050405020304" pitchFamily="18" charset="0"/>
+                <a:cs typeface="Times New Roman" panose="02020603050405020304" pitchFamily="18" charset="0"/>
+              </a:rPr>
               <a:t> </a:t>
             </a:r>
             <a:r>
-              <a:rPr lang="en-US" dirty="0" err="1"/>
+              <a:rPr lang="en-US" sz="1200" dirty="0" err="1">
+                <a:latin typeface="Times New Roman" panose="02020603050405020304" pitchFamily="18" charset="0"/>
+                <a:cs typeface="Times New Roman" panose="02020603050405020304" pitchFamily="18" charset="0"/>
+              </a:rPr>
               <a:t>dengan</a:t>
             </a:r>
             <a:r>
-              <a:rPr lang="en-US" dirty="0"/>
+              <a:rPr lang="en-US" sz="1200" dirty="0">
+                <a:latin typeface="Times New Roman" panose="02020603050405020304" pitchFamily="18" charset="0"/>
+                <a:cs typeface="Times New Roman" panose="02020603050405020304" pitchFamily="18" charset="0"/>
+              </a:rPr>
               <a:t> </a:t>
             </a:r>
             <a:r>
-              <a:rPr lang="en-US" dirty="0" err="1"/>
+              <a:rPr lang="en-US" sz="1200" dirty="0" err="1">
+                <a:latin typeface="Times New Roman" panose="02020603050405020304" pitchFamily="18" charset="0"/>
+                <a:cs typeface="Times New Roman" panose="02020603050405020304" pitchFamily="18" charset="0"/>
+              </a:rPr>
               <a:t>publik</a:t>
             </a:r>
             <a:r>
-              <a:rPr lang="en-US" dirty="0"/>
+              <a:rPr lang="en-US" sz="1200" dirty="0">
+                <a:latin typeface="Times New Roman" panose="02020603050405020304" pitchFamily="18" charset="0"/>
+                <a:cs typeface="Times New Roman" panose="02020603050405020304" pitchFamily="18" charset="0"/>
+              </a:rPr>
               <a:t> </a:t>
             </a:r>
             <a:r>
-              <a:rPr lang="en-US" dirty="0" err="1"/>
+              <a:rPr lang="en-US" sz="1200" dirty="0" err="1">
+                <a:latin typeface="Times New Roman" panose="02020603050405020304" pitchFamily="18" charset="0"/>
+                <a:cs typeface="Times New Roman" panose="02020603050405020304" pitchFamily="18" charset="0"/>
+              </a:rPr>
               <a:t>umum</a:t>
             </a:r>
             <a:r>
-              <a:rPr lang="en-US" dirty="0"/>
+              <a:rPr lang="en-US" sz="1200" dirty="0">
+                <a:latin typeface="Times New Roman" panose="02020603050405020304" pitchFamily="18" charset="0"/>
+                <a:cs typeface="Times New Roman" panose="02020603050405020304" pitchFamily="18" charset="0"/>
+              </a:rPr>
               <a:t>. </a:t>
             </a:r>
             <a:r>
-              <a:rPr lang="en-US" dirty="0" err="1"/>
+              <a:rPr lang="en-US" sz="1200" dirty="0" err="1">
+                <a:latin typeface="Times New Roman" panose="02020603050405020304" pitchFamily="18" charset="0"/>
+                <a:cs typeface="Times New Roman" panose="02020603050405020304" pitchFamily="18" charset="0"/>
+              </a:rPr>
               <a:t>Survei</a:t>
             </a:r>
             <a:r>
-              <a:rPr lang="en-US" dirty="0"/>
+              <a:rPr lang="en-US" sz="1200" dirty="0">
+                <a:latin typeface="Times New Roman" panose="02020603050405020304" pitchFamily="18" charset="0"/>
+                <a:cs typeface="Times New Roman" panose="02020603050405020304" pitchFamily="18" charset="0"/>
+              </a:rPr>
               <a:t> yang </a:t>
             </a:r>
             <a:r>
-              <a:rPr lang="en-US" dirty="0" err="1"/>
+              <a:rPr lang="en-US" sz="1200" dirty="0" err="1">
+                <a:latin typeface="Times New Roman" panose="02020603050405020304" pitchFamily="18" charset="0"/>
+                <a:cs typeface="Times New Roman" panose="02020603050405020304" pitchFamily="18" charset="0"/>
+              </a:rPr>
               <a:t>dilakukan</a:t>
             </a:r>
             <a:r>
-              <a:rPr lang="en-US" dirty="0"/>
+              <a:rPr lang="en-US" sz="1200" dirty="0">
+                <a:latin typeface="Times New Roman" panose="02020603050405020304" pitchFamily="18" charset="0"/>
+                <a:cs typeface="Times New Roman" panose="02020603050405020304" pitchFamily="18" charset="0"/>
+              </a:rPr>
               <a:t> oleh Bernhard </a:t>
             </a:r>
             <a:r>
-              <a:rPr lang="en-US" dirty="0" err="1"/>
+              <a:rPr lang="en-US" sz="1200" dirty="0" err="1">
+                <a:latin typeface="Times New Roman" panose="02020603050405020304" pitchFamily="18" charset="0"/>
+                <a:cs typeface="Times New Roman" panose="02020603050405020304" pitchFamily="18" charset="0"/>
+              </a:rPr>
               <a:t>Krabina</a:t>
             </a:r>
             <a:r>
-              <a:rPr lang="en-US" dirty="0"/>
+              <a:rPr lang="en-US" sz="1200" dirty="0">
+                <a:latin typeface="Times New Roman" panose="02020603050405020304" pitchFamily="18" charset="0"/>
+                <a:cs typeface="Times New Roman" panose="02020603050405020304" pitchFamily="18" charset="0"/>
+              </a:rPr>
               <a:t> </a:t>
             </a:r>
             <a:r>
-              <a:rPr lang="en-US" dirty="0" err="1"/>
+              <a:rPr lang="en-US" sz="1200" dirty="0" err="1">
+                <a:latin typeface="Times New Roman" panose="02020603050405020304" pitchFamily="18" charset="0"/>
+                <a:cs typeface="Times New Roman" panose="02020603050405020304" pitchFamily="18" charset="0"/>
+              </a:rPr>
               <a:t>menunjukan</a:t>
             </a:r>
             <a:r>
-              <a:rPr lang="en-US" dirty="0"/>
+              <a:rPr lang="en-US" sz="1200" dirty="0">
+                <a:latin typeface="Times New Roman" panose="02020603050405020304" pitchFamily="18" charset="0"/>
+                <a:cs typeface="Times New Roman" panose="02020603050405020304" pitchFamily="18" charset="0"/>
+              </a:rPr>
               <a:t> </a:t>
             </a:r>
             <a:r>
-              <a:rPr lang="en-US" dirty="0" err="1"/>
+              <a:rPr lang="en-US" sz="1200" dirty="0" err="1">
+                <a:latin typeface="Times New Roman" panose="02020603050405020304" pitchFamily="18" charset="0"/>
+                <a:cs typeface="Times New Roman" panose="02020603050405020304" pitchFamily="18" charset="0"/>
+              </a:rPr>
               <a:t>bahwa</a:t>
             </a:r>
             <a:r>
-              <a:rPr lang="en-US" dirty="0"/>
+              <a:rPr lang="en-US" sz="1200" dirty="0">
+                <a:latin typeface="Times New Roman" panose="02020603050405020304" pitchFamily="18" charset="0"/>
+                <a:cs typeface="Times New Roman" panose="02020603050405020304" pitchFamily="18" charset="0"/>
+              </a:rPr>
               <a:t> 40 % </a:t>
             </a:r>
             <a:r>
-              <a:rPr lang="en-US" dirty="0" err="1"/>
+              <a:rPr lang="en-US" sz="1200" dirty="0" err="1">
+                <a:latin typeface="Times New Roman" panose="02020603050405020304" pitchFamily="18" charset="0"/>
+                <a:cs typeface="Times New Roman" panose="02020603050405020304" pitchFamily="18" charset="0"/>
+              </a:rPr>
               <a:t>responden</a:t>
             </a:r>
             <a:r>
-              <a:rPr lang="en-US" dirty="0"/>
+              <a:rPr lang="en-US" sz="1200" dirty="0">
+                <a:latin typeface="Times New Roman" panose="02020603050405020304" pitchFamily="18" charset="0"/>
+                <a:cs typeface="Times New Roman" panose="02020603050405020304" pitchFamily="18" charset="0"/>
+              </a:rPr>
               <a:t> </a:t>
             </a:r>
             <a:r>
-              <a:rPr lang="en-US" dirty="0" err="1"/>
+              <a:rPr lang="en-US" sz="1200" dirty="0" err="1">
+                <a:latin typeface="Times New Roman" panose="02020603050405020304" pitchFamily="18" charset="0"/>
+                <a:cs typeface="Times New Roman" panose="02020603050405020304" pitchFamily="18" charset="0"/>
+              </a:rPr>
               <a:t>setuju</a:t>
             </a:r>
             <a:r>
-              <a:rPr lang="en-US" dirty="0"/>
+              <a:rPr lang="en-US" sz="1200" dirty="0">
+                <a:latin typeface="Times New Roman" panose="02020603050405020304" pitchFamily="18" charset="0"/>
+                <a:cs typeface="Times New Roman" panose="02020603050405020304" pitchFamily="18" charset="0"/>
+              </a:rPr>
               <a:t> dan </a:t>
             </a:r>
             <a:r>
-              <a:rPr lang="en-US" dirty="0" err="1"/>
+              <a:rPr lang="en-US" sz="1200" dirty="0" err="1">
+                <a:latin typeface="Times New Roman" panose="02020603050405020304" pitchFamily="18" charset="0"/>
+                <a:cs typeface="Times New Roman" panose="02020603050405020304" pitchFamily="18" charset="0"/>
+              </a:rPr>
               <a:t>sekitar</a:t>
             </a:r>
             <a:r>
-              <a:rPr lang="en-US" dirty="0"/>
+              <a:rPr lang="en-US" sz="1200" dirty="0">
+                <a:latin typeface="Times New Roman" panose="02020603050405020304" pitchFamily="18" charset="0"/>
+                <a:cs typeface="Times New Roman" panose="02020603050405020304" pitchFamily="18" charset="0"/>
+              </a:rPr>
               <a:t> 45 % </a:t>
             </a:r>
             <a:r>
-              <a:rPr lang="en-US" dirty="0" err="1"/>
+              <a:rPr lang="en-US" sz="1200" dirty="0" err="1">
+                <a:latin typeface="Times New Roman" panose="02020603050405020304" pitchFamily="18" charset="0"/>
+                <a:cs typeface="Times New Roman" panose="02020603050405020304" pitchFamily="18" charset="0"/>
+              </a:rPr>
               <a:t>responden</a:t>
             </a:r>
             <a:r>
-              <a:rPr lang="en-US" dirty="0"/>
+              <a:rPr lang="en-US" sz="1200" dirty="0">
+                <a:latin typeface="Times New Roman" panose="02020603050405020304" pitchFamily="18" charset="0"/>
+                <a:cs typeface="Times New Roman" panose="02020603050405020304" pitchFamily="18" charset="0"/>
+              </a:rPr>
               <a:t> </a:t>
             </a:r>
             <a:r>
-              <a:rPr lang="en-US" dirty="0" err="1"/>
+              <a:rPr lang="en-US" sz="1200" dirty="0" err="1">
+                <a:latin typeface="Times New Roman" panose="02020603050405020304" pitchFamily="18" charset="0"/>
+                <a:cs typeface="Times New Roman" panose="02020603050405020304" pitchFamily="18" charset="0"/>
+              </a:rPr>
               <a:t>cukup</a:t>
             </a:r>
             <a:r>
-              <a:rPr lang="en-US" dirty="0"/>
+              <a:rPr lang="en-US" sz="1200" dirty="0">
+                <a:latin typeface="Times New Roman" panose="02020603050405020304" pitchFamily="18" charset="0"/>
+                <a:cs typeface="Times New Roman" panose="02020603050405020304" pitchFamily="18" charset="0"/>
+              </a:rPr>
               <a:t> </a:t>
             </a:r>
             <a:r>
-              <a:rPr lang="en-US" dirty="0" err="1"/>
+              <a:rPr lang="en-US" sz="1200" dirty="0" err="1">
+                <a:latin typeface="Times New Roman" panose="02020603050405020304" pitchFamily="18" charset="0"/>
+                <a:cs typeface="Times New Roman" panose="02020603050405020304" pitchFamily="18" charset="0"/>
+              </a:rPr>
               <a:t>setuju</a:t>
             </a:r>
             <a:r>
-              <a:rPr lang="en-US" dirty="0"/>
+              <a:rPr lang="en-US" sz="1200" dirty="0">
+                <a:latin typeface="Times New Roman" panose="02020603050405020304" pitchFamily="18" charset="0"/>
+                <a:cs typeface="Times New Roman" panose="02020603050405020304" pitchFamily="18" charset="0"/>
+              </a:rPr>
               <a:t> </a:t>
             </a:r>
             <a:r>
-              <a:rPr lang="en-US" dirty="0" err="1"/>
+              <a:rPr lang="en-US" sz="1200" dirty="0" err="1">
+                <a:latin typeface="Times New Roman" panose="02020603050405020304" pitchFamily="18" charset="0"/>
+                <a:cs typeface="Times New Roman" panose="02020603050405020304" pitchFamily="18" charset="0"/>
+              </a:rPr>
               <a:t>bahwa</a:t>
             </a:r>
             <a:r>
-              <a:rPr lang="en-US" dirty="0"/>
+              <a:rPr lang="en-US" sz="1200" dirty="0">
+                <a:latin typeface="Times New Roman" panose="02020603050405020304" pitchFamily="18" charset="0"/>
+                <a:cs typeface="Times New Roman" panose="02020603050405020304" pitchFamily="18" charset="0"/>
+              </a:rPr>
               <a:t> </a:t>
             </a:r>
             <a:r>
-              <a:rPr lang="en-US" dirty="0" err="1"/>
+              <a:rPr lang="en-US" sz="1200" dirty="0" err="1">
+                <a:latin typeface="Times New Roman" panose="02020603050405020304" pitchFamily="18" charset="0"/>
+                <a:cs typeface="Times New Roman" panose="02020603050405020304" pitchFamily="18" charset="0"/>
+              </a:rPr>
               <a:t>kualitas</a:t>
             </a:r>
             <a:r>
-              <a:rPr lang="en-US" dirty="0"/>
+              <a:rPr lang="en-US" sz="1200" dirty="0">
+                <a:latin typeface="Times New Roman" panose="02020603050405020304" pitchFamily="18" charset="0"/>
+                <a:cs typeface="Times New Roman" panose="02020603050405020304" pitchFamily="18" charset="0"/>
+              </a:rPr>
               <a:t> </a:t>
             </a:r>
             <a:r>
-              <a:rPr lang="en-US" dirty="0" err="1"/>
+              <a:rPr lang="en-US" sz="1200" dirty="0" err="1">
+                <a:latin typeface="Times New Roman" panose="02020603050405020304" pitchFamily="18" charset="0"/>
+                <a:cs typeface="Times New Roman" panose="02020603050405020304" pitchFamily="18" charset="0"/>
+              </a:rPr>
               <a:t>artikel</a:t>
             </a:r>
             <a:r>
-              <a:rPr lang="en-US" dirty="0"/>
+              <a:rPr lang="en-US" sz="1200" dirty="0">
+                <a:latin typeface="Times New Roman" panose="02020603050405020304" pitchFamily="18" charset="0"/>
+                <a:cs typeface="Times New Roman" panose="02020603050405020304" pitchFamily="18" charset="0"/>
+              </a:rPr>
               <a:t> yang </a:t>
             </a:r>
             <a:r>
-              <a:rPr lang="en-US" dirty="0" err="1"/>
+              <a:rPr lang="en-US" sz="1200" dirty="0" err="1">
+                <a:latin typeface="Times New Roman" panose="02020603050405020304" pitchFamily="18" charset="0"/>
+                <a:cs typeface="Times New Roman" panose="02020603050405020304" pitchFamily="18" charset="0"/>
+              </a:rPr>
               <a:t>disajikan</a:t>
             </a:r>
             <a:r>
-              <a:rPr lang="en-US" dirty="0"/>
+              <a:rPr lang="en-US" sz="1200" dirty="0">
+                <a:latin typeface="Times New Roman" panose="02020603050405020304" pitchFamily="18" charset="0"/>
+                <a:cs typeface="Times New Roman" panose="02020603050405020304" pitchFamily="18" charset="0"/>
+              </a:rPr>
               <a:t> pada wiki sangat </a:t>
             </a:r>
             <a:r>
-              <a:rPr lang="en-US" dirty="0" err="1"/>
+              <a:rPr lang="en-US" sz="1200" dirty="0" err="1">
+                <a:latin typeface="Times New Roman" panose="02020603050405020304" pitchFamily="18" charset="0"/>
+                <a:cs typeface="Times New Roman" panose="02020603050405020304" pitchFamily="18" charset="0"/>
+              </a:rPr>
               <a:t>baik</a:t>
             </a:r>
             <a:r>
-              <a:rPr lang="en-US" dirty="0"/>
+              <a:rPr lang="en-US" sz="1200" dirty="0">
+                <a:latin typeface="Times New Roman" panose="02020603050405020304" pitchFamily="18" charset="0"/>
+                <a:cs typeface="Times New Roman" panose="02020603050405020304" pitchFamily="18" charset="0"/>
+              </a:rPr>
               <a:t> </a:t>
             </a:r>
-            <a:endParaRPr lang="en-ID" dirty="0"/>
+            <a:endParaRPr lang="en-ID" sz="1200" dirty="0">
+              <a:latin typeface="Times New Roman" panose="02020603050405020304" pitchFamily="18" charset="0"/>
+              <a:cs typeface="Times New Roman" panose="02020603050405020304" pitchFamily="18" charset="0"/>
+            </a:endParaRPr>
           </a:p>
         </p:txBody>
       </p:sp>
@@ -12325,7 +14679,7 @@
 </p:sld>
 </file>
 
-<file path=ppt/slides/slide9.xml><?xml version="1.0" encoding="utf-8"?>
+<file path=ppt/slides/slide7.xml><?xml version="1.0" encoding="utf-8"?>
 <p:sld xmlns:a="http://schemas.openxmlformats.org/drawingml/2006/main" xmlns:r="http://schemas.openxmlformats.org/officeDocument/2006/relationships" xmlns:p="http://schemas.openxmlformats.org/presentationml/2006/main">
   <p:cSld>
     <p:spTree>
@@ -12471,83 +14825,49 @@
               <a:buNone/>
             </a:pPr>
             <a:r>
-              <a:rPr lang="en-US" dirty="0">
+              <a:rPr lang="en-US" sz="1200" dirty="0" err="1">
                 <a:solidFill>
                   <a:schemeClr val="dk1"/>
                 </a:solidFill>
-                <a:latin typeface="Times New Roman"/>
-                <a:cs typeface="Times New Roman"/>
+                <a:latin typeface="Times New Roman" panose="02020603050405020304" pitchFamily="18" charset="0"/>
+                <a:cs typeface="Times New Roman" panose="02020603050405020304" pitchFamily="18" charset="0"/>
                 <a:sym typeface="Times New Roman"/>
               </a:rPr>
-              <a:t>- </a:t>
-            </a:r>
-            <a:r>
-              <a:rPr lang="en-US" dirty="0" err="1">
+              <a:t>Rumusan</a:t>
+            </a:r>
+            <a:r>
+              <a:rPr lang="en-US" sz="1200" dirty="0">
                 <a:solidFill>
                   <a:schemeClr val="dk1"/>
                 </a:solidFill>
-                <a:latin typeface="Times New Roman"/>
-                <a:cs typeface="Times New Roman"/>
+                <a:latin typeface="Times New Roman" panose="02020603050405020304" pitchFamily="18" charset="0"/>
+                <a:cs typeface="Times New Roman" panose="02020603050405020304" pitchFamily="18" charset="0"/>
                 <a:sym typeface="Times New Roman"/>
               </a:rPr>
-              <a:t>Mendefinisikan</a:t>
-            </a:r>
-            <a:r>
-              <a:rPr lang="en-US" dirty="0">
+              <a:t> </a:t>
+            </a:r>
+            <a:r>
+              <a:rPr lang="en-US" sz="1200" dirty="0" err="1">
                 <a:solidFill>
                   <a:schemeClr val="dk1"/>
                 </a:solidFill>
-                <a:latin typeface="Times New Roman"/>
-                <a:cs typeface="Times New Roman"/>
+                <a:latin typeface="Times New Roman" panose="02020603050405020304" pitchFamily="18" charset="0"/>
+                <a:cs typeface="Times New Roman" panose="02020603050405020304" pitchFamily="18" charset="0"/>
                 <a:sym typeface="Times New Roman"/>
               </a:rPr>
-              <a:t> </a:t>
-            </a:r>
-            <a:r>
-              <a:rPr lang="en-US" dirty="0" err="1">
+              <a:t>Masalah</a:t>
+            </a:r>
+            <a:r>
+              <a:rPr lang="en-US" sz="1200" dirty="0">
                 <a:solidFill>
                   <a:schemeClr val="dk1"/>
                 </a:solidFill>
-                <a:latin typeface="Times New Roman"/>
-                <a:cs typeface="Times New Roman"/>
+                <a:latin typeface="Times New Roman" panose="02020603050405020304" pitchFamily="18" charset="0"/>
+                <a:cs typeface="Times New Roman" panose="02020603050405020304" pitchFamily="18" charset="0"/>
                 <a:sym typeface="Times New Roman"/>
               </a:rPr>
-              <a:t>ontologi</a:t>
-            </a:r>
-            <a:r>
-              <a:rPr lang="en-US" dirty="0">
-                <a:solidFill>
-                  <a:schemeClr val="dk1"/>
-                </a:solidFill>
-                <a:latin typeface="Times New Roman"/>
-                <a:cs typeface="Times New Roman"/>
-                <a:sym typeface="Times New Roman"/>
-              </a:rPr>
-              <a:t> Sejarah masa </a:t>
-            </a:r>
-            <a:r>
-              <a:rPr lang="en-US" dirty="0" err="1">
-                <a:solidFill>
-                  <a:schemeClr val="dk1"/>
-                </a:solidFill>
-                <a:latin typeface="Times New Roman"/>
-                <a:cs typeface="Times New Roman"/>
-                <a:sym typeface="Times New Roman"/>
-              </a:rPr>
-              <a:t>kolonialisme</a:t>
-            </a:r>
-            <a:r>
-              <a:rPr lang="en-US" dirty="0">
-                <a:solidFill>
-                  <a:schemeClr val="dk1"/>
-                </a:solidFill>
-                <a:latin typeface="Times New Roman"/>
-                <a:cs typeface="Times New Roman"/>
-                <a:sym typeface="Times New Roman"/>
-              </a:rPr>
-              <a:t> di Indonesia</a:t>
-            </a:r>
-            <a:endParaRPr sz="2800" dirty="0"/>
+              <a:t> : </a:t>
+            </a:r>
           </a:p>
           <a:p>
             <a:pPr marL="0" lvl="0" indent="0" algn="l" rtl="0">
@@ -12555,6 +14875,212 @@
                 <a:spcPct val="115000"/>
               </a:lnSpc>
               <a:spcBef>
+                <a:spcPts val="0"/>
+              </a:spcBef>
+              <a:spcAft>
+                <a:spcPts val="0"/>
+              </a:spcAft>
+              <a:buSzPts val="1800"/>
+              <a:buNone/>
+            </a:pPr>
+            <a:r>
+              <a:rPr lang="en-US" sz="1200" dirty="0">
+                <a:solidFill>
+                  <a:schemeClr val="dk1"/>
+                </a:solidFill>
+                <a:latin typeface="Times New Roman" panose="02020603050405020304" pitchFamily="18" charset="0"/>
+                <a:cs typeface="Times New Roman" panose="02020603050405020304" pitchFamily="18" charset="0"/>
+                <a:sym typeface="Times New Roman"/>
+              </a:rPr>
+              <a:t>1. </a:t>
+            </a:r>
+            <a:r>
+              <a:rPr lang="en-US" sz="1200" dirty="0" err="1">
+                <a:solidFill>
+                  <a:schemeClr val="dk1"/>
+                </a:solidFill>
+                <a:latin typeface="Times New Roman" panose="02020603050405020304" pitchFamily="18" charset="0"/>
+                <a:cs typeface="Times New Roman" panose="02020603050405020304" pitchFamily="18" charset="0"/>
+                <a:sym typeface="Times New Roman"/>
+              </a:rPr>
+              <a:t>Bagaimana</a:t>
+            </a:r>
+            <a:r>
+              <a:rPr lang="en-US" sz="1200" dirty="0">
+                <a:solidFill>
+                  <a:schemeClr val="dk1"/>
+                </a:solidFill>
+                <a:latin typeface="Times New Roman" panose="02020603050405020304" pitchFamily="18" charset="0"/>
+                <a:cs typeface="Times New Roman" panose="02020603050405020304" pitchFamily="18" charset="0"/>
+                <a:sym typeface="Times New Roman"/>
+              </a:rPr>
+              <a:t> </a:t>
+            </a:r>
+            <a:r>
+              <a:rPr lang="en-US" sz="1200" dirty="0" err="1">
+                <a:solidFill>
+                  <a:schemeClr val="dk1"/>
+                </a:solidFill>
+                <a:latin typeface="Times New Roman" panose="02020603050405020304" pitchFamily="18" charset="0"/>
+                <a:cs typeface="Times New Roman" panose="02020603050405020304" pitchFamily="18" charset="0"/>
+                <a:sym typeface="Times New Roman"/>
+              </a:rPr>
+              <a:t>rancangan</a:t>
+            </a:r>
+            <a:r>
+              <a:rPr lang="en-US" sz="1200" dirty="0">
+                <a:solidFill>
+                  <a:schemeClr val="dk1"/>
+                </a:solidFill>
+                <a:latin typeface="Times New Roman" panose="02020603050405020304" pitchFamily="18" charset="0"/>
+                <a:cs typeface="Times New Roman" panose="02020603050405020304" pitchFamily="18" charset="0"/>
+                <a:sym typeface="Times New Roman"/>
+              </a:rPr>
+              <a:t> </a:t>
+            </a:r>
+            <a:r>
+              <a:rPr lang="en-US" sz="1200" dirty="0" err="1">
+                <a:solidFill>
+                  <a:schemeClr val="dk1"/>
+                </a:solidFill>
+                <a:latin typeface="Times New Roman" panose="02020603050405020304" pitchFamily="18" charset="0"/>
+                <a:cs typeface="Times New Roman" panose="02020603050405020304" pitchFamily="18" charset="0"/>
+                <a:sym typeface="Times New Roman"/>
+              </a:rPr>
+              <a:t>ontologi</a:t>
+            </a:r>
+            <a:r>
+              <a:rPr lang="en-US" sz="1200" dirty="0">
+                <a:solidFill>
+                  <a:schemeClr val="dk1"/>
+                </a:solidFill>
+                <a:latin typeface="Times New Roman" panose="02020603050405020304" pitchFamily="18" charset="0"/>
+                <a:cs typeface="Times New Roman" panose="02020603050405020304" pitchFamily="18" charset="0"/>
+                <a:sym typeface="Times New Roman"/>
+              </a:rPr>
+              <a:t> yang </a:t>
+            </a:r>
+            <a:r>
+              <a:rPr lang="en-US" sz="1200" dirty="0" err="1">
+                <a:solidFill>
+                  <a:schemeClr val="dk1"/>
+                </a:solidFill>
+                <a:latin typeface="Times New Roman" panose="02020603050405020304" pitchFamily="18" charset="0"/>
+                <a:cs typeface="Times New Roman" panose="02020603050405020304" pitchFamily="18" charset="0"/>
+                <a:sym typeface="Times New Roman"/>
+              </a:rPr>
+              <a:t>sesuai</a:t>
+            </a:r>
+            <a:r>
+              <a:rPr lang="en-US" sz="1200" dirty="0">
+                <a:solidFill>
+                  <a:schemeClr val="dk1"/>
+                </a:solidFill>
+                <a:latin typeface="Times New Roman" panose="02020603050405020304" pitchFamily="18" charset="0"/>
+                <a:cs typeface="Times New Roman" panose="02020603050405020304" pitchFamily="18" charset="0"/>
+                <a:sym typeface="Times New Roman"/>
+              </a:rPr>
+              <a:t> </a:t>
+            </a:r>
+            <a:r>
+              <a:rPr lang="en-US" sz="1200" dirty="0" err="1">
+                <a:solidFill>
+                  <a:schemeClr val="dk1"/>
+                </a:solidFill>
+                <a:latin typeface="Times New Roman" panose="02020603050405020304" pitchFamily="18" charset="0"/>
+                <a:cs typeface="Times New Roman" panose="02020603050405020304" pitchFamily="18" charset="0"/>
+                <a:sym typeface="Times New Roman"/>
+              </a:rPr>
+              <a:t>untuk</a:t>
+            </a:r>
+            <a:r>
+              <a:rPr lang="en-US" sz="1200" dirty="0">
+                <a:solidFill>
+                  <a:schemeClr val="dk1"/>
+                </a:solidFill>
+                <a:latin typeface="Times New Roman" panose="02020603050405020304" pitchFamily="18" charset="0"/>
+                <a:cs typeface="Times New Roman" panose="02020603050405020304" pitchFamily="18" charset="0"/>
+                <a:sym typeface="Times New Roman"/>
+              </a:rPr>
+              <a:t> </a:t>
+            </a:r>
+            <a:r>
+              <a:rPr lang="en-US" sz="1200" dirty="0" err="1">
+                <a:solidFill>
+                  <a:schemeClr val="dk1"/>
+                </a:solidFill>
+                <a:latin typeface="Times New Roman" panose="02020603050405020304" pitchFamily="18" charset="0"/>
+                <a:cs typeface="Times New Roman" panose="02020603050405020304" pitchFamily="18" charset="0"/>
+                <a:sym typeface="Times New Roman"/>
+              </a:rPr>
+              <a:t>merepresentasikan</a:t>
+            </a:r>
+            <a:r>
+              <a:rPr lang="en-US" sz="1200" dirty="0">
+                <a:solidFill>
+                  <a:schemeClr val="dk1"/>
+                </a:solidFill>
+                <a:latin typeface="Times New Roman" panose="02020603050405020304" pitchFamily="18" charset="0"/>
+                <a:cs typeface="Times New Roman" panose="02020603050405020304" pitchFamily="18" charset="0"/>
+                <a:sym typeface="Times New Roman"/>
+              </a:rPr>
+              <a:t> </a:t>
+            </a:r>
+            <a:r>
+              <a:rPr lang="en-US" sz="1200" dirty="0" err="1">
+                <a:solidFill>
+                  <a:schemeClr val="dk1"/>
+                </a:solidFill>
+                <a:latin typeface="Times New Roman" panose="02020603050405020304" pitchFamily="18" charset="0"/>
+                <a:cs typeface="Times New Roman" panose="02020603050405020304" pitchFamily="18" charset="0"/>
+                <a:sym typeface="Times New Roman"/>
+              </a:rPr>
+              <a:t>sejarah</a:t>
+            </a:r>
+            <a:r>
+              <a:rPr lang="en-US" sz="1200" dirty="0">
+                <a:solidFill>
+                  <a:schemeClr val="dk1"/>
+                </a:solidFill>
+                <a:latin typeface="Times New Roman" panose="02020603050405020304" pitchFamily="18" charset="0"/>
+                <a:cs typeface="Times New Roman" panose="02020603050405020304" pitchFamily="18" charset="0"/>
+                <a:sym typeface="Times New Roman"/>
+              </a:rPr>
+              <a:t> </a:t>
+            </a:r>
+            <a:r>
+              <a:rPr lang="en-US" sz="1200" dirty="0" err="1">
+                <a:solidFill>
+                  <a:schemeClr val="dk1"/>
+                </a:solidFill>
+                <a:latin typeface="Times New Roman" panose="02020603050405020304" pitchFamily="18" charset="0"/>
+                <a:cs typeface="Times New Roman" panose="02020603050405020304" pitchFamily="18" charset="0"/>
+                <a:sym typeface="Times New Roman"/>
+              </a:rPr>
+              <a:t>kolonialisme</a:t>
+            </a:r>
+            <a:r>
+              <a:rPr lang="en-US" sz="1200" dirty="0">
+                <a:solidFill>
+                  <a:schemeClr val="dk1"/>
+                </a:solidFill>
+                <a:latin typeface="Times New Roman" panose="02020603050405020304" pitchFamily="18" charset="0"/>
+                <a:cs typeface="Times New Roman" panose="02020603050405020304" pitchFamily="18" charset="0"/>
+                <a:sym typeface="Times New Roman"/>
+              </a:rPr>
+              <a:t> Indonesia</a:t>
+            </a:r>
+            <a:endParaRPr sz="1200" dirty="0">
+              <a:latin typeface="Times New Roman" panose="02020603050405020304" pitchFamily="18" charset="0"/>
+              <a:cs typeface="Times New Roman" panose="02020603050405020304" pitchFamily="18" charset="0"/>
+            </a:endParaRPr>
+          </a:p>
+          <a:p>
+            <a:pPr marL="0" lvl="0" indent="0" algn="l" rtl="0">
+              <a:lnSpc>
+                <a:spcPct val="115000"/>
+              </a:lnSpc>
+              <a:spcBef>
                 <a:spcPts val="1200"/>
               </a:spcBef>
               <a:spcAft>
@@ -12564,41 +15090,624 @@
               <a:buNone/>
             </a:pPr>
             <a:r>
-              <a:rPr lang="en-US" dirty="0">
+              <a:rPr lang="en-US" sz="1200" dirty="0">
+                <a:latin typeface="Times New Roman" panose="02020603050405020304" pitchFamily="18" charset="0"/>
+                <a:cs typeface="Times New Roman" panose="02020603050405020304" pitchFamily="18" charset="0"/>
+              </a:rPr>
+              <a:t>2. </a:t>
+            </a:r>
+            <a:r>
+              <a:rPr lang="en-US" sz="1200" dirty="0" err="1">
+                <a:latin typeface="Times New Roman" panose="02020603050405020304" pitchFamily="18" charset="0"/>
+                <a:cs typeface="Times New Roman" panose="02020603050405020304" pitchFamily="18" charset="0"/>
+              </a:rPr>
+              <a:t>Bagaimana</a:t>
+            </a:r>
+            <a:r>
+              <a:rPr lang="en-US" sz="1200" dirty="0">
+                <a:latin typeface="Times New Roman" panose="02020603050405020304" pitchFamily="18" charset="0"/>
+                <a:cs typeface="Times New Roman" panose="02020603050405020304" pitchFamily="18" charset="0"/>
+              </a:rPr>
+              <a:t> </a:t>
+            </a:r>
+            <a:r>
+              <a:rPr lang="en-US" sz="1200" dirty="0" err="1">
+                <a:latin typeface="Times New Roman" panose="02020603050405020304" pitchFamily="18" charset="0"/>
+                <a:cs typeface="Times New Roman" panose="02020603050405020304" pitchFamily="18" charset="0"/>
+              </a:rPr>
+              <a:t>cara</a:t>
+            </a:r>
+            <a:r>
+              <a:rPr lang="en-US" sz="1200" dirty="0">
+                <a:latin typeface="Times New Roman" panose="02020603050405020304" pitchFamily="18" charset="0"/>
+                <a:cs typeface="Times New Roman" panose="02020603050405020304" pitchFamily="18" charset="0"/>
+              </a:rPr>
+              <a:t> </a:t>
+            </a:r>
+            <a:r>
+              <a:rPr lang="en-US" sz="1200" dirty="0" err="1">
+                <a:latin typeface="Times New Roman" panose="02020603050405020304" pitchFamily="18" charset="0"/>
+                <a:cs typeface="Times New Roman" panose="02020603050405020304" pitchFamily="18" charset="0"/>
+              </a:rPr>
+              <a:t>menyajikan</a:t>
+            </a:r>
+            <a:r>
+              <a:rPr lang="en-US" sz="1200" dirty="0">
+                <a:latin typeface="Times New Roman" panose="02020603050405020304" pitchFamily="18" charset="0"/>
+                <a:cs typeface="Times New Roman" panose="02020603050405020304" pitchFamily="18" charset="0"/>
+              </a:rPr>
+              <a:t> knowledge graph </a:t>
+            </a:r>
+            <a:r>
+              <a:rPr lang="en-US" sz="1200" dirty="0" err="1">
+                <a:latin typeface="Times New Roman" panose="02020603050405020304" pitchFamily="18" charset="0"/>
+                <a:cs typeface="Times New Roman" panose="02020603050405020304" pitchFamily="18" charset="0"/>
+              </a:rPr>
+              <a:t>sejarah</a:t>
+            </a:r>
+            <a:r>
+              <a:rPr lang="en-US" sz="1200" dirty="0">
+                <a:latin typeface="Times New Roman" panose="02020603050405020304" pitchFamily="18" charset="0"/>
+                <a:cs typeface="Times New Roman" panose="02020603050405020304" pitchFamily="18" charset="0"/>
+              </a:rPr>
+              <a:t> </a:t>
+            </a:r>
+            <a:r>
+              <a:rPr lang="en-US" sz="1200" dirty="0" err="1">
+                <a:latin typeface="Times New Roman" panose="02020603050405020304" pitchFamily="18" charset="0"/>
+                <a:cs typeface="Times New Roman" panose="02020603050405020304" pitchFamily="18" charset="0"/>
+              </a:rPr>
+              <a:t>kolonialisme</a:t>
+            </a:r>
+            <a:r>
+              <a:rPr lang="en-US" sz="1200" dirty="0">
+                <a:latin typeface="Times New Roman" panose="02020603050405020304" pitchFamily="18" charset="0"/>
+                <a:cs typeface="Times New Roman" panose="02020603050405020304" pitchFamily="18" charset="0"/>
+              </a:rPr>
+              <a:t> Indonesia</a:t>
+            </a:r>
+          </a:p>
+          <a:p>
+            <a:pPr marL="0" lvl="0" indent="0" algn="l" rtl="0">
+              <a:lnSpc>
+                <a:spcPct val="115000"/>
+              </a:lnSpc>
+              <a:spcBef>
+                <a:spcPts val="1200"/>
+              </a:spcBef>
+              <a:spcAft>
+                <a:spcPts val="1200"/>
+              </a:spcAft>
+              <a:buSzPts val="1800"/>
+              <a:buNone/>
+            </a:pPr>
+            <a:r>
+              <a:rPr lang="en-US" sz="1200" dirty="0">
+                <a:latin typeface="Times New Roman" panose="02020603050405020304" pitchFamily="18" charset="0"/>
+                <a:cs typeface="Times New Roman" panose="02020603050405020304" pitchFamily="18" charset="0"/>
+              </a:rPr>
+              <a:t>Batasan </a:t>
+            </a:r>
+            <a:r>
+              <a:rPr lang="en-US" sz="1200" dirty="0" err="1">
+                <a:latin typeface="Times New Roman" panose="02020603050405020304" pitchFamily="18" charset="0"/>
+                <a:cs typeface="Times New Roman" panose="02020603050405020304" pitchFamily="18" charset="0"/>
+              </a:rPr>
+              <a:t>penelitian</a:t>
+            </a:r>
+            <a:r>
+              <a:rPr lang="en-US" sz="1200" dirty="0">
+                <a:latin typeface="Times New Roman" panose="02020603050405020304" pitchFamily="18" charset="0"/>
+                <a:cs typeface="Times New Roman" panose="02020603050405020304" pitchFamily="18" charset="0"/>
+              </a:rPr>
+              <a:t> :</a:t>
+            </a:r>
+          </a:p>
+          <a:p>
+            <a:pPr marL="0" lvl="0" indent="0" algn="l" rtl="0">
+              <a:lnSpc>
+                <a:spcPct val="115000"/>
+              </a:lnSpc>
+              <a:spcBef>
+                <a:spcPts val="1200"/>
+              </a:spcBef>
+              <a:spcAft>
+                <a:spcPts val="1200"/>
+              </a:spcAft>
+              <a:buSzPts val="1800"/>
+              <a:buNone/>
+            </a:pPr>
+            <a:r>
+              <a:rPr lang="en-US" sz="1200" dirty="0" err="1">
+                <a:latin typeface="Times New Roman" panose="02020603050405020304" pitchFamily="18" charset="0"/>
+                <a:cs typeface="Times New Roman" panose="02020603050405020304" pitchFamily="18" charset="0"/>
+              </a:rPr>
+              <a:t>Pengguna</a:t>
+            </a:r>
+            <a:r>
+              <a:rPr lang="en-US" sz="1200" dirty="0">
+                <a:latin typeface="Times New Roman" panose="02020603050405020304" pitchFamily="18" charset="0"/>
+                <a:cs typeface="Times New Roman" panose="02020603050405020304" pitchFamily="18" charset="0"/>
+              </a:rPr>
+              <a:t> : </a:t>
+            </a:r>
+            <a:r>
+              <a:rPr lang="en-US" sz="1200" dirty="0" err="1">
+                <a:latin typeface="Times New Roman" panose="02020603050405020304" pitchFamily="18" charset="0"/>
+                <a:cs typeface="Times New Roman" panose="02020603050405020304" pitchFamily="18" charset="0"/>
+              </a:rPr>
+              <a:t>mahasiswa</a:t>
+            </a:r>
+            <a:r>
+              <a:rPr lang="en-US" sz="1200" dirty="0">
+                <a:latin typeface="Times New Roman" panose="02020603050405020304" pitchFamily="18" charset="0"/>
+                <a:cs typeface="Times New Roman" panose="02020603050405020304" pitchFamily="18" charset="0"/>
+              </a:rPr>
+              <a:t> </a:t>
+            </a:r>
+            <a:r>
+              <a:rPr lang="en-US" sz="1200" dirty="0" err="1">
+                <a:latin typeface="Times New Roman" panose="02020603050405020304" pitchFamily="18" charset="0"/>
+                <a:cs typeface="Times New Roman" panose="02020603050405020304" pitchFamily="18" charset="0"/>
+              </a:rPr>
+              <a:t>sejarah</a:t>
+            </a:r>
+            <a:endParaRPr lang="en-US" sz="1200" dirty="0">
+              <a:latin typeface="Times New Roman" panose="02020603050405020304" pitchFamily="18" charset="0"/>
+              <a:cs typeface="Times New Roman" panose="02020603050405020304" pitchFamily="18" charset="0"/>
+            </a:endParaRPr>
+          </a:p>
+          <a:p>
+            <a:pPr marL="0" lvl="0" indent="0" algn="l" rtl="0">
+              <a:lnSpc>
+                <a:spcPct val="115000"/>
+              </a:lnSpc>
+              <a:spcBef>
+                <a:spcPts val="1200"/>
+              </a:spcBef>
+              <a:spcAft>
+                <a:spcPts val="1200"/>
+              </a:spcAft>
+              <a:buSzPts val="1800"/>
+              <a:buNone/>
+            </a:pPr>
+            <a:r>
+              <a:rPr lang="en-US" sz="1200" dirty="0">
+                <a:latin typeface="Times New Roman" panose="02020603050405020304" pitchFamily="18" charset="0"/>
+                <a:cs typeface="Times New Roman" panose="02020603050405020304" pitchFamily="18" charset="0"/>
+              </a:rPr>
+              <a:t>Data : Sejarah </a:t>
+            </a:r>
+            <a:r>
+              <a:rPr lang="en-US" sz="1200" dirty="0" err="1">
+                <a:latin typeface="Times New Roman" panose="02020603050405020304" pitchFamily="18" charset="0"/>
+                <a:cs typeface="Times New Roman" panose="02020603050405020304" pitchFamily="18" charset="0"/>
+              </a:rPr>
+              <a:t>kolonialisme</a:t>
+            </a:r>
+            <a:r>
+              <a:rPr lang="en-US" sz="1200" dirty="0">
+                <a:latin typeface="Times New Roman" panose="02020603050405020304" pitchFamily="18" charset="0"/>
+                <a:cs typeface="Times New Roman" panose="02020603050405020304" pitchFamily="18" charset="0"/>
+              </a:rPr>
+              <a:t> Indonesia</a:t>
+            </a:r>
+          </a:p>
+        </p:txBody>
+      </p:sp>
+    </p:spTree>
+  </p:cSld>
+  <p:clrMapOvr>
+    <a:masterClrMapping/>
+  </p:clrMapOvr>
+</p:sld>
+</file>
+
+<file path=ppt/slides/slide8.xml><?xml version="1.0" encoding="utf-8"?>
+<p:sld xmlns:a="http://schemas.openxmlformats.org/drawingml/2006/main" xmlns:r="http://schemas.openxmlformats.org/officeDocument/2006/relationships" xmlns:p="http://schemas.openxmlformats.org/presentationml/2006/main">
+  <p:cSld>
+    <p:spTree>
+      <p:nvGrpSpPr>
+        <p:cNvPr id="1" name="Shape 78"/>
+        <p:cNvGrpSpPr/>
+        <p:nvPr/>
+      </p:nvGrpSpPr>
+      <p:grpSpPr>
+        <a:xfrm>
+          <a:off x="0" y="0"/>
+          <a:ext cx="0" cy="0"/>
+          <a:chOff x="0" y="0"/>
+          <a:chExt cx="0" cy="0"/>
+        </a:xfrm>
+      </p:grpSpPr>
+      <p:sp>
+        <p:nvSpPr>
+          <p:cNvPr id="79" name="Google Shape;79;p5"/>
+          <p:cNvSpPr txBox="1">
+            <a:spLocks noGrp="1"/>
+          </p:cNvSpPr>
+          <p:nvPr>
+            <p:ph type="title"/>
+          </p:nvPr>
+        </p:nvSpPr>
+        <p:spPr>
+          <a:xfrm>
+            <a:off x="311700" y="445025"/>
+            <a:ext cx="8520600" cy="572700"/>
+          </a:xfrm>
+          <a:prstGeom prst="rect">
+            <a:avLst/>
+          </a:prstGeom>
+          <a:noFill/>
+          <a:ln>
+            <a:noFill/>
+          </a:ln>
+        </p:spPr>
+        <p:txBody>
+          <a:bodyPr spcFirstLastPara="1" wrap="square" lIns="91425" tIns="91425" rIns="91425" bIns="91425" anchor="t" anchorCtr="0">
+            <a:normAutofit fontScale="90000"/>
+          </a:bodyPr>
+          <a:lstStyle/>
+          <a:p>
+            <a:pPr marL="0" lvl="0" indent="0" algn="l" rtl="0">
+              <a:lnSpc>
+                <a:spcPct val="100000"/>
+              </a:lnSpc>
+              <a:spcBef>
+                <a:spcPts val="0"/>
+              </a:spcBef>
+              <a:spcAft>
+                <a:spcPts val="0"/>
+              </a:spcAft>
+              <a:buSzPct val="111111"/>
+              <a:buNone/>
+            </a:pPr>
+            <a:r>
+              <a:rPr lang="en-US"/>
+              <a:t>metode pemecahan masalah</a:t>
+            </a:r>
+            <a:endParaRPr/>
+          </a:p>
+        </p:txBody>
+      </p:sp>
+      <p:sp>
+        <p:nvSpPr>
+          <p:cNvPr id="80" name="Google Shape;80;p5"/>
+          <p:cNvSpPr txBox="1">
+            <a:spLocks noGrp="1"/>
+          </p:cNvSpPr>
+          <p:nvPr>
+            <p:ph type="body" idx="1"/>
+          </p:nvPr>
+        </p:nvSpPr>
+        <p:spPr>
+          <a:xfrm>
+            <a:off x="311700" y="1152475"/>
+            <a:ext cx="8520600" cy="3416400"/>
+          </a:xfrm>
+          <a:prstGeom prst="rect">
+            <a:avLst/>
+          </a:prstGeom>
+          <a:noFill/>
+          <a:ln>
+            <a:noFill/>
+          </a:ln>
+        </p:spPr>
+        <p:txBody>
+          <a:bodyPr spcFirstLastPara="1" wrap="square" lIns="91425" tIns="91425" rIns="91425" bIns="91425" anchor="t" anchorCtr="0">
+            <a:noAutofit/>
+          </a:bodyPr>
+          <a:lstStyle/>
+          <a:p>
+            <a:pPr marL="342900" lvl="0" algn="l" rtl="0">
+              <a:lnSpc>
+                <a:spcPct val="115000"/>
+              </a:lnSpc>
+              <a:spcBef>
+                <a:spcPts val="0"/>
+              </a:spcBef>
+              <a:spcAft>
+                <a:spcPts val="1200"/>
+              </a:spcAft>
+              <a:buSzPts val="1800"/>
+              <a:buAutoNum type="arabicPeriod"/>
+            </a:pPr>
+            <a:r>
+              <a:rPr lang="en-US" sz="1200" dirty="0" err="1">
+                <a:latin typeface="Times New Roman" panose="02020603050405020304" pitchFamily="18" charset="0"/>
+                <a:cs typeface="Times New Roman" panose="02020603050405020304" pitchFamily="18" charset="0"/>
+              </a:rPr>
+              <a:t>Eksplorasi</a:t>
+            </a:r>
+            <a:r>
+              <a:rPr lang="en-US" sz="1200" dirty="0">
+                <a:latin typeface="Times New Roman" panose="02020603050405020304" pitchFamily="18" charset="0"/>
+                <a:cs typeface="Times New Roman" panose="02020603050405020304" pitchFamily="18" charset="0"/>
+              </a:rPr>
+              <a:t> dataset : </a:t>
+            </a:r>
+            <a:r>
+              <a:rPr lang="en-US" sz="1200" dirty="0" err="1">
+                <a:latin typeface="Times New Roman" panose="02020603050405020304" pitchFamily="18" charset="0"/>
+                <a:cs typeface="Times New Roman" panose="02020603050405020304" pitchFamily="18" charset="0"/>
+              </a:rPr>
+              <a:t>sumber</a:t>
+            </a:r>
+            <a:r>
+              <a:rPr lang="en-US" sz="1200" dirty="0">
+                <a:latin typeface="Times New Roman" panose="02020603050405020304" pitchFamily="18" charset="0"/>
+                <a:cs typeface="Times New Roman" panose="02020603050405020304" pitchFamily="18" charset="0"/>
+              </a:rPr>
+              <a:t> data </a:t>
+            </a:r>
+            <a:r>
+              <a:rPr lang="en-US" sz="1200" dirty="0" err="1">
+                <a:latin typeface="Times New Roman" panose="02020603050405020304" pitchFamily="18" charset="0"/>
+                <a:cs typeface="Times New Roman" panose="02020603050405020304" pitchFamily="18" charset="0"/>
+              </a:rPr>
+              <a:t>difokuskan</a:t>
+            </a:r>
+            <a:r>
+              <a:rPr lang="en-US" sz="1200" dirty="0">
+                <a:latin typeface="Times New Roman" panose="02020603050405020304" pitchFamily="18" charset="0"/>
+                <a:cs typeface="Times New Roman" panose="02020603050405020304" pitchFamily="18" charset="0"/>
+              </a:rPr>
+              <a:t> </a:t>
+            </a:r>
+            <a:r>
+              <a:rPr lang="en-US" sz="1200" dirty="0" err="1">
+                <a:latin typeface="Times New Roman" panose="02020603050405020304" pitchFamily="18" charset="0"/>
+                <a:cs typeface="Times New Roman" panose="02020603050405020304" pitchFamily="18" charset="0"/>
+              </a:rPr>
+              <a:t>kepada</a:t>
+            </a:r>
+            <a:r>
+              <a:rPr lang="en-US" sz="1200" dirty="0">
+                <a:latin typeface="Times New Roman" panose="02020603050405020304" pitchFamily="18" charset="0"/>
+                <a:cs typeface="Times New Roman" panose="02020603050405020304" pitchFamily="18" charset="0"/>
+              </a:rPr>
+              <a:t> data </a:t>
+            </a:r>
+            <a:r>
+              <a:rPr lang="en-US" sz="1200" dirty="0" err="1">
+                <a:latin typeface="Times New Roman" panose="02020603050405020304" pitchFamily="18" charset="0"/>
+                <a:cs typeface="Times New Roman" panose="02020603050405020304" pitchFamily="18" charset="0"/>
+              </a:rPr>
+              <a:t>terstruktur</a:t>
+            </a:r>
+            <a:endParaRPr lang="en-US" sz="1200" dirty="0">
+              <a:latin typeface="Times New Roman" panose="02020603050405020304" pitchFamily="18" charset="0"/>
+              <a:cs typeface="Times New Roman" panose="02020603050405020304" pitchFamily="18" charset="0"/>
+            </a:endParaRPr>
+          </a:p>
+          <a:p>
+            <a:pPr marL="0" lvl="0" indent="0" algn="l" rtl="0">
+              <a:lnSpc>
+                <a:spcPct val="115000"/>
+              </a:lnSpc>
+              <a:spcBef>
+                <a:spcPts val="0"/>
+              </a:spcBef>
+              <a:spcAft>
+                <a:spcPts val="1200"/>
+              </a:spcAft>
+              <a:buSzPts val="1800"/>
+              <a:buNone/>
+            </a:pPr>
+            <a:r>
+              <a:rPr lang="en-US" sz="1200" dirty="0" err="1">
+                <a:latin typeface="Times New Roman" panose="02020603050405020304" pitchFamily="18" charset="0"/>
+                <a:cs typeface="Times New Roman" panose="02020603050405020304" pitchFamily="18" charset="0"/>
+              </a:rPr>
+              <a:t>Sumber</a:t>
+            </a:r>
+            <a:r>
+              <a:rPr lang="en-US" sz="1200" dirty="0">
+                <a:latin typeface="Times New Roman" panose="02020603050405020304" pitchFamily="18" charset="0"/>
+                <a:cs typeface="Times New Roman" panose="02020603050405020304" pitchFamily="18" charset="0"/>
+              </a:rPr>
+              <a:t> :</a:t>
+            </a:r>
+          </a:p>
+          <a:p>
+            <a:pPr marL="285750" indent="-285750">
+              <a:spcAft>
+                <a:spcPts val="1200"/>
+              </a:spcAft>
+            </a:pPr>
+            <a:r>
+              <a:rPr lang="en-US" sz="1200" dirty="0">
+                <a:latin typeface="Times New Roman" panose="02020603050405020304" pitchFamily="18" charset="0"/>
+                <a:cs typeface="Times New Roman" panose="02020603050405020304" pitchFamily="18" charset="0"/>
+              </a:rPr>
+              <a:t>Britnanica.com : article (html/xml)</a:t>
+            </a:r>
+          </a:p>
+          <a:p>
+            <a:pPr marL="285750" indent="-285750">
+              <a:spcAft>
+                <a:spcPts val="1200"/>
+              </a:spcAft>
+            </a:pPr>
+            <a:r>
+              <a:rPr lang="en-US" sz="1200" dirty="0" err="1">
+                <a:latin typeface="Times New Roman" panose="02020603050405020304" pitchFamily="18" charset="0"/>
+                <a:cs typeface="Times New Roman" panose="02020603050405020304" pitchFamily="18" charset="0"/>
+              </a:rPr>
+              <a:t>Wikidata</a:t>
+            </a:r>
+            <a:r>
+              <a:rPr lang="en-US" sz="1200" dirty="0">
+                <a:latin typeface="Times New Roman" panose="02020603050405020304" pitchFamily="18" charset="0"/>
+                <a:cs typeface="Times New Roman" panose="02020603050405020304" pitchFamily="18" charset="0"/>
+              </a:rPr>
+              <a:t> : </a:t>
+            </a:r>
+            <a:r>
+              <a:rPr lang="en-US" sz="1200" dirty="0" err="1">
+                <a:latin typeface="Times New Roman" panose="02020603050405020304" pitchFamily="18" charset="0"/>
+                <a:cs typeface="Times New Roman" panose="02020603050405020304" pitchFamily="18" charset="0"/>
+              </a:rPr>
+              <a:t>rdf</a:t>
+            </a:r>
+            <a:r>
+              <a:rPr lang="en-US" sz="1200" dirty="0">
+                <a:latin typeface="Times New Roman" panose="02020603050405020304" pitchFamily="18" charset="0"/>
+                <a:cs typeface="Times New Roman" panose="02020603050405020304" pitchFamily="18" charset="0"/>
+              </a:rPr>
+              <a:t> &amp; html</a:t>
+            </a:r>
+          </a:p>
+          <a:p>
+            <a:pPr marL="285750" indent="-285750">
+              <a:spcAft>
+                <a:spcPts val="1200"/>
+              </a:spcAft>
+            </a:pPr>
+            <a:r>
+              <a:rPr lang="en-US" sz="1200" dirty="0" err="1">
+                <a:latin typeface="Times New Roman" panose="02020603050405020304" pitchFamily="18" charset="0"/>
+                <a:cs typeface="Times New Roman" panose="02020603050405020304" pitchFamily="18" charset="0"/>
+              </a:rPr>
+              <a:t>Dbpedia</a:t>
+            </a:r>
+            <a:r>
+              <a:rPr lang="en-US" sz="1200" dirty="0">
+                <a:latin typeface="Times New Roman" panose="02020603050405020304" pitchFamily="18" charset="0"/>
+                <a:cs typeface="Times New Roman" panose="02020603050405020304" pitchFamily="18" charset="0"/>
+              </a:rPr>
+              <a:t> : </a:t>
+            </a:r>
+            <a:r>
+              <a:rPr lang="en-US" sz="1200" dirty="0" err="1">
+                <a:latin typeface="Times New Roman" panose="02020603050405020304" pitchFamily="18" charset="0"/>
+                <a:cs typeface="Times New Roman" panose="02020603050405020304" pitchFamily="18" charset="0"/>
+              </a:rPr>
+              <a:t>rdf</a:t>
+            </a:r>
+            <a:r>
+              <a:rPr lang="en-US" sz="1200" dirty="0">
+                <a:latin typeface="Times New Roman" panose="02020603050405020304" pitchFamily="18" charset="0"/>
+                <a:cs typeface="Times New Roman" panose="02020603050405020304" pitchFamily="18" charset="0"/>
+              </a:rPr>
+              <a:t> &amp; html</a:t>
+            </a:r>
+          </a:p>
+          <a:p>
+            <a:pPr marL="0" indent="0">
+              <a:spcAft>
+                <a:spcPts val="1200"/>
+              </a:spcAft>
+              <a:buNone/>
+            </a:pPr>
+            <a:r>
+              <a:rPr lang="en-US" sz="1200" dirty="0">
+                <a:latin typeface="Times New Roman" panose="02020603050405020304" pitchFamily="18" charset="0"/>
+                <a:cs typeface="Times New Roman" panose="02020603050405020304" pitchFamily="18" charset="0"/>
+              </a:rPr>
+              <a:t>entity :</a:t>
+            </a:r>
+          </a:p>
+          <a:p>
+            <a:pPr marL="0" indent="0">
+              <a:spcAft>
+                <a:spcPts val="1200"/>
+              </a:spcAft>
+              <a:buNone/>
+            </a:pPr>
+            <a:r>
+              <a:rPr lang="en-US" sz="1200" dirty="0">
                 <a:latin typeface="Times New Roman" panose="02020603050405020304" pitchFamily="18" charset="0"/>
                 <a:cs typeface="Times New Roman" panose="02020603050405020304" pitchFamily="18" charset="0"/>
               </a:rPr>
               <a:t>- </a:t>
             </a:r>
             <a:r>
-              <a:rPr lang="en-US" dirty="0" err="1">
-                <a:latin typeface="Times New Roman" panose="02020603050405020304" pitchFamily="18" charset="0"/>
-                <a:cs typeface="Times New Roman" panose="02020603050405020304" pitchFamily="18" charset="0"/>
-              </a:rPr>
-              <a:t>Populasi</a:t>
-            </a:r>
-            <a:r>
-              <a:rPr lang="en-US" dirty="0">
-                <a:latin typeface="Times New Roman" panose="02020603050405020304" pitchFamily="18" charset="0"/>
-                <a:cs typeface="Times New Roman" panose="02020603050405020304" pitchFamily="18" charset="0"/>
-              </a:rPr>
-              <a:t> data ontology Sejarah masa </a:t>
-            </a:r>
-            <a:r>
-              <a:rPr lang="en-US" dirty="0" err="1">
-                <a:latin typeface="Times New Roman" panose="02020603050405020304" pitchFamily="18" charset="0"/>
-                <a:cs typeface="Times New Roman" panose="02020603050405020304" pitchFamily="18" charset="0"/>
-              </a:rPr>
-              <a:t>kolonialisme</a:t>
-            </a:r>
-            <a:r>
-              <a:rPr lang="en-US" dirty="0">
-                <a:latin typeface="Times New Roman" panose="02020603050405020304" pitchFamily="18" charset="0"/>
-                <a:cs typeface="Times New Roman" panose="02020603050405020304" pitchFamily="18" charset="0"/>
-              </a:rPr>
-              <a:t> di Indonesia</a:t>
-            </a:r>
-            <a:endParaRPr dirty="0">
+              <a:rPr lang="en-US" sz="1200" dirty="0" err="1">
+                <a:latin typeface="Times New Roman" panose="02020603050405020304" pitchFamily="18" charset="0"/>
+                <a:cs typeface="Times New Roman" panose="02020603050405020304" pitchFamily="18" charset="0"/>
+              </a:rPr>
+              <a:t>tokoh</a:t>
+            </a:r>
+            <a:endParaRPr lang="en-US" sz="1200" dirty="0">
+              <a:latin typeface="Times New Roman" panose="02020603050405020304" pitchFamily="18" charset="0"/>
+              <a:cs typeface="Times New Roman" panose="02020603050405020304" pitchFamily="18" charset="0"/>
+            </a:endParaRPr>
+          </a:p>
+          <a:p>
+            <a:pPr marL="0" indent="0">
+              <a:spcAft>
+                <a:spcPts val="1200"/>
+              </a:spcAft>
+              <a:buNone/>
+            </a:pPr>
+            <a:r>
+              <a:rPr lang="en-US" sz="1200" dirty="0">
+                <a:latin typeface="Times New Roman" panose="02020603050405020304" pitchFamily="18" charset="0"/>
+                <a:cs typeface="Times New Roman" panose="02020603050405020304" pitchFamily="18" charset="0"/>
+              </a:rPr>
+              <a:t>- </a:t>
+            </a:r>
+            <a:r>
+              <a:rPr lang="en-US" sz="1200" dirty="0" err="1">
+                <a:latin typeface="Times New Roman" panose="02020603050405020304" pitchFamily="18" charset="0"/>
+                <a:cs typeface="Times New Roman" panose="02020603050405020304" pitchFamily="18" charset="0"/>
+              </a:rPr>
+              <a:t>perlawanan</a:t>
+            </a:r>
+            <a:r>
+              <a:rPr lang="en-US" sz="1200" dirty="0">
+                <a:latin typeface="Times New Roman" panose="02020603050405020304" pitchFamily="18" charset="0"/>
+                <a:cs typeface="Times New Roman" panose="02020603050405020304" pitchFamily="18" charset="0"/>
+              </a:rPr>
+              <a:t> </a:t>
+            </a:r>
+            <a:r>
+              <a:rPr lang="en-US" sz="1200" dirty="0" err="1">
+                <a:latin typeface="Times New Roman" panose="02020603050405020304" pitchFamily="18" charset="0"/>
+                <a:cs typeface="Times New Roman" panose="02020603050405020304" pitchFamily="18" charset="0"/>
+              </a:rPr>
+              <a:t>penjajah</a:t>
+            </a:r>
+            <a:endParaRPr lang="en-US" sz="1200" dirty="0">
+              <a:latin typeface="Times New Roman" panose="02020603050405020304" pitchFamily="18" charset="0"/>
+              <a:cs typeface="Times New Roman" panose="02020603050405020304" pitchFamily="18" charset="0"/>
+            </a:endParaRPr>
+          </a:p>
+          <a:p>
+            <a:pPr marL="0" indent="0">
+              <a:spcAft>
+                <a:spcPts val="1200"/>
+              </a:spcAft>
+              <a:buNone/>
+            </a:pPr>
+            <a:r>
+              <a:rPr lang="en-US" sz="1200" dirty="0">
+                <a:latin typeface="Times New Roman" panose="02020603050405020304" pitchFamily="18" charset="0"/>
+                <a:cs typeface="Times New Roman" panose="02020603050405020304" pitchFamily="18" charset="0"/>
+              </a:rPr>
+              <a:t>- </a:t>
+            </a:r>
+            <a:r>
+              <a:rPr lang="en-US" sz="1200" dirty="0" err="1">
+                <a:latin typeface="Times New Roman" panose="02020603050405020304" pitchFamily="18" charset="0"/>
+                <a:cs typeface="Times New Roman" panose="02020603050405020304" pitchFamily="18" charset="0"/>
+              </a:rPr>
+              <a:t>organisasi</a:t>
+            </a:r>
+            <a:endParaRPr lang="en-US" sz="1200" dirty="0">
+              <a:latin typeface="Times New Roman" panose="02020603050405020304" pitchFamily="18" charset="0"/>
+              <a:cs typeface="Times New Roman" panose="02020603050405020304" pitchFamily="18" charset="0"/>
+            </a:endParaRPr>
+          </a:p>
+          <a:p>
+            <a:pPr marL="0" indent="0">
+              <a:spcAft>
+                <a:spcPts val="1200"/>
+              </a:spcAft>
+              <a:buNone/>
+            </a:pPr>
+            <a:endParaRPr lang="en-US" sz="1200" dirty="0">
               <a:latin typeface="Times New Roman" panose="02020603050405020304" pitchFamily="18" charset="0"/>
               <a:cs typeface="Times New Roman" panose="02020603050405020304" pitchFamily="18" charset="0"/>
             </a:endParaRPr>
@@ -12606,6 +15715,372 @@
         </p:txBody>
       </p:sp>
     </p:spTree>
+  </p:cSld>
+  <p:clrMapOvr>
+    <a:masterClrMapping/>
+  </p:clrMapOvr>
+</p:sld>
+</file>
+
+<file path=ppt/slides/slide9.xml><?xml version="1.0" encoding="utf-8"?>
+<p:sld xmlns:a="http://schemas.openxmlformats.org/drawingml/2006/main" xmlns:r="http://schemas.openxmlformats.org/officeDocument/2006/relationships" xmlns:p="http://schemas.openxmlformats.org/presentationml/2006/main">
+  <p:cSld>
+    <p:spTree>
+      <p:nvGrpSpPr>
+        <p:cNvPr id="1" name=""/>
+        <p:cNvGrpSpPr/>
+        <p:nvPr/>
+      </p:nvGrpSpPr>
+      <p:grpSpPr>
+        <a:xfrm>
+          <a:off x="0" y="0"/>
+          <a:ext cx="0" cy="0"/>
+          <a:chOff x="0" y="0"/>
+          <a:chExt cx="0" cy="0"/>
+        </a:xfrm>
+      </p:grpSpPr>
+      <p:sp>
+        <p:nvSpPr>
+          <p:cNvPr id="2" name="Title 1">
+            <a:extLst>
+              <a:ext uri="{FF2B5EF4-FFF2-40B4-BE49-F238E27FC236}">
+                <a16:creationId xmlns:a16="http://schemas.microsoft.com/office/drawing/2014/main" id="{B22B456E-52DD-FB3C-F034-F7AED325057A}"/>
+              </a:ext>
+            </a:extLst>
+          </p:cNvPr>
+          <p:cNvSpPr>
+            <a:spLocks noGrp="1"/>
+          </p:cNvSpPr>
+          <p:nvPr>
+            <p:ph type="title"/>
+          </p:nvPr>
+        </p:nvSpPr>
+        <p:spPr/>
+        <p:txBody>
+          <a:bodyPr>
+            <a:normAutofit fontScale="90000"/>
+          </a:bodyPr>
+          <a:lstStyle/>
+          <a:p>
+            <a:r>
+              <a:rPr lang="en-US" dirty="0" err="1"/>
+              <a:t>Metode</a:t>
+            </a:r>
+            <a:r>
+              <a:rPr lang="en-US" dirty="0"/>
+              <a:t> </a:t>
+            </a:r>
+            <a:r>
+              <a:rPr lang="en-US" dirty="0" err="1"/>
+              <a:t>pemecahan</a:t>
+            </a:r>
+            <a:r>
+              <a:rPr lang="en-US" dirty="0"/>
+              <a:t> </a:t>
+            </a:r>
+            <a:r>
+              <a:rPr lang="en-US" dirty="0" err="1"/>
+              <a:t>masalah</a:t>
+            </a:r>
+            <a:endParaRPr lang="en-ID" dirty="0"/>
+          </a:p>
+        </p:txBody>
+      </p:sp>
+      <p:sp>
+        <p:nvSpPr>
+          <p:cNvPr id="3" name="Text Placeholder 2">
+            <a:extLst>
+              <a:ext uri="{FF2B5EF4-FFF2-40B4-BE49-F238E27FC236}">
+                <a16:creationId xmlns:a16="http://schemas.microsoft.com/office/drawing/2014/main" id="{940BD2DC-3647-404D-9166-18350117E7A0}"/>
+              </a:ext>
+            </a:extLst>
+          </p:cNvPr>
+          <p:cNvSpPr>
+            <a:spLocks noGrp="1"/>
+          </p:cNvSpPr>
+          <p:nvPr>
+            <p:ph type="body" idx="1"/>
+          </p:nvPr>
+        </p:nvSpPr>
+        <p:spPr/>
+        <p:txBody>
+          <a:bodyPr/>
+          <a:lstStyle/>
+          <a:p>
+            <a:pPr marL="114300" indent="0">
+              <a:buNone/>
+            </a:pPr>
+            <a:r>
+              <a:rPr lang="en-US" dirty="0"/>
+              <a:t>2. </a:t>
+            </a:r>
+            <a:r>
+              <a:rPr lang="en-US" dirty="0" err="1"/>
+              <a:t>Pendefinisian</a:t>
+            </a:r>
+            <a:r>
+              <a:rPr lang="en-US" dirty="0"/>
+              <a:t> </a:t>
+            </a:r>
+            <a:r>
+              <a:rPr lang="en-US" dirty="0" err="1"/>
+              <a:t>ontologi</a:t>
+            </a:r>
+            <a:r>
+              <a:rPr lang="en-US" dirty="0"/>
+              <a:t> dan </a:t>
+            </a:r>
+            <a:r>
+              <a:rPr lang="en-US" dirty="0" err="1"/>
+              <a:t>penggabungan</a:t>
+            </a:r>
+            <a:r>
+              <a:rPr lang="en-US" dirty="0"/>
+              <a:t> data</a:t>
+            </a:r>
+          </a:p>
+          <a:p>
+            <a:pPr marL="114300" indent="0">
+              <a:buNone/>
+            </a:pPr>
+            <a:r>
+              <a:rPr lang="en-US" dirty="0"/>
+              <a:t>3. Desain </a:t>
+            </a:r>
+            <a:r>
+              <a:rPr lang="en-US" dirty="0" err="1"/>
+              <a:t>aplikasi</a:t>
+            </a:r>
+            <a:r>
+              <a:rPr lang="en-US" dirty="0"/>
+              <a:t> : data </a:t>
+            </a:r>
+            <a:r>
+              <a:rPr lang="en-US" dirty="0" err="1"/>
+              <a:t>sejarah</a:t>
+            </a:r>
+            <a:r>
+              <a:rPr lang="en-US" dirty="0"/>
+              <a:t> </a:t>
+            </a:r>
+            <a:r>
+              <a:rPr lang="en-US" dirty="0" err="1"/>
+              <a:t>akan</a:t>
+            </a:r>
+            <a:r>
+              <a:rPr lang="en-US" dirty="0"/>
+              <a:t> </a:t>
+            </a:r>
+            <a:r>
+              <a:rPr lang="en-US" dirty="0" err="1"/>
+              <a:t>disajikan</a:t>
+            </a:r>
+            <a:r>
+              <a:rPr lang="en-US" dirty="0"/>
+              <a:t> </a:t>
+            </a:r>
+            <a:r>
+              <a:rPr lang="en-US" dirty="0" err="1"/>
+              <a:t>dalam</a:t>
+            </a:r>
+            <a:r>
+              <a:rPr lang="en-US" dirty="0"/>
+              <a:t> </a:t>
+            </a:r>
+            <a:r>
+              <a:rPr lang="en-US" dirty="0" err="1"/>
+              <a:t>beberapa</a:t>
+            </a:r>
+            <a:r>
+              <a:rPr lang="en-US" dirty="0"/>
+              <a:t> </a:t>
+            </a:r>
+            <a:r>
+              <a:rPr lang="en-US" dirty="0" err="1"/>
+              <a:t>kategori</a:t>
+            </a:r>
+            <a:r>
+              <a:rPr lang="en-US" dirty="0"/>
+              <a:t> </a:t>
+            </a:r>
+            <a:r>
+              <a:rPr lang="en-US" dirty="0" err="1"/>
+              <a:t>seperti</a:t>
+            </a:r>
+            <a:r>
+              <a:rPr lang="en-US" dirty="0"/>
+              <a:t> </a:t>
+            </a:r>
+            <a:r>
+              <a:rPr lang="en-US" dirty="0" err="1"/>
+              <a:t>peristiwa</a:t>
+            </a:r>
+            <a:r>
+              <a:rPr lang="en-US" dirty="0"/>
+              <a:t> </a:t>
+            </a:r>
+            <a:r>
+              <a:rPr lang="en-US" dirty="0" err="1"/>
+              <a:t>sejarah</a:t>
+            </a:r>
+            <a:r>
+              <a:rPr lang="en-US" dirty="0"/>
+              <a:t>, </a:t>
+            </a:r>
+            <a:r>
+              <a:rPr lang="en-US" dirty="0" err="1"/>
+              <a:t>organisasi</a:t>
+            </a:r>
+            <a:r>
+              <a:rPr lang="en-US" dirty="0"/>
+              <a:t>, </a:t>
+            </a:r>
+            <a:r>
+              <a:rPr lang="en-US" dirty="0" err="1"/>
+              <a:t>tokoh</a:t>
+            </a:r>
+            <a:r>
+              <a:rPr lang="en-US" dirty="0"/>
+              <a:t>, </a:t>
+            </a:r>
+            <a:r>
+              <a:rPr lang="en-US" dirty="0" err="1"/>
+              <a:t>waktu</a:t>
+            </a:r>
+            <a:r>
+              <a:rPr lang="en-US" dirty="0"/>
+              <a:t> dan </a:t>
+            </a:r>
+            <a:r>
+              <a:rPr lang="en-US" dirty="0" err="1"/>
+              <a:t>lokasi</a:t>
+            </a:r>
+            <a:r>
+              <a:rPr lang="en-US" dirty="0"/>
+              <a:t>.</a:t>
+            </a:r>
+          </a:p>
+          <a:p>
+            <a:pPr marL="114300" indent="0">
+              <a:buNone/>
+            </a:pPr>
+            <a:r>
+              <a:rPr lang="en-US" dirty="0"/>
+              <a:t>4. </a:t>
+            </a:r>
+            <a:r>
+              <a:rPr lang="en-US" dirty="0" err="1"/>
+              <a:t>Pengembangan</a:t>
+            </a:r>
+            <a:r>
+              <a:rPr lang="en-US" dirty="0"/>
+              <a:t> </a:t>
+            </a:r>
+            <a:r>
+              <a:rPr lang="en-US" dirty="0" err="1"/>
+              <a:t>aplikasi</a:t>
+            </a:r>
+            <a:r>
+              <a:rPr lang="en-US" dirty="0"/>
+              <a:t> : </a:t>
+            </a:r>
+            <a:r>
+              <a:rPr lang="en-US" dirty="0" err="1"/>
+              <a:t>aplikasi</a:t>
+            </a:r>
+            <a:r>
+              <a:rPr lang="en-US" dirty="0"/>
+              <a:t> </a:t>
+            </a:r>
+            <a:r>
+              <a:rPr lang="en-US" dirty="0" err="1"/>
+              <a:t>berbasis</a:t>
+            </a:r>
+            <a:r>
+              <a:rPr lang="en-US" dirty="0"/>
+              <a:t> web.</a:t>
+            </a:r>
+          </a:p>
+          <a:p>
+            <a:pPr marL="114300" indent="0">
+              <a:buNone/>
+            </a:pPr>
+            <a:r>
+              <a:rPr lang="en-US" dirty="0"/>
+              <a:t>5. </a:t>
+            </a:r>
+            <a:r>
+              <a:rPr lang="en-US" dirty="0" err="1"/>
+              <a:t>Evaluasi</a:t>
+            </a:r>
+            <a:r>
+              <a:rPr lang="en-US" dirty="0"/>
+              <a:t> </a:t>
+            </a:r>
+            <a:r>
+              <a:rPr lang="en-US" dirty="0" err="1"/>
+              <a:t>aplikasi</a:t>
+            </a:r>
+            <a:r>
+              <a:rPr lang="en-US" dirty="0"/>
+              <a:t> : </a:t>
+            </a:r>
+            <a:r>
+              <a:rPr lang="en-US" dirty="0" err="1"/>
+              <a:t>evaluasi</a:t>
+            </a:r>
+            <a:r>
+              <a:rPr lang="en-US" dirty="0"/>
+              <a:t> </a:t>
+            </a:r>
+            <a:r>
+              <a:rPr lang="en-US" dirty="0" err="1"/>
+              <a:t>aplikasi</a:t>
+            </a:r>
+            <a:r>
+              <a:rPr lang="en-US" dirty="0"/>
+              <a:t> </a:t>
+            </a:r>
+            <a:r>
+              <a:rPr lang="en-US" dirty="0" err="1"/>
+              <a:t>dilakukan</a:t>
+            </a:r>
+            <a:r>
+              <a:rPr lang="en-US" dirty="0"/>
+              <a:t> </a:t>
+            </a:r>
+            <a:r>
+              <a:rPr lang="en-US" dirty="0" err="1"/>
+              <a:t>dengan</a:t>
+            </a:r>
+            <a:r>
+              <a:rPr lang="en-US" dirty="0"/>
+              <a:t> </a:t>
+            </a:r>
+            <a:r>
+              <a:rPr lang="en-US" dirty="0" err="1"/>
+              <a:t>metode</a:t>
+            </a:r>
+            <a:r>
+              <a:rPr lang="en-US" dirty="0"/>
+              <a:t> usability testing</a:t>
+            </a:r>
+          </a:p>
+          <a:p>
+            <a:pPr>
+              <a:buFont typeface="+mj-lt"/>
+              <a:buAutoNum type="arabicPeriod"/>
+            </a:pPr>
+            <a:endParaRPr lang="en-ID" dirty="0"/>
+          </a:p>
+        </p:txBody>
+      </p:sp>
+    </p:spTree>
+    <p:extLst>
+      <p:ext uri="{BB962C8B-B14F-4D97-AF65-F5344CB8AC3E}">
+        <p14:creationId xmlns:p14="http://schemas.microsoft.com/office/powerpoint/2010/main" val="2417157622"/>
+      </p:ext>
+    </p:extLst>
   </p:cSld>
   <p:clrMapOvr>
     <a:masterClrMapping/>

--- a/RichieChristiansenSenlia/Draft Proposal - Richie Christiansen Senlia.pptx
+++ b/RichieChristiansenSenlia/Draft Proposal - Richie Christiansen Senlia.pptx
@@ -267,7 +267,7 @@
       </p15:sldGuideLst>
     </p:ext>
     <p:ext uri="http://customooxmlschemas.google.com/">
-      <go:slidesCustomData xmlns="" xmlns:mc="http://schemas.openxmlformats.org/markup-compatibility/2006" xmlns:mv="urn:schemas-microsoft-com:mac:vml" xmlns:c="http://schemas.openxmlformats.org/drawingml/2006/chart" xmlns:dgm="http://schemas.openxmlformats.org/drawingml/2006/diagram" xmlns:o="urn:schemas-microsoft-com:office:office" xmlns:v="urn:schemas-microsoft-com:vml" xmlns:pvml="urn:schemas-microsoft-com:office:powerpoint" xmlns:com="http://schemas.openxmlformats.org/drawingml/2006/compatibility" xmlns:p14="http://schemas.microsoft.com/office/powerpoint/2010/main" xmlns:p15="http://schemas.microsoft.com/office/powerpoint/2012/main" xmlns:ahyp="http://schemas.microsoft.com/office/drawing/2018/hyperlinkcolor" xmlns:go="http://customooxmlschemas.google.com/" r:id="rId18" roundtripDataSignature="AMtx7mioJHnqF79Zjga0KU7iTsQIiSOzeA=="/>
+      <go:slidesCustomData xmlns:go="http://customooxmlschemas.google.com/" xmlns:ahyp="http://schemas.microsoft.com/office/drawing/2018/hyperlinkcolor" xmlns:p15="http://schemas.microsoft.com/office/powerpoint/2012/main" xmlns:p14="http://schemas.microsoft.com/office/powerpoint/2010/main" xmlns:com="http://schemas.openxmlformats.org/drawingml/2006/compatibility" xmlns:pvml="urn:schemas-microsoft-com:office:powerpoint" xmlns:v="urn:schemas-microsoft-com:vml" xmlns:o="urn:schemas-microsoft-com:office:office" xmlns:dgm="http://schemas.openxmlformats.org/drawingml/2006/diagram" xmlns:c="http://schemas.openxmlformats.org/drawingml/2006/chart" xmlns:mv="urn:schemas-microsoft-com:mac:vml" xmlns:mc="http://schemas.openxmlformats.org/markup-compatibility/2006" xmlns="" r:id="rId18" roundtripDataSignature="AMtx7mioJHnqF79Zjga0KU7iTsQIiSOzeA=="/>
     </p:ext>
   </p:extLst>
 </p:presentation>
@@ -8325,34 +8325,58 @@
               <a:buNone/>
             </a:pPr>
             <a:r>
-              <a:rPr lang="en-US" dirty="0" err="1"/>
+              <a:rPr lang="en-US" dirty="0" err="1">
+                <a:latin typeface="Times New Roman" panose="02020603050405020304" pitchFamily="18" charset="0"/>
+                <a:cs typeface="Times New Roman" panose="02020603050405020304" pitchFamily="18" charset="0"/>
+              </a:rPr>
               <a:t>Pengembanga</a:t>
             </a:r>
             <a:r>
-              <a:rPr lang="en-US" sz="4900" dirty="0" err="1"/>
+              <a:rPr lang="en-US" sz="4900" dirty="0" err="1">
+                <a:latin typeface="Times New Roman" panose="02020603050405020304" pitchFamily="18" charset="0"/>
+                <a:cs typeface="Times New Roman" panose="02020603050405020304" pitchFamily="18" charset="0"/>
+              </a:rPr>
               <a:t>n</a:t>
             </a:r>
             <a:r>
-              <a:rPr lang="en-US" sz="4900" dirty="0"/>
+              <a:rPr lang="en-US" sz="4900" dirty="0">
+                <a:latin typeface="Times New Roman" panose="02020603050405020304" pitchFamily="18" charset="0"/>
+                <a:cs typeface="Times New Roman" panose="02020603050405020304" pitchFamily="18" charset="0"/>
+              </a:rPr>
               <a:t> </a:t>
             </a:r>
             <a:r>
-              <a:rPr lang="en-US" sz="4900" dirty="0" err="1"/>
+              <a:rPr lang="en-US" sz="4900" dirty="0" err="1">
+                <a:latin typeface="Times New Roman" panose="02020603050405020304" pitchFamily="18" charset="0"/>
+                <a:cs typeface="Times New Roman" panose="02020603050405020304" pitchFamily="18" charset="0"/>
+              </a:rPr>
               <a:t>Ontologi</a:t>
             </a:r>
             <a:r>
-              <a:rPr lang="en-US" sz="4900" dirty="0"/>
+              <a:rPr lang="en-US" sz="4900" dirty="0">
+                <a:latin typeface="Times New Roman" panose="02020603050405020304" pitchFamily="18" charset="0"/>
+                <a:cs typeface="Times New Roman" panose="02020603050405020304" pitchFamily="18" charset="0"/>
+              </a:rPr>
               <a:t> Sejarah </a:t>
             </a:r>
             <a:r>
-              <a:rPr lang="en-US" sz="4900" dirty="0" err="1"/>
+              <a:rPr lang="en-US" sz="4900" dirty="0" err="1">
+                <a:latin typeface="Times New Roman" panose="02020603050405020304" pitchFamily="18" charset="0"/>
+                <a:cs typeface="Times New Roman" panose="02020603050405020304" pitchFamily="18" charset="0"/>
+              </a:rPr>
               <a:t>Kolonialisme</a:t>
             </a:r>
             <a:r>
-              <a:rPr lang="en-US" sz="4900" dirty="0"/>
+              <a:rPr lang="en-US" sz="4900" dirty="0">
+                <a:latin typeface="Times New Roman" panose="02020603050405020304" pitchFamily="18" charset="0"/>
+                <a:cs typeface="Times New Roman" panose="02020603050405020304" pitchFamily="18" charset="0"/>
+              </a:rPr>
               <a:t> Indonesia</a:t>
             </a:r>
-            <a:endParaRPr dirty="0"/>
+            <a:endParaRPr dirty="0">
+              <a:latin typeface="Times New Roman" panose="02020603050405020304" pitchFamily="18" charset="0"/>
+              <a:cs typeface="Times New Roman" panose="02020603050405020304" pitchFamily="18" charset="0"/>
+            </a:endParaRPr>
           </a:p>
         </p:txBody>
       </p:sp>
@@ -8399,18 +8423,42 @@
               <a:buNone/>
             </a:pPr>
             <a:r>
-              <a:rPr lang="en-US" dirty="0"/>
+              <a:rPr lang="en-US" dirty="0">
+                <a:solidFill>
+                  <a:schemeClr val="tx1"/>
+                </a:solidFill>
+                <a:latin typeface="Times New Roman" panose="02020603050405020304" pitchFamily="18" charset="0"/>
+                <a:cs typeface="Times New Roman" panose="02020603050405020304" pitchFamily="18" charset="0"/>
+              </a:rPr>
               <a:t>Richie Christiansen </a:t>
             </a:r>
             <a:r>
-              <a:rPr lang="en-US" dirty="0" err="1"/>
+              <a:rPr lang="en-US" dirty="0" err="1">
+                <a:solidFill>
+                  <a:schemeClr val="tx1"/>
+                </a:solidFill>
+                <a:latin typeface="Times New Roman" panose="02020603050405020304" pitchFamily="18" charset="0"/>
+                <a:cs typeface="Times New Roman" panose="02020603050405020304" pitchFamily="18" charset="0"/>
+              </a:rPr>
               <a:t>Senlia</a:t>
             </a:r>
             <a:r>
-              <a:rPr lang="en-US" dirty="0"/>
+              <a:rPr lang="en-US" dirty="0">
+                <a:solidFill>
+                  <a:schemeClr val="tx1"/>
+                </a:solidFill>
+                <a:latin typeface="Times New Roman" panose="02020603050405020304" pitchFamily="18" charset="0"/>
+                <a:cs typeface="Times New Roman" panose="02020603050405020304" pitchFamily="18" charset="0"/>
+              </a:rPr>
               <a:t> - 2006473895</a:t>
             </a:r>
-            <a:endParaRPr dirty="0"/>
+            <a:endParaRPr dirty="0">
+              <a:solidFill>
+                <a:schemeClr val="tx1"/>
+              </a:solidFill>
+              <a:latin typeface="Times New Roman" panose="02020603050405020304" pitchFamily="18" charset="0"/>
+              <a:cs typeface="Times New Roman" panose="02020603050405020304" pitchFamily="18" charset="0"/>
+            </a:endParaRPr>
           </a:p>
           <a:p>
             <a:pPr marL="0" lvl="0" indent="0" algn="ctr" rtl="0">
@@ -8426,7 +8474,13 @@
               <a:buSzPct val="181818"/>
               <a:buNone/>
             </a:pPr>
-            <a:endParaRPr dirty="0"/>
+            <a:endParaRPr dirty="0">
+              <a:solidFill>
+                <a:schemeClr val="tx1"/>
+              </a:solidFill>
+              <a:latin typeface="Times New Roman" panose="02020603050405020304" pitchFamily="18" charset="0"/>
+              <a:cs typeface="Times New Roman" panose="02020603050405020304" pitchFamily="18" charset="0"/>
+            </a:endParaRPr>
           </a:p>
         </p:txBody>
       </p:sp>
@@ -8477,9 +8531,8 @@
                 <a:solidFill>
                   <a:srgbClr val="000000"/>
                 </a:solidFill>
-                <a:latin typeface="Arial"/>
-                <a:ea typeface="Arial"/>
-                <a:cs typeface="Arial"/>
+                <a:latin typeface="Times New Roman" panose="02020603050405020304" pitchFamily="18" charset="0"/>
+                <a:cs typeface="Times New Roman" panose="02020603050405020304" pitchFamily="18" charset="0"/>
                 <a:sym typeface="Arial"/>
               </a:rPr>
               <a:t>Sumber</a:t>
@@ -8489,24 +8542,25 @@
                 <a:solidFill>
                   <a:srgbClr val="000000"/>
                 </a:solidFill>
-                <a:latin typeface="Arial"/>
-                <a:ea typeface="Arial"/>
-                <a:cs typeface="Arial"/>
+                <a:latin typeface="Times New Roman" panose="02020603050405020304" pitchFamily="18" charset="0"/>
+                <a:cs typeface="Times New Roman" panose="02020603050405020304" pitchFamily="18" charset="0"/>
                 <a:sym typeface="Arial"/>
               </a:rPr>
               <a:t> Ide TA		: </a:t>
             </a:r>
             <a:r>
-              <a:rPr lang="en-US" dirty="0" err="1"/>
+              <a:rPr lang="en-US" dirty="0" err="1">
+                <a:latin typeface="Times New Roman" panose="02020603050405020304" pitchFamily="18" charset="0"/>
+                <a:cs typeface="Times New Roman" panose="02020603050405020304" pitchFamily="18" charset="0"/>
+              </a:rPr>
               <a:t>Dosen</a:t>
             </a:r>
             <a:endParaRPr sz="1400" b="0" i="0" u="none" strike="noStrike" cap="none" dirty="0">
               <a:solidFill>
                 <a:srgbClr val="000000"/>
               </a:solidFill>
-              <a:latin typeface="Arial"/>
-              <a:ea typeface="Arial"/>
-              <a:cs typeface="Arial"/>
+              <a:latin typeface="Times New Roman" panose="02020603050405020304" pitchFamily="18" charset="0"/>
+              <a:cs typeface="Times New Roman" panose="02020603050405020304" pitchFamily="18" charset="0"/>
               <a:sym typeface="Arial"/>
             </a:endParaRPr>
           </a:p>
@@ -8533,9 +8587,8 @@
                 <a:solidFill>
                   <a:srgbClr val="000000"/>
                 </a:solidFill>
-                <a:latin typeface="Arial"/>
-                <a:ea typeface="Arial"/>
-                <a:cs typeface="Arial"/>
+                <a:latin typeface="Times New Roman" panose="02020603050405020304" pitchFamily="18" charset="0"/>
+                <a:cs typeface="Times New Roman" panose="02020603050405020304" pitchFamily="18" charset="0"/>
                 <a:sym typeface="Arial"/>
               </a:rPr>
               <a:t>Nama Calon </a:t>
@@ -8545,9 +8598,8 @@
                 <a:solidFill>
                   <a:srgbClr val="000000"/>
                 </a:solidFill>
-                <a:latin typeface="Arial"/>
-                <a:ea typeface="Arial"/>
-                <a:cs typeface="Arial"/>
+                <a:latin typeface="Times New Roman" panose="02020603050405020304" pitchFamily="18" charset="0"/>
+                <a:cs typeface="Times New Roman" panose="02020603050405020304" pitchFamily="18" charset="0"/>
                 <a:sym typeface="Arial"/>
               </a:rPr>
               <a:t>Pembimbing</a:t>
@@ -8557,9 +8609,8 @@
                 <a:solidFill>
                   <a:srgbClr val="000000"/>
                 </a:solidFill>
-                <a:latin typeface="Arial"/>
-                <a:ea typeface="Arial"/>
-                <a:cs typeface="Arial"/>
+                <a:latin typeface="Times New Roman" panose="02020603050405020304" pitchFamily="18" charset="0"/>
+                <a:cs typeface="Times New Roman" panose="02020603050405020304" pitchFamily="18" charset="0"/>
                 <a:sym typeface="Arial"/>
               </a:rPr>
               <a:t>	: </a:t>
@@ -8569,9 +8620,8 @@
                 <a:solidFill>
                   <a:schemeClr val="tx1"/>
                 </a:solidFill>
-                <a:latin typeface="Arial"/>
-                <a:ea typeface="Arial"/>
-                <a:cs typeface="Arial"/>
+                <a:latin typeface="Times New Roman" panose="02020603050405020304" pitchFamily="18" charset="0"/>
+                <a:cs typeface="Times New Roman" panose="02020603050405020304" pitchFamily="18" charset="0"/>
                 <a:sym typeface="Arial"/>
               </a:rPr>
               <a:t>Adila</a:t>
@@ -8581,9 +8631,8 @@
                 <a:solidFill>
                   <a:schemeClr val="tx1"/>
                 </a:solidFill>
-                <a:latin typeface="Arial"/>
-                <a:ea typeface="Arial"/>
-                <a:cs typeface="Arial"/>
+                <a:latin typeface="Times New Roman" panose="02020603050405020304" pitchFamily="18" charset="0"/>
+                <a:cs typeface="Times New Roman" panose="02020603050405020304" pitchFamily="18" charset="0"/>
                 <a:sym typeface="Arial"/>
               </a:rPr>
               <a:t> Alfa </a:t>
@@ -8593,9 +8642,8 @@
                 <a:solidFill>
                   <a:schemeClr val="tx1"/>
                 </a:solidFill>
-                <a:latin typeface="Arial"/>
-                <a:ea typeface="Arial"/>
-                <a:cs typeface="Arial"/>
+                <a:latin typeface="Times New Roman" panose="02020603050405020304" pitchFamily="18" charset="0"/>
+                <a:cs typeface="Times New Roman" panose="02020603050405020304" pitchFamily="18" charset="0"/>
                 <a:sym typeface="Arial"/>
               </a:rPr>
               <a:t>Krisnadhi</a:t>
@@ -8605,9 +8653,8 @@
                 <a:solidFill>
                   <a:schemeClr val="tx1"/>
                 </a:solidFill>
-                <a:latin typeface="Arial"/>
-                <a:ea typeface="Arial"/>
-                <a:cs typeface="Arial"/>
+                <a:latin typeface="Times New Roman" panose="02020603050405020304" pitchFamily="18" charset="0"/>
+                <a:cs typeface="Times New Roman" panose="02020603050405020304" pitchFamily="18" charset="0"/>
                 <a:sym typeface="Arial"/>
               </a:rPr>
               <a:t>, </a:t>
@@ -8617,9 +8664,8 @@
                 <a:solidFill>
                   <a:schemeClr val="tx1"/>
                 </a:solidFill>
-                <a:latin typeface="Arial"/>
-                <a:ea typeface="Arial"/>
-                <a:cs typeface="Arial"/>
+                <a:latin typeface="Times New Roman" panose="02020603050405020304" pitchFamily="18" charset="0"/>
+                <a:cs typeface="Times New Roman" panose="02020603050405020304" pitchFamily="18" charset="0"/>
                 <a:sym typeface="Arial"/>
               </a:rPr>
               <a:t>S.Kom</a:t>
@@ -8629,9 +8675,8 @@
                 <a:solidFill>
                   <a:schemeClr val="tx1"/>
                 </a:solidFill>
-                <a:latin typeface="Arial"/>
-                <a:ea typeface="Arial"/>
-                <a:cs typeface="Arial"/>
+                <a:latin typeface="Times New Roman" panose="02020603050405020304" pitchFamily="18" charset="0"/>
+                <a:cs typeface="Times New Roman" panose="02020603050405020304" pitchFamily="18" charset="0"/>
                 <a:sym typeface="Arial"/>
               </a:rPr>
               <a:t>., M.Sc., </a:t>
@@ -8641,9 +8686,8 @@
                 <a:solidFill>
                   <a:schemeClr val="tx1"/>
                 </a:solidFill>
-                <a:latin typeface="Arial"/>
-                <a:ea typeface="Arial"/>
-                <a:cs typeface="Arial"/>
+                <a:latin typeface="Times New Roman" panose="02020603050405020304" pitchFamily="18" charset="0"/>
+                <a:cs typeface="Times New Roman" panose="02020603050405020304" pitchFamily="18" charset="0"/>
                 <a:sym typeface="Arial"/>
               </a:rPr>
               <a:t>Ph.D</a:t>
@@ -8653,9 +8697,8 @@
                 <a:solidFill>
                   <a:schemeClr val="tx1"/>
                 </a:solidFill>
-                <a:latin typeface="Arial"/>
-                <a:ea typeface="Arial"/>
-                <a:cs typeface="Arial"/>
+                <a:latin typeface="Times New Roman" panose="02020603050405020304" pitchFamily="18" charset="0"/>
+                <a:cs typeface="Times New Roman" panose="02020603050405020304" pitchFamily="18" charset="0"/>
                 <a:sym typeface="Arial"/>
               </a:rPr>
               <a:t> dan </a:t>
@@ -8684,6 +8727,8 @@
                 <a:solidFill>
                   <a:schemeClr val="tx1"/>
                 </a:solidFill>
+                <a:latin typeface="Times New Roman" panose="02020603050405020304" pitchFamily="18" charset="0"/>
+                <a:cs typeface="Times New Roman" panose="02020603050405020304" pitchFamily="18" charset="0"/>
               </a:rPr>
               <a:t>			  </a:t>
             </a:r>
@@ -8692,9 +8737,8 @@
                 <a:solidFill>
                   <a:schemeClr val="tx1"/>
                 </a:solidFill>
-                <a:latin typeface="Arial"/>
-                <a:ea typeface="Arial"/>
-                <a:cs typeface="Arial"/>
+                <a:latin typeface="Times New Roman" panose="02020603050405020304" pitchFamily="18" charset="0"/>
+                <a:cs typeface="Times New Roman" panose="02020603050405020304" pitchFamily="18" charset="0"/>
                 <a:sym typeface="Arial"/>
               </a:rPr>
               <a:t>Iis Afriyanti, S.Kom., M.Sc.</a:t>
@@ -8703,9 +8747,8 @@
               <a:solidFill>
                 <a:schemeClr val="tx1"/>
               </a:solidFill>
-              <a:latin typeface="Arial"/>
-              <a:ea typeface="Arial"/>
-              <a:cs typeface="Arial"/>
+              <a:latin typeface="Times New Roman" panose="02020603050405020304" pitchFamily="18" charset="0"/>
+              <a:cs typeface="Times New Roman" panose="02020603050405020304" pitchFamily="18" charset="0"/>
               <a:sym typeface="Arial"/>
             </a:endParaRPr>
           </a:p>
@@ -8732,9 +8775,8 @@
                 <a:solidFill>
                   <a:srgbClr val="000000"/>
                 </a:solidFill>
-                <a:latin typeface="Arial"/>
-                <a:ea typeface="Arial"/>
-                <a:cs typeface="Arial"/>
+                <a:latin typeface="Times New Roman" panose="02020603050405020304" pitchFamily="18" charset="0"/>
+                <a:cs typeface="Times New Roman" panose="02020603050405020304" pitchFamily="18" charset="0"/>
                 <a:sym typeface="Arial"/>
               </a:rPr>
               <a:t>Lab </a:t>
@@ -8744,9 +8786,8 @@
                 <a:solidFill>
                   <a:srgbClr val="000000"/>
                 </a:solidFill>
-                <a:latin typeface="Arial"/>
-                <a:ea typeface="Arial"/>
-                <a:cs typeface="Arial"/>
+                <a:latin typeface="Times New Roman" panose="02020603050405020304" pitchFamily="18" charset="0"/>
+                <a:cs typeface="Times New Roman" panose="02020603050405020304" pitchFamily="18" charset="0"/>
                 <a:sym typeface="Arial"/>
               </a:rPr>
               <a:t>Penelitian</a:t>
@@ -8756,24 +8797,25 @@
                 <a:solidFill>
                   <a:srgbClr val="000000"/>
                 </a:solidFill>
-                <a:latin typeface="Arial"/>
-                <a:ea typeface="Arial"/>
-                <a:cs typeface="Arial"/>
+                <a:latin typeface="Times New Roman" panose="02020603050405020304" pitchFamily="18" charset="0"/>
+                <a:cs typeface="Times New Roman" panose="02020603050405020304" pitchFamily="18" charset="0"/>
                 <a:sym typeface="Arial"/>
               </a:rPr>
               <a:t>		: </a:t>
             </a:r>
             <a:r>
-              <a:rPr lang="en-US" dirty="0"/>
+              <a:rPr lang="en-US" dirty="0">
+                <a:latin typeface="Times New Roman" panose="02020603050405020304" pitchFamily="18" charset="0"/>
+                <a:cs typeface="Times New Roman" panose="02020603050405020304" pitchFamily="18" charset="0"/>
+              </a:rPr>
               <a:t>IR/NLP</a:t>
             </a:r>
             <a:endParaRPr sz="1400" b="0" i="0" u="none" strike="noStrike" cap="none" dirty="0">
               <a:solidFill>
                 <a:srgbClr val="000000"/>
               </a:solidFill>
-              <a:latin typeface="Arial"/>
-              <a:ea typeface="Arial"/>
-              <a:cs typeface="Arial"/>
+              <a:latin typeface="Times New Roman" panose="02020603050405020304" pitchFamily="18" charset="0"/>
+              <a:cs typeface="Times New Roman" panose="02020603050405020304" pitchFamily="18" charset="0"/>
               <a:sym typeface="Arial"/>
             </a:endParaRPr>
           </a:p>
@@ -8851,13 +8893,22 @@
               <a:buNone/>
             </a:pPr>
             <a:r>
-              <a:rPr lang="fi-FI" dirty="0"/>
+              <a:rPr lang="fi-FI" dirty="0">
+                <a:latin typeface="Times New Roman" panose="02020603050405020304" pitchFamily="18" charset="0"/>
+                <a:cs typeface="Times New Roman" panose="02020603050405020304" pitchFamily="18" charset="0"/>
+              </a:rPr>
               <a:t>Rencana Kegiatan dan Waktu Pelaksanaan</a:t>
             </a:r>
             <a:br>
-              <a:rPr lang="fi-FI" dirty="0"/>
+              <a:rPr lang="fi-FI" dirty="0">
+                <a:latin typeface="Times New Roman" panose="02020603050405020304" pitchFamily="18" charset="0"/>
+                <a:cs typeface="Times New Roman" panose="02020603050405020304" pitchFamily="18" charset="0"/>
+              </a:rPr>
             </a:br>
-            <a:endParaRPr lang="fi-FI" dirty="0"/>
+            <a:endParaRPr lang="fi-FI" dirty="0">
+              <a:latin typeface="Times New Roman" panose="02020603050405020304" pitchFamily="18" charset="0"/>
+              <a:cs typeface="Times New Roman" panose="02020603050405020304" pitchFamily="18" charset="0"/>
+            </a:endParaRPr>
           </a:p>
         </p:txBody>
       </p:sp>
@@ -8876,7 +8927,7 @@
           <p:nvPr>
             <p:extLst>
               <p:ext uri="{D42A27DB-BD31-4B8C-83A1-F6EECF244321}">
-                <p14:modId xmlns:p14="http://schemas.microsoft.com/office/powerpoint/2010/main" val="3064006052"/>
+                <p14:modId xmlns:p14="http://schemas.microsoft.com/office/powerpoint/2010/main" val="816505483"/>
               </p:ext>
             </p:extLst>
           </p:nvPr>
@@ -9020,10 +9071,16 @@
                     <a:p>
                       <a:pPr algn="ctr"/>
                       <a:r>
-                        <a:rPr lang="en-US" sz="1200" b="1" dirty="0" err="1"/>
+                        <a:rPr lang="en-US" sz="1200" b="1" dirty="0" err="1">
+                          <a:latin typeface="Times New Roman" panose="02020603050405020304" pitchFamily="18" charset="0"/>
+                          <a:cs typeface="Times New Roman" panose="02020603050405020304" pitchFamily="18" charset="0"/>
+                        </a:rPr>
                         <a:t>Kegiatan</a:t>
                       </a:r>
-                      <a:endParaRPr lang="en-ID" sz="1200" b="1" dirty="0"/>
+                      <a:endParaRPr lang="en-ID" sz="1200" b="1" dirty="0">
+                        <a:latin typeface="Times New Roman" panose="02020603050405020304" pitchFamily="18" charset="0"/>
+                        <a:cs typeface="Times New Roman" panose="02020603050405020304" pitchFamily="18" charset="0"/>
+                      </a:endParaRPr>
                     </a:p>
                   </a:txBody>
                   <a:tcPr anchor="ctr"/>
@@ -9035,10 +9092,16 @@
                     <a:p>
                       <a:pPr algn="ctr"/>
                       <a:r>
-                        <a:rPr lang="en-US" sz="1200" b="1" dirty="0" err="1"/>
+                        <a:rPr lang="en-US" sz="1200" b="1" dirty="0" err="1">
+                          <a:latin typeface="Times New Roman" panose="02020603050405020304" pitchFamily="18" charset="0"/>
+                          <a:cs typeface="Times New Roman" panose="02020603050405020304" pitchFamily="18" charset="0"/>
+                        </a:rPr>
                         <a:t>Februari</a:t>
                       </a:r>
-                      <a:endParaRPr lang="en-ID" sz="1200" b="1" dirty="0"/>
+                      <a:endParaRPr lang="en-ID" sz="1200" b="1" dirty="0">
+                        <a:latin typeface="Times New Roman" panose="02020603050405020304" pitchFamily="18" charset="0"/>
+                        <a:cs typeface="Times New Roman" panose="02020603050405020304" pitchFamily="18" charset="0"/>
+                      </a:endParaRPr>
                     </a:p>
                   </a:txBody>
                   <a:tcPr anchor="ctr"/>
@@ -9080,10 +9143,16 @@
                     <a:p>
                       <a:pPr algn="ctr"/>
                       <a:r>
-                        <a:rPr lang="en-US" sz="1200" b="1" dirty="0" err="1"/>
+                        <a:rPr lang="en-US" sz="1200" b="1" dirty="0" err="1">
+                          <a:latin typeface="Times New Roman" panose="02020603050405020304" pitchFamily="18" charset="0"/>
+                          <a:cs typeface="Times New Roman" panose="02020603050405020304" pitchFamily="18" charset="0"/>
+                        </a:rPr>
                         <a:t>Maret</a:t>
                       </a:r>
-                      <a:endParaRPr lang="en-ID" sz="1200" b="1" dirty="0"/>
+                      <a:endParaRPr lang="en-ID" sz="1200" b="1" dirty="0">
+                        <a:latin typeface="Times New Roman" panose="02020603050405020304" pitchFamily="18" charset="0"/>
+                        <a:cs typeface="Times New Roman" panose="02020603050405020304" pitchFamily="18" charset="0"/>
+                      </a:endParaRPr>
                     </a:p>
                   </a:txBody>
                   <a:tcPr anchor="ctr"/>
@@ -9128,10 +9197,16 @@
                     <a:p>
                       <a:pPr algn="ctr"/>
                       <a:r>
-                        <a:rPr lang="en-US" sz="1200" b="1" dirty="0"/>
+                        <a:rPr lang="en-US" sz="1200" b="1" dirty="0">
+                          <a:latin typeface="Times New Roman" panose="02020603050405020304" pitchFamily="18" charset="0"/>
+                          <a:cs typeface="Times New Roman" panose="02020603050405020304" pitchFamily="18" charset="0"/>
+                        </a:rPr>
                         <a:t>April</a:t>
                       </a:r>
-                      <a:endParaRPr lang="en-ID" sz="1200" b="1" dirty="0"/>
+                      <a:endParaRPr lang="en-ID" sz="1200" b="1" dirty="0">
+                        <a:latin typeface="Times New Roman" panose="02020603050405020304" pitchFamily="18" charset="0"/>
+                        <a:cs typeface="Times New Roman" panose="02020603050405020304" pitchFamily="18" charset="0"/>
+                      </a:endParaRPr>
                     </a:p>
                   </a:txBody>
                   <a:tcPr anchor="ctr"/>
@@ -9176,10 +9251,16 @@
                     <a:p>
                       <a:pPr algn="ctr"/>
                       <a:r>
-                        <a:rPr lang="en-US" sz="1200" b="1" dirty="0"/>
+                        <a:rPr lang="en-US" sz="1200" b="1" dirty="0">
+                          <a:latin typeface="Times New Roman" panose="02020603050405020304" pitchFamily="18" charset="0"/>
+                          <a:cs typeface="Times New Roman" panose="02020603050405020304" pitchFamily="18" charset="0"/>
+                        </a:rPr>
                         <a:t>Mei</a:t>
                       </a:r>
-                      <a:endParaRPr lang="en-ID" sz="1200" b="1" dirty="0"/>
+                      <a:endParaRPr lang="en-ID" sz="1200" b="1" dirty="0">
+                        <a:latin typeface="Times New Roman" panose="02020603050405020304" pitchFamily="18" charset="0"/>
+                        <a:cs typeface="Times New Roman" panose="02020603050405020304" pitchFamily="18" charset="0"/>
+                      </a:endParaRPr>
                     </a:p>
                   </a:txBody>
                   <a:tcPr anchor="ctr"/>
@@ -9242,10 +9323,16 @@
                     <a:p>
                       <a:pPr algn="ctr"/>
                       <a:r>
-                        <a:rPr lang="en-US" sz="800" b="1" dirty="0"/>
+                        <a:rPr lang="en-US" sz="800" b="1" dirty="0">
+                          <a:latin typeface="Times New Roman" panose="02020603050405020304" pitchFamily="18" charset="0"/>
+                          <a:cs typeface="Times New Roman" panose="02020603050405020304" pitchFamily="18" charset="0"/>
+                        </a:rPr>
                         <a:t>W1</a:t>
                       </a:r>
-                      <a:endParaRPr lang="en-ID" sz="800" b="1" dirty="0"/>
+                      <a:endParaRPr lang="en-ID" sz="800" b="1" dirty="0">
+                        <a:latin typeface="Times New Roman" panose="02020603050405020304" pitchFamily="18" charset="0"/>
+                        <a:cs typeface="Times New Roman" panose="02020603050405020304" pitchFamily="18" charset="0"/>
+                      </a:endParaRPr>
                     </a:p>
                   </a:txBody>
                   <a:tcPr anchor="ctr"/>
@@ -9257,10 +9344,16 @@
                     <a:p>
                       <a:pPr algn="ctr"/>
                       <a:r>
-                        <a:rPr lang="en-US" sz="800" b="1" dirty="0"/>
+                        <a:rPr lang="en-US" sz="800" b="1" dirty="0">
+                          <a:latin typeface="Times New Roman" panose="02020603050405020304" pitchFamily="18" charset="0"/>
+                          <a:cs typeface="Times New Roman" panose="02020603050405020304" pitchFamily="18" charset="0"/>
+                        </a:rPr>
                         <a:t>W2</a:t>
                       </a:r>
-                      <a:endParaRPr lang="en-ID" sz="800" b="1" dirty="0"/>
+                      <a:endParaRPr lang="en-ID" sz="800" b="1" dirty="0">
+                        <a:latin typeface="Times New Roman" panose="02020603050405020304" pitchFamily="18" charset="0"/>
+                        <a:cs typeface="Times New Roman" panose="02020603050405020304" pitchFamily="18" charset="0"/>
+                      </a:endParaRPr>
                     </a:p>
                   </a:txBody>
                   <a:tcPr anchor="ctr"/>
@@ -9272,10 +9365,16 @@
                     <a:p>
                       <a:pPr algn="ctr"/>
                       <a:r>
-                        <a:rPr lang="en-US" sz="800" b="1" dirty="0"/>
+                        <a:rPr lang="en-US" sz="800" b="1" dirty="0">
+                          <a:latin typeface="Times New Roman" panose="02020603050405020304" pitchFamily="18" charset="0"/>
+                          <a:cs typeface="Times New Roman" panose="02020603050405020304" pitchFamily="18" charset="0"/>
+                        </a:rPr>
                         <a:t>W3</a:t>
                       </a:r>
-                      <a:endParaRPr lang="en-ID" sz="800" b="1" dirty="0"/>
+                      <a:endParaRPr lang="en-ID" sz="800" b="1" dirty="0">
+                        <a:latin typeface="Times New Roman" panose="02020603050405020304" pitchFamily="18" charset="0"/>
+                        <a:cs typeface="Times New Roman" panose="02020603050405020304" pitchFamily="18" charset="0"/>
+                      </a:endParaRPr>
                     </a:p>
                   </a:txBody>
                   <a:tcPr anchor="ctr"/>
@@ -9287,10 +9386,16 @@
                     <a:p>
                       <a:pPr algn="ctr"/>
                       <a:r>
-                        <a:rPr lang="en-US" sz="800" b="1" dirty="0"/>
+                        <a:rPr lang="en-US" sz="800" b="1" dirty="0">
+                          <a:latin typeface="Times New Roman" panose="02020603050405020304" pitchFamily="18" charset="0"/>
+                          <a:cs typeface="Times New Roman" panose="02020603050405020304" pitchFamily="18" charset="0"/>
+                        </a:rPr>
                         <a:t>W4</a:t>
                       </a:r>
-                      <a:endParaRPr lang="en-ID" sz="800" b="1" dirty="0"/>
+                      <a:endParaRPr lang="en-ID" sz="800" b="1" dirty="0">
+                        <a:latin typeface="Times New Roman" panose="02020603050405020304" pitchFamily="18" charset="0"/>
+                        <a:cs typeface="Times New Roman" panose="02020603050405020304" pitchFamily="18" charset="0"/>
+                      </a:endParaRPr>
                     </a:p>
                   </a:txBody>
                   <a:tcPr anchor="ctr"/>
@@ -9302,10 +9407,16 @@
                     <a:p>
                       <a:pPr algn="ctr"/>
                       <a:r>
-                        <a:rPr lang="en-US" sz="800" b="1" dirty="0"/>
+                        <a:rPr lang="en-US" sz="800" b="1" dirty="0">
+                          <a:latin typeface="Times New Roman" panose="02020603050405020304" pitchFamily="18" charset="0"/>
+                          <a:cs typeface="Times New Roman" panose="02020603050405020304" pitchFamily="18" charset="0"/>
+                        </a:rPr>
                         <a:t>W1</a:t>
                       </a:r>
-                      <a:endParaRPr lang="en-ID" sz="800" b="1" dirty="0"/>
+                      <a:endParaRPr lang="en-ID" sz="800" b="1" dirty="0">
+                        <a:latin typeface="Times New Roman" panose="02020603050405020304" pitchFamily="18" charset="0"/>
+                        <a:cs typeface="Times New Roman" panose="02020603050405020304" pitchFamily="18" charset="0"/>
+                      </a:endParaRPr>
                     </a:p>
                   </a:txBody>
                   <a:tcPr anchor="ctr"/>
@@ -9317,10 +9428,16 @@
                     <a:p>
                       <a:pPr algn="ctr"/>
                       <a:r>
-                        <a:rPr lang="en-US" sz="800" b="1" dirty="0"/>
+                        <a:rPr lang="en-US" sz="800" b="1" dirty="0">
+                          <a:latin typeface="Times New Roman" panose="02020603050405020304" pitchFamily="18" charset="0"/>
+                          <a:cs typeface="Times New Roman" panose="02020603050405020304" pitchFamily="18" charset="0"/>
+                        </a:rPr>
                         <a:t>W2</a:t>
                       </a:r>
-                      <a:endParaRPr lang="en-ID" sz="800" b="1" dirty="0"/>
+                      <a:endParaRPr lang="en-ID" sz="800" b="1" dirty="0">
+                        <a:latin typeface="Times New Roman" panose="02020603050405020304" pitchFamily="18" charset="0"/>
+                        <a:cs typeface="Times New Roman" panose="02020603050405020304" pitchFamily="18" charset="0"/>
+                      </a:endParaRPr>
                     </a:p>
                   </a:txBody>
                   <a:tcPr anchor="ctr"/>
@@ -9332,10 +9449,16 @@
                     <a:p>
                       <a:pPr algn="ctr"/>
                       <a:r>
-                        <a:rPr lang="en-US" sz="800" b="1" dirty="0"/>
+                        <a:rPr lang="en-US" sz="800" b="1" dirty="0">
+                          <a:latin typeface="Times New Roman" panose="02020603050405020304" pitchFamily="18" charset="0"/>
+                          <a:cs typeface="Times New Roman" panose="02020603050405020304" pitchFamily="18" charset="0"/>
+                        </a:rPr>
                         <a:t>W3</a:t>
                       </a:r>
-                      <a:endParaRPr lang="en-ID" sz="800" b="1" dirty="0"/>
+                      <a:endParaRPr lang="en-ID" sz="800" b="1" dirty="0">
+                        <a:latin typeface="Times New Roman" panose="02020603050405020304" pitchFamily="18" charset="0"/>
+                        <a:cs typeface="Times New Roman" panose="02020603050405020304" pitchFamily="18" charset="0"/>
+                      </a:endParaRPr>
                     </a:p>
                   </a:txBody>
                   <a:tcPr anchor="ctr"/>
@@ -9347,10 +9470,16 @@
                     <a:p>
                       <a:pPr algn="ctr"/>
                       <a:r>
-                        <a:rPr lang="en-US" sz="800" b="1" dirty="0"/>
+                        <a:rPr lang="en-US" sz="800" b="1" dirty="0">
+                          <a:latin typeface="Times New Roman" panose="02020603050405020304" pitchFamily="18" charset="0"/>
+                          <a:cs typeface="Times New Roman" panose="02020603050405020304" pitchFamily="18" charset="0"/>
+                        </a:rPr>
                         <a:t>W4</a:t>
                       </a:r>
-                      <a:endParaRPr lang="en-ID" sz="800" b="1" dirty="0"/>
+                      <a:endParaRPr lang="en-ID" sz="800" b="1" dirty="0">
+                        <a:latin typeface="Times New Roman" panose="02020603050405020304" pitchFamily="18" charset="0"/>
+                        <a:cs typeface="Times New Roman" panose="02020603050405020304" pitchFamily="18" charset="0"/>
+                      </a:endParaRPr>
                     </a:p>
                   </a:txBody>
                   <a:tcPr anchor="ctr"/>
@@ -9362,10 +9491,16 @@
                     <a:p>
                       <a:pPr algn="ctr"/>
                       <a:r>
-                        <a:rPr lang="en-US" sz="800" b="1" dirty="0"/>
+                        <a:rPr lang="en-US" sz="800" b="1" dirty="0">
+                          <a:latin typeface="Times New Roman" panose="02020603050405020304" pitchFamily="18" charset="0"/>
+                          <a:cs typeface="Times New Roman" panose="02020603050405020304" pitchFamily="18" charset="0"/>
+                        </a:rPr>
                         <a:t>W1</a:t>
                       </a:r>
-                      <a:endParaRPr lang="en-ID" sz="800" b="1" dirty="0"/>
+                      <a:endParaRPr lang="en-ID" sz="800" b="1" dirty="0">
+                        <a:latin typeface="Times New Roman" panose="02020603050405020304" pitchFamily="18" charset="0"/>
+                        <a:cs typeface="Times New Roman" panose="02020603050405020304" pitchFamily="18" charset="0"/>
+                      </a:endParaRPr>
                     </a:p>
                   </a:txBody>
                   <a:tcPr anchor="ctr"/>
@@ -9377,10 +9512,16 @@
                     <a:p>
                       <a:pPr algn="ctr"/>
                       <a:r>
-                        <a:rPr lang="en-US" sz="800" b="1" dirty="0"/>
+                        <a:rPr lang="en-US" sz="800" b="1" dirty="0">
+                          <a:latin typeface="Times New Roman" panose="02020603050405020304" pitchFamily="18" charset="0"/>
+                          <a:cs typeface="Times New Roman" panose="02020603050405020304" pitchFamily="18" charset="0"/>
+                        </a:rPr>
                         <a:t>W2</a:t>
                       </a:r>
-                      <a:endParaRPr lang="en-ID" sz="800" b="1" dirty="0"/>
+                      <a:endParaRPr lang="en-ID" sz="800" b="1" dirty="0">
+                        <a:latin typeface="Times New Roman" panose="02020603050405020304" pitchFamily="18" charset="0"/>
+                        <a:cs typeface="Times New Roman" panose="02020603050405020304" pitchFamily="18" charset="0"/>
+                      </a:endParaRPr>
                     </a:p>
                   </a:txBody>
                   <a:tcPr anchor="ctr"/>
@@ -9392,10 +9533,16 @@
                     <a:p>
                       <a:pPr algn="ctr"/>
                       <a:r>
-                        <a:rPr lang="en-US" sz="800" b="1" dirty="0"/>
+                        <a:rPr lang="en-US" sz="800" b="1" dirty="0">
+                          <a:latin typeface="Times New Roman" panose="02020603050405020304" pitchFamily="18" charset="0"/>
+                          <a:cs typeface="Times New Roman" panose="02020603050405020304" pitchFamily="18" charset="0"/>
+                        </a:rPr>
                         <a:t>W3</a:t>
                       </a:r>
-                      <a:endParaRPr lang="en-ID" sz="800" b="1" dirty="0"/>
+                      <a:endParaRPr lang="en-ID" sz="800" b="1" dirty="0">
+                        <a:latin typeface="Times New Roman" panose="02020603050405020304" pitchFamily="18" charset="0"/>
+                        <a:cs typeface="Times New Roman" panose="02020603050405020304" pitchFamily="18" charset="0"/>
+                      </a:endParaRPr>
                     </a:p>
                   </a:txBody>
                   <a:tcPr anchor="ctr"/>
@@ -9407,10 +9554,16 @@
                     <a:p>
                       <a:pPr algn="ctr"/>
                       <a:r>
-                        <a:rPr lang="en-US" sz="800" b="1" dirty="0"/>
+                        <a:rPr lang="en-US" sz="800" b="1" dirty="0">
+                          <a:latin typeface="Times New Roman" panose="02020603050405020304" pitchFamily="18" charset="0"/>
+                          <a:cs typeface="Times New Roman" panose="02020603050405020304" pitchFamily="18" charset="0"/>
+                        </a:rPr>
                         <a:t>W4</a:t>
                       </a:r>
-                      <a:endParaRPr lang="en-ID" sz="800" b="1" dirty="0"/>
+                      <a:endParaRPr lang="en-ID" sz="800" b="1" dirty="0">
+                        <a:latin typeface="Times New Roman" panose="02020603050405020304" pitchFamily="18" charset="0"/>
+                        <a:cs typeface="Times New Roman" panose="02020603050405020304" pitchFamily="18" charset="0"/>
+                      </a:endParaRPr>
                     </a:p>
                   </a:txBody>
                   <a:tcPr anchor="ctr"/>
@@ -9422,10 +9575,16 @@
                     <a:p>
                       <a:pPr algn="ctr"/>
                       <a:r>
-                        <a:rPr lang="en-US" sz="800" b="1" dirty="0"/>
+                        <a:rPr lang="en-US" sz="800" b="1" dirty="0">
+                          <a:latin typeface="Times New Roman" panose="02020603050405020304" pitchFamily="18" charset="0"/>
+                          <a:cs typeface="Times New Roman" panose="02020603050405020304" pitchFamily="18" charset="0"/>
+                        </a:rPr>
                         <a:t>W1</a:t>
                       </a:r>
-                      <a:endParaRPr lang="en-ID" sz="800" b="1" dirty="0"/>
+                      <a:endParaRPr lang="en-ID" sz="800" b="1" dirty="0">
+                        <a:latin typeface="Times New Roman" panose="02020603050405020304" pitchFamily="18" charset="0"/>
+                        <a:cs typeface="Times New Roman" panose="02020603050405020304" pitchFamily="18" charset="0"/>
+                      </a:endParaRPr>
                     </a:p>
                   </a:txBody>
                   <a:tcPr anchor="ctr"/>
@@ -9437,10 +9596,16 @@
                     <a:p>
                       <a:pPr algn="ctr"/>
                       <a:r>
-                        <a:rPr lang="en-US" sz="800" b="1" dirty="0"/>
+                        <a:rPr lang="en-US" sz="800" b="1" dirty="0">
+                          <a:latin typeface="Times New Roman" panose="02020603050405020304" pitchFamily="18" charset="0"/>
+                          <a:cs typeface="Times New Roman" panose="02020603050405020304" pitchFamily="18" charset="0"/>
+                        </a:rPr>
                         <a:t>W2</a:t>
                       </a:r>
-                      <a:endParaRPr lang="en-ID" sz="800" b="1" dirty="0"/>
+                      <a:endParaRPr lang="en-ID" sz="800" b="1" dirty="0">
+                        <a:latin typeface="Times New Roman" panose="02020603050405020304" pitchFamily="18" charset="0"/>
+                        <a:cs typeface="Times New Roman" panose="02020603050405020304" pitchFamily="18" charset="0"/>
+                      </a:endParaRPr>
                     </a:p>
                   </a:txBody>
                   <a:tcPr anchor="ctr"/>
@@ -9452,10 +9617,16 @@
                     <a:p>
                       <a:pPr algn="ctr"/>
                       <a:r>
-                        <a:rPr lang="en-US" sz="800" b="1" dirty="0"/>
+                        <a:rPr lang="en-US" sz="800" b="1" dirty="0">
+                          <a:latin typeface="Times New Roman" panose="02020603050405020304" pitchFamily="18" charset="0"/>
+                          <a:cs typeface="Times New Roman" panose="02020603050405020304" pitchFamily="18" charset="0"/>
+                        </a:rPr>
                         <a:t>W3</a:t>
                       </a:r>
-                      <a:endParaRPr lang="en-ID" sz="800" b="1" dirty="0"/>
+                      <a:endParaRPr lang="en-ID" sz="800" b="1" dirty="0">
+                        <a:latin typeface="Times New Roman" panose="02020603050405020304" pitchFamily="18" charset="0"/>
+                        <a:cs typeface="Times New Roman" panose="02020603050405020304" pitchFamily="18" charset="0"/>
+                      </a:endParaRPr>
                     </a:p>
                   </a:txBody>
                   <a:tcPr anchor="ctr"/>
@@ -9467,10 +9638,16 @@
                     <a:p>
                       <a:pPr algn="ctr"/>
                       <a:r>
-                        <a:rPr lang="en-US" sz="800" b="1" dirty="0"/>
+                        <a:rPr lang="en-US" sz="800" b="1" dirty="0">
+                          <a:latin typeface="Times New Roman" panose="02020603050405020304" pitchFamily="18" charset="0"/>
+                          <a:cs typeface="Times New Roman" panose="02020603050405020304" pitchFamily="18" charset="0"/>
+                        </a:rPr>
                         <a:t>W4</a:t>
                       </a:r>
-                      <a:endParaRPr lang="en-ID" sz="800" b="1" dirty="0"/>
+                      <a:endParaRPr lang="en-ID" sz="800" b="1" dirty="0">
+                        <a:latin typeface="Times New Roman" panose="02020603050405020304" pitchFamily="18" charset="0"/>
+                        <a:cs typeface="Times New Roman" panose="02020603050405020304" pitchFamily="18" charset="0"/>
+                      </a:endParaRPr>
                     </a:p>
                   </a:txBody>
                   <a:tcPr anchor="ctr"/>
@@ -9489,14 +9666,23 @@
                     <a:p>
                       <a:pPr algn="l"/>
                       <a:r>
-                        <a:rPr lang="en-US" sz="900" dirty="0" err="1"/>
+                        <a:rPr lang="en-US" sz="900" dirty="0" err="1">
+                          <a:latin typeface="Times New Roman" panose="02020603050405020304" pitchFamily="18" charset="0"/>
+                          <a:cs typeface="Times New Roman" panose="02020603050405020304" pitchFamily="18" charset="0"/>
+                        </a:rPr>
                         <a:t>Eksplorasi</a:t>
                       </a:r>
                       <a:r>
-                        <a:rPr lang="en-US" sz="900" dirty="0"/>
+                        <a:rPr lang="en-US" sz="900" dirty="0">
+                          <a:latin typeface="Times New Roman" panose="02020603050405020304" pitchFamily="18" charset="0"/>
+                          <a:cs typeface="Times New Roman" panose="02020603050405020304" pitchFamily="18" charset="0"/>
+                        </a:rPr>
                         <a:t> data</a:t>
                       </a:r>
-                      <a:endParaRPr lang="en-ID" sz="900" dirty="0"/>
+                      <a:endParaRPr lang="en-ID" sz="900" dirty="0">
+                        <a:latin typeface="Times New Roman" panose="02020603050405020304" pitchFamily="18" charset="0"/>
+                        <a:cs typeface="Times New Roman" panose="02020603050405020304" pitchFamily="18" charset="0"/>
+                      </a:endParaRPr>
                     </a:p>
                   </a:txBody>
                   <a:tcPr anchor="ctr"/>
@@ -9511,6 +9697,8 @@
                         <a:highlight>
                           <a:srgbClr val="FF0000"/>
                         </a:highlight>
+                        <a:latin typeface="Times New Roman" panose="02020603050405020304" pitchFamily="18" charset="0"/>
+                        <a:cs typeface="Times New Roman" panose="02020603050405020304" pitchFamily="18" charset="0"/>
                       </a:endParaRPr>
                     </a:p>
                   </a:txBody>
@@ -9530,6 +9718,8 @@
                         <a:highlight>
                           <a:srgbClr val="FF0000"/>
                         </a:highlight>
+                        <a:latin typeface="Times New Roman" panose="02020603050405020304" pitchFamily="18" charset="0"/>
+                        <a:cs typeface="Times New Roman" panose="02020603050405020304" pitchFamily="18" charset="0"/>
                       </a:endParaRPr>
                     </a:p>
                   </a:txBody>
@@ -9549,6 +9739,8 @@
                         <a:highlight>
                           <a:srgbClr val="FF0000"/>
                         </a:highlight>
+                        <a:latin typeface="Times New Roman" panose="02020603050405020304" pitchFamily="18" charset="0"/>
+                        <a:cs typeface="Times New Roman" panose="02020603050405020304" pitchFamily="18" charset="0"/>
                       </a:endParaRPr>
                     </a:p>
                   </a:txBody>
@@ -9568,6 +9760,8 @@
                         <a:highlight>
                           <a:srgbClr val="FF0000"/>
                         </a:highlight>
+                        <a:latin typeface="Times New Roman" panose="02020603050405020304" pitchFamily="18" charset="0"/>
+                        <a:cs typeface="Times New Roman" panose="02020603050405020304" pitchFamily="18" charset="0"/>
                       </a:endParaRPr>
                     </a:p>
                   </a:txBody>
@@ -9583,7 +9777,10 @@
                     <a:lstStyle/>
                     <a:p>
                       <a:pPr algn="ctr"/>
-                      <a:endParaRPr lang="en-ID" sz="1200" dirty="0"/>
+                      <a:endParaRPr lang="en-ID" sz="1200" dirty="0">
+                        <a:latin typeface="Times New Roman" panose="02020603050405020304" pitchFamily="18" charset="0"/>
+                        <a:cs typeface="Times New Roman" panose="02020603050405020304" pitchFamily="18" charset="0"/>
+                      </a:endParaRPr>
                     </a:p>
                   </a:txBody>
                   <a:tcPr anchor="ctr"/>
@@ -9594,7 +9791,10 @@
                     <a:lstStyle/>
                     <a:p>
                       <a:pPr algn="ctr"/>
-                      <a:endParaRPr lang="en-ID" sz="1200" dirty="0"/>
+                      <a:endParaRPr lang="en-ID" sz="1200" dirty="0">
+                        <a:latin typeface="Times New Roman" panose="02020603050405020304" pitchFamily="18" charset="0"/>
+                        <a:cs typeface="Times New Roman" panose="02020603050405020304" pitchFamily="18" charset="0"/>
+                      </a:endParaRPr>
                     </a:p>
                   </a:txBody>
                   <a:tcPr anchor="ctr"/>
@@ -9605,7 +9805,10 @@
                     <a:lstStyle/>
                     <a:p>
                       <a:pPr algn="ctr"/>
-                      <a:endParaRPr lang="en-ID" sz="1200" dirty="0"/>
+                      <a:endParaRPr lang="en-ID" sz="1200" dirty="0">
+                        <a:latin typeface="Times New Roman" panose="02020603050405020304" pitchFamily="18" charset="0"/>
+                        <a:cs typeface="Times New Roman" panose="02020603050405020304" pitchFamily="18" charset="0"/>
+                      </a:endParaRPr>
                     </a:p>
                   </a:txBody>
                   <a:tcPr anchor="ctr"/>
@@ -9616,7 +9819,10 @@
                     <a:lstStyle/>
                     <a:p>
                       <a:pPr algn="ctr"/>
-                      <a:endParaRPr lang="en-ID" sz="1200" dirty="0"/>
+                      <a:endParaRPr lang="en-ID" sz="1200" dirty="0">
+                        <a:latin typeface="Times New Roman" panose="02020603050405020304" pitchFamily="18" charset="0"/>
+                        <a:cs typeface="Times New Roman" panose="02020603050405020304" pitchFamily="18" charset="0"/>
+                      </a:endParaRPr>
                     </a:p>
                   </a:txBody>
                   <a:tcPr anchor="ctr"/>
@@ -9627,7 +9833,10 @@
                     <a:lstStyle/>
                     <a:p>
                       <a:pPr algn="ctr"/>
-                      <a:endParaRPr lang="en-ID" sz="1200"/>
+                      <a:endParaRPr lang="en-ID" sz="1200">
+                        <a:latin typeface="Times New Roman" panose="02020603050405020304" pitchFamily="18" charset="0"/>
+                        <a:cs typeface="Times New Roman" panose="02020603050405020304" pitchFamily="18" charset="0"/>
+                      </a:endParaRPr>
                     </a:p>
                   </a:txBody>
                   <a:tcPr anchor="ctr"/>
@@ -9638,7 +9847,10 @@
                     <a:lstStyle/>
                     <a:p>
                       <a:pPr algn="ctr"/>
-                      <a:endParaRPr lang="en-ID" sz="1200" dirty="0"/>
+                      <a:endParaRPr lang="en-ID" sz="1200" dirty="0">
+                        <a:latin typeface="Times New Roman" panose="02020603050405020304" pitchFamily="18" charset="0"/>
+                        <a:cs typeface="Times New Roman" panose="02020603050405020304" pitchFamily="18" charset="0"/>
+                      </a:endParaRPr>
                     </a:p>
                   </a:txBody>
                   <a:tcPr anchor="ctr"/>
@@ -9649,7 +9861,10 @@
                     <a:lstStyle/>
                     <a:p>
                       <a:pPr algn="ctr"/>
-                      <a:endParaRPr lang="en-ID" sz="1200" dirty="0"/>
+                      <a:endParaRPr lang="en-ID" sz="1200" dirty="0">
+                        <a:latin typeface="Times New Roman" panose="02020603050405020304" pitchFamily="18" charset="0"/>
+                        <a:cs typeface="Times New Roman" panose="02020603050405020304" pitchFamily="18" charset="0"/>
+                      </a:endParaRPr>
                     </a:p>
                   </a:txBody>
                   <a:tcPr anchor="ctr"/>
@@ -9660,7 +9875,10 @@
                     <a:lstStyle/>
                     <a:p>
                       <a:pPr algn="ctr"/>
-                      <a:endParaRPr lang="en-ID" sz="1200" dirty="0"/>
+                      <a:endParaRPr lang="en-ID" sz="1200" dirty="0">
+                        <a:latin typeface="Times New Roman" panose="02020603050405020304" pitchFamily="18" charset="0"/>
+                        <a:cs typeface="Times New Roman" panose="02020603050405020304" pitchFamily="18" charset="0"/>
+                      </a:endParaRPr>
                     </a:p>
                   </a:txBody>
                   <a:tcPr anchor="ctr"/>
@@ -9671,7 +9889,10 @@
                     <a:lstStyle/>
                     <a:p>
                       <a:pPr algn="ctr"/>
-                      <a:endParaRPr lang="en-ID" sz="1200" dirty="0"/>
+                      <a:endParaRPr lang="en-ID" sz="1200" dirty="0">
+                        <a:latin typeface="Times New Roman" panose="02020603050405020304" pitchFamily="18" charset="0"/>
+                        <a:cs typeface="Times New Roman" panose="02020603050405020304" pitchFamily="18" charset="0"/>
+                      </a:endParaRPr>
                     </a:p>
                   </a:txBody>
                   <a:tcPr anchor="ctr"/>
@@ -9682,7 +9903,10 @@
                     <a:lstStyle/>
                     <a:p>
                       <a:pPr algn="ctr"/>
-                      <a:endParaRPr lang="en-ID" sz="1200" dirty="0"/>
+                      <a:endParaRPr lang="en-ID" sz="1200" dirty="0">
+                        <a:latin typeface="Times New Roman" panose="02020603050405020304" pitchFamily="18" charset="0"/>
+                        <a:cs typeface="Times New Roman" panose="02020603050405020304" pitchFamily="18" charset="0"/>
+                      </a:endParaRPr>
                     </a:p>
                   </a:txBody>
                   <a:tcPr anchor="ctr"/>
@@ -9693,7 +9917,10 @@
                     <a:lstStyle/>
                     <a:p>
                       <a:pPr algn="ctr"/>
-                      <a:endParaRPr lang="en-ID" sz="1200"/>
+                      <a:endParaRPr lang="en-ID" sz="1200">
+                        <a:latin typeface="Times New Roman" panose="02020603050405020304" pitchFamily="18" charset="0"/>
+                        <a:cs typeface="Times New Roman" panose="02020603050405020304" pitchFamily="18" charset="0"/>
+                      </a:endParaRPr>
                     </a:p>
                   </a:txBody>
                   <a:tcPr anchor="ctr"/>
@@ -9704,7 +9931,10 @@
                     <a:lstStyle/>
                     <a:p>
                       <a:pPr algn="ctr"/>
-                      <a:endParaRPr lang="en-ID" sz="1200"/>
+                      <a:endParaRPr lang="en-ID" sz="1200">
+                        <a:latin typeface="Times New Roman" panose="02020603050405020304" pitchFamily="18" charset="0"/>
+                        <a:cs typeface="Times New Roman" panose="02020603050405020304" pitchFamily="18" charset="0"/>
+                      </a:endParaRPr>
                     </a:p>
                   </a:txBody>
                   <a:tcPr anchor="ctr"/>
@@ -9723,18 +9953,30 @@
                     <a:p>
                       <a:pPr algn="l"/>
                       <a:r>
-                        <a:rPr lang="en-US" sz="900" dirty="0" err="1"/>
+                        <a:rPr lang="en-US" sz="900" dirty="0" err="1">
+                          <a:latin typeface="Times New Roman" panose="02020603050405020304" pitchFamily="18" charset="0"/>
+                          <a:cs typeface="Times New Roman" panose="02020603050405020304" pitchFamily="18" charset="0"/>
+                        </a:rPr>
                         <a:t>Pengembangan</a:t>
                       </a:r>
                       <a:r>
-                        <a:rPr lang="en-US" sz="900" dirty="0"/>
+                        <a:rPr lang="en-US" sz="900" dirty="0">
+                          <a:latin typeface="Times New Roman" panose="02020603050405020304" pitchFamily="18" charset="0"/>
+                          <a:cs typeface="Times New Roman" panose="02020603050405020304" pitchFamily="18" charset="0"/>
+                        </a:rPr>
                         <a:t> </a:t>
                       </a:r>
                       <a:r>
-                        <a:rPr lang="en-US" sz="900" dirty="0" err="1"/>
+                        <a:rPr lang="en-US" sz="900" dirty="0" err="1">
+                          <a:latin typeface="Times New Roman" panose="02020603050405020304" pitchFamily="18" charset="0"/>
+                          <a:cs typeface="Times New Roman" panose="02020603050405020304" pitchFamily="18" charset="0"/>
+                        </a:rPr>
                         <a:t>Ontologi</a:t>
                       </a:r>
-                      <a:endParaRPr lang="en-ID" sz="900" dirty="0"/>
+                      <a:endParaRPr lang="en-ID" sz="900" dirty="0">
+                        <a:latin typeface="Times New Roman" panose="02020603050405020304" pitchFamily="18" charset="0"/>
+                        <a:cs typeface="Times New Roman" panose="02020603050405020304" pitchFamily="18" charset="0"/>
+                      </a:endParaRPr>
                     </a:p>
                   </a:txBody>
                   <a:tcPr anchor="ctr"/>
@@ -9745,7 +9987,10 @@
                     <a:lstStyle/>
                     <a:p>
                       <a:pPr algn="ctr"/>
-                      <a:endParaRPr lang="en-ID" sz="1200"/>
+                      <a:endParaRPr lang="en-ID" sz="1200">
+                        <a:latin typeface="Times New Roman" panose="02020603050405020304" pitchFamily="18" charset="0"/>
+                        <a:cs typeface="Times New Roman" panose="02020603050405020304" pitchFamily="18" charset="0"/>
+                      </a:endParaRPr>
                     </a:p>
                   </a:txBody>
                   <a:tcPr anchor="ctr"/>
@@ -9756,7 +10001,10 @@
                     <a:lstStyle/>
                     <a:p>
                       <a:pPr algn="ctr"/>
-                      <a:endParaRPr lang="en-ID" sz="1200"/>
+                      <a:endParaRPr lang="en-ID" sz="1200">
+                        <a:latin typeface="Times New Roman" panose="02020603050405020304" pitchFamily="18" charset="0"/>
+                        <a:cs typeface="Times New Roman" panose="02020603050405020304" pitchFamily="18" charset="0"/>
+                      </a:endParaRPr>
                     </a:p>
                   </a:txBody>
                   <a:tcPr anchor="ctr"/>
@@ -9767,7 +10015,10 @@
                     <a:lstStyle/>
                     <a:p>
                       <a:pPr algn="ctr"/>
-                      <a:endParaRPr lang="en-ID" sz="1200" dirty="0"/>
+                      <a:endParaRPr lang="en-ID" sz="1200" dirty="0">
+                        <a:latin typeface="Times New Roman" panose="02020603050405020304" pitchFamily="18" charset="0"/>
+                        <a:cs typeface="Times New Roman" panose="02020603050405020304" pitchFamily="18" charset="0"/>
+                      </a:endParaRPr>
                     </a:p>
                   </a:txBody>
                   <a:tcPr anchor="ctr">
@@ -9782,7 +10033,10 @@
                     <a:lstStyle/>
                     <a:p>
                       <a:pPr algn="ctr"/>
-                      <a:endParaRPr lang="en-ID" sz="1200" dirty="0"/>
+                      <a:endParaRPr lang="en-ID" sz="1200" dirty="0">
+                        <a:latin typeface="Times New Roman" panose="02020603050405020304" pitchFamily="18" charset="0"/>
+                        <a:cs typeface="Times New Roman" panose="02020603050405020304" pitchFamily="18" charset="0"/>
+                      </a:endParaRPr>
                     </a:p>
                   </a:txBody>
                   <a:tcPr anchor="ctr">
@@ -9797,7 +10051,10 @@
                     <a:lstStyle/>
                     <a:p>
                       <a:pPr algn="ctr"/>
-                      <a:endParaRPr lang="en-ID" sz="1200" dirty="0"/>
+                      <a:endParaRPr lang="en-ID" sz="1200" dirty="0">
+                        <a:latin typeface="Times New Roman" panose="02020603050405020304" pitchFamily="18" charset="0"/>
+                        <a:cs typeface="Times New Roman" panose="02020603050405020304" pitchFamily="18" charset="0"/>
+                      </a:endParaRPr>
                     </a:p>
                   </a:txBody>
                   <a:tcPr anchor="ctr">
@@ -9812,7 +10069,10 @@
                     <a:lstStyle/>
                     <a:p>
                       <a:pPr algn="ctr"/>
-                      <a:endParaRPr lang="en-ID" sz="1200" dirty="0"/>
+                      <a:endParaRPr lang="en-ID" sz="1200" dirty="0">
+                        <a:latin typeface="Times New Roman" panose="02020603050405020304" pitchFamily="18" charset="0"/>
+                        <a:cs typeface="Times New Roman" panose="02020603050405020304" pitchFamily="18" charset="0"/>
+                      </a:endParaRPr>
                     </a:p>
                   </a:txBody>
                   <a:tcPr anchor="ctr">
@@ -9827,7 +10087,10 @@
                     <a:lstStyle/>
                     <a:p>
                       <a:pPr algn="ctr"/>
-                      <a:endParaRPr lang="en-ID" sz="1200" dirty="0"/>
+                      <a:endParaRPr lang="en-ID" sz="1200" dirty="0">
+                        <a:latin typeface="Times New Roman" panose="02020603050405020304" pitchFamily="18" charset="0"/>
+                        <a:cs typeface="Times New Roman" panose="02020603050405020304" pitchFamily="18" charset="0"/>
+                      </a:endParaRPr>
                     </a:p>
                   </a:txBody>
                   <a:tcPr anchor="ctr">
@@ -9842,7 +10105,10 @@
                     <a:lstStyle/>
                     <a:p>
                       <a:pPr algn="ctr"/>
-                      <a:endParaRPr lang="en-ID" sz="1200" dirty="0"/>
+                      <a:endParaRPr lang="en-ID" sz="1200" dirty="0">
+                        <a:latin typeface="Times New Roman" panose="02020603050405020304" pitchFamily="18" charset="0"/>
+                        <a:cs typeface="Times New Roman" panose="02020603050405020304" pitchFamily="18" charset="0"/>
+                      </a:endParaRPr>
                     </a:p>
                   </a:txBody>
                   <a:tcPr anchor="ctr"/>
@@ -9853,7 +10119,10 @@
                     <a:lstStyle/>
                     <a:p>
                       <a:pPr algn="ctr"/>
-                      <a:endParaRPr lang="en-ID" sz="1200" dirty="0"/>
+                      <a:endParaRPr lang="en-ID" sz="1200" dirty="0">
+                        <a:latin typeface="Times New Roman" panose="02020603050405020304" pitchFamily="18" charset="0"/>
+                        <a:cs typeface="Times New Roman" panose="02020603050405020304" pitchFamily="18" charset="0"/>
+                      </a:endParaRPr>
                     </a:p>
                   </a:txBody>
                   <a:tcPr anchor="ctr"/>
@@ -9864,7 +10133,10 @@
                     <a:lstStyle/>
                     <a:p>
                       <a:pPr algn="ctr"/>
-                      <a:endParaRPr lang="en-ID" sz="1200" dirty="0"/>
+                      <a:endParaRPr lang="en-ID" sz="1200" dirty="0">
+                        <a:latin typeface="Times New Roman" panose="02020603050405020304" pitchFamily="18" charset="0"/>
+                        <a:cs typeface="Times New Roman" panose="02020603050405020304" pitchFamily="18" charset="0"/>
+                      </a:endParaRPr>
                     </a:p>
                   </a:txBody>
                   <a:tcPr anchor="ctr"/>
@@ -9875,7 +10147,10 @@
                     <a:lstStyle/>
                     <a:p>
                       <a:pPr algn="ctr"/>
-                      <a:endParaRPr lang="en-ID" sz="1200" dirty="0"/>
+                      <a:endParaRPr lang="en-ID" sz="1200" dirty="0">
+                        <a:latin typeface="Times New Roman" panose="02020603050405020304" pitchFamily="18" charset="0"/>
+                        <a:cs typeface="Times New Roman" panose="02020603050405020304" pitchFamily="18" charset="0"/>
+                      </a:endParaRPr>
                     </a:p>
                   </a:txBody>
                   <a:tcPr anchor="ctr"/>
@@ -9886,7 +10161,10 @@
                     <a:lstStyle/>
                     <a:p>
                       <a:pPr algn="ctr"/>
-                      <a:endParaRPr lang="en-ID" sz="1200"/>
+                      <a:endParaRPr lang="en-ID" sz="1200">
+                        <a:latin typeface="Times New Roman" panose="02020603050405020304" pitchFamily="18" charset="0"/>
+                        <a:cs typeface="Times New Roman" panose="02020603050405020304" pitchFamily="18" charset="0"/>
+                      </a:endParaRPr>
                     </a:p>
                   </a:txBody>
                   <a:tcPr anchor="ctr"/>
@@ -9897,7 +10175,10 @@
                     <a:lstStyle/>
                     <a:p>
                       <a:pPr algn="ctr"/>
-                      <a:endParaRPr lang="en-ID" sz="1200" dirty="0"/>
+                      <a:endParaRPr lang="en-ID" sz="1200" dirty="0">
+                        <a:latin typeface="Times New Roman" panose="02020603050405020304" pitchFamily="18" charset="0"/>
+                        <a:cs typeface="Times New Roman" panose="02020603050405020304" pitchFamily="18" charset="0"/>
+                      </a:endParaRPr>
                     </a:p>
                   </a:txBody>
                   <a:tcPr anchor="ctr"/>
@@ -9908,7 +10189,10 @@
                     <a:lstStyle/>
                     <a:p>
                       <a:pPr algn="ctr"/>
-                      <a:endParaRPr lang="en-ID" sz="1200"/>
+                      <a:endParaRPr lang="en-ID" sz="1200">
+                        <a:latin typeface="Times New Roman" panose="02020603050405020304" pitchFamily="18" charset="0"/>
+                        <a:cs typeface="Times New Roman" panose="02020603050405020304" pitchFamily="18" charset="0"/>
+                      </a:endParaRPr>
                     </a:p>
                   </a:txBody>
                   <a:tcPr anchor="ctr"/>
@@ -9919,7 +10203,10 @@
                     <a:lstStyle/>
                     <a:p>
                       <a:pPr algn="ctr"/>
-                      <a:endParaRPr lang="en-ID" sz="1200"/>
+                      <a:endParaRPr lang="en-ID" sz="1200">
+                        <a:latin typeface="Times New Roman" panose="02020603050405020304" pitchFamily="18" charset="0"/>
+                        <a:cs typeface="Times New Roman" panose="02020603050405020304" pitchFamily="18" charset="0"/>
+                      </a:endParaRPr>
                     </a:p>
                   </a:txBody>
                   <a:tcPr anchor="ctr"/>
@@ -9930,7 +10217,10 @@
                     <a:lstStyle/>
                     <a:p>
                       <a:pPr algn="ctr"/>
-                      <a:endParaRPr lang="en-ID" sz="1200"/>
+                      <a:endParaRPr lang="en-ID" sz="1200">
+                        <a:latin typeface="Times New Roman" panose="02020603050405020304" pitchFamily="18" charset="0"/>
+                        <a:cs typeface="Times New Roman" panose="02020603050405020304" pitchFamily="18" charset="0"/>
+                      </a:endParaRPr>
                     </a:p>
                   </a:txBody>
                   <a:tcPr anchor="ctr"/>
@@ -9949,14 +10239,23 @@
                     <a:p>
                       <a:pPr algn="l"/>
                       <a:r>
-                        <a:rPr lang="en-US" sz="900" dirty="0" err="1"/>
+                        <a:rPr lang="en-US" sz="900" dirty="0" err="1">
+                          <a:latin typeface="Times New Roman" panose="02020603050405020304" pitchFamily="18" charset="0"/>
+                          <a:cs typeface="Times New Roman" panose="02020603050405020304" pitchFamily="18" charset="0"/>
+                        </a:rPr>
                         <a:t>Populasi</a:t>
                       </a:r>
                       <a:r>
-                        <a:rPr lang="en-US" sz="900" dirty="0"/>
+                        <a:rPr lang="en-US" sz="900" dirty="0">
+                          <a:latin typeface="Times New Roman" panose="02020603050405020304" pitchFamily="18" charset="0"/>
+                          <a:cs typeface="Times New Roman" panose="02020603050405020304" pitchFamily="18" charset="0"/>
+                        </a:rPr>
                         <a:t> data</a:t>
                       </a:r>
-                      <a:endParaRPr lang="en-ID" sz="900" dirty="0"/>
+                      <a:endParaRPr lang="en-ID" sz="900" dirty="0">
+                        <a:latin typeface="Times New Roman" panose="02020603050405020304" pitchFamily="18" charset="0"/>
+                        <a:cs typeface="Times New Roman" panose="02020603050405020304" pitchFamily="18" charset="0"/>
+                      </a:endParaRPr>
                     </a:p>
                   </a:txBody>
                   <a:tcPr anchor="ctr"/>
@@ -9967,7 +10266,10 @@
                     <a:lstStyle/>
                     <a:p>
                       <a:pPr algn="ctr"/>
-                      <a:endParaRPr lang="en-ID" sz="1200" dirty="0"/>
+                      <a:endParaRPr lang="en-ID" sz="1200" dirty="0">
+                        <a:latin typeface="Times New Roman" panose="02020603050405020304" pitchFamily="18" charset="0"/>
+                        <a:cs typeface="Times New Roman" panose="02020603050405020304" pitchFamily="18" charset="0"/>
+                      </a:endParaRPr>
                     </a:p>
                   </a:txBody>
                   <a:tcPr anchor="ctr"/>
@@ -9978,7 +10280,10 @@
                     <a:lstStyle/>
                     <a:p>
                       <a:pPr algn="ctr"/>
-                      <a:endParaRPr lang="en-ID" sz="1200" dirty="0"/>
+                      <a:endParaRPr lang="en-ID" sz="1200" dirty="0">
+                        <a:latin typeface="Times New Roman" panose="02020603050405020304" pitchFamily="18" charset="0"/>
+                        <a:cs typeface="Times New Roman" panose="02020603050405020304" pitchFamily="18" charset="0"/>
+                      </a:endParaRPr>
                     </a:p>
                   </a:txBody>
                   <a:tcPr anchor="ctr"/>
@@ -9989,7 +10294,10 @@
                     <a:lstStyle/>
                     <a:p>
                       <a:pPr algn="ctr"/>
-                      <a:endParaRPr lang="en-ID" sz="1200" dirty="0"/>
+                      <a:endParaRPr lang="en-ID" sz="1200" dirty="0">
+                        <a:latin typeface="Times New Roman" panose="02020603050405020304" pitchFamily="18" charset="0"/>
+                        <a:cs typeface="Times New Roman" panose="02020603050405020304" pitchFamily="18" charset="0"/>
+                      </a:endParaRPr>
                     </a:p>
                   </a:txBody>
                   <a:tcPr anchor="ctr">
@@ -10004,7 +10312,10 @@
                     <a:lstStyle/>
                     <a:p>
                       <a:pPr algn="ctr"/>
-                      <a:endParaRPr lang="en-ID" sz="1200" dirty="0"/>
+                      <a:endParaRPr lang="en-ID" sz="1200" dirty="0">
+                        <a:latin typeface="Times New Roman" panose="02020603050405020304" pitchFamily="18" charset="0"/>
+                        <a:cs typeface="Times New Roman" panose="02020603050405020304" pitchFamily="18" charset="0"/>
+                      </a:endParaRPr>
                     </a:p>
                   </a:txBody>
                   <a:tcPr anchor="ctr">
@@ -10019,7 +10330,10 @@
                     <a:lstStyle/>
                     <a:p>
                       <a:pPr algn="ctr"/>
-                      <a:endParaRPr lang="en-ID" sz="1200" dirty="0"/>
+                      <a:endParaRPr lang="en-ID" sz="1200" dirty="0">
+                        <a:latin typeface="Times New Roman" panose="02020603050405020304" pitchFamily="18" charset="0"/>
+                        <a:cs typeface="Times New Roman" panose="02020603050405020304" pitchFamily="18" charset="0"/>
+                      </a:endParaRPr>
                     </a:p>
                   </a:txBody>
                   <a:tcPr anchor="ctr">
@@ -10034,7 +10348,10 @@
                     <a:lstStyle/>
                     <a:p>
                       <a:pPr algn="ctr"/>
-                      <a:endParaRPr lang="en-ID" sz="1200" dirty="0"/>
+                      <a:endParaRPr lang="en-ID" sz="1200" dirty="0">
+                        <a:latin typeface="Times New Roman" panose="02020603050405020304" pitchFamily="18" charset="0"/>
+                        <a:cs typeface="Times New Roman" panose="02020603050405020304" pitchFamily="18" charset="0"/>
+                      </a:endParaRPr>
                     </a:p>
                   </a:txBody>
                   <a:tcPr anchor="ctr">
@@ -10049,7 +10366,10 @@
                     <a:lstStyle/>
                     <a:p>
                       <a:pPr algn="ctr"/>
-                      <a:endParaRPr lang="en-ID" sz="1200" dirty="0"/>
+                      <a:endParaRPr lang="en-ID" sz="1200" dirty="0">
+                        <a:latin typeface="Times New Roman" panose="02020603050405020304" pitchFamily="18" charset="0"/>
+                        <a:cs typeface="Times New Roman" panose="02020603050405020304" pitchFamily="18" charset="0"/>
+                      </a:endParaRPr>
                     </a:p>
                   </a:txBody>
                   <a:tcPr anchor="ctr">
@@ -10064,7 +10384,10 @@
                     <a:lstStyle/>
                     <a:p>
                       <a:pPr algn="ctr"/>
-                      <a:endParaRPr lang="en-ID" sz="1200" dirty="0"/>
+                      <a:endParaRPr lang="en-ID" sz="1200" dirty="0">
+                        <a:latin typeface="Times New Roman" panose="02020603050405020304" pitchFamily="18" charset="0"/>
+                        <a:cs typeface="Times New Roman" panose="02020603050405020304" pitchFamily="18" charset="0"/>
+                      </a:endParaRPr>
                     </a:p>
                   </a:txBody>
                   <a:tcPr anchor="ctr"/>
@@ -10075,7 +10398,10 @@
                     <a:lstStyle/>
                     <a:p>
                       <a:pPr algn="ctr"/>
-                      <a:endParaRPr lang="en-ID" sz="1200" dirty="0"/>
+                      <a:endParaRPr lang="en-ID" sz="1200" dirty="0">
+                        <a:latin typeface="Times New Roman" panose="02020603050405020304" pitchFamily="18" charset="0"/>
+                        <a:cs typeface="Times New Roman" panose="02020603050405020304" pitchFamily="18" charset="0"/>
+                      </a:endParaRPr>
                     </a:p>
                   </a:txBody>
                   <a:tcPr anchor="ctr"/>
@@ -10086,7 +10412,10 @@
                     <a:lstStyle/>
                     <a:p>
                       <a:pPr algn="ctr"/>
-                      <a:endParaRPr lang="en-ID" sz="1200" dirty="0"/>
+                      <a:endParaRPr lang="en-ID" sz="1200" dirty="0">
+                        <a:latin typeface="Times New Roman" panose="02020603050405020304" pitchFamily="18" charset="0"/>
+                        <a:cs typeface="Times New Roman" panose="02020603050405020304" pitchFamily="18" charset="0"/>
+                      </a:endParaRPr>
                     </a:p>
                   </a:txBody>
                   <a:tcPr anchor="ctr"/>
@@ -10097,7 +10426,10 @@
                     <a:lstStyle/>
                     <a:p>
                       <a:pPr algn="ctr"/>
-                      <a:endParaRPr lang="en-ID" sz="1200" dirty="0"/>
+                      <a:endParaRPr lang="en-ID" sz="1200" dirty="0">
+                        <a:latin typeface="Times New Roman" panose="02020603050405020304" pitchFamily="18" charset="0"/>
+                        <a:cs typeface="Times New Roman" panose="02020603050405020304" pitchFamily="18" charset="0"/>
+                      </a:endParaRPr>
                     </a:p>
                   </a:txBody>
                   <a:tcPr anchor="ctr"/>
@@ -10108,7 +10440,10 @@
                     <a:lstStyle/>
                     <a:p>
                       <a:pPr algn="ctr"/>
-                      <a:endParaRPr lang="en-ID" sz="1200" dirty="0"/>
+                      <a:endParaRPr lang="en-ID" sz="1200" dirty="0">
+                        <a:latin typeface="Times New Roman" panose="02020603050405020304" pitchFamily="18" charset="0"/>
+                        <a:cs typeface="Times New Roman" panose="02020603050405020304" pitchFamily="18" charset="0"/>
+                      </a:endParaRPr>
                     </a:p>
                   </a:txBody>
                   <a:tcPr anchor="ctr"/>
@@ -10119,7 +10454,10 @@
                     <a:lstStyle/>
                     <a:p>
                       <a:pPr algn="ctr"/>
-                      <a:endParaRPr lang="en-ID" sz="1200" dirty="0"/>
+                      <a:endParaRPr lang="en-ID" sz="1200" dirty="0">
+                        <a:latin typeface="Times New Roman" panose="02020603050405020304" pitchFamily="18" charset="0"/>
+                        <a:cs typeface="Times New Roman" panose="02020603050405020304" pitchFamily="18" charset="0"/>
+                      </a:endParaRPr>
                     </a:p>
                   </a:txBody>
                   <a:tcPr anchor="ctr"/>
@@ -10130,7 +10468,10 @@
                     <a:lstStyle/>
                     <a:p>
                       <a:pPr algn="ctr"/>
-                      <a:endParaRPr lang="en-ID" sz="1200" dirty="0"/>
+                      <a:endParaRPr lang="en-ID" sz="1200" dirty="0">
+                        <a:latin typeface="Times New Roman" panose="02020603050405020304" pitchFamily="18" charset="0"/>
+                        <a:cs typeface="Times New Roman" panose="02020603050405020304" pitchFamily="18" charset="0"/>
+                      </a:endParaRPr>
                     </a:p>
                   </a:txBody>
                   <a:tcPr anchor="ctr"/>
@@ -10141,7 +10482,10 @@
                     <a:lstStyle/>
                     <a:p>
                       <a:pPr algn="ctr"/>
-                      <a:endParaRPr lang="en-ID" sz="1200" dirty="0"/>
+                      <a:endParaRPr lang="en-ID" sz="1200" dirty="0">
+                        <a:latin typeface="Times New Roman" panose="02020603050405020304" pitchFamily="18" charset="0"/>
+                        <a:cs typeface="Times New Roman" panose="02020603050405020304" pitchFamily="18" charset="0"/>
+                      </a:endParaRPr>
                     </a:p>
                   </a:txBody>
                   <a:tcPr anchor="ctr"/>
@@ -10152,7 +10496,10 @@
                     <a:lstStyle/>
                     <a:p>
                       <a:pPr algn="ctr"/>
-                      <a:endParaRPr lang="en-ID" sz="1200" dirty="0"/>
+                      <a:endParaRPr lang="en-ID" sz="1200" dirty="0">
+                        <a:latin typeface="Times New Roman" panose="02020603050405020304" pitchFamily="18" charset="0"/>
+                        <a:cs typeface="Times New Roman" panose="02020603050405020304" pitchFamily="18" charset="0"/>
+                      </a:endParaRPr>
                     </a:p>
                   </a:txBody>
                   <a:tcPr anchor="ctr"/>
@@ -10171,14 +10518,23 @@
                     <a:p>
                       <a:pPr algn="l"/>
                       <a:r>
-                        <a:rPr lang="en-US" sz="900" dirty="0"/>
+                        <a:rPr lang="en-US" sz="900" dirty="0">
+                          <a:latin typeface="Times New Roman" panose="02020603050405020304" pitchFamily="18" charset="0"/>
+                          <a:cs typeface="Times New Roman" panose="02020603050405020304" pitchFamily="18" charset="0"/>
+                        </a:rPr>
                         <a:t>Desain </a:t>
                       </a:r>
                       <a:r>
-                        <a:rPr lang="en-US" sz="900" dirty="0" err="1"/>
+                        <a:rPr lang="en-US" sz="900" dirty="0" err="1">
+                          <a:latin typeface="Times New Roman" panose="02020603050405020304" pitchFamily="18" charset="0"/>
+                          <a:cs typeface="Times New Roman" panose="02020603050405020304" pitchFamily="18" charset="0"/>
+                        </a:rPr>
                         <a:t>aplikasi</a:t>
                       </a:r>
-                      <a:endParaRPr lang="en-ID" sz="900" dirty="0"/>
+                      <a:endParaRPr lang="en-ID" sz="900" dirty="0">
+                        <a:latin typeface="Times New Roman" panose="02020603050405020304" pitchFamily="18" charset="0"/>
+                        <a:cs typeface="Times New Roman" panose="02020603050405020304" pitchFamily="18" charset="0"/>
+                      </a:endParaRPr>
                     </a:p>
                   </a:txBody>
                   <a:tcPr anchor="ctr"/>
@@ -10189,7 +10545,10 @@
                     <a:lstStyle/>
                     <a:p>
                       <a:pPr algn="ctr"/>
-                      <a:endParaRPr lang="en-ID" sz="1200"/>
+                      <a:endParaRPr lang="en-ID" sz="1200">
+                        <a:latin typeface="Times New Roman" panose="02020603050405020304" pitchFamily="18" charset="0"/>
+                        <a:cs typeface="Times New Roman" panose="02020603050405020304" pitchFamily="18" charset="0"/>
+                      </a:endParaRPr>
                     </a:p>
                   </a:txBody>
                   <a:tcPr anchor="ctr"/>
@@ -10200,7 +10559,10 @@
                     <a:lstStyle/>
                     <a:p>
                       <a:pPr algn="ctr"/>
-                      <a:endParaRPr lang="en-ID" sz="1200"/>
+                      <a:endParaRPr lang="en-ID" sz="1200">
+                        <a:latin typeface="Times New Roman" panose="02020603050405020304" pitchFamily="18" charset="0"/>
+                        <a:cs typeface="Times New Roman" panose="02020603050405020304" pitchFamily="18" charset="0"/>
+                      </a:endParaRPr>
                     </a:p>
                   </a:txBody>
                   <a:tcPr anchor="ctr"/>
@@ -10211,7 +10573,10 @@
                     <a:lstStyle/>
                     <a:p>
                       <a:pPr algn="ctr"/>
-                      <a:endParaRPr lang="en-ID" sz="1200"/>
+                      <a:endParaRPr lang="en-ID" sz="1200">
+                        <a:latin typeface="Times New Roman" panose="02020603050405020304" pitchFamily="18" charset="0"/>
+                        <a:cs typeface="Times New Roman" panose="02020603050405020304" pitchFamily="18" charset="0"/>
+                      </a:endParaRPr>
                     </a:p>
                   </a:txBody>
                   <a:tcPr anchor="ctr"/>
@@ -10222,7 +10587,10 @@
                     <a:lstStyle/>
                     <a:p>
                       <a:pPr algn="ctr"/>
-                      <a:endParaRPr lang="en-ID" sz="1200"/>
+                      <a:endParaRPr lang="en-ID" sz="1200">
+                        <a:latin typeface="Times New Roman" panose="02020603050405020304" pitchFamily="18" charset="0"/>
+                        <a:cs typeface="Times New Roman" panose="02020603050405020304" pitchFamily="18" charset="0"/>
+                      </a:endParaRPr>
                     </a:p>
                   </a:txBody>
                   <a:tcPr anchor="ctr"/>
@@ -10233,22 +10601,10 @@
                     <a:lstStyle/>
                     <a:p>
                       <a:pPr algn="ctr"/>
-                      <a:endParaRPr lang="en-ID" sz="1200" dirty="0"/>
-                    </a:p>
-                  </a:txBody>
-                  <a:tcPr anchor="ctr">
-                    <a:solidFill>
-                      <a:srgbClr val="00B0F0"/>
-                    </a:solidFill>
-                  </a:tcPr>
-                </a:tc>
-                <a:tc>
-                  <a:txBody>
-                    <a:bodyPr/>
-                    <a:lstStyle/>
-                    <a:p>
-                      <a:pPr algn="ctr"/>
-                      <a:endParaRPr lang="en-ID" sz="1200" dirty="0"/>
+                      <a:endParaRPr lang="en-ID" sz="1200" dirty="0">
+                        <a:latin typeface="Times New Roman" panose="02020603050405020304" pitchFamily="18" charset="0"/>
+                        <a:cs typeface="Times New Roman" panose="02020603050405020304" pitchFamily="18" charset="0"/>
+                      </a:endParaRPr>
                     </a:p>
                   </a:txBody>
                   <a:tcPr anchor="ctr">
@@ -10264,9 +10620,8 @@
                     <a:p>
                       <a:pPr algn="ctr"/>
                       <a:endParaRPr lang="en-ID" sz="1200" dirty="0">
-                        <a:solidFill>
-                          <a:srgbClr val="00B0F0"/>
-                        </a:solidFill>
+                        <a:latin typeface="Times New Roman" panose="02020603050405020304" pitchFamily="18" charset="0"/>
+                        <a:cs typeface="Times New Roman" panose="02020603050405020304" pitchFamily="18" charset="0"/>
                       </a:endParaRPr>
                     </a:p>
                   </a:txBody>
@@ -10286,6 +10641,8 @@
                         <a:solidFill>
                           <a:srgbClr val="00B0F0"/>
                         </a:solidFill>
+                        <a:latin typeface="Times New Roman" panose="02020603050405020304" pitchFamily="18" charset="0"/>
+                        <a:cs typeface="Times New Roman" panose="02020603050405020304" pitchFamily="18" charset="0"/>
                       </a:endParaRPr>
                     </a:p>
                   </a:txBody>
@@ -10305,6 +10662,29 @@
                         <a:solidFill>
                           <a:srgbClr val="00B0F0"/>
                         </a:solidFill>
+                        <a:latin typeface="Times New Roman" panose="02020603050405020304" pitchFamily="18" charset="0"/>
+                        <a:cs typeface="Times New Roman" panose="02020603050405020304" pitchFamily="18" charset="0"/>
+                      </a:endParaRPr>
+                    </a:p>
+                  </a:txBody>
+                  <a:tcPr anchor="ctr">
+                    <a:solidFill>
+                      <a:srgbClr val="00B0F0"/>
+                    </a:solidFill>
+                  </a:tcPr>
+                </a:tc>
+                <a:tc>
+                  <a:txBody>
+                    <a:bodyPr/>
+                    <a:lstStyle/>
+                    <a:p>
+                      <a:pPr algn="ctr"/>
+                      <a:endParaRPr lang="en-ID" sz="1200" dirty="0">
+                        <a:solidFill>
+                          <a:srgbClr val="00B0F0"/>
+                        </a:solidFill>
+                        <a:latin typeface="Times New Roman" panose="02020603050405020304" pitchFamily="18" charset="0"/>
+                        <a:cs typeface="Times New Roman" panose="02020603050405020304" pitchFamily="18" charset="0"/>
                       </a:endParaRPr>
                     </a:p>
                   </a:txBody>
@@ -10324,6 +10704,8 @@
                         <a:solidFill>
                           <a:srgbClr val="00B0F0"/>
                         </a:solidFill>
+                        <a:latin typeface="Times New Roman" panose="02020603050405020304" pitchFamily="18" charset="0"/>
+                        <a:cs typeface="Times New Roman" panose="02020603050405020304" pitchFamily="18" charset="0"/>
                       </a:endParaRPr>
                     </a:p>
                   </a:txBody>
@@ -10343,6 +10725,8 @@
                         <a:solidFill>
                           <a:srgbClr val="00B0F0"/>
                         </a:solidFill>
+                        <a:latin typeface="Times New Roman" panose="02020603050405020304" pitchFamily="18" charset="0"/>
+                        <a:cs typeface="Times New Roman" panose="02020603050405020304" pitchFamily="18" charset="0"/>
                       </a:endParaRPr>
                     </a:p>
                   </a:txBody>
@@ -10362,6 +10746,8 @@
                         <a:solidFill>
                           <a:srgbClr val="00B0F0"/>
                         </a:solidFill>
+                        <a:latin typeface="Times New Roman" panose="02020603050405020304" pitchFamily="18" charset="0"/>
+                        <a:cs typeface="Times New Roman" panose="02020603050405020304" pitchFamily="18" charset="0"/>
                       </a:endParaRPr>
                     </a:p>
                   </a:txBody>
@@ -10377,7 +10763,10 @@
                     <a:lstStyle/>
                     <a:p>
                       <a:pPr algn="ctr"/>
-                      <a:endParaRPr lang="en-ID" sz="1200" dirty="0"/>
+                      <a:endParaRPr lang="en-ID" sz="1200" dirty="0">
+                        <a:latin typeface="Times New Roman" panose="02020603050405020304" pitchFamily="18" charset="0"/>
+                        <a:cs typeface="Times New Roman" panose="02020603050405020304" pitchFamily="18" charset="0"/>
+                      </a:endParaRPr>
                     </a:p>
                   </a:txBody>
                   <a:tcPr anchor="ctr"/>
@@ -10388,7 +10777,10 @@
                     <a:lstStyle/>
                     <a:p>
                       <a:pPr algn="ctr"/>
-                      <a:endParaRPr lang="en-ID" sz="1200"/>
+                      <a:endParaRPr lang="en-ID" sz="1200">
+                        <a:latin typeface="Times New Roman" panose="02020603050405020304" pitchFamily="18" charset="0"/>
+                        <a:cs typeface="Times New Roman" panose="02020603050405020304" pitchFamily="18" charset="0"/>
+                      </a:endParaRPr>
                     </a:p>
                   </a:txBody>
                   <a:tcPr anchor="ctr"/>
@@ -10399,7 +10791,10 @@
                     <a:lstStyle/>
                     <a:p>
                       <a:pPr algn="ctr"/>
-                      <a:endParaRPr lang="en-ID" sz="1200"/>
+                      <a:endParaRPr lang="en-ID" sz="1200">
+                        <a:latin typeface="Times New Roman" panose="02020603050405020304" pitchFamily="18" charset="0"/>
+                        <a:cs typeface="Times New Roman" panose="02020603050405020304" pitchFamily="18" charset="0"/>
+                      </a:endParaRPr>
                     </a:p>
                   </a:txBody>
                   <a:tcPr anchor="ctr"/>
@@ -10410,7 +10805,10 @@
                     <a:lstStyle/>
                     <a:p>
                       <a:pPr algn="ctr"/>
-                      <a:endParaRPr lang="en-ID" sz="1200"/>
+                      <a:endParaRPr lang="en-ID" sz="1200">
+                        <a:latin typeface="Times New Roman" panose="02020603050405020304" pitchFamily="18" charset="0"/>
+                        <a:cs typeface="Times New Roman" panose="02020603050405020304" pitchFamily="18" charset="0"/>
+                      </a:endParaRPr>
                     </a:p>
                   </a:txBody>
                   <a:tcPr anchor="ctr"/>
@@ -10429,18 +10827,30 @@
                     <a:p>
                       <a:pPr algn="l"/>
                       <a:r>
-                        <a:rPr lang="en-US" sz="900" dirty="0" err="1"/>
+                        <a:rPr lang="en-US" sz="900" dirty="0" err="1">
+                          <a:latin typeface="Times New Roman" panose="02020603050405020304" pitchFamily="18" charset="0"/>
+                          <a:cs typeface="Times New Roman" panose="02020603050405020304" pitchFamily="18" charset="0"/>
+                        </a:rPr>
                         <a:t>Pengembangan</a:t>
                       </a:r>
                       <a:r>
-                        <a:rPr lang="en-US" sz="900" dirty="0"/>
+                        <a:rPr lang="en-US" sz="900" dirty="0">
+                          <a:latin typeface="Times New Roman" panose="02020603050405020304" pitchFamily="18" charset="0"/>
+                          <a:cs typeface="Times New Roman" panose="02020603050405020304" pitchFamily="18" charset="0"/>
+                        </a:rPr>
                         <a:t> </a:t>
                       </a:r>
                       <a:r>
-                        <a:rPr lang="en-US" sz="900" dirty="0" err="1"/>
+                        <a:rPr lang="en-US" sz="900" dirty="0" err="1">
+                          <a:latin typeface="Times New Roman" panose="02020603050405020304" pitchFamily="18" charset="0"/>
+                          <a:cs typeface="Times New Roman" panose="02020603050405020304" pitchFamily="18" charset="0"/>
+                        </a:rPr>
                         <a:t>aplikasi</a:t>
                       </a:r>
-                      <a:endParaRPr lang="en-ID" sz="900" dirty="0"/>
+                      <a:endParaRPr lang="en-ID" sz="900" dirty="0">
+                        <a:latin typeface="Times New Roman" panose="02020603050405020304" pitchFamily="18" charset="0"/>
+                        <a:cs typeface="Times New Roman" panose="02020603050405020304" pitchFamily="18" charset="0"/>
+                      </a:endParaRPr>
                     </a:p>
                   </a:txBody>
                   <a:tcPr anchor="ctr"/>
@@ -10451,7 +10861,10 @@
                     <a:lstStyle/>
                     <a:p>
                       <a:pPr algn="ctr"/>
-                      <a:endParaRPr lang="en-ID" sz="1200"/>
+                      <a:endParaRPr lang="en-ID" sz="1200">
+                        <a:latin typeface="Times New Roman" panose="02020603050405020304" pitchFamily="18" charset="0"/>
+                        <a:cs typeface="Times New Roman" panose="02020603050405020304" pitchFamily="18" charset="0"/>
+                      </a:endParaRPr>
                     </a:p>
                   </a:txBody>
                   <a:tcPr anchor="ctr"/>
@@ -10462,7 +10875,10 @@
                     <a:lstStyle/>
                     <a:p>
                       <a:pPr algn="ctr"/>
-                      <a:endParaRPr lang="en-ID" sz="1200"/>
+                      <a:endParaRPr lang="en-ID" sz="1200">
+                        <a:latin typeface="Times New Roman" panose="02020603050405020304" pitchFamily="18" charset="0"/>
+                        <a:cs typeface="Times New Roman" panose="02020603050405020304" pitchFamily="18" charset="0"/>
+                      </a:endParaRPr>
                     </a:p>
                   </a:txBody>
                   <a:tcPr anchor="ctr"/>
@@ -10473,7 +10889,10 @@
                     <a:lstStyle/>
                     <a:p>
                       <a:pPr algn="ctr"/>
-                      <a:endParaRPr lang="en-ID" sz="1200"/>
+                      <a:endParaRPr lang="en-ID" sz="1200">
+                        <a:latin typeface="Times New Roman" panose="02020603050405020304" pitchFamily="18" charset="0"/>
+                        <a:cs typeface="Times New Roman" panose="02020603050405020304" pitchFamily="18" charset="0"/>
+                      </a:endParaRPr>
                     </a:p>
                   </a:txBody>
                   <a:tcPr anchor="ctr"/>
@@ -10484,7 +10903,10 @@
                     <a:lstStyle/>
                     <a:p>
                       <a:pPr algn="ctr"/>
-                      <a:endParaRPr lang="en-ID" sz="1200" dirty="0"/>
+                      <a:endParaRPr lang="en-ID" sz="1200" dirty="0">
+                        <a:latin typeface="Times New Roman" panose="02020603050405020304" pitchFamily="18" charset="0"/>
+                        <a:cs typeface="Times New Roman" panose="02020603050405020304" pitchFamily="18" charset="0"/>
+                      </a:endParaRPr>
                     </a:p>
                   </a:txBody>
                   <a:tcPr anchor="ctr"/>
@@ -10495,7 +10917,10 @@
                     <a:lstStyle/>
                     <a:p>
                       <a:pPr algn="ctr"/>
-                      <a:endParaRPr lang="en-ID" sz="1200"/>
+                      <a:endParaRPr lang="en-ID" sz="1200">
+                        <a:latin typeface="Times New Roman" panose="02020603050405020304" pitchFamily="18" charset="0"/>
+                        <a:cs typeface="Times New Roman" panose="02020603050405020304" pitchFamily="18" charset="0"/>
+                      </a:endParaRPr>
                     </a:p>
                   </a:txBody>
                   <a:tcPr anchor="ctr"/>
@@ -10506,7 +10931,10 @@
                     <a:lstStyle/>
                     <a:p>
                       <a:pPr algn="ctr"/>
-                      <a:endParaRPr lang="en-ID" sz="1200" dirty="0"/>
+                      <a:endParaRPr lang="en-ID" sz="1200" dirty="0">
+                        <a:latin typeface="Times New Roman" panose="02020603050405020304" pitchFamily="18" charset="0"/>
+                        <a:cs typeface="Times New Roman" panose="02020603050405020304" pitchFamily="18" charset="0"/>
+                      </a:endParaRPr>
                     </a:p>
                   </a:txBody>
                   <a:tcPr anchor="ctr"/>
@@ -10517,7 +10945,10 @@
                     <a:lstStyle/>
                     <a:p>
                       <a:pPr algn="ctr"/>
-                      <a:endParaRPr lang="en-ID" sz="1200" dirty="0"/>
+                      <a:endParaRPr lang="en-ID" sz="1200" dirty="0">
+                        <a:latin typeface="Times New Roman" panose="02020603050405020304" pitchFamily="18" charset="0"/>
+                        <a:cs typeface="Times New Roman" panose="02020603050405020304" pitchFamily="18" charset="0"/>
+                      </a:endParaRPr>
                     </a:p>
                   </a:txBody>
                   <a:tcPr anchor="ctr">
@@ -10532,7 +10963,10 @@
                     <a:lstStyle/>
                     <a:p>
                       <a:pPr algn="ctr"/>
-                      <a:endParaRPr lang="en-ID" sz="1200" dirty="0"/>
+                      <a:endParaRPr lang="en-ID" sz="1200" dirty="0">
+                        <a:latin typeface="Times New Roman" panose="02020603050405020304" pitchFamily="18" charset="0"/>
+                        <a:cs typeface="Times New Roman" panose="02020603050405020304" pitchFamily="18" charset="0"/>
+                      </a:endParaRPr>
                     </a:p>
                   </a:txBody>
                   <a:tcPr anchor="ctr">
@@ -10547,7 +10981,10 @@
                     <a:lstStyle/>
                     <a:p>
                       <a:pPr algn="ctr"/>
-                      <a:endParaRPr lang="en-ID" sz="1200" dirty="0"/>
+                      <a:endParaRPr lang="en-ID" sz="1200" dirty="0">
+                        <a:latin typeface="Times New Roman" panose="02020603050405020304" pitchFamily="18" charset="0"/>
+                        <a:cs typeface="Times New Roman" panose="02020603050405020304" pitchFamily="18" charset="0"/>
+                      </a:endParaRPr>
                     </a:p>
                   </a:txBody>
                   <a:tcPr anchor="ctr">
@@ -10562,7 +10999,10 @@
                     <a:lstStyle/>
                     <a:p>
                       <a:pPr algn="ctr"/>
-                      <a:endParaRPr lang="en-ID" sz="1200" dirty="0"/>
+                      <a:endParaRPr lang="en-ID" sz="1200" dirty="0">
+                        <a:latin typeface="Times New Roman" panose="02020603050405020304" pitchFamily="18" charset="0"/>
+                        <a:cs typeface="Times New Roman" panose="02020603050405020304" pitchFamily="18" charset="0"/>
+                      </a:endParaRPr>
                     </a:p>
                   </a:txBody>
                   <a:tcPr anchor="ctr">
@@ -10577,7 +11017,10 @@
                     <a:lstStyle/>
                     <a:p>
                       <a:pPr algn="ctr"/>
-                      <a:endParaRPr lang="en-ID" sz="1200" dirty="0"/>
+                      <a:endParaRPr lang="en-ID" sz="1200" dirty="0">
+                        <a:latin typeface="Times New Roman" panose="02020603050405020304" pitchFamily="18" charset="0"/>
+                        <a:cs typeface="Times New Roman" panose="02020603050405020304" pitchFamily="18" charset="0"/>
+                      </a:endParaRPr>
                     </a:p>
                   </a:txBody>
                   <a:tcPr anchor="ctr">
@@ -10592,7 +11035,10 @@
                     <a:lstStyle/>
                     <a:p>
                       <a:pPr algn="ctr"/>
-                      <a:endParaRPr lang="en-ID" sz="1200" dirty="0"/>
+                      <a:endParaRPr lang="en-ID" sz="1200" dirty="0">
+                        <a:latin typeface="Times New Roman" panose="02020603050405020304" pitchFamily="18" charset="0"/>
+                        <a:cs typeface="Times New Roman" panose="02020603050405020304" pitchFamily="18" charset="0"/>
+                      </a:endParaRPr>
                     </a:p>
                   </a:txBody>
                   <a:tcPr anchor="ctr">
@@ -10607,7 +11053,10 @@
                     <a:lstStyle/>
                     <a:p>
                       <a:pPr algn="ctr"/>
-                      <a:endParaRPr lang="en-ID" sz="1200" dirty="0"/>
+                      <a:endParaRPr lang="en-ID" sz="1200" dirty="0">
+                        <a:latin typeface="Times New Roman" panose="02020603050405020304" pitchFamily="18" charset="0"/>
+                        <a:cs typeface="Times New Roman" panose="02020603050405020304" pitchFamily="18" charset="0"/>
+                      </a:endParaRPr>
                     </a:p>
                   </a:txBody>
                   <a:tcPr anchor="ctr">
@@ -10622,7 +11071,10 @@
                     <a:lstStyle/>
                     <a:p>
                       <a:pPr algn="ctr"/>
-                      <a:endParaRPr lang="en-ID" sz="1200" dirty="0"/>
+                      <a:endParaRPr lang="en-ID" sz="1200" dirty="0">
+                        <a:latin typeface="Times New Roman" panose="02020603050405020304" pitchFamily="18" charset="0"/>
+                        <a:cs typeface="Times New Roman" panose="02020603050405020304" pitchFamily="18" charset="0"/>
+                      </a:endParaRPr>
                     </a:p>
                   </a:txBody>
                   <a:tcPr anchor="ctr"/>
@@ -10633,7 +11085,10 @@
                     <a:lstStyle/>
                     <a:p>
                       <a:pPr algn="ctr"/>
-                      <a:endParaRPr lang="en-ID" sz="1200"/>
+                      <a:endParaRPr lang="en-ID" sz="1200">
+                        <a:latin typeface="Times New Roman" panose="02020603050405020304" pitchFamily="18" charset="0"/>
+                        <a:cs typeface="Times New Roman" panose="02020603050405020304" pitchFamily="18" charset="0"/>
+                      </a:endParaRPr>
                     </a:p>
                   </a:txBody>
                   <a:tcPr anchor="ctr"/>
@@ -10644,7 +11099,10 @@
                     <a:lstStyle/>
                     <a:p>
                       <a:pPr algn="ctr"/>
-                      <a:endParaRPr lang="en-ID" sz="1200"/>
+                      <a:endParaRPr lang="en-ID" sz="1200">
+                        <a:latin typeface="Times New Roman" panose="02020603050405020304" pitchFamily="18" charset="0"/>
+                        <a:cs typeface="Times New Roman" panose="02020603050405020304" pitchFamily="18" charset="0"/>
+                      </a:endParaRPr>
                     </a:p>
                   </a:txBody>
                   <a:tcPr anchor="ctr"/>
@@ -10663,10 +11121,16 @@
                     <a:p>
                       <a:pPr algn="l"/>
                       <a:r>
-                        <a:rPr lang="en-US" sz="900" dirty="0" err="1"/>
+                        <a:rPr lang="en-US" sz="900" dirty="0" err="1">
+                          <a:latin typeface="Times New Roman" panose="02020603050405020304" pitchFamily="18" charset="0"/>
+                          <a:cs typeface="Times New Roman" panose="02020603050405020304" pitchFamily="18" charset="0"/>
+                        </a:rPr>
                         <a:t>Evaluasi</a:t>
                       </a:r>
-                      <a:endParaRPr lang="en-ID" sz="900" dirty="0"/>
+                      <a:endParaRPr lang="en-ID" sz="900" dirty="0">
+                        <a:latin typeface="Times New Roman" panose="02020603050405020304" pitchFamily="18" charset="0"/>
+                        <a:cs typeface="Times New Roman" panose="02020603050405020304" pitchFamily="18" charset="0"/>
+                      </a:endParaRPr>
                     </a:p>
                   </a:txBody>
                   <a:tcPr anchor="ctr"/>
@@ -10677,7 +11141,10 @@
                     <a:lstStyle/>
                     <a:p>
                       <a:pPr algn="ctr"/>
-                      <a:endParaRPr lang="en-ID" sz="1200"/>
+                      <a:endParaRPr lang="en-ID" sz="1200">
+                        <a:latin typeface="Times New Roman" panose="02020603050405020304" pitchFamily="18" charset="0"/>
+                        <a:cs typeface="Times New Roman" panose="02020603050405020304" pitchFamily="18" charset="0"/>
+                      </a:endParaRPr>
                     </a:p>
                   </a:txBody>
                   <a:tcPr anchor="ctr"/>
@@ -10688,7 +11155,10 @@
                     <a:lstStyle/>
                     <a:p>
                       <a:pPr algn="ctr"/>
-                      <a:endParaRPr lang="en-ID" sz="1200"/>
+                      <a:endParaRPr lang="en-ID" sz="1200">
+                        <a:latin typeface="Times New Roman" panose="02020603050405020304" pitchFamily="18" charset="0"/>
+                        <a:cs typeface="Times New Roman" panose="02020603050405020304" pitchFamily="18" charset="0"/>
+                      </a:endParaRPr>
                     </a:p>
                   </a:txBody>
                   <a:tcPr anchor="ctr"/>
@@ -10699,7 +11169,10 @@
                     <a:lstStyle/>
                     <a:p>
                       <a:pPr algn="ctr"/>
-                      <a:endParaRPr lang="en-ID" sz="1200"/>
+                      <a:endParaRPr lang="en-ID" sz="1200">
+                        <a:latin typeface="Times New Roman" panose="02020603050405020304" pitchFamily="18" charset="0"/>
+                        <a:cs typeface="Times New Roman" panose="02020603050405020304" pitchFamily="18" charset="0"/>
+                      </a:endParaRPr>
                     </a:p>
                   </a:txBody>
                   <a:tcPr anchor="ctr"/>
@@ -10710,7 +11183,10 @@
                     <a:lstStyle/>
                     <a:p>
                       <a:pPr algn="ctr"/>
-                      <a:endParaRPr lang="en-ID" sz="1200"/>
+                      <a:endParaRPr lang="en-ID" sz="1200">
+                        <a:latin typeface="Times New Roman" panose="02020603050405020304" pitchFamily="18" charset="0"/>
+                        <a:cs typeface="Times New Roman" panose="02020603050405020304" pitchFamily="18" charset="0"/>
+                      </a:endParaRPr>
                     </a:p>
                   </a:txBody>
                   <a:tcPr anchor="ctr"/>
@@ -10721,7 +11197,10 @@
                     <a:lstStyle/>
                     <a:p>
                       <a:pPr algn="ctr"/>
-                      <a:endParaRPr lang="en-ID" sz="1200"/>
+                      <a:endParaRPr lang="en-ID" sz="1200">
+                        <a:latin typeface="Times New Roman" panose="02020603050405020304" pitchFamily="18" charset="0"/>
+                        <a:cs typeface="Times New Roman" panose="02020603050405020304" pitchFamily="18" charset="0"/>
+                      </a:endParaRPr>
                     </a:p>
                   </a:txBody>
                   <a:tcPr anchor="ctr"/>
@@ -10732,7 +11211,10 @@
                     <a:lstStyle/>
                     <a:p>
                       <a:pPr algn="ctr"/>
-                      <a:endParaRPr lang="en-ID" sz="1200"/>
+                      <a:endParaRPr lang="en-ID" sz="1200">
+                        <a:latin typeface="Times New Roman" panose="02020603050405020304" pitchFamily="18" charset="0"/>
+                        <a:cs typeface="Times New Roman" panose="02020603050405020304" pitchFamily="18" charset="0"/>
+                      </a:endParaRPr>
                     </a:p>
                   </a:txBody>
                   <a:tcPr anchor="ctr"/>
@@ -10743,7 +11225,10 @@
                     <a:lstStyle/>
                     <a:p>
                       <a:pPr algn="ctr"/>
-                      <a:endParaRPr lang="en-ID" sz="1200" dirty="0"/>
+                      <a:endParaRPr lang="en-ID" sz="1200" dirty="0">
+                        <a:latin typeface="Times New Roman" panose="02020603050405020304" pitchFamily="18" charset="0"/>
+                        <a:cs typeface="Times New Roman" panose="02020603050405020304" pitchFamily="18" charset="0"/>
+                      </a:endParaRPr>
                     </a:p>
                   </a:txBody>
                   <a:tcPr anchor="ctr">
@@ -10758,7 +11243,10 @@
                     <a:lstStyle/>
                     <a:p>
                       <a:pPr algn="ctr"/>
-                      <a:endParaRPr lang="en-ID" sz="1200" dirty="0"/>
+                      <a:endParaRPr lang="en-ID" sz="1200" dirty="0">
+                        <a:latin typeface="Times New Roman" panose="02020603050405020304" pitchFamily="18" charset="0"/>
+                        <a:cs typeface="Times New Roman" panose="02020603050405020304" pitchFamily="18" charset="0"/>
+                      </a:endParaRPr>
                     </a:p>
                   </a:txBody>
                   <a:tcPr anchor="ctr">
@@ -10773,7 +11261,10 @@
                     <a:lstStyle/>
                     <a:p>
                       <a:pPr algn="ctr"/>
-                      <a:endParaRPr lang="en-ID" sz="1200"/>
+                      <a:endParaRPr lang="en-ID" sz="1200">
+                        <a:latin typeface="Times New Roman" panose="02020603050405020304" pitchFamily="18" charset="0"/>
+                        <a:cs typeface="Times New Roman" panose="02020603050405020304" pitchFamily="18" charset="0"/>
+                      </a:endParaRPr>
                     </a:p>
                   </a:txBody>
                   <a:tcPr anchor="ctr">
@@ -10788,7 +11279,10 @@
                     <a:lstStyle/>
                     <a:p>
                       <a:pPr algn="ctr"/>
-                      <a:endParaRPr lang="en-ID" sz="1200" dirty="0"/>
+                      <a:endParaRPr lang="en-ID" sz="1200" dirty="0">
+                        <a:latin typeface="Times New Roman" panose="02020603050405020304" pitchFamily="18" charset="0"/>
+                        <a:cs typeface="Times New Roman" panose="02020603050405020304" pitchFamily="18" charset="0"/>
+                      </a:endParaRPr>
                     </a:p>
                   </a:txBody>
                   <a:tcPr anchor="ctr">
@@ -10803,7 +11297,10 @@
                     <a:lstStyle/>
                     <a:p>
                       <a:pPr algn="ctr"/>
-                      <a:endParaRPr lang="en-ID" sz="1200" dirty="0"/>
+                      <a:endParaRPr lang="en-ID" sz="1200" dirty="0">
+                        <a:latin typeface="Times New Roman" panose="02020603050405020304" pitchFamily="18" charset="0"/>
+                        <a:cs typeface="Times New Roman" panose="02020603050405020304" pitchFamily="18" charset="0"/>
+                      </a:endParaRPr>
                     </a:p>
                   </a:txBody>
                   <a:tcPr anchor="ctr">
@@ -10818,7 +11315,10 @@
                     <a:lstStyle/>
                     <a:p>
                       <a:pPr algn="ctr"/>
-                      <a:endParaRPr lang="en-ID" sz="1200" dirty="0"/>
+                      <a:endParaRPr lang="en-ID" sz="1200" dirty="0">
+                        <a:latin typeface="Times New Roman" panose="02020603050405020304" pitchFamily="18" charset="0"/>
+                        <a:cs typeface="Times New Roman" panose="02020603050405020304" pitchFamily="18" charset="0"/>
+                      </a:endParaRPr>
                     </a:p>
                   </a:txBody>
                   <a:tcPr anchor="ctr">
@@ -10833,7 +11333,10 @@
                     <a:lstStyle/>
                     <a:p>
                       <a:pPr algn="ctr"/>
-                      <a:endParaRPr lang="en-ID" sz="1200" dirty="0"/>
+                      <a:endParaRPr lang="en-ID" sz="1200" dirty="0">
+                        <a:latin typeface="Times New Roman" panose="02020603050405020304" pitchFamily="18" charset="0"/>
+                        <a:cs typeface="Times New Roman" panose="02020603050405020304" pitchFamily="18" charset="0"/>
+                      </a:endParaRPr>
                     </a:p>
                   </a:txBody>
                   <a:tcPr anchor="ctr">
@@ -10848,7 +11351,10 @@
                     <a:lstStyle/>
                     <a:p>
                       <a:pPr algn="ctr"/>
-                      <a:endParaRPr lang="en-ID" sz="1200" dirty="0"/>
+                      <a:endParaRPr lang="en-ID" sz="1200" dirty="0">
+                        <a:latin typeface="Times New Roman" panose="02020603050405020304" pitchFamily="18" charset="0"/>
+                        <a:cs typeface="Times New Roman" panose="02020603050405020304" pitchFamily="18" charset="0"/>
+                      </a:endParaRPr>
                     </a:p>
                   </a:txBody>
                   <a:tcPr anchor="ctr">
@@ -10863,7 +11369,10 @@
                     <a:lstStyle/>
                     <a:p>
                       <a:pPr algn="ctr"/>
-                      <a:endParaRPr lang="en-ID" sz="1200" dirty="0"/>
+                      <a:endParaRPr lang="en-ID" sz="1200" dirty="0">
+                        <a:latin typeface="Times New Roman" panose="02020603050405020304" pitchFamily="18" charset="0"/>
+                        <a:cs typeface="Times New Roman" panose="02020603050405020304" pitchFamily="18" charset="0"/>
+                      </a:endParaRPr>
                     </a:p>
                   </a:txBody>
                   <a:tcPr anchor="ctr">
@@ -10878,7 +11387,10 @@
                     <a:lstStyle/>
                     <a:p>
                       <a:pPr algn="ctr"/>
-                      <a:endParaRPr lang="en-ID" sz="1200" dirty="0"/>
+                      <a:endParaRPr lang="en-ID" sz="1200" dirty="0">
+                        <a:latin typeface="Times New Roman" panose="02020603050405020304" pitchFamily="18" charset="0"/>
+                        <a:cs typeface="Times New Roman" panose="02020603050405020304" pitchFamily="18" charset="0"/>
+                      </a:endParaRPr>
                     </a:p>
                   </a:txBody>
                   <a:tcPr anchor="ctr">
@@ -10901,22 +11413,37 @@
                     <a:p>
                       <a:pPr algn="l"/>
                       <a:r>
-                        <a:rPr lang="en-US" sz="900" dirty="0" err="1"/>
+                        <a:rPr lang="en-US" sz="900" dirty="0" err="1">
+                          <a:latin typeface="Times New Roman" panose="02020603050405020304" pitchFamily="18" charset="0"/>
+                          <a:cs typeface="Times New Roman" panose="02020603050405020304" pitchFamily="18" charset="0"/>
+                        </a:rPr>
                         <a:t>Penulisan</a:t>
                       </a:r>
                       <a:r>
-                        <a:rPr lang="en-US" sz="900" dirty="0"/>
+                        <a:rPr lang="en-US" sz="900" dirty="0">
+                          <a:latin typeface="Times New Roman" panose="02020603050405020304" pitchFamily="18" charset="0"/>
+                          <a:cs typeface="Times New Roman" panose="02020603050405020304" pitchFamily="18" charset="0"/>
+                        </a:rPr>
                         <a:t> </a:t>
                       </a:r>
                       <a:r>
-                        <a:rPr lang="en-US" sz="900" dirty="0" err="1"/>
+                        <a:rPr lang="en-US" sz="900" dirty="0" err="1">
+                          <a:latin typeface="Times New Roman" panose="02020603050405020304" pitchFamily="18" charset="0"/>
+                          <a:cs typeface="Times New Roman" panose="02020603050405020304" pitchFamily="18" charset="0"/>
+                        </a:rPr>
                         <a:t>Laporan</a:t>
                       </a:r>
                       <a:r>
-                        <a:rPr lang="en-US" sz="900" dirty="0"/>
+                        <a:rPr lang="en-US" sz="900" dirty="0">
+                          <a:latin typeface="Times New Roman" panose="02020603050405020304" pitchFamily="18" charset="0"/>
+                          <a:cs typeface="Times New Roman" panose="02020603050405020304" pitchFamily="18" charset="0"/>
+                        </a:rPr>
                         <a:t> Akhir</a:t>
                       </a:r>
-                      <a:endParaRPr lang="en-ID" sz="900" dirty="0"/>
+                      <a:endParaRPr lang="en-ID" sz="900" dirty="0">
+                        <a:latin typeface="Times New Roman" panose="02020603050405020304" pitchFamily="18" charset="0"/>
+                        <a:cs typeface="Times New Roman" panose="02020603050405020304" pitchFamily="18" charset="0"/>
+                      </a:endParaRPr>
                     </a:p>
                   </a:txBody>
                   <a:tcPr anchor="ctr"/>
@@ -10927,7 +11454,10 @@
                     <a:lstStyle/>
                     <a:p>
                       <a:pPr algn="ctr"/>
-                      <a:endParaRPr lang="en-ID" sz="1200" dirty="0"/>
+                      <a:endParaRPr lang="en-ID" sz="1200" dirty="0">
+                        <a:latin typeface="Times New Roman" panose="02020603050405020304" pitchFamily="18" charset="0"/>
+                        <a:cs typeface="Times New Roman" panose="02020603050405020304" pitchFamily="18" charset="0"/>
+                      </a:endParaRPr>
                     </a:p>
                   </a:txBody>
                   <a:tcPr anchor="ctr">
@@ -10942,7 +11472,10 @@
                     <a:lstStyle/>
                     <a:p>
                       <a:pPr algn="ctr"/>
-                      <a:endParaRPr lang="en-ID" sz="1200" dirty="0"/>
+                      <a:endParaRPr lang="en-ID" sz="1200" dirty="0">
+                        <a:latin typeface="Times New Roman" panose="02020603050405020304" pitchFamily="18" charset="0"/>
+                        <a:cs typeface="Times New Roman" panose="02020603050405020304" pitchFamily="18" charset="0"/>
+                      </a:endParaRPr>
                     </a:p>
                   </a:txBody>
                   <a:tcPr anchor="ctr">
@@ -10957,7 +11490,10 @@
                     <a:lstStyle/>
                     <a:p>
                       <a:pPr algn="ctr"/>
-                      <a:endParaRPr lang="en-ID" sz="1200" dirty="0"/>
+                      <a:endParaRPr lang="en-ID" sz="1200" dirty="0">
+                        <a:latin typeface="Times New Roman" panose="02020603050405020304" pitchFamily="18" charset="0"/>
+                        <a:cs typeface="Times New Roman" panose="02020603050405020304" pitchFamily="18" charset="0"/>
+                      </a:endParaRPr>
                     </a:p>
                   </a:txBody>
                   <a:tcPr anchor="ctr">
@@ -10972,7 +11508,10 @@
                     <a:lstStyle/>
                     <a:p>
                       <a:pPr algn="ctr"/>
-                      <a:endParaRPr lang="en-ID" sz="1200" dirty="0"/>
+                      <a:endParaRPr lang="en-ID" sz="1200" dirty="0">
+                        <a:latin typeface="Times New Roman" panose="02020603050405020304" pitchFamily="18" charset="0"/>
+                        <a:cs typeface="Times New Roman" panose="02020603050405020304" pitchFamily="18" charset="0"/>
+                      </a:endParaRPr>
                     </a:p>
                   </a:txBody>
                   <a:tcPr anchor="ctr">
@@ -10987,7 +11526,10 @@
                     <a:lstStyle/>
                     <a:p>
                       <a:pPr algn="ctr"/>
-                      <a:endParaRPr lang="en-ID" sz="1200" dirty="0"/>
+                      <a:endParaRPr lang="en-ID" sz="1200" dirty="0">
+                        <a:latin typeface="Times New Roman" panose="02020603050405020304" pitchFamily="18" charset="0"/>
+                        <a:cs typeface="Times New Roman" panose="02020603050405020304" pitchFamily="18" charset="0"/>
+                      </a:endParaRPr>
                     </a:p>
                   </a:txBody>
                   <a:tcPr anchor="ctr">
@@ -11002,7 +11544,10 @@
                     <a:lstStyle/>
                     <a:p>
                       <a:pPr algn="ctr"/>
-                      <a:endParaRPr lang="en-ID" sz="1200" dirty="0"/>
+                      <a:endParaRPr lang="en-ID" sz="1200" dirty="0">
+                        <a:latin typeface="Times New Roman" panose="02020603050405020304" pitchFamily="18" charset="0"/>
+                        <a:cs typeface="Times New Roman" panose="02020603050405020304" pitchFamily="18" charset="0"/>
+                      </a:endParaRPr>
                     </a:p>
                   </a:txBody>
                   <a:tcPr anchor="ctr">
@@ -11017,7 +11562,10 @@
                     <a:lstStyle/>
                     <a:p>
                       <a:pPr algn="ctr"/>
-                      <a:endParaRPr lang="en-ID" sz="1200" dirty="0"/>
+                      <a:endParaRPr lang="en-ID" sz="1200" dirty="0">
+                        <a:latin typeface="Times New Roman" panose="02020603050405020304" pitchFamily="18" charset="0"/>
+                        <a:cs typeface="Times New Roman" panose="02020603050405020304" pitchFamily="18" charset="0"/>
+                      </a:endParaRPr>
                     </a:p>
                   </a:txBody>
                   <a:tcPr anchor="ctr">
@@ -11032,7 +11580,10 @@
                     <a:lstStyle/>
                     <a:p>
                       <a:pPr algn="ctr"/>
-                      <a:endParaRPr lang="en-ID" sz="1200" dirty="0"/>
+                      <a:endParaRPr lang="en-ID" sz="1200" dirty="0">
+                        <a:latin typeface="Times New Roman" panose="02020603050405020304" pitchFamily="18" charset="0"/>
+                        <a:cs typeface="Times New Roman" panose="02020603050405020304" pitchFamily="18" charset="0"/>
+                      </a:endParaRPr>
                     </a:p>
                   </a:txBody>
                   <a:tcPr anchor="ctr">
@@ -11047,7 +11598,10 @@
                     <a:lstStyle/>
                     <a:p>
                       <a:pPr algn="ctr"/>
-                      <a:endParaRPr lang="en-ID" sz="1200" dirty="0"/>
+                      <a:endParaRPr lang="en-ID" sz="1200" dirty="0">
+                        <a:latin typeface="Times New Roman" panose="02020603050405020304" pitchFamily="18" charset="0"/>
+                        <a:cs typeface="Times New Roman" panose="02020603050405020304" pitchFamily="18" charset="0"/>
+                      </a:endParaRPr>
                     </a:p>
                   </a:txBody>
                   <a:tcPr anchor="ctr">
@@ -11062,7 +11616,10 @@
                     <a:lstStyle/>
                     <a:p>
                       <a:pPr algn="ctr"/>
-                      <a:endParaRPr lang="en-ID" sz="1200" dirty="0"/>
+                      <a:endParaRPr lang="en-ID" sz="1200" dirty="0">
+                        <a:latin typeface="Times New Roman" panose="02020603050405020304" pitchFamily="18" charset="0"/>
+                        <a:cs typeface="Times New Roman" panose="02020603050405020304" pitchFamily="18" charset="0"/>
+                      </a:endParaRPr>
                     </a:p>
                   </a:txBody>
                   <a:tcPr anchor="ctr">
@@ -11077,7 +11634,10 @@
                     <a:lstStyle/>
                     <a:p>
                       <a:pPr algn="ctr"/>
-                      <a:endParaRPr lang="en-ID" sz="1200" dirty="0"/>
+                      <a:endParaRPr lang="en-ID" sz="1200" dirty="0">
+                        <a:latin typeface="Times New Roman" panose="02020603050405020304" pitchFamily="18" charset="0"/>
+                        <a:cs typeface="Times New Roman" panose="02020603050405020304" pitchFamily="18" charset="0"/>
+                      </a:endParaRPr>
                     </a:p>
                   </a:txBody>
                   <a:tcPr anchor="ctr">
@@ -11092,7 +11652,10 @@
                     <a:lstStyle/>
                     <a:p>
                       <a:pPr algn="ctr"/>
-                      <a:endParaRPr lang="en-ID" sz="1200" dirty="0"/>
+                      <a:endParaRPr lang="en-ID" sz="1200" dirty="0">
+                        <a:latin typeface="Times New Roman" panose="02020603050405020304" pitchFamily="18" charset="0"/>
+                        <a:cs typeface="Times New Roman" panose="02020603050405020304" pitchFamily="18" charset="0"/>
+                      </a:endParaRPr>
                     </a:p>
                   </a:txBody>
                   <a:tcPr anchor="ctr">
@@ -11107,7 +11670,10 @@
                     <a:lstStyle/>
                     <a:p>
                       <a:pPr algn="ctr"/>
-                      <a:endParaRPr lang="en-ID" sz="1200" dirty="0"/>
+                      <a:endParaRPr lang="en-ID" sz="1200" dirty="0">
+                        <a:latin typeface="Times New Roman" panose="02020603050405020304" pitchFamily="18" charset="0"/>
+                        <a:cs typeface="Times New Roman" panose="02020603050405020304" pitchFamily="18" charset="0"/>
+                      </a:endParaRPr>
                     </a:p>
                   </a:txBody>
                   <a:tcPr anchor="ctr">
@@ -11122,7 +11688,10 @@
                     <a:lstStyle/>
                     <a:p>
                       <a:pPr algn="ctr"/>
-                      <a:endParaRPr lang="en-ID" sz="1200" dirty="0"/>
+                      <a:endParaRPr lang="en-ID" sz="1200" dirty="0">
+                        <a:latin typeface="Times New Roman" panose="02020603050405020304" pitchFamily="18" charset="0"/>
+                        <a:cs typeface="Times New Roman" panose="02020603050405020304" pitchFamily="18" charset="0"/>
+                      </a:endParaRPr>
                     </a:p>
                   </a:txBody>
                   <a:tcPr anchor="ctr">
@@ -11137,7 +11706,10 @@
                     <a:lstStyle/>
                     <a:p>
                       <a:pPr algn="ctr"/>
-                      <a:endParaRPr lang="en-ID" sz="1200" dirty="0"/>
+                      <a:endParaRPr lang="en-ID" sz="1200" dirty="0">
+                        <a:latin typeface="Times New Roman" panose="02020603050405020304" pitchFamily="18" charset="0"/>
+                        <a:cs typeface="Times New Roman" panose="02020603050405020304" pitchFamily="18" charset="0"/>
+                      </a:endParaRPr>
                     </a:p>
                   </a:txBody>
                   <a:tcPr anchor="ctr">
@@ -11152,7 +11724,10 @@
                     <a:lstStyle/>
                     <a:p>
                       <a:pPr algn="ctr"/>
-                      <a:endParaRPr lang="en-ID" sz="1200" dirty="0"/>
+                      <a:endParaRPr lang="en-ID" sz="1200" dirty="0">
+                        <a:latin typeface="Times New Roman" panose="02020603050405020304" pitchFamily="18" charset="0"/>
+                        <a:cs typeface="Times New Roman" panose="02020603050405020304" pitchFamily="18" charset="0"/>
+                      </a:endParaRPr>
                     </a:p>
                   </a:txBody>
                   <a:tcPr anchor="ctr">
@@ -11239,10 +11814,14 @@
               <a:buNone/>
             </a:pPr>
             <a:r>
-              <a:rPr lang="en-US"/>
-              <a:t>daftar referensi</a:t>
-            </a:r>
-            <a:endParaRPr/>
+              <a:rPr lang="en-US" dirty="0"/>
+              <a:t>Daftar </a:t>
+            </a:r>
+            <a:r>
+              <a:rPr lang="en-US" dirty="0" err="1"/>
+              <a:t>Referensi</a:t>
+            </a:r>
+            <a:endParaRPr dirty="0"/>
           </a:p>
         </p:txBody>
       </p:sp>
@@ -11603,9 +12182,32 @@
               <a:rPr lang="en-US" sz="1200" dirty="0">
                 <a:latin typeface="Times New Roman" panose="02020603050405020304" pitchFamily="18" charset="0"/>
                 <a:cs typeface="Times New Roman" panose="02020603050405020304" pitchFamily="18" charset="0"/>
-              </a:rPr>
-              <a:t>https://doi.org/10.1016/j.websem.2022.100771.</a:t>
-            </a:r>
+                <a:hlinkClick r:id="rId4"/>
+              </a:rPr>
+              <a:t>https://doi.org/10.1016/j.websem.2022.100771</a:t>
+            </a:r>
+            <a:r>
+              <a:rPr lang="en-US" sz="1200" dirty="0">
+                <a:latin typeface="Times New Roman" panose="02020603050405020304" pitchFamily="18" charset="0"/>
+                <a:cs typeface="Times New Roman" panose="02020603050405020304" pitchFamily="18" charset="0"/>
+              </a:rPr>
+              <a:t>.</a:t>
+            </a:r>
+          </a:p>
+          <a:p>
+            <a:pPr marL="0" lvl="0" indent="0" algn="l" rtl="0">
+              <a:lnSpc>
+                <a:spcPct val="115000"/>
+              </a:lnSpc>
+              <a:spcBef>
+                <a:spcPts val="0"/>
+              </a:spcBef>
+              <a:spcAft>
+                <a:spcPts val="1200"/>
+              </a:spcAft>
+              <a:buSzPts val="1800"/>
+              <a:buNone/>
+            </a:pPr>
             <a:endParaRPr lang="en-ID" sz="1200" dirty="0">
               <a:latin typeface="Times New Roman" panose="02020603050405020304" pitchFamily="18" charset="0"/>
               <a:cs typeface="Times New Roman" panose="02020603050405020304" pitchFamily="18" charset="0"/>
@@ -11700,14 +12302,23 @@
               <a:buNone/>
             </a:pPr>
             <a:r>
-              <a:rPr lang="en-US" dirty="0"/>
+              <a:rPr lang="en-US" dirty="0">
+                <a:latin typeface="Times New Roman" panose="02020603050405020304" pitchFamily="18" charset="0"/>
+                <a:cs typeface="Times New Roman" panose="02020603050405020304" pitchFamily="18" charset="0"/>
+              </a:rPr>
               <a:t>Lembar </a:t>
             </a:r>
             <a:r>
-              <a:rPr lang="en-US" dirty="0" err="1"/>
+              <a:rPr lang="en-US" dirty="0" err="1">
+                <a:latin typeface="Times New Roman" panose="02020603050405020304" pitchFamily="18" charset="0"/>
+                <a:cs typeface="Times New Roman" panose="02020603050405020304" pitchFamily="18" charset="0"/>
+              </a:rPr>
               <a:t>Pengesahan</a:t>
             </a:r>
-            <a:endParaRPr dirty="0"/>
+            <a:endParaRPr dirty="0">
+              <a:latin typeface="Times New Roman" panose="02020603050405020304" pitchFamily="18" charset="0"/>
+              <a:cs typeface="Times New Roman" panose="02020603050405020304" pitchFamily="18" charset="0"/>
+            </a:endParaRPr>
           </a:p>
         </p:txBody>
       </p:sp>
@@ -11753,10 +12364,12 @@
               <a:buSzPts val="1800"/>
               <a:buNone/>
             </a:pPr>
-            <a:endParaRPr dirty="0">
+            <a:endParaRPr lang="en-ID" dirty="0">
               <a:solidFill>
                 <a:schemeClr val="tx1"/>
               </a:solidFill>
+              <a:latin typeface="Times New Roman" panose="02020603050405020304" pitchFamily="18" charset="0"/>
+              <a:cs typeface="Times New Roman" panose="02020603050405020304" pitchFamily="18" charset="0"/>
             </a:endParaRPr>
           </a:p>
           <a:p>
@@ -11774,57 +12387,91 @@
               <a:buNone/>
             </a:pPr>
             <a:r>
-              <a:rPr lang="en-US" dirty="0">
+              <a:rPr lang="en-ID" dirty="0">
                 <a:solidFill>
                   <a:schemeClr val="tx1"/>
                 </a:solidFill>
+                <a:latin typeface="Times New Roman" panose="02020603050405020304" pitchFamily="18" charset="0"/>
+                <a:cs typeface="Times New Roman" panose="02020603050405020304" pitchFamily="18" charset="0"/>
               </a:rPr>
               <a:t>Nama </a:t>
             </a:r>
             <a:r>
-              <a:rPr lang="en-US" dirty="0" err="1">
+              <a:rPr lang="en-ID" dirty="0" err="1">
                 <a:solidFill>
                   <a:schemeClr val="tx1"/>
                 </a:solidFill>
+                <a:latin typeface="Times New Roman" panose="02020603050405020304" pitchFamily="18" charset="0"/>
+                <a:cs typeface="Times New Roman" panose="02020603050405020304" pitchFamily="18" charset="0"/>
               </a:rPr>
               <a:t>Mahasiswa</a:t>
             </a:r>
             <a:r>
-              <a:rPr lang="en-US" dirty="0">
+              <a:rPr lang="en-ID" dirty="0">
                 <a:solidFill>
                   <a:schemeClr val="tx1"/>
                 </a:solidFill>
+                <a:latin typeface="Times New Roman" panose="02020603050405020304" pitchFamily="18" charset="0"/>
+                <a:cs typeface="Times New Roman" panose="02020603050405020304" pitchFamily="18" charset="0"/>
               </a:rPr>
               <a:t>/NPM/</a:t>
             </a:r>
             <a:r>
-              <a:rPr lang="en-US" dirty="0" err="1">
+              <a:rPr lang="en-ID" dirty="0" err="1">
                 <a:solidFill>
                   <a:schemeClr val="tx1"/>
                 </a:solidFill>
+                <a:latin typeface="Times New Roman" panose="02020603050405020304" pitchFamily="18" charset="0"/>
+                <a:cs typeface="Times New Roman" panose="02020603050405020304" pitchFamily="18" charset="0"/>
               </a:rPr>
               <a:t>No.HP</a:t>
             </a:r>
             <a:r>
-              <a:rPr lang="en-US" dirty="0">
+              <a:rPr lang="en-ID" dirty="0">
                 <a:solidFill>
                   <a:schemeClr val="tx1"/>
                 </a:solidFill>
-              </a:rPr>
-              <a:t>/SKS yang sudah </a:t>
-            </a:r>
-            <a:r>
-              <a:rPr lang="en-US" dirty="0" err="1">
+                <a:latin typeface="Times New Roman" panose="02020603050405020304" pitchFamily="18" charset="0"/>
+                <a:cs typeface="Times New Roman" panose="02020603050405020304" pitchFamily="18" charset="0"/>
+              </a:rPr>
+              <a:t>/SKS yang </a:t>
+            </a:r>
+            <a:r>
+              <a:rPr lang="en-ID" dirty="0" err="1">
                 <a:solidFill>
                   <a:schemeClr val="tx1"/>
                 </a:solidFill>
+                <a:latin typeface="Times New Roman" panose="02020603050405020304" pitchFamily="18" charset="0"/>
+                <a:cs typeface="Times New Roman" panose="02020603050405020304" pitchFamily="18" charset="0"/>
+              </a:rPr>
+              <a:t>sudah</a:t>
+            </a:r>
+            <a:r>
+              <a:rPr lang="en-ID" dirty="0">
+                <a:solidFill>
+                  <a:schemeClr val="tx1"/>
+                </a:solidFill>
+                <a:latin typeface="Times New Roman" panose="02020603050405020304" pitchFamily="18" charset="0"/>
+                <a:cs typeface="Times New Roman" panose="02020603050405020304" pitchFamily="18" charset="0"/>
+              </a:rPr>
+              <a:t> </a:t>
+            </a:r>
+            <a:r>
+              <a:rPr lang="en-ID" dirty="0" err="1">
+                <a:solidFill>
+                  <a:schemeClr val="tx1"/>
+                </a:solidFill>
+                <a:latin typeface="Times New Roman" panose="02020603050405020304" pitchFamily="18" charset="0"/>
+                <a:cs typeface="Times New Roman" panose="02020603050405020304" pitchFamily="18" charset="0"/>
               </a:rPr>
               <a:t>diperoleh</a:t>
             </a:r>
-            <a:endParaRPr dirty="0">
+            <a:endParaRPr lang="en-ID" dirty="0">
               <a:solidFill>
                 <a:schemeClr val="tx1"/>
               </a:solidFill>
+              <a:latin typeface="Times New Roman" panose="02020603050405020304" pitchFamily="18" charset="0"/>
+              <a:cs typeface="Times New Roman" panose="02020603050405020304" pitchFamily="18" charset="0"/>
             </a:endParaRPr>
           </a:p>
           <a:p>
@@ -11842,33 +12489,56 @@
               <a:buNone/>
             </a:pPr>
             <a:r>
-              <a:rPr lang="en-US" dirty="0">
+              <a:rPr lang="en-ID" dirty="0">
                 <a:solidFill>
                   <a:schemeClr val="tx1"/>
                 </a:solidFill>
+                <a:latin typeface="Times New Roman" panose="02020603050405020304" pitchFamily="18" charset="0"/>
+                <a:cs typeface="Times New Roman" panose="02020603050405020304" pitchFamily="18" charset="0"/>
               </a:rPr>
               <a:t>1. Richie Christiansen </a:t>
             </a:r>
             <a:r>
-              <a:rPr lang="en-US" dirty="0" err="1">
+              <a:rPr lang="en-ID" dirty="0" err="1">
                 <a:solidFill>
                   <a:schemeClr val="tx1"/>
                 </a:solidFill>
+                <a:latin typeface="Times New Roman" panose="02020603050405020304" pitchFamily="18" charset="0"/>
+                <a:cs typeface="Times New Roman" panose="02020603050405020304" pitchFamily="18" charset="0"/>
               </a:rPr>
               <a:t>Senlia</a:t>
             </a:r>
             <a:r>
-              <a:rPr lang="en-US" dirty="0">
+              <a:rPr lang="en-ID" dirty="0">
                 <a:solidFill>
                   <a:schemeClr val="tx1"/>
                 </a:solidFill>
+                <a:latin typeface="Times New Roman" panose="02020603050405020304" pitchFamily="18" charset="0"/>
+                <a:cs typeface="Times New Roman" panose="02020603050405020304" pitchFamily="18" charset="0"/>
               </a:rPr>
               <a:t>/2006473895/082175239925/138</a:t>
             </a:r>
-            <a:endParaRPr dirty="0">
+          </a:p>
+          <a:p>
+            <a:pPr marL="114300" lvl="0" indent="0" algn="l" rtl="0">
+              <a:lnSpc>
+                <a:spcPct val="115000"/>
+              </a:lnSpc>
+              <a:spcBef>
+                <a:spcPts val="0"/>
+              </a:spcBef>
+              <a:spcAft>
+                <a:spcPts val="0"/>
+              </a:spcAft>
+              <a:buSzPts val="1800"/>
+              <a:buNone/>
+            </a:pPr>
+            <a:endParaRPr lang="en-ID" dirty="0">
               <a:solidFill>
                 <a:schemeClr val="tx1"/>
               </a:solidFill>
+              <a:latin typeface="Times New Roman" panose="02020603050405020304" pitchFamily="18" charset="0"/>
+              <a:cs typeface="Times New Roman" panose="02020603050405020304" pitchFamily="18" charset="0"/>
             </a:endParaRPr>
           </a:p>
           <a:p>
@@ -11885,10 +12555,132 @@
               <a:buSzPts val="1800"/>
               <a:buNone/>
             </a:pPr>
-            <a:endParaRPr dirty="0">
+            <a:r>
+              <a:rPr lang="en-ID" dirty="0">
+                <a:solidFill>
+                  <a:schemeClr val="tx1"/>
+                </a:solidFill>
+                <a:latin typeface="Times New Roman" panose="02020603050405020304" pitchFamily="18" charset="0"/>
+                <a:cs typeface="Times New Roman" panose="02020603050405020304" pitchFamily="18" charset="0"/>
+              </a:rPr>
+              <a:t>Calon </a:t>
+            </a:r>
+            <a:r>
+              <a:rPr lang="en-ID" dirty="0" err="1">
+                <a:solidFill>
+                  <a:schemeClr val="tx1"/>
+                </a:solidFill>
+                <a:latin typeface="Times New Roman" panose="02020603050405020304" pitchFamily="18" charset="0"/>
+                <a:cs typeface="Times New Roman" panose="02020603050405020304" pitchFamily="18" charset="0"/>
+              </a:rPr>
+              <a:t>Pembimbing</a:t>
+            </a:r>
+            <a:r>
+              <a:rPr lang="en-ID" dirty="0">
+                <a:solidFill>
+                  <a:schemeClr val="tx1"/>
+                </a:solidFill>
+                <a:latin typeface="Times New Roman" panose="02020603050405020304" pitchFamily="18" charset="0"/>
+                <a:cs typeface="Times New Roman" panose="02020603050405020304" pitchFamily="18" charset="0"/>
+              </a:rPr>
+              <a:t> </a:t>
+            </a:r>
+            <a:r>
+              <a:rPr lang="en-ID" dirty="0" err="1">
+                <a:solidFill>
+                  <a:schemeClr val="tx1"/>
+                </a:solidFill>
+                <a:latin typeface="Times New Roman" panose="02020603050405020304" pitchFamily="18" charset="0"/>
+                <a:cs typeface="Times New Roman" panose="02020603050405020304" pitchFamily="18" charset="0"/>
+              </a:rPr>
+              <a:t>Tugas</a:t>
+            </a:r>
+            <a:r>
+              <a:rPr lang="en-ID" dirty="0">
+                <a:solidFill>
+                  <a:schemeClr val="tx1"/>
+                </a:solidFill>
+                <a:latin typeface="Times New Roman" panose="02020603050405020304" pitchFamily="18" charset="0"/>
+                <a:cs typeface="Times New Roman" panose="02020603050405020304" pitchFamily="18" charset="0"/>
+              </a:rPr>
+              <a:t> Akhir I	: </a:t>
+            </a:r>
+            <a:r>
+              <a:rPr lang="en-ID" dirty="0" err="1">
+                <a:solidFill>
+                  <a:schemeClr val="tx1"/>
+                </a:solidFill>
+                <a:latin typeface="Times New Roman" panose="02020603050405020304" pitchFamily="18" charset="0"/>
+                <a:cs typeface="Times New Roman" panose="02020603050405020304" pitchFamily="18" charset="0"/>
+              </a:rPr>
+              <a:t>Adila</a:t>
+            </a:r>
+            <a:r>
+              <a:rPr lang="en-ID" dirty="0">
+                <a:solidFill>
+                  <a:schemeClr val="tx1"/>
+                </a:solidFill>
+                <a:latin typeface="Times New Roman" panose="02020603050405020304" pitchFamily="18" charset="0"/>
+                <a:cs typeface="Times New Roman" panose="02020603050405020304" pitchFamily="18" charset="0"/>
+              </a:rPr>
+              <a:t> Alfa </a:t>
+            </a:r>
+            <a:r>
+              <a:rPr lang="en-ID" dirty="0" err="1">
+                <a:solidFill>
+                  <a:schemeClr val="tx1"/>
+                </a:solidFill>
+                <a:latin typeface="Times New Roman" panose="02020603050405020304" pitchFamily="18" charset="0"/>
+                <a:cs typeface="Times New Roman" panose="02020603050405020304" pitchFamily="18" charset="0"/>
+              </a:rPr>
+              <a:t>Krisnadhi</a:t>
+            </a:r>
+            <a:r>
+              <a:rPr lang="en-ID" dirty="0">
+                <a:solidFill>
+                  <a:schemeClr val="tx1"/>
+                </a:solidFill>
+                <a:latin typeface="Times New Roman" panose="02020603050405020304" pitchFamily="18" charset="0"/>
+                <a:cs typeface="Times New Roman" panose="02020603050405020304" pitchFamily="18" charset="0"/>
+              </a:rPr>
+              <a:t>, </a:t>
+            </a:r>
+            <a:r>
+              <a:rPr lang="en-ID" dirty="0" err="1">
+                <a:solidFill>
+                  <a:schemeClr val="tx1"/>
+                </a:solidFill>
+                <a:latin typeface="Times New Roman" panose="02020603050405020304" pitchFamily="18" charset="0"/>
+                <a:cs typeface="Times New Roman" panose="02020603050405020304" pitchFamily="18" charset="0"/>
+              </a:rPr>
+              <a:t>S.Kom</a:t>
+            </a:r>
+            <a:r>
+              <a:rPr lang="en-ID" dirty="0">
+                <a:solidFill>
+                  <a:schemeClr val="tx1"/>
+                </a:solidFill>
+                <a:latin typeface="Times New Roman" panose="02020603050405020304" pitchFamily="18" charset="0"/>
+                <a:cs typeface="Times New Roman" panose="02020603050405020304" pitchFamily="18" charset="0"/>
+              </a:rPr>
+              <a:t>., M.Sc., </a:t>
+            </a:r>
+            <a:r>
+              <a:rPr lang="en-ID" dirty="0" err="1">
+                <a:solidFill>
+                  <a:schemeClr val="tx1"/>
+                </a:solidFill>
+                <a:latin typeface="Times New Roman" panose="02020603050405020304" pitchFamily="18" charset="0"/>
+                <a:cs typeface="Times New Roman" panose="02020603050405020304" pitchFamily="18" charset="0"/>
+              </a:rPr>
+              <a:t>Ph.D</a:t>
+            </a:r>
+            <a:endParaRPr lang="en-ID" dirty="0">
               <a:solidFill>
                 <a:schemeClr val="tx1"/>
               </a:solidFill>
+              <a:latin typeface="Times New Roman" panose="02020603050405020304" pitchFamily="18" charset="0"/>
+              <a:cs typeface="Times New Roman" panose="02020603050405020304" pitchFamily="18" charset="0"/>
             </a:endParaRPr>
           </a:p>
           <a:p>
@@ -11906,17 +12698,136 @@
               <a:buNone/>
             </a:pPr>
             <a:r>
-              <a:rPr lang="sv-SE" dirty="0">
+              <a:rPr lang="en-ID" dirty="0">
                 <a:solidFill>
                   <a:schemeClr val="tx1"/>
                 </a:solidFill>
-              </a:rPr>
-              <a:t>Calon Pembimbing Tugas Akhir I	: Adila Alfa Krisnadhi, S.Kom., M.Sc., Ph.D</a:t>
-            </a:r>
-            <a:endParaRPr dirty="0">
+                <a:latin typeface="Times New Roman" panose="02020603050405020304" pitchFamily="18" charset="0"/>
+                <a:cs typeface="Times New Roman" panose="02020603050405020304" pitchFamily="18" charset="0"/>
+              </a:rPr>
+              <a:t>Calon </a:t>
+            </a:r>
+            <a:r>
+              <a:rPr lang="en-ID" dirty="0" err="1">
+                <a:solidFill>
+                  <a:schemeClr val="tx1"/>
+                </a:solidFill>
+                <a:latin typeface="Times New Roman" panose="02020603050405020304" pitchFamily="18" charset="0"/>
+                <a:cs typeface="Times New Roman" panose="02020603050405020304" pitchFamily="18" charset="0"/>
+              </a:rPr>
+              <a:t>Pembimbing</a:t>
+            </a:r>
+            <a:r>
+              <a:rPr lang="en-ID" dirty="0">
+                <a:solidFill>
+                  <a:schemeClr val="tx1"/>
+                </a:solidFill>
+                <a:latin typeface="Times New Roman" panose="02020603050405020304" pitchFamily="18" charset="0"/>
+                <a:cs typeface="Times New Roman" panose="02020603050405020304" pitchFamily="18" charset="0"/>
+              </a:rPr>
+              <a:t> </a:t>
+            </a:r>
+            <a:r>
+              <a:rPr lang="en-ID" dirty="0" err="1">
+                <a:solidFill>
+                  <a:schemeClr val="tx1"/>
+                </a:solidFill>
+                <a:latin typeface="Times New Roman" panose="02020603050405020304" pitchFamily="18" charset="0"/>
+                <a:cs typeface="Times New Roman" panose="02020603050405020304" pitchFamily="18" charset="0"/>
+              </a:rPr>
+              <a:t>Tugas</a:t>
+            </a:r>
+            <a:r>
+              <a:rPr lang="en-ID" dirty="0">
+                <a:solidFill>
+                  <a:schemeClr val="tx1"/>
+                </a:solidFill>
+                <a:latin typeface="Times New Roman" panose="02020603050405020304" pitchFamily="18" charset="0"/>
+                <a:cs typeface="Times New Roman" panose="02020603050405020304" pitchFamily="18" charset="0"/>
+              </a:rPr>
+              <a:t> Akhir II	: </a:t>
+            </a:r>
+            <a:r>
+              <a:rPr lang="en-ID" dirty="0" err="1">
+                <a:solidFill>
+                  <a:schemeClr val="tx1"/>
+                </a:solidFill>
+                <a:latin typeface="Times New Roman" panose="02020603050405020304" pitchFamily="18" charset="0"/>
+                <a:cs typeface="Times New Roman" panose="02020603050405020304" pitchFamily="18" charset="0"/>
+              </a:rPr>
+              <a:t>Iis</a:t>
+            </a:r>
+            <a:r>
+              <a:rPr lang="en-ID" dirty="0">
+                <a:solidFill>
+                  <a:schemeClr val="tx1"/>
+                </a:solidFill>
+                <a:latin typeface="Times New Roman" panose="02020603050405020304" pitchFamily="18" charset="0"/>
+                <a:cs typeface="Times New Roman" panose="02020603050405020304" pitchFamily="18" charset="0"/>
+              </a:rPr>
+              <a:t> </a:t>
+            </a:r>
+            <a:r>
+              <a:rPr lang="en-ID" dirty="0" err="1">
+                <a:solidFill>
+                  <a:schemeClr val="tx1"/>
+                </a:solidFill>
+                <a:latin typeface="Times New Roman" panose="02020603050405020304" pitchFamily="18" charset="0"/>
+                <a:cs typeface="Times New Roman" panose="02020603050405020304" pitchFamily="18" charset="0"/>
+              </a:rPr>
+              <a:t>Afriyanti</a:t>
+            </a:r>
+            <a:r>
+              <a:rPr lang="en-ID" dirty="0">
+                <a:solidFill>
+                  <a:schemeClr val="tx1"/>
+                </a:solidFill>
+                <a:latin typeface="Times New Roman" panose="02020603050405020304" pitchFamily="18" charset="0"/>
+                <a:cs typeface="Times New Roman" panose="02020603050405020304" pitchFamily="18" charset="0"/>
+              </a:rPr>
+              <a:t>, </a:t>
+            </a:r>
+            <a:r>
+              <a:rPr lang="en-ID" dirty="0" err="1">
+                <a:solidFill>
+                  <a:schemeClr val="tx1"/>
+                </a:solidFill>
+                <a:latin typeface="Times New Roman" panose="02020603050405020304" pitchFamily="18" charset="0"/>
+                <a:cs typeface="Times New Roman" panose="02020603050405020304" pitchFamily="18" charset="0"/>
+              </a:rPr>
+              <a:t>S.Kom</a:t>
+            </a:r>
+            <a:r>
+              <a:rPr lang="en-ID" dirty="0">
+                <a:solidFill>
+                  <a:schemeClr val="tx1"/>
+                </a:solidFill>
+                <a:latin typeface="Times New Roman" panose="02020603050405020304" pitchFamily="18" charset="0"/>
+                <a:cs typeface="Times New Roman" panose="02020603050405020304" pitchFamily="18" charset="0"/>
+              </a:rPr>
+              <a:t>., M.Sc.</a:t>
+            </a:r>
+          </a:p>
+          <a:p>
+            <a:pPr marL="114300" lvl="0" indent="0" algn="l" rtl="0">
+              <a:lnSpc>
+                <a:spcPct val="115000"/>
+              </a:lnSpc>
+              <a:spcBef>
+                <a:spcPts val="0"/>
+              </a:spcBef>
+              <a:spcAft>
+                <a:spcPts val="0"/>
+              </a:spcAft>
+              <a:buSzPts val="1800"/>
+              <a:buNone/>
+            </a:pPr>
+            <a:endParaRPr lang="en-ID" dirty="0">
               <a:solidFill>
                 <a:schemeClr val="tx1"/>
               </a:solidFill>
+              <a:latin typeface="Times New Roman" panose="02020603050405020304" pitchFamily="18" charset="0"/>
+              <a:cs typeface="Times New Roman" panose="02020603050405020304" pitchFamily="18" charset="0"/>
             </a:endParaRPr>
           </a:p>
           <a:p>
@@ -11933,58 +12844,12 @@
               <a:buSzPts val="1800"/>
               <a:buNone/>
             </a:pPr>
-            <a:r>
-              <a:rPr lang="en-US" dirty="0">
-                <a:solidFill>
-                  <a:schemeClr val="tx1"/>
-                </a:solidFill>
-              </a:rPr>
-              <a:t>Calon </a:t>
-            </a:r>
-            <a:r>
-              <a:rPr lang="en-US" dirty="0" err="1">
-                <a:solidFill>
-                  <a:schemeClr val="tx1"/>
-                </a:solidFill>
-              </a:rPr>
-              <a:t>Pembimbing</a:t>
-            </a:r>
-            <a:r>
-              <a:rPr lang="en-US" dirty="0">
-                <a:solidFill>
-                  <a:schemeClr val="tx1"/>
-                </a:solidFill>
-              </a:rPr>
-              <a:t> </a:t>
-            </a:r>
-            <a:r>
-              <a:rPr lang="en-US" dirty="0" err="1">
-                <a:solidFill>
-                  <a:schemeClr val="tx1"/>
-                </a:solidFill>
-              </a:rPr>
-              <a:t>Tugas</a:t>
-            </a:r>
-            <a:r>
-              <a:rPr lang="en-US" dirty="0">
-                <a:solidFill>
-                  <a:schemeClr val="tx1"/>
-                </a:solidFill>
-              </a:rPr>
-              <a:t> Akhir II	: </a:t>
-            </a:r>
-            <a:r>
-              <a:rPr lang="da-DK" dirty="0">
-                <a:solidFill>
-                  <a:schemeClr val="tx1"/>
-                </a:solidFill>
-              </a:rPr>
-              <a:t>Iis Afriyanti, S.Kom., M.Sc.</a:t>
-            </a:r>
-            <a:endParaRPr lang="en-US" dirty="0">
+            <a:endParaRPr lang="en-ID" dirty="0">
               <a:solidFill>
                 <a:schemeClr val="tx1"/>
               </a:solidFill>
+              <a:latin typeface="Times New Roman" panose="02020603050405020304" pitchFamily="18" charset="0"/>
+              <a:cs typeface="Times New Roman" panose="02020603050405020304" pitchFamily="18" charset="0"/>
             </a:endParaRPr>
           </a:p>
           <a:p>
@@ -12001,50 +12866,12 @@
               <a:buSzPts val="1800"/>
               <a:buNone/>
             </a:pPr>
-            <a:endParaRPr lang="en-US" dirty="0">
+            <a:endParaRPr lang="en-ID" dirty="0">
               <a:solidFill>
                 <a:schemeClr val="tx1"/>
               </a:solidFill>
-            </a:endParaRPr>
-          </a:p>
-          <a:p>
-            <a:pPr marL="114300" lvl="0" indent="0" algn="l" rtl="0">
-              <a:lnSpc>
-                <a:spcPct val="115000"/>
-              </a:lnSpc>
-              <a:spcBef>
-                <a:spcPts val="0"/>
-              </a:spcBef>
-              <a:spcAft>
-                <a:spcPts val="0"/>
-              </a:spcAft>
-              <a:buSzPts val="1800"/>
-              <a:buNone/>
-            </a:pPr>
-            <a:endParaRPr lang="en-US" dirty="0">
-              <a:solidFill>
-                <a:schemeClr val="tx1"/>
-              </a:solidFill>
-            </a:endParaRPr>
-          </a:p>
-          <a:p>
-            <a:pPr marL="114300" lvl="0" indent="0" algn="l" rtl="0">
-              <a:lnSpc>
-                <a:spcPct val="115000"/>
-              </a:lnSpc>
-              <a:spcBef>
-                <a:spcPts val="0"/>
-              </a:spcBef>
-              <a:spcAft>
-                <a:spcPts val="0"/>
-              </a:spcAft>
-              <a:buSzPts val="1800"/>
-              <a:buNone/>
-            </a:pPr>
-            <a:endParaRPr lang="en-US" dirty="0">
-              <a:solidFill>
-                <a:schemeClr val="tx1"/>
-              </a:solidFill>
+              <a:latin typeface="Times New Roman" panose="02020603050405020304" pitchFamily="18" charset="0"/>
+              <a:cs typeface="Times New Roman" panose="02020603050405020304" pitchFamily="18" charset="0"/>
             </a:endParaRPr>
           </a:p>
           <a:p>
@@ -12052,18 +12879,15 @@
               <a:buNone/>
             </a:pPr>
             <a:r>
-              <a:rPr lang="sv-SE" dirty="0">
+              <a:rPr lang="en-ID" dirty="0">
                 <a:solidFill>
                   <a:schemeClr val="tx1"/>
                 </a:solidFill>
+                <a:latin typeface="Times New Roman" panose="02020603050405020304" pitchFamily="18" charset="0"/>
+                <a:cs typeface="Times New Roman" panose="02020603050405020304" pitchFamily="18" charset="0"/>
               </a:rPr>
               <a:t>				</a:t>
             </a:r>
-            <a:endParaRPr lang="en-US" dirty="0">
-              <a:solidFill>
-                <a:schemeClr val="tx1"/>
-              </a:solidFill>
-            </a:endParaRPr>
           </a:p>
         </p:txBody>
       </p:sp>
@@ -12079,7 +12903,13 @@
           <p:cNvGraphicFramePr>
             <a:graphicFrameLocks noGrp="1"/>
           </p:cNvGraphicFramePr>
-          <p:nvPr/>
+          <p:nvPr>
+            <p:extLst>
+              <p:ext uri="{D42A27DB-BD31-4B8C-83A1-F6EECF244321}">
+                <p14:modId xmlns:p14="http://schemas.microsoft.com/office/powerpoint/2010/main" val="2689105060"/>
+              </p:ext>
+            </p:extLst>
+          </p:nvPr>
         </p:nvGraphicFramePr>
         <p:xfrm>
           <a:off x="311700" y="4279315"/>
@@ -12121,6 +12951,8 @@
                           <a:solidFill>
                             <a:schemeClr val="tx1"/>
                           </a:solidFill>
+                          <a:latin typeface="Times New Roman" panose="02020603050405020304" pitchFamily="18" charset="0"/>
+                          <a:cs typeface="Times New Roman" panose="02020603050405020304" pitchFamily="18" charset="0"/>
                         </a:rPr>
                         <a:t>Adila Alfa Krisnadhi, </a:t>
                       </a:r>
@@ -12134,10 +12966,15 @@
                           <a:solidFill>
                             <a:schemeClr val="tx1"/>
                           </a:solidFill>
+                          <a:latin typeface="Times New Roman" panose="02020603050405020304" pitchFamily="18" charset="0"/>
+                          <a:cs typeface="Times New Roman" panose="02020603050405020304" pitchFamily="18" charset="0"/>
                         </a:rPr>
                         <a:t>S.Kom., M.Sc., Ph.D</a:t>
                       </a:r>
-                      <a:endParaRPr lang="en-ID" sz="1600" dirty="0"/>
+                      <a:endParaRPr lang="en-ID" sz="1600" dirty="0">
+                        <a:latin typeface="Times New Roman" panose="02020603050405020304" pitchFamily="18" charset="0"/>
+                        <a:cs typeface="Times New Roman" panose="02020603050405020304" pitchFamily="18" charset="0"/>
+                      </a:endParaRPr>
                     </a:p>
                   </a:txBody>
                   <a:tcPr/>
@@ -12171,6 +13008,8 @@
                           <a:solidFill>
                             <a:schemeClr val="tx1"/>
                           </a:solidFill>
+                          <a:latin typeface="Times New Roman" panose="02020603050405020304" pitchFamily="18" charset="0"/>
+                          <a:cs typeface="Times New Roman" panose="02020603050405020304" pitchFamily="18" charset="0"/>
                         </a:rPr>
                         <a:t>Iis Afriyanti, S.Kom., M.Sc.</a:t>
                       </a:r>
@@ -12178,10 +13017,15 @@
                         <a:solidFill>
                           <a:schemeClr val="tx1"/>
                         </a:solidFill>
+                        <a:latin typeface="Times New Roman" panose="02020603050405020304" pitchFamily="18" charset="0"/>
+                        <a:cs typeface="Times New Roman" panose="02020603050405020304" pitchFamily="18" charset="0"/>
                       </a:endParaRPr>
                     </a:p>
                     <a:p>
-                      <a:endParaRPr lang="en-ID" sz="1600" dirty="0"/>
+                      <a:endParaRPr lang="en-ID" sz="1600" dirty="0">
+                        <a:latin typeface="Times New Roman" panose="02020603050405020304" pitchFamily="18" charset="0"/>
+                        <a:cs typeface="Times New Roman" panose="02020603050405020304" pitchFamily="18" charset="0"/>
+                      </a:endParaRPr>
                     </a:p>
                   </a:txBody>
                   <a:tcPr/>
@@ -12245,26 +13089,44 @@
           <a:lstStyle/>
           <a:p>
             <a:r>
-              <a:rPr lang="en-US" dirty="0" err="1"/>
+              <a:rPr lang="en-US" dirty="0" err="1">
+                <a:latin typeface="Times New Roman" panose="02020603050405020304" pitchFamily="18" charset="0"/>
+                <a:cs typeface="Times New Roman" panose="02020603050405020304" pitchFamily="18" charset="0"/>
+              </a:rPr>
               <a:t>Kondisi</a:t>
             </a:r>
             <a:r>
-              <a:rPr lang="en-US" dirty="0"/>
-              <a:t> data </a:t>
-            </a:r>
-            <a:r>
-              <a:rPr lang="en-US" dirty="0" err="1"/>
-              <a:t>saat</a:t>
-            </a:r>
-            <a:r>
-              <a:rPr lang="en-US" dirty="0"/>
+              <a:rPr lang="en-US" dirty="0">
+                <a:latin typeface="Times New Roman" panose="02020603050405020304" pitchFamily="18" charset="0"/>
+                <a:cs typeface="Times New Roman" panose="02020603050405020304" pitchFamily="18" charset="0"/>
+              </a:rPr>
+              <a:t> Data </a:t>
+            </a:r>
+            <a:r>
+              <a:rPr lang="en-US" dirty="0" err="1">
+                <a:latin typeface="Times New Roman" panose="02020603050405020304" pitchFamily="18" charset="0"/>
+                <a:cs typeface="Times New Roman" panose="02020603050405020304" pitchFamily="18" charset="0"/>
+              </a:rPr>
+              <a:t>Saat</a:t>
+            </a:r>
+            <a:r>
+              <a:rPr lang="en-US" dirty="0">
+                <a:latin typeface="Times New Roman" panose="02020603050405020304" pitchFamily="18" charset="0"/>
+                <a:cs typeface="Times New Roman" panose="02020603050405020304" pitchFamily="18" charset="0"/>
+              </a:rPr>
               <a:t> </a:t>
             </a:r>
             <a:r>
-              <a:rPr lang="en-US" dirty="0" err="1"/>
-              <a:t>ini</a:t>
-            </a:r>
-            <a:endParaRPr lang="en-ID" dirty="0"/>
+              <a:rPr lang="en-US" dirty="0" err="1">
+                <a:latin typeface="Times New Roman" panose="02020603050405020304" pitchFamily="18" charset="0"/>
+                <a:cs typeface="Times New Roman" panose="02020603050405020304" pitchFamily="18" charset="0"/>
+              </a:rPr>
+              <a:t>Ini</a:t>
+            </a:r>
+            <a:endParaRPr lang="en-ID" dirty="0">
+              <a:latin typeface="Times New Roman" panose="02020603050405020304" pitchFamily="18" charset="0"/>
+              <a:cs typeface="Times New Roman" panose="02020603050405020304" pitchFamily="18" charset="0"/>
+            </a:endParaRPr>
           </a:p>
         </p:txBody>
       </p:sp>
@@ -12291,731 +13153,731 @@
           </a:bodyPr>
           <a:lstStyle/>
           <a:p>
-            <a:pPr marL="114300" indent="0">
+            <a:pPr marL="114300" indent="0" algn="just">
               <a:buNone/>
             </a:pPr>
             <a:r>
-              <a:rPr lang="en-US" sz="1200" dirty="0">
+              <a:rPr lang="en-US" sz="1600" dirty="0">
                 <a:latin typeface="Times New Roman" panose="02020603050405020304" pitchFamily="18" charset="0"/>
                 <a:cs typeface="Times New Roman" panose="02020603050405020304" pitchFamily="18" charset="0"/>
               </a:rPr>
               <a:t>Data </a:t>
             </a:r>
             <a:r>
-              <a:rPr lang="en-US" sz="1200" dirty="0" err="1">
+              <a:rPr lang="en-US" sz="1600" dirty="0" err="1">
                 <a:latin typeface="Times New Roman" panose="02020603050405020304" pitchFamily="18" charset="0"/>
                 <a:cs typeface="Times New Roman" panose="02020603050405020304" pitchFamily="18" charset="0"/>
               </a:rPr>
               <a:t>sejarah</a:t>
             </a:r>
             <a:r>
-              <a:rPr lang="en-US" sz="1200" dirty="0">
+              <a:rPr lang="en-US" sz="1600" dirty="0">
                 <a:latin typeface="Times New Roman" panose="02020603050405020304" pitchFamily="18" charset="0"/>
                 <a:cs typeface="Times New Roman" panose="02020603050405020304" pitchFamily="18" charset="0"/>
               </a:rPr>
               <a:t> </a:t>
             </a:r>
             <a:r>
-              <a:rPr lang="en-US" sz="1200" dirty="0" err="1">
+              <a:rPr lang="en-US" sz="1600" dirty="0" err="1">
                 <a:latin typeface="Times New Roman" panose="02020603050405020304" pitchFamily="18" charset="0"/>
                 <a:cs typeface="Times New Roman" panose="02020603050405020304" pitchFamily="18" charset="0"/>
               </a:rPr>
               <a:t>kolonialisme</a:t>
             </a:r>
             <a:r>
-              <a:rPr lang="en-US" sz="1200" dirty="0">
+              <a:rPr lang="en-US" sz="1600" dirty="0">
                 <a:latin typeface="Times New Roman" panose="02020603050405020304" pitchFamily="18" charset="0"/>
                 <a:cs typeface="Times New Roman" panose="02020603050405020304" pitchFamily="18" charset="0"/>
               </a:rPr>
               <a:t> di Indonesia </a:t>
             </a:r>
             <a:r>
-              <a:rPr lang="en-US" sz="1200" dirty="0" err="1">
+              <a:rPr lang="en-US" sz="1600" dirty="0" err="1">
                 <a:latin typeface="Times New Roman" panose="02020603050405020304" pitchFamily="18" charset="0"/>
                 <a:cs typeface="Times New Roman" panose="02020603050405020304" pitchFamily="18" charset="0"/>
               </a:rPr>
               <a:t>tersebar</a:t>
             </a:r>
             <a:r>
-              <a:rPr lang="en-US" sz="1200" dirty="0">
+              <a:rPr lang="en-US" sz="1600" dirty="0">
                 <a:latin typeface="Times New Roman" panose="02020603050405020304" pitchFamily="18" charset="0"/>
                 <a:cs typeface="Times New Roman" panose="02020603050405020304" pitchFamily="18" charset="0"/>
               </a:rPr>
               <a:t> </a:t>
             </a:r>
             <a:r>
-              <a:rPr lang="en-US" sz="1200" dirty="0" err="1">
+              <a:rPr lang="en-US" sz="1600" dirty="0" err="1">
                 <a:latin typeface="Times New Roman" panose="02020603050405020304" pitchFamily="18" charset="0"/>
                 <a:cs typeface="Times New Roman" panose="02020603050405020304" pitchFamily="18" charset="0"/>
               </a:rPr>
               <a:t>dalam</a:t>
             </a:r>
             <a:r>
-              <a:rPr lang="en-US" sz="1200" dirty="0">
+              <a:rPr lang="en-US" sz="1600" dirty="0">
                 <a:latin typeface="Times New Roman" panose="02020603050405020304" pitchFamily="18" charset="0"/>
                 <a:cs typeface="Times New Roman" panose="02020603050405020304" pitchFamily="18" charset="0"/>
               </a:rPr>
               <a:t> </a:t>
             </a:r>
             <a:r>
-              <a:rPr lang="en-US" sz="1200" dirty="0" err="1">
+              <a:rPr lang="en-US" sz="1600" dirty="0" err="1">
                 <a:latin typeface="Times New Roman" panose="02020603050405020304" pitchFamily="18" charset="0"/>
                 <a:cs typeface="Times New Roman" panose="02020603050405020304" pitchFamily="18" charset="0"/>
               </a:rPr>
               <a:t>beberapa</a:t>
             </a:r>
             <a:r>
-              <a:rPr lang="en-US" sz="1200" dirty="0">
+              <a:rPr lang="en-US" sz="1600" dirty="0">
                 <a:latin typeface="Times New Roman" panose="02020603050405020304" pitchFamily="18" charset="0"/>
                 <a:cs typeface="Times New Roman" panose="02020603050405020304" pitchFamily="18" charset="0"/>
               </a:rPr>
               <a:t> </a:t>
             </a:r>
             <a:r>
-              <a:rPr lang="en-US" sz="1200" dirty="0" err="1">
+              <a:rPr lang="en-US" sz="1600" dirty="0" err="1">
                 <a:latin typeface="Times New Roman" panose="02020603050405020304" pitchFamily="18" charset="0"/>
                 <a:cs typeface="Times New Roman" panose="02020603050405020304" pitchFamily="18" charset="0"/>
               </a:rPr>
               <a:t>institusi</a:t>
             </a:r>
             <a:r>
-              <a:rPr lang="en-US" sz="1200" dirty="0">
+              <a:rPr lang="en-US" sz="1600" dirty="0">
                 <a:latin typeface="Times New Roman" panose="02020603050405020304" pitchFamily="18" charset="0"/>
                 <a:cs typeface="Times New Roman" panose="02020603050405020304" pitchFamily="18" charset="0"/>
               </a:rPr>
               <a:t> </a:t>
             </a:r>
             <a:r>
-              <a:rPr lang="en-US" sz="1200" dirty="0" err="1">
+              <a:rPr lang="en-US" sz="1600" dirty="0" err="1">
                 <a:latin typeface="Times New Roman" panose="02020603050405020304" pitchFamily="18" charset="0"/>
                 <a:cs typeface="Times New Roman" panose="02020603050405020304" pitchFamily="18" charset="0"/>
               </a:rPr>
               <a:t>seperti</a:t>
             </a:r>
             <a:r>
-              <a:rPr lang="en-US" sz="1200" dirty="0">
+              <a:rPr lang="en-US" sz="1600" dirty="0">
                 <a:latin typeface="Times New Roman" panose="02020603050405020304" pitchFamily="18" charset="0"/>
                 <a:cs typeface="Times New Roman" panose="02020603050405020304" pitchFamily="18" charset="0"/>
               </a:rPr>
               <a:t> </a:t>
             </a:r>
             <a:r>
-              <a:rPr lang="en-US" sz="1200" dirty="0" err="1">
+              <a:rPr lang="en-US" sz="1600" dirty="0" err="1">
                 <a:latin typeface="Times New Roman" panose="02020603050405020304" pitchFamily="18" charset="0"/>
                 <a:cs typeface="Times New Roman" panose="02020603050405020304" pitchFamily="18" charset="0"/>
               </a:rPr>
               <a:t>musem</a:t>
             </a:r>
             <a:r>
-              <a:rPr lang="en-US" sz="1200" dirty="0">
+              <a:rPr lang="en-US" sz="1600" dirty="0">
                 <a:latin typeface="Times New Roman" panose="02020603050405020304" pitchFamily="18" charset="0"/>
                 <a:cs typeface="Times New Roman" panose="02020603050405020304" pitchFamily="18" charset="0"/>
               </a:rPr>
               <a:t>, </a:t>
             </a:r>
             <a:r>
-              <a:rPr lang="en-US" sz="1200" dirty="0" err="1">
+              <a:rPr lang="en-US" sz="1600" dirty="0" err="1">
                 <a:latin typeface="Times New Roman" panose="02020603050405020304" pitchFamily="18" charset="0"/>
                 <a:cs typeface="Times New Roman" panose="02020603050405020304" pitchFamily="18" charset="0"/>
               </a:rPr>
               <a:t>pemerintah</a:t>
             </a:r>
             <a:r>
-              <a:rPr lang="en-US" sz="1200" dirty="0">
+              <a:rPr lang="en-US" sz="1600" dirty="0">
                 <a:latin typeface="Times New Roman" panose="02020603050405020304" pitchFamily="18" charset="0"/>
                 <a:cs typeface="Times New Roman" panose="02020603050405020304" pitchFamily="18" charset="0"/>
               </a:rPr>
               <a:t> </a:t>
             </a:r>
             <a:r>
-              <a:rPr lang="en-US" sz="1200" dirty="0" err="1">
+              <a:rPr lang="en-US" sz="1600" dirty="0" err="1">
                 <a:latin typeface="Times New Roman" panose="02020603050405020304" pitchFamily="18" charset="0"/>
                 <a:cs typeface="Times New Roman" panose="02020603050405020304" pitchFamily="18" charset="0"/>
               </a:rPr>
               <a:t>daerah</a:t>
             </a:r>
             <a:r>
-              <a:rPr lang="en-US" sz="1200" dirty="0">
+              <a:rPr lang="en-US" sz="1600" dirty="0">
                 <a:latin typeface="Times New Roman" panose="02020603050405020304" pitchFamily="18" charset="0"/>
                 <a:cs typeface="Times New Roman" panose="02020603050405020304" pitchFamily="18" charset="0"/>
               </a:rPr>
               <a:t>, </a:t>
             </a:r>
             <a:r>
-              <a:rPr lang="en-US" sz="1200" dirty="0" err="1">
+              <a:rPr lang="en-US" sz="1600" dirty="0" err="1">
                 <a:latin typeface="Times New Roman" panose="02020603050405020304" pitchFamily="18" charset="0"/>
                 <a:cs typeface="Times New Roman" panose="02020603050405020304" pitchFamily="18" charset="0"/>
               </a:rPr>
               <a:t>pemerintah</a:t>
             </a:r>
             <a:r>
-              <a:rPr lang="en-US" sz="1200" dirty="0">
+              <a:rPr lang="en-US" sz="1600" dirty="0">
                 <a:latin typeface="Times New Roman" panose="02020603050405020304" pitchFamily="18" charset="0"/>
                 <a:cs typeface="Times New Roman" panose="02020603050405020304" pitchFamily="18" charset="0"/>
               </a:rPr>
               <a:t> </a:t>
             </a:r>
             <a:r>
-              <a:rPr lang="en-US" sz="1200" dirty="0" err="1">
+              <a:rPr lang="en-US" sz="1600" dirty="0" err="1">
                 <a:latin typeface="Times New Roman" panose="02020603050405020304" pitchFamily="18" charset="0"/>
                 <a:cs typeface="Times New Roman" panose="02020603050405020304" pitchFamily="18" charset="0"/>
               </a:rPr>
               <a:t>pusat</a:t>
             </a:r>
             <a:r>
-              <a:rPr lang="en-US" sz="1200" dirty="0">
+              <a:rPr lang="en-US" sz="1600" dirty="0">
                 <a:latin typeface="Times New Roman" panose="02020603050405020304" pitchFamily="18" charset="0"/>
                 <a:cs typeface="Times New Roman" panose="02020603050405020304" pitchFamily="18" charset="0"/>
               </a:rPr>
               <a:t> </a:t>
             </a:r>
             <a:r>
-              <a:rPr lang="en-US" sz="1200" dirty="0" err="1">
+              <a:rPr lang="en-US" sz="1600" dirty="0" err="1">
                 <a:latin typeface="Times New Roman" panose="02020603050405020304" pitchFamily="18" charset="0"/>
                 <a:cs typeface="Times New Roman" panose="02020603050405020304" pitchFamily="18" charset="0"/>
               </a:rPr>
               <a:t>ataupun</a:t>
             </a:r>
             <a:r>
-              <a:rPr lang="en-US" sz="1200" dirty="0">
+              <a:rPr lang="en-US" sz="1600" dirty="0">
                 <a:latin typeface="Times New Roman" panose="02020603050405020304" pitchFamily="18" charset="0"/>
                 <a:cs typeface="Times New Roman" panose="02020603050405020304" pitchFamily="18" charset="0"/>
               </a:rPr>
               <a:t> universitas – universitas. </a:t>
             </a:r>
             <a:r>
-              <a:rPr lang="en-US" sz="1200" dirty="0" err="1">
+              <a:rPr lang="en-US" sz="1600" dirty="0" err="1">
                 <a:latin typeface="Times New Roman" panose="02020603050405020304" pitchFamily="18" charset="0"/>
                 <a:cs typeface="Times New Roman" panose="02020603050405020304" pitchFamily="18" charset="0"/>
               </a:rPr>
               <a:t>Tidak</a:t>
             </a:r>
             <a:r>
-              <a:rPr lang="en-US" sz="1200" dirty="0">
+              <a:rPr lang="en-US" sz="1600" dirty="0">
                 <a:latin typeface="Times New Roman" panose="02020603050405020304" pitchFamily="18" charset="0"/>
                 <a:cs typeface="Times New Roman" panose="02020603050405020304" pitchFamily="18" charset="0"/>
               </a:rPr>
               <a:t> </a:t>
             </a:r>
             <a:r>
-              <a:rPr lang="en-US" sz="1200" dirty="0" err="1">
+              <a:rPr lang="en-US" sz="1600" dirty="0" err="1">
                 <a:latin typeface="Times New Roman" panose="02020603050405020304" pitchFamily="18" charset="0"/>
                 <a:cs typeface="Times New Roman" panose="02020603050405020304" pitchFamily="18" charset="0"/>
               </a:rPr>
               <a:t>hanya</a:t>
             </a:r>
             <a:r>
-              <a:rPr lang="en-US" sz="1200" dirty="0">
+              <a:rPr lang="en-US" sz="1600" dirty="0">
                 <a:latin typeface="Times New Roman" panose="02020603050405020304" pitchFamily="18" charset="0"/>
                 <a:cs typeface="Times New Roman" panose="02020603050405020304" pitchFamily="18" charset="0"/>
               </a:rPr>
               <a:t> </a:t>
             </a:r>
             <a:r>
-              <a:rPr lang="en-US" sz="1200" dirty="0" err="1">
+              <a:rPr lang="en-US" sz="1600" dirty="0" err="1">
                 <a:latin typeface="Times New Roman" panose="02020603050405020304" pitchFamily="18" charset="0"/>
                 <a:cs typeface="Times New Roman" panose="02020603050405020304" pitchFamily="18" charset="0"/>
               </a:rPr>
               <a:t>tersebar</a:t>
             </a:r>
             <a:r>
-              <a:rPr lang="en-US" sz="1200" dirty="0">
+              <a:rPr lang="en-US" sz="1600" dirty="0">
                 <a:latin typeface="Times New Roman" panose="02020603050405020304" pitchFamily="18" charset="0"/>
                 <a:cs typeface="Times New Roman" panose="02020603050405020304" pitchFamily="18" charset="0"/>
               </a:rPr>
               <a:t> </a:t>
             </a:r>
             <a:r>
-              <a:rPr lang="en-US" sz="1200" dirty="0" err="1">
+              <a:rPr lang="en-US" sz="1600" dirty="0" err="1">
                 <a:latin typeface="Times New Roman" panose="02020603050405020304" pitchFamily="18" charset="0"/>
                 <a:cs typeface="Times New Roman" panose="02020603050405020304" pitchFamily="18" charset="0"/>
               </a:rPr>
               <a:t>ke</a:t>
             </a:r>
             <a:r>
-              <a:rPr lang="en-US" sz="1200" dirty="0">
+              <a:rPr lang="en-US" sz="1600" dirty="0">
                 <a:latin typeface="Times New Roman" panose="02020603050405020304" pitchFamily="18" charset="0"/>
                 <a:cs typeface="Times New Roman" panose="02020603050405020304" pitchFamily="18" charset="0"/>
               </a:rPr>
               <a:t> </a:t>
             </a:r>
             <a:r>
-              <a:rPr lang="en-US" sz="1200" dirty="0" err="1">
+              <a:rPr lang="en-US" sz="1600" dirty="0" err="1">
                 <a:latin typeface="Times New Roman" panose="02020603050405020304" pitchFamily="18" charset="0"/>
                 <a:cs typeface="Times New Roman" panose="02020603050405020304" pitchFamily="18" charset="0"/>
               </a:rPr>
               <a:t>dalam</a:t>
             </a:r>
             <a:r>
-              <a:rPr lang="en-US" sz="1200" dirty="0">
+              <a:rPr lang="en-US" sz="1600" dirty="0">
                 <a:latin typeface="Times New Roman" panose="02020603050405020304" pitchFamily="18" charset="0"/>
                 <a:cs typeface="Times New Roman" panose="02020603050405020304" pitchFamily="18" charset="0"/>
               </a:rPr>
               <a:t> </a:t>
             </a:r>
             <a:r>
-              <a:rPr lang="en-US" sz="1200" dirty="0" err="1">
+              <a:rPr lang="en-US" sz="1600" dirty="0" err="1">
                 <a:latin typeface="Times New Roman" panose="02020603050405020304" pitchFamily="18" charset="0"/>
                 <a:cs typeface="Times New Roman" panose="02020603050405020304" pitchFamily="18" charset="0"/>
               </a:rPr>
               <a:t>beberapa</a:t>
             </a:r>
             <a:r>
-              <a:rPr lang="en-US" sz="1200" dirty="0">
+              <a:rPr lang="en-US" sz="1600" dirty="0">
                 <a:latin typeface="Times New Roman" panose="02020603050405020304" pitchFamily="18" charset="0"/>
                 <a:cs typeface="Times New Roman" panose="02020603050405020304" pitchFamily="18" charset="0"/>
               </a:rPr>
               <a:t> </a:t>
             </a:r>
             <a:r>
-              <a:rPr lang="en-US" sz="1200" dirty="0" err="1">
+              <a:rPr lang="en-US" sz="1600" dirty="0" err="1">
                 <a:latin typeface="Times New Roman" panose="02020603050405020304" pitchFamily="18" charset="0"/>
                 <a:cs typeface="Times New Roman" panose="02020603050405020304" pitchFamily="18" charset="0"/>
               </a:rPr>
               <a:t>institusi</a:t>
             </a:r>
             <a:r>
-              <a:rPr lang="en-US" sz="1200" dirty="0">
+              <a:rPr lang="en-US" sz="1600" dirty="0">
                 <a:latin typeface="Times New Roman" panose="02020603050405020304" pitchFamily="18" charset="0"/>
                 <a:cs typeface="Times New Roman" panose="02020603050405020304" pitchFamily="18" charset="0"/>
               </a:rPr>
               <a:t>, Sejarah </a:t>
             </a:r>
             <a:r>
-              <a:rPr lang="en-US" sz="1200" dirty="0" err="1">
+              <a:rPr lang="en-US" sz="1600" dirty="0" err="1">
                 <a:latin typeface="Times New Roman" panose="02020603050405020304" pitchFamily="18" charset="0"/>
                 <a:cs typeface="Times New Roman" panose="02020603050405020304" pitchFamily="18" charset="0"/>
               </a:rPr>
               <a:t>kolonialisme</a:t>
             </a:r>
             <a:r>
-              <a:rPr lang="en-US" sz="1200" dirty="0">
+              <a:rPr lang="en-US" sz="1600" dirty="0">
                 <a:latin typeface="Times New Roman" panose="02020603050405020304" pitchFamily="18" charset="0"/>
                 <a:cs typeface="Times New Roman" panose="02020603050405020304" pitchFamily="18" charset="0"/>
               </a:rPr>
               <a:t> di Indonesia juga </a:t>
             </a:r>
             <a:r>
-              <a:rPr lang="en-US" sz="1200" dirty="0" err="1">
+              <a:rPr lang="en-US" sz="1600" dirty="0" err="1">
                 <a:latin typeface="Times New Roman" panose="02020603050405020304" pitchFamily="18" charset="0"/>
                 <a:cs typeface="Times New Roman" panose="02020603050405020304" pitchFamily="18" charset="0"/>
               </a:rPr>
               <a:t>tercatat</a:t>
             </a:r>
             <a:r>
-              <a:rPr lang="en-US" sz="1200" dirty="0">
+              <a:rPr lang="en-US" sz="1600" dirty="0">
                 <a:latin typeface="Times New Roman" panose="02020603050405020304" pitchFamily="18" charset="0"/>
                 <a:cs typeface="Times New Roman" panose="02020603050405020304" pitchFamily="18" charset="0"/>
               </a:rPr>
               <a:t> </a:t>
             </a:r>
             <a:r>
-              <a:rPr lang="en-US" sz="1200" dirty="0" err="1">
+              <a:rPr lang="en-US" sz="1600" dirty="0" err="1">
                 <a:latin typeface="Times New Roman" panose="02020603050405020304" pitchFamily="18" charset="0"/>
                 <a:cs typeface="Times New Roman" panose="02020603050405020304" pitchFamily="18" charset="0"/>
               </a:rPr>
               <a:t>dalam</a:t>
             </a:r>
             <a:r>
-              <a:rPr lang="en-US" sz="1200" dirty="0">
+              <a:rPr lang="en-US" sz="1600" dirty="0">
                 <a:latin typeface="Times New Roman" panose="02020603050405020304" pitchFamily="18" charset="0"/>
                 <a:cs typeface="Times New Roman" panose="02020603050405020304" pitchFamily="18" charset="0"/>
               </a:rPr>
               <a:t> </a:t>
             </a:r>
             <a:r>
-              <a:rPr lang="en-US" sz="1200" dirty="0" err="1">
+              <a:rPr lang="en-US" sz="1600" dirty="0" err="1">
                 <a:latin typeface="Times New Roman" panose="02020603050405020304" pitchFamily="18" charset="0"/>
                 <a:cs typeface="Times New Roman" panose="02020603050405020304" pitchFamily="18" charset="0"/>
               </a:rPr>
               <a:t>arsip</a:t>
             </a:r>
             <a:r>
-              <a:rPr lang="en-US" sz="1200" dirty="0">
+              <a:rPr lang="en-US" sz="1600" dirty="0">
                 <a:latin typeface="Times New Roman" panose="02020603050405020304" pitchFamily="18" charset="0"/>
                 <a:cs typeface="Times New Roman" panose="02020603050405020304" pitchFamily="18" charset="0"/>
               </a:rPr>
               <a:t> – </a:t>
             </a:r>
             <a:r>
-              <a:rPr lang="en-US" sz="1200" dirty="0" err="1">
+              <a:rPr lang="en-US" sz="1600" dirty="0" err="1">
                 <a:latin typeface="Times New Roman" panose="02020603050405020304" pitchFamily="18" charset="0"/>
                 <a:cs typeface="Times New Roman" panose="02020603050405020304" pitchFamily="18" charset="0"/>
               </a:rPr>
               <a:t>arsip</a:t>
             </a:r>
             <a:r>
-              <a:rPr lang="en-US" sz="1200" dirty="0">
+              <a:rPr lang="en-US" sz="1600" dirty="0">
                 <a:latin typeface="Times New Roman" panose="02020603050405020304" pitchFamily="18" charset="0"/>
                 <a:cs typeface="Times New Roman" panose="02020603050405020304" pitchFamily="18" charset="0"/>
               </a:rPr>
               <a:t> negara lain </a:t>
             </a:r>
             <a:r>
-              <a:rPr lang="en-US" sz="1200" dirty="0" err="1">
+              <a:rPr lang="en-US" sz="1600" dirty="0" err="1">
                 <a:latin typeface="Times New Roman" panose="02020603050405020304" pitchFamily="18" charset="0"/>
                 <a:cs typeface="Times New Roman" panose="02020603050405020304" pitchFamily="18" charset="0"/>
               </a:rPr>
               <a:t>seperti</a:t>
             </a:r>
             <a:r>
-              <a:rPr lang="en-US" sz="1200" dirty="0">
+              <a:rPr lang="en-US" sz="1600" dirty="0">
                 <a:latin typeface="Times New Roman" panose="02020603050405020304" pitchFamily="18" charset="0"/>
                 <a:cs typeface="Times New Roman" panose="02020603050405020304" pitchFamily="18" charset="0"/>
               </a:rPr>
               <a:t> Belanda. </a:t>
             </a:r>
             <a:r>
-              <a:rPr lang="en-US" sz="1200" dirty="0" err="1">
+              <a:rPr lang="en-US" sz="1600" dirty="0" err="1">
                 <a:latin typeface="Times New Roman" panose="02020603050405020304" pitchFamily="18" charset="0"/>
                 <a:cs typeface="Times New Roman" panose="02020603050405020304" pitchFamily="18" charset="0"/>
               </a:rPr>
               <a:t>Tersebarnya</a:t>
             </a:r>
             <a:r>
-              <a:rPr lang="en-US" sz="1200" dirty="0">
+              <a:rPr lang="en-US" sz="1600" dirty="0">
                 <a:latin typeface="Times New Roman" panose="02020603050405020304" pitchFamily="18" charset="0"/>
                 <a:cs typeface="Times New Roman" panose="02020603050405020304" pitchFamily="18" charset="0"/>
               </a:rPr>
               <a:t> data – data </a:t>
             </a:r>
             <a:r>
-              <a:rPr lang="en-US" sz="1200" dirty="0" err="1">
+              <a:rPr lang="en-US" sz="1600" dirty="0" err="1">
                 <a:latin typeface="Times New Roman" panose="02020603050405020304" pitchFamily="18" charset="0"/>
                 <a:cs typeface="Times New Roman" panose="02020603050405020304" pitchFamily="18" charset="0"/>
               </a:rPr>
               <a:t>ini</a:t>
             </a:r>
             <a:r>
-              <a:rPr lang="en-US" sz="1200" dirty="0">
+              <a:rPr lang="en-US" sz="1600" dirty="0">
                 <a:latin typeface="Times New Roman" panose="02020603050405020304" pitchFamily="18" charset="0"/>
                 <a:cs typeface="Times New Roman" panose="02020603050405020304" pitchFamily="18" charset="0"/>
               </a:rPr>
               <a:t> </a:t>
             </a:r>
             <a:r>
-              <a:rPr lang="en-US" sz="1200" dirty="0" err="1">
+              <a:rPr lang="en-US" sz="1600" dirty="0" err="1">
                 <a:latin typeface="Times New Roman" panose="02020603050405020304" pitchFamily="18" charset="0"/>
                 <a:cs typeface="Times New Roman" panose="02020603050405020304" pitchFamily="18" charset="0"/>
               </a:rPr>
               <a:t>menimbulkan</a:t>
             </a:r>
             <a:r>
-              <a:rPr lang="en-US" sz="1200" dirty="0">
+              <a:rPr lang="en-US" sz="1600" dirty="0">
                 <a:latin typeface="Times New Roman" panose="02020603050405020304" pitchFamily="18" charset="0"/>
                 <a:cs typeface="Times New Roman" panose="02020603050405020304" pitchFamily="18" charset="0"/>
               </a:rPr>
               <a:t> </a:t>
             </a:r>
             <a:r>
-              <a:rPr lang="en-US" sz="1200" dirty="0" err="1">
+              <a:rPr lang="en-US" sz="1600" dirty="0" err="1">
                 <a:latin typeface="Times New Roman" panose="02020603050405020304" pitchFamily="18" charset="0"/>
                 <a:cs typeface="Times New Roman" panose="02020603050405020304" pitchFamily="18" charset="0"/>
               </a:rPr>
               <a:t>tantangan</a:t>
             </a:r>
             <a:r>
-              <a:rPr lang="en-US" sz="1200" dirty="0">
+              <a:rPr lang="en-US" sz="1600" dirty="0">
                 <a:latin typeface="Times New Roman" panose="02020603050405020304" pitchFamily="18" charset="0"/>
                 <a:cs typeface="Times New Roman" panose="02020603050405020304" pitchFamily="18" charset="0"/>
               </a:rPr>
               <a:t> </a:t>
             </a:r>
             <a:r>
-              <a:rPr lang="en-US" sz="1200" dirty="0" err="1">
+              <a:rPr lang="en-US" sz="1600" dirty="0" err="1">
                 <a:latin typeface="Times New Roman" panose="02020603050405020304" pitchFamily="18" charset="0"/>
                 <a:cs typeface="Times New Roman" panose="02020603050405020304" pitchFamily="18" charset="0"/>
               </a:rPr>
               <a:t>bagi</a:t>
             </a:r>
             <a:r>
-              <a:rPr lang="en-US" sz="1200" dirty="0">
+              <a:rPr lang="en-US" sz="1600" dirty="0">
                 <a:latin typeface="Times New Roman" panose="02020603050405020304" pitchFamily="18" charset="0"/>
                 <a:cs typeface="Times New Roman" panose="02020603050405020304" pitchFamily="18" charset="0"/>
               </a:rPr>
               <a:t> </a:t>
             </a:r>
             <a:r>
-              <a:rPr lang="en-US" sz="1200" dirty="0" err="1">
+              <a:rPr lang="en-US" sz="1600" dirty="0" err="1">
                 <a:latin typeface="Times New Roman" panose="02020603050405020304" pitchFamily="18" charset="0"/>
                 <a:cs typeface="Times New Roman" panose="02020603050405020304" pitchFamily="18" charset="0"/>
               </a:rPr>
               <a:t>peneliti</a:t>
             </a:r>
             <a:r>
-              <a:rPr lang="en-US" sz="1200" dirty="0">
+              <a:rPr lang="en-US" sz="1600" dirty="0">
                 <a:latin typeface="Times New Roman" panose="02020603050405020304" pitchFamily="18" charset="0"/>
                 <a:cs typeface="Times New Roman" panose="02020603050405020304" pitchFamily="18" charset="0"/>
               </a:rPr>
               <a:t> yang </a:t>
             </a:r>
             <a:r>
-              <a:rPr lang="en-US" sz="1200" dirty="0" err="1">
+              <a:rPr lang="en-US" sz="1600" dirty="0" err="1">
                 <a:latin typeface="Times New Roman" panose="02020603050405020304" pitchFamily="18" charset="0"/>
                 <a:cs typeface="Times New Roman" panose="02020603050405020304" pitchFamily="18" charset="0"/>
               </a:rPr>
               <a:t>ingin</a:t>
             </a:r>
             <a:r>
-              <a:rPr lang="en-US" sz="1200" dirty="0">
+              <a:rPr lang="en-US" sz="1600" dirty="0">
                 <a:latin typeface="Times New Roman" panose="02020603050405020304" pitchFamily="18" charset="0"/>
                 <a:cs typeface="Times New Roman" panose="02020603050405020304" pitchFamily="18" charset="0"/>
               </a:rPr>
               <a:t> </a:t>
             </a:r>
             <a:r>
-              <a:rPr lang="en-US" sz="1200" dirty="0" err="1">
+              <a:rPr lang="en-US" sz="1600" dirty="0" err="1">
                 <a:latin typeface="Times New Roman" panose="02020603050405020304" pitchFamily="18" charset="0"/>
                 <a:cs typeface="Times New Roman" panose="02020603050405020304" pitchFamily="18" charset="0"/>
               </a:rPr>
               <a:t>mempelajari</a:t>
             </a:r>
             <a:r>
-              <a:rPr lang="en-US" sz="1200" dirty="0">
+              <a:rPr lang="en-US" sz="1600" dirty="0">
                 <a:latin typeface="Times New Roman" panose="02020603050405020304" pitchFamily="18" charset="0"/>
                 <a:cs typeface="Times New Roman" panose="02020603050405020304" pitchFamily="18" charset="0"/>
               </a:rPr>
               <a:t> </a:t>
             </a:r>
             <a:r>
-              <a:rPr lang="en-US" sz="1200" dirty="0" err="1">
+              <a:rPr lang="en-US" sz="1600" dirty="0" err="1">
                 <a:latin typeface="Times New Roman" panose="02020603050405020304" pitchFamily="18" charset="0"/>
                 <a:cs typeface="Times New Roman" panose="02020603050405020304" pitchFamily="18" charset="0"/>
               </a:rPr>
               <a:t>mengenai</a:t>
             </a:r>
             <a:r>
-              <a:rPr lang="en-US" sz="1200" dirty="0">
+              <a:rPr lang="en-US" sz="1600" dirty="0">
                 <a:latin typeface="Times New Roman" panose="02020603050405020304" pitchFamily="18" charset="0"/>
                 <a:cs typeface="Times New Roman" panose="02020603050405020304" pitchFamily="18" charset="0"/>
               </a:rPr>
               <a:t> Sejarah </a:t>
             </a:r>
             <a:r>
-              <a:rPr lang="en-US" sz="1200" dirty="0" err="1">
+              <a:rPr lang="en-US" sz="1600" dirty="0" err="1">
                 <a:latin typeface="Times New Roman" panose="02020603050405020304" pitchFamily="18" charset="0"/>
                 <a:cs typeface="Times New Roman" panose="02020603050405020304" pitchFamily="18" charset="0"/>
               </a:rPr>
               <a:t>kolonialisme</a:t>
             </a:r>
             <a:r>
-              <a:rPr lang="en-US" sz="1200" dirty="0">
+              <a:rPr lang="en-US" sz="1600" dirty="0">
                 <a:latin typeface="Times New Roman" panose="02020603050405020304" pitchFamily="18" charset="0"/>
                 <a:cs typeface="Times New Roman" panose="02020603050405020304" pitchFamily="18" charset="0"/>
               </a:rPr>
               <a:t> di Indonesia </a:t>
             </a:r>
             <a:r>
-              <a:rPr lang="en-US" sz="1200" dirty="0" err="1">
+              <a:rPr lang="en-US" sz="1600" dirty="0" err="1">
                 <a:latin typeface="Times New Roman" panose="02020603050405020304" pitchFamily="18" charset="0"/>
                 <a:cs typeface="Times New Roman" panose="02020603050405020304" pitchFamily="18" charset="0"/>
               </a:rPr>
               <a:t>seperti</a:t>
             </a:r>
             <a:r>
-              <a:rPr lang="en-US" sz="1200" dirty="0">
+              <a:rPr lang="en-US" sz="1600" dirty="0">
                 <a:latin typeface="Times New Roman" panose="02020603050405020304" pitchFamily="18" charset="0"/>
                 <a:cs typeface="Times New Roman" panose="02020603050405020304" pitchFamily="18" charset="0"/>
               </a:rPr>
               <a:t> </a:t>
             </a:r>
             <a:r>
-              <a:rPr lang="en-US" sz="1200" dirty="0" err="1">
+              <a:rPr lang="en-US" sz="1600" dirty="0" err="1">
                 <a:latin typeface="Times New Roman" panose="02020603050405020304" pitchFamily="18" charset="0"/>
                 <a:cs typeface="Times New Roman" panose="02020603050405020304" pitchFamily="18" charset="0"/>
               </a:rPr>
               <a:t>kebenaran</a:t>
             </a:r>
             <a:r>
-              <a:rPr lang="en-US" sz="1200" dirty="0">
+              <a:rPr lang="en-US" sz="1600" dirty="0">
                 <a:latin typeface="Times New Roman" panose="02020603050405020304" pitchFamily="18" charset="0"/>
                 <a:cs typeface="Times New Roman" panose="02020603050405020304" pitchFamily="18" charset="0"/>
               </a:rPr>
               <a:t> dan </a:t>
             </a:r>
             <a:r>
-              <a:rPr lang="en-US" sz="1200" dirty="0" err="1">
+              <a:rPr lang="en-US" sz="1600" dirty="0" err="1">
                 <a:latin typeface="Times New Roman" panose="02020603050405020304" pitchFamily="18" charset="0"/>
                 <a:cs typeface="Times New Roman" panose="02020603050405020304" pitchFamily="18" charset="0"/>
               </a:rPr>
               <a:t>konsistensi</a:t>
             </a:r>
             <a:r>
-              <a:rPr lang="en-US" sz="1200" dirty="0">
+              <a:rPr lang="en-US" sz="1600" dirty="0">
                 <a:latin typeface="Times New Roman" panose="02020603050405020304" pitchFamily="18" charset="0"/>
                 <a:cs typeface="Times New Roman" panose="02020603050405020304" pitchFamily="18" charset="0"/>
               </a:rPr>
               <a:t> data. Hal </a:t>
             </a:r>
             <a:r>
-              <a:rPr lang="en-US" sz="1200" dirty="0" err="1">
+              <a:rPr lang="en-US" sz="1600" dirty="0" err="1">
                 <a:latin typeface="Times New Roman" panose="02020603050405020304" pitchFamily="18" charset="0"/>
                 <a:cs typeface="Times New Roman" panose="02020603050405020304" pitchFamily="18" charset="0"/>
               </a:rPr>
               <a:t>ini</a:t>
             </a:r>
             <a:r>
-              <a:rPr lang="en-US" sz="1200" dirty="0">
+              <a:rPr lang="en-US" sz="1600" dirty="0">
                 <a:latin typeface="Times New Roman" panose="02020603050405020304" pitchFamily="18" charset="0"/>
                 <a:cs typeface="Times New Roman" panose="02020603050405020304" pitchFamily="18" charset="0"/>
               </a:rPr>
               <a:t> </a:t>
             </a:r>
             <a:r>
-              <a:rPr lang="en-US" sz="1200" dirty="0" err="1">
+              <a:rPr lang="en-US" sz="1600" dirty="0" err="1">
                 <a:latin typeface="Times New Roman" panose="02020603050405020304" pitchFamily="18" charset="0"/>
                 <a:cs typeface="Times New Roman" panose="02020603050405020304" pitchFamily="18" charset="0"/>
               </a:rPr>
               <a:t>memunculkan</a:t>
             </a:r>
             <a:r>
-              <a:rPr lang="en-US" sz="1200" dirty="0">
+              <a:rPr lang="en-US" sz="1600" dirty="0">
                 <a:latin typeface="Times New Roman" panose="02020603050405020304" pitchFamily="18" charset="0"/>
                 <a:cs typeface="Times New Roman" panose="02020603050405020304" pitchFamily="18" charset="0"/>
               </a:rPr>
               <a:t> </a:t>
             </a:r>
             <a:r>
-              <a:rPr lang="en-US" sz="1200" dirty="0" err="1">
+              <a:rPr lang="en-US" sz="1600" dirty="0" err="1">
                 <a:latin typeface="Times New Roman" panose="02020603050405020304" pitchFamily="18" charset="0"/>
                 <a:cs typeface="Times New Roman" panose="02020603050405020304" pitchFamily="18" charset="0"/>
               </a:rPr>
               <a:t>tuntutan</a:t>
             </a:r>
             <a:r>
-              <a:rPr lang="en-US" sz="1200" dirty="0">
+              <a:rPr lang="en-US" sz="1600" dirty="0">
                 <a:latin typeface="Times New Roman" panose="02020603050405020304" pitchFamily="18" charset="0"/>
                 <a:cs typeface="Times New Roman" panose="02020603050405020304" pitchFamily="18" charset="0"/>
               </a:rPr>
               <a:t> </a:t>
             </a:r>
             <a:r>
-              <a:rPr lang="en-US" sz="1200" dirty="0" err="1">
+              <a:rPr lang="en-US" sz="1600" dirty="0" err="1">
                 <a:latin typeface="Times New Roman" panose="02020603050405020304" pitchFamily="18" charset="0"/>
                 <a:cs typeface="Times New Roman" panose="02020603050405020304" pitchFamily="18" charset="0"/>
               </a:rPr>
               <a:t>untuk</a:t>
             </a:r>
             <a:r>
-              <a:rPr lang="en-US" sz="1200" dirty="0">
+              <a:rPr lang="en-US" sz="1600" dirty="0">
                 <a:latin typeface="Times New Roman" panose="02020603050405020304" pitchFamily="18" charset="0"/>
                 <a:cs typeface="Times New Roman" panose="02020603050405020304" pitchFamily="18" charset="0"/>
               </a:rPr>
               <a:t> </a:t>
             </a:r>
             <a:r>
-              <a:rPr lang="en-US" sz="1200" dirty="0" err="1">
+              <a:rPr lang="en-US" sz="1600" dirty="0" err="1">
                 <a:latin typeface="Times New Roman" panose="02020603050405020304" pitchFamily="18" charset="0"/>
                 <a:cs typeface="Times New Roman" panose="02020603050405020304" pitchFamily="18" charset="0"/>
               </a:rPr>
               <a:t>membangun</a:t>
             </a:r>
             <a:r>
-              <a:rPr lang="en-US" sz="1200" dirty="0">
+              <a:rPr lang="en-US" sz="1600" dirty="0">
                 <a:latin typeface="Times New Roman" panose="02020603050405020304" pitchFamily="18" charset="0"/>
                 <a:cs typeface="Times New Roman" panose="02020603050405020304" pitchFamily="18" charset="0"/>
               </a:rPr>
               <a:t> </a:t>
             </a:r>
             <a:r>
-              <a:rPr lang="en-US" sz="1200" dirty="0" err="1">
+              <a:rPr lang="en-US" sz="1600" dirty="0" err="1">
                 <a:latin typeface="Times New Roman" panose="02020603050405020304" pitchFamily="18" charset="0"/>
                 <a:cs typeface="Times New Roman" panose="02020603050405020304" pitchFamily="18" charset="0"/>
               </a:rPr>
               <a:t>suatu</a:t>
             </a:r>
             <a:r>
-              <a:rPr lang="en-US" sz="1200" dirty="0">
+              <a:rPr lang="en-US" sz="1600" dirty="0">
                 <a:latin typeface="Times New Roman" panose="02020603050405020304" pitchFamily="18" charset="0"/>
                 <a:cs typeface="Times New Roman" panose="02020603050405020304" pitchFamily="18" charset="0"/>
               </a:rPr>
               <a:t> </a:t>
             </a:r>
             <a:r>
-              <a:rPr lang="en-US" sz="1200" dirty="0" err="1">
+              <a:rPr lang="en-US" sz="1600" dirty="0" err="1">
                 <a:latin typeface="Times New Roman" panose="02020603050405020304" pitchFamily="18" charset="0"/>
                 <a:cs typeface="Times New Roman" panose="02020603050405020304" pitchFamily="18" charset="0"/>
               </a:rPr>
               <a:t>pusat</a:t>
             </a:r>
             <a:r>
-              <a:rPr lang="en-US" sz="1200" dirty="0">
+              <a:rPr lang="en-US" sz="1600" dirty="0">
                 <a:latin typeface="Times New Roman" panose="02020603050405020304" pitchFamily="18" charset="0"/>
                 <a:cs typeface="Times New Roman" panose="02020603050405020304" pitchFamily="18" charset="0"/>
               </a:rPr>
               <a:t> data yang </a:t>
             </a:r>
             <a:r>
-              <a:rPr lang="en-US" sz="1200" dirty="0" err="1">
+              <a:rPr lang="en-US" sz="1600" dirty="0" err="1">
                 <a:latin typeface="Times New Roman" panose="02020603050405020304" pitchFamily="18" charset="0"/>
                 <a:cs typeface="Times New Roman" panose="02020603050405020304" pitchFamily="18" charset="0"/>
               </a:rPr>
               <a:t>mampu</a:t>
             </a:r>
             <a:r>
-              <a:rPr lang="en-US" sz="1200" dirty="0">
+              <a:rPr lang="en-US" sz="1600" dirty="0">
                 <a:latin typeface="Times New Roman" panose="02020603050405020304" pitchFamily="18" charset="0"/>
                 <a:cs typeface="Times New Roman" panose="02020603050405020304" pitchFamily="18" charset="0"/>
               </a:rPr>
               <a:t> </a:t>
             </a:r>
             <a:r>
-              <a:rPr lang="en-US" sz="1200" dirty="0" err="1">
+              <a:rPr lang="en-US" sz="1600" dirty="0" err="1">
                 <a:latin typeface="Times New Roman" panose="02020603050405020304" pitchFamily="18" charset="0"/>
                 <a:cs typeface="Times New Roman" panose="02020603050405020304" pitchFamily="18" charset="0"/>
               </a:rPr>
               <a:t>menggabungkan</a:t>
             </a:r>
             <a:r>
-              <a:rPr lang="en-US" sz="1200" dirty="0">
+              <a:rPr lang="en-US" sz="1600" dirty="0">
                 <a:latin typeface="Times New Roman" panose="02020603050405020304" pitchFamily="18" charset="0"/>
                 <a:cs typeface="Times New Roman" panose="02020603050405020304" pitchFamily="18" charset="0"/>
               </a:rPr>
               <a:t> </a:t>
             </a:r>
             <a:r>
-              <a:rPr lang="en-US" sz="1200" dirty="0" err="1">
+              <a:rPr lang="en-US" sz="1600" dirty="0" err="1">
                 <a:latin typeface="Times New Roman" panose="02020603050405020304" pitchFamily="18" charset="0"/>
                 <a:cs typeface="Times New Roman" panose="02020603050405020304" pitchFamily="18" charset="0"/>
               </a:rPr>
               <a:t>informasi</a:t>
             </a:r>
             <a:r>
-              <a:rPr lang="en-US" sz="1200" dirty="0">
+              <a:rPr lang="en-US" sz="1600" dirty="0">
                 <a:latin typeface="Times New Roman" panose="02020603050405020304" pitchFamily="18" charset="0"/>
                 <a:cs typeface="Times New Roman" panose="02020603050405020304" pitchFamily="18" charset="0"/>
               </a:rPr>
               <a:t> yang </a:t>
             </a:r>
             <a:r>
-              <a:rPr lang="en-US" sz="1200" dirty="0" err="1">
+              <a:rPr lang="en-US" sz="1600" dirty="0" err="1">
                 <a:latin typeface="Times New Roman" panose="02020603050405020304" pitchFamily="18" charset="0"/>
                 <a:cs typeface="Times New Roman" panose="02020603050405020304" pitchFamily="18" charset="0"/>
               </a:rPr>
               <a:t>tersebar</a:t>
             </a:r>
             <a:r>
-              <a:rPr lang="en-US" sz="1200" dirty="0">
+              <a:rPr lang="en-US" sz="1600" dirty="0">
                 <a:latin typeface="Times New Roman" panose="02020603050405020304" pitchFamily="18" charset="0"/>
                 <a:cs typeface="Times New Roman" panose="02020603050405020304" pitchFamily="18" charset="0"/>
               </a:rPr>
               <a:t> </a:t>
             </a:r>
             <a:r>
-              <a:rPr lang="en-US" sz="1200" dirty="0" err="1">
+              <a:rPr lang="en-US" sz="1600" dirty="0" err="1">
                 <a:latin typeface="Times New Roman" panose="02020603050405020304" pitchFamily="18" charset="0"/>
                 <a:cs typeface="Times New Roman" panose="02020603050405020304" pitchFamily="18" charset="0"/>
               </a:rPr>
               <a:t>tersebut</a:t>
             </a:r>
             <a:r>
-              <a:rPr lang="en-US" sz="1200" dirty="0">
+              <a:rPr lang="en-US" sz="1600" dirty="0">
                 <a:latin typeface="Times New Roman" panose="02020603050405020304" pitchFamily="18" charset="0"/>
                 <a:cs typeface="Times New Roman" panose="02020603050405020304" pitchFamily="18" charset="0"/>
               </a:rPr>
               <a:t>.</a:t>
             </a:r>
-            <a:endParaRPr lang="en-ID" sz="1200" dirty="0">
+            <a:endParaRPr lang="en-ID" sz="1600" dirty="0">
               <a:latin typeface="Times New Roman" panose="02020603050405020304" pitchFamily="18" charset="0"/>
               <a:cs typeface="Times New Roman" panose="02020603050405020304" pitchFamily="18" charset="0"/>
             </a:endParaRPr>
@@ -13076,10 +13938,16 @@
           <a:lstStyle/>
           <a:p>
             <a:r>
-              <a:rPr lang="en-US" dirty="0"/>
-              <a:t>Knowledge graph (KG)</a:t>
-            </a:r>
-            <a:endParaRPr lang="en-ID" dirty="0"/>
+              <a:rPr lang="en-US" dirty="0">
+                <a:latin typeface="Times New Roman" panose="02020603050405020304" pitchFamily="18" charset="0"/>
+                <a:cs typeface="Times New Roman" panose="02020603050405020304" pitchFamily="18" charset="0"/>
+              </a:rPr>
+              <a:t>Knowledge Graph (KG)</a:t>
+            </a:r>
+            <a:endParaRPr lang="en-ID" dirty="0">
+              <a:latin typeface="Times New Roman" panose="02020603050405020304" pitchFamily="18" charset="0"/>
+              <a:cs typeface="Times New Roman" panose="02020603050405020304" pitchFamily="18" charset="0"/>
+            </a:endParaRPr>
           </a:p>
         </p:txBody>
       </p:sp>
@@ -13106,466 +13974,466 @@
           </a:bodyPr>
           <a:lstStyle/>
           <a:p>
-            <a:pPr marL="114300" indent="0">
+            <a:pPr marL="114300" indent="0" algn="just">
               <a:buNone/>
             </a:pPr>
             <a:r>
-              <a:rPr lang="en-US" sz="1200" i="1" dirty="0">
+              <a:rPr lang="en-US" sz="1600" i="1" dirty="0">
                 <a:latin typeface="Times New Roman" panose="02020603050405020304" pitchFamily="18" charset="0"/>
                 <a:cs typeface="Times New Roman" panose="02020603050405020304" pitchFamily="18" charset="0"/>
               </a:rPr>
               <a:t>Knowledge graph</a:t>
             </a:r>
             <a:r>
-              <a:rPr lang="en-US" sz="1200" dirty="0">
+              <a:rPr lang="en-US" sz="1600" dirty="0">
                 <a:latin typeface="Times New Roman" panose="02020603050405020304" pitchFamily="18" charset="0"/>
                 <a:cs typeface="Times New Roman" panose="02020603050405020304" pitchFamily="18" charset="0"/>
               </a:rPr>
               <a:t> (KG) </a:t>
             </a:r>
             <a:r>
-              <a:rPr lang="en-US" sz="1200" dirty="0" err="1">
+              <a:rPr lang="en-US" sz="1600" dirty="0" err="1">
                 <a:latin typeface="Times New Roman" panose="02020603050405020304" pitchFamily="18" charset="0"/>
                 <a:cs typeface="Times New Roman" panose="02020603050405020304" pitchFamily="18" charset="0"/>
               </a:rPr>
               <a:t>merupakan</a:t>
             </a:r>
             <a:r>
-              <a:rPr lang="en-US" sz="1200" dirty="0">
+              <a:rPr lang="en-US" sz="1600" dirty="0">
                 <a:latin typeface="Times New Roman" panose="02020603050405020304" pitchFamily="18" charset="0"/>
                 <a:cs typeface="Times New Roman" panose="02020603050405020304" pitchFamily="18" charset="0"/>
               </a:rPr>
               <a:t> </a:t>
             </a:r>
             <a:r>
-              <a:rPr lang="en-US" sz="1200" dirty="0" err="1">
+              <a:rPr lang="en-US" sz="1600" dirty="0" err="1">
                 <a:latin typeface="Times New Roman" panose="02020603050405020304" pitchFamily="18" charset="0"/>
                 <a:cs typeface="Times New Roman" panose="02020603050405020304" pitchFamily="18" charset="0"/>
               </a:rPr>
               <a:t>istilah</a:t>
             </a:r>
             <a:r>
-              <a:rPr lang="en-US" sz="1200" dirty="0">
+              <a:rPr lang="en-US" sz="1600" dirty="0">
                 <a:latin typeface="Times New Roman" panose="02020603050405020304" pitchFamily="18" charset="0"/>
                 <a:cs typeface="Times New Roman" panose="02020603050405020304" pitchFamily="18" charset="0"/>
               </a:rPr>
               <a:t> yang </a:t>
             </a:r>
             <a:r>
-              <a:rPr lang="en-US" sz="1200" dirty="0" err="1">
+              <a:rPr lang="en-US" sz="1600" dirty="0" err="1">
                 <a:latin typeface="Times New Roman" panose="02020603050405020304" pitchFamily="18" charset="0"/>
                 <a:cs typeface="Times New Roman" panose="02020603050405020304" pitchFamily="18" charset="0"/>
               </a:rPr>
               <a:t>dipopulerkan</a:t>
             </a:r>
             <a:r>
-              <a:rPr lang="en-US" sz="1200" dirty="0">
+              <a:rPr lang="en-US" sz="1600" dirty="0">
                 <a:latin typeface="Times New Roman" panose="02020603050405020304" pitchFamily="18" charset="0"/>
                 <a:cs typeface="Times New Roman" panose="02020603050405020304" pitchFamily="18" charset="0"/>
               </a:rPr>
               <a:t> oleh google pada </a:t>
             </a:r>
             <a:r>
-              <a:rPr lang="en-US" sz="1200" dirty="0" err="1">
+              <a:rPr lang="en-US" sz="1600" dirty="0" err="1">
                 <a:latin typeface="Times New Roman" panose="02020603050405020304" pitchFamily="18" charset="0"/>
                 <a:cs typeface="Times New Roman" panose="02020603050405020304" pitchFamily="18" charset="0"/>
               </a:rPr>
               <a:t>tahun</a:t>
             </a:r>
             <a:r>
-              <a:rPr lang="en-US" sz="1200" dirty="0">
+              <a:rPr lang="en-US" sz="1600" dirty="0">
                 <a:latin typeface="Times New Roman" panose="02020603050405020304" pitchFamily="18" charset="0"/>
                 <a:cs typeface="Times New Roman" panose="02020603050405020304" pitchFamily="18" charset="0"/>
               </a:rPr>
               <a:t> 2012. KG </a:t>
             </a:r>
             <a:r>
-              <a:rPr lang="en-US" sz="1200" dirty="0" err="1">
+              <a:rPr lang="en-US" sz="1600" dirty="0" err="1">
                 <a:latin typeface="Times New Roman" panose="02020603050405020304" pitchFamily="18" charset="0"/>
                 <a:cs typeface="Times New Roman" panose="02020603050405020304" pitchFamily="18" charset="0"/>
               </a:rPr>
               <a:t>merupakan</a:t>
             </a:r>
             <a:r>
-              <a:rPr lang="en-US" sz="1200" dirty="0">
+              <a:rPr lang="en-US" sz="1600" dirty="0">
                 <a:latin typeface="Times New Roman" panose="02020603050405020304" pitchFamily="18" charset="0"/>
                 <a:cs typeface="Times New Roman" panose="02020603050405020304" pitchFamily="18" charset="0"/>
               </a:rPr>
               <a:t> </a:t>
             </a:r>
             <a:r>
-              <a:rPr lang="en-US" sz="1200" dirty="0" err="1">
+              <a:rPr lang="en-US" sz="1600" dirty="0" err="1">
                 <a:latin typeface="Times New Roman" panose="02020603050405020304" pitchFamily="18" charset="0"/>
                 <a:cs typeface="Times New Roman" panose="02020603050405020304" pitchFamily="18" charset="0"/>
               </a:rPr>
               <a:t>suatu</a:t>
             </a:r>
             <a:r>
-              <a:rPr lang="en-US" sz="1200" dirty="0">
+              <a:rPr lang="en-US" sz="1600" dirty="0">
                 <a:latin typeface="Times New Roman" panose="02020603050405020304" pitchFamily="18" charset="0"/>
                 <a:cs typeface="Times New Roman" panose="02020603050405020304" pitchFamily="18" charset="0"/>
               </a:rPr>
               <a:t> </a:t>
             </a:r>
             <a:r>
-              <a:rPr lang="en-US" sz="1200" dirty="0" err="1">
+              <a:rPr lang="en-US" sz="1600" dirty="0" err="1">
                 <a:latin typeface="Times New Roman" panose="02020603050405020304" pitchFamily="18" charset="0"/>
                 <a:cs typeface="Times New Roman" panose="02020603050405020304" pitchFamily="18" charset="0"/>
               </a:rPr>
               <a:t>representasi</a:t>
             </a:r>
             <a:r>
-              <a:rPr lang="en-US" sz="1200" dirty="0">
+              <a:rPr lang="en-US" sz="1600" dirty="0">
                 <a:latin typeface="Times New Roman" panose="02020603050405020304" pitchFamily="18" charset="0"/>
                 <a:cs typeface="Times New Roman" panose="02020603050405020304" pitchFamily="18" charset="0"/>
               </a:rPr>
               <a:t> data </a:t>
             </a:r>
             <a:r>
-              <a:rPr lang="en-US" sz="1200" dirty="0" err="1">
+              <a:rPr lang="en-US" sz="1600" dirty="0" err="1">
                 <a:latin typeface="Times New Roman" panose="02020603050405020304" pitchFamily="18" charset="0"/>
                 <a:cs typeface="Times New Roman" panose="02020603050405020304" pitchFamily="18" charset="0"/>
               </a:rPr>
               <a:t>menggunakan</a:t>
             </a:r>
             <a:r>
-              <a:rPr lang="en-US" sz="1200" dirty="0">
+              <a:rPr lang="en-US" sz="1600" dirty="0">
                 <a:latin typeface="Times New Roman" panose="02020603050405020304" pitchFamily="18" charset="0"/>
                 <a:cs typeface="Times New Roman" panose="02020603050405020304" pitchFamily="18" charset="0"/>
               </a:rPr>
               <a:t> </a:t>
             </a:r>
             <a:r>
-              <a:rPr lang="en-US" sz="1200" i="1" dirty="0">
+              <a:rPr lang="en-US" sz="1600" i="1" dirty="0">
                 <a:latin typeface="Times New Roman" panose="02020603050405020304" pitchFamily="18" charset="0"/>
                 <a:cs typeface="Times New Roman" panose="02020603050405020304" pitchFamily="18" charset="0"/>
               </a:rPr>
               <a:t>node</a:t>
             </a:r>
             <a:r>
-              <a:rPr lang="en-US" sz="1200" dirty="0">
+              <a:rPr lang="en-US" sz="1600" dirty="0">
                 <a:latin typeface="Times New Roman" panose="02020603050405020304" pitchFamily="18" charset="0"/>
                 <a:cs typeface="Times New Roman" panose="02020603050405020304" pitchFamily="18" charset="0"/>
               </a:rPr>
               <a:t> dan </a:t>
             </a:r>
             <a:r>
-              <a:rPr lang="en-US" sz="1200" i="1" dirty="0">
+              <a:rPr lang="en-US" sz="1600" i="1" dirty="0">
                 <a:latin typeface="Times New Roman" panose="02020603050405020304" pitchFamily="18" charset="0"/>
                 <a:cs typeface="Times New Roman" panose="02020603050405020304" pitchFamily="18" charset="0"/>
               </a:rPr>
               <a:t>edges</a:t>
             </a:r>
             <a:r>
-              <a:rPr lang="en-US" sz="1200" dirty="0">
+              <a:rPr lang="en-US" sz="1600" dirty="0">
                 <a:latin typeface="Times New Roman" panose="02020603050405020304" pitchFamily="18" charset="0"/>
                 <a:cs typeface="Times New Roman" panose="02020603050405020304" pitchFamily="18" charset="0"/>
               </a:rPr>
               <a:t>. KG </a:t>
             </a:r>
             <a:r>
-              <a:rPr lang="en-US" sz="1200" dirty="0" err="1">
+              <a:rPr lang="en-US" sz="1600" dirty="0" err="1">
                 <a:latin typeface="Times New Roman" panose="02020603050405020304" pitchFamily="18" charset="0"/>
                 <a:cs typeface="Times New Roman" panose="02020603050405020304" pitchFamily="18" charset="0"/>
               </a:rPr>
               <a:t>mampu</a:t>
             </a:r>
             <a:r>
-              <a:rPr lang="en-US" sz="1200" dirty="0">
+              <a:rPr lang="en-US" sz="1600" dirty="0">
                 <a:latin typeface="Times New Roman" panose="02020603050405020304" pitchFamily="18" charset="0"/>
                 <a:cs typeface="Times New Roman" panose="02020603050405020304" pitchFamily="18" charset="0"/>
               </a:rPr>
               <a:t> </a:t>
             </a:r>
             <a:r>
-              <a:rPr lang="en-US" sz="1200" dirty="0" err="1">
+              <a:rPr lang="en-US" sz="1600" dirty="0" err="1">
                 <a:latin typeface="Times New Roman" panose="02020603050405020304" pitchFamily="18" charset="0"/>
                 <a:cs typeface="Times New Roman" panose="02020603050405020304" pitchFamily="18" charset="0"/>
               </a:rPr>
               <a:t>memberikan</a:t>
             </a:r>
             <a:r>
-              <a:rPr lang="en-US" sz="1200" dirty="0">
+              <a:rPr lang="en-US" sz="1600" dirty="0">
                 <a:latin typeface="Times New Roman" panose="02020603050405020304" pitchFamily="18" charset="0"/>
                 <a:cs typeface="Times New Roman" panose="02020603050405020304" pitchFamily="18" charset="0"/>
               </a:rPr>
               <a:t> </a:t>
             </a:r>
             <a:r>
-              <a:rPr lang="en-US" sz="1200" dirty="0" err="1">
+              <a:rPr lang="en-US" sz="1600" dirty="0" err="1">
                 <a:latin typeface="Times New Roman" panose="02020603050405020304" pitchFamily="18" charset="0"/>
                 <a:cs typeface="Times New Roman" panose="02020603050405020304" pitchFamily="18" charset="0"/>
               </a:rPr>
               <a:t>makna</a:t>
             </a:r>
             <a:r>
-              <a:rPr lang="en-US" sz="1200" dirty="0">
+              <a:rPr lang="en-US" sz="1600" dirty="0">
                 <a:latin typeface="Times New Roman" panose="02020603050405020304" pitchFamily="18" charset="0"/>
                 <a:cs typeface="Times New Roman" panose="02020603050405020304" pitchFamily="18" charset="0"/>
               </a:rPr>
               <a:t> </a:t>
             </a:r>
             <a:r>
-              <a:rPr lang="en-US" sz="1200" dirty="0" err="1">
+              <a:rPr lang="en-US" sz="1600" dirty="0" err="1">
                 <a:latin typeface="Times New Roman" panose="02020603050405020304" pitchFamily="18" charset="0"/>
                 <a:cs typeface="Times New Roman" panose="02020603050405020304" pitchFamily="18" charset="0"/>
               </a:rPr>
               <a:t>terhadap</a:t>
             </a:r>
             <a:r>
-              <a:rPr lang="en-US" sz="1200" dirty="0">
+              <a:rPr lang="en-US" sz="1600" dirty="0">
                 <a:latin typeface="Times New Roman" panose="02020603050405020304" pitchFamily="18" charset="0"/>
                 <a:cs typeface="Times New Roman" panose="02020603050405020304" pitchFamily="18" charset="0"/>
               </a:rPr>
               <a:t> </a:t>
             </a:r>
             <a:r>
-              <a:rPr lang="en-US" sz="1200" dirty="0" err="1">
+              <a:rPr lang="en-US" sz="1600" dirty="0" err="1">
                 <a:latin typeface="Times New Roman" panose="02020603050405020304" pitchFamily="18" charset="0"/>
                 <a:cs typeface="Times New Roman" panose="02020603050405020304" pitchFamily="18" charset="0"/>
               </a:rPr>
               <a:t>suatu</a:t>
             </a:r>
             <a:r>
-              <a:rPr lang="en-US" sz="1200" dirty="0">
+              <a:rPr lang="en-US" sz="1600" dirty="0">
                 <a:latin typeface="Times New Roman" panose="02020603050405020304" pitchFamily="18" charset="0"/>
                 <a:cs typeface="Times New Roman" panose="02020603050405020304" pitchFamily="18" charset="0"/>
               </a:rPr>
               <a:t> </a:t>
             </a:r>
             <a:r>
-              <a:rPr lang="en-US" sz="1200" dirty="0" err="1">
+              <a:rPr lang="en-US" sz="1600" dirty="0" err="1">
                 <a:latin typeface="Times New Roman" panose="02020603050405020304" pitchFamily="18" charset="0"/>
                 <a:cs typeface="Times New Roman" panose="02020603050405020304" pitchFamily="18" charset="0"/>
               </a:rPr>
               <a:t>entitas</a:t>
             </a:r>
             <a:r>
-              <a:rPr lang="en-US" sz="1200" dirty="0">
+              <a:rPr lang="en-US" sz="1600" dirty="0">
                 <a:latin typeface="Times New Roman" panose="02020603050405020304" pitchFamily="18" charset="0"/>
                 <a:cs typeface="Times New Roman" panose="02020603050405020304" pitchFamily="18" charset="0"/>
               </a:rPr>
               <a:t> </a:t>
             </a:r>
             <a:r>
-              <a:rPr lang="en-US" sz="1200" dirty="0" err="1">
+              <a:rPr lang="en-US" sz="1600" dirty="0" err="1">
                 <a:latin typeface="Times New Roman" panose="02020603050405020304" pitchFamily="18" charset="0"/>
                 <a:cs typeface="Times New Roman" panose="02020603050405020304" pitchFamily="18" charset="0"/>
               </a:rPr>
               <a:t>dengan</a:t>
             </a:r>
             <a:r>
-              <a:rPr lang="en-US" sz="1200" dirty="0">
+              <a:rPr lang="en-US" sz="1600" dirty="0">
                 <a:latin typeface="Times New Roman" panose="02020603050405020304" pitchFamily="18" charset="0"/>
                 <a:cs typeface="Times New Roman" panose="02020603050405020304" pitchFamily="18" charset="0"/>
               </a:rPr>
               <a:t> </a:t>
             </a:r>
             <a:r>
-              <a:rPr lang="en-US" sz="1200" dirty="0" err="1">
+              <a:rPr lang="en-US" sz="1600" dirty="0" err="1">
                 <a:latin typeface="Times New Roman" panose="02020603050405020304" pitchFamily="18" charset="0"/>
                 <a:cs typeface="Times New Roman" panose="02020603050405020304" pitchFamily="18" charset="0"/>
               </a:rPr>
               <a:t>menggambarkan</a:t>
             </a:r>
             <a:r>
-              <a:rPr lang="en-US" sz="1200" dirty="0">
+              <a:rPr lang="en-US" sz="1600" dirty="0">
                 <a:latin typeface="Times New Roman" panose="02020603050405020304" pitchFamily="18" charset="0"/>
                 <a:cs typeface="Times New Roman" panose="02020603050405020304" pitchFamily="18" charset="0"/>
               </a:rPr>
               <a:t> </a:t>
             </a:r>
             <a:r>
-              <a:rPr lang="en-US" sz="1200" dirty="0" err="1">
+              <a:rPr lang="en-US" sz="1600" dirty="0" err="1">
                 <a:latin typeface="Times New Roman" panose="02020603050405020304" pitchFamily="18" charset="0"/>
                 <a:cs typeface="Times New Roman" panose="02020603050405020304" pitchFamily="18" charset="0"/>
               </a:rPr>
               <a:t>relasi</a:t>
             </a:r>
             <a:r>
-              <a:rPr lang="en-US" sz="1200" dirty="0">
+              <a:rPr lang="en-US" sz="1600" dirty="0">
                 <a:latin typeface="Times New Roman" panose="02020603050405020304" pitchFamily="18" charset="0"/>
                 <a:cs typeface="Times New Roman" panose="02020603050405020304" pitchFamily="18" charset="0"/>
               </a:rPr>
               <a:t> </a:t>
             </a:r>
             <a:r>
-              <a:rPr lang="en-US" sz="1200" dirty="0" err="1">
+              <a:rPr lang="en-US" sz="1600" dirty="0" err="1">
                 <a:latin typeface="Times New Roman" panose="02020603050405020304" pitchFamily="18" charset="0"/>
                 <a:cs typeface="Times New Roman" panose="02020603050405020304" pitchFamily="18" charset="0"/>
               </a:rPr>
               <a:t>antara</a:t>
             </a:r>
             <a:r>
-              <a:rPr lang="en-US" sz="1200" dirty="0">
+              <a:rPr lang="en-US" sz="1600" dirty="0">
                 <a:latin typeface="Times New Roman" panose="02020603050405020304" pitchFamily="18" charset="0"/>
                 <a:cs typeface="Times New Roman" panose="02020603050405020304" pitchFamily="18" charset="0"/>
               </a:rPr>
               <a:t> </a:t>
             </a:r>
             <a:r>
-              <a:rPr lang="en-US" sz="1200" dirty="0" err="1">
+              <a:rPr lang="en-US" sz="1600" dirty="0" err="1">
                 <a:latin typeface="Times New Roman" panose="02020603050405020304" pitchFamily="18" charset="0"/>
                 <a:cs typeface="Times New Roman" panose="02020603050405020304" pitchFamily="18" charset="0"/>
               </a:rPr>
               <a:t>entitas</a:t>
             </a:r>
             <a:r>
-              <a:rPr lang="en-US" sz="1200" dirty="0">
+              <a:rPr lang="en-US" sz="1600" dirty="0">
                 <a:latin typeface="Times New Roman" panose="02020603050405020304" pitchFamily="18" charset="0"/>
                 <a:cs typeface="Times New Roman" panose="02020603050405020304" pitchFamily="18" charset="0"/>
               </a:rPr>
               <a:t> </a:t>
             </a:r>
             <a:r>
-              <a:rPr lang="en-US" sz="1200" dirty="0" err="1">
+              <a:rPr lang="en-US" sz="1600" dirty="0" err="1">
                 <a:latin typeface="Times New Roman" panose="02020603050405020304" pitchFamily="18" charset="0"/>
                 <a:cs typeface="Times New Roman" panose="02020603050405020304" pitchFamily="18" charset="0"/>
               </a:rPr>
               <a:t>tersebut</a:t>
             </a:r>
             <a:r>
-              <a:rPr lang="en-US" sz="1200" dirty="0">
+              <a:rPr lang="en-US" sz="1600" dirty="0">
                 <a:latin typeface="Times New Roman" panose="02020603050405020304" pitchFamily="18" charset="0"/>
                 <a:cs typeface="Times New Roman" panose="02020603050405020304" pitchFamily="18" charset="0"/>
               </a:rPr>
               <a:t> </a:t>
             </a:r>
             <a:r>
-              <a:rPr lang="en-US" sz="1200" dirty="0" err="1">
+              <a:rPr lang="en-US" sz="1600" dirty="0" err="1">
                 <a:latin typeface="Times New Roman" panose="02020603050405020304" pitchFamily="18" charset="0"/>
                 <a:cs typeface="Times New Roman" panose="02020603050405020304" pitchFamily="18" charset="0"/>
               </a:rPr>
               <a:t>dengan</a:t>
             </a:r>
             <a:r>
-              <a:rPr lang="en-US" sz="1200" dirty="0">
+              <a:rPr lang="en-US" sz="1600" dirty="0">
                 <a:latin typeface="Times New Roman" panose="02020603050405020304" pitchFamily="18" charset="0"/>
                 <a:cs typeface="Times New Roman" panose="02020603050405020304" pitchFamily="18" charset="0"/>
               </a:rPr>
               <a:t> </a:t>
             </a:r>
             <a:r>
-              <a:rPr lang="en-US" sz="1200" dirty="0" err="1">
+              <a:rPr lang="en-US" sz="1600" dirty="0" err="1">
                 <a:latin typeface="Times New Roman" panose="02020603050405020304" pitchFamily="18" charset="0"/>
                 <a:cs typeface="Times New Roman" panose="02020603050405020304" pitchFamily="18" charset="0"/>
               </a:rPr>
               <a:t>entitas</a:t>
             </a:r>
             <a:r>
-              <a:rPr lang="en-US" sz="1200" dirty="0">
+              <a:rPr lang="en-US" sz="1600" dirty="0">
                 <a:latin typeface="Times New Roman" panose="02020603050405020304" pitchFamily="18" charset="0"/>
                 <a:cs typeface="Times New Roman" panose="02020603050405020304" pitchFamily="18" charset="0"/>
               </a:rPr>
               <a:t> </a:t>
             </a:r>
             <a:r>
-              <a:rPr lang="en-US" sz="1200" dirty="0" err="1">
+              <a:rPr lang="en-US" sz="1600" dirty="0" err="1">
                 <a:latin typeface="Times New Roman" panose="02020603050405020304" pitchFamily="18" charset="0"/>
                 <a:cs typeface="Times New Roman" panose="02020603050405020304" pitchFamily="18" charset="0"/>
               </a:rPr>
               <a:t>lainnya</a:t>
             </a:r>
             <a:r>
-              <a:rPr lang="en-US" sz="1200" dirty="0">
+              <a:rPr lang="en-US" sz="1600" dirty="0">
                 <a:latin typeface="Times New Roman" panose="02020603050405020304" pitchFamily="18" charset="0"/>
                 <a:cs typeface="Times New Roman" panose="02020603050405020304" pitchFamily="18" charset="0"/>
               </a:rPr>
               <a:t>. </a:t>
             </a:r>
             <a:r>
-              <a:rPr lang="en-US" sz="1200" dirty="0" err="1">
+              <a:rPr lang="en-US" sz="1600" dirty="0" err="1">
                 <a:latin typeface="Times New Roman" panose="02020603050405020304" pitchFamily="18" charset="0"/>
                 <a:cs typeface="Times New Roman" panose="02020603050405020304" pitchFamily="18" charset="0"/>
               </a:rPr>
               <a:t>Keunggulan</a:t>
             </a:r>
             <a:r>
-              <a:rPr lang="en-US" sz="1200" dirty="0">
+              <a:rPr lang="en-US" sz="1600" dirty="0">
                 <a:latin typeface="Times New Roman" panose="02020603050405020304" pitchFamily="18" charset="0"/>
                 <a:cs typeface="Times New Roman" panose="02020603050405020304" pitchFamily="18" charset="0"/>
               </a:rPr>
               <a:t> </a:t>
             </a:r>
             <a:r>
-              <a:rPr lang="en-US" sz="1200" dirty="0" err="1">
+              <a:rPr lang="en-US" sz="1600" dirty="0" err="1">
                 <a:latin typeface="Times New Roman" panose="02020603050405020304" pitchFamily="18" charset="0"/>
                 <a:cs typeface="Times New Roman" panose="02020603050405020304" pitchFamily="18" charset="0"/>
               </a:rPr>
               <a:t>utama</a:t>
             </a:r>
             <a:r>
-              <a:rPr lang="en-US" sz="1200" dirty="0">
+              <a:rPr lang="en-US" sz="1600" dirty="0">
                 <a:latin typeface="Times New Roman" panose="02020603050405020304" pitchFamily="18" charset="0"/>
                 <a:cs typeface="Times New Roman" panose="02020603050405020304" pitchFamily="18" charset="0"/>
               </a:rPr>
               <a:t> yang </a:t>
             </a:r>
             <a:r>
-              <a:rPr lang="en-US" sz="1200" dirty="0" err="1">
+              <a:rPr lang="en-US" sz="1600" dirty="0" err="1">
                 <a:latin typeface="Times New Roman" panose="02020603050405020304" pitchFamily="18" charset="0"/>
                 <a:cs typeface="Times New Roman" panose="02020603050405020304" pitchFamily="18" charset="0"/>
               </a:rPr>
               <a:t>dimiliki</a:t>
             </a:r>
             <a:r>
-              <a:rPr lang="en-US" sz="1200" dirty="0">
+              <a:rPr lang="en-US" sz="1600" dirty="0">
                 <a:latin typeface="Times New Roman" panose="02020603050405020304" pitchFamily="18" charset="0"/>
                 <a:cs typeface="Times New Roman" panose="02020603050405020304" pitchFamily="18" charset="0"/>
               </a:rPr>
               <a:t> oleh KG </a:t>
             </a:r>
             <a:r>
-              <a:rPr lang="en-US" sz="1200" dirty="0" err="1">
+              <a:rPr lang="en-US" sz="1600" dirty="0" err="1">
                 <a:latin typeface="Times New Roman" panose="02020603050405020304" pitchFamily="18" charset="0"/>
                 <a:cs typeface="Times New Roman" panose="02020603050405020304" pitchFamily="18" charset="0"/>
               </a:rPr>
               <a:t>dibandingkan</a:t>
             </a:r>
             <a:r>
-              <a:rPr lang="en-US" sz="1200" dirty="0">
+              <a:rPr lang="en-US" sz="1600" dirty="0">
                 <a:latin typeface="Times New Roman" panose="02020603050405020304" pitchFamily="18" charset="0"/>
                 <a:cs typeface="Times New Roman" panose="02020603050405020304" pitchFamily="18" charset="0"/>
               </a:rPr>
               <a:t> relational database </a:t>
             </a:r>
             <a:r>
-              <a:rPr lang="en-US" sz="1200" dirty="0" err="1">
+              <a:rPr lang="en-US" sz="1600" dirty="0" err="1">
                 <a:latin typeface="Times New Roman" panose="02020603050405020304" pitchFamily="18" charset="0"/>
                 <a:cs typeface="Times New Roman" panose="02020603050405020304" pitchFamily="18" charset="0"/>
               </a:rPr>
               <a:t>terletak</a:t>
             </a:r>
             <a:r>
-              <a:rPr lang="en-US" sz="1200" dirty="0">
+              <a:rPr lang="en-US" sz="1600" dirty="0">
                 <a:latin typeface="Times New Roman" panose="02020603050405020304" pitchFamily="18" charset="0"/>
                 <a:cs typeface="Times New Roman" panose="02020603050405020304" pitchFamily="18" charset="0"/>
               </a:rPr>
               <a:t> pada </a:t>
             </a:r>
             <a:r>
-              <a:rPr lang="en-US" sz="1200" i="1" dirty="0" err="1">
-                <a:latin typeface="Times New Roman" panose="02020603050405020304" pitchFamily="18" charset="0"/>
-                <a:cs typeface="Times New Roman" panose="02020603050405020304" pitchFamily="18" charset="0"/>
-              </a:rPr>
-              <a:t>fleksibility</a:t>
-            </a:r>
-            <a:r>
-              <a:rPr lang="en-US" sz="1200" dirty="0">
+              <a:rPr lang="en-US" sz="1600" i="1" dirty="0">
+                <a:latin typeface="Times New Roman" panose="02020603050405020304" pitchFamily="18" charset="0"/>
+                <a:cs typeface="Times New Roman" panose="02020603050405020304" pitchFamily="18" charset="0"/>
+              </a:rPr>
+              <a:t>flexibility</a:t>
+            </a:r>
+            <a:r>
+              <a:rPr lang="en-US" sz="1600" dirty="0">
                 <a:latin typeface="Times New Roman" panose="02020603050405020304" pitchFamily="18" charset="0"/>
                 <a:cs typeface="Times New Roman" panose="02020603050405020304" pitchFamily="18" charset="0"/>
               </a:rPr>
               <a:t> dan </a:t>
             </a:r>
             <a:r>
-              <a:rPr lang="en-US" sz="1200" i="1" dirty="0">
+              <a:rPr lang="en-US" sz="1600" i="1" dirty="0">
                 <a:latin typeface="Times New Roman" panose="02020603050405020304" pitchFamily="18" charset="0"/>
                 <a:cs typeface="Times New Roman" panose="02020603050405020304" pitchFamily="18" charset="0"/>
               </a:rPr>
               <a:t>scalability</a:t>
             </a:r>
             <a:r>
-              <a:rPr lang="en-US" sz="1200" dirty="0">
+              <a:rPr lang="en-US" sz="1600" dirty="0">
                 <a:latin typeface="Times New Roman" panose="02020603050405020304" pitchFamily="18" charset="0"/>
                 <a:cs typeface="Times New Roman" panose="02020603050405020304" pitchFamily="18" charset="0"/>
               </a:rPr>
@@ -13628,14 +14496,23 @@
           <a:lstStyle/>
           <a:p>
             <a:r>
-              <a:rPr lang="en-US" dirty="0" err="1"/>
+              <a:rPr lang="en-US" dirty="0" err="1">
+                <a:latin typeface="Times New Roman" panose="02020603050405020304" pitchFamily="18" charset="0"/>
+                <a:cs typeface="Times New Roman" panose="02020603050405020304" pitchFamily="18" charset="0"/>
+              </a:rPr>
               <a:t>Penggunaan</a:t>
             </a:r>
             <a:r>
-              <a:rPr lang="en-US" dirty="0"/>
+              <a:rPr lang="en-US" dirty="0">
+                <a:latin typeface="Times New Roman" panose="02020603050405020304" pitchFamily="18" charset="0"/>
+                <a:cs typeface="Times New Roman" panose="02020603050405020304" pitchFamily="18" charset="0"/>
+              </a:rPr>
               <a:t> Knowledge Graph</a:t>
             </a:r>
-            <a:endParaRPr lang="en-ID" dirty="0"/>
+            <a:endParaRPr lang="en-ID" dirty="0">
+              <a:latin typeface="Times New Roman" panose="02020603050405020304" pitchFamily="18" charset="0"/>
+              <a:cs typeface="Times New Roman" panose="02020603050405020304" pitchFamily="18" charset="0"/>
+            </a:endParaRPr>
           </a:p>
         </p:txBody>
       </p:sp>
@@ -13662,307 +14539,337 @@
           </a:xfrm>
         </p:spPr>
         <p:txBody>
-          <a:bodyPr/>
+          <a:bodyPr>
+            <a:normAutofit/>
+          </a:bodyPr>
           <a:lstStyle/>
           <a:p>
-            <a:pPr marL="114300" indent="0">
+            <a:pPr marL="114300" indent="0" algn="just">
               <a:buNone/>
             </a:pPr>
             <a:r>
-              <a:rPr lang="en-US" sz="1200" dirty="0" err="1">
+              <a:rPr lang="en-US" sz="1600" dirty="0" err="1">
                 <a:latin typeface="Times New Roman" panose="02020603050405020304" pitchFamily="18" charset="0"/>
                 <a:cs typeface="Times New Roman" panose="02020603050405020304" pitchFamily="18" charset="0"/>
               </a:rPr>
               <a:t>Terdapat</a:t>
             </a:r>
             <a:r>
-              <a:rPr lang="en-US" sz="1200" dirty="0">
+              <a:rPr lang="en-US" sz="1600" dirty="0">
                 <a:latin typeface="Times New Roman" panose="02020603050405020304" pitchFamily="18" charset="0"/>
                 <a:cs typeface="Times New Roman" panose="02020603050405020304" pitchFamily="18" charset="0"/>
               </a:rPr>
               <a:t> </a:t>
             </a:r>
             <a:r>
-              <a:rPr lang="en-US" sz="1200" dirty="0" err="1">
+              <a:rPr lang="en-US" sz="1600" dirty="0" err="1">
                 <a:latin typeface="Times New Roman" panose="02020603050405020304" pitchFamily="18" charset="0"/>
                 <a:cs typeface="Times New Roman" panose="02020603050405020304" pitchFamily="18" charset="0"/>
               </a:rPr>
               <a:t>peningkatan</a:t>
             </a:r>
             <a:r>
-              <a:rPr lang="en-US" sz="1200" dirty="0">
+              <a:rPr lang="en-US" sz="1600" dirty="0">
                 <a:latin typeface="Times New Roman" panose="02020603050405020304" pitchFamily="18" charset="0"/>
                 <a:cs typeface="Times New Roman" panose="02020603050405020304" pitchFamily="18" charset="0"/>
               </a:rPr>
               <a:t> </a:t>
             </a:r>
             <a:r>
-              <a:rPr lang="en-US" sz="1200" dirty="0" err="1">
+              <a:rPr lang="en-US" sz="1600" dirty="0" err="1">
                 <a:latin typeface="Times New Roman" panose="02020603050405020304" pitchFamily="18" charset="0"/>
                 <a:cs typeface="Times New Roman" panose="02020603050405020304" pitchFamily="18" charset="0"/>
               </a:rPr>
               <a:t>publikasi</a:t>
             </a:r>
             <a:r>
-              <a:rPr lang="en-US" sz="1200" dirty="0">
+              <a:rPr lang="en-US" sz="1600" dirty="0">
                 <a:latin typeface="Times New Roman" panose="02020603050405020304" pitchFamily="18" charset="0"/>
                 <a:cs typeface="Times New Roman" panose="02020603050405020304" pitchFamily="18" charset="0"/>
               </a:rPr>
               <a:t> </a:t>
             </a:r>
             <a:r>
-              <a:rPr lang="en-US" sz="1200" dirty="0" err="1">
+              <a:rPr lang="en-US" sz="1600" dirty="0" err="1">
                 <a:latin typeface="Times New Roman" panose="02020603050405020304" pitchFamily="18" charset="0"/>
                 <a:cs typeface="Times New Roman" panose="02020603050405020304" pitchFamily="18" charset="0"/>
               </a:rPr>
               <a:t>terkait</a:t>
             </a:r>
             <a:r>
-              <a:rPr lang="en-US" sz="1200" dirty="0">
+              <a:rPr lang="en-US" sz="1600" dirty="0">
                 <a:latin typeface="Times New Roman" panose="02020603050405020304" pitchFamily="18" charset="0"/>
                 <a:cs typeface="Times New Roman" panose="02020603050405020304" pitchFamily="18" charset="0"/>
               </a:rPr>
               <a:t> </a:t>
             </a:r>
             <a:r>
-              <a:rPr lang="en-US" sz="1200" dirty="0" err="1">
+              <a:rPr lang="en-US" sz="1600" dirty="0" err="1">
                 <a:latin typeface="Times New Roman" panose="02020603050405020304" pitchFamily="18" charset="0"/>
                 <a:cs typeface="Times New Roman" panose="02020603050405020304" pitchFamily="18" charset="0"/>
               </a:rPr>
               <a:t>penggunaan</a:t>
             </a:r>
             <a:r>
-              <a:rPr lang="en-US" sz="1200" dirty="0">
+              <a:rPr lang="en-US" sz="1600" dirty="0">
                 <a:latin typeface="Times New Roman" panose="02020603050405020304" pitchFamily="18" charset="0"/>
                 <a:cs typeface="Times New Roman" panose="02020603050405020304" pitchFamily="18" charset="0"/>
               </a:rPr>
               <a:t> knowledge graph </a:t>
             </a:r>
             <a:r>
-              <a:rPr lang="en-US" sz="1200" dirty="0" err="1">
+              <a:rPr lang="en-US" sz="1600" dirty="0" err="1">
                 <a:latin typeface="Times New Roman" panose="02020603050405020304" pitchFamily="18" charset="0"/>
                 <a:cs typeface="Times New Roman" panose="02020603050405020304" pitchFamily="18" charset="0"/>
               </a:rPr>
               <a:t>dalam</a:t>
             </a:r>
             <a:r>
-              <a:rPr lang="en-US" sz="1200" dirty="0">
+              <a:rPr lang="en-US" sz="1600" dirty="0">
                 <a:latin typeface="Times New Roman" panose="02020603050405020304" pitchFamily="18" charset="0"/>
                 <a:cs typeface="Times New Roman" panose="02020603050405020304" pitchFamily="18" charset="0"/>
               </a:rPr>
               <a:t> </a:t>
             </a:r>
             <a:r>
-              <a:rPr lang="en-US" sz="1200" dirty="0" err="1">
+              <a:rPr lang="en-US" sz="1600" dirty="0" err="1">
                 <a:latin typeface="Times New Roman" panose="02020603050405020304" pitchFamily="18" charset="0"/>
                 <a:cs typeface="Times New Roman" panose="02020603050405020304" pitchFamily="18" charset="0"/>
               </a:rPr>
               <a:t>bidang</a:t>
             </a:r>
             <a:r>
-              <a:rPr lang="en-US" sz="1200" dirty="0">
+              <a:rPr lang="en-US" sz="1600" dirty="0">
                 <a:latin typeface="Times New Roman" panose="02020603050405020304" pitchFamily="18" charset="0"/>
                 <a:cs typeface="Times New Roman" panose="02020603050405020304" pitchFamily="18" charset="0"/>
               </a:rPr>
               <a:t> software engineering </a:t>
             </a:r>
             <a:r>
-              <a:rPr lang="en-US" sz="1200" dirty="0" err="1">
+              <a:rPr lang="en-US" sz="1600" dirty="0" err="1">
                 <a:latin typeface="Times New Roman" panose="02020603050405020304" pitchFamily="18" charset="0"/>
                 <a:cs typeface="Times New Roman" panose="02020603050405020304" pitchFamily="18" charset="0"/>
               </a:rPr>
               <a:t>dalam</a:t>
             </a:r>
             <a:r>
-              <a:rPr lang="en-US" sz="1200" dirty="0">
+              <a:rPr lang="en-US" sz="1600" dirty="0">
                 <a:latin typeface="Times New Roman" panose="02020603050405020304" pitchFamily="18" charset="0"/>
                 <a:cs typeface="Times New Roman" panose="02020603050405020304" pitchFamily="18" charset="0"/>
               </a:rPr>
               <a:t> </a:t>
             </a:r>
             <a:r>
-              <a:rPr lang="en-US" sz="1200" dirty="0" err="1">
+              <a:rPr lang="en-US" sz="1600" dirty="0" err="1">
                 <a:latin typeface="Times New Roman" panose="02020603050405020304" pitchFamily="18" charset="0"/>
                 <a:cs typeface="Times New Roman" panose="02020603050405020304" pitchFamily="18" charset="0"/>
               </a:rPr>
               <a:t>periode</a:t>
             </a:r>
             <a:r>
-              <a:rPr lang="en-US" sz="1200" dirty="0">
+              <a:rPr lang="en-US" sz="1600" dirty="0">
                 <a:latin typeface="Times New Roman" panose="02020603050405020304" pitchFamily="18" charset="0"/>
                 <a:cs typeface="Times New Roman" panose="02020603050405020304" pitchFamily="18" charset="0"/>
               </a:rPr>
               <a:t> 2017 – 2022 (Lu Wang et all ., 2023). </a:t>
             </a:r>
             <a:r>
-              <a:rPr lang="en-US" sz="1200" dirty="0" err="1">
+              <a:rPr lang="en-US" sz="1600" dirty="0" err="1">
                 <a:latin typeface="Times New Roman" panose="02020603050405020304" pitchFamily="18" charset="0"/>
                 <a:cs typeface="Times New Roman" panose="02020603050405020304" pitchFamily="18" charset="0"/>
               </a:rPr>
               <a:t>Pendefinisian</a:t>
             </a:r>
             <a:r>
-              <a:rPr lang="en-US" sz="1200" dirty="0">
-                <a:latin typeface="Times New Roman" panose="02020603050405020304" pitchFamily="18" charset="0"/>
-                <a:cs typeface="Times New Roman" panose="02020603050405020304" pitchFamily="18" charset="0"/>
-              </a:rPr>
-              <a:t> knowledge </a:t>
-            </a:r>
-            <a:r>
-              <a:rPr lang="en-US" sz="1200" dirty="0" err="1">
-                <a:latin typeface="Times New Roman" panose="02020603050405020304" pitchFamily="18" charset="0"/>
-                <a:cs typeface="Times New Roman" panose="02020603050405020304" pitchFamily="18" charset="0"/>
-              </a:rPr>
-              <a:t>gaph</a:t>
-            </a:r>
-            <a:r>
-              <a:rPr lang="en-US" sz="1200" dirty="0">
+              <a:rPr lang="en-US" sz="1600" dirty="0">
                 <a:latin typeface="Times New Roman" panose="02020603050405020304" pitchFamily="18" charset="0"/>
                 <a:cs typeface="Times New Roman" panose="02020603050405020304" pitchFamily="18" charset="0"/>
               </a:rPr>
               <a:t> </a:t>
             </a:r>
             <a:r>
-              <a:rPr lang="en-US" sz="1200" dirty="0" err="1">
+              <a:rPr lang="en-US" sz="1600" i="1" dirty="0">
+                <a:latin typeface="Times New Roman" panose="02020603050405020304" pitchFamily="18" charset="0"/>
+                <a:cs typeface="Times New Roman" panose="02020603050405020304" pitchFamily="18" charset="0"/>
+              </a:rPr>
+              <a:t>knowledge graph</a:t>
+            </a:r>
+            <a:r>
+              <a:rPr lang="en-US" sz="1600" dirty="0">
+                <a:latin typeface="Times New Roman" panose="02020603050405020304" pitchFamily="18" charset="0"/>
+                <a:cs typeface="Times New Roman" panose="02020603050405020304" pitchFamily="18" charset="0"/>
+              </a:rPr>
+              <a:t> </a:t>
+            </a:r>
+            <a:r>
+              <a:rPr lang="en-US" sz="1600" dirty="0" err="1">
                 <a:latin typeface="Times New Roman" panose="02020603050405020304" pitchFamily="18" charset="0"/>
                 <a:cs typeface="Times New Roman" panose="02020603050405020304" pitchFamily="18" charset="0"/>
               </a:rPr>
               <a:t>dapat</a:t>
             </a:r>
             <a:r>
-              <a:rPr lang="en-US" sz="1200" dirty="0">
+              <a:rPr lang="en-US" sz="1600" dirty="0">
                 <a:latin typeface="Times New Roman" panose="02020603050405020304" pitchFamily="18" charset="0"/>
                 <a:cs typeface="Times New Roman" panose="02020603050405020304" pitchFamily="18" charset="0"/>
               </a:rPr>
               <a:t> </a:t>
             </a:r>
             <a:r>
-              <a:rPr lang="en-US" sz="1200" dirty="0" err="1">
+              <a:rPr lang="en-US" sz="1600" dirty="0" err="1">
                 <a:latin typeface="Times New Roman" panose="02020603050405020304" pitchFamily="18" charset="0"/>
                 <a:cs typeface="Times New Roman" panose="02020603050405020304" pitchFamily="18" charset="0"/>
               </a:rPr>
               <a:t>membuka</a:t>
             </a:r>
             <a:r>
-              <a:rPr lang="en-US" sz="1200" dirty="0">
+              <a:rPr lang="en-US" sz="1600" dirty="0">
                 <a:latin typeface="Times New Roman" panose="02020603050405020304" pitchFamily="18" charset="0"/>
                 <a:cs typeface="Times New Roman" panose="02020603050405020304" pitchFamily="18" charset="0"/>
               </a:rPr>
               <a:t> </a:t>
             </a:r>
             <a:r>
-              <a:rPr lang="en-US" sz="1200" dirty="0" err="1">
+              <a:rPr lang="en-US" sz="1600" dirty="0" err="1">
                 <a:latin typeface="Times New Roman" panose="02020603050405020304" pitchFamily="18" charset="0"/>
                 <a:cs typeface="Times New Roman" panose="02020603050405020304" pitchFamily="18" charset="0"/>
               </a:rPr>
               <a:t>kemungkinan</a:t>
             </a:r>
             <a:r>
-              <a:rPr lang="en-US" sz="1200" dirty="0">
+              <a:rPr lang="en-US" sz="1600" dirty="0">
                 <a:latin typeface="Times New Roman" panose="02020603050405020304" pitchFamily="18" charset="0"/>
                 <a:cs typeface="Times New Roman" panose="02020603050405020304" pitchFamily="18" charset="0"/>
               </a:rPr>
               <a:t> </a:t>
             </a:r>
             <a:r>
-              <a:rPr lang="en-US" sz="1200" dirty="0" err="1">
+              <a:rPr lang="en-US" sz="1600" dirty="0" err="1">
                 <a:latin typeface="Times New Roman" panose="02020603050405020304" pitchFamily="18" charset="0"/>
                 <a:cs typeface="Times New Roman" panose="02020603050405020304" pitchFamily="18" charset="0"/>
               </a:rPr>
               <a:t>bagi</a:t>
             </a:r>
             <a:r>
-              <a:rPr lang="en-US" sz="1200" dirty="0">
+              <a:rPr lang="en-US" sz="1600" dirty="0">
                 <a:latin typeface="Times New Roman" panose="02020603050405020304" pitchFamily="18" charset="0"/>
                 <a:cs typeface="Times New Roman" panose="02020603050405020304" pitchFamily="18" charset="0"/>
               </a:rPr>
               <a:t> </a:t>
             </a:r>
             <a:r>
-              <a:rPr lang="en-US" sz="1200" dirty="0" err="1">
+              <a:rPr lang="en-US" sz="1600" dirty="0" err="1">
                 <a:latin typeface="Times New Roman" panose="02020603050405020304" pitchFamily="18" charset="0"/>
                 <a:cs typeface="Times New Roman" panose="02020603050405020304" pitchFamily="18" charset="0"/>
               </a:rPr>
               <a:t>penelitian</a:t>
             </a:r>
             <a:r>
-              <a:rPr lang="en-US" sz="1200" dirty="0">
+              <a:rPr lang="en-US" sz="1600" dirty="0">
                 <a:latin typeface="Times New Roman" panose="02020603050405020304" pitchFamily="18" charset="0"/>
                 <a:cs typeface="Times New Roman" panose="02020603050405020304" pitchFamily="18" charset="0"/>
               </a:rPr>
               <a:t> – </a:t>
             </a:r>
             <a:r>
-              <a:rPr lang="en-US" sz="1200" dirty="0" err="1">
+              <a:rPr lang="en-US" sz="1600" dirty="0" err="1">
                 <a:latin typeface="Times New Roman" panose="02020603050405020304" pitchFamily="18" charset="0"/>
                 <a:cs typeface="Times New Roman" panose="02020603050405020304" pitchFamily="18" charset="0"/>
               </a:rPr>
               <a:t>penelitian</a:t>
             </a:r>
             <a:r>
-              <a:rPr lang="en-US" sz="1200" dirty="0">
+              <a:rPr lang="en-US" sz="1600" dirty="0">
                 <a:latin typeface="Times New Roman" panose="02020603050405020304" pitchFamily="18" charset="0"/>
                 <a:cs typeface="Times New Roman" panose="02020603050405020304" pitchFamily="18" charset="0"/>
               </a:rPr>
               <a:t> </a:t>
             </a:r>
             <a:r>
-              <a:rPr lang="en-US" sz="1200" dirty="0" err="1">
+              <a:rPr lang="en-US" sz="1600" dirty="0" err="1">
                 <a:latin typeface="Times New Roman" panose="02020603050405020304" pitchFamily="18" charset="0"/>
                 <a:cs typeface="Times New Roman" panose="02020603050405020304" pitchFamily="18" charset="0"/>
               </a:rPr>
               <a:t>untuk</a:t>
             </a:r>
             <a:r>
-              <a:rPr lang="en-US" sz="1200" dirty="0">
+              <a:rPr lang="en-US" sz="1600" dirty="0">
                 <a:latin typeface="Times New Roman" panose="02020603050405020304" pitchFamily="18" charset="0"/>
                 <a:cs typeface="Times New Roman" panose="02020603050405020304" pitchFamily="18" charset="0"/>
               </a:rPr>
               <a:t> </a:t>
             </a:r>
             <a:r>
-              <a:rPr lang="en-US" sz="1200" dirty="0" err="1">
+              <a:rPr lang="en-US" sz="1600" dirty="0" err="1">
                 <a:latin typeface="Times New Roman" panose="02020603050405020304" pitchFamily="18" charset="0"/>
                 <a:cs typeface="Times New Roman" panose="02020603050405020304" pitchFamily="18" charset="0"/>
               </a:rPr>
               <a:t>mengaplikasikan</a:t>
             </a:r>
             <a:r>
-              <a:rPr lang="en-US" sz="1200" dirty="0">
-                <a:latin typeface="Times New Roman" panose="02020603050405020304" pitchFamily="18" charset="0"/>
-                <a:cs typeface="Times New Roman" panose="02020603050405020304" pitchFamily="18" charset="0"/>
-              </a:rPr>
-              <a:t> Teknik – Teknik </a:t>
-            </a:r>
-            <a:r>
-              <a:rPr lang="en-US" sz="1200" dirty="0" err="1">
+              <a:rPr lang="en-US" sz="1600" dirty="0">
+                <a:latin typeface="Times New Roman" panose="02020603050405020304" pitchFamily="18" charset="0"/>
+                <a:cs typeface="Times New Roman" panose="02020603050405020304" pitchFamily="18" charset="0"/>
+              </a:rPr>
+              <a:t> </a:t>
+            </a:r>
+            <a:r>
+              <a:rPr lang="en-US" sz="1600" dirty="0" err="1">
+                <a:latin typeface="Times New Roman" panose="02020603050405020304" pitchFamily="18" charset="0"/>
+                <a:cs typeface="Times New Roman" panose="02020603050405020304" pitchFamily="18" charset="0"/>
+              </a:rPr>
+              <a:t>teknik</a:t>
+            </a:r>
+            <a:r>
+              <a:rPr lang="en-US" sz="1600" dirty="0">
+                <a:latin typeface="Times New Roman" panose="02020603050405020304" pitchFamily="18" charset="0"/>
+                <a:cs typeface="Times New Roman" panose="02020603050405020304" pitchFamily="18" charset="0"/>
+              </a:rPr>
+              <a:t> – </a:t>
+            </a:r>
+            <a:r>
+              <a:rPr lang="en-US" sz="1600" dirty="0" err="1">
+                <a:latin typeface="Times New Roman" panose="02020603050405020304" pitchFamily="18" charset="0"/>
+                <a:cs typeface="Times New Roman" panose="02020603050405020304" pitchFamily="18" charset="0"/>
+              </a:rPr>
+              <a:t>teknik</a:t>
+            </a:r>
+            <a:r>
+              <a:rPr lang="en-US" sz="1600" dirty="0">
+                <a:latin typeface="Times New Roman" panose="02020603050405020304" pitchFamily="18" charset="0"/>
+                <a:cs typeface="Times New Roman" panose="02020603050405020304" pitchFamily="18" charset="0"/>
+              </a:rPr>
+              <a:t> </a:t>
+            </a:r>
+            <a:r>
+              <a:rPr lang="en-US" sz="1600" dirty="0" err="1">
                 <a:latin typeface="Times New Roman" panose="02020603050405020304" pitchFamily="18" charset="0"/>
                 <a:cs typeface="Times New Roman" panose="02020603050405020304" pitchFamily="18" charset="0"/>
               </a:rPr>
               <a:t>mutakhir</a:t>
             </a:r>
             <a:r>
-              <a:rPr lang="en-US" sz="1200" dirty="0">
+              <a:rPr lang="en-US" sz="1600" dirty="0">
                 <a:latin typeface="Times New Roman" panose="02020603050405020304" pitchFamily="18" charset="0"/>
                 <a:cs typeface="Times New Roman" panose="02020603050405020304" pitchFamily="18" charset="0"/>
               </a:rPr>
               <a:t> pada dataset </a:t>
             </a:r>
             <a:r>
-              <a:rPr lang="en-US" sz="1200" dirty="0" err="1">
+              <a:rPr lang="en-US" sz="1600" dirty="0" err="1">
                 <a:latin typeface="Times New Roman" panose="02020603050405020304" pitchFamily="18" charset="0"/>
                 <a:cs typeface="Times New Roman" panose="02020603050405020304" pitchFamily="18" charset="0"/>
               </a:rPr>
               <a:t>tersebut</a:t>
             </a:r>
             <a:r>
-              <a:rPr lang="en-US" sz="1200" dirty="0">
+              <a:rPr lang="en-US" sz="1600" dirty="0">
                 <a:latin typeface="Times New Roman" panose="02020603050405020304" pitchFamily="18" charset="0"/>
                 <a:cs typeface="Times New Roman" panose="02020603050405020304" pitchFamily="18" charset="0"/>
               </a:rPr>
               <a:t>.</a:t>
             </a:r>
-            <a:endParaRPr lang="en-ID" sz="1200" dirty="0">
+            <a:endParaRPr lang="en-ID" sz="1600" dirty="0">
               <a:latin typeface="Times New Roman" panose="02020603050405020304" pitchFamily="18" charset="0"/>
               <a:cs typeface="Times New Roman" panose="02020603050405020304" pitchFamily="18" charset="0"/>
             </a:endParaRPr>
@@ -14052,10 +14959,16 @@
           <a:lstStyle/>
           <a:p>
             <a:r>
-              <a:rPr lang="en-US" dirty="0"/>
+              <a:rPr lang="en-US" dirty="0">
+                <a:latin typeface="Times New Roman" panose="02020603050405020304" pitchFamily="18" charset="0"/>
+                <a:cs typeface="Times New Roman" panose="02020603050405020304" pitchFamily="18" charset="0"/>
+              </a:rPr>
               <a:t>Use case</a:t>
             </a:r>
-            <a:endParaRPr lang="en-ID" dirty="0"/>
+            <a:endParaRPr lang="en-ID" dirty="0">
+              <a:latin typeface="Times New Roman" panose="02020603050405020304" pitchFamily="18" charset="0"/>
+              <a:cs typeface="Times New Roman" panose="02020603050405020304" pitchFamily="18" charset="0"/>
+            </a:endParaRPr>
           </a:p>
         </p:txBody>
       </p:sp>
@@ -14087,549 +15000,549 @@
           </a:bodyPr>
           <a:lstStyle/>
           <a:p>
-            <a:pPr marL="114300" indent="0">
+            <a:pPr marL="114300" indent="0" algn="just">
               <a:buNone/>
             </a:pPr>
             <a:r>
-              <a:rPr lang="en-US" sz="1200" dirty="0">
+              <a:rPr lang="en-US" sz="1600" dirty="0">
                 <a:latin typeface="Times New Roman" panose="02020603050405020304" pitchFamily="18" charset="0"/>
                 <a:cs typeface="Times New Roman" panose="02020603050405020304" pitchFamily="18" charset="0"/>
               </a:rPr>
               <a:t>Salah  </a:t>
             </a:r>
             <a:r>
-              <a:rPr lang="en-US" sz="1200" dirty="0" err="1">
+              <a:rPr lang="en-US" sz="1600" dirty="0" err="1">
                 <a:latin typeface="Times New Roman" panose="02020603050405020304" pitchFamily="18" charset="0"/>
                 <a:cs typeface="Times New Roman" panose="02020603050405020304" pitchFamily="18" charset="0"/>
               </a:rPr>
               <a:t>satu</a:t>
             </a:r>
             <a:r>
-              <a:rPr lang="en-US" sz="1200" dirty="0">
+              <a:rPr lang="en-US" sz="1600" dirty="0">
                 <a:latin typeface="Times New Roman" panose="02020603050405020304" pitchFamily="18" charset="0"/>
                 <a:cs typeface="Times New Roman" panose="02020603050405020304" pitchFamily="18" charset="0"/>
               </a:rPr>
               <a:t> </a:t>
             </a:r>
             <a:r>
-              <a:rPr lang="en-US" sz="1200" dirty="0" err="1">
+              <a:rPr lang="en-US" sz="1600" dirty="0" err="1">
                 <a:latin typeface="Times New Roman" panose="02020603050405020304" pitchFamily="18" charset="0"/>
                 <a:cs typeface="Times New Roman" panose="02020603050405020304" pitchFamily="18" charset="0"/>
               </a:rPr>
               <a:t>penerepan</a:t>
             </a:r>
             <a:r>
-              <a:rPr lang="en-US" sz="1200" dirty="0">
+              <a:rPr lang="en-US" sz="1600" dirty="0">
                 <a:latin typeface="Times New Roman" panose="02020603050405020304" pitchFamily="18" charset="0"/>
                 <a:cs typeface="Times New Roman" panose="02020603050405020304" pitchFamily="18" charset="0"/>
               </a:rPr>
               <a:t> knowledge graph </a:t>
             </a:r>
             <a:r>
-              <a:rPr lang="en-US" sz="1200" dirty="0" err="1">
+              <a:rPr lang="en-US" sz="1600" dirty="0" err="1">
                 <a:latin typeface="Times New Roman" panose="02020603050405020304" pitchFamily="18" charset="0"/>
                 <a:cs typeface="Times New Roman" panose="02020603050405020304" pitchFamily="18" charset="0"/>
               </a:rPr>
               <a:t>dalam</a:t>
             </a:r>
             <a:r>
-              <a:rPr lang="en-US" sz="1200" dirty="0">
+              <a:rPr lang="en-US" sz="1600" dirty="0">
                 <a:latin typeface="Times New Roman" panose="02020603050405020304" pitchFamily="18" charset="0"/>
                 <a:cs typeface="Times New Roman" panose="02020603050405020304" pitchFamily="18" charset="0"/>
               </a:rPr>
               <a:t> </a:t>
             </a:r>
             <a:r>
-              <a:rPr lang="en-US" sz="1200" dirty="0" err="1">
+              <a:rPr lang="en-US" sz="1600" dirty="0" err="1">
                 <a:latin typeface="Times New Roman" panose="02020603050405020304" pitchFamily="18" charset="0"/>
                 <a:cs typeface="Times New Roman" panose="02020603050405020304" pitchFamily="18" charset="0"/>
               </a:rPr>
               <a:t>bidang</a:t>
             </a:r>
             <a:r>
-              <a:rPr lang="en-US" sz="1200" dirty="0">
+              <a:rPr lang="en-US" sz="1600" dirty="0">
                 <a:latin typeface="Times New Roman" panose="02020603050405020304" pitchFamily="18" charset="0"/>
                 <a:cs typeface="Times New Roman" panose="02020603050405020304" pitchFamily="18" charset="0"/>
               </a:rPr>
               <a:t> Sejarah </a:t>
             </a:r>
             <a:r>
-              <a:rPr lang="en-US" sz="1200" dirty="0" err="1">
+              <a:rPr lang="en-US" sz="1600" dirty="0" err="1">
                 <a:latin typeface="Times New Roman" panose="02020603050405020304" pitchFamily="18" charset="0"/>
                 <a:cs typeface="Times New Roman" panose="02020603050405020304" pitchFamily="18" charset="0"/>
               </a:rPr>
               <a:t>dilakukan</a:t>
             </a:r>
             <a:r>
-              <a:rPr lang="en-US" sz="1200" dirty="0">
+              <a:rPr lang="en-US" sz="1600" dirty="0">
                 <a:latin typeface="Times New Roman" panose="02020603050405020304" pitchFamily="18" charset="0"/>
                 <a:cs typeface="Times New Roman" panose="02020603050405020304" pitchFamily="18" charset="0"/>
               </a:rPr>
               <a:t> oleh </a:t>
             </a:r>
             <a:r>
-              <a:rPr lang="en-US" sz="1200" dirty="0" err="1">
+              <a:rPr lang="en-US" sz="1600" dirty="0" err="1">
                 <a:latin typeface="Times New Roman" panose="02020603050405020304" pitchFamily="18" charset="0"/>
                 <a:cs typeface="Times New Roman" panose="02020603050405020304" pitchFamily="18" charset="0"/>
               </a:rPr>
               <a:t>kota</a:t>
             </a:r>
             <a:r>
-              <a:rPr lang="en-US" sz="1200" dirty="0">
+              <a:rPr lang="en-US" sz="1600" dirty="0">
                 <a:latin typeface="Times New Roman" panose="02020603050405020304" pitchFamily="18" charset="0"/>
                 <a:cs typeface="Times New Roman" panose="02020603050405020304" pitchFamily="18" charset="0"/>
               </a:rPr>
               <a:t> Vienna </a:t>
             </a:r>
             <a:r>
-              <a:rPr lang="en-US" sz="1200" dirty="0" err="1">
+              <a:rPr lang="en-US" sz="1600" dirty="0" err="1">
                 <a:latin typeface="Times New Roman" panose="02020603050405020304" pitchFamily="18" charset="0"/>
                 <a:cs typeface="Times New Roman" panose="02020603050405020304" pitchFamily="18" charset="0"/>
               </a:rPr>
               <a:t>untuk</a:t>
             </a:r>
             <a:r>
-              <a:rPr lang="en-US" sz="1200" dirty="0">
+              <a:rPr lang="en-US" sz="1600" dirty="0">
                 <a:latin typeface="Times New Roman" panose="02020603050405020304" pitchFamily="18" charset="0"/>
                 <a:cs typeface="Times New Roman" panose="02020603050405020304" pitchFamily="18" charset="0"/>
               </a:rPr>
               <a:t> </a:t>
             </a:r>
             <a:r>
-              <a:rPr lang="en-US" sz="1200" dirty="0" err="1">
+              <a:rPr lang="en-US" sz="1600" dirty="0" err="1">
                 <a:latin typeface="Times New Roman" panose="02020603050405020304" pitchFamily="18" charset="0"/>
                 <a:cs typeface="Times New Roman" panose="02020603050405020304" pitchFamily="18" charset="0"/>
               </a:rPr>
               <a:t>mencatat</a:t>
             </a:r>
             <a:r>
-              <a:rPr lang="en-US" sz="1200" dirty="0">
+              <a:rPr lang="en-US" sz="1600" dirty="0">
                 <a:latin typeface="Times New Roman" panose="02020603050405020304" pitchFamily="18" charset="0"/>
                 <a:cs typeface="Times New Roman" panose="02020603050405020304" pitchFamily="18" charset="0"/>
               </a:rPr>
               <a:t> </a:t>
             </a:r>
             <a:r>
-              <a:rPr lang="en-US" sz="1200" dirty="0" err="1">
+              <a:rPr lang="en-US" sz="1600" dirty="0" err="1">
                 <a:latin typeface="Times New Roman" panose="02020603050405020304" pitchFamily="18" charset="0"/>
                 <a:cs typeface="Times New Roman" panose="02020603050405020304" pitchFamily="18" charset="0"/>
               </a:rPr>
               <a:t>sejarah</a:t>
             </a:r>
             <a:r>
-              <a:rPr lang="en-US" sz="1200" dirty="0">
+              <a:rPr lang="en-US" sz="1600" dirty="0">
                 <a:latin typeface="Times New Roman" panose="02020603050405020304" pitchFamily="18" charset="0"/>
                 <a:cs typeface="Times New Roman" panose="02020603050405020304" pitchFamily="18" charset="0"/>
               </a:rPr>
               <a:t> </a:t>
             </a:r>
             <a:r>
-              <a:rPr lang="en-US" sz="1200" dirty="0" err="1">
+              <a:rPr lang="en-US" sz="1600" dirty="0" err="1">
                 <a:latin typeface="Times New Roman" panose="02020603050405020304" pitchFamily="18" charset="0"/>
                 <a:cs typeface="Times New Roman" panose="02020603050405020304" pitchFamily="18" charset="0"/>
               </a:rPr>
               <a:t>kota</a:t>
             </a:r>
             <a:r>
-              <a:rPr lang="en-US" sz="1200" dirty="0">
+              <a:rPr lang="en-US" sz="1600" dirty="0">
                 <a:latin typeface="Times New Roman" panose="02020603050405020304" pitchFamily="18" charset="0"/>
                 <a:cs typeface="Times New Roman" panose="02020603050405020304" pitchFamily="18" charset="0"/>
               </a:rPr>
               <a:t> Vienna. The Vienna History Wiki </a:t>
             </a:r>
             <a:r>
-              <a:rPr lang="en-US" sz="1200" dirty="0" err="1">
+              <a:rPr lang="en-US" sz="1600" dirty="0" err="1">
                 <a:latin typeface="Times New Roman" panose="02020603050405020304" pitchFamily="18" charset="0"/>
                 <a:cs typeface="Times New Roman" panose="02020603050405020304" pitchFamily="18" charset="0"/>
               </a:rPr>
               <a:t>merupakan</a:t>
             </a:r>
             <a:r>
-              <a:rPr lang="en-US" sz="1200" dirty="0">
+              <a:rPr lang="en-US" sz="1600" dirty="0">
                 <a:latin typeface="Times New Roman" panose="02020603050405020304" pitchFamily="18" charset="0"/>
                 <a:cs typeface="Times New Roman" panose="02020603050405020304" pitchFamily="18" charset="0"/>
               </a:rPr>
               <a:t> wiki </a:t>
             </a:r>
             <a:r>
-              <a:rPr lang="en-US" sz="1200" dirty="0" err="1">
+              <a:rPr lang="en-US" sz="1600" dirty="0" err="1">
                 <a:latin typeface="Times New Roman" panose="02020603050405020304" pitchFamily="18" charset="0"/>
                 <a:cs typeface="Times New Roman" panose="02020603050405020304" pitchFamily="18" charset="0"/>
               </a:rPr>
               <a:t>sejarah</a:t>
             </a:r>
             <a:r>
-              <a:rPr lang="en-US" sz="1200" dirty="0">
+              <a:rPr lang="en-US" sz="1600" dirty="0">
                 <a:latin typeface="Times New Roman" panose="02020603050405020304" pitchFamily="18" charset="0"/>
                 <a:cs typeface="Times New Roman" panose="02020603050405020304" pitchFamily="18" charset="0"/>
               </a:rPr>
               <a:t> </a:t>
             </a:r>
             <a:r>
-              <a:rPr lang="en-US" sz="1200" dirty="0" err="1">
+              <a:rPr lang="en-US" sz="1600" dirty="0" err="1">
                 <a:latin typeface="Times New Roman" panose="02020603050405020304" pitchFamily="18" charset="0"/>
                 <a:cs typeface="Times New Roman" panose="02020603050405020304" pitchFamily="18" charset="0"/>
               </a:rPr>
               <a:t>terbesar</a:t>
             </a:r>
             <a:r>
-              <a:rPr lang="en-US" sz="1200" dirty="0">
+              <a:rPr lang="en-US" sz="1600" dirty="0">
                 <a:latin typeface="Times New Roman" panose="02020603050405020304" pitchFamily="18" charset="0"/>
                 <a:cs typeface="Times New Roman" panose="02020603050405020304" pitchFamily="18" charset="0"/>
               </a:rPr>
               <a:t> </a:t>
             </a:r>
             <a:r>
-              <a:rPr lang="en-US" sz="1200" dirty="0" err="1">
+              <a:rPr lang="en-US" sz="1600" dirty="0" err="1">
                 <a:latin typeface="Times New Roman" panose="02020603050405020304" pitchFamily="18" charset="0"/>
                 <a:cs typeface="Times New Roman" panose="02020603050405020304" pitchFamily="18" charset="0"/>
               </a:rPr>
               <a:t>kedua</a:t>
             </a:r>
             <a:r>
-              <a:rPr lang="en-US" sz="1200" dirty="0">
+              <a:rPr lang="en-US" sz="1600" dirty="0">
                 <a:latin typeface="Times New Roman" panose="02020603050405020304" pitchFamily="18" charset="0"/>
                 <a:cs typeface="Times New Roman" panose="02020603050405020304" pitchFamily="18" charset="0"/>
               </a:rPr>
               <a:t> di dunia. Wiki </a:t>
             </a:r>
             <a:r>
-              <a:rPr lang="en-US" sz="1200" dirty="0" err="1">
+              <a:rPr lang="en-US" sz="1600" dirty="0" err="1">
                 <a:latin typeface="Times New Roman" panose="02020603050405020304" pitchFamily="18" charset="0"/>
                 <a:cs typeface="Times New Roman" panose="02020603050405020304" pitchFamily="18" charset="0"/>
               </a:rPr>
               <a:t>ini</a:t>
             </a:r>
             <a:r>
-              <a:rPr lang="en-US" sz="1200" dirty="0">
+              <a:rPr lang="en-US" sz="1600" dirty="0">
                 <a:latin typeface="Times New Roman" panose="02020603050405020304" pitchFamily="18" charset="0"/>
                 <a:cs typeface="Times New Roman" panose="02020603050405020304" pitchFamily="18" charset="0"/>
               </a:rPr>
               <a:t> </a:t>
             </a:r>
             <a:r>
-              <a:rPr lang="en-US" sz="1200" dirty="0" err="1">
+              <a:rPr lang="en-US" sz="1600" dirty="0" err="1">
                 <a:latin typeface="Times New Roman" panose="02020603050405020304" pitchFamily="18" charset="0"/>
                 <a:cs typeface="Times New Roman" panose="02020603050405020304" pitchFamily="18" charset="0"/>
               </a:rPr>
               <a:t>dibangun</a:t>
             </a:r>
             <a:r>
-              <a:rPr lang="en-US" sz="1200" dirty="0">
+              <a:rPr lang="en-US" sz="1600" dirty="0">
                 <a:latin typeface="Times New Roman" panose="02020603050405020304" pitchFamily="18" charset="0"/>
                 <a:cs typeface="Times New Roman" panose="02020603050405020304" pitchFamily="18" charset="0"/>
               </a:rPr>
               <a:t> oleh </a:t>
             </a:r>
             <a:r>
-              <a:rPr lang="en-US" sz="1200" dirty="0" err="1">
+              <a:rPr lang="en-US" sz="1600" dirty="0" err="1">
                 <a:latin typeface="Times New Roman" panose="02020603050405020304" pitchFamily="18" charset="0"/>
                 <a:cs typeface="Times New Roman" panose="02020603050405020304" pitchFamily="18" charset="0"/>
               </a:rPr>
               <a:t>kelompok</a:t>
             </a:r>
             <a:r>
-              <a:rPr lang="en-US" sz="1200" dirty="0">
+              <a:rPr lang="en-US" sz="1600" dirty="0">
                 <a:latin typeface="Times New Roman" panose="02020603050405020304" pitchFamily="18" charset="0"/>
                 <a:cs typeface="Times New Roman" panose="02020603050405020304" pitchFamily="18" charset="0"/>
               </a:rPr>
               <a:t> </a:t>
             </a:r>
             <a:r>
-              <a:rPr lang="en-US" sz="1200" dirty="0" err="1">
+              <a:rPr lang="en-US" sz="1600" dirty="0" err="1">
                 <a:latin typeface="Times New Roman" panose="02020603050405020304" pitchFamily="18" charset="0"/>
                 <a:cs typeface="Times New Roman" panose="02020603050405020304" pitchFamily="18" charset="0"/>
               </a:rPr>
               <a:t>ahli</a:t>
             </a:r>
             <a:r>
-              <a:rPr lang="en-US" sz="1200" dirty="0">
+              <a:rPr lang="en-US" sz="1600" dirty="0">
                 <a:latin typeface="Times New Roman" panose="02020603050405020304" pitchFamily="18" charset="0"/>
                 <a:cs typeface="Times New Roman" panose="02020603050405020304" pitchFamily="18" charset="0"/>
               </a:rPr>
               <a:t> dan juga </a:t>
             </a:r>
             <a:r>
-              <a:rPr lang="en-US" sz="1200" dirty="0" err="1">
+              <a:rPr lang="en-US" sz="1600" dirty="0" err="1">
                 <a:latin typeface="Times New Roman" panose="02020603050405020304" pitchFamily="18" charset="0"/>
                 <a:cs typeface="Times New Roman" panose="02020603050405020304" pitchFamily="18" charset="0"/>
               </a:rPr>
               <a:t>kerjasama</a:t>
             </a:r>
             <a:r>
-              <a:rPr lang="en-US" sz="1200" dirty="0">
+              <a:rPr lang="en-US" sz="1600" dirty="0">
                 <a:latin typeface="Times New Roman" panose="02020603050405020304" pitchFamily="18" charset="0"/>
                 <a:cs typeface="Times New Roman" panose="02020603050405020304" pitchFamily="18" charset="0"/>
               </a:rPr>
               <a:t> </a:t>
             </a:r>
             <a:r>
-              <a:rPr lang="en-US" sz="1200" dirty="0" err="1">
+              <a:rPr lang="en-US" sz="1600" dirty="0" err="1">
                 <a:latin typeface="Times New Roman" panose="02020603050405020304" pitchFamily="18" charset="0"/>
                 <a:cs typeface="Times New Roman" panose="02020603050405020304" pitchFamily="18" charset="0"/>
               </a:rPr>
               <a:t>dengan</a:t>
             </a:r>
             <a:r>
-              <a:rPr lang="en-US" sz="1200" dirty="0">
+              <a:rPr lang="en-US" sz="1600" dirty="0">
                 <a:latin typeface="Times New Roman" panose="02020603050405020304" pitchFamily="18" charset="0"/>
                 <a:cs typeface="Times New Roman" panose="02020603050405020304" pitchFamily="18" charset="0"/>
               </a:rPr>
               <a:t> </a:t>
             </a:r>
             <a:r>
-              <a:rPr lang="en-US" sz="1200" dirty="0" err="1">
+              <a:rPr lang="en-US" sz="1600" dirty="0" err="1">
                 <a:latin typeface="Times New Roman" panose="02020603050405020304" pitchFamily="18" charset="0"/>
                 <a:cs typeface="Times New Roman" panose="02020603050405020304" pitchFamily="18" charset="0"/>
               </a:rPr>
               <a:t>publik</a:t>
             </a:r>
             <a:r>
-              <a:rPr lang="en-US" sz="1200" dirty="0">
+              <a:rPr lang="en-US" sz="1600" dirty="0">
                 <a:latin typeface="Times New Roman" panose="02020603050405020304" pitchFamily="18" charset="0"/>
                 <a:cs typeface="Times New Roman" panose="02020603050405020304" pitchFamily="18" charset="0"/>
               </a:rPr>
               <a:t> </a:t>
             </a:r>
             <a:r>
-              <a:rPr lang="en-US" sz="1200" dirty="0" err="1">
+              <a:rPr lang="en-US" sz="1600" dirty="0" err="1">
                 <a:latin typeface="Times New Roman" panose="02020603050405020304" pitchFamily="18" charset="0"/>
                 <a:cs typeface="Times New Roman" panose="02020603050405020304" pitchFamily="18" charset="0"/>
               </a:rPr>
               <a:t>umum</a:t>
             </a:r>
             <a:r>
-              <a:rPr lang="en-US" sz="1200" dirty="0">
+              <a:rPr lang="en-US" sz="1600" dirty="0">
                 <a:latin typeface="Times New Roman" panose="02020603050405020304" pitchFamily="18" charset="0"/>
                 <a:cs typeface="Times New Roman" panose="02020603050405020304" pitchFamily="18" charset="0"/>
               </a:rPr>
               <a:t>. </a:t>
             </a:r>
             <a:r>
-              <a:rPr lang="en-US" sz="1200" dirty="0" err="1">
+              <a:rPr lang="en-US" sz="1600" dirty="0" err="1">
                 <a:latin typeface="Times New Roman" panose="02020603050405020304" pitchFamily="18" charset="0"/>
                 <a:cs typeface="Times New Roman" panose="02020603050405020304" pitchFamily="18" charset="0"/>
               </a:rPr>
               <a:t>Survei</a:t>
             </a:r>
             <a:r>
-              <a:rPr lang="en-US" sz="1200" dirty="0">
+              <a:rPr lang="en-US" sz="1600" dirty="0">
                 <a:latin typeface="Times New Roman" panose="02020603050405020304" pitchFamily="18" charset="0"/>
                 <a:cs typeface="Times New Roman" panose="02020603050405020304" pitchFamily="18" charset="0"/>
               </a:rPr>
               <a:t> yang </a:t>
             </a:r>
             <a:r>
-              <a:rPr lang="en-US" sz="1200" dirty="0" err="1">
+              <a:rPr lang="en-US" sz="1600" dirty="0" err="1">
                 <a:latin typeface="Times New Roman" panose="02020603050405020304" pitchFamily="18" charset="0"/>
                 <a:cs typeface="Times New Roman" panose="02020603050405020304" pitchFamily="18" charset="0"/>
               </a:rPr>
               <a:t>dilakukan</a:t>
             </a:r>
             <a:r>
-              <a:rPr lang="en-US" sz="1200" dirty="0">
+              <a:rPr lang="en-US" sz="1600" dirty="0">
                 <a:latin typeface="Times New Roman" panose="02020603050405020304" pitchFamily="18" charset="0"/>
                 <a:cs typeface="Times New Roman" panose="02020603050405020304" pitchFamily="18" charset="0"/>
               </a:rPr>
               <a:t> oleh Bernhard </a:t>
             </a:r>
             <a:r>
-              <a:rPr lang="en-US" sz="1200" dirty="0" err="1">
+              <a:rPr lang="en-US" sz="1600" dirty="0" err="1">
                 <a:latin typeface="Times New Roman" panose="02020603050405020304" pitchFamily="18" charset="0"/>
                 <a:cs typeface="Times New Roman" panose="02020603050405020304" pitchFamily="18" charset="0"/>
               </a:rPr>
               <a:t>Krabina</a:t>
             </a:r>
             <a:r>
-              <a:rPr lang="en-US" sz="1200" dirty="0">
+              <a:rPr lang="en-US" sz="1600" dirty="0">
                 <a:latin typeface="Times New Roman" panose="02020603050405020304" pitchFamily="18" charset="0"/>
                 <a:cs typeface="Times New Roman" panose="02020603050405020304" pitchFamily="18" charset="0"/>
               </a:rPr>
               <a:t> </a:t>
             </a:r>
             <a:r>
-              <a:rPr lang="en-US" sz="1200" dirty="0" err="1">
+              <a:rPr lang="en-US" sz="1600" dirty="0" err="1">
                 <a:latin typeface="Times New Roman" panose="02020603050405020304" pitchFamily="18" charset="0"/>
                 <a:cs typeface="Times New Roman" panose="02020603050405020304" pitchFamily="18" charset="0"/>
               </a:rPr>
               <a:t>menunjukan</a:t>
             </a:r>
             <a:r>
-              <a:rPr lang="en-US" sz="1200" dirty="0">
+              <a:rPr lang="en-US" sz="1600" dirty="0">
                 <a:latin typeface="Times New Roman" panose="02020603050405020304" pitchFamily="18" charset="0"/>
                 <a:cs typeface="Times New Roman" panose="02020603050405020304" pitchFamily="18" charset="0"/>
               </a:rPr>
               <a:t> </a:t>
             </a:r>
             <a:r>
-              <a:rPr lang="en-US" sz="1200" dirty="0" err="1">
+              <a:rPr lang="en-US" sz="1600" dirty="0" err="1">
                 <a:latin typeface="Times New Roman" panose="02020603050405020304" pitchFamily="18" charset="0"/>
                 <a:cs typeface="Times New Roman" panose="02020603050405020304" pitchFamily="18" charset="0"/>
               </a:rPr>
               <a:t>bahwa</a:t>
             </a:r>
             <a:r>
-              <a:rPr lang="en-US" sz="1200" dirty="0">
+              <a:rPr lang="en-US" sz="1600" dirty="0">
                 <a:latin typeface="Times New Roman" panose="02020603050405020304" pitchFamily="18" charset="0"/>
                 <a:cs typeface="Times New Roman" panose="02020603050405020304" pitchFamily="18" charset="0"/>
               </a:rPr>
               <a:t> 40 % </a:t>
             </a:r>
             <a:r>
-              <a:rPr lang="en-US" sz="1200" dirty="0" err="1">
+              <a:rPr lang="en-US" sz="1600" dirty="0" err="1">
                 <a:latin typeface="Times New Roman" panose="02020603050405020304" pitchFamily="18" charset="0"/>
                 <a:cs typeface="Times New Roman" panose="02020603050405020304" pitchFamily="18" charset="0"/>
               </a:rPr>
               <a:t>responden</a:t>
             </a:r>
             <a:r>
-              <a:rPr lang="en-US" sz="1200" dirty="0">
+              <a:rPr lang="en-US" sz="1600" dirty="0">
                 <a:latin typeface="Times New Roman" panose="02020603050405020304" pitchFamily="18" charset="0"/>
                 <a:cs typeface="Times New Roman" panose="02020603050405020304" pitchFamily="18" charset="0"/>
               </a:rPr>
               <a:t> </a:t>
             </a:r>
             <a:r>
-              <a:rPr lang="en-US" sz="1200" dirty="0" err="1">
+              <a:rPr lang="en-US" sz="1600" dirty="0" err="1">
                 <a:latin typeface="Times New Roman" panose="02020603050405020304" pitchFamily="18" charset="0"/>
                 <a:cs typeface="Times New Roman" panose="02020603050405020304" pitchFamily="18" charset="0"/>
               </a:rPr>
               <a:t>setuju</a:t>
             </a:r>
             <a:r>
-              <a:rPr lang="en-US" sz="1200" dirty="0">
+              <a:rPr lang="en-US" sz="1600" dirty="0">
                 <a:latin typeface="Times New Roman" panose="02020603050405020304" pitchFamily="18" charset="0"/>
                 <a:cs typeface="Times New Roman" panose="02020603050405020304" pitchFamily="18" charset="0"/>
               </a:rPr>
               <a:t> dan </a:t>
             </a:r>
             <a:r>
-              <a:rPr lang="en-US" sz="1200" dirty="0" err="1">
+              <a:rPr lang="en-US" sz="1600" dirty="0" err="1">
                 <a:latin typeface="Times New Roman" panose="02020603050405020304" pitchFamily="18" charset="0"/>
                 <a:cs typeface="Times New Roman" panose="02020603050405020304" pitchFamily="18" charset="0"/>
               </a:rPr>
               <a:t>sekitar</a:t>
             </a:r>
             <a:r>
-              <a:rPr lang="en-US" sz="1200" dirty="0">
+              <a:rPr lang="en-US" sz="1600" dirty="0">
                 <a:latin typeface="Times New Roman" panose="02020603050405020304" pitchFamily="18" charset="0"/>
                 <a:cs typeface="Times New Roman" panose="02020603050405020304" pitchFamily="18" charset="0"/>
               </a:rPr>
               <a:t> 45 % </a:t>
             </a:r>
             <a:r>
-              <a:rPr lang="en-US" sz="1200" dirty="0" err="1">
+              <a:rPr lang="en-US" sz="1600" dirty="0" err="1">
                 <a:latin typeface="Times New Roman" panose="02020603050405020304" pitchFamily="18" charset="0"/>
                 <a:cs typeface="Times New Roman" panose="02020603050405020304" pitchFamily="18" charset="0"/>
               </a:rPr>
               <a:t>responden</a:t>
             </a:r>
             <a:r>
-              <a:rPr lang="en-US" sz="1200" dirty="0">
+              <a:rPr lang="en-US" sz="1600" dirty="0">
                 <a:latin typeface="Times New Roman" panose="02020603050405020304" pitchFamily="18" charset="0"/>
                 <a:cs typeface="Times New Roman" panose="02020603050405020304" pitchFamily="18" charset="0"/>
               </a:rPr>
               <a:t> </a:t>
             </a:r>
             <a:r>
-              <a:rPr lang="en-US" sz="1200" dirty="0" err="1">
+              <a:rPr lang="en-US" sz="1600" dirty="0" err="1">
                 <a:latin typeface="Times New Roman" panose="02020603050405020304" pitchFamily="18" charset="0"/>
                 <a:cs typeface="Times New Roman" panose="02020603050405020304" pitchFamily="18" charset="0"/>
               </a:rPr>
               <a:t>cukup</a:t>
             </a:r>
             <a:r>
-              <a:rPr lang="en-US" sz="1200" dirty="0">
+              <a:rPr lang="en-US" sz="1600" dirty="0">
                 <a:latin typeface="Times New Roman" panose="02020603050405020304" pitchFamily="18" charset="0"/>
                 <a:cs typeface="Times New Roman" panose="02020603050405020304" pitchFamily="18" charset="0"/>
               </a:rPr>
               <a:t> </a:t>
             </a:r>
             <a:r>
-              <a:rPr lang="en-US" sz="1200" dirty="0" err="1">
+              <a:rPr lang="en-US" sz="1600" dirty="0" err="1">
                 <a:latin typeface="Times New Roman" panose="02020603050405020304" pitchFamily="18" charset="0"/>
                 <a:cs typeface="Times New Roman" panose="02020603050405020304" pitchFamily="18" charset="0"/>
               </a:rPr>
               <a:t>setuju</a:t>
             </a:r>
             <a:r>
-              <a:rPr lang="en-US" sz="1200" dirty="0">
+              <a:rPr lang="en-US" sz="1600" dirty="0">
                 <a:latin typeface="Times New Roman" panose="02020603050405020304" pitchFamily="18" charset="0"/>
                 <a:cs typeface="Times New Roman" panose="02020603050405020304" pitchFamily="18" charset="0"/>
               </a:rPr>
               <a:t> </a:t>
             </a:r>
             <a:r>
-              <a:rPr lang="en-US" sz="1200" dirty="0" err="1">
+              <a:rPr lang="en-US" sz="1600" dirty="0" err="1">
                 <a:latin typeface="Times New Roman" panose="02020603050405020304" pitchFamily="18" charset="0"/>
                 <a:cs typeface="Times New Roman" panose="02020603050405020304" pitchFamily="18" charset="0"/>
               </a:rPr>
               <a:t>bahwa</a:t>
             </a:r>
             <a:r>
-              <a:rPr lang="en-US" sz="1200" dirty="0">
+              <a:rPr lang="en-US" sz="1600" dirty="0">
                 <a:latin typeface="Times New Roman" panose="02020603050405020304" pitchFamily="18" charset="0"/>
                 <a:cs typeface="Times New Roman" panose="02020603050405020304" pitchFamily="18" charset="0"/>
               </a:rPr>
               <a:t> </a:t>
             </a:r>
             <a:r>
-              <a:rPr lang="en-US" sz="1200" dirty="0" err="1">
+              <a:rPr lang="en-US" sz="1600" dirty="0" err="1">
                 <a:latin typeface="Times New Roman" panose="02020603050405020304" pitchFamily="18" charset="0"/>
                 <a:cs typeface="Times New Roman" panose="02020603050405020304" pitchFamily="18" charset="0"/>
               </a:rPr>
               <a:t>kualitas</a:t>
             </a:r>
             <a:r>
-              <a:rPr lang="en-US" sz="1200" dirty="0">
+              <a:rPr lang="en-US" sz="1600" dirty="0">
                 <a:latin typeface="Times New Roman" panose="02020603050405020304" pitchFamily="18" charset="0"/>
                 <a:cs typeface="Times New Roman" panose="02020603050405020304" pitchFamily="18" charset="0"/>
               </a:rPr>
               <a:t> </a:t>
             </a:r>
             <a:r>
-              <a:rPr lang="en-US" sz="1200" dirty="0" err="1">
+              <a:rPr lang="en-US" sz="1600" dirty="0" err="1">
                 <a:latin typeface="Times New Roman" panose="02020603050405020304" pitchFamily="18" charset="0"/>
                 <a:cs typeface="Times New Roman" panose="02020603050405020304" pitchFamily="18" charset="0"/>
               </a:rPr>
               <a:t>artikel</a:t>
             </a:r>
             <a:r>
-              <a:rPr lang="en-US" sz="1200" dirty="0">
+              <a:rPr lang="en-US" sz="1600" dirty="0">
                 <a:latin typeface="Times New Roman" panose="02020603050405020304" pitchFamily="18" charset="0"/>
                 <a:cs typeface="Times New Roman" panose="02020603050405020304" pitchFamily="18" charset="0"/>
               </a:rPr>
               <a:t> yang </a:t>
             </a:r>
             <a:r>
-              <a:rPr lang="en-US" sz="1200" dirty="0" err="1">
+              <a:rPr lang="en-US" sz="1600" dirty="0" err="1">
                 <a:latin typeface="Times New Roman" panose="02020603050405020304" pitchFamily="18" charset="0"/>
                 <a:cs typeface="Times New Roman" panose="02020603050405020304" pitchFamily="18" charset="0"/>
               </a:rPr>
               <a:t>disajikan</a:t>
             </a:r>
             <a:r>
-              <a:rPr lang="en-US" sz="1200" dirty="0">
+              <a:rPr lang="en-US" sz="1600" dirty="0">
                 <a:latin typeface="Times New Roman" panose="02020603050405020304" pitchFamily="18" charset="0"/>
                 <a:cs typeface="Times New Roman" panose="02020603050405020304" pitchFamily="18" charset="0"/>
               </a:rPr>
               <a:t> pada wiki sangat </a:t>
             </a:r>
             <a:r>
-              <a:rPr lang="en-US" sz="1200" dirty="0" err="1">
+              <a:rPr lang="en-US" sz="1600" dirty="0" err="1">
                 <a:latin typeface="Times New Roman" panose="02020603050405020304" pitchFamily="18" charset="0"/>
                 <a:cs typeface="Times New Roman" panose="02020603050405020304" pitchFamily="18" charset="0"/>
               </a:rPr>
               <a:t>baik</a:t>
             </a:r>
             <a:r>
-              <a:rPr lang="en-US" sz="1200" dirty="0">
+              <a:rPr lang="en-US" sz="1600" dirty="0">
                 <a:latin typeface="Times New Roman" panose="02020603050405020304" pitchFamily="18" charset="0"/>
                 <a:cs typeface="Times New Roman" panose="02020603050405020304" pitchFamily="18" charset="0"/>
               </a:rPr>
               <a:t> </a:t>
             </a:r>
-            <a:endParaRPr lang="en-ID" sz="1200" dirty="0">
+            <a:endParaRPr lang="en-ID" sz="1600" dirty="0">
               <a:latin typeface="Times New Roman" panose="02020603050405020304" pitchFamily="18" charset="0"/>
               <a:cs typeface="Times New Roman" panose="02020603050405020304" pitchFamily="18" charset="0"/>
             </a:endParaRPr>
@@ -14658,7 +15571,7 @@
         </p:blipFill>
         <p:spPr>
           <a:xfrm>
-            <a:off x="5363990" y="1118507"/>
+            <a:off x="5380319" y="1420145"/>
             <a:ext cx="3641217" cy="2303210"/>
           </a:xfrm>
           <a:prstGeom prst="rect">
@@ -14743,42 +15656,30 @@
               <a:buNone/>
             </a:pPr>
             <a:r>
-              <a:rPr lang="en-US" dirty="0" err="1"/>
-              <a:t>rumusan</a:t>
-            </a:r>
-            <a:r>
-              <a:rPr lang="en-US" dirty="0"/>
+              <a:rPr lang="en-US" dirty="0" err="1">
+                <a:latin typeface="Times New Roman" panose="02020603050405020304" pitchFamily="18" charset="0"/>
+                <a:cs typeface="Times New Roman" panose="02020603050405020304" pitchFamily="18" charset="0"/>
+              </a:rPr>
+              <a:t>Rumusan</a:t>
+            </a:r>
+            <a:r>
+              <a:rPr lang="en-US" dirty="0">
+                <a:latin typeface="Times New Roman" panose="02020603050405020304" pitchFamily="18" charset="0"/>
+                <a:cs typeface="Times New Roman" panose="02020603050405020304" pitchFamily="18" charset="0"/>
+              </a:rPr>
               <a:t> </a:t>
             </a:r>
             <a:r>
-              <a:rPr lang="en-US" dirty="0" err="1"/>
-              <a:t>masalah</a:t>
-            </a:r>
-            <a:r>
-              <a:rPr lang="en-US" dirty="0"/>
-              <a:t> &amp; </a:t>
-            </a:r>
-            <a:r>
-              <a:rPr lang="en-US" dirty="0" err="1"/>
-              <a:t>tujuan</a:t>
-            </a:r>
-            <a:r>
-              <a:rPr lang="en-US" dirty="0"/>
-              <a:t> </a:t>
-            </a:r>
-            <a:r>
-              <a:rPr lang="en-US" dirty="0" err="1"/>
-              <a:t>tugas</a:t>
-            </a:r>
-            <a:r>
-              <a:rPr lang="en-US" dirty="0"/>
-              <a:t> </a:t>
-            </a:r>
-            <a:r>
-              <a:rPr lang="en-US" dirty="0" err="1"/>
-              <a:t>akhir</a:t>
-            </a:r>
-            <a:endParaRPr dirty="0"/>
+              <a:rPr lang="en-US" dirty="0" err="1">
+                <a:latin typeface="Times New Roman" panose="02020603050405020304" pitchFamily="18" charset="0"/>
+                <a:cs typeface="Times New Roman" panose="02020603050405020304" pitchFamily="18" charset="0"/>
+              </a:rPr>
+              <a:t>Masalah</a:t>
+            </a:r>
+            <a:endParaRPr dirty="0">
+              <a:latin typeface="Times New Roman" panose="02020603050405020304" pitchFamily="18" charset="0"/>
+              <a:cs typeface="Times New Roman" panose="02020603050405020304" pitchFamily="18" charset="0"/>
+            </a:endParaRPr>
           </a:p>
         </p:txBody>
       </p:sp>
@@ -14811,7 +15712,7 @@
           </a:bodyPr>
           <a:lstStyle/>
           <a:p>
-            <a:pPr marL="0" lvl="0" indent="0" algn="l" rtl="0">
+            <a:pPr marL="0" lvl="0" indent="0" algn="just" rtl="0">
               <a:lnSpc>
                 <a:spcPct val="115000"/>
               </a:lnSpc>
@@ -14825,7 +15726,7 @@
               <a:buNone/>
             </a:pPr>
             <a:r>
-              <a:rPr lang="en-US" sz="1200" dirty="0" err="1">
+              <a:rPr lang="en-US" sz="1600" dirty="0" err="1">
                 <a:solidFill>
                   <a:schemeClr val="dk1"/>
                 </a:solidFill>
@@ -14836,7 +15737,7 @@
               <a:t>Rumusan</a:t>
             </a:r>
             <a:r>
-              <a:rPr lang="en-US" sz="1200" dirty="0">
+              <a:rPr lang="en-US" sz="1600" dirty="0">
                 <a:solidFill>
                   <a:schemeClr val="dk1"/>
                 </a:solidFill>
@@ -14847,7 +15748,7 @@
               <a:t> </a:t>
             </a:r>
             <a:r>
-              <a:rPr lang="en-US" sz="1200" dirty="0" err="1">
+              <a:rPr lang="en-US" sz="1600" dirty="0" err="1">
                 <a:solidFill>
                   <a:schemeClr val="dk1"/>
                 </a:solidFill>
@@ -14858,7 +15759,7 @@
               <a:t>Masalah</a:t>
             </a:r>
             <a:r>
-              <a:rPr lang="en-US" sz="1200" dirty="0">
+              <a:rPr lang="en-US" sz="1600" dirty="0">
                 <a:solidFill>
                   <a:schemeClr val="dk1"/>
                 </a:solidFill>
@@ -14870,7 +15771,7 @@
             </a:r>
           </a:p>
           <a:p>
-            <a:pPr marL="0" lvl="0" indent="0" algn="l" rtl="0">
+            <a:pPr marL="342900" lvl="0" algn="just" rtl="0">
               <a:lnSpc>
                 <a:spcPct val="115000"/>
               </a:lnSpc>
@@ -14881,10 +15782,11 @@
                 <a:spcPts val="0"/>
               </a:spcAft>
               <a:buSzPts val="1800"/>
-              <a:buNone/>
+              <a:buFont typeface="+mj-lt"/>
+              <a:buAutoNum type="arabicPeriod"/>
             </a:pPr>
             <a:r>
-              <a:rPr lang="en-US" sz="1200" dirty="0">
+              <a:rPr lang="en-US" sz="1600" dirty="0" err="1">
                 <a:solidFill>
                   <a:schemeClr val="dk1"/>
                 </a:solidFill>
@@ -14892,10 +15794,10 @@
                 <a:cs typeface="Times New Roman" panose="02020603050405020304" pitchFamily="18" charset="0"/>
                 <a:sym typeface="Times New Roman"/>
               </a:rPr>
-              <a:t>1. </a:t>
-            </a:r>
-            <a:r>
-              <a:rPr lang="en-US" sz="1200" dirty="0" err="1">
+              <a:t>Bagaimana</a:t>
+            </a:r>
+            <a:r>
+              <a:rPr lang="en-US" sz="1600" dirty="0">
                 <a:solidFill>
                   <a:schemeClr val="dk1"/>
                 </a:solidFill>
@@ -14903,390 +15805,391 @@
                 <a:cs typeface="Times New Roman" panose="02020603050405020304" pitchFamily="18" charset="0"/>
                 <a:sym typeface="Times New Roman"/>
               </a:rPr>
+              <a:t> </a:t>
+            </a:r>
+            <a:r>
+              <a:rPr lang="en-US" sz="1600" dirty="0" err="1">
+                <a:solidFill>
+                  <a:schemeClr val="dk1"/>
+                </a:solidFill>
+                <a:latin typeface="Times New Roman" panose="02020603050405020304" pitchFamily="18" charset="0"/>
+                <a:cs typeface="Times New Roman" panose="02020603050405020304" pitchFamily="18" charset="0"/>
+                <a:sym typeface="Times New Roman"/>
+              </a:rPr>
+              <a:t>rancangan</a:t>
+            </a:r>
+            <a:r>
+              <a:rPr lang="en-US" sz="1600" dirty="0">
+                <a:solidFill>
+                  <a:schemeClr val="dk1"/>
+                </a:solidFill>
+                <a:latin typeface="Times New Roman" panose="02020603050405020304" pitchFamily="18" charset="0"/>
+                <a:cs typeface="Times New Roman" panose="02020603050405020304" pitchFamily="18" charset="0"/>
+                <a:sym typeface="Times New Roman"/>
+              </a:rPr>
+              <a:t> </a:t>
+            </a:r>
+            <a:r>
+              <a:rPr lang="en-US" sz="1600" dirty="0" err="1">
+                <a:solidFill>
+                  <a:schemeClr val="dk1"/>
+                </a:solidFill>
+                <a:latin typeface="Times New Roman" panose="02020603050405020304" pitchFamily="18" charset="0"/>
+                <a:cs typeface="Times New Roman" panose="02020603050405020304" pitchFamily="18" charset="0"/>
+                <a:sym typeface="Times New Roman"/>
+              </a:rPr>
+              <a:t>ontologi</a:t>
+            </a:r>
+            <a:r>
+              <a:rPr lang="en-US" sz="1600" dirty="0">
+                <a:solidFill>
+                  <a:schemeClr val="dk1"/>
+                </a:solidFill>
+                <a:latin typeface="Times New Roman" panose="02020603050405020304" pitchFamily="18" charset="0"/>
+                <a:cs typeface="Times New Roman" panose="02020603050405020304" pitchFamily="18" charset="0"/>
+                <a:sym typeface="Times New Roman"/>
+              </a:rPr>
+              <a:t> yang </a:t>
+            </a:r>
+            <a:r>
+              <a:rPr lang="en-US" sz="1600" dirty="0" err="1">
+                <a:solidFill>
+                  <a:schemeClr val="dk1"/>
+                </a:solidFill>
+                <a:latin typeface="Times New Roman" panose="02020603050405020304" pitchFamily="18" charset="0"/>
+                <a:cs typeface="Times New Roman" panose="02020603050405020304" pitchFamily="18" charset="0"/>
+                <a:sym typeface="Times New Roman"/>
+              </a:rPr>
+              <a:t>sesuai</a:t>
+            </a:r>
+            <a:r>
+              <a:rPr lang="en-US" sz="1600" dirty="0">
+                <a:solidFill>
+                  <a:schemeClr val="dk1"/>
+                </a:solidFill>
+                <a:latin typeface="Times New Roman" panose="02020603050405020304" pitchFamily="18" charset="0"/>
+                <a:cs typeface="Times New Roman" panose="02020603050405020304" pitchFamily="18" charset="0"/>
+                <a:sym typeface="Times New Roman"/>
+              </a:rPr>
+              <a:t> </a:t>
+            </a:r>
+            <a:r>
+              <a:rPr lang="en-US" sz="1600" dirty="0" err="1">
+                <a:solidFill>
+                  <a:schemeClr val="dk1"/>
+                </a:solidFill>
+                <a:latin typeface="Times New Roman" panose="02020603050405020304" pitchFamily="18" charset="0"/>
+                <a:cs typeface="Times New Roman" panose="02020603050405020304" pitchFamily="18" charset="0"/>
+                <a:sym typeface="Times New Roman"/>
+              </a:rPr>
+              <a:t>untuk</a:t>
+            </a:r>
+            <a:r>
+              <a:rPr lang="en-US" sz="1600" dirty="0">
+                <a:solidFill>
+                  <a:schemeClr val="dk1"/>
+                </a:solidFill>
+                <a:latin typeface="Times New Roman" panose="02020603050405020304" pitchFamily="18" charset="0"/>
+                <a:cs typeface="Times New Roman" panose="02020603050405020304" pitchFamily="18" charset="0"/>
+                <a:sym typeface="Times New Roman"/>
+              </a:rPr>
+              <a:t> </a:t>
+            </a:r>
+            <a:r>
+              <a:rPr lang="en-US" sz="1600" dirty="0" err="1">
+                <a:solidFill>
+                  <a:schemeClr val="dk1"/>
+                </a:solidFill>
+                <a:latin typeface="Times New Roman" panose="02020603050405020304" pitchFamily="18" charset="0"/>
+                <a:cs typeface="Times New Roman" panose="02020603050405020304" pitchFamily="18" charset="0"/>
+                <a:sym typeface="Times New Roman"/>
+              </a:rPr>
+              <a:t>merepresentasikan</a:t>
+            </a:r>
+            <a:r>
+              <a:rPr lang="en-US" sz="1600" dirty="0">
+                <a:solidFill>
+                  <a:schemeClr val="dk1"/>
+                </a:solidFill>
+                <a:latin typeface="Times New Roman" panose="02020603050405020304" pitchFamily="18" charset="0"/>
+                <a:cs typeface="Times New Roman" panose="02020603050405020304" pitchFamily="18" charset="0"/>
+                <a:sym typeface="Times New Roman"/>
+              </a:rPr>
+              <a:t> </a:t>
+            </a:r>
+            <a:r>
+              <a:rPr lang="en-US" sz="1600" dirty="0" err="1">
+                <a:solidFill>
+                  <a:schemeClr val="dk1"/>
+                </a:solidFill>
+                <a:latin typeface="Times New Roman" panose="02020603050405020304" pitchFamily="18" charset="0"/>
+                <a:cs typeface="Times New Roman" panose="02020603050405020304" pitchFamily="18" charset="0"/>
+                <a:sym typeface="Times New Roman"/>
+              </a:rPr>
+              <a:t>sejarah</a:t>
+            </a:r>
+            <a:r>
+              <a:rPr lang="en-US" sz="1600" dirty="0">
+                <a:solidFill>
+                  <a:schemeClr val="dk1"/>
+                </a:solidFill>
+                <a:latin typeface="Times New Roman" panose="02020603050405020304" pitchFamily="18" charset="0"/>
+                <a:cs typeface="Times New Roman" panose="02020603050405020304" pitchFamily="18" charset="0"/>
+                <a:sym typeface="Times New Roman"/>
+              </a:rPr>
+              <a:t> </a:t>
+            </a:r>
+            <a:r>
+              <a:rPr lang="en-US" sz="1600" dirty="0" err="1">
+                <a:solidFill>
+                  <a:schemeClr val="dk1"/>
+                </a:solidFill>
+                <a:latin typeface="Times New Roman" panose="02020603050405020304" pitchFamily="18" charset="0"/>
+                <a:cs typeface="Times New Roman" panose="02020603050405020304" pitchFamily="18" charset="0"/>
+                <a:sym typeface="Times New Roman"/>
+              </a:rPr>
+              <a:t>kolonialisme</a:t>
+            </a:r>
+            <a:r>
+              <a:rPr lang="en-US" sz="1600" dirty="0">
+                <a:solidFill>
+                  <a:schemeClr val="dk1"/>
+                </a:solidFill>
+                <a:latin typeface="Times New Roman" panose="02020603050405020304" pitchFamily="18" charset="0"/>
+                <a:cs typeface="Times New Roman" panose="02020603050405020304" pitchFamily="18" charset="0"/>
+                <a:sym typeface="Times New Roman"/>
+              </a:rPr>
+              <a:t> Indonesia ?</a:t>
+            </a:r>
+          </a:p>
+          <a:p>
+            <a:pPr marL="342900" lvl="0" algn="just" rtl="0">
+              <a:lnSpc>
+                <a:spcPct val="115000"/>
+              </a:lnSpc>
+              <a:spcBef>
+                <a:spcPts val="0"/>
+              </a:spcBef>
+              <a:spcAft>
+                <a:spcPts val="0"/>
+              </a:spcAft>
+              <a:buSzPts val="1800"/>
+              <a:buFont typeface="+mj-lt"/>
+              <a:buAutoNum type="arabicPeriod"/>
+            </a:pPr>
+            <a:r>
+              <a:rPr lang="en-US" sz="1600" dirty="0" err="1">
+                <a:latin typeface="Times New Roman" panose="02020603050405020304" pitchFamily="18" charset="0"/>
+                <a:cs typeface="Times New Roman" panose="02020603050405020304" pitchFamily="18" charset="0"/>
+              </a:rPr>
               <a:t>Bagaimana</a:t>
             </a:r>
             <a:r>
-              <a:rPr lang="en-US" sz="1200" dirty="0">
-                <a:solidFill>
-                  <a:schemeClr val="dk1"/>
-                </a:solidFill>
-                <a:latin typeface="Times New Roman" panose="02020603050405020304" pitchFamily="18" charset="0"/>
-                <a:cs typeface="Times New Roman" panose="02020603050405020304" pitchFamily="18" charset="0"/>
-                <a:sym typeface="Times New Roman"/>
+              <a:rPr lang="en-US" sz="1600" dirty="0">
+                <a:latin typeface="Times New Roman" panose="02020603050405020304" pitchFamily="18" charset="0"/>
+                <a:cs typeface="Times New Roman" panose="02020603050405020304" pitchFamily="18" charset="0"/>
               </a:rPr>
               <a:t> </a:t>
             </a:r>
             <a:r>
-              <a:rPr lang="en-US" sz="1200" dirty="0" err="1">
-                <a:solidFill>
-                  <a:schemeClr val="dk1"/>
-                </a:solidFill>
-                <a:latin typeface="Times New Roman" panose="02020603050405020304" pitchFamily="18" charset="0"/>
-                <a:cs typeface="Times New Roman" panose="02020603050405020304" pitchFamily="18" charset="0"/>
-                <a:sym typeface="Times New Roman"/>
-              </a:rPr>
-              <a:t>rancangan</a:t>
-            </a:r>
-            <a:r>
-              <a:rPr lang="en-US" sz="1200" dirty="0">
-                <a:solidFill>
-                  <a:schemeClr val="dk1"/>
-                </a:solidFill>
-                <a:latin typeface="Times New Roman" panose="02020603050405020304" pitchFamily="18" charset="0"/>
-                <a:cs typeface="Times New Roman" panose="02020603050405020304" pitchFamily="18" charset="0"/>
-                <a:sym typeface="Times New Roman"/>
+              <a:rPr lang="en-US" sz="1600" dirty="0" err="1">
+                <a:latin typeface="Times New Roman" panose="02020603050405020304" pitchFamily="18" charset="0"/>
+                <a:cs typeface="Times New Roman" panose="02020603050405020304" pitchFamily="18" charset="0"/>
+              </a:rPr>
+              <a:t>cara</a:t>
+            </a:r>
+            <a:r>
+              <a:rPr lang="en-US" sz="1600" dirty="0">
+                <a:latin typeface="Times New Roman" panose="02020603050405020304" pitchFamily="18" charset="0"/>
+                <a:cs typeface="Times New Roman" panose="02020603050405020304" pitchFamily="18" charset="0"/>
               </a:rPr>
               <a:t> </a:t>
             </a:r>
             <a:r>
-              <a:rPr lang="en-US" sz="1200" dirty="0" err="1">
-                <a:solidFill>
-                  <a:schemeClr val="dk1"/>
-                </a:solidFill>
-                <a:latin typeface="Times New Roman" panose="02020603050405020304" pitchFamily="18" charset="0"/>
-                <a:cs typeface="Times New Roman" panose="02020603050405020304" pitchFamily="18" charset="0"/>
-                <a:sym typeface="Times New Roman"/>
-              </a:rPr>
-              <a:t>ontologi</a:t>
-            </a:r>
-            <a:r>
-              <a:rPr lang="en-US" sz="1200" dirty="0">
-                <a:solidFill>
-                  <a:schemeClr val="dk1"/>
-                </a:solidFill>
-                <a:latin typeface="Times New Roman" panose="02020603050405020304" pitchFamily="18" charset="0"/>
-                <a:cs typeface="Times New Roman" panose="02020603050405020304" pitchFamily="18" charset="0"/>
-                <a:sym typeface="Times New Roman"/>
-              </a:rPr>
-              <a:t> yang </a:t>
-            </a:r>
-            <a:r>
-              <a:rPr lang="en-US" sz="1200" dirty="0" err="1">
-                <a:solidFill>
-                  <a:schemeClr val="dk1"/>
-                </a:solidFill>
-                <a:latin typeface="Times New Roman" panose="02020603050405020304" pitchFamily="18" charset="0"/>
-                <a:cs typeface="Times New Roman" panose="02020603050405020304" pitchFamily="18" charset="0"/>
-                <a:sym typeface="Times New Roman"/>
-              </a:rPr>
-              <a:t>sesuai</a:t>
-            </a:r>
-            <a:r>
-              <a:rPr lang="en-US" sz="1200" dirty="0">
-                <a:solidFill>
-                  <a:schemeClr val="dk1"/>
-                </a:solidFill>
-                <a:latin typeface="Times New Roman" panose="02020603050405020304" pitchFamily="18" charset="0"/>
-                <a:cs typeface="Times New Roman" panose="02020603050405020304" pitchFamily="18" charset="0"/>
-                <a:sym typeface="Times New Roman"/>
+              <a:rPr lang="en-US" sz="1600" dirty="0" err="1">
+                <a:latin typeface="Times New Roman" panose="02020603050405020304" pitchFamily="18" charset="0"/>
+                <a:cs typeface="Times New Roman" panose="02020603050405020304" pitchFamily="18" charset="0"/>
+              </a:rPr>
+              <a:t>menyajikan</a:t>
+            </a:r>
+            <a:r>
+              <a:rPr lang="en-US" sz="1600" dirty="0">
+                <a:latin typeface="Times New Roman" panose="02020603050405020304" pitchFamily="18" charset="0"/>
+                <a:cs typeface="Times New Roman" panose="02020603050405020304" pitchFamily="18" charset="0"/>
               </a:rPr>
               <a:t> </a:t>
             </a:r>
             <a:r>
-              <a:rPr lang="en-US" sz="1200" dirty="0" err="1">
-                <a:solidFill>
-                  <a:schemeClr val="dk1"/>
-                </a:solidFill>
-                <a:latin typeface="Times New Roman" panose="02020603050405020304" pitchFamily="18" charset="0"/>
-                <a:cs typeface="Times New Roman" panose="02020603050405020304" pitchFamily="18" charset="0"/>
-                <a:sym typeface="Times New Roman"/>
-              </a:rPr>
-              <a:t>untuk</a:t>
-            </a:r>
-            <a:r>
-              <a:rPr lang="en-US" sz="1200" dirty="0">
-                <a:solidFill>
-                  <a:schemeClr val="dk1"/>
-                </a:solidFill>
-                <a:latin typeface="Times New Roman" panose="02020603050405020304" pitchFamily="18" charset="0"/>
-                <a:cs typeface="Times New Roman" panose="02020603050405020304" pitchFamily="18" charset="0"/>
-                <a:sym typeface="Times New Roman"/>
+              <a:rPr lang="en-US" sz="1600" i="1" dirty="0">
+                <a:latin typeface="Times New Roman" panose="02020603050405020304" pitchFamily="18" charset="0"/>
+                <a:cs typeface="Times New Roman" panose="02020603050405020304" pitchFamily="18" charset="0"/>
+              </a:rPr>
+              <a:t>knowledge graph</a:t>
+            </a:r>
+            <a:r>
+              <a:rPr lang="en-US" sz="1600" dirty="0">
+                <a:latin typeface="Times New Roman" panose="02020603050405020304" pitchFamily="18" charset="0"/>
+                <a:cs typeface="Times New Roman" panose="02020603050405020304" pitchFamily="18" charset="0"/>
               </a:rPr>
               <a:t> </a:t>
             </a:r>
             <a:r>
-              <a:rPr lang="en-US" sz="1200" dirty="0" err="1">
-                <a:solidFill>
-                  <a:schemeClr val="dk1"/>
-                </a:solidFill>
-                <a:latin typeface="Times New Roman" panose="02020603050405020304" pitchFamily="18" charset="0"/>
-                <a:cs typeface="Times New Roman" panose="02020603050405020304" pitchFamily="18" charset="0"/>
-                <a:sym typeface="Times New Roman"/>
-              </a:rPr>
-              <a:t>merepresentasikan</a:t>
-            </a:r>
-            <a:r>
-              <a:rPr lang="en-US" sz="1200" dirty="0">
-                <a:solidFill>
-                  <a:schemeClr val="dk1"/>
-                </a:solidFill>
-                <a:latin typeface="Times New Roman" panose="02020603050405020304" pitchFamily="18" charset="0"/>
-                <a:cs typeface="Times New Roman" panose="02020603050405020304" pitchFamily="18" charset="0"/>
-                <a:sym typeface="Times New Roman"/>
+              <a:rPr lang="en-US" sz="1600" dirty="0" err="1">
+                <a:latin typeface="Times New Roman" panose="02020603050405020304" pitchFamily="18" charset="0"/>
+                <a:cs typeface="Times New Roman" panose="02020603050405020304" pitchFamily="18" charset="0"/>
+              </a:rPr>
+              <a:t>sejarah</a:t>
+            </a:r>
+            <a:r>
+              <a:rPr lang="en-US" sz="1600" dirty="0">
+                <a:latin typeface="Times New Roman" panose="02020603050405020304" pitchFamily="18" charset="0"/>
+                <a:cs typeface="Times New Roman" panose="02020603050405020304" pitchFamily="18" charset="0"/>
               </a:rPr>
               <a:t> </a:t>
             </a:r>
             <a:r>
-              <a:rPr lang="en-US" sz="1200" dirty="0" err="1">
-                <a:solidFill>
-                  <a:schemeClr val="dk1"/>
-                </a:solidFill>
-                <a:latin typeface="Times New Roman" panose="02020603050405020304" pitchFamily="18" charset="0"/>
-                <a:cs typeface="Times New Roman" panose="02020603050405020304" pitchFamily="18" charset="0"/>
-                <a:sym typeface="Times New Roman"/>
+              <a:rPr lang="en-US" sz="1600" dirty="0" err="1">
+                <a:latin typeface="Times New Roman" panose="02020603050405020304" pitchFamily="18" charset="0"/>
+                <a:cs typeface="Times New Roman" panose="02020603050405020304" pitchFamily="18" charset="0"/>
+              </a:rPr>
+              <a:t>kolonialisme</a:t>
+            </a:r>
+            <a:r>
+              <a:rPr lang="en-US" sz="1600" dirty="0">
+                <a:latin typeface="Times New Roman" panose="02020603050405020304" pitchFamily="18" charset="0"/>
+                <a:cs typeface="Times New Roman" panose="02020603050405020304" pitchFamily="18" charset="0"/>
+              </a:rPr>
+              <a:t> Indonesia ?</a:t>
+            </a:r>
+          </a:p>
+          <a:p>
+            <a:pPr marL="0" lvl="0" indent="0" algn="just" rtl="0">
+              <a:lnSpc>
+                <a:spcPct val="115000"/>
+              </a:lnSpc>
+              <a:spcBef>
+                <a:spcPts val="1200"/>
+              </a:spcBef>
+              <a:spcAft>
+                <a:spcPts val="1200"/>
+              </a:spcAft>
+              <a:buSzPts val="1800"/>
+              <a:buNone/>
+            </a:pPr>
+            <a:r>
+              <a:rPr lang="en-US" sz="1600" dirty="0">
+                <a:latin typeface="Times New Roman" panose="02020603050405020304" pitchFamily="18" charset="0"/>
+                <a:cs typeface="Times New Roman" panose="02020603050405020304" pitchFamily="18" charset="0"/>
+              </a:rPr>
+              <a:t>Batasan </a:t>
+            </a:r>
+            <a:r>
+              <a:rPr lang="en-US" sz="1600" dirty="0" err="1">
+                <a:latin typeface="Times New Roman" panose="02020603050405020304" pitchFamily="18" charset="0"/>
+                <a:cs typeface="Times New Roman" panose="02020603050405020304" pitchFamily="18" charset="0"/>
+              </a:rPr>
+              <a:t>penelitian</a:t>
+            </a:r>
+            <a:r>
+              <a:rPr lang="en-US" sz="1600" dirty="0">
+                <a:latin typeface="Times New Roman" panose="02020603050405020304" pitchFamily="18" charset="0"/>
+                <a:cs typeface="Times New Roman" panose="02020603050405020304" pitchFamily="18" charset="0"/>
+              </a:rPr>
+              <a:t> :</a:t>
+            </a:r>
+          </a:p>
+          <a:p>
+            <a:pPr marL="285750" indent="-285750" algn="just">
+              <a:spcBef>
+                <a:spcPts val="1200"/>
+              </a:spcBef>
+              <a:spcAft>
+                <a:spcPts val="1200"/>
+              </a:spcAft>
+              <a:buFont typeface="Arial" panose="020B0604020202020204" pitchFamily="34" charset="0"/>
+              <a:buChar char="•"/>
+            </a:pPr>
+            <a:r>
+              <a:rPr lang="en-US" sz="1600" dirty="0" err="1">
+                <a:latin typeface="Times New Roman" panose="02020603050405020304" pitchFamily="18" charset="0"/>
+                <a:cs typeface="Times New Roman" panose="02020603050405020304" pitchFamily="18" charset="0"/>
+              </a:rPr>
+              <a:t>Pengguna</a:t>
+            </a:r>
+            <a:r>
+              <a:rPr lang="en-US" sz="1600" dirty="0">
+                <a:latin typeface="Times New Roman" panose="02020603050405020304" pitchFamily="18" charset="0"/>
+                <a:cs typeface="Times New Roman" panose="02020603050405020304" pitchFamily="18" charset="0"/>
+              </a:rPr>
+              <a:t> 	: </a:t>
+            </a:r>
+            <a:r>
+              <a:rPr lang="en-US" sz="1600" dirty="0" err="1">
+                <a:latin typeface="Times New Roman" panose="02020603050405020304" pitchFamily="18" charset="0"/>
+                <a:cs typeface="Times New Roman" panose="02020603050405020304" pitchFamily="18" charset="0"/>
+              </a:rPr>
+              <a:t>mahasiswa</a:t>
+            </a:r>
+            <a:r>
+              <a:rPr lang="en-US" sz="1600" dirty="0">
+                <a:latin typeface="Times New Roman" panose="02020603050405020304" pitchFamily="18" charset="0"/>
+                <a:cs typeface="Times New Roman" panose="02020603050405020304" pitchFamily="18" charset="0"/>
+              </a:rPr>
+              <a:t> </a:t>
+            </a:r>
+            <a:r>
+              <a:rPr lang="en-US" sz="1600" dirty="0" err="1">
+                <a:latin typeface="Times New Roman" panose="02020603050405020304" pitchFamily="18" charset="0"/>
+                <a:cs typeface="Times New Roman" panose="02020603050405020304" pitchFamily="18" charset="0"/>
               </a:rPr>
               <a:t>sejarah</a:t>
             </a:r>
-            <a:r>
-              <a:rPr lang="en-US" sz="1200" dirty="0">
-                <a:solidFill>
-                  <a:schemeClr val="dk1"/>
-                </a:solidFill>
-                <a:latin typeface="Times New Roman" panose="02020603050405020304" pitchFamily="18" charset="0"/>
-                <a:cs typeface="Times New Roman" panose="02020603050405020304" pitchFamily="18" charset="0"/>
-                <a:sym typeface="Times New Roman"/>
-              </a:rPr>
-              <a:t> </a:t>
-            </a:r>
-            <a:r>
-              <a:rPr lang="en-US" sz="1200" dirty="0" err="1">
-                <a:solidFill>
-                  <a:schemeClr val="dk1"/>
-                </a:solidFill>
-                <a:latin typeface="Times New Roman" panose="02020603050405020304" pitchFamily="18" charset="0"/>
-                <a:cs typeface="Times New Roman" panose="02020603050405020304" pitchFamily="18" charset="0"/>
-                <a:sym typeface="Times New Roman"/>
-              </a:rPr>
-              <a:t>kolonialisme</a:t>
-            </a:r>
-            <a:r>
-              <a:rPr lang="en-US" sz="1200" dirty="0">
-                <a:solidFill>
-                  <a:schemeClr val="dk1"/>
-                </a:solidFill>
-                <a:latin typeface="Times New Roman" panose="02020603050405020304" pitchFamily="18" charset="0"/>
-                <a:cs typeface="Times New Roman" panose="02020603050405020304" pitchFamily="18" charset="0"/>
-                <a:sym typeface="Times New Roman"/>
-              </a:rPr>
-              <a:t> Indonesia</a:t>
-            </a:r>
-            <a:endParaRPr sz="1200" dirty="0">
+            <a:endParaRPr lang="en-US" sz="1600" dirty="0">
               <a:latin typeface="Times New Roman" panose="02020603050405020304" pitchFamily="18" charset="0"/>
               <a:cs typeface="Times New Roman" panose="02020603050405020304" pitchFamily="18" charset="0"/>
             </a:endParaRPr>
           </a:p>
           <a:p>
-            <a:pPr marL="0" lvl="0" indent="0" algn="l" rtl="0">
-              <a:lnSpc>
-                <a:spcPct val="115000"/>
-              </a:lnSpc>
+            <a:pPr marL="285750" indent="-285750" algn="just">
               <a:spcBef>
                 <a:spcPts val="1200"/>
               </a:spcBef>
               <a:spcAft>
                 <a:spcPts val="1200"/>
               </a:spcAft>
-              <a:buSzPts val="1800"/>
-              <a:buNone/>
+              <a:buFont typeface="Arial" panose="020B0604020202020204" pitchFamily="34" charset="0"/>
+              <a:buChar char="•"/>
             </a:pPr>
             <a:r>
-              <a:rPr lang="en-US" sz="1200" dirty="0">
-                <a:latin typeface="Times New Roman" panose="02020603050405020304" pitchFamily="18" charset="0"/>
-                <a:cs typeface="Times New Roman" panose="02020603050405020304" pitchFamily="18" charset="0"/>
-              </a:rPr>
-              <a:t>2. </a:t>
-            </a:r>
-            <a:r>
-              <a:rPr lang="en-US" sz="1200" dirty="0" err="1">
-                <a:latin typeface="Times New Roman" panose="02020603050405020304" pitchFamily="18" charset="0"/>
-                <a:cs typeface="Times New Roman" panose="02020603050405020304" pitchFamily="18" charset="0"/>
-              </a:rPr>
-              <a:t>Bagaimana</a:t>
-            </a:r>
-            <a:r>
-              <a:rPr lang="en-US" sz="1200" dirty="0">
+              <a:rPr lang="en-US" sz="1600" dirty="0">
+                <a:latin typeface="Times New Roman" panose="02020603050405020304" pitchFamily="18" charset="0"/>
+                <a:cs typeface="Times New Roman" panose="02020603050405020304" pitchFamily="18" charset="0"/>
+              </a:rPr>
+              <a:t>Data 		: </a:t>
+            </a:r>
+            <a:r>
+              <a:rPr lang="en-US" sz="1600" dirty="0" err="1">
+                <a:latin typeface="Times New Roman" panose="02020603050405020304" pitchFamily="18" charset="0"/>
+                <a:cs typeface="Times New Roman" panose="02020603050405020304" pitchFamily="18" charset="0"/>
+              </a:rPr>
+              <a:t>sejarah</a:t>
+            </a:r>
+            <a:r>
+              <a:rPr lang="en-US" sz="1600" dirty="0">
                 <a:latin typeface="Times New Roman" panose="02020603050405020304" pitchFamily="18" charset="0"/>
                 <a:cs typeface="Times New Roman" panose="02020603050405020304" pitchFamily="18" charset="0"/>
               </a:rPr>
               <a:t> </a:t>
             </a:r>
             <a:r>
-              <a:rPr lang="en-US" sz="1200" dirty="0" err="1">
-                <a:latin typeface="Times New Roman" panose="02020603050405020304" pitchFamily="18" charset="0"/>
-                <a:cs typeface="Times New Roman" panose="02020603050405020304" pitchFamily="18" charset="0"/>
-              </a:rPr>
-              <a:t>cara</a:t>
-            </a:r>
-            <a:r>
-              <a:rPr lang="en-US" sz="1200" dirty="0">
-                <a:latin typeface="Times New Roman" panose="02020603050405020304" pitchFamily="18" charset="0"/>
-                <a:cs typeface="Times New Roman" panose="02020603050405020304" pitchFamily="18" charset="0"/>
-              </a:rPr>
-              <a:t> </a:t>
-            </a:r>
-            <a:r>
-              <a:rPr lang="en-US" sz="1200" dirty="0" err="1">
-                <a:latin typeface="Times New Roman" panose="02020603050405020304" pitchFamily="18" charset="0"/>
-                <a:cs typeface="Times New Roman" panose="02020603050405020304" pitchFamily="18" charset="0"/>
-              </a:rPr>
-              <a:t>menyajikan</a:t>
-            </a:r>
-            <a:r>
-              <a:rPr lang="en-US" sz="1200" dirty="0">
-                <a:latin typeface="Times New Roman" panose="02020603050405020304" pitchFamily="18" charset="0"/>
-                <a:cs typeface="Times New Roman" panose="02020603050405020304" pitchFamily="18" charset="0"/>
-              </a:rPr>
-              <a:t> knowledge graph </a:t>
-            </a:r>
-            <a:r>
-              <a:rPr lang="en-US" sz="1200" dirty="0" err="1">
-                <a:latin typeface="Times New Roman" panose="02020603050405020304" pitchFamily="18" charset="0"/>
-                <a:cs typeface="Times New Roman" panose="02020603050405020304" pitchFamily="18" charset="0"/>
-              </a:rPr>
-              <a:t>sejarah</a:t>
-            </a:r>
-            <a:r>
-              <a:rPr lang="en-US" sz="1200" dirty="0">
-                <a:latin typeface="Times New Roman" panose="02020603050405020304" pitchFamily="18" charset="0"/>
-                <a:cs typeface="Times New Roman" panose="02020603050405020304" pitchFamily="18" charset="0"/>
-              </a:rPr>
-              <a:t> </a:t>
-            </a:r>
-            <a:r>
-              <a:rPr lang="en-US" sz="1200" dirty="0" err="1">
+              <a:rPr lang="en-US" sz="1600" dirty="0" err="1">
                 <a:latin typeface="Times New Roman" panose="02020603050405020304" pitchFamily="18" charset="0"/>
                 <a:cs typeface="Times New Roman" panose="02020603050405020304" pitchFamily="18" charset="0"/>
               </a:rPr>
               <a:t>kolonialisme</a:t>
             </a:r>
             <a:r>
-              <a:rPr lang="en-US" sz="1200" dirty="0">
-                <a:latin typeface="Times New Roman" panose="02020603050405020304" pitchFamily="18" charset="0"/>
-                <a:cs typeface="Times New Roman" panose="02020603050405020304" pitchFamily="18" charset="0"/>
-              </a:rPr>
-              <a:t> Indonesia</a:t>
-            </a:r>
-          </a:p>
-          <a:p>
-            <a:pPr marL="0" lvl="0" indent="0" algn="l" rtl="0">
-              <a:lnSpc>
-                <a:spcPct val="115000"/>
-              </a:lnSpc>
-              <a:spcBef>
-                <a:spcPts val="1200"/>
-              </a:spcBef>
-              <a:spcAft>
-                <a:spcPts val="1200"/>
-              </a:spcAft>
-              <a:buSzPts val="1800"/>
-              <a:buNone/>
-            </a:pPr>
-            <a:r>
-              <a:rPr lang="en-US" sz="1200" dirty="0">
-                <a:latin typeface="Times New Roman" panose="02020603050405020304" pitchFamily="18" charset="0"/>
-                <a:cs typeface="Times New Roman" panose="02020603050405020304" pitchFamily="18" charset="0"/>
-              </a:rPr>
-              <a:t>Batasan </a:t>
-            </a:r>
-            <a:r>
-              <a:rPr lang="en-US" sz="1200" dirty="0" err="1">
-                <a:latin typeface="Times New Roman" panose="02020603050405020304" pitchFamily="18" charset="0"/>
-                <a:cs typeface="Times New Roman" panose="02020603050405020304" pitchFamily="18" charset="0"/>
-              </a:rPr>
-              <a:t>penelitian</a:t>
-            </a:r>
-            <a:r>
-              <a:rPr lang="en-US" sz="1200" dirty="0">
-                <a:latin typeface="Times New Roman" panose="02020603050405020304" pitchFamily="18" charset="0"/>
-                <a:cs typeface="Times New Roman" panose="02020603050405020304" pitchFamily="18" charset="0"/>
-              </a:rPr>
-              <a:t> :</a:t>
-            </a:r>
-          </a:p>
-          <a:p>
-            <a:pPr marL="0" lvl="0" indent="0" algn="l" rtl="0">
-              <a:lnSpc>
-                <a:spcPct val="115000"/>
-              </a:lnSpc>
-              <a:spcBef>
-                <a:spcPts val="1200"/>
-              </a:spcBef>
-              <a:spcAft>
-                <a:spcPts val="1200"/>
-              </a:spcAft>
-              <a:buSzPts val="1800"/>
-              <a:buNone/>
-            </a:pPr>
-            <a:r>
-              <a:rPr lang="en-US" sz="1200" dirty="0" err="1">
-                <a:latin typeface="Times New Roman" panose="02020603050405020304" pitchFamily="18" charset="0"/>
-                <a:cs typeface="Times New Roman" panose="02020603050405020304" pitchFamily="18" charset="0"/>
-              </a:rPr>
-              <a:t>Pengguna</a:t>
-            </a:r>
-            <a:r>
-              <a:rPr lang="en-US" sz="1200" dirty="0">
-                <a:latin typeface="Times New Roman" panose="02020603050405020304" pitchFamily="18" charset="0"/>
-                <a:cs typeface="Times New Roman" panose="02020603050405020304" pitchFamily="18" charset="0"/>
-              </a:rPr>
-              <a:t> : </a:t>
-            </a:r>
-            <a:r>
-              <a:rPr lang="en-US" sz="1200" dirty="0" err="1">
-                <a:latin typeface="Times New Roman" panose="02020603050405020304" pitchFamily="18" charset="0"/>
-                <a:cs typeface="Times New Roman" panose="02020603050405020304" pitchFamily="18" charset="0"/>
-              </a:rPr>
-              <a:t>mahasiswa</a:t>
-            </a:r>
-            <a:r>
-              <a:rPr lang="en-US" sz="1200" dirty="0">
-                <a:latin typeface="Times New Roman" panose="02020603050405020304" pitchFamily="18" charset="0"/>
-                <a:cs typeface="Times New Roman" panose="02020603050405020304" pitchFamily="18" charset="0"/>
-              </a:rPr>
-              <a:t> </a:t>
-            </a:r>
-            <a:r>
-              <a:rPr lang="en-US" sz="1200" dirty="0" err="1">
-                <a:latin typeface="Times New Roman" panose="02020603050405020304" pitchFamily="18" charset="0"/>
-                <a:cs typeface="Times New Roman" panose="02020603050405020304" pitchFamily="18" charset="0"/>
-              </a:rPr>
-              <a:t>sejarah</a:t>
-            </a:r>
-            <a:endParaRPr lang="en-US" sz="1200" dirty="0">
-              <a:latin typeface="Times New Roman" panose="02020603050405020304" pitchFamily="18" charset="0"/>
-              <a:cs typeface="Times New Roman" panose="02020603050405020304" pitchFamily="18" charset="0"/>
-            </a:endParaRPr>
-          </a:p>
-          <a:p>
-            <a:pPr marL="0" lvl="0" indent="0" algn="l" rtl="0">
-              <a:lnSpc>
-                <a:spcPct val="115000"/>
-              </a:lnSpc>
-              <a:spcBef>
-                <a:spcPts val="1200"/>
-              </a:spcBef>
-              <a:spcAft>
-                <a:spcPts val="1200"/>
-              </a:spcAft>
-              <a:buSzPts val="1800"/>
-              <a:buNone/>
-            </a:pPr>
-            <a:r>
-              <a:rPr lang="en-US" sz="1200" dirty="0">
-                <a:latin typeface="Times New Roman" panose="02020603050405020304" pitchFamily="18" charset="0"/>
-                <a:cs typeface="Times New Roman" panose="02020603050405020304" pitchFamily="18" charset="0"/>
-              </a:rPr>
-              <a:t>Data : Sejarah </a:t>
-            </a:r>
-            <a:r>
-              <a:rPr lang="en-US" sz="1200" dirty="0" err="1">
-                <a:latin typeface="Times New Roman" panose="02020603050405020304" pitchFamily="18" charset="0"/>
-                <a:cs typeface="Times New Roman" panose="02020603050405020304" pitchFamily="18" charset="0"/>
-              </a:rPr>
-              <a:t>kolonialisme</a:t>
-            </a:r>
-            <a:r>
-              <a:rPr lang="en-US" sz="1200" dirty="0">
+              <a:rPr lang="en-US" sz="1600" dirty="0">
                 <a:latin typeface="Times New Roman" panose="02020603050405020304" pitchFamily="18" charset="0"/>
                 <a:cs typeface="Times New Roman" panose="02020603050405020304" pitchFamily="18" charset="0"/>
               </a:rPr>
@@ -15363,10 +16266,44 @@
               <a:buNone/>
             </a:pPr>
             <a:r>
-              <a:rPr lang="en-US"/>
-              <a:t>metode pemecahan masalah</a:t>
-            </a:r>
-            <a:endParaRPr/>
+              <a:rPr lang="en-US" dirty="0" err="1">
+                <a:latin typeface="Times New Roman" panose="02020603050405020304" pitchFamily="18" charset="0"/>
+                <a:cs typeface="Times New Roman" panose="02020603050405020304" pitchFamily="18" charset="0"/>
+              </a:rPr>
+              <a:t>Metode</a:t>
+            </a:r>
+            <a:r>
+              <a:rPr lang="en-US" dirty="0">
+                <a:latin typeface="Times New Roman" panose="02020603050405020304" pitchFamily="18" charset="0"/>
+                <a:cs typeface="Times New Roman" panose="02020603050405020304" pitchFamily="18" charset="0"/>
+              </a:rPr>
+              <a:t> </a:t>
+            </a:r>
+            <a:r>
+              <a:rPr lang="en-US" dirty="0" err="1">
+                <a:latin typeface="Times New Roman" panose="02020603050405020304" pitchFamily="18" charset="0"/>
+                <a:cs typeface="Times New Roman" panose="02020603050405020304" pitchFamily="18" charset="0"/>
+              </a:rPr>
+              <a:t>Pemecahan</a:t>
+            </a:r>
+            <a:r>
+              <a:rPr lang="en-US" dirty="0">
+                <a:latin typeface="Times New Roman" panose="02020603050405020304" pitchFamily="18" charset="0"/>
+                <a:cs typeface="Times New Roman" panose="02020603050405020304" pitchFamily="18" charset="0"/>
+              </a:rPr>
+              <a:t> </a:t>
+            </a:r>
+            <a:r>
+              <a:rPr lang="en-US" dirty="0" err="1">
+                <a:latin typeface="Times New Roman" panose="02020603050405020304" pitchFamily="18" charset="0"/>
+                <a:cs typeface="Times New Roman" panose="02020603050405020304" pitchFamily="18" charset="0"/>
+              </a:rPr>
+              <a:t>Masalah</a:t>
+            </a:r>
+            <a:endParaRPr dirty="0">
+              <a:latin typeface="Times New Roman" panose="02020603050405020304" pitchFamily="18" charset="0"/>
+              <a:cs typeface="Times New Roman" panose="02020603050405020304" pitchFamily="18" charset="0"/>
+            </a:endParaRPr>
           </a:p>
         </p:txBody>
       </p:sp>
@@ -15383,7 +16320,7 @@
         <p:spPr>
           <a:xfrm>
             <a:off x="311700" y="1152475"/>
-            <a:ext cx="8520600" cy="3416400"/>
+            <a:ext cx="8520600" cy="1794832"/>
           </a:xfrm>
           <a:prstGeom prst="rect">
             <a:avLst/>
@@ -15413,69 +16350,69 @@
               <a:buAutoNum type="arabicPeriod"/>
             </a:pPr>
             <a:r>
-              <a:rPr lang="en-US" sz="1200" dirty="0" err="1">
+              <a:rPr lang="en-US" sz="1600" dirty="0" err="1">
                 <a:latin typeface="Times New Roman" panose="02020603050405020304" pitchFamily="18" charset="0"/>
                 <a:cs typeface="Times New Roman" panose="02020603050405020304" pitchFamily="18" charset="0"/>
               </a:rPr>
               <a:t>Eksplorasi</a:t>
             </a:r>
             <a:r>
-              <a:rPr lang="en-US" sz="1200" dirty="0">
+              <a:rPr lang="en-US" sz="1600" dirty="0">
                 <a:latin typeface="Times New Roman" panose="02020603050405020304" pitchFamily="18" charset="0"/>
                 <a:cs typeface="Times New Roman" panose="02020603050405020304" pitchFamily="18" charset="0"/>
               </a:rPr>
               <a:t> dataset : </a:t>
             </a:r>
             <a:r>
-              <a:rPr lang="en-US" sz="1200" dirty="0" err="1">
+              <a:rPr lang="en-US" sz="1600" dirty="0" err="1">
                 <a:latin typeface="Times New Roman" panose="02020603050405020304" pitchFamily="18" charset="0"/>
                 <a:cs typeface="Times New Roman" panose="02020603050405020304" pitchFamily="18" charset="0"/>
               </a:rPr>
               <a:t>sumber</a:t>
             </a:r>
             <a:r>
-              <a:rPr lang="en-US" sz="1200" dirty="0">
+              <a:rPr lang="en-US" sz="1600" dirty="0">
                 <a:latin typeface="Times New Roman" panose="02020603050405020304" pitchFamily="18" charset="0"/>
                 <a:cs typeface="Times New Roman" panose="02020603050405020304" pitchFamily="18" charset="0"/>
               </a:rPr>
               <a:t> data </a:t>
             </a:r>
             <a:r>
-              <a:rPr lang="en-US" sz="1200" dirty="0" err="1">
+              <a:rPr lang="en-US" sz="1600" dirty="0" err="1">
                 <a:latin typeface="Times New Roman" panose="02020603050405020304" pitchFamily="18" charset="0"/>
                 <a:cs typeface="Times New Roman" panose="02020603050405020304" pitchFamily="18" charset="0"/>
               </a:rPr>
               <a:t>difokuskan</a:t>
             </a:r>
             <a:r>
-              <a:rPr lang="en-US" sz="1200" dirty="0">
+              <a:rPr lang="en-US" sz="1600" dirty="0">
                 <a:latin typeface="Times New Roman" panose="02020603050405020304" pitchFamily="18" charset="0"/>
                 <a:cs typeface="Times New Roman" panose="02020603050405020304" pitchFamily="18" charset="0"/>
               </a:rPr>
               <a:t> </a:t>
             </a:r>
             <a:r>
-              <a:rPr lang="en-US" sz="1200" dirty="0" err="1">
+              <a:rPr lang="en-US" sz="1600" dirty="0" err="1">
                 <a:latin typeface="Times New Roman" panose="02020603050405020304" pitchFamily="18" charset="0"/>
                 <a:cs typeface="Times New Roman" panose="02020603050405020304" pitchFamily="18" charset="0"/>
               </a:rPr>
               <a:t>kepada</a:t>
             </a:r>
             <a:r>
-              <a:rPr lang="en-US" sz="1200" dirty="0">
+              <a:rPr lang="en-US" sz="1600" dirty="0">
                 <a:latin typeface="Times New Roman" panose="02020603050405020304" pitchFamily="18" charset="0"/>
                 <a:cs typeface="Times New Roman" panose="02020603050405020304" pitchFamily="18" charset="0"/>
               </a:rPr>
               <a:t> data </a:t>
             </a:r>
             <a:r>
-              <a:rPr lang="en-US" sz="1200" dirty="0" err="1">
+              <a:rPr lang="en-US" sz="1600" dirty="0" err="1">
                 <a:latin typeface="Times New Roman" panose="02020603050405020304" pitchFamily="18" charset="0"/>
                 <a:cs typeface="Times New Roman" panose="02020603050405020304" pitchFamily="18" charset="0"/>
               </a:rPr>
               <a:t>terstruktur</a:t>
             </a:r>
-            <a:endParaRPr lang="en-US" sz="1200" dirty="0">
+            <a:endParaRPr lang="en-US" sz="1600" dirty="0">
               <a:latin typeface="Times New Roman" panose="02020603050405020304" pitchFamily="18" charset="0"/>
               <a:cs typeface="Times New Roman" panose="02020603050405020304" pitchFamily="18" charset="0"/>
             </a:endParaRPr>
@@ -15495,14 +16432,14 @@
               <a:buNone/>
             </a:pPr>
             <a:r>
-              <a:rPr lang="en-US" sz="1200" dirty="0" err="1">
+              <a:rPr lang="en-US" sz="1600" dirty="0" err="1">
                 <a:latin typeface="Times New Roman" panose="02020603050405020304" pitchFamily="18" charset="0"/>
                 <a:cs typeface="Times New Roman" panose="02020603050405020304" pitchFamily="18" charset="0"/>
               </a:rPr>
               <a:t>Sumber</a:t>
             </a:r>
             <a:r>
-              <a:rPr lang="en-US" sz="1200" dirty="0">
+              <a:rPr lang="en-US" sz="1600" dirty="0">
                 <a:latin typeface="Times New Roman" panose="02020603050405020304" pitchFamily="18" charset="0"/>
                 <a:cs typeface="Times New Roman" panose="02020603050405020304" pitchFamily="18" charset="0"/>
               </a:rPr>
@@ -15516,7 +16453,7 @@
               </a:spcAft>
             </a:pPr>
             <a:r>
-              <a:rPr lang="en-US" sz="1200" dirty="0">
+              <a:rPr lang="en-US" sz="1600" dirty="0">
                 <a:latin typeface="Times New Roman" panose="02020603050405020304" pitchFamily="18" charset="0"/>
                 <a:cs typeface="Times New Roman" panose="02020603050405020304" pitchFamily="18" charset="0"/>
               </a:rPr>
@@ -15530,28 +16467,28 @@
               </a:spcAft>
             </a:pPr>
             <a:r>
-              <a:rPr lang="en-US" sz="1200" dirty="0" err="1">
+              <a:rPr lang="en-US" sz="1600" dirty="0" err="1">
                 <a:latin typeface="Times New Roman" panose="02020603050405020304" pitchFamily="18" charset="0"/>
                 <a:cs typeface="Times New Roman" panose="02020603050405020304" pitchFamily="18" charset="0"/>
               </a:rPr>
               <a:t>Wikidata</a:t>
             </a:r>
             <a:r>
-              <a:rPr lang="en-US" sz="1200" dirty="0">
+              <a:rPr lang="en-US" sz="1600" dirty="0">
                 <a:latin typeface="Times New Roman" panose="02020603050405020304" pitchFamily="18" charset="0"/>
                 <a:cs typeface="Times New Roman" panose="02020603050405020304" pitchFamily="18" charset="0"/>
               </a:rPr>
               <a:t> : </a:t>
             </a:r>
             <a:r>
-              <a:rPr lang="en-US" sz="1200" dirty="0" err="1">
+              <a:rPr lang="en-US" sz="1600" dirty="0" err="1">
                 <a:latin typeface="Times New Roman" panose="02020603050405020304" pitchFamily="18" charset="0"/>
                 <a:cs typeface="Times New Roman" panose="02020603050405020304" pitchFamily="18" charset="0"/>
               </a:rPr>
               <a:t>rdf</a:t>
             </a:r>
             <a:r>
-              <a:rPr lang="en-US" sz="1200" dirty="0">
+              <a:rPr lang="en-US" sz="1600" dirty="0">
                 <a:latin typeface="Times New Roman" panose="02020603050405020304" pitchFamily="18" charset="0"/>
                 <a:cs typeface="Times New Roman" panose="02020603050405020304" pitchFamily="18" charset="0"/>
               </a:rPr>
@@ -15565,28 +16502,28 @@
               </a:spcAft>
             </a:pPr>
             <a:r>
-              <a:rPr lang="en-US" sz="1200" dirty="0" err="1">
+              <a:rPr lang="en-US" sz="1600" dirty="0" err="1">
                 <a:latin typeface="Times New Roman" panose="02020603050405020304" pitchFamily="18" charset="0"/>
                 <a:cs typeface="Times New Roman" panose="02020603050405020304" pitchFamily="18" charset="0"/>
               </a:rPr>
               <a:t>Dbpedia</a:t>
             </a:r>
             <a:r>
-              <a:rPr lang="en-US" sz="1200" dirty="0">
+              <a:rPr lang="en-US" sz="1600" dirty="0">
                 <a:latin typeface="Times New Roman" panose="02020603050405020304" pitchFamily="18" charset="0"/>
                 <a:cs typeface="Times New Roman" panose="02020603050405020304" pitchFamily="18" charset="0"/>
               </a:rPr>
               <a:t> : </a:t>
             </a:r>
             <a:r>
-              <a:rPr lang="en-US" sz="1200" dirty="0" err="1">
+              <a:rPr lang="en-US" sz="1600" dirty="0" err="1">
                 <a:latin typeface="Times New Roman" panose="02020603050405020304" pitchFamily="18" charset="0"/>
                 <a:cs typeface="Times New Roman" panose="02020603050405020304" pitchFamily="18" charset="0"/>
               </a:rPr>
               <a:t>rdf</a:t>
             </a:r>
             <a:r>
-              <a:rPr lang="en-US" sz="1200" dirty="0">
+              <a:rPr lang="en-US" sz="1600" dirty="0">
                 <a:latin typeface="Times New Roman" panose="02020603050405020304" pitchFamily="18" charset="0"/>
                 <a:cs typeface="Times New Roman" panose="02020603050405020304" pitchFamily="18" charset="0"/>
               </a:rPr>
@@ -15600,8 +16537,49 @@
               </a:spcAft>
               <a:buNone/>
             </a:pPr>
-            <a:r>
-              <a:rPr lang="en-US" sz="1200" dirty="0">
+            <a:endParaRPr lang="en-US" sz="1600" dirty="0">
+              <a:latin typeface="Times New Roman" panose="02020603050405020304" pitchFamily="18" charset="0"/>
+              <a:cs typeface="Times New Roman" panose="02020603050405020304" pitchFamily="18" charset="0"/>
+            </a:endParaRPr>
+          </a:p>
+        </p:txBody>
+      </p:sp>
+      <p:sp>
+        <p:nvSpPr>
+          <p:cNvPr id="2" name="TextBox 1">
+            <a:extLst>
+              <a:ext uri="{FF2B5EF4-FFF2-40B4-BE49-F238E27FC236}">
+                <a16:creationId xmlns:a16="http://schemas.microsoft.com/office/drawing/2014/main" id="{3A2D7D8C-5F0F-DB73-35F1-D2D74C7E12CB}"/>
+              </a:ext>
+            </a:extLst>
+          </p:cNvPr>
+          <p:cNvSpPr txBox="1"/>
+          <p:nvPr/>
+        </p:nvSpPr>
+        <p:spPr>
+          <a:xfrm>
+            <a:off x="4572000" y="1626003"/>
+            <a:ext cx="3086100" cy="2092881"/>
+          </a:xfrm>
+          <a:prstGeom prst="rect">
+            <a:avLst/>
+          </a:prstGeom>
+          <a:noFill/>
+        </p:spPr>
+        <p:txBody>
+          <a:bodyPr wrap="square" rtlCol="0">
+            <a:spAutoFit/>
+          </a:bodyPr>
+          <a:lstStyle/>
+          <a:p>
+            <a:pPr marL="0" indent="0">
+              <a:spcAft>
+                <a:spcPts val="1200"/>
+              </a:spcAft>
+              <a:buNone/>
+            </a:pPr>
+            <a:r>
+              <a:rPr lang="en-US" sz="1800" dirty="0">
                 <a:latin typeface="Times New Roman" panose="02020603050405020304" pitchFamily="18" charset="0"/>
                 <a:cs typeface="Times New Roman" panose="02020603050405020304" pitchFamily="18" charset="0"/>
               </a:rPr>
@@ -15616,20 +16594,20 @@
               <a:buNone/>
             </a:pPr>
             <a:r>
-              <a:rPr lang="en-US" sz="1200" dirty="0">
+              <a:rPr lang="en-US" sz="1800" dirty="0">
                 <a:latin typeface="Times New Roman" panose="02020603050405020304" pitchFamily="18" charset="0"/>
                 <a:cs typeface="Times New Roman" panose="02020603050405020304" pitchFamily="18" charset="0"/>
               </a:rPr>
               <a:t>- </a:t>
             </a:r>
             <a:r>
-              <a:rPr lang="en-US" sz="1200" dirty="0" err="1">
+              <a:rPr lang="en-US" sz="1800" dirty="0" err="1">
                 <a:latin typeface="Times New Roman" panose="02020603050405020304" pitchFamily="18" charset="0"/>
                 <a:cs typeface="Times New Roman" panose="02020603050405020304" pitchFamily="18" charset="0"/>
               </a:rPr>
               <a:t>tokoh</a:t>
             </a:r>
-            <a:endParaRPr lang="en-US" sz="1200" dirty="0">
+            <a:endParaRPr lang="en-US" sz="1800" dirty="0">
               <a:latin typeface="Times New Roman" panose="02020603050405020304" pitchFamily="18" charset="0"/>
               <a:cs typeface="Times New Roman" panose="02020603050405020304" pitchFamily="18" charset="0"/>
             </a:endParaRPr>
@@ -15642,34 +16620,34 @@
               <a:buNone/>
             </a:pPr>
             <a:r>
-              <a:rPr lang="en-US" sz="1200" dirty="0">
+              <a:rPr lang="en-US" sz="1800" dirty="0">
                 <a:latin typeface="Times New Roman" panose="02020603050405020304" pitchFamily="18" charset="0"/>
                 <a:cs typeface="Times New Roman" panose="02020603050405020304" pitchFamily="18" charset="0"/>
               </a:rPr>
               <a:t>- </a:t>
             </a:r>
             <a:r>
-              <a:rPr lang="en-US" sz="1200" dirty="0" err="1">
+              <a:rPr lang="en-US" sz="1800" dirty="0" err="1">
                 <a:latin typeface="Times New Roman" panose="02020603050405020304" pitchFamily="18" charset="0"/>
                 <a:cs typeface="Times New Roman" panose="02020603050405020304" pitchFamily="18" charset="0"/>
               </a:rPr>
               <a:t>perlawanan</a:t>
             </a:r>
             <a:r>
-              <a:rPr lang="en-US" sz="1200" dirty="0">
+              <a:rPr lang="en-US" sz="1800" dirty="0">
                 <a:latin typeface="Times New Roman" panose="02020603050405020304" pitchFamily="18" charset="0"/>
                 <a:cs typeface="Times New Roman" panose="02020603050405020304" pitchFamily="18" charset="0"/>
               </a:rPr>
               <a:t> </a:t>
             </a:r>
             <a:r>
-              <a:rPr lang="en-US" sz="1200" dirty="0" err="1">
+              <a:rPr lang="en-US" sz="1800" dirty="0" err="1">
                 <a:latin typeface="Times New Roman" panose="02020603050405020304" pitchFamily="18" charset="0"/>
                 <a:cs typeface="Times New Roman" panose="02020603050405020304" pitchFamily="18" charset="0"/>
               </a:rPr>
               <a:t>penjajah</a:t>
             </a:r>
-            <a:endParaRPr lang="en-US" sz="1200" dirty="0">
+            <a:endParaRPr lang="en-US" sz="1800" dirty="0">
               <a:latin typeface="Times New Roman" panose="02020603050405020304" pitchFamily="18" charset="0"/>
               <a:cs typeface="Times New Roman" panose="02020603050405020304" pitchFamily="18" charset="0"/>
             </a:endParaRPr>
@@ -15682,35 +16660,26 @@
               <a:buNone/>
             </a:pPr>
             <a:r>
-              <a:rPr lang="en-US" sz="1200" dirty="0">
+              <a:rPr lang="en-US" sz="1800" dirty="0">
                 <a:latin typeface="Times New Roman" panose="02020603050405020304" pitchFamily="18" charset="0"/>
                 <a:cs typeface="Times New Roman" panose="02020603050405020304" pitchFamily="18" charset="0"/>
               </a:rPr>
               <a:t>- </a:t>
             </a:r>
             <a:r>
-              <a:rPr lang="en-US" sz="1200" dirty="0" err="1">
+              <a:rPr lang="en-US" sz="1800" dirty="0" err="1">
                 <a:latin typeface="Times New Roman" panose="02020603050405020304" pitchFamily="18" charset="0"/>
                 <a:cs typeface="Times New Roman" panose="02020603050405020304" pitchFamily="18" charset="0"/>
               </a:rPr>
               <a:t>organisasi</a:t>
             </a:r>
-            <a:endParaRPr lang="en-US" sz="1200" dirty="0">
+            <a:endParaRPr lang="en-US" sz="1800" dirty="0">
               <a:latin typeface="Times New Roman" panose="02020603050405020304" pitchFamily="18" charset="0"/>
               <a:cs typeface="Times New Roman" panose="02020603050405020304" pitchFamily="18" charset="0"/>
             </a:endParaRPr>
           </a:p>
           <a:p>
-            <a:pPr marL="0" indent="0">
-              <a:spcAft>
-                <a:spcPts val="1200"/>
-              </a:spcAft>
-              <a:buNone/>
-            </a:pPr>
-            <a:endParaRPr lang="en-US" sz="1200" dirty="0">
-              <a:latin typeface="Times New Roman" panose="02020603050405020304" pitchFamily="18" charset="0"/>
-              <a:cs typeface="Times New Roman" panose="02020603050405020304" pitchFamily="18" charset="0"/>
-            </a:endParaRPr>
+            <a:endParaRPr lang="en-ID" sz="1800" dirty="0"/>
           </a:p>
         </p:txBody>
       </p:sp>
@@ -15763,26 +16732,44 @@
           <a:lstStyle/>
           <a:p>
             <a:r>
-              <a:rPr lang="en-US" dirty="0" err="1"/>
+              <a:rPr lang="en-US" dirty="0" err="1">
+                <a:latin typeface="Times New Roman" panose="02020603050405020304" pitchFamily="18" charset="0"/>
+                <a:cs typeface="Times New Roman" panose="02020603050405020304" pitchFamily="18" charset="0"/>
+              </a:rPr>
               <a:t>Metode</a:t>
             </a:r>
             <a:r>
-              <a:rPr lang="en-US" dirty="0"/>
+              <a:rPr lang="en-US" dirty="0">
+                <a:latin typeface="Times New Roman" panose="02020603050405020304" pitchFamily="18" charset="0"/>
+                <a:cs typeface="Times New Roman" panose="02020603050405020304" pitchFamily="18" charset="0"/>
+              </a:rPr>
               <a:t> </a:t>
             </a:r>
             <a:r>
-              <a:rPr lang="en-US" dirty="0" err="1"/>
-              <a:t>pemecahan</a:t>
-            </a:r>
-            <a:r>
-              <a:rPr lang="en-US" dirty="0"/>
+              <a:rPr lang="en-US" dirty="0" err="1">
+                <a:latin typeface="Times New Roman" panose="02020603050405020304" pitchFamily="18" charset="0"/>
+                <a:cs typeface="Times New Roman" panose="02020603050405020304" pitchFamily="18" charset="0"/>
+              </a:rPr>
+              <a:t>Pemecahan</a:t>
+            </a:r>
+            <a:r>
+              <a:rPr lang="en-US" dirty="0">
+                <a:latin typeface="Times New Roman" panose="02020603050405020304" pitchFamily="18" charset="0"/>
+                <a:cs typeface="Times New Roman" panose="02020603050405020304" pitchFamily="18" charset="0"/>
+              </a:rPr>
               <a:t> </a:t>
             </a:r>
             <a:r>
-              <a:rPr lang="en-US" dirty="0" err="1"/>
-              <a:t>masalah</a:t>
-            </a:r>
-            <a:endParaRPr lang="en-ID" dirty="0"/>
+              <a:rPr lang="en-US" dirty="0" err="1">
+                <a:latin typeface="Times New Roman" panose="02020603050405020304" pitchFamily="18" charset="0"/>
+                <a:cs typeface="Times New Roman" panose="02020603050405020304" pitchFamily="18" charset="0"/>
+              </a:rPr>
+              <a:t>Masalah</a:t>
+            </a:r>
+            <a:endParaRPr lang="en-ID" dirty="0">
+              <a:latin typeface="Times New Roman" panose="02020603050405020304" pitchFamily="18" charset="0"/>
+              <a:cs typeface="Times New Roman" panose="02020603050405020304" pitchFamily="18" charset="0"/>
+            </a:endParaRPr>
           </a:p>
         </p:txBody>
       </p:sp>
@@ -15804,274 +16791,442 @@
         </p:nvSpPr>
         <p:spPr/>
         <p:txBody>
-          <a:bodyPr/>
+          <a:bodyPr>
+            <a:normAutofit/>
+          </a:bodyPr>
           <a:lstStyle/>
           <a:p>
-            <a:pPr marL="114300" indent="0">
-              <a:buNone/>
+            <a:pPr algn="just">
+              <a:buFont typeface="+mj-lt"/>
+              <a:buAutoNum type="arabicPeriod" startAt="2"/>
             </a:pPr>
             <a:r>
-              <a:rPr lang="en-US" dirty="0"/>
-              <a:t>2. </a:t>
-            </a:r>
-            <a:r>
-              <a:rPr lang="en-US" dirty="0" err="1"/>
+              <a:rPr lang="en-US" sz="1600" dirty="0" err="1">
+                <a:latin typeface="Times New Roman" panose="02020603050405020304" pitchFamily="18" charset="0"/>
+                <a:cs typeface="Times New Roman" panose="02020603050405020304" pitchFamily="18" charset="0"/>
+              </a:rPr>
               <a:t>Pendefinisian</a:t>
             </a:r>
             <a:r>
-              <a:rPr lang="en-US" dirty="0"/>
+              <a:rPr lang="en-US" sz="1600" dirty="0">
+                <a:latin typeface="Times New Roman" panose="02020603050405020304" pitchFamily="18" charset="0"/>
+                <a:cs typeface="Times New Roman" panose="02020603050405020304" pitchFamily="18" charset="0"/>
+              </a:rPr>
               <a:t> </a:t>
             </a:r>
             <a:r>
-              <a:rPr lang="en-US" dirty="0" err="1"/>
+              <a:rPr lang="en-US" sz="1600" dirty="0" err="1">
+                <a:latin typeface="Times New Roman" panose="02020603050405020304" pitchFamily="18" charset="0"/>
+                <a:cs typeface="Times New Roman" panose="02020603050405020304" pitchFamily="18" charset="0"/>
+              </a:rPr>
               <a:t>ontologi</a:t>
             </a:r>
             <a:r>
-              <a:rPr lang="en-US" dirty="0"/>
+              <a:rPr lang="en-US" sz="1600" dirty="0">
+                <a:latin typeface="Times New Roman" panose="02020603050405020304" pitchFamily="18" charset="0"/>
+                <a:cs typeface="Times New Roman" panose="02020603050405020304" pitchFamily="18" charset="0"/>
+              </a:rPr>
               <a:t> dan </a:t>
             </a:r>
             <a:r>
-              <a:rPr lang="en-US" dirty="0" err="1"/>
+              <a:rPr lang="en-US" sz="1600" dirty="0" err="1">
+                <a:latin typeface="Times New Roman" panose="02020603050405020304" pitchFamily="18" charset="0"/>
+                <a:cs typeface="Times New Roman" panose="02020603050405020304" pitchFamily="18" charset="0"/>
+              </a:rPr>
               <a:t>penggabungan</a:t>
             </a:r>
             <a:r>
-              <a:rPr lang="en-US" dirty="0"/>
+              <a:rPr lang="en-US" sz="1600" dirty="0">
+                <a:latin typeface="Times New Roman" panose="02020603050405020304" pitchFamily="18" charset="0"/>
+                <a:cs typeface="Times New Roman" panose="02020603050405020304" pitchFamily="18" charset="0"/>
+              </a:rPr>
               <a:t> data</a:t>
             </a:r>
           </a:p>
           <a:p>
-            <a:pPr marL="114300" indent="0">
-              <a:buNone/>
+            <a:pPr algn="just">
+              <a:buFont typeface="+mj-lt"/>
+              <a:buAutoNum type="arabicPeriod" startAt="2"/>
             </a:pPr>
             <a:r>
-              <a:rPr lang="en-US" dirty="0"/>
-              <a:t>3. Desain </a:t>
-            </a:r>
-            <a:r>
-              <a:rPr lang="en-US" dirty="0" err="1"/>
+              <a:rPr lang="en-US" sz="1600" dirty="0">
+                <a:latin typeface="Times New Roman" panose="02020603050405020304" pitchFamily="18" charset="0"/>
+                <a:cs typeface="Times New Roman" panose="02020603050405020304" pitchFamily="18" charset="0"/>
+              </a:rPr>
+              <a:t>Desain </a:t>
+            </a:r>
+            <a:r>
+              <a:rPr lang="en-US" sz="1600" dirty="0" err="1">
+                <a:latin typeface="Times New Roman" panose="02020603050405020304" pitchFamily="18" charset="0"/>
+                <a:cs typeface="Times New Roman" panose="02020603050405020304" pitchFamily="18" charset="0"/>
+              </a:rPr>
               <a:t>aplikasi</a:t>
             </a:r>
             <a:r>
-              <a:rPr lang="en-US" dirty="0"/>
-              <a:t> : data </a:t>
-            </a:r>
-            <a:r>
-              <a:rPr lang="en-US" dirty="0" err="1"/>
+              <a:rPr lang="en-US" sz="1600" dirty="0">
+                <a:latin typeface="Times New Roman" panose="02020603050405020304" pitchFamily="18" charset="0"/>
+                <a:cs typeface="Times New Roman" panose="02020603050405020304" pitchFamily="18" charset="0"/>
+              </a:rPr>
+              <a:t> 		: data </a:t>
+            </a:r>
+            <a:r>
+              <a:rPr lang="en-US" sz="1600" dirty="0" err="1">
+                <a:latin typeface="Times New Roman" panose="02020603050405020304" pitchFamily="18" charset="0"/>
+                <a:cs typeface="Times New Roman" panose="02020603050405020304" pitchFamily="18" charset="0"/>
+              </a:rPr>
               <a:t>sejarah</a:t>
             </a:r>
             <a:r>
-              <a:rPr lang="en-US" dirty="0"/>
+              <a:rPr lang="en-US" sz="1600" dirty="0">
+                <a:latin typeface="Times New Roman" panose="02020603050405020304" pitchFamily="18" charset="0"/>
+                <a:cs typeface="Times New Roman" panose="02020603050405020304" pitchFamily="18" charset="0"/>
+              </a:rPr>
               <a:t> </a:t>
             </a:r>
             <a:r>
-              <a:rPr lang="en-US" dirty="0" err="1"/>
+              <a:rPr lang="en-US" sz="1600" dirty="0" err="1">
+                <a:latin typeface="Times New Roman" panose="02020603050405020304" pitchFamily="18" charset="0"/>
+                <a:cs typeface="Times New Roman" panose="02020603050405020304" pitchFamily="18" charset="0"/>
+              </a:rPr>
               <a:t>akan</a:t>
             </a:r>
             <a:r>
-              <a:rPr lang="en-US" dirty="0"/>
+              <a:rPr lang="en-US" sz="1600" dirty="0">
+                <a:latin typeface="Times New Roman" panose="02020603050405020304" pitchFamily="18" charset="0"/>
+                <a:cs typeface="Times New Roman" panose="02020603050405020304" pitchFamily="18" charset="0"/>
+              </a:rPr>
               <a:t> </a:t>
             </a:r>
             <a:r>
-              <a:rPr lang="en-US" dirty="0" err="1"/>
+              <a:rPr lang="en-US" sz="1600" dirty="0" err="1">
+                <a:latin typeface="Times New Roman" panose="02020603050405020304" pitchFamily="18" charset="0"/>
+                <a:cs typeface="Times New Roman" panose="02020603050405020304" pitchFamily="18" charset="0"/>
+              </a:rPr>
               <a:t>disajikan</a:t>
             </a:r>
             <a:r>
-              <a:rPr lang="en-US" dirty="0"/>
+              <a:rPr lang="en-US" sz="1600" dirty="0">
+                <a:latin typeface="Times New Roman" panose="02020603050405020304" pitchFamily="18" charset="0"/>
+                <a:cs typeface="Times New Roman" panose="02020603050405020304" pitchFamily="18" charset="0"/>
+              </a:rPr>
               <a:t> </a:t>
             </a:r>
             <a:r>
-              <a:rPr lang="en-US" dirty="0" err="1"/>
+              <a:rPr lang="en-US" sz="1600" dirty="0" err="1">
+                <a:latin typeface="Times New Roman" panose="02020603050405020304" pitchFamily="18" charset="0"/>
+                <a:cs typeface="Times New Roman" panose="02020603050405020304" pitchFamily="18" charset="0"/>
+              </a:rPr>
               <a:t>dalam</a:t>
             </a:r>
             <a:r>
-              <a:rPr lang="en-US" dirty="0"/>
+              <a:rPr lang="en-US" sz="1600" dirty="0">
+                <a:latin typeface="Times New Roman" panose="02020603050405020304" pitchFamily="18" charset="0"/>
+                <a:cs typeface="Times New Roman" panose="02020603050405020304" pitchFamily="18" charset="0"/>
+              </a:rPr>
               <a:t> </a:t>
             </a:r>
             <a:r>
-              <a:rPr lang="en-US" dirty="0" err="1"/>
+              <a:rPr lang="en-US" sz="1600" dirty="0" err="1">
+                <a:latin typeface="Times New Roman" panose="02020603050405020304" pitchFamily="18" charset="0"/>
+                <a:cs typeface="Times New Roman" panose="02020603050405020304" pitchFamily="18" charset="0"/>
+              </a:rPr>
               <a:t>beberapa</a:t>
             </a:r>
             <a:r>
-              <a:rPr lang="en-US" dirty="0"/>
+              <a:rPr lang="en-US" sz="1600" dirty="0">
+                <a:latin typeface="Times New Roman" panose="02020603050405020304" pitchFamily="18" charset="0"/>
+                <a:cs typeface="Times New Roman" panose="02020603050405020304" pitchFamily="18" charset="0"/>
+              </a:rPr>
               <a:t> </a:t>
             </a:r>
             <a:r>
-              <a:rPr lang="en-US" dirty="0" err="1"/>
+              <a:rPr lang="en-US" sz="1600" dirty="0" err="1">
+                <a:latin typeface="Times New Roman" panose="02020603050405020304" pitchFamily="18" charset="0"/>
+                <a:cs typeface="Times New Roman" panose="02020603050405020304" pitchFamily="18" charset="0"/>
+              </a:rPr>
               <a:t>kategori</a:t>
             </a:r>
             <a:r>
-              <a:rPr lang="en-US" dirty="0"/>
+              <a:rPr lang="en-US" sz="1600" dirty="0">
+                <a:latin typeface="Times New Roman" panose="02020603050405020304" pitchFamily="18" charset="0"/>
+                <a:cs typeface="Times New Roman" panose="02020603050405020304" pitchFamily="18" charset="0"/>
+              </a:rPr>
               <a:t> </a:t>
             </a:r>
             <a:r>
-              <a:rPr lang="en-US" dirty="0" err="1"/>
+              <a:rPr lang="en-US" sz="1600" dirty="0" err="1">
+                <a:latin typeface="Times New Roman" panose="02020603050405020304" pitchFamily="18" charset="0"/>
+                <a:cs typeface="Times New Roman" panose="02020603050405020304" pitchFamily="18" charset="0"/>
+              </a:rPr>
               <a:t>seperti</a:t>
             </a:r>
             <a:r>
-              <a:rPr lang="en-US" dirty="0"/>
+              <a:rPr lang="en-US" sz="1600" dirty="0">
+                <a:latin typeface="Times New Roman" panose="02020603050405020304" pitchFamily="18" charset="0"/>
+                <a:cs typeface="Times New Roman" panose="02020603050405020304" pitchFamily="18" charset="0"/>
+              </a:rPr>
               <a:t> </a:t>
             </a:r>
             <a:r>
-              <a:rPr lang="en-US" dirty="0" err="1"/>
+              <a:rPr lang="en-US" sz="1600" dirty="0" err="1">
+                <a:latin typeface="Times New Roman" panose="02020603050405020304" pitchFamily="18" charset="0"/>
+                <a:cs typeface="Times New Roman" panose="02020603050405020304" pitchFamily="18" charset="0"/>
+              </a:rPr>
               <a:t>peristiwa</a:t>
             </a:r>
             <a:r>
-              <a:rPr lang="en-US" dirty="0"/>
+              <a:rPr lang="en-US" sz="1600" dirty="0">
+                <a:latin typeface="Times New Roman" panose="02020603050405020304" pitchFamily="18" charset="0"/>
+                <a:cs typeface="Times New Roman" panose="02020603050405020304" pitchFamily="18" charset="0"/>
+              </a:rPr>
               <a:t> </a:t>
             </a:r>
             <a:r>
-              <a:rPr lang="en-US" dirty="0" err="1"/>
+              <a:rPr lang="en-US" sz="1600" dirty="0" err="1">
+                <a:latin typeface="Times New Roman" panose="02020603050405020304" pitchFamily="18" charset="0"/>
+                <a:cs typeface="Times New Roman" panose="02020603050405020304" pitchFamily="18" charset="0"/>
+              </a:rPr>
               <a:t>sejarah</a:t>
             </a:r>
             <a:r>
-              <a:rPr lang="en-US" dirty="0"/>
+              <a:rPr lang="en-US" sz="1600" dirty="0">
+                <a:latin typeface="Times New Roman" panose="02020603050405020304" pitchFamily="18" charset="0"/>
+                <a:cs typeface="Times New Roman" panose="02020603050405020304" pitchFamily="18" charset="0"/>
+              </a:rPr>
               <a:t>, </a:t>
             </a:r>
             <a:r>
-              <a:rPr lang="en-US" dirty="0" err="1"/>
+              <a:rPr lang="en-US" sz="1600" dirty="0" err="1">
+                <a:latin typeface="Times New Roman" panose="02020603050405020304" pitchFamily="18" charset="0"/>
+                <a:cs typeface="Times New Roman" panose="02020603050405020304" pitchFamily="18" charset="0"/>
+              </a:rPr>
               <a:t>organisasi</a:t>
             </a:r>
             <a:r>
-              <a:rPr lang="en-US" dirty="0"/>
+              <a:rPr lang="en-US" sz="1600" dirty="0">
+                <a:latin typeface="Times New Roman" panose="02020603050405020304" pitchFamily="18" charset="0"/>
+                <a:cs typeface="Times New Roman" panose="02020603050405020304" pitchFamily="18" charset="0"/>
+              </a:rPr>
               <a:t>, </a:t>
             </a:r>
             <a:r>
-              <a:rPr lang="en-US" dirty="0" err="1"/>
+              <a:rPr lang="en-US" sz="1600" dirty="0" err="1">
+                <a:latin typeface="Times New Roman" panose="02020603050405020304" pitchFamily="18" charset="0"/>
+                <a:cs typeface="Times New Roman" panose="02020603050405020304" pitchFamily="18" charset="0"/>
+              </a:rPr>
               <a:t>tokoh</a:t>
             </a:r>
             <a:r>
-              <a:rPr lang="en-US" dirty="0"/>
+              <a:rPr lang="en-US" sz="1600" dirty="0">
+                <a:latin typeface="Times New Roman" panose="02020603050405020304" pitchFamily="18" charset="0"/>
+                <a:cs typeface="Times New Roman" panose="02020603050405020304" pitchFamily="18" charset="0"/>
+              </a:rPr>
               <a:t>, </a:t>
             </a:r>
             <a:r>
-              <a:rPr lang="en-US" dirty="0" err="1"/>
+              <a:rPr lang="en-US" sz="1600" dirty="0" err="1">
+                <a:latin typeface="Times New Roman" panose="02020603050405020304" pitchFamily="18" charset="0"/>
+                <a:cs typeface="Times New Roman" panose="02020603050405020304" pitchFamily="18" charset="0"/>
+              </a:rPr>
               <a:t>waktu</a:t>
             </a:r>
             <a:r>
-              <a:rPr lang="en-US" dirty="0"/>
+              <a:rPr lang="en-US" sz="1600" dirty="0">
+                <a:latin typeface="Times New Roman" panose="02020603050405020304" pitchFamily="18" charset="0"/>
+                <a:cs typeface="Times New Roman" panose="02020603050405020304" pitchFamily="18" charset="0"/>
+              </a:rPr>
               <a:t> dan </a:t>
             </a:r>
             <a:r>
-              <a:rPr lang="en-US" dirty="0" err="1"/>
+              <a:rPr lang="en-US" sz="1600" dirty="0" err="1">
+                <a:latin typeface="Times New Roman" panose="02020603050405020304" pitchFamily="18" charset="0"/>
+                <a:cs typeface="Times New Roman" panose="02020603050405020304" pitchFamily="18" charset="0"/>
+              </a:rPr>
               <a:t>lokasi</a:t>
             </a:r>
             <a:r>
-              <a:rPr lang="en-US" dirty="0"/>
+              <a:rPr lang="en-US" sz="1600" dirty="0">
+                <a:latin typeface="Times New Roman" panose="02020603050405020304" pitchFamily="18" charset="0"/>
+                <a:cs typeface="Times New Roman" panose="02020603050405020304" pitchFamily="18" charset="0"/>
+              </a:rPr>
               <a:t>.</a:t>
             </a:r>
           </a:p>
           <a:p>
-            <a:pPr marL="114300" indent="0">
-              <a:buNone/>
+            <a:pPr algn="just">
+              <a:buFont typeface="+mj-lt"/>
+              <a:buAutoNum type="arabicPeriod" startAt="2"/>
             </a:pPr>
             <a:r>
-              <a:rPr lang="en-US" dirty="0"/>
-              <a:t>4. </a:t>
-            </a:r>
-            <a:r>
-              <a:rPr lang="en-US" dirty="0" err="1"/>
+              <a:rPr lang="en-US" sz="1600" dirty="0" err="1">
+                <a:latin typeface="Times New Roman" panose="02020603050405020304" pitchFamily="18" charset="0"/>
+                <a:cs typeface="Times New Roman" panose="02020603050405020304" pitchFamily="18" charset="0"/>
+              </a:rPr>
               <a:t>Pengembangan</a:t>
             </a:r>
             <a:r>
-              <a:rPr lang="en-US" dirty="0"/>
+              <a:rPr lang="en-US" sz="1600" dirty="0">
+                <a:latin typeface="Times New Roman" panose="02020603050405020304" pitchFamily="18" charset="0"/>
+                <a:cs typeface="Times New Roman" panose="02020603050405020304" pitchFamily="18" charset="0"/>
+              </a:rPr>
               <a:t> </a:t>
             </a:r>
             <a:r>
-              <a:rPr lang="en-US" dirty="0" err="1"/>
+              <a:rPr lang="en-US" sz="1600" dirty="0" err="1">
+                <a:latin typeface="Times New Roman" panose="02020603050405020304" pitchFamily="18" charset="0"/>
+                <a:cs typeface="Times New Roman" panose="02020603050405020304" pitchFamily="18" charset="0"/>
+              </a:rPr>
               <a:t>aplikasi</a:t>
             </a:r>
             <a:r>
-              <a:rPr lang="en-US" dirty="0"/>
-              <a:t> : </a:t>
-            </a:r>
-            <a:r>
-              <a:rPr lang="en-US" dirty="0" err="1"/>
+              <a:rPr lang="en-US" sz="1600" dirty="0">
+                <a:latin typeface="Times New Roman" panose="02020603050405020304" pitchFamily="18" charset="0"/>
+                <a:cs typeface="Times New Roman" panose="02020603050405020304" pitchFamily="18" charset="0"/>
+              </a:rPr>
+              <a:t> 	: </a:t>
+            </a:r>
+            <a:r>
+              <a:rPr lang="en-US" sz="1600" dirty="0" err="1">
+                <a:latin typeface="Times New Roman" panose="02020603050405020304" pitchFamily="18" charset="0"/>
+                <a:cs typeface="Times New Roman" panose="02020603050405020304" pitchFamily="18" charset="0"/>
+              </a:rPr>
               <a:t>aplikasi</a:t>
             </a:r>
             <a:r>
-              <a:rPr lang="en-US" dirty="0"/>
+              <a:rPr lang="en-US" sz="1600" dirty="0">
+                <a:latin typeface="Times New Roman" panose="02020603050405020304" pitchFamily="18" charset="0"/>
+                <a:cs typeface="Times New Roman" panose="02020603050405020304" pitchFamily="18" charset="0"/>
+              </a:rPr>
               <a:t> </a:t>
             </a:r>
             <a:r>
-              <a:rPr lang="en-US" dirty="0" err="1"/>
+              <a:rPr lang="en-US" sz="1600" dirty="0" err="1">
+                <a:latin typeface="Times New Roman" panose="02020603050405020304" pitchFamily="18" charset="0"/>
+                <a:cs typeface="Times New Roman" panose="02020603050405020304" pitchFamily="18" charset="0"/>
+              </a:rPr>
               <a:t>berbasis</a:t>
             </a:r>
             <a:r>
-              <a:rPr lang="en-US" dirty="0"/>
+              <a:rPr lang="en-US" sz="1600" dirty="0">
+                <a:latin typeface="Times New Roman" panose="02020603050405020304" pitchFamily="18" charset="0"/>
+                <a:cs typeface="Times New Roman" panose="02020603050405020304" pitchFamily="18" charset="0"/>
+              </a:rPr>
               <a:t> web.</a:t>
             </a:r>
           </a:p>
           <a:p>
-            <a:pPr marL="114300" indent="0">
-              <a:buNone/>
+            <a:pPr algn="just">
+              <a:buFont typeface="+mj-lt"/>
+              <a:buAutoNum type="arabicPeriod" startAt="2"/>
             </a:pPr>
             <a:r>
-              <a:rPr lang="en-US" dirty="0"/>
-              <a:t>5. </a:t>
-            </a:r>
-            <a:r>
-              <a:rPr lang="en-US" dirty="0" err="1"/>
+              <a:rPr lang="en-US" sz="1600" dirty="0" err="1">
+                <a:latin typeface="Times New Roman" panose="02020603050405020304" pitchFamily="18" charset="0"/>
+                <a:cs typeface="Times New Roman" panose="02020603050405020304" pitchFamily="18" charset="0"/>
+              </a:rPr>
               <a:t>Evaluasi</a:t>
             </a:r>
             <a:r>
-              <a:rPr lang="en-US" dirty="0"/>
+              <a:rPr lang="en-US" sz="1600" dirty="0">
+                <a:latin typeface="Times New Roman" panose="02020603050405020304" pitchFamily="18" charset="0"/>
+                <a:cs typeface="Times New Roman" panose="02020603050405020304" pitchFamily="18" charset="0"/>
+              </a:rPr>
               <a:t> </a:t>
             </a:r>
             <a:r>
-              <a:rPr lang="en-US" dirty="0" err="1"/>
+              <a:rPr lang="en-US" sz="1600" dirty="0" err="1">
+                <a:latin typeface="Times New Roman" panose="02020603050405020304" pitchFamily="18" charset="0"/>
+                <a:cs typeface="Times New Roman" panose="02020603050405020304" pitchFamily="18" charset="0"/>
+              </a:rPr>
               <a:t>aplikasi</a:t>
             </a:r>
             <a:r>
-              <a:rPr lang="en-US" dirty="0"/>
-              <a:t> : </a:t>
-            </a:r>
-            <a:r>
-              <a:rPr lang="en-US" dirty="0" err="1"/>
+              <a:rPr lang="en-US" sz="1600" dirty="0">
+                <a:latin typeface="Times New Roman" panose="02020603050405020304" pitchFamily="18" charset="0"/>
+                <a:cs typeface="Times New Roman" panose="02020603050405020304" pitchFamily="18" charset="0"/>
+              </a:rPr>
+              <a:t> 	: </a:t>
+            </a:r>
+            <a:r>
+              <a:rPr lang="en-US" sz="1600" dirty="0" err="1">
+                <a:latin typeface="Times New Roman" panose="02020603050405020304" pitchFamily="18" charset="0"/>
+                <a:cs typeface="Times New Roman" panose="02020603050405020304" pitchFamily="18" charset="0"/>
+              </a:rPr>
               <a:t>evaluasi</a:t>
             </a:r>
             <a:r>
-              <a:rPr lang="en-US" dirty="0"/>
+              <a:rPr lang="en-US" sz="1600" dirty="0">
+                <a:latin typeface="Times New Roman" panose="02020603050405020304" pitchFamily="18" charset="0"/>
+                <a:cs typeface="Times New Roman" panose="02020603050405020304" pitchFamily="18" charset="0"/>
+              </a:rPr>
               <a:t> </a:t>
             </a:r>
             <a:r>
-              <a:rPr lang="en-US" dirty="0" err="1"/>
+              <a:rPr lang="en-US" sz="1600" dirty="0" err="1">
+                <a:latin typeface="Times New Roman" panose="02020603050405020304" pitchFamily="18" charset="0"/>
+                <a:cs typeface="Times New Roman" panose="02020603050405020304" pitchFamily="18" charset="0"/>
+              </a:rPr>
               <a:t>aplikasi</a:t>
             </a:r>
             <a:r>
-              <a:rPr lang="en-US" dirty="0"/>
+              <a:rPr lang="en-US" sz="1600" dirty="0">
+                <a:latin typeface="Times New Roman" panose="02020603050405020304" pitchFamily="18" charset="0"/>
+                <a:cs typeface="Times New Roman" panose="02020603050405020304" pitchFamily="18" charset="0"/>
+              </a:rPr>
               <a:t> </a:t>
             </a:r>
             <a:r>
-              <a:rPr lang="en-US" dirty="0" err="1"/>
+              <a:rPr lang="en-US" sz="1600" dirty="0" err="1">
+                <a:latin typeface="Times New Roman" panose="02020603050405020304" pitchFamily="18" charset="0"/>
+                <a:cs typeface="Times New Roman" panose="02020603050405020304" pitchFamily="18" charset="0"/>
+              </a:rPr>
               <a:t>dilakukan</a:t>
             </a:r>
             <a:r>
-              <a:rPr lang="en-US" dirty="0"/>
+              <a:rPr lang="en-US" sz="1600" dirty="0">
+                <a:latin typeface="Times New Roman" panose="02020603050405020304" pitchFamily="18" charset="0"/>
+                <a:cs typeface="Times New Roman" panose="02020603050405020304" pitchFamily="18" charset="0"/>
+              </a:rPr>
               <a:t> </a:t>
             </a:r>
             <a:r>
-              <a:rPr lang="en-US" dirty="0" err="1"/>
+              <a:rPr lang="en-US" sz="1600" dirty="0" err="1">
+                <a:latin typeface="Times New Roman" panose="02020603050405020304" pitchFamily="18" charset="0"/>
+                <a:cs typeface="Times New Roman" panose="02020603050405020304" pitchFamily="18" charset="0"/>
+              </a:rPr>
               <a:t>dengan</a:t>
             </a:r>
             <a:r>
-              <a:rPr lang="en-US" dirty="0"/>
+              <a:rPr lang="en-US" sz="1600" dirty="0">
+                <a:latin typeface="Times New Roman" panose="02020603050405020304" pitchFamily="18" charset="0"/>
+                <a:cs typeface="Times New Roman" panose="02020603050405020304" pitchFamily="18" charset="0"/>
+              </a:rPr>
               <a:t> </a:t>
             </a:r>
             <a:r>
-              <a:rPr lang="en-US" dirty="0" err="1"/>
+              <a:rPr lang="en-US" sz="1600" dirty="0" err="1">
+                <a:latin typeface="Times New Roman" panose="02020603050405020304" pitchFamily="18" charset="0"/>
+                <a:cs typeface="Times New Roman" panose="02020603050405020304" pitchFamily="18" charset="0"/>
+              </a:rPr>
               <a:t>metode</a:t>
             </a:r>
             <a:r>
-              <a:rPr lang="en-US" dirty="0"/>
+              <a:rPr lang="en-US" sz="1600" dirty="0">
+                <a:latin typeface="Times New Roman" panose="02020603050405020304" pitchFamily="18" charset="0"/>
+                <a:cs typeface="Times New Roman" panose="02020603050405020304" pitchFamily="18" charset="0"/>
+              </a:rPr>
               <a:t> usability testing</a:t>
             </a:r>
           </a:p>
           <a:p>
-            <a:pPr>
+            <a:pPr algn="just">
               <a:buFont typeface="+mj-lt"/>
               <a:buAutoNum type="arabicPeriod"/>
             </a:pPr>
-            <a:endParaRPr lang="en-ID" dirty="0"/>
+            <a:endParaRPr lang="en-ID" sz="1600" dirty="0">
+              <a:latin typeface="Times New Roman" panose="02020603050405020304" pitchFamily="18" charset="0"/>
+              <a:cs typeface="Times New Roman" panose="02020603050405020304" pitchFamily="18" charset="0"/>
+            </a:endParaRPr>
           </a:p>
         </p:txBody>
       </p:sp>

--- a/RichieChristiansenSenlia/Draft Proposal - Richie Christiansen Senlia.pptx
+++ b/RichieChristiansenSenlia/Draft Proposal - Richie Christiansen Senlia.pptx
@@ -267,62 +267,10 @@
       </p15:sldGuideLst>
     </p:ext>
     <p:ext uri="http://customooxmlschemas.google.com/">
-      <go:slidesCustomData xmlns:go="http://customooxmlschemas.google.com/" xmlns:ahyp="http://schemas.microsoft.com/office/drawing/2018/hyperlinkcolor" xmlns:p15="http://schemas.microsoft.com/office/powerpoint/2012/main" xmlns:p14="http://schemas.microsoft.com/office/powerpoint/2010/main" xmlns:com="http://schemas.openxmlformats.org/drawingml/2006/compatibility" xmlns:pvml="urn:schemas-microsoft-com:office:powerpoint" xmlns:v="urn:schemas-microsoft-com:vml" xmlns:o="urn:schemas-microsoft-com:office:office" xmlns:dgm="http://schemas.openxmlformats.org/drawingml/2006/diagram" xmlns:c="http://schemas.openxmlformats.org/drawingml/2006/chart" xmlns:mv="urn:schemas-microsoft-com:mac:vml" xmlns:mc="http://schemas.openxmlformats.org/markup-compatibility/2006" xmlns="" r:id="rId18" roundtripDataSignature="AMtx7mioJHnqF79Zjga0KU7iTsQIiSOzeA=="/>
+      <go:slidesCustomData xmlns="" xmlns:mc="http://schemas.openxmlformats.org/markup-compatibility/2006" xmlns:mv="urn:schemas-microsoft-com:mac:vml" xmlns:c="http://schemas.openxmlformats.org/drawingml/2006/chart" xmlns:dgm="http://schemas.openxmlformats.org/drawingml/2006/diagram" xmlns:o="urn:schemas-microsoft-com:office:office" xmlns:v="urn:schemas-microsoft-com:vml" xmlns:pvml="urn:schemas-microsoft-com:office:powerpoint" xmlns:com="http://schemas.openxmlformats.org/drawingml/2006/compatibility" xmlns:p14="http://schemas.microsoft.com/office/powerpoint/2010/main" xmlns:p15="http://schemas.microsoft.com/office/powerpoint/2012/main" xmlns:ahyp="http://schemas.microsoft.com/office/drawing/2018/hyperlinkcolor" xmlns:go="http://customooxmlschemas.google.com/" r:id="rId18" roundtripDataSignature="AMtx7mioJHnqF79Zjga0KU7iTsQIiSOzeA=="/>
     </p:ext>
   </p:extLst>
 </p:presentation>
-</file>
-
-<file path=ppt/changesInfos/changesInfo1.xml><?xml version="1.0" encoding="utf-8"?>
-<pc:chgInfo xmlns:a="http://schemas.openxmlformats.org/drawingml/2006/main" xmlns:r="http://schemas.openxmlformats.org/officeDocument/2006/relationships" xmlns:ac="http://schemas.microsoft.com/office/drawing/2013/main/command" xmlns:pc="http://schemas.microsoft.com/office/powerpoint/2013/main/command">
-  <pc:docChgLst>
-    <pc:chgData name="Alfan Farizki Wicaksono" userId="e836ad76-c459-4db2-90d9-f64e0731f67c" providerId="ADAL" clId="{AAD1C794-C2C4-496F-8B7D-ACA7D03F05A1}"/>
-    <pc:docChg chg="undo custSel modSld">
-      <pc:chgData name="Alfan Farizki Wicaksono" userId="e836ad76-c459-4db2-90d9-f64e0731f67c" providerId="ADAL" clId="{AAD1C794-C2C4-496F-8B7D-ACA7D03F05A1}" dt="2023-01-04T01:37:53.034" v="100" actId="114"/>
-      <pc:docMkLst>
-        <pc:docMk/>
-      </pc:docMkLst>
-      <pc:sldChg chg="modSp mod">
-        <pc:chgData name="Alfan Farizki Wicaksono" userId="e836ad76-c459-4db2-90d9-f64e0731f67c" providerId="ADAL" clId="{AAD1C794-C2C4-496F-8B7D-ACA7D03F05A1}" dt="2023-01-04T01:37:01.927" v="36" actId="20577"/>
-        <pc:sldMkLst>
-          <pc:docMk/>
-          <pc:sldMk cId="0" sldId="256"/>
-        </pc:sldMkLst>
-        <pc:spChg chg="mod">
-          <ac:chgData name="Alfan Farizki Wicaksono" userId="e836ad76-c459-4db2-90d9-f64e0731f67c" providerId="ADAL" clId="{AAD1C794-C2C4-496F-8B7D-ACA7D03F05A1}" dt="2023-01-04T01:37:01.927" v="36" actId="20577"/>
-          <ac:spMkLst>
-            <pc:docMk/>
-            <pc:sldMk cId="0" sldId="256"/>
-            <ac:spMk id="56" creationId="{00000000-0000-0000-0000-000000000000}"/>
-          </ac:spMkLst>
-        </pc:spChg>
-      </pc:sldChg>
-      <pc:sldChg chg="modSp mod">
-        <pc:chgData name="Alfan Farizki Wicaksono" userId="e836ad76-c459-4db2-90d9-f64e0731f67c" providerId="ADAL" clId="{AAD1C794-C2C4-496F-8B7D-ACA7D03F05A1}" dt="2023-01-04T01:37:53.034" v="100" actId="114"/>
-        <pc:sldMkLst>
-          <pc:docMk/>
-          <pc:sldMk cId="0" sldId="259"/>
-        </pc:sldMkLst>
-        <pc:spChg chg="mod">
-          <ac:chgData name="Alfan Farizki Wicaksono" userId="e836ad76-c459-4db2-90d9-f64e0731f67c" providerId="ADAL" clId="{AAD1C794-C2C4-496F-8B7D-ACA7D03F05A1}" dt="2023-01-04T01:37:36.602" v="70" actId="20577"/>
-          <ac:spMkLst>
-            <pc:docMk/>
-            <pc:sldMk cId="0" sldId="259"/>
-            <ac:spMk id="73" creationId="{00000000-0000-0000-0000-000000000000}"/>
-          </ac:spMkLst>
-        </pc:spChg>
-        <pc:spChg chg="mod">
-          <ac:chgData name="Alfan Farizki Wicaksono" userId="e836ad76-c459-4db2-90d9-f64e0731f67c" providerId="ADAL" clId="{AAD1C794-C2C4-496F-8B7D-ACA7D03F05A1}" dt="2023-01-04T01:37:53.034" v="100" actId="114"/>
-          <ac:spMkLst>
-            <pc:docMk/>
-            <pc:sldMk cId="0" sldId="259"/>
-            <ac:spMk id="74" creationId="{00000000-0000-0000-0000-000000000000}"/>
-          </ac:spMkLst>
-        </pc:spChg>
-      </pc:sldChg>
-    </pc:docChg>
-  </pc:docChgLst>
-</pc:chgInfo>
 </file>
 
 <file path=ppt/notesMasters/notesMaster1.xml><?xml version="1.0" encoding="utf-8"?>
@@ -11870,7 +11818,7 @@
             <a:r>
               <a:rPr lang="en-US" sz="1200" dirty="0">
                 <a:solidFill>
-                  <a:schemeClr val="dk1"/>
+                  <a:schemeClr val="tx1"/>
                 </a:solidFill>
                 <a:latin typeface="Times New Roman" panose="02020603050405020304" pitchFamily="18" charset="0"/>
                 <a:ea typeface="Times New Roman"/>
@@ -11882,7 +11830,7 @@
             <a:r>
               <a:rPr lang="en-US" sz="1200" dirty="0" err="1">
                 <a:solidFill>
-                  <a:schemeClr val="dk1"/>
+                  <a:schemeClr val="tx1"/>
                 </a:solidFill>
                 <a:latin typeface="Times New Roman" panose="02020603050405020304" pitchFamily="18" charset="0"/>
                 <a:ea typeface="Times New Roman"/>
@@ -11894,7 +11842,7 @@
             <a:r>
               <a:rPr lang="en-US" sz="1200" dirty="0">
                 <a:solidFill>
-                  <a:schemeClr val="dk1"/>
+                  <a:schemeClr val="tx1"/>
                 </a:solidFill>
                 <a:latin typeface="Times New Roman" panose="02020603050405020304" pitchFamily="18" charset="0"/>
                 <a:ea typeface="Times New Roman"/>
@@ -11906,7 +11854,7 @@
             <a:r>
               <a:rPr lang="en-US" sz="1200" dirty="0" err="1">
                 <a:solidFill>
-                  <a:schemeClr val="dk1"/>
+                  <a:schemeClr val="tx1"/>
                 </a:solidFill>
                 <a:latin typeface="Times New Roman" panose="02020603050405020304" pitchFamily="18" charset="0"/>
                 <a:ea typeface="Times New Roman"/>
@@ -11918,7 +11866,7 @@
             <a:r>
               <a:rPr lang="en-US" sz="1200" dirty="0">
                 <a:solidFill>
-                  <a:schemeClr val="dk1"/>
+                  <a:schemeClr val="tx1"/>
                 </a:solidFill>
                 <a:latin typeface="Times New Roman" panose="02020603050405020304" pitchFamily="18" charset="0"/>
                 <a:ea typeface="Times New Roman"/>
@@ -11930,7 +11878,7 @@
             <a:r>
               <a:rPr lang="en-US" sz="1200" dirty="0" err="1">
                 <a:solidFill>
-                  <a:schemeClr val="dk1"/>
+                  <a:schemeClr val="tx1"/>
                 </a:solidFill>
                 <a:latin typeface="Times New Roman" panose="02020603050405020304" pitchFamily="18" charset="0"/>
                 <a:ea typeface="Times New Roman"/>
@@ -11942,7 +11890,7 @@
             <a:r>
               <a:rPr lang="en-US" sz="1200" dirty="0">
                 <a:solidFill>
-                  <a:schemeClr val="dk1"/>
+                  <a:schemeClr val="tx1"/>
                 </a:solidFill>
                 <a:latin typeface="Times New Roman" panose="02020603050405020304" pitchFamily="18" charset="0"/>
                 <a:ea typeface="Times New Roman"/>
@@ -11954,7 +11902,7 @@
             <a:r>
               <a:rPr lang="en-US" sz="1200" dirty="0" err="1">
                 <a:solidFill>
-                  <a:schemeClr val="dk1"/>
+                  <a:schemeClr val="tx1"/>
                 </a:solidFill>
                 <a:latin typeface="Times New Roman" panose="02020603050405020304" pitchFamily="18" charset="0"/>
                 <a:ea typeface="Times New Roman"/>
@@ -11966,7 +11914,7 @@
             <a:r>
               <a:rPr lang="en-US" sz="1200" dirty="0">
                 <a:solidFill>
-                  <a:schemeClr val="dk1"/>
+                  <a:schemeClr val="tx1"/>
                 </a:solidFill>
                 <a:latin typeface="Times New Roman" panose="02020603050405020304" pitchFamily="18" charset="0"/>
                 <a:ea typeface="Times New Roman"/>
@@ -11993,7 +11941,7 @@
             <a:r>
               <a:rPr lang="en-US" sz="1200" dirty="0">
                 <a:solidFill>
-                  <a:schemeClr val="dk1"/>
+                  <a:schemeClr val="tx1"/>
                 </a:solidFill>
                 <a:latin typeface="Times New Roman" panose="02020603050405020304" pitchFamily="18" charset="0"/>
                 <a:ea typeface="Times New Roman"/>
@@ -12020,7 +11968,7 @@
             <a:r>
               <a:rPr lang="en-US" sz="1200" dirty="0">
                 <a:solidFill>
-                  <a:schemeClr val="dk1"/>
+                  <a:schemeClr val="tx1"/>
                 </a:solidFill>
                 <a:latin typeface="Times New Roman" panose="02020603050405020304" pitchFamily="18" charset="0"/>
                 <a:ea typeface="Times New Roman"/>
@@ -12047,20 +11995,26 @@
             <a:r>
               <a:rPr lang="en-US" sz="1200" dirty="0">
                 <a:solidFill>
-                  <a:schemeClr val="dk1"/>
+                  <a:schemeClr val="tx1"/>
                 </a:solidFill>
                 <a:latin typeface="Times New Roman" panose="02020603050405020304" pitchFamily="18" charset="0"/>
                 <a:ea typeface="Times New Roman"/>
                 <a:cs typeface="Times New Roman" panose="02020603050405020304" pitchFamily="18" charset="0"/>
                 <a:sym typeface="Times New Roman"/>
-                <a:hlinkClick r:id="rId3"/>
+                <a:hlinkClick r:id="rId3">
+                  <a:extLst>
+                    <a:ext uri="{A12FA001-AC4F-418D-AE19-62706E023703}">
+                      <ahyp:hlinkClr xmlns:ahyp="http://schemas.microsoft.com/office/drawing/2018/hyperlinkcolor" val="tx"/>
+                    </a:ext>
+                  </a:extLst>
+                </a:hlinkClick>
               </a:rPr>
               <a:t>https://doi.org/10.1016/j.infsof.2023.107327</a:t>
             </a:r>
             <a:r>
               <a:rPr lang="en-US" sz="1200" dirty="0">
                 <a:solidFill>
-                  <a:schemeClr val="dk1"/>
+                  <a:schemeClr val="tx1"/>
                 </a:solidFill>
                 <a:latin typeface="Times New Roman" panose="02020603050405020304" pitchFamily="18" charset="0"/>
                 <a:ea typeface="Times New Roman"/>
@@ -12086,6 +12040,9 @@
             </a:pPr>
             <a:r>
               <a:rPr lang="en-US" sz="1200" dirty="0">
+                <a:solidFill>
+                  <a:schemeClr val="tx1"/>
+                </a:solidFill>
                 <a:latin typeface="Times New Roman" panose="02020603050405020304" pitchFamily="18" charset="0"/>
                 <a:cs typeface="Times New Roman" panose="02020603050405020304" pitchFamily="18" charset="0"/>
               </a:rPr>
@@ -12093,6 +12050,9 @@
             </a:r>
             <a:r>
               <a:rPr lang="en-US" sz="1200" dirty="0" err="1">
+                <a:solidFill>
+                  <a:schemeClr val="tx1"/>
+                </a:solidFill>
                 <a:latin typeface="Times New Roman" panose="02020603050405020304" pitchFamily="18" charset="0"/>
                 <a:cs typeface="Times New Roman" panose="02020603050405020304" pitchFamily="18" charset="0"/>
               </a:rPr>
@@ -12100,6 +12060,9 @@
             </a:r>
             <a:r>
               <a:rPr lang="en-US" sz="1200" dirty="0">
+                <a:solidFill>
+                  <a:schemeClr val="tx1"/>
+                </a:solidFill>
                 <a:latin typeface="Times New Roman" panose="02020603050405020304" pitchFamily="18" charset="0"/>
                 <a:cs typeface="Times New Roman" panose="02020603050405020304" pitchFamily="18" charset="0"/>
               </a:rPr>
@@ -12122,6 +12085,9 @@
             </a:pPr>
             <a:r>
               <a:rPr lang="en-US" sz="1200" dirty="0">
+                <a:solidFill>
+                  <a:schemeClr val="tx1"/>
+                </a:solidFill>
                 <a:latin typeface="Times New Roman" panose="02020603050405020304" pitchFamily="18" charset="0"/>
                 <a:cs typeface="Times New Roman" panose="02020603050405020304" pitchFamily="18" charset="0"/>
               </a:rPr>
@@ -12129,6 +12095,9 @@
             </a:r>
             <a:r>
               <a:rPr lang="en-US" sz="1200" dirty="0" err="1">
+                <a:solidFill>
+                  <a:schemeClr val="tx1"/>
+                </a:solidFill>
                 <a:latin typeface="Times New Roman" panose="02020603050405020304" pitchFamily="18" charset="0"/>
                 <a:cs typeface="Times New Roman" panose="02020603050405020304" pitchFamily="18" charset="0"/>
               </a:rPr>
@@ -12136,6 +12105,9 @@
             </a:r>
             <a:r>
               <a:rPr lang="en-US" sz="1200" dirty="0">
+                <a:solidFill>
+                  <a:schemeClr val="tx1"/>
+                </a:solidFill>
                 <a:latin typeface="Times New Roman" panose="02020603050405020304" pitchFamily="18" charset="0"/>
                 <a:cs typeface="Times New Roman" panose="02020603050405020304" pitchFamily="18" charset="0"/>
               </a:rPr>
@@ -12158,6 +12130,9 @@
             </a:pPr>
             <a:r>
               <a:rPr lang="en-US" sz="1200" dirty="0">
+                <a:solidFill>
+                  <a:schemeClr val="tx1"/>
+                </a:solidFill>
                 <a:latin typeface="Times New Roman" panose="02020603050405020304" pitchFamily="18" charset="0"/>
                 <a:cs typeface="Times New Roman" panose="02020603050405020304" pitchFamily="18" charset="0"/>
               </a:rPr>
@@ -12180,14 +12155,26 @@
             </a:pPr>
             <a:r>
               <a:rPr lang="en-US" sz="1200" dirty="0">
-                <a:latin typeface="Times New Roman" panose="02020603050405020304" pitchFamily="18" charset="0"/>
-                <a:cs typeface="Times New Roman" panose="02020603050405020304" pitchFamily="18" charset="0"/>
-                <a:hlinkClick r:id="rId4"/>
+                <a:solidFill>
+                  <a:schemeClr val="tx1"/>
+                </a:solidFill>
+                <a:latin typeface="Times New Roman" panose="02020603050405020304" pitchFamily="18" charset="0"/>
+                <a:cs typeface="Times New Roman" panose="02020603050405020304" pitchFamily="18" charset="0"/>
+                <a:hlinkClick r:id="rId4">
+                  <a:extLst>
+                    <a:ext uri="{A12FA001-AC4F-418D-AE19-62706E023703}">
+                      <ahyp:hlinkClr xmlns:ahyp="http://schemas.microsoft.com/office/drawing/2018/hyperlinkcolor" val="tx"/>
+                    </a:ext>
+                  </a:extLst>
+                </a:hlinkClick>
               </a:rPr>
               <a:t>https://doi.org/10.1016/j.websem.2022.100771</a:t>
             </a:r>
             <a:r>
               <a:rPr lang="en-US" sz="1200" dirty="0">
+                <a:solidFill>
+                  <a:schemeClr val="tx1"/>
+                </a:solidFill>
                 <a:latin typeface="Times New Roman" panose="02020603050405020304" pitchFamily="18" charset="0"/>
                 <a:cs typeface="Times New Roman" panose="02020603050405020304" pitchFamily="18" charset="0"/>
               </a:rPr>
@@ -12209,6 +12196,9 @@
               <a:buNone/>
             </a:pPr>
             <a:endParaRPr lang="en-ID" sz="1200" dirty="0">
+              <a:solidFill>
+                <a:schemeClr val="tx1"/>
+              </a:solidFill>
               <a:latin typeface="Times New Roman" panose="02020603050405020304" pitchFamily="18" charset="0"/>
               <a:cs typeface="Times New Roman" panose="02020603050405020304" pitchFamily="18" charset="0"/>
             </a:endParaRPr>
@@ -12228,6 +12218,9 @@
               <a:buNone/>
             </a:pPr>
             <a:endParaRPr sz="1200" dirty="0">
+              <a:solidFill>
+                <a:schemeClr val="tx1"/>
+              </a:solidFill>
               <a:latin typeface="Times New Roman" panose="02020603050405020304" pitchFamily="18" charset="0"/>
               <a:cs typeface="Times New Roman" panose="02020603050405020304" pitchFamily="18" charset="0"/>
             </a:endParaRPr>
@@ -13158,6 +13151,9 @@
             </a:pPr>
             <a:r>
               <a:rPr lang="en-US" sz="1600" dirty="0">
+                <a:solidFill>
+                  <a:schemeClr val="tx1"/>
+                </a:solidFill>
                 <a:latin typeface="Times New Roman" panose="02020603050405020304" pitchFamily="18" charset="0"/>
                 <a:cs typeface="Times New Roman" panose="02020603050405020304" pitchFamily="18" charset="0"/>
               </a:rPr>
@@ -13165,6 +13161,9 @@
             </a:r>
             <a:r>
               <a:rPr lang="en-US" sz="1600" dirty="0" err="1">
+                <a:solidFill>
+                  <a:schemeClr val="tx1"/>
+                </a:solidFill>
                 <a:latin typeface="Times New Roman" panose="02020603050405020304" pitchFamily="18" charset="0"/>
                 <a:cs typeface="Times New Roman" panose="02020603050405020304" pitchFamily="18" charset="0"/>
               </a:rPr>
@@ -13172,6 +13171,9 @@
             </a:r>
             <a:r>
               <a:rPr lang="en-US" sz="1600" dirty="0">
+                <a:solidFill>
+                  <a:schemeClr val="tx1"/>
+                </a:solidFill>
                 <a:latin typeface="Times New Roman" panose="02020603050405020304" pitchFamily="18" charset="0"/>
                 <a:cs typeface="Times New Roman" panose="02020603050405020304" pitchFamily="18" charset="0"/>
               </a:rPr>
@@ -13179,6 +13181,9 @@
             </a:r>
             <a:r>
               <a:rPr lang="en-US" sz="1600" dirty="0" err="1">
+                <a:solidFill>
+                  <a:schemeClr val="tx1"/>
+                </a:solidFill>
                 <a:latin typeface="Times New Roman" panose="02020603050405020304" pitchFamily="18" charset="0"/>
                 <a:cs typeface="Times New Roman" panose="02020603050405020304" pitchFamily="18" charset="0"/>
               </a:rPr>
@@ -13186,6 +13191,9 @@
             </a:r>
             <a:r>
               <a:rPr lang="en-US" sz="1600" dirty="0">
+                <a:solidFill>
+                  <a:schemeClr val="tx1"/>
+                </a:solidFill>
                 <a:latin typeface="Times New Roman" panose="02020603050405020304" pitchFamily="18" charset="0"/>
                 <a:cs typeface="Times New Roman" panose="02020603050405020304" pitchFamily="18" charset="0"/>
               </a:rPr>
@@ -13193,6 +13201,9 @@
             </a:r>
             <a:r>
               <a:rPr lang="en-US" sz="1600" dirty="0" err="1">
+                <a:solidFill>
+                  <a:schemeClr val="tx1"/>
+                </a:solidFill>
                 <a:latin typeface="Times New Roman" panose="02020603050405020304" pitchFamily="18" charset="0"/>
                 <a:cs typeface="Times New Roman" panose="02020603050405020304" pitchFamily="18" charset="0"/>
               </a:rPr>
@@ -13200,6 +13211,9 @@
             </a:r>
             <a:r>
               <a:rPr lang="en-US" sz="1600" dirty="0">
+                <a:solidFill>
+                  <a:schemeClr val="tx1"/>
+                </a:solidFill>
                 <a:latin typeface="Times New Roman" panose="02020603050405020304" pitchFamily="18" charset="0"/>
                 <a:cs typeface="Times New Roman" panose="02020603050405020304" pitchFamily="18" charset="0"/>
               </a:rPr>
@@ -13207,6 +13221,9 @@
             </a:r>
             <a:r>
               <a:rPr lang="en-US" sz="1600" dirty="0" err="1">
+                <a:solidFill>
+                  <a:schemeClr val="tx1"/>
+                </a:solidFill>
                 <a:latin typeface="Times New Roman" panose="02020603050405020304" pitchFamily="18" charset="0"/>
                 <a:cs typeface="Times New Roman" panose="02020603050405020304" pitchFamily="18" charset="0"/>
               </a:rPr>
@@ -13214,6 +13231,9 @@
             </a:r>
             <a:r>
               <a:rPr lang="en-US" sz="1600" dirty="0">
+                <a:solidFill>
+                  <a:schemeClr val="tx1"/>
+                </a:solidFill>
                 <a:latin typeface="Times New Roman" panose="02020603050405020304" pitchFamily="18" charset="0"/>
                 <a:cs typeface="Times New Roman" panose="02020603050405020304" pitchFamily="18" charset="0"/>
               </a:rPr>
@@ -13221,6 +13241,9 @@
             </a:r>
             <a:r>
               <a:rPr lang="en-US" sz="1600" dirty="0" err="1">
+                <a:solidFill>
+                  <a:schemeClr val="tx1"/>
+                </a:solidFill>
                 <a:latin typeface="Times New Roman" panose="02020603050405020304" pitchFamily="18" charset="0"/>
                 <a:cs typeface="Times New Roman" panose="02020603050405020304" pitchFamily="18" charset="0"/>
               </a:rPr>
@@ -13228,6 +13251,9 @@
             </a:r>
             <a:r>
               <a:rPr lang="en-US" sz="1600" dirty="0">
+                <a:solidFill>
+                  <a:schemeClr val="tx1"/>
+                </a:solidFill>
                 <a:latin typeface="Times New Roman" panose="02020603050405020304" pitchFamily="18" charset="0"/>
                 <a:cs typeface="Times New Roman" panose="02020603050405020304" pitchFamily="18" charset="0"/>
               </a:rPr>
@@ -13235,6 +13261,9 @@
             </a:r>
             <a:r>
               <a:rPr lang="en-US" sz="1600" dirty="0" err="1">
+                <a:solidFill>
+                  <a:schemeClr val="tx1"/>
+                </a:solidFill>
                 <a:latin typeface="Times New Roman" panose="02020603050405020304" pitchFamily="18" charset="0"/>
                 <a:cs typeface="Times New Roman" panose="02020603050405020304" pitchFamily="18" charset="0"/>
               </a:rPr>
@@ -13242,6 +13271,9 @@
             </a:r>
             <a:r>
               <a:rPr lang="en-US" sz="1600" dirty="0">
+                <a:solidFill>
+                  <a:schemeClr val="tx1"/>
+                </a:solidFill>
                 <a:latin typeface="Times New Roman" panose="02020603050405020304" pitchFamily="18" charset="0"/>
                 <a:cs typeface="Times New Roman" panose="02020603050405020304" pitchFamily="18" charset="0"/>
               </a:rPr>
@@ -13249,6 +13281,9 @@
             </a:r>
             <a:r>
               <a:rPr lang="en-US" sz="1600" dirty="0" err="1">
+                <a:solidFill>
+                  <a:schemeClr val="tx1"/>
+                </a:solidFill>
                 <a:latin typeface="Times New Roman" panose="02020603050405020304" pitchFamily="18" charset="0"/>
                 <a:cs typeface="Times New Roman" panose="02020603050405020304" pitchFamily="18" charset="0"/>
               </a:rPr>
@@ -13256,6 +13291,9 @@
             </a:r>
             <a:r>
               <a:rPr lang="en-US" sz="1600" dirty="0">
+                <a:solidFill>
+                  <a:schemeClr val="tx1"/>
+                </a:solidFill>
                 <a:latin typeface="Times New Roman" panose="02020603050405020304" pitchFamily="18" charset="0"/>
                 <a:cs typeface="Times New Roman" panose="02020603050405020304" pitchFamily="18" charset="0"/>
               </a:rPr>
@@ -13263,6 +13301,9 @@
             </a:r>
             <a:r>
               <a:rPr lang="en-US" sz="1600" dirty="0" err="1">
+                <a:solidFill>
+                  <a:schemeClr val="tx1"/>
+                </a:solidFill>
                 <a:latin typeface="Times New Roman" panose="02020603050405020304" pitchFamily="18" charset="0"/>
                 <a:cs typeface="Times New Roman" panose="02020603050405020304" pitchFamily="18" charset="0"/>
               </a:rPr>
@@ -13270,6 +13311,9 @@
             </a:r>
             <a:r>
               <a:rPr lang="en-US" sz="1600" dirty="0">
+                <a:solidFill>
+                  <a:schemeClr val="tx1"/>
+                </a:solidFill>
                 <a:latin typeface="Times New Roman" panose="02020603050405020304" pitchFamily="18" charset="0"/>
                 <a:cs typeface="Times New Roman" panose="02020603050405020304" pitchFamily="18" charset="0"/>
               </a:rPr>
@@ -13277,6 +13321,9 @@
             </a:r>
             <a:r>
               <a:rPr lang="en-US" sz="1600" dirty="0" err="1">
+                <a:solidFill>
+                  <a:schemeClr val="tx1"/>
+                </a:solidFill>
                 <a:latin typeface="Times New Roman" panose="02020603050405020304" pitchFamily="18" charset="0"/>
                 <a:cs typeface="Times New Roman" panose="02020603050405020304" pitchFamily="18" charset="0"/>
               </a:rPr>
@@ -13284,6 +13331,9 @@
             </a:r>
             <a:r>
               <a:rPr lang="en-US" sz="1600" dirty="0">
+                <a:solidFill>
+                  <a:schemeClr val="tx1"/>
+                </a:solidFill>
                 <a:latin typeface="Times New Roman" panose="02020603050405020304" pitchFamily="18" charset="0"/>
                 <a:cs typeface="Times New Roman" panose="02020603050405020304" pitchFamily="18" charset="0"/>
               </a:rPr>
@@ -13291,6 +13341,9 @@
             </a:r>
             <a:r>
               <a:rPr lang="en-US" sz="1600" dirty="0" err="1">
+                <a:solidFill>
+                  <a:schemeClr val="tx1"/>
+                </a:solidFill>
                 <a:latin typeface="Times New Roman" panose="02020603050405020304" pitchFamily="18" charset="0"/>
                 <a:cs typeface="Times New Roman" panose="02020603050405020304" pitchFamily="18" charset="0"/>
               </a:rPr>
@@ -13298,6 +13351,9 @@
             </a:r>
             <a:r>
               <a:rPr lang="en-US" sz="1600" dirty="0">
+                <a:solidFill>
+                  <a:schemeClr val="tx1"/>
+                </a:solidFill>
                 <a:latin typeface="Times New Roman" panose="02020603050405020304" pitchFamily="18" charset="0"/>
                 <a:cs typeface="Times New Roman" panose="02020603050405020304" pitchFamily="18" charset="0"/>
               </a:rPr>
@@ -13305,6 +13361,9 @@
             </a:r>
             <a:r>
               <a:rPr lang="en-US" sz="1600" dirty="0" err="1">
+                <a:solidFill>
+                  <a:schemeClr val="tx1"/>
+                </a:solidFill>
                 <a:latin typeface="Times New Roman" panose="02020603050405020304" pitchFamily="18" charset="0"/>
                 <a:cs typeface="Times New Roman" panose="02020603050405020304" pitchFamily="18" charset="0"/>
               </a:rPr>
@@ -13312,6 +13371,9 @@
             </a:r>
             <a:r>
               <a:rPr lang="en-US" sz="1600" dirty="0">
+                <a:solidFill>
+                  <a:schemeClr val="tx1"/>
+                </a:solidFill>
                 <a:latin typeface="Times New Roman" panose="02020603050405020304" pitchFamily="18" charset="0"/>
                 <a:cs typeface="Times New Roman" panose="02020603050405020304" pitchFamily="18" charset="0"/>
               </a:rPr>
@@ -13319,6 +13381,9 @@
             </a:r>
             <a:r>
               <a:rPr lang="en-US" sz="1600" dirty="0" err="1">
+                <a:solidFill>
+                  <a:schemeClr val="tx1"/>
+                </a:solidFill>
                 <a:latin typeface="Times New Roman" panose="02020603050405020304" pitchFamily="18" charset="0"/>
                 <a:cs typeface="Times New Roman" panose="02020603050405020304" pitchFamily="18" charset="0"/>
               </a:rPr>
@@ -13326,6 +13391,9 @@
             </a:r>
             <a:r>
               <a:rPr lang="en-US" sz="1600" dirty="0">
+                <a:solidFill>
+                  <a:schemeClr val="tx1"/>
+                </a:solidFill>
                 <a:latin typeface="Times New Roman" panose="02020603050405020304" pitchFamily="18" charset="0"/>
                 <a:cs typeface="Times New Roman" panose="02020603050405020304" pitchFamily="18" charset="0"/>
               </a:rPr>
@@ -13333,6 +13401,9 @@
             </a:r>
             <a:r>
               <a:rPr lang="en-US" sz="1600" dirty="0" err="1">
+                <a:solidFill>
+                  <a:schemeClr val="tx1"/>
+                </a:solidFill>
                 <a:latin typeface="Times New Roman" panose="02020603050405020304" pitchFamily="18" charset="0"/>
                 <a:cs typeface="Times New Roman" panose="02020603050405020304" pitchFamily="18" charset="0"/>
               </a:rPr>
@@ -13340,6 +13411,9 @@
             </a:r>
             <a:r>
               <a:rPr lang="en-US" sz="1600" dirty="0">
+                <a:solidFill>
+                  <a:schemeClr val="tx1"/>
+                </a:solidFill>
                 <a:latin typeface="Times New Roman" panose="02020603050405020304" pitchFamily="18" charset="0"/>
                 <a:cs typeface="Times New Roman" panose="02020603050405020304" pitchFamily="18" charset="0"/>
               </a:rPr>
@@ -13347,6 +13421,9 @@
             </a:r>
             <a:r>
               <a:rPr lang="en-US" sz="1600" dirty="0" err="1">
+                <a:solidFill>
+                  <a:schemeClr val="tx1"/>
+                </a:solidFill>
                 <a:latin typeface="Times New Roman" panose="02020603050405020304" pitchFamily="18" charset="0"/>
                 <a:cs typeface="Times New Roman" panose="02020603050405020304" pitchFamily="18" charset="0"/>
               </a:rPr>
@@ -13354,6 +13431,9 @@
             </a:r>
             <a:r>
               <a:rPr lang="en-US" sz="1600" dirty="0">
+                <a:solidFill>
+                  <a:schemeClr val="tx1"/>
+                </a:solidFill>
                 <a:latin typeface="Times New Roman" panose="02020603050405020304" pitchFamily="18" charset="0"/>
                 <a:cs typeface="Times New Roman" panose="02020603050405020304" pitchFamily="18" charset="0"/>
               </a:rPr>
@@ -13361,6 +13441,9 @@
             </a:r>
             <a:r>
               <a:rPr lang="en-US" sz="1600" dirty="0" err="1">
+                <a:solidFill>
+                  <a:schemeClr val="tx1"/>
+                </a:solidFill>
                 <a:latin typeface="Times New Roman" panose="02020603050405020304" pitchFamily="18" charset="0"/>
                 <a:cs typeface="Times New Roman" panose="02020603050405020304" pitchFamily="18" charset="0"/>
               </a:rPr>
@@ -13368,6 +13451,9 @@
             </a:r>
             <a:r>
               <a:rPr lang="en-US" sz="1600" dirty="0">
+                <a:solidFill>
+                  <a:schemeClr val="tx1"/>
+                </a:solidFill>
                 <a:latin typeface="Times New Roman" panose="02020603050405020304" pitchFamily="18" charset="0"/>
                 <a:cs typeface="Times New Roman" panose="02020603050405020304" pitchFamily="18" charset="0"/>
               </a:rPr>
@@ -13375,6 +13461,9 @@
             </a:r>
             <a:r>
               <a:rPr lang="en-US" sz="1600" dirty="0" err="1">
+                <a:solidFill>
+                  <a:schemeClr val="tx1"/>
+                </a:solidFill>
                 <a:latin typeface="Times New Roman" panose="02020603050405020304" pitchFamily="18" charset="0"/>
                 <a:cs typeface="Times New Roman" panose="02020603050405020304" pitchFamily="18" charset="0"/>
               </a:rPr>
@@ -13382,6 +13471,9 @@
             </a:r>
             <a:r>
               <a:rPr lang="en-US" sz="1600" dirty="0">
+                <a:solidFill>
+                  <a:schemeClr val="tx1"/>
+                </a:solidFill>
                 <a:latin typeface="Times New Roman" panose="02020603050405020304" pitchFamily="18" charset="0"/>
                 <a:cs typeface="Times New Roman" panose="02020603050405020304" pitchFamily="18" charset="0"/>
               </a:rPr>
@@ -13389,6 +13481,9 @@
             </a:r>
             <a:r>
               <a:rPr lang="en-US" sz="1600" dirty="0" err="1">
+                <a:solidFill>
+                  <a:schemeClr val="tx1"/>
+                </a:solidFill>
                 <a:latin typeface="Times New Roman" panose="02020603050405020304" pitchFamily="18" charset="0"/>
                 <a:cs typeface="Times New Roman" panose="02020603050405020304" pitchFamily="18" charset="0"/>
               </a:rPr>
@@ -13396,6 +13491,9 @@
             </a:r>
             <a:r>
               <a:rPr lang="en-US" sz="1600" dirty="0">
+                <a:solidFill>
+                  <a:schemeClr val="tx1"/>
+                </a:solidFill>
                 <a:latin typeface="Times New Roman" panose="02020603050405020304" pitchFamily="18" charset="0"/>
                 <a:cs typeface="Times New Roman" panose="02020603050405020304" pitchFamily="18" charset="0"/>
               </a:rPr>
@@ -13403,6 +13501,9 @@
             </a:r>
             <a:r>
               <a:rPr lang="en-US" sz="1600" dirty="0" err="1">
+                <a:solidFill>
+                  <a:schemeClr val="tx1"/>
+                </a:solidFill>
                 <a:latin typeface="Times New Roman" panose="02020603050405020304" pitchFamily="18" charset="0"/>
                 <a:cs typeface="Times New Roman" panose="02020603050405020304" pitchFamily="18" charset="0"/>
               </a:rPr>
@@ -13410,6 +13511,9 @@
             </a:r>
             <a:r>
               <a:rPr lang="en-US" sz="1600" dirty="0">
+                <a:solidFill>
+                  <a:schemeClr val="tx1"/>
+                </a:solidFill>
                 <a:latin typeface="Times New Roman" panose="02020603050405020304" pitchFamily="18" charset="0"/>
                 <a:cs typeface="Times New Roman" panose="02020603050405020304" pitchFamily="18" charset="0"/>
               </a:rPr>
@@ -13417,6 +13521,9 @@
             </a:r>
             <a:r>
               <a:rPr lang="en-US" sz="1600" dirty="0" err="1">
+                <a:solidFill>
+                  <a:schemeClr val="tx1"/>
+                </a:solidFill>
                 <a:latin typeface="Times New Roman" panose="02020603050405020304" pitchFamily="18" charset="0"/>
                 <a:cs typeface="Times New Roman" panose="02020603050405020304" pitchFamily="18" charset="0"/>
               </a:rPr>
@@ -13424,6 +13531,9 @@
             </a:r>
             <a:r>
               <a:rPr lang="en-US" sz="1600" dirty="0">
+                <a:solidFill>
+                  <a:schemeClr val="tx1"/>
+                </a:solidFill>
                 <a:latin typeface="Times New Roman" panose="02020603050405020304" pitchFamily="18" charset="0"/>
                 <a:cs typeface="Times New Roman" panose="02020603050405020304" pitchFamily="18" charset="0"/>
               </a:rPr>
@@ -13431,6 +13541,9 @@
             </a:r>
             <a:r>
               <a:rPr lang="en-US" sz="1600" dirty="0" err="1">
+                <a:solidFill>
+                  <a:schemeClr val="tx1"/>
+                </a:solidFill>
                 <a:latin typeface="Times New Roman" panose="02020603050405020304" pitchFamily="18" charset="0"/>
                 <a:cs typeface="Times New Roman" panose="02020603050405020304" pitchFamily="18" charset="0"/>
               </a:rPr>
@@ -13438,6 +13551,9 @@
             </a:r>
             <a:r>
               <a:rPr lang="en-US" sz="1600" dirty="0">
+                <a:solidFill>
+                  <a:schemeClr val="tx1"/>
+                </a:solidFill>
                 <a:latin typeface="Times New Roman" panose="02020603050405020304" pitchFamily="18" charset="0"/>
                 <a:cs typeface="Times New Roman" panose="02020603050405020304" pitchFamily="18" charset="0"/>
               </a:rPr>
@@ -13445,6 +13561,9 @@
             </a:r>
             <a:r>
               <a:rPr lang="en-US" sz="1600" dirty="0" err="1">
+                <a:solidFill>
+                  <a:schemeClr val="tx1"/>
+                </a:solidFill>
                 <a:latin typeface="Times New Roman" panose="02020603050405020304" pitchFamily="18" charset="0"/>
                 <a:cs typeface="Times New Roman" panose="02020603050405020304" pitchFamily="18" charset="0"/>
               </a:rPr>
@@ -13452,6 +13571,9 @@
             </a:r>
             <a:r>
               <a:rPr lang="en-US" sz="1600" dirty="0">
+                <a:solidFill>
+                  <a:schemeClr val="tx1"/>
+                </a:solidFill>
                 <a:latin typeface="Times New Roman" panose="02020603050405020304" pitchFamily="18" charset="0"/>
                 <a:cs typeface="Times New Roman" panose="02020603050405020304" pitchFamily="18" charset="0"/>
               </a:rPr>
@@ -13459,6 +13581,9 @@
             </a:r>
             <a:r>
               <a:rPr lang="en-US" sz="1600" dirty="0" err="1">
+                <a:solidFill>
+                  <a:schemeClr val="tx1"/>
+                </a:solidFill>
                 <a:latin typeface="Times New Roman" panose="02020603050405020304" pitchFamily="18" charset="0"/>
                 <a:cs typeface="Times New Roman" panose="02020603050405020304" pitchFamily="18" charset="0"/>
               </a:rPr>
@@ -13466,6 +13591,9 @@
             </a:r>
             <a:r>
               <a:rPr lang="en-US" sz="1600" dirty="0">
+                <a:solidFill>
+                  <a:schemeClr val="tx1"/>
+                </a:solidFill>
                 <a:latin typeface="Times New Roman" panose="02020603050405020304" pitchFamily="18" charset="0"/>
                 <a:cs typeface="Times New Roman" panose="02020603050405020304" pitchFamily="18" charset="0"/>
               </a:rPr>
@@ -13473,6 +13601,9 @@
             </a:r>
             <a:r>
               <a:rPr lang="en-US" sz="1600" dirty="0" err="1">
+                <a:solidFill>
+                  <a:schemeClr val="tx1"/>
+                </a:solidFill>
                 <a:latin typeface="Times New Roman" panose="02020603050405020304" pitchFamily="18" charset="0"/>
                 <a:cs typeface="Times New Roman" panose="02020603050405020304" pitchFamily="18" charset="0"/>
               </a:rPr>
@@ -13480,6 +13611,9 @@
             </a:r>
             <a:r>
               <a:rPr lang="en-US" sz="1600" dirty="0">
+                <a:solidFill>
+                  <a:schemeClr val="tx1"/>
+                </a:solidFill>
                 <a:latin typeface="Times New Roman" panose="02020603050405020304" pitchFamily="18" charset="0"/>
                 <a:cs typeface="Times New Roman" panose="02020603050405020304" pitchFamily="18" charset="0"/>
               </a:rPr>
@@ -13487,6 +13621,9 @@
             </a:r>
             <a:r>
               <a:rPr lang="en-US" sz="1600" dirty="0" err="1">
+                <a:solidFill>
+                  <a:schemeClr val="tx1"/>
+                </a:solidFill>
                 <a:latin typeface="Times New Roman" panose="02020603050405020304" pitchFamily="18" charset="0"/>
                 <a:cs typeface="Times New Roman" panose="02020603050405020304" pitchFamily="18" charset="0"/>
               </a:rPr>
@@ -13494,6 +13631,9 @@
             </a:r>
             <a:r>
               <a:rPr lang="en-US" sz="1600" dirty="0">
+                <a:solidFill>
+                  <a:schemeClr val="tx1"/>
+                </a:solidFill>
                 <a:latin typeface="Times New Roman" panose="02020603050405020304" pitchFamily="18" charset="0"/>
                 <a:cs typeface="Times New Roman" panose="02020603050405020304" pitchFamily="18" charset="0"/>
               </a:rPr>
@@ -13501,6 +13641,9 @@
             </a:r>
             <a:r>
               <a:rPr lang="en-US" sz="1600" dirty="0" err="1">
+                <a:solidFill>
+                  <a:schemeClr val="tx1"/>
+                </a:solidFill>
                 <a:latin typeface="Times New Roman" panose="02020603050405020304" pitchFamily="18" charset="0"/>
                 <a:cs typeface="Times New Roman" panose="02020603050405020304" pitchFamily="18" charset="0"/>
               </a:rPr>
@@ -13508,6 +13651,9 @@
             </a:r>
             <a:r>
               <a:rPr lang="en-US" sz="1600" dirty="0">
+                <a:solidFill>
+                  <a:schemeClr val="tx1"/>
+                </a:solidFill>
                 <a:latin typeface="Times New Roman" panose="02020603050405020304" pitchFamily="18" charset="0"/>
                 <a:cs typeface="Times New Roman" panose="02020603050405020304" pitchFamily="18" charset="0"/>
               </a:rPr>
@@ -13515,6 +13661,9 @@
             </a:r>
             <a:r>
               <a:rPr lang="en-US" sz="1600" dirty="0" err="1">
+                <a:solidFill>
+                  <a:schemeClr val="tx1"/>
+                </a:solidFill>
                 <a:latin typeface="Times New Roman" panose="02020603050405020304" pitchFamily="18" charset="0"/>
                 <a:cs typeface="Times New Roman" panose="02020603050405020304" pitchFamily="18" charset="0"/>
               </a:rPr>
@@ -13522,6 +13671,9 @@
             </a:r>
             <a:r>
               <a:rPr lang="en-US" sz="1600" dirty="0">
+                <a:solidFill>
+                  <a:schemeClr val="tx1"/>
+                </a:solidFill>
                 <a:latin typeface="Times New Roman" panose="02020603050405020304" pitchFamily="18" charset="0"/>
                 <a:cs typeface="Times New Roman" panose="02020603050405020304" pitchFamily="18" charset="0"/>
               </a:rPr>
@@ -13529,6 +13681,9 @@
             </a:r>
             <a:r>
               <a:rPr lang="en-US" sz="1600" dirty="0" err="1">
+                <a:solidFill>
+                  <a:schemeClr val="tx1"/>
+                </a:solidFill>
                 <a:latin typeface="Times New Roman" panose="02020603050405020304" pitchFamily="18" charset="0"/>
                 <a:cs typeface="Times New Roman" panose="02020603050405020304" pitchFamily="18" charset="0"/>
               </a:rPr>
@@ -13536,6 +13691,9 @@
             </a:r>
             <a:r>
               <a:rPr lang="en-US" sz="1600" dirty="0">
+                <a:solidFill>
+                  <a:schemeClr val="tx1"/>
+                </a:solidFill>
                 <a:latin typeface="Times New Roman" panose="02020603050405020304" pitchFamily="18" charset="0"/>
                 <a:cs typeface="Times New Roman" panose="02020603050405020304" pitchFamily="18" charset="0"/>
               </a:rPr>
@@ -13543,6 +13701,9 @@
             </a:r>
             <a:r>
               <a:rPr lang="en-US" sz="1600" dirty="0" err="1">
+                <a:solidFill>
+                  <a:schemeClr val="tx1"/>
+                </a:solidFill>
                 <a:latin typeface="Times New Roman" panose="02020603050405020304" pitchFamily="18" charset="0"/>
                 <a:cs typeface="Times New Roman" panose="02020603050405020304" pitchFamily="18" charset="0"/>
               </a:rPr>
@@ -13550,6 +13711,9 @@
             </a:r>
             <a:r>
               <a:rPr lang="en-US" sz="1600" dirty="0">
+                <a:solidFill>
+                  <a:schemeClr val="tx1"/>
+                </a:solidFill>
                 <a:latin typeface="Times New Roman" panose="02020603050405020304" pitchFamily="18" charset="0"/>
                 <a:cs typeface="Times New Roman" panose="02020603050405020304" pitchFamily="18" charset="0"/>
               </a:rPr>
@@ -13557,6 +13721,9 @@
             </a:r>
             <a:r>
               <a:rPr lang="en-US" sz="1600" dirty="0" err="1">
+                <a:solidFill>
+                  <a:schemeClr val="tx1"/>
+                </a:solidFill>
                 <a:latin typeface="Times New Roman" panose="02020603050405020304" pitchFamily="18" charset="0"/>
                 <a:cs typeface="Times New Roman" panose="02020603050405020304" pitchFamily="18" charset="0"/>
               </a:rPr>
@@ -13564,6 +13731,9 @@
             </a:r>
             <a:r>
               <a:rPr lang="en-US" sz="1600" dirty="0">
+                <a:solidFill>
+                  <a:schemeClr val="tx1"/>
+                </a:solidFill>
                 <a:latin typeface="Times New Roman" panose="02020603050405020304" pitchFamily="18" charset="0"/>
                 <a:cs typeface="Times New Roman" panose="02020603050405020304" pitchFamily="18" charset="0"/>
               </a:rPr>
@@ -13571,6 +13741,9 @@
             </a:r>
             <a:r>
               <a:rPr lang="en-US" sz="1600" dirty="0" err="1">
+                <a:solidFill>
+                  <a:schemeClr val="tx1"/>
+                </a:solidFill>
                 <a:latin typeface="Times New Roman" panose="02020603050405020304" pitchFamily="18" charset="0"/>
                 <a:cs typeface="Times New Roman" panose="02020603050405020304" pitchFamily="18" charset="0"/>
               </a:rPr>
@@ -13578,6 +13751,9 @@
             </a:r>
             <a:r>
               <a:rPr lang="en-US" sz="1600" dirty="0">
+                <a:solidFill>
+                  <a:schemeClr val="tx1"/>
+                </a:solidFill>
                 <a:latin typeface="Times New Roman" panose="02020603050405020304" pitchFamily="18" charset="0"/>
                 <a:cs typeface="Times New Roman" panose="02020603050405020304" pitchFamily="18" charset="0"/>
               </a:rPr>
@@ -13585,6 +13761,9 @@
             </a:r>
             <a:r>
               <a:rPr lang="en-US" sz="1600" dirty="0" err="1">
+                <a:solidFill>
+                  <a:schemeClr val="tx1"/>
+                </a:solidFill>
                 <a:latin typeface="Times New Roman" panose="02020603050405020304" pitchFamily="18" charset="0"/>
                 <a:cs typeface="Times New Roman" panose="02020603050405020304" pitchFamily="18" charset="0"/>
               </a:rPr>
@@ -13592,6 +13771,9 @@
             </a:r>
             <a:r>
               <a:rPr lang="en-US" sz="1600" dirty="0">
+                <a:solidFill>
+                  <a:schemeClr val="tx1"/>
+                </a:solidFill>
                 <a:latin typeface="Times New Roman" panose="02020603050405020304" pitchFamily="18" charset="0"/>
                 <a:cs typeface="Times New Roman" panose="02020603050405020304" pitchFamily="18" charset="0"/>
               </a:rPr>
@@ -13599,6 +13781,9 @@
             </a:r>
             <a:r>
               <a:rPr lang="en-US" sz="1600" dirty="0" err="1">
+                <a:solidFill>
+                  <a:schemeClr val="tx1"/>
+                </a:solidFill>
                 <a:latin typeface="Times New Roman" panose="02020603050405020304" pitchFamily="18" charset="0"/>
                 <a:cs typeface="Times New Roman" panose="02020603050405020304" pitchFamily="18" charset="0"/>
               </a:rPr>
@@ -13606,6 +13791,9 @@
             </a:r>
             <a:r>
               <a:rPr lang="en-US" sz="1600" dirty="0">
+                <a:solidFill>
+                  <a:schemeClr val="tx1"/>
+                </a:solidFill>
                 <a:latin typeface="Times New Roman" panose="02020603050405020304" pitchFamily="18" charset="0"/>
                 <a:cs typeface="Times New Roman" panose="02020603050405020304" pitchFamily="18" charset="0"/>
               </a:rPr>
@@ -13613,6 +13801,9 @@
             </a:r>
             <a:r>
               <a:rPr lang="en-US" sz="1600" dirty="0" err="1">
+                <a:solidFill>
+                  <a:schemeClr val="tx1"/>
+                </a:solidFill>
                 <a:latin typeface="Times New Roman" panose="02020603050405020304" pitchFamily="18" charset="0"/>
                 <a:cs typeface="Times New Roman" panose="02020603050405020304" pitchFamily="18" charset="0"/>
               </a:rPr>
@@ -13620,6 +13811,9 @@
             </a:r>
             <a:r>
               <a:rPr lang="en-US" sz="1600" dirty="0">
+                <a:solidFill>
+                  <a:schemeClr val="tx1"/>
+                </a:solidFill>
                 <a:latin typeface="Times New Roman" panose="02020603050405020304" pitchFamily="18" charset="0"/>
                 <a:cs typeface="Times New Roman" panose="02020603050405020304" pitchFamily="18" charset="0"/>
               </a:rPr>
@@ -13627,6 +13821,9 @@
             </a:r>
             <a:r>
               <a:rPr lang="en-US" sz="1600" dirty="0" err="1">
+                <a:solidFill>
+                  <a:schemeClr val="tx1"/>
+                </a:solidFill>
                 <a:latin typeface="Times New Roman" panose="02020603050405020304" pitchFamily="18" charset="0"/>
                 <a:cs typeface="Times New Roman" panose="02020603050405020304" pitchFamily="18" charset="0"/>
               </a:rPr>
@@ -13634,6 +13831,9 @@
             </a:r>
             <a:r>
               <a:rPr lang="en-US" sz="1600" dirty="0">
+                <a:solidFill>
+                  <a:schemeClr val="tx1"/>
+                </a:solidFill>
                 <a:latin typeface="Times New Roman" panose="02020603050405020304" pitchFamily="18" charset="0"/>
                 <a:cs typeface="Times New Roman" panose="02020603050405020304" pitchFamily="18" charset="0"/>
               </a:rPr>
@@ -13641,6 +13841,9 @@
             </a:r>
             <a:r>
               <a:rPr lang="en-US" sz="1600" dirty="0" err="1">
+                <a:solidFill>
+                  <a:schemeClr val="tx1"/>
+                </a:solidFill>
                 <a:latin typeface="Times New Roman" panose="02020603050405020304" pitchFamily="18" charset="0"/>
                 <a:cs typeface="Times New Roman" panose="02020603050405020304" pitchFamily="18" charset="0"/>
               </a:rPr>
@@ -13648,6 +13851,9 @@
             </a:r>
             <a:r>
               <a:rPr lang="en-US" sz="1600" dirty="0">
+                <a:solidFill>
+                  <a:schemeClr val="tx1"/>
+                </a:solidFill>
                 <a:latin typeface="Times New Roman" panose="02020603050405020304" pitchFamily="18" charset="0"/>
                 <a:cs typeface="Times New Roman" panose="02020603050405020304" pitchFamily="18" charset="0"/>
               </a:rPr>
@@ -13655,6 +13861,9 @@
             </a:r>
             <a:r>
               <a:rPr lang="en-US" sz="1600" dirty="0" err="1">
+                <a:solidFill>
+                  <a:schemeClr val="tx1"/>
+                </a:solidFill>
                 <a:latin typeface="Times New Roman" panose="02020603050405020304" pitchFamily="18" charset="0"/>
                 <a:cs typeface="Times New Roman" panose="02020603050405020304" pitchFamily="18" charset="0"/>
               </a:rPr>
@@ -13662,6 +13871,9 @@
             </a:r>
             <a:r>
               <a:rPr lang="en-US" sz="1600" dirty="0">
+                <a:solidFill>
+                  <a:schemeClr val="tx1"/>
+                </a:solidFill>
                 <a:latin typeface="Times New Roman" panose="02020603050405020304" pitchFamily="18" charset="0"/>
                 <a:cs typeface="Times New Roman" panose="02020603050405020304" pitchFamily="18" charset="0"/>
               </a:rPr>
@@ -13669,6 +13881,9 @@
             </a:r>
             <a:r>
               <a:rPr lang="en-US" sz="1600" dirty="0" err="1">
+                <a:solidFill>
+                  <a:schemeClr val="tx1"/>
+                </a:solidFill>
                 <a:latin typeface="Times New Roman" panose="02020603050405020304" pitchFamily="18" charset="0"/>
                 <a:cs typeface="Times New Roman" panose="02020603050405020304" pitchFamily="18" charset="0"/>
               </a:rPr>
@@ -13676,6 +13891,9 @@
             </a:r>
             <a:r>
               <a:rPr lang="en-US" sz="1600" dirty="0">
+                <a:solidFill>
+                  <a:schemeClr val="tx1"/>
+                </a:solidFill>
                 <a:latin typeface="Times New Roman" panose="02020603050405020304" pitchFamily="18" charset="0"/>
                 <a:cs typeface="Times New Roman" panose="02020603050405020304" pitchFamily="18" charset="0"/>
               </a:rPr>
@@ -13683,6 +13901,9 @@
             </a:r>
             <a:r>
               <a:rPr lang="en-US" sz="1600" dirty="0" err="1">
+                <a:solidFill>
+                  <a:schemeClr val="tx1"/>
+                </a:solidFill>
                 <a:latin typeface="Times New Roman" panose="02020603050405020304" pitchFamily="18" charset="0"/>
                 <a:cs typeface="Times New Roman" panose="02020603050405020304" pitchFamily="18" charset="0"/>
               </a:rPr>
@@ -13690,6 +13911,9 @@
             </a:r>
             <a:r>
               <a:rPr lang="en-US" sz="1600" dirty="0">
+                <a:solidFill>
+                  <a:schemeClr val="tx1"/>
+                </a:solidFill>
                 <a:latin typeface="Times New Roman" panose="02020603050405020304" pitchFamily="18" charset="0"/>
                 <a:cs typeface="Times New Roman" panose="02020603050405020304" pitchFamily="18" charset="0"/>
               </a:rPr>
@@ -13697,6 +13921,9 @@
             </a:r>
             <a:r>
               <a:rPr lang="en-US" sz="1600" dirty="0" err="1">
+                <a:solidFill>
+                  <a:schemeClr val="tx1"/>
+                </a:solidFill>
                 <a:latin typeface="Times New Roman" panose="02020603050405020304" pitchFamily="18" charset="0"/>
                 <a:cs typeface="Times New Roman" panose="02020603050405020304" pitchFamily="18" charset="0"/>
               </a:rPr>
@@ -13704,6 +13931,9 @@
             </a:r>
             <a:r>
               <a:rPr lang="en-US" sz="1600" dirty="0">
+                <a:solidFill>
+                  <a:schemeClr val="tx1"/>
+                </a:solidFill>
                 <a:latin typeface="Times New Roman" panose="02020603050405020304" pitchFamily="18" charset="0"/>
                 <a:cs typeface="Times New Roman" panose="02020603050405020304" pitchFamily="18" charset="0"/>
               </a:rPr>
@@ -13711,6 +13941,9 @@
             </a:r>
             <a:r>
               <a:rPr lang="en-US" sz="1600" dirty="0" err="1">
+                <a:solidFill>
+                  <a:schemeClr val="tx1"/>
+                </a:solidFill>
                 <a:latin typeface="Times New Roman" panose="02020603050405020304" pitchFamily="18" charset="0"/>
                 <a:cs typeface="Times New Roman" panose="02020603050405020304" pitchFamily="18" charset="0"/>
               </a:rPr>
@@ -13718,6 +13951,9 @@
             </a:r>
             <a:r>
               <a:rPr lang="en-US" sz="1600" dirty="0">
+                <a:solidFill>
+                  <a:schemeClr val="tx1"/>
+                </a:solidFill>
                 <a:latin typeface="Times New Roman" panose="02020603050405020304" pitchFamily="18" charset="0"/>
                 <a:cs typeface="Times New Roman" panose="02020603050405020304" pitchFamily="18" charset="0"/>
               </a:rPr>
@@ -13725,6 +13961,9 @@
             </a:r>
             <a:r>
               <a:rPr lang="en-US" sz="1600" dirty="0" err="1">
+                <a:solidFill>
+                  <a:schemeClr val="tx1"/>
+                </a:solidFill>
                 <a:latin typeface="Times New Roman" panose="02020603050405020304" pitchFamily="18" charset="0"/>
                 <a:cs typeface="Times New Roman" panose="02020603050405020304" pitchFamily="18" charset="0"/>
               </a:rPr>
@@ -13732,6 +13971,9 @@
             </a:r>
             <a:r>
               <a:rPr lang="en-US" sz="1600" dirty="0">
+                <a:solidFill>
+                  <a:schemeClr val="tx1"/>
+                </a:solidFill>
                 <a:latin typeface="Times New Roman" panose="02020603050405020304" pitchFamily="18" charset="0"/>
                 <a:cs typeface="Times New Roman" panose="02020603050405020304" pitchFamily="18" charset="0"/>
               </a:rPr>
@@ -13739,6 +13981,9 @@
             </a:r>
             <a:r>
               <a:rPr lang="en-US" sz="1600" dirty="0" err="1">
+                <a:solidFill>
+                  <a:schemeClr val="tx1"/>
+                </a:solidFill>
                 <a:latin typeface="Times New Roman" panose="02020603050405020304" pitchFamily="18" charset="0"/>
                 <a:cs typeface="Times New Roman" panose="02020603050405020304" pitchFamily="18" charset="0"/>
               </a:rPr>
@@ -13746,6 +13991,9 @@
             </a:r>
             <a:r>
               <a:rPr lang="en-US" sz="1600" dirty="0">
+                <a:solidFill>
+                  <a:schemeClr val="tx1"/>
+                </a:solidFill>
                 <a:latin typeface="Times New Roman" panose="02020603050405020304" pitchFamily="18" charset="0"/>
                 <a:cs typeface="Times New Roman" panose="02020603050405020304" pitchFamily="18" charset="0"/>
               </a:rPr>
@@ -13753,6 +14001,9 @@
             </a:r>
             <a:r>
               <a:rPr lang="en-US" sz="1600" dirty="0" err="1">
+                <a:solidFill>
+                  <a:schemeClr val="tx1"/>
+                </a:solidFill>
                 <a:latin typeface="Times New Roman" panose="02020603050405020304" pitchFamily="18" charset="0"/>
                 <a:cs typeface="Times New Roman" panose="02020603050405020304" pitchFamily="18" charset="0"/>
               </a:rPr>
@@ -13760,6 +14011,9 @@
             </a:r>
             <a:r>
               <a:rPr lang="en-US" sz="1600" dirty="0">
+                <a:solidFill>
+                  <a:schemeClr val="tx1"/>
+                </a:solidFill>
                 <a:latin typeface="Times New Roman" panose="02020603050405020304" pitchFamily="18" charset="0"/>
                 <a:cs typeface="Times New Roman" panose="02020603050405020304" pitchFamily="18" charset="0"/>
               </a:rPr>
@@ -13767,6 +14021,9 @@
             </a:r>
             <a:r>
               <a:rPr lang="en-US" sz="1600" dirty="0" err="1">
+                <a:solidFill>
+                  <a:schemeClr val="tx1"/>
+                </a:solidFill>
                 <a:latin typeface="Times New Roman" panose="02020603050405020304" pitchFamily="18" charset="0"/>
                 <a:cs typeface="Times New Roman" panose="02020603050405020304" pitchFamily="18" charset="0"/>
               </a:rPr>
@@ -13774,6 +14031,9 @@
             </a:r>
             <a:r>
               <a:rPr lang="en-US" sz="1600" dirty="0">
+                <a:solidFill>
+                  <a:schemeClr val="tx1"/>
+                </a:solidFill>
                 <a:latin typeface="Times New Roman" panose="02020603050405020304" pitchFamily="18" charset="0"/>
                 <a:cs typeface="Times New Roman" panose="02020603050405020304" pitchFamily="18" charset="0"/>
               </a:rPr>
@@ -13781,6 +14041,9 @@
             </a:r>
             <a:r>
               <a:rPr lang="en-US" sz="1600" dirty="0" err="1">
+                <a:solidFill>
+                  <a:schemeClr val="tx1"/>
+                </a:solidFill>
                 <a:latin typeface="Times New Roman" panose="02020603050405020304" pitchFamily="18" charset="0"/>
                 <a:cs typeface="Times New Roman" panose="02020603050405020304" pitchFamily="18" charset="0"/>
               </a:rPr>
@@ -13788,6 +14051,9 @@
             </a:r>
             <a:r>
               <a:rPr lang="en-US" sz="1600" dirty="0">
+                <a:solidFill>
+                  <a:schemeClr val="tx1"/>
+                </a:solidFill>
                 <a:latin typeface="Times New Roman" panose="02020603050405020304" pitchFamily="18" charset="0"/>
                 <a:cs typeface="Times New Roman" panose="02020603050405020304" pitchFamily="18" charset="0"/>
               </a:rPr>
@@ -13795,6 +14061,9 @@
             </a:r>
             <a:r>
               <a:rPr lang="en-US" sz="1600" dirty="0" err="1">
+                <a:solidFill>
+                  <a:schemeClr val="tx1"/>
+                </a:solidFill>
                 <a:latin typeface="Times New Roman" panose="02020603050405020304" pitchFamily="18" charset="0"/>
                 <a:cs typeface="Times New Roman" panose="02020603050405020304" pitchFamily="18" charset="0"/>
               </a:rPr>
@@ -13802,6 +14071,9 @@
             </a:r>
             <a:r>
               <a:rPr lang="en-US" sz="1600" dirty="0">
+                <a:solidFill>
+                  <a:schemeClr val="tx1"/>
+                </a:solidFill>
                 <a:latin typeface="Times New Roman" panose="02020603050405020304" pitchFamily="18" charset="0"/>
                 <a:cs typeface="Times New Roman" panose="02020603050405020304" pitchFamily="18" charset="0"/>
               </a:rPr>
@@ -13809,6 +14081,9 @@
             </a:r>
             <a:r>
               <a:rPr lang="en-US" sz="1600" dirty="0" err="1">
+                <a:solidFill>
+                  <a:schemeClr val="tx1"/>
+                </a:solidFill>
                 <a:latin typeface="Times New Roman" panose="02020603050405020304" pitchFamily="18" charset="0"/>
                 <a:cs typeface="Times New Roman" panose="02020603050405020304" pitchFamily="18" charset="0"/>
               </a:rPr>
@@ -13816,6 +14091,9 @@
             </a:r>
             <a:r>
               <a:rPr lang="en-US" sz="1600" dirty="0">
+                <a:solidFill>
+                  <a:schemeClr val="tx1"/>
+                </a:solidFill>
                 <a:latin typeface="Times New Roman" panose="02020603050405020304" pitchFamily="18" charset="0"/>
                 <a:cs typeface="Times New Roman" panose="02020603050405020304" pitchFamily="18" charset="0"/>
               </a:rPr>
@@ -13823,6 +14101,9 @@
             </a:r>
             <a:r>
               <a:rPr lang="en-US" sz="1600" dirty="0" err="1">
+                <a:solidFill>
+                  <a:schemeClr val="tx1"/>
+                </a:solidFill>
                 <a:latin typeface="Times New Roman" panose="02020603050405020304" pitchFamily="18" charset="0"/>
                 <a:cs typeface="Times New Roman" panose="02020603050405020304" pitchFamily="18" charset="0"/>
               </a:rPr>
@@ -13830,6 +14111,9 @@
             </a:r>
             <a:r>
               <a:rPr lang="en-US" sz="1600" dirty="0">
+                <a:solidFill>
+                  <a:schemeClr val="tx1"/>
+                </a:solidFill>
                 <a:latin typeface="Times New Roman" panose="02020603050405020304" pitchFamily="18" charset="0"/>
                 <a:cs typeface="Times New Roman" panose="02020603050405020304" pitchFamily="18" charset="0"/>
               </a:rPr>
@@ -13837,6 +14121,9 @@
             </a:r>
             <a:r>
               <a:rPr lang="en-US" sz="1600" dirty="0" err="1">
+                <a:solidFill>
+                  <a:schemeClr val="tx1"/>
+                </a:solidFill>
                 <a:latin typeface="Times New Roman" panose="02020603050405020304" pitchFamily="18" charset="0"/>
                 <a:cs typeface="Times New Roman" panose="02020603050405020304" pitchFamily="18" charset="0"/>
               </a:rPr>
@@ -13844,6 +14131,9 @@
             </a:r>
             <a:r>
               <a:rPr lang="en-US" sz="1600" dirty="0">
+                <a:solidFill>
+                  <a:schemeClr val="tx1"/>
+                </a:solidFill>
                 <a:latin typeface="Times New Roman" panose="02020603050405020304" pitchFamily="18" charset="0"/>
                 <a:cs typeface="Times New Roman" panose="02020603050405020304" pitchFamily="18" charset="0"/>
               </a:rPr>
@@ -13851,6 +14141,9 @@
             </a:r>
             <a:r>
               <a:rPr lang="en-US" sz="1600" dirty="0" err="1">
+                <a:solidFill>
+                  <a:schemeClr val="tx1"/>
+                </a:solidFill>
                 <a:latin typeface="Times New Roman" panose="02020603050405020304" pitchFamily="18" charset="0"/>
                 <a:cs typeface="Times New Roman" panose="02020603050405020304" pitchFamily="18" charset="0"/>
               </a:rPr>
@@ -13858,6 +14151,9 @@
             </a:r>
             <a:r>
               <a:rPr lang="en-US" sz="1600" dirty="0">
+                <a:solidFill>
+                  <a:schemeClr val="tx1"/>
+                </a:solidFill>
                 <a:latin typeface="Times New Roman" panose="02020603050405020304" pitchFamily="18" charset="0"/>
                 <a:cs typeface="Times New Roman" panose="02020603050405020304" pitchFamily="18" charset="0"/>
               </a:rPr>
@@ -13865,6 +14161,9 @@
             </a:r>
             <a:r>
               <a:rPr lang="en-US" sz="1600" dirty="0" err="1">
+                <a:solidFill>
+                  <a:schemeClr val="tx1"/>
+                </a:solidFill>
                 <a:latin typeface="Times New Roman" panose="02020603050405020304" pitchFamily="18" charset="0"/>
                 <a:cs typeface="Times New Roman" panose="02020603050405020304" pitchFamily="18" charset="0"/>
               </a:rPr>
@@ -13872,12 +14171,18 @@
             </a:r>
             <a:r>
               <a:rPr lang="en-US" sz="1600" dirty="0">
+                <a:solidFill>
+                  <a:schemeClr val="tx1"/>
+                </a:solidFill>
                 <a:latin typeface="Times New Roman" panose="02020603050405020304" pitchFamily="18" charset="0"/>
                 <a:cs typeface="Times New Roman" panose="02020603050405020304" pitchFamily="18" charset="0"/>
               </a:rPr>
               <a:t>.</a:t>
             </a:r>
             <a:endParaRPr lang="en-ID" sz="1600" dirty="0">
+              <a:solidFill>
+                <a:schemeClr val="tx1"/>
+              </a:solidFill>
               <a:latin typeface="Times New Roman" panose="02020603050405020304" pitchFamily="18" charset="0"/>
               <a:cs typeface="Times New Roman" panose="02020603050405020304" pitchFamily="18" charset="0"/>
             </a:endParaRPr>
@@ -13979,6 +14284,9 @@
             </a:pPr>
             <a:r>
               <a:rPr lang="en-US" sz="1600" i="1" dirty="0">
+                <a:solidFill>
+                  <a:schemeClr val="tx1"/>
+                </a:solidFill>
                 <a:latin typeface="Times New Roman" panose="02020603050405020304" pitchFamily="18" charset="0"/>
                 <a:cs typeface="Times New Roman" panose="02020603050405020304" pitchFamily="18" charset="0"/>
               </a:rPr>
@@ -13986,6 +14294,9 @@
             </a:r>
             <a:r>
               <a:rPr lang="en-US" sz="1600" dirty="0">
+                <a:solidFill>
+                  <a:schemeClr val="tx1"/>
+                </a:solidFill>
                 <a:latin typeface="Times New Roman" panose="02020603050405020304" pitchFamily="18" charset="0"/>
                 <a:cs typeface="Times New Roman" panose="02020603050405020304" pitchFamily="18" charset="0"/>
               </a:rPr>
@@ -13993,6 +14304,9 @@
             </a:r>
             <a:r>
               <a:rPr lang="en-US" sz="1600" dirty="0" err="1">
+                <a:solidFill>
+                  <a:schemeClr val="tx1"/>
+                </a:solidFill>
                 <a:latin typeface="Times New Roman" panose="02020603050405020304" pitchFamily="18" charset="0"/>
                 <a:cs typeface="Times New Roman" panose="02020603050405020304" pitchFamily="18" charset="0"/>
               </a:rPr>
@@ -14000,6 +14314,9 @@
             </a:r>
             <a:r>
               <a:rPr lang="en-US" sz="1600" dirty="0">
+                <a:solidFill>
+                  <a:schemeClr val="tx1"/>
+                </a:solidFill>
                 <a:latin typeface="Times New Roman" panose="02020603050405020304" pitchFamily="18" charset="0"/>
                 <a:cs typeface="Times New Roman" panose="02020603050405020304" pitchFamily="18" charset="0"/>
               </a:rPr>
@@ -14007,6 +14324,9 @@
             </a:r>
             <a:r>
               <a:rPr lang="en-US" sz="1600" dirty="0" err="1">
+                <a:solidFill>
+                  <a:schemeClr val="tx1"/>
+                </a:solidFill>
                 <a:latin typeface="Times New Roman" panose="02020603050405020304" pitchFamily="18" charset="0"/>
                 <a:cs typeface="Times New Roman" panose="02020603050405020304" pitchFamily="18" charset="0"/>
               </a:rPr>
@@ -14014,6 +14334,9 @@
             </a:r>
             <a:r>
               <a:rPr lang="en-US" sz="1600" dirty="0">
+                <a:solidFill>
+                  <a:schemeClr val="tx1"/>
+                </a:solidFill>
                 <a:latin typeface="Times New Roman" panose="02020603050405020304" pitchFamily="18" charset="0"/>
                 <a:cs typeface="Times New Roman" panose="02020603050405020304" pitchFamily="18" charset="0"/>
               </a:rPr>
@@ -14021,6 +14344,9 @@
             </a:r>
             <a:r>
               <a:rPr lang="en-US" sz="1600" dirty="0" err="1">
+                <a:solidFill>
+                  <a:schemeClr val="tx1"/>
+                </a:solidFill>
                 <a:latin typeface="Times New Roman" panose="02020603050405020304" pitchFamily="18" charset="0"/>
                 <a:cs typeface="Times New Roman" panose="02020603050405020304" pitchFamily="18" charset="0"/>
               </a:rPr>
@@ -14028,6 +14354,9 @@
             </a:r>
             <a:r>
               <a:rPr lang="en-US" sz="1600" dirty="0">
+                <a:solidFill>
+                  <a:schemeClr val="tx1"/>
+                </a:solidFill>
                 <a:latin typeface="Times New Roman" panose="02020603050405020304" pitchFamily="18" charset="0"/>
                 <a:cs typeface="Times New Roman" panose="02020603050405020304" pitchFamily="18" charset="0"/>
               </a:rPr>
@@ -14035,6 +14364,9 @@
             </a:r>
             <a:r>
               <a:rPr lang="en-US" sz="1600" dirty="0" err="1">
+                <a:solidFill>
+                  <a:schemeClr val="tx1"/>
+                </a:solidFill>
                 <a:latin typeface="Times New Roman" panose="02020603050405020304" pitchFamily="18" charset="0"/>
                 <a:cs typeface="Times New Roman" panose="02020603050405020304" pitchFamily="18" charset="0"/>
               </a:rPr>
@@ -14042,6 +14374,9 @@
             </a:r>
             <a:r>
               <a:rPr lang="en-US" sz="1600" dirty="0">
+                <a:solidFill>
+                  <a:schemeClr val="tx1"/>
+                </a:solidFill>
                 <a:latin typeface="Times New Roman" panose="02020603050405020304" pitchFamily="18" charset="0"/>
                 <a:cs typeface="Times New Roman" panose="02020603050405020304" pitchFamily="18" charset="0"/>
               </a:rPr>
@@ -14049,6 +14384,9 @@
             </a:r>
             <a:r>
               <a:rPr lang="en-US" sz="1600" dirty="0" err="1">
+                <a:solidFill>
+                  <a:schemeClr val="tx1"/>
+                </a:solidFill>
                 <a:latin typeface="Times New Roman" panose="02020603050405020304" pitchFamily="18" charset="0"/>
                 <a:cs typeface="Times New Roman" panose="02020603050405020304" pitchFamily="18" charset="0"/>
               </a:rPr>
@@ -14056,6 +14394,9 @@
             </a:r>
             <a:r>
               <a:rPr lang="en-US" sz="1600" dirty="0">
+                <a:solidFill>
+                  <a:schemeClr val="tx1"/>
+                </a:solidFill>
                 <a:latin typeface="Times New Roman" panose="02020603050405020304" pitchFamily="18" charset="0"/>
                 <a:cs typeface="Times New Roman" panose="02020603050405020304" pitchFamily="18" charset="0"/>
               </a:rPr>
@@ -14063,6 +14404,9 @@
             </a:r>
             <a:r>
               <a:rPr lang="en-US" sz="1600" dirty="0" err="1">
+                <a:solidFill>
+                  <a:schemeClr val="tx1"/>
+                </a:solidFill>
                 <a:latin typeface="Times New Roman" panose="02020603050405020304" pitchFamily="18" charset="0"/>
                 <a:cs typeface="Times New Roman" panose="02020603050405020304" pitchFamily="18" charset="0"/>
               </a:rPr>
@@ -14070,6 +14414,9 @@
             </a:r>
             <a:r>
               <a:rPr lang="en-US" sz="1600" dirty="0">
+                <a:solidFill>
+                  <a:schemeClr val="tx1"/>
+                </a:solidFill>
                 <a:latin typeface="Times New Roman" panose="02020603050405020304" pitchFamily="18" charset="0"/>
                 <a:cs typeface="Times New Roman" panose="02020603050405020304" pitchFamily="18" charset="0"/>
               </a:rPr>
@@ -14077,6 +14424,9 @@
             </a:r>
             <a:r>
               <a:rPr lang="en-US" sz="1600" dirty="0" err="1">
+                <a:solidFill>
+                  <a:schemeClr val="tx1"/>
+                </a:solidFill>
                 <a:latin typeface="Times New Roman" panose="02020603050405020304" pitchFamily="18" charset="0"/>
                 <a:cs typeface="Times New Roman" panose="02020603050405020304" pitchFamily="18" charset="0"/>
               </a:rPr>
@@ -14084,6 +14434,9 @@
             </a:r>
             <a:r>
               <a:rPr lang="en-US" sz="1600" dirty="0">
+                <a:solidFill>
+                  <a:schemeClr val="tx1"/>
+                </a:solidFill>
                 <a:latin typeface="Times New Roman" panose="02020603050405020304" pitchFamily="18" charset="0"/>
                 <a:cs typeface="Times New Roman" panose="02020603050405020304" pitchFamily="18" charset="0"/>
               </a:rPr>
@@ -14091,6 +14444,9 @@
             </a:r>
             <a:r>
               <a:rPr lang="en-US" sz="1600" dirty="0" err="1">
+                <a:solidFill>
+                  <a:schemeClr val="tx1"/>
+                </a:solidFill>
                 <a:latin typeface="Times New Roman" panose="02020603050405020304" pitchFamily="18" charset="0"/>
                 <a:cs typeface="Times New Roman" panose="02020603050405020304" pitchFamily="18" charset="0"/>
               </a:rPr>
@@ -14098,6 +14454,9 @@
             </a:r>
             <a:r>
               <a:rPr lang="en-US" sz="1600" dirty="0">
+                <a:solidFill>
+                  <a:schemeClr val="tx1"/>
+                </a:solidFill>
                 <a:latin typeface="Times New Roman" panose="02020603050405020304" pitchFamily="18" charset="0"/>
                 <a:cs typeface="Times New Roman" panose="02020603050405020304" pitchFamily="18" charset="0"/>
               </a:rPr>
@@ -14105,6 +14464,9 @@
             </a:r>
             <a:r>
               <a:rPr lang="en-US" sz="1600" i="1" dirty="0">
+                <a:solidFill>
+                  <a:schemeClr val="tx1"/>
+                </a:solidFill>
                 <a:latin typeface="Times New Roman" panose="02020603050405020304" pitchFamily="18" charset="0"/>
                 <a:cs typeface="Times New Roman" panose="02020603050405020304" pitchFamily="18" charset="0"/>
               </a:rPr>
@@ -14112,6 +14474,9 @@
             </a:r>
             <a:r>
               <a:rPr lang="en-US" sz="1600" dirty="0">
+                <a:solidFill>
+                  <a:schemeClr val="tx1"/>
+                </a:solidFill>
                 <a:latin typeface="Times New Roman" panose="02020603050405020304" pitchFamily="18" charset="0"/>
                 <a:cs typeface="Times New Roman" panose="02020603050405020304" pitchFamily="18" charset="0"/>
               </a:rPr>
@@ -14119,6 +14484,9 @@
             </a:r>
             <a:r>
               <a:rPr lang="en-US" sz="1600" i="1" dirty="0">
+                <a:solidFill>
+                  <a:schemeClr val="tx1"/>
+                </a:solidFill>
                 <a:latin typeface="Times New Roman" panose="02020603050405020304" pitchFamily="18" charset="0"/>
                 <a:cs typeface="Times New Roman" panose="02020603050405020304" pitchFamily="18" charset="0"/>
               </a:rPr>
@@ -14126,6 +14494,9 @@
             </a:r>
             <a:r>
               <a:rPr lang="en-US" sz="1600" dirty="0">
+                <a:solidFill>
+                  <a:schemeClr val="tx1"/>
+                </a:solidFill>
                 <a:latin typeface="Times New Roman" panose="02020603050405020304" pitchFamily="18" charset="0"/>
                 <a:cs typeface="Times New Roman" panose="02020603050405020304" pitchFamily="18" charset="0"/>
               </a:rPr>
@@ -14133,6 +14504,9 @@
             </a:r>
             <a:r>
               <a:rPr lang="en-US" sz="1600" dirty="0" err="1">
+                <a:solidFill>
+                  <a:schemeClr val="tx1"/>
+                </a:solidFill>
                 <a:latin typeface="Times New Roman" panose="02020603050405020304" pitchFamily="18" charset="0"/>
                 <a:cs typeface="Times New Roman" panose="02020603050405020304" pitchFamily="18" charset="0"/>
               </a:rPr>
@@ -14140,6 +14514,9 @@
             </a:r>
             <a:r>
               <a:rPr lang="en-US" sz="1600" dirty="0">
+                <a:solidFill>
+                  <a:schemeClr val="tx1"/>
+                </a:solidFill>
                 <a:latin typeface="Times New Roman" panose="02020603050405020304" pitchFamily="18" charset="0"/>
                 <a:cs typeface="Times New Roman" panose="02020603050405020304" pitchFamily="18" charset="0"/>
               </a:rPr>
@@ -14147,6 +14524,9 @@
             </a:r>
             <a:r>
               <a:rPr lang="en-US" sz="1600" dirty="0" err="1">
+                <a:solidFill>
+                  <a:schemeClr val="tx1"/>
+                </a:solidFill>
                 <a:latin typeface="Times New Roman" panose="02020603050405020304" pitchFamily="18" charset="0"/>
                 <a:cs typeface="Times New Roman" panose="02020603050405020304" pitchFamily="18" charset="0"/>
               </a:rPr>
@@ -14154,6 +14534,9 @@
             </a:r>
             <a:r>
               <a:rPr lang="en-US" sz="1600" dirty="0">
+                <a:solidFill>
+                  <a:schemeClr val="tx1"/>
+                </a:solidFill>
                 <a:latin typeface="Times New Roman" panose="02020603050405020304" pitchFamily="18" charset="0"/>
                 <a:cs typeface="Times New Roman" panose="02020603050405020304" pitchFamily="18" charset="0"/>
               </a:rPr>
@@ -14161,6 +14544,9 @@
             </a:r>
             <a:r>
               <a:rPr lang="en-US" sz="1600" dirty="0" err="1">
+                <a:solidFill>
+                  <a:schemeClr val="tx1"/>
+                </a:solidFill>
                 <a:latin typeface="Times New Roman" panose="02020603050405020304" pitchFamily="18" charset="0"/>
                 <a:cs typeface="Times New Roman" panose="02020603050405020304" pitchFamily="18" charset="0"/>
               </a:rPr>
@@ -14168,6 +14554,9 @@
             </a:r>
             <a:r>
               <a:rPr lang="en-US" sz="1600" dirty="0">
+                <a:solidFill>
+                  <a:schemeClr val="tx1"/>
+                </a:solidFill>
                 <a:latin typeface="Times New Roman" panose="02020603050405020304" pitchFamily="18" charset="0"/>
                 <a:cs typeface="Times New Roman" panose="02020603050405020304" pitchFamily="18" charset="0"/>
               </a:rPr>
@@ -14175,6 +14564,9 @@
             </a:r>
             <a:r>
               <a:rPr lang="en-US" sz="1600" dirty="0" err="1">
+                <a:solidFill>
+                  <a:schemeClr val="tx1"/>
+                </a:solidFill>
                 <a:latin typeface="Times New Roman" panose="02020603050405020304" pitchFamily="18" charset="0"/>
                 <a:cs typeface="Times New Roman" panose="02020603050405020304" pitchFamily="18" charset="0"/>
               </a:rPr>
@@ -14182,6 +14574,9 @@
             </a:r>
             <a:r>
               <a:rPr lang="en-US" sz="1600" dirty="0">
+                <a:solidFill>
+                  <a:schemeClr val="tx1"/>
+                </a:solidFill>
                 <a:latin typeface="Times New Roman" panose="02020603050405020304" pitchFamily="18" charset="0"/>
                 <a:cs typeface="Times New Roman" panose="02020603050405020304" pitchFamily="18" charset="0"/>
               </a:rPr>
@@ -14189,6 +14584,9 @@
             </a:r>
             <a:r>
               <a:rPr lang="en-US" sz="1600" dirty="0" err="1">
+                <a:solidFill>
+                  <a:schemeClr val="tx1"/>
+                </a:solidFill>
                 <a:latin typeface="Times New Roman" panose="02020603050405020304" pitchFamily="18" charset="0"/>
                 <a:cs typeface="Times New Roman" panose="02020603050405020304" pitchFamily="18" charset="0"/>
               </a:rPr>
@@ -14196,6 +14594,9 @@
             </a:r>
             <a:r>
               <a:rPr lang="en-US" sz="1600" dirty="0">
+                <a:solidFill>
+                  <a:schemeClr val="tx1"/>
+                </a:solidFill>
                 <a:latin typeface="Times New Roman" panose="02020603050405020304" pitchFamily="18" charset="0"/>
                 <a:cs typeface="Times New Roman" panose="02020603050405020304" pitchFamily="18" charset="0"/>
               </a:rPr>
@@ -14203,6 +14604,9 @@
             </a:r>
             <a:r>
               <a:rPr lang="en-US" sz="1600" dirty="0" err="1">
+                <a:solidFill>
+                  <a:schemeClr val="tx1"/>
+                </a:solidFill>
                 <a:latin typeface="Times New Roman" panose="02020603050405020304" pitchFamily="18" charset="0"/>
                 <a:cs typeface="Times New Roman" panose="02020603050405020304" pitchFamily="18" charset="0"/>
               </a:rPr>
@@ -14210,6 +14614,9 @@
             </a:r>
             <a:r>
               <a:rPr lang="en-US" sz="1600" dirty="0">
+                <a:solidFill>
+                  <a:schemeClr val="tx1"/>
+                </a:solidFill>
                 <a:latin typeface="Times New Roman" panose="02020603050405020304" pitchFamily="18" charset="0"/>
                 <a:cs typeface="Times New Roman" panose="02020603050405020304" pitchFamily="18" charset="0"/>
               </a:rPr>
@@ -14217,6 +14624,9 @@
             </a:r>
             <a:r>
               <a:rPr lang="en-US" sz="1600" dirty="0" err="1">
+                <a:solidFill>
+                  <a:schemeClr val="tx1"/>
+                </a:solidFill>
                 <a:latin typeface="Times New Roman" panose="02020603050405020304" pitchFamily="18" charset="0"/>
                 <a:cs typeface="Times New Roman" panose="02020603050405020304" pitchFamily="18" charset="0"/>
               </a:rPr>
@@ -14224,6 +14634,9 @@
             </a:r>
             <a:r>
               <a:rPr lang="en-US" sz="1600" dirty="0">
+                <a:solidFill>
+                  <a:schemeClr val="tx1"/>
+                </a:solidFill>
                 <a:latin typeface="Times New Roman" panose="02020603050405020304" pitchFamily="18" charset="0"/>
                 <a:cs typeface="Times New Roman" panose="02020603050405020304" pitchFamily="18" charset="0"/>
               </a:rPr>
@@ -14231,6 +14644,9 @@
             </a:r>
             <a:r>
               <a:rPr lang="en-US" sz="1600" dirty="0" err="1">
+                <a:solidFill>
+                  <a:schemeClr val="tx1"/>
+                </a:solidFill>
                 <a:latin typeface="Times New Roman" panose="02020603050405020304" pitchFamily="18" charset="0"/>
                 <a:cs typeface="Times New Roman" panose="02020603050405020304" pitchFamily="18" charset="0"/>
               </a:rPr>
@@ -14238,6 +14654,9 @@
             </a:r>
             <a:r>
               <a:rPr lang="en-US" sz="1600" dirty="0">
+                <a:solidFill>
+                  <a:schemeClr val="tx1"/>
+                </a:solidFill>
                 <a:latin typeface="Times New Roman" panose="02020603050405020304" pitchFamily="18" charset="0"/>
                 <a:cs typeface="Times New Roman" panose="02020603050405020304" pitchFamily="18" charset="0"/>
               </a:rPr>
@@ -14245,6 +14664,9 @@
             </a:r>
             <a:r>
               <a:rPr lang="en-US" sz="1600" dirty="0" err="1">
+                <a:solidFill>
+                  <a:schemeClr val="tx1"/>
+                </a:solidFill>
                 <a:latin typeface="Times New Roman" panose="02020603050405020304" pitchFamily="18" charset="0"/>
                 <a:cs typeface="Times New Roman" panose="02020603050405020304" pitchFamily="18" charset="0"/>
               </a:rPr>
@@ -14252,6 +14674,9 @@
             </a:r>
             <a:r>
               <a:rPr lang="en-US" sz="1600" dirty="0">
+                <a:solidFill>
+                  <a:schemeClr val="tx1"/>
+                </a:solidFill>
                 <a:latin typeface="Times New Roman" panose="02020603050405020304" pitchFamily="18" charset="0"/>
                 <a:cs typeface="Times New Roman" panose="02020603050405020304" pitchFamily="18" charset="0"/>
               </a:rPr>
@@ -14259,6 +14684,9 @@
             </a:r>
             <a:r>
               <a:rPr lang="en-US" sz="1600" dirty="0" err="1">
+                <a:solidFill>
+                  <a:schemeClr val="tx1"/>
+                </a:solidFill>
                 <a:latin typeface="Times New Roman" panose="02020603050405020304" pitchFamily="18" charset="0"/>
                 <a:cs typeface="Times New Roman" panose="02020603050405020304" pitchFamily="18" charset="0"/>
               </a:rPr>
@@ -14266,6 +14694,9 @@
             </a:r>
             <a:r>
               <a:rPr lang="en-US" sz="1600" dirty="0">
+                <a:solidFill>
+                  <a:schemeClr val="tx1"/>
+                </a:solidFill>
                 <a:latin typeface="Times New Roman" panose="02020603050405020304" pitchFamily="18" charset="0"/>
                 <a:cs typeface="Times New Roman" panose="02020603050405020304" pitchFamily="18" charset="0"/>
               </a:rPr>
@@ -14273,6 +14704,9 @@
             </a:r>
             <a:r>
               <a:rPr lang="en-US" sz="1600" dirty="0" err="1">
+                <a:solidFill>
+                  <a:schemeClr val="tx1"/>
+                </a:solidFill>
                 <a:latin typeface="Times New Roman" panose="02020603050405020304" pitchFamily="18" charset="0"/>
                 <a:cs typeface="Times New Roman" panose="02020603050405020304" pitchFamily="18" charset="0"/>
               </a:rPr>
@@ -14280,6 +14714,9 @@
             </a:r>
             <a:r>
               <a:rPr lang="en-US" sz="1600" dirty="0">
+                <a:solidFill>
+                  <a:schemeClr val="tx1"/>
+                </a:solidFill>
                 <a:latin typeface="Times New Roman" panose="02020603050405020304" pitchFamily="18" charset="0"/>
                 <a:cs typeface="Times New Roman" panose="02020603050405020304" pitchFamily="18" charset="0"/>
               </a:rPr>
@@ -14287,6 +14724,9 @@
             </a:r>
             <a:r>
               <a:rPr lang="en-US" sz="1600" dirty="0" err="1">
+                <a:solidFill>
+                  <a:schemeClr val="tx1"/>
+                </a:solidFill>
                 <a:latin typeface="Times New Roman" panose="02020603050405020304" pitchFamily="18" charset="0"/>
                 <a:cs typeface="Times New Roman" panose="02020603050405020304" pitchFamily="18" charset="0"/>
               </a:rPr>
@@ -14294,6 +14734,9 @@
             </a:r>
             <a:r>
               <a:rPr lang="en-US" sz="1600" dirty="0">
+                <a:solidFill>
+                  <a:schemeClr val="tx1"/>
+                </a:solidFill>
                 <a:latin typeface="Times New Roman" panose="02020603050405020304" pitchFamily="18" charset="0"/>
                 <a:cs typeface="Times New Roman" panose="02020603050405020304" pitchFamily="18" charset="0"/>
               </a:rPr>
@@ -14301,6 +14744,9 @@
             </a:r>
             <a:r>
               <a:rPr lang="en-US" sz="1600" dirty="0" err="1">
+                <a:solidFill>
+                  <a:schemeClr val="tx1"/>
+                </a:solidFill>
                 <a:latin typeface="Times New Roman" panose="02020603050405020304" pitchFamily="18" charset="0"/>
                 <a:cs typeface="Times New Roman" panose="02020603050405020304" pitchFamily="18" charset="0"/>
               </a:rPr>
@@ -14308,6 +14754,9 @@
             </a:r>
             <a:r>
               <a:rPr lang="en-US" sz="1600" dirty="0">
+                <a:solidFill>
+                  <a:schemeClr val="tx1"/>
+                </a:solidFill>
                 <a:latin typeface="Times New Roman" panose="02020603050405020304" pitchFamily="18" charset="0"/>
                 <a:cs typeface="Times New Roman" panose="02020603050405020304" pitchFamily="18" charset="0"/>
               </a:rPr>
@@ -14315,6 +14764,9 @@
             </a:r>
             <a:r>
               <a:rPr lang="en-US" sz="1600" dirty="0" err="1">
+                <a:solidFill>
+                  <a:schemeClr val="tx1"/>
+                </a:solidFill>
                 <a:latin typeface="Times New Roman" panose="02020603050405020304" pitchFamily="18" charset="0"/>
                 <a:cs typeface="Times New Roman" panose="02020603050405020304" pitchFamily="18" charset="0"/>
               </a:rPr>
@@ -14322,6 +14774,9 @@
             </a:r>
             <a:r>
               <a:rPr lang="en-US" sz="1600" dirty="0">
+                <a:solidFill>
+                  <a:schemeClr val="tx1"/>
+                </a:solidFill>
                 <a:latin typeface="Times New Roman" panose="02020603050405020304" pitchFamily="18" charset="0"/>
                 <a:cs typeface="Times New Roman" panose="02020603050405020304" pitchFamily="18" charset="0"/>
               </a:rPr>
@@ -14329,6 +14784,9 @@
             </a:r>
             <a:r>
               <a:rPr lang="en-US" sz="1600" dirty="0" err="1">
+                <a:solidFill>
+                  <a:schemeClr val="tx1"/>
+                </a:solidFill>
                 <a:latin typeface="Times New Roman" panose="02020603050405020304" pitchFamily="18" charset="0"/>
                 <a:cs typeface="Times New Roman" panose="02020603050405020304" pitchFamily="18" charset="0"/>
               </a:rPr>
@@ -14336,6 +14794,9 @@
             </a:r>
             <a:r>
               <a:rPr lang="en-US" sz="1600" dirty="0">
+                <a:solidFill>
+                  <a:schemeClr val="tx1"/>
+                </a:solidFill>
                 <a:latin typeface="Times New Roman" panose="02020603050405020304" pitchFamily="18" charset="0"/>
                 <a:cs typeface="Times New Roman" panose="02020603050405020304" pitchFamily="18" charset="0"/>
               </a:rPr>
@@ -14343,6 +14804,9 @@
             </a:r>
             <a:r>
               <a:rPr lang="en-US" sz="1600" dirty="0" err="1">
+                <a:solidFill>
+                  <a:schemeClr val="tx1"/>
+                </a:solidFill>
                 <a:latin typeface="Times New Roman" panose="02020603050405020304" pitchFamily="18" charset="0"/>
                 <a:cs typeface="Times New Roman" panose="02020603050405020304" pitchFamily="18" charset="0"/>
               </a:rPr>
@@ -14350,6 +14814,9 @@
             </a:r>
             <a:r>
               <a:rPr lang="en-US" sz="1600" dirty="0">
+                <a:solidFill>
+                  <a:schemeClr val="tx1"/>
+                </a:solidFill>
                 <a:latin typeface="Times New Roman" panose="02020603050405020304" pitchFamily="18" charset="0"/>
                 <a:cs typeface="Times New Roman" panose="02020603050405020304" pitchFamily="18" charset="0"/>
               </a:rPr>
@@ -14357,6 +14824,9 @@
             </a:r>
             <a:r>
               <a:rPr lang="en-US" sz="1600" dirty="0" err="1">
+                <a:solidFill>
+                  <a:schemeClr val="tx1"/>
+                </a:solidFill>
                 <a:latin typeface="Times New Roman" panose="02020603050405020304" pitchFamily="18" charset="0"/>
                 <a:cs typeface="Times New Roman" panose="02020603050405020304" pitchFamily="18" charset="0"/>
               </a:rPr>
@@ -14364,6 +14834,9 @@
             </a:r>
             <a:r>
               <a:rPr lang="en-US" sz="1600" dirty="0">
+                <a:solidFill>
+                  <a:schemeClr val="tx1"/>
+                </a:solidFill>
                 <a:latin typeface="Times New Roman" panose="02020603050405020304" pitchFamily="18" charset="0"/>
                 <a:cs typeface="Times New Roman" panose="02020603050405020304" pitchFamily="18" charset="0"/>
               </a:rPr>
@@ -14371,6 +14844,9 @@
             </a:r>
             <a:r>
               <a:rPr lang="en-US" sz="1600" dirty="0" err="1">
+                <a:solidFill>
+                  <a:schemeClr val="tx1"/>
+                </a:solidFill>
                 <a:latin typeface="Times New Roman" panose="02020603050405020304" pitchFamily="18" charset="0"/>
                 <a:cs typeface="Times New Roman" panose="02020603050405020304" pitchFamily="18" charset="0"/>
               </a:rPr>
@@ -14378,6 +14854,9 @@
             </a:r>
             <a:r>
               <a:rPr lang="en-US" sz="1600" dirty="0">
+                <a:solidFill>
+                  <a:schemeClr val="tx1"/>
+                </a:solidFill>
                 <a:latin typeface="Times New Roman" panose="02020603050405020304" pitchFamily="18" charset="0"/>
                 <a:cs typeface="Times New Roman" panose="02020603050405020304" pitchFamily="18" charset="0"/>
               </a:rPr>
@@ -14385,6 +14864,9 @@
             </a:r>
             <a:r>
               <a:rPr lang="en-US" sz="1600" dirty="0" err="1">
+                <a:solidFill>
+                  <a:schemeClr val="tx1"/>
+                </a:solidFill>
                 <a:latin typeface="Times New Roman" panose="02020603050405020304" pitchFamily="18" charset="0"/>
                 <a:cs typeface="Times New Roman" panose="02020603050405020304" pitchFamily="18" charset="0"/>
               </a:rPr>
@@ -14392,6 +14874,9 @@
             </a:r>
             <a:r>
               <a:rPr lang="en-US" sz="1600" dirty="0">
+                <a:solidFill>
+                  <a:schemeClr val="tx1"/>
+                </a:solidFill>
                 <a:latin typeface="Times New Roman" panose="02020603050405020304" pitchFamily="18" charset="0"/>
                 <a:cs typeface="Times New Roman" panose="02020603050405020304" pitchFamily="18" charset="0"/>
               </a:rPr>
@@ -14399,6 +14884,9 @@
             </a:r>
             <a:r>
               <a:rPr lang="en-US" sz="1600" dirty="0" err="1">
+                <a:solidFill>
+                  <a:schemeClr val="tx1"/>
+                </a:solidFill>
                 <a:latin typeface="Times New Roman" panose="02020603050405020304" pitchFamily="18" charset="0"/>
                 <a:cs typeface="Times New Roman" panose="02020603050405020304" pitchFamily="18" charset="0"/>
               </a:rPr>
@@ -14406,6 +14894,9 @@
             </a:r>
             <a:r>
               <a:rPr lang="en-US" sz="1600" dirty="0">
+                <a:solidFill>
+                  <a:schemeClr val="tx1"/>
+                </a:solidFill>
                 <a:latin typeface="Times New Roman" panose="02020603050405020304" pitchFamily="18" charset="0"/>
                 <a:cs typeface="Times New Roman" panose="02020603050405020304" pitchFamily="18" charset="0"/>
               </a:rPr>
@@ -14413,6 +14904,9 @@
             </a:r>
             <a:r>
               <a:rPr lang="en-US" sz="1600" i="1" dirty="0">
+                <a:solidFill>
+                  <a:schemeClr val="tx1"/>
+                </a:solidFill>
                 <a:latin typeface="Times New Roman" panose="02020603050405020304" pitchFamily="18" charset="0"/>
                 <a:cs typeface="Times New Roman" panose="02020603050405020304" pitchFamily="18" charset="0"/>
               </a:rPr>
@@ -14420,6 +14914,9 @@
             </a:r>
             <a:r>
               <a:rPr lang="en-US" sz="1600" dirty="0">
+                <a:solidFill>
+                  <a:schemeClr val="tx1"/>
+                </a:solidFill>
                 <a:latin typeface="Times New Roman" panose="02020603050405020304" pitchFamily="18" charset="0"/>
                 <a:cs typeface="Times New Roman" panose="02020603050405020304" pitchFamily="18" charset="0"/>
               </a:rPr>
@@ -14427,6 +14924,9 @@
             </a:r>
             <a:r>
               <a:rPr lang="en-US" sz="1600" i="1" dirty="0">
+                <a:solidFill>
+                  <a:schemeClr val="tx1"/>
+                </a:solidFill>
                 <a:latin typeface="Times New Roman" panose="02020603050405020304" pitchFamily="18" charset="0"/>
                 <a:cs typeface="Times New Roman" panose="02020603050405020304" pitchFamily="18" charset="0"/>
               </a:rPr>
@@ -14434,6 +14934,9 @@
             </a:r>
             <a:r>
               <a:rPr lang="en-US" sz="1600" dirty="0">
+                <a:solidFill>
+                  <a:schemeClr val="tx1"/>
+                </a:solidFill>
                 <a:latin typeface="Times New Roman" panose="02020603050405020304" pitchFamily="18" charset="0"/>
                 <a:cs typeface="Times New Roman" panose="02020603050405020304" pitchFamily="18" charset="0"/>
               </a:rPr>
@@ -14549,6 +15052,9 @@
             </a:pPr>
             <a:r>
               <a:rPr lang="en-US" sz="1600" dirty="0" err="1">
+                <a:solidFill>
+                  <a:schemeClr val="tx1"/>
+                </a:solidFill>
                 <a:latin typeface="Times New Roman" panose="02020603050405020304" pitchFamily="18" charset="0"/>
                 <a:cs typeface="Times New Roman" panose="02020603050405020304" pitchFamily="18" charset="0"/>
               </a:rPr>
@@ -14556,6 +15062,9 @@
             </a:r>
             <a:r>
               <a:rPr lang="en-US" sz="1600" dirty="0">
+                <a:solidFill>
+                  <a:schemeClr val="tx1"/>
+                </a:solidFill>
                 <a:latin typeface="Times New Roman" panose="02020603050405020304" pitchFamily="18" charset="0"/>
                 <a:cs typeface="Times New Roman" panose="02020603050405020304" pitchFamily="18" charset="0"/>
               </a:rPr>
@@ -14563,6 +15072,9 @@
             </a:r>
             <a:r>
               <a:rPr lang="en-US" sz="1600" dirty="0" err="1">
+                <a:solidFill>
+                  <a:schemeClr val="tx1"/>
+                </a:solidFill>
                 <a:latin typeface="Times New Roman" panose="02020603050405020304" pitchFamily="18" charset="0"/>
                 <a:cs typeface="Times New Roman" panose="02020603050405020304" pitchFamily="18" charset="0"/>
               </a:rPr>
@@ -14570,6 +15082,9 @@
             </a:r>
             <a:r>
               <a:rPr lang="en-US" sz="1600" dirty="0">
+                <a:solidFill>
+                  <a:schemeClr val="tx1"/>
+                </a:solidFill>
                 <a:latin typeface="Times New Roman" panose="02020603050405020304" pitchFamily="18" charset="0"/>
                 <a:cs typeface="Times New Roman" panose="02020603050405020304" pitchFamily="18" charset="0"/>
               </a:rPr>
@@ -14577,6 +15092,9 @@
             </a:r>
             <a:r>
               <a:rPr lang="en-US" sz="1600" dirty="0" err="1">
+                <a:solidFill>
+                  <a:schemeClr val="tx1"/>
+                </a:solidFill>
                 <a:latin typeface="Times New Roman" panose="02020603050405020304" pitchFamily="18" charset="0"/>
                 <a:cs typeface="Times New Roman" panose="02020603050405020304" pitchFamily="18" charset="0"/>
               </a:rPr>
@@ -14584,6 +15102,9 @@
             </a:r>
             <a:r>
               <a:rPr lang="en-US" sz="1600" dirty="0">
+                <a:solidFill>
+                  <a:schemeClr val="tx1"/>
+                </a:solidFill>
                 <a:latin typeface="Times New Roman" panose="02020603050405020304" pitchFamily="18" charset="0"/>
                 <a:cs typeface="Times New Roman" panose="02020603050405020304" pitchFamily="18" charset="0"/>
               </a:rPr>
@@ -14591,6 +15112,9 @@
             </a:r>
             <a:r>
               <a:rPr lang="en-US" sz="1600" dirty="0" err="1">
+                <a:solidFill>
+                  <a:schemeClr val="tx1"/>
+                </a:solidFill>
                 <a:latin typeface="Times New Roman" panose="02020603050405020304" pitchFamily="18" charset="0"/>
                 <a:cs typeface="Times New Roman" panose="02020603050405020304" pitchFamily="18" charset="0"/>
               </a:rPr>
@@ -14598,6 +15122,9 @@
             </a:r>
             <a:r>
               <a:rPr lang="en-US" sz="1600" dirty="0">
+                <a:solidFill>
+                  <a:schemeClr val="tx1"/>
+                </a:solidFill>
                 <a:latin typeface="Times New Roman" panose="02020603050405020304" pitchFamily="18" charset="0"/>
                 <a:cs typeface="Times New Roman" panose="02020603050405020304" pitchFamily="18" charset="0"/>
               </a:rPr>
@@ -14605,6 +15132,9 @@
             </a:r>
             <a:r>
               <a:rPr lang="en-US" sz="1600" dirty="0" err="1">
+                <a:solidFill>
+                  <a:schemeClr val="tx1"/>
+                </a:solidFill>
                 <a:latin typeface="Times New Roman" panose="02020603050405020304" pitchFamily="18" charset="0"/>
                 <a:cs typeface="Times New Roman" panose="02020603050405020304" pitchFamily="18" charset="0"/>
               </a:rPr>
@@ -14612,6 +15142,9 @@
             </a:r>
             <a:r>
               <a:rPr lang="en-US" sz="1600" dirty="0">
+                <a:solidFill>
+                  <a:schemeClr val="tx1"/>
+                </a:solidFill>
                 <a:latin typeface="Times New Roman" panose="02020603050405020304" pitchFamily="18" charset="0"/>
                 <a:cs typeface="Times New Roman" panose="02020603050405020304" pitchFamily="18" charset="0"/>
               </a:rPr>
@@ -14619,6 +15152,9 @@
             </a:r>
             <a:r>
               <a:rPr lang="en-US" sz="1600" dirty="0" err="1">
+                <a:solidFill>
+                  <a:schemeClr val="tx1"/>
+                </a:solidFill>
                 <a:latin typeface="Times New Roman" panose="02020603050405020304" pitchFamily="18" charset="0"/>
                 <a:cs typeface="Times New Roman" panose="02020603050405020304" pitchFamily="18" charset="0"/>
               </a:rPr>
@@ -14626,6 +15162,9 @@
             </a:r>
             <a:r>
               <a:rPr lang="en-US" sz="1600" dirty="0">
+                <a:solidFill>
+                  <a:schemeClr val="tx1"/>
+                </a:solidFill>
                 <a:latin typeface="Times New Roman" panose="02020603050405020304" pitchFamily="18" charset="0"/>
                 <a:cs typeface="Times New Roman" panose="02020603050405020304" pitchFamily="18" charset="0"/>
               </a:rPr>
@@ -14633,6 +15172,9 @@
             </a:r>
             <a:r>
               <a:rPr lang="en-US" sz="1600" dirty="0" err="1">
+                <a:solidFill>
+                  <a:schemeClr val="tx1"/>
+                </a:solidFill>
                 <a:latin typeface="Times New Roman" panose="02020603050405020304" pitchFamily="18" charset="0"/>
                 <a:cs typeface="Times New Roman" panose="02020603050405020304" pitchFamily="18" charset="0"/>
               </a:rPr>
@@ -14640,6 +15182,9 @@
             </a:r>
             <a:r>
               <a:rPr lang="en-US" sz="1600" dirty="0">
+                <a:solidFill>
+                  <a:schemeClr val="tx1"/>
+                </a:solidFill>
                 <a:latin typeface="Times New Roman" panose="02020603050405020304" pitchFamily="18" charset="0"/>
                 <a:cs typeface="Times New Roman" panose="02020603050405020304" pitchFamily="18" charset="0"/>
               </a:rPr>
@@ -14647,6 +15192,9 @@
             </a:r>
             <a:r>
               <a:rPr lang="en-US" sz="1600" dirty="0" err="1">
+                <a:solidFill>
+                  <a:schemeClr val="tx1"/>
+                </a:solidFill>
                 <a:latin typeface="Times New Roman" panose="02020603050405020304" pitchFamily="18" charset="0"/>
                 <a:cs typeface="Times New Roman" panose="02020603050405020304" pitchFamily="18" charset="0"/>
               </a:rPr>
@@ -14654,6 +15202,9 @@
             </a:r>
             <a:r>
               <a:rPr lang="en-US" sz="1600" dirty="0">
+                <a:solidFill>
+                  <a:schemeClr val="tx1"/>
+                </a:solidFill>
                 <a:latin typeface="Times New Roman" panose="02020603050405020304" pitchFamily="18" charset="0"/>
                 <a:cs typeface="Times New Roman" panose="02020603050405020304" pitchFamily="18" charset="0"/>
               </a:rPr>
@@ -14661,6 +15212,9 @@
             </a:r>
             <a:r>
               <a:rPr lang="en-US" sz="1600" dirty="0" err="1">
+                <a:solidFill>
+                  <a:schemeClr val="tx1"/>
+                </a:solidFill>
                 <a:latin typeface="Times New Roman" panose="02020603050405020304" pitchFamily="18" charset="0"/>
                 <a:cs typeface="Times New Roman" panose="02020603050405020304" pitchFamily="18" charset="0"/>
               </a:rPr>
@@ -14668,6 +15222,9 @@
             </a:r>
             <a:r>
               <a:rPr lang="en-US" sz="1600" dirty="0">
+                <a:solidFill>
+                  <a:schemeClr val="tx1"/>
+                </a:solidFill>
                 <a:latin typeface="Times New Roman" panose="02020603050405020304" pitchFamily="18" charset="0"/>
                 <a:cs typeface="Times New Roman" panose="02020603050405020304" pitchFamily="18" charset="0"/>
               </a:rPr>
@@ -14675,6 +15232,9 @@
             </a:r>
             <a:r>
               <a:rPr lang="en-US" sz="1600" dirty="0" err="1">
+                <a:solidFill>
+                  <a:schemeClr val="tx1"/>
+                </a:solidFill>
                 <a:latin typeface="Times New Roman" panose="02020603050405020304" pitchFamily="18" charset="0"/>
                 <a:cs typeface="Times New Roman" panose="02020603050405020304" pitchFamily="18" charset="0"/>
               </a:rPr>
@@ -14682,6 +15242,9 @@
             </a:r>
             <a:r>
               <a:rPr lang="en-US" sz="1600" dirty="0">
+                <a:solidFill>
+                  <a:schemeClr val="tx1"/>
+                </a:solidFill>
                 <a:latin typeface="Times New Roman" panose="02020603050405020304" pitchFamily="18" charset="0"/>
                 <a:cs typeface="Times New Roman" panose="02020603050405020304" pitchFamily="18" charset="0"/>
               </a:rPr>
@@ -14689,6 +15252,9 @@
             </a:r>
             <a:r>
               <a:rPr lang="en-US" sz="1600" i="1" dirty="0">
+                <a:solidFill>
+                  <a:schemeClr val="tx1"/>
+                </a:solidFill>
                 <a:latin typeface="Times New Roman" panose="02020603050405020304" pitchFamily="18" charset="0"/>
                 <a:cs typeface="Times New Roman" panose="02020603050405020304" pitchFamily="18" charset="0"/>
               </a:rPr>
@@ -14696,6 +15262,9 @@
             </a:r>
             <a:r>
               <a:rPr lang="en-US" sz="1600" dirty="0">
+                <a:solidFill>
+                  <a:schemeClr val="tx1"/>
+                </a:solidFill>
                 <a:latin typeface="Times New Roman" panose="02020603050405020304" pitchFamily="18" charset="0"/>
                 <a:cs typeface="Times New Roman" panose="02020603050405020304" pitchFamily="18" charset="0"/>
               </a:rPr>
@@ -14703,6 +15272,9 @@
             </a:r>
             <a:r>
               <a:rPr lang="en-US" sz="1600" dirty="0" err="1">
+                <a:solidFill>
+                  <a:schemeClr val="tx1"/>
+                </a:solidFill>
                 <a:latin typeface="Times New Roman" panose="02020603050405020304" pitchFamily="18" charset="0"/>
                 <a:cs typeface="Times New Roman" panose="02020603050405020304" pitchFamily="18" charset="0"/>
               </a:rPr>
@@ -14710,6 +15282,9 @@
             </a:r>
             <a:r>
               <a:rPr lang="en-US" sz="1600" dirty="0">
+                <a:solidFill>
+                  <a:schemeClr val="tx1"/>
+                </a:solidFill>
                 <a:latin typeface="Times New Roman" panose="02020603050405020304" pitchFamily="18" charset="0"/>
                 <a:cs typeface="Times New Roman" panose="02020603050405020304" pitchFamily="18" charset="0"/>
               </a:rPr>
@@ -14717,6 +15292,9 @@
             </a:r>
             <a:r>
               <a:rPr lang="en-US" sz="1600" dirty="0" err="1">
+                <a:solidFill>
+                  <a:schemeClr val="tx1"/>
+                </a:solidFill>
                 <a:latin typeface="Times New Roman" panose="02020603050405020304" pitchFamily="18" charset="0"/>
                 <a:cs typeface="Times New Roman" panose="02020603050405020304" pitchFamily="18" charset="0"/>
               </a:rPr>
@@ -14724,6 +15302,9 @@
             </a:r>
             <a:r>
               <a:rPr lang="en-US" sz="1600" dirty="0">
+                <a:solidFill>
+                  <a:schemeClr val="tx1"/>
+                </a:solidFill>
                 <a:latin typeface="Times New Roman" panose="02020603050405020304" pitchFamily="18" charset="0"/>
                 <a:cs typeface="Times New Roman" panose="02020603050405020304" pitchFamily="18" charset="0"/>
               </a:rPr>
@@ -14731,6 +15312,9 @@
             </a:r>
             <a:r>
               <a:rPr lang="en-US" sz="1600" dirty="0" err="1">
+                <a:solidFill>
+                  <a:schemeClr val="tx1"/>
+                </a:solidFill>
                 <a:latin typeface="Times New Roman" panose="02020603050405020304" pitchFamily="18" charset="0"/>
                 <a:cs typeface="Times New Roman" panose="02020603050405020304" pitchFamily="18" charset="0"/>
               </a:rPr>
@@ -14738,6 +15322,9 @@
             </a:r>
             <a:r>
               <a:rPr lang="en-US" sz="1600" dirty="0">
+                <a:solidFill>
+                  <a:schemeClr val="tx1"/>
+                </a:solidFill>
                 <a:latin typeface="Times New Roman" panose="02020603050405020304" pitchFamily="18" charset="0"/>
                 <a:cs typeface="Times New Roman" panose="02020603050405020304" pitchFamily="18" charset="0"/>
               </a:rPr>
@@ -14745,6 +15332,9 @@
             </a:r>
             <a:r>
               <a:rPr lang="en-US" sz="1600" dirty="0" err="1">
+                <a:solidFill>
+                  <a:schemeClr val="tx1"/>
+                </a:solidFill>
                 <a:latin typeface="Times New Roman" panose="02020603050405020304" pitchFamily="18" charset="0"/>
                 <a:cs typeface="Times New Roman" panose="02020603050405020304" pitchFamily="18" charset="0"/>
               </a:rPr>
@@ -14752,6 +15342,9 @@
             </a:r>
             <a:r>
               <a:rPr lang="en-US" sz="1600" dirty="0">
+                <a:solidFill>
+                  <a:schemeClr val="tx1"/>
+                </a:solidFill>
                 <a:latin typeface="Times New Roman" panose="02020603050405020304" pitchFamily="18" charset="0"/>
                 <a:cs typeface="Times New Roman" panose="02020603050405020304" pitchFamily="18" charset="0"/>
               </a:rPr>
@@ -14759,6 +15352,9 @@
             </a:r>
             <a:r>
               <a:rPr lang="en-US" sz="1600" dirty="0" err="1">
+                <a:solidFill>
+                  <a:schemeClr val="tx1"/>
+                </a:solidFill>
                 <a:latin typeface="Times New Roman" panose="02020603050405020304" pitchFamily="18" charset="0"/>
                 <a:cs typeface="Times New Roman" panose="02020603050405020304" pitchFamily="18" charset="0"/>
               </a:rPr>
@@ -14766,6 +15362,9 @@
             </a:r>
             <a:r>
               <a:rPr lang="en-US" sz="1600" dirty="0">
+                <a:solidFill>
+                  <a:schemeClr val="tx1"/>
+                </a:solidFill>
                 <a:latin typeface="Times New Roman" panose="02020603050405020304" pitchFamily="18" charset="0"/>
                 <a:cs typeface="Times New Roman" panose="02020603050405020304" pitchFamily="18" charset="0"/>
               </a:rPr>
@@ -14773,6 +15372,9 @@
             </a:r>
             <a:r>
               <a:rPr lang="en-US" sz="1600" dirty="0" err="1">
+                <a:solidFill>
+                  <a:schemeClr val="tx1"/>
+                </a:solidFill>
                 <a:latin typeface="Times New Roman" panose="02020603050405020304" pitchFamily="18" charset="0"/>
                 <a:cs typeface="Times New Roman" panose="02020603050405020304" pitchFamily="18" charset="0"/>
               </a:rPr>
@@ -14780,6 +15382,9 @@
             </a:r>
             <a:r>
               <a:rPr lang="en-US" sz="1600" dirty="0">
+                <a:solidFill>
+                  <a:schemeClr val="tx1"/>
+                </a:solidFill>
                 <a:latin typeface="Times New Roman" panose="02020603050405020304" pitchFamily="18" charset="0"/>
                 <a:cs typeface="Times New Roman" panose="02020603050405020304" pitchFamily="18" charset="0"/>
               </a:rPr>
@@ -14787,6 +15392,9 @@
             </a:r>
             <a:r>
               <a:rPr lang="en-US" sz="1600" dirty="0" err="1">
+                <a:solidFill>
+                  <a:schemeClr val="tx1"/>
+                </a:solidFill>
                 <a:latin typeface="Times New Roman" panose="02020603050405020304" pitchFamily="18" charset="0"/>
                 <a:cs typeface="Times New Roman" panose="02020603050405020304" pitchFamily="18" charset="0"/>
               </a:rPr>
@@ -14794,6 +15402,9 @@
             </a:r>
             <a:r>
               <a:rPr lang="en-US" sz="1600" dirty="0">
+                <a:solidFill>
+                  <a:schemeClr val="tx1"/>
+                </a:solidFill>
                 <a:latin typeface="Times New Roman" panose="02020603050405020304" pitchFamily="18" charset="0"/>
                 <a:cs typeface="Times New Roman" panose="02020603050405020304" pitchFamily="18" charset="0"/>
               </a:rPr>
@@ -14801,6 +15412,9 @@
             </a:r>
             <a:r>
               <a:rPr lang="en-US" sz="1600" dirty="0" err="1">
+                <a:solidFill>
+                  <a:schemeClr val="tx1"/>
+                </a:solidFill>
                 <a:latin typeface="Times New Roman" panose="02020603050405020304" pitchFamily="18" charset="0"/>
                 <a:cs typeface="Times New Roman" panose="02020603050405020304" pitchFamily="18" charset="0"/>
               </a:rPr>
@@ -14808,6 +15422,9 @@
             </a:r>
             <a:r>
               <a:rPr lang="en-US" sz="1600" dirty="0">
+                <a:solidFill>
+                  <a:schemeClr val="tx1"/>
+                </a:solidFill>
                 <a:latin typeface="Times New Roman" panose="02020603050405020304" pitchFamily="18" charset="0"/>
                 <a:cs typeface="Times New Roman" panose="02020603050405020304" pitchFamily="18" charset="0"/>
               </a:rPr>
@@ -14815,6 +15432,9 @@
             </a:r>
             <a:r>
               <a:rPr lang="en-US" sz="1600" dirty="0" err="1">
+                <a:solidFill>
+                  <a:schemeClr val="tx1"/>
+                </a:solidFill>
                 <a:latin typeface="Times New Roman" panose="02020603050405020304" pitchFamily="18" charset="0"/>
                 <a:cs typeface="Times New Roman" panose="02020603050405020304" pitchFamily="18" charset="0"/>
               </a:rPr>
@@ -14822,6 +15442,9 @@
             </a:r>
             <a:r>
               <a:rPr lang="en-US" sz="1600" dirty="0">
+                <a:solidFill>
+                  <a:schemeClr val="tx1"/>
+                </a:solidFill>
                 <a:latin typeface="Times New Roman" panose="02020603050405020304" pitchFamily="18" charset="0"/>
                 <a:cs typeface="Times New Roman" panose="02020603050405020304" pitchFamily="18" charset="0"/>
               </a:rPr>
@@ -14829,6 +15452,9 @@
             </a:r>
             <a:r>
               <a:rPr lang="en-US" sz="1600" dirty="0" err="1">
+                <a:solidFill>
+                  <a:schemeClr val="tx1"/>
+                </a:solidFill>
                 <a:latin typeface="Times New Roman" panose="02020603050405020304" pitchFamily="18" charset="0"/>
                 <a:cs typeface="Times New Roman" panose="02020603050405020304" pitchFamily="18" charset="0"/>
               </a:rPr>
@@ -14836,6 +15462,9 @@
             </a:r>
             <a:r>
               <a:rPr lang="en-US" sz="1600" dirty="0">
+                <a:solidFill>
+                  <a:schemeClr val="tx1"/>
+                </a:solidFill>
                 <a:latin typeface="Times New Roman" panose="02020603050405020304" pitchFamily="18" charset="0"/>
                 <a:cs typeface="Times New Roman" panose="02020603050405020304" pitchFamily="18" charset="0"/>
               </a:rPr>
@@ -14843,6 +15472,9 @@
             </a:r>
             <a:r>
               <a:rPr lang="en-US" sz="1600" dirty="0" err="1">
+                <a:solidFill>
+                  <a:schemeClr val="tx1"/>
+                </a:solidFill>
                 <a:latin typeface="Times New Roman" panose="02020603050405020304" pitchFamily="18" charset="0"/>
                 <a:cs typeface="Times New Roman" panose="02020603050405020304" pitchFamily="18" charset="0"/>
               </a:rPr>
@@ -14850,6 +15482,9 @@
             </a:r>
             <a:r>
               <a:rPr lang="en-US" sz="1600" dirty="0">
+                <a:solidFill>
+                  <a:schemeClr val="tx1"/>
+                </a:solidFill>
                 <a:latin typeface="Times New Roman" panose="02020603050405020304" pitchFamily="18" charset="0"/>
                 <a:cs typeface="Times New Roman" panose="02020603050405020304" pitchFamily="18" charset="0"/>
               </a:rPr>
@@ -14857,6 +15492,9 @@
             </a:r>
             <a:r>
               <a:rPr lang="en-US" sz="1600" dirty="0" err="1">
+                <a:solidFill>
+                  <a:schemeClr val="tx1"/>
+                </a:solidFill>
                 <a:latin typeface="Times New Roman" panose="02020603050405020304" pitchFamily="18" charset="0"/>
                 <a:cs typeface="Times New Roman" panose="02020603050405020304" pitchFamily="18" charset="0"/>
               </a:rPr>
@@ -14864,12 +15502,18 @@
             </a:r>
             <a:r>
               <a:rPr lang="en-US" sz="1600" dirty="0">
+                <a:solidFill>
+                  <a:schemeClr val="tx1"/>
+                </a:solidFill>
                 <a:latin typeface="Times New Roman" panose="02020603050405020304" pitchFamily="18" charset="0"/>
                 <a:cs typeface="Times New Roman" panose="02020603050405020304" pitchFamily="18" charset="0"/>
               </a:rPr>
               <a:t>.</a:t>
             </a:r>
             <a:endParaRPr lang="en-ID" sz="1600" dirty="0">
+              <a:solidFill>
+                <a:schemeClr val="tx1"/>
+              </a:solidFill>
               <a:latin typeface="Times New Roman" panose="02020603050405020304" pitchFamily="18" charset="0"/>
               <a:cs typeface="Times New Roman" panose="02020603050405020304" pitchFamily="18" charset="0"/>
             </a:endParaRPr>
@@ -15005,6 +15649,9 @@
             </a:pPr>
             <a:r>
               <a:rPr lang="en-US" sz="1600" dirty="0">
+                <a:solidFill>
+                  <a:schemeClr val="tx1"/>
+                </a:solidFill>
                 <a:latin typeface="Times New Roman" panose="02020603050405020304" pitchFamily="18" charset="0"/>
                 <a:cs typeface="Times New Roman" panose="02020603050405020304" pitchFamily="18" charset="0"/>
               </a:rPr>
@@ -15012,6 +15659,9 @@
             </a:r>
             <a:r>
               <a:rPr lang="en-US" sz="1600" dirty="0" err="1">
+                <a:solidFill>
+                  <a:schemeClr val="tx1"/>
+                </a:solidFill>
                 <a:latin typeface="Times New Roman" panose="02020603050405020304" pitchFamily="18" charset="0"/>
                 <a:cs typeface="Times New Roman" panose="02020603050405020304" pitchFamily="18" charset="0"/>
               </a:rPr>
@@ -15019,6 +15669,9 @@
             </a:r>
             <a:r>
               <a:rPr lang="en-US" sz="1600" dirty="0">
+                <a:solidFill>
+                  <a:schemeClr val="tx1"/>
+                </a:solidFill>
                 <a:latin typeface="Times New Roman" panose="02020603050405020304" pitchFamily="18" charset="0"/>
                 <a:cs typeface="Times New Roman" panose="02020603050405020304" pitchFamily="18" charset="0"/>
               </a:rPr>
@@ -15026,6 +15679,9 @@
             </a:r>
             <a:r>
               <a:rPr lang="en-US" sz="1600" dirty="0" err="1">
+                <a:solidFill>
+                  <a:schemeClr val="tx1"/>
+                </a:solidFill>
                 <a:latin typeface="Times New Roman" panose="02020603050405020304" pitchFamily="18" charset="0"/>
                 <a:cs typeface="Times New Roman" panose="02020603050405020304" pitchFamily="18" charset="0"/>
               </a:rPr>
@@ -15033,6 +15689,9 @@
             </a:r>
             <a:r>
               <a:rPr lang="en-US" sz="1600" dirty="0">
+                <a:solidFill>
+                  <a:schemeClr val="tx1"/>
+                </a:solidFill>
                 <a:latin typeface="Times New Roman" panose="02020603050405020304" pitchFamily="18" charset="0"/>
                 <a:cs typeface="Times New Roman" panose="02020603050405020304" pitchFamily="18" charset="0"/>
               </a:rPr>
@@ -15040,6 +15699,9 @@
             </a:r>
             <a:r>
               <a:rPr lang="en-US" sz="1600" dirty="0" err="1">
+                <a:solidFill>
+                  <a:schemeClr val="tx1"/>
+                </a:solidFill>
                 <a:latin typeface="Times New Roman" panose="02020603050405020304" pitchFamily="18" charset="0"/>
                 <a:cs typeface="Times New Roman" panose="02020603050405020304" pitchFamily="18" charset="0"/>
               </a:rPr>
@@ -15047,6 +15709,9 @@
             </a:r>
             <a:r>
               <a:rPr lang="en-US" sz="1600" dirty="0">
+                <a:solidFill>
+                  <a:schemeClr val="tx1"/>
+                </a:solidFill>
                 <a:latin typeface="Times New Roman" panose="02020603050405020304" pitchFamily="18" charset="0"/>
                 <a:cs typeface="Times New Roman" panose="02020603050405020304" pitchFamily="18" charset="0"/>
               </a:rPr>
@@ -15054,6 +15719,9 @@
             </a:r>
             <a:r>
               <a:rPr lang="en-US" sz="1600" dirty="0" err="1">
+                <a:solidFill>
+                  <a:schemeClr val="tx1"/>
+                </a:solidFill>
                 <a:latin typeface="Times New Roman" panose="02020603050405020304" pitchFamily="18" charset="0"/>
                 <a:cs typeface="Times New Roman" panose="02020603050405020304" pitchFamily="18" charset="0"/>
               </a:rPr>
@@ -15061,6 +15729,9 @@
             </a:r>
             <a:r>
               <a:rPr lang="en-US" sz="1600" dirty="0">
+                <a:solidFill>
+                  <a:schemeClr val="tx1"/>
+                </a:solidFill>
                 <a:latin typeface="Times New Roman" panose="02020603050405020304" pitchFamily="18" charset="0"/>
                 <a:cs typeface="Times New Roman" panose="02020603050405020304" pitchFamily="18" charset="0"/>
               </a:rPr>
@@ -15068,6 +15739,9 @@
             </a:r>
             <a:r>
               <a:rPr lang="en-US" sz="1600" dirty="0" err="1">
+                <a:solidFill>
+                  <a:schemeClr val="tx1"/>
+                </a:solidFill>
                 <a:latin typeface="Times New Roman" panose="02020603050405020304" pitchFamily="18" charset="0"/>
                 <a:cs typeface="Times New Roman" panose="02020603050405020304" pitchFamily="18" charset="0"/>
               </a:rPr>
@@ -15075,6 +15749,9 @@
             </a:r>
             <a:r>
               <a:rPr lang="en-US" sz="1600" dirty="0">
+                <a:solidFill>
+                  <a:schemeClr val="tx1"/>
+                </a:solidFill>
                 <a:latin typeface="Times New Roman" panose="02020603050405020304" pitchFamily="18" charset="0"/>
                 <a:cs typeface="Times New Roman" panose="02020603050405020304" pitchFamily="18" charset="0"/>
               </a:rPr>
@@ -15082,6 +15759,9 @@
             </a:r>
             <a:r>
               <a:rPr lang="en-US" sz="1600" dirty="0" err="1">
+                <a:solidFill>
+                  <a:schemeClr val="tx1"/>
+                </a:solidFill>
                 <a:latin typeface="Times New Roman" panose="02020603050405020304" pitchFamily="18" charset="0"/>
                 <a:cs typeface="Times New Roman" panose="02020603050405020304" pitchFamily="18" charset="0"/>
               </a:rPr>
@@ -15089,6 +15769,9 @@
             </a:r>
             <a:r>
               <a:rPr lang="en-US" sz="1600" dirty="0">
+                <a:solidFill>
+                  <a:schemeClr val="tx1"/>
+                </a:solidFill>
                 <a:latin typeface="Times New Roman" panose="02020603050405020304" pitchFamily="18" charset="0"/>
                 <a:cs typeface="Times New Roman" panose="02020603050405020304" pitchFamily="18" charset="0"/>
               </a:rPr>
@@ -15096,6 +15779,9 @@
             </a:r>
             <a:r>
               <a:rPr lang="en-US" sz="1600" dirty="0" err="1">
+                <a:solidFill>
+                  <a:schemeClr val="tx1"/>
+                </a:solidFill>
                 <a:latin typeface="Times New Roman" panose="02020603050405020304" pitchFamily="18" charset="0"/>
                 <a:cs typeface="Times New Roman" panose="02020603050405020304" pitchFamily="18" charset="0"/>
               </a:rPr>
@@ -15103,6 +15789,9 @@
             </a:r>
             <a:r>
               <a:rPr lang="en-US" sz="1600" dirty="0">
+                <a:solidFill>
+                  <a:schemeClr val="tx1"/>
+                </a:solidFill>
                 <a:latin typeface="Times New Roman" panose="02020603050405020304" pitchFamily="18" charset="0"/>
                 <a:cs typeface="Times New Roman" panose="02020603050405020304" pitchFamily="18" charset="0"/>
               </a:rPr>
@@ -15110,6 +15799,9 @@
             </a:r>
             <a:r>
               <a:rPr lang="en-US" sz="1600" dirty="0" err="1">
+                <a:solidFill>
+                  <a:schemeClr val="tx1"/>
+                </a:solidFill>
                 <a:latin typeface="Times New Roman" panose="02020603050405020304" pitchFamily="18" charset="0"/>
                 <a:cs typeface="Times New Roman" panose="02020603050405020304" pitchFamily="18" charset="0"/>
               </a:rPr>
@@ -15117,6 +15809,9 @@
             </a:r>
             <a:r>
               <a:rPr lang="en-US" sz="1600" dirty="0">
+                <a:solidFill>
+                  <a:schemeClr val="tx1"/>
+                </a:solidFill>
                 <a:latin typeface="Times New Roman" panose="02020603050405020304" pitchFamily="18" charset="0"/>
                 <a:cs typeface="Times New Roman" panose="02020603050405020304" pitchFamily="18" charset="0"/>
               </a:rPr>
@@ -15124,6 +15819,9 @@
             </a:r>
             <a:r>
               <a:rPr lang="en-US" sz="1600" dirty="0" err="1">
+                <a:solidFill>
+                  <a:schemeClr val="tx1"/>
+                </a:solidFill>
                 <a:latin typeface="Times New Roman" panose="02020603050405020304" pitchFamily="18" charset="0"/>
                 <a:cs typeface="Times New Roman" panose="02020603050405020304" pitchFamily="18" charset="0"/>
               </a:rPr>
@@ -15131,6 +15829,9 @@
             </a:r>
             <a:r>
               <a:rPr lang="en-US" sz="1600" dirty="0">
+                <a:solidFill>
+                  <a:schemeClr val="tx1"/>
+                </a:solidFill>
                 <a:latin typeface="Times New Roman" panose="02020603050405020304" pitchFamily="18" charset="0"/>
                 <a:cs typeface="Times New Roman" panose="02020603050405020304" pitchFamily="18" charset="0"/>
               </a:rPr>
@@ -15138,6 +15839,9 @@
             </a:r>
             <a:r>
               <a:rPr lang="en-US" sz="1600" dirty="0" err="1">
+                <a:solidFill>
+                  <a:schemeClr val="tx1"/>
+                </a:solidFill>
                 <a:latin typeface="Times New Roman" panose="02020603050405020304" pitchFamily="18" charset="0"/>
                 <a:cs typeface="Times New Roman" panose="02020603050405020304" pitchFamily="18" charset="0"/>
               </a:rPr>
@@ -15145,6 +15849,9 @@
             </a:r>
             <a:r>
               <a:rPr lang="en-US" sz="1600" dirty="0">
+                <a:solidFill>
+                  <a:schemeClr val="tx1"/>
+                </a:solidFill>
                 <a:latin typeface="Times New Roman" panose="02020603050405020304" pitchFamily="18" charset="0"/>
                 <a:cs typeface="Times New Roman" panose="02020603050405020304" pitchFamily="18" charset="0"/>
               </a:rPr>
@@ -15152,6 +15859,9 @@
             </a:r>
             <a:r>
               <a:rPr lang="en-US" sz="1600" dirty="0" err="1">
+                <a:solidFill>
+                  <a:schemeClr val="tx1"/>
+                </a:solidFill>
                 <a:latin typeface="Times New Roman" panose="02020603050405020304" pitchFamily="18" charset="0"/>
                 <a:cs typeface="Times New Roman" panose="02020603050405020304" pitchFamily="18" charset="0"/>
               </a:rPr>
@@ -15159,6 +15869,9 @@
             </a:r>
             <a:r>
               <a:rPr lang="en-US" sz="1600" dirty="0">
+                <a:solidFill>
+                  <a:schemeClr val="tx1"/>
+                </a:solidFill>
                 <a:latin typeface="Times New Roman" panose="02020603050405020304" pitchFamily="18" charset="0"/>
                 <a:cs typeface="Times New Roman" panose="02020603050405020304" pitchFamily="18" charset="0"/>
               </a:rPr>
@@ -15166,6 +15879,9 @@
             </a:r>
             <a:r>
               <a:rPr lang="en-US" sz="1600" dirty="0" err="1">
+                <a:solidFill>
+                  <a:schemeClr val="tx1"/>
+                </a:solidFill>
                 <a:latin typeface="Times New Roman" panose="02020603050405020304" pitchFamily="18" charset="0"/>
                 <a:cs typeface="Times New Roman" panose="02020603050405020304" pitchFamily="18" charset="0"/>
               </a:rPr>
@@ -15173,6 +15889,9 @@
             </a:r>
             <a:r>
               <a:rPr lang="en-US" sz="1600" dirty="0">
+                <a:solidFill>
+                  <a:schemeClr val="tx1"/>
+                </a:solidFill>
                 <a:latin typeface="Times New Roman" panose="02020603050405020304" pitchFamily="18" charset="0"/>
                 <a:cs typeface="Times New Roman" panose="02020603050405020304" pitchFamily="18" charset="0"/>
               </a:rPr>
@@ -15180,6 +15899,9 @@
             </a:r>
             <a:r>
               <a:rPr lang="en-US" sz="1600" dirty="0" err="1">
+                <a:solidFill>
+                  <a:schemeClr val="tx1"/>
+                </a:solidFill>
                 <a:latin typeface="Times New Roman" panose="02020603050405020304" pitchFamily="18" charset="0"/>
                 <a:cs typeface="Times New Roman" panose="02020603050405020304" pitchFamily="18" charset="0"/>
               </a:rPr>
@@ -15187,6 +15909,9 @@
             </a:r>
             <a:r>
               <a:rPr lang="en-US" sz="1600" dirty="0">
+                <a:solidFill>
+                  <a:schemeClr val="tx1"/>
+                </a:solidFill>
                 <a:latin typeface="Times New Roman" panose="02020603050405020304" pitchFamily="18" charset="0"/>
                 <a:cs typeface="Times New Roman" panose="02020603050405020304" pitchFamily="18" charset="0"/>
               </a:rPr>
@@ -15194,6 +15919,9 @@
             </a:r>
             <a:r>
               <a:rPr lang="en-US" sz="1600" dirty="0" err="1">
+                <a:solidFill>
+                  <a:schemeClr val="tx1"/>
+                </a:solidFill>
                 <a:latin typeface="Times New Roman" panose="02020603050405020304" pitchFamily="18" charset="0"/>
                 <a:cs typeface="Times New Roman" panose="02020603050405020304" pitchFamily="18" charset="0"/>
               </a:rPr>
@@ -15201,6 +15929,9 @@
             </a:r>
             <a:r>
               <a:rPr lang="en-US" sz="1600" dirty="0">
+                <a:solidFill>
+                  <a:schemeClr val="tx1"/>
+                </a:solidFill>
                 <a:latin typeface="Times New Roman" panose="02020603050405020304" pitchFamily="18" charset="0"/>
                 <a:cs typeface="Times New Roman" panose="02020603050405020304" pitchFamily="18" charset="0"/>
               </a:rPr>
@@ -15208,6 +15939,9 @@
             </a:r>
             <a:r>
               <a:rPr lang="en-US" sz="1600" dirty="0" err="1">
+                <a:solidFill>
+                  <a:schemeClr val="tx1"/>
+                </a:solidFill>
                 <a:latin typeface="Times New Roman" panose="02020603050405020304" pitchFamily="18" charset="0"/>
                 <a:cs typeface="Times New Roman" panose="02020603050405020304" pitchFamily="18" charset="0"/>
               </a:rPr>
@@ -15215,6 +15949,9 @@
             </a:r>
             <a:r>
               <a:rPr lang="en-US" sz="1600" dirty="0">
+                <a:solidFill>
+                  <a:schemeClr val="tx1"/>
+                </a:solidFill>
                 <a:latin typeface="Times New Roman" panose="02020603050405020304" pitchFamily="18" charset="0"/>
                 <a:cs typeface="Times New Roman" panose="02020603050405020304" pitchFamily="18" charset="0"/>
               </a:rPr>
@@ -15222,6 +15959,9 @@
             </a:r>
             <a:r>
               <a:rPr lang="en-US" sz="1600" dirty="0" err="1">
+                <a:solidFill>
+                  <a:schemeClr val="tx1"/>
+                </a:solidFill>
                 <a:latin typeface="Times New Roman" panose="02020603050405020304" pitchFamily="18" charset="0"/>
                 <a:cs typeface="Times New Roman" panose="02020603050405020304" pitchFamily="18" charset="0"/>
               </a:rPr>
@@ -15229,6 +15969,9 @@
             </a:r>
             <a:r>
               <a:rPr lang="en-US" sz="1600" dirty="0">
+                <a:solidFill>
+                  <a:schemeClr val="tx1"/>
+                </a:solidFill>
                 <a:latin typeface="Times New Roman" panose="02020603050405020304" pitchFamily="18" charset="0"/>
                 <a:cs typeface="Times New Roman" panose="02020603050405020304" pitchFamily="18" charset="0"/>
               </a:rPr>
@@ -15236,6 +15979,9 @@
             </a:r>
             <a:r>
               <a:rPr lang="en-US" sz="1600" dirty="0" err="1">
+                <a:solidFill>
+                  <a:schemeClr val="tx1"/>
+                </a:solidFill>
                 <a:latin typeface="Times New Roman" panose="02020603050405020304" pitchFamily="18" charset="0"/>
                 <a:cs typeface="Times New Roman" panose="02020603050405020304" pitchFamily="18" charset="0"/>
               </a:rPr>
@@ -15243,6 +15989,9 @@
             </a:r>
             <a:r>
               <a:rPr lang="en-US" sz="1600" dirty="0">
+                <a:solidFill>
+                  <a:schemeClr val="tx1"/>
+                </a:solidFill>
                 <a:latin typeface="Times New Roman" panose="02020603050405020304" pitchFamily="18" charset="0"/>
                 <a:cs typeface="Times New Roman" panose="02020603050405020304" pitchFamily="18" charset="0"/>
               </a:rPr>
@@ -15250,6 +15999,9 @@
             </a:r>
             <a:r>
               <a:rPr lang="en-US" sz="1600" dirty="0" err="1">
+                <a:solidFill>
+                  <a:schemeClr val="tx1"/>
+                </a:solidFill>
                 <a:latin typeface="Times New Roman" panose="02020603050405020304" pitchFamily="18" charset="0"/>
                 <a:cs typeface="Times New Roman" panose="02020603050405020304" pitchFamily="18" charset="0"/>
               </a:rPr>
@@ -15257,6 +16009,9 @@
             </a:r>
             <a:r>
               <a:rPr lang="en-US" sz="1600" dirty="0">
+                <a:solidFill>
+                  <a:schemeClr val="tx1"/>
+                </a:solidFill>
                 <a:latin typeface="Times New Roman" panose="02020603050405020304" pitchFamily="18" charset="0"/>
                 <a:cs typeface="Times New Roman" panose="02020603050405020304" pitchFamily="18" charset="0"/>
               </a:rPr>
@@ -15264,6 +16019,9 @@
             </a:r>
             <a:r>
               <a:rPr lang="en-US" sz="1600" dirty="0" err="1">
+                <a:solidFill>
+                  <a:schemeClr val="tx1"/>
+                </a:solidFill>
                 <a:latin typeface="Times New Roman" panose="02020603050405020304" pitchFamily="18" charset="0"/>
                 <a:cs typeface="Times New Roman" panose="02020603050405020304" pitchFamily="18" charset="0"/>
               </a:rPr>
@@ -15271,6 +16029,9 @@
             </a:r>
             <a:r>
               <a:rPr lang="en-US" sz="1600" dirty="0">
+                <a:solidFill>
+                  <a:schemeClr val="tx1"/>
+                </a:solidFill>
                 <a:latin typeface="Times New Roman" panose="02020603050405020304" pitchFamily="18" charset="0"/>
                 <a:cs typeface="Times New Roman" panose="02020603050405020304" pitchFamily="18" charset="0"/>
               </a:rPr>
@@ -15278,6 +16039,9 @@
             </a:r>
             <a:r>
               <a:rPr lang="en-US" sz="1600" dirty="0" err="1">
+                <a:solidFill>
+                  <a:schemeClr val="tx1"/>
+                </a:solidFill>
                 <a:latin typeface="Times New Roman" panose="02020603050405020304" pitchFamily="18" charset="0"/>
                 <a:cs typeface="Times New Roman" panose="02020603050405020304" pitchFamily="18" charset="0"/>
               </a:rPr>
@@ -15285,6 +16049,9 @@
             </a:r>
             <a:r>
               <a:rPr lang="en-US" sz="1600" dirty="0">
+                <a:solidFill>
+                  <a:schemeClr val="tx1"/>
+                </a:solidFill>
                 <a:latin typeface="Times New Roman" panose="02020603050405020304" pitchFamily="18" charset="0"/>
                 <a:cs typeface="Times New Roman" panose="02020603050405020304" pitchFamily="18" charset="0"/>
               </a:rPr>
@@ -15292,6 +16059,9 @@
             </a:r>
             <a:r>
               <a:rPr lang="en-US" sz="1600" dirty="0" err="1">
+                <a:solidFill>
+                  <a:schemeClr val="tx1"/>
+                </a:solidFill>
                 <a:latin typeface="Times New Roman" panose="02020603050405020304" pitchFamily="18" charset="0"/>
                 <a:cs typeface="Times New Roman" panose="02020603050405020304" pitchFamily="18" charset="0"/>
               </a:rPr>
@@ -15299,6 +16069,9 @@
             </a:r>
             <a:r>
               <a:rPr lang="en-US" sz="1600" dirty="0">
+                <a:solidFill>
+                  <a:schemeClr val="tx1"/>
+                </a:solidFill>
                 <a:latin typeface="Times New Roman" panose="02020603050405020304" pitchFamily="18" charset="0"/>
                 <a:cs typeface="Times New Roman" panose="02020603050405020304" pitchFamily="18" charset="0"/>
               </a:rPr>
@@ -15306,6 +16079,9 @@
             </a:r>
             <a:r>
               <a:rPr lang="en-US" sz="1600" dirty="0" err="1">
+                <a:solidFill>
+                  <a:schemeClr val="tx1"/>
+                </a:solidFill>
                 <a:latin typeface="Times New Roman" panose="02020603050405020304" pitchFamily="18" charset="0"/>
                 <a:cs typeface="Times New Roman" panose="02020603050405020304" pitchFamily="18" charset="0"/>
               </a:rPr>
@@ -15313,6 +16089,9 @@
             </a:r>
             <a:r>
               <a:rPr lang="en-US" sz="1600" dirty="0">
+                <a:solidFill>
+                  <a:schemeClr val="tx1"/>
+                </a:solidFill>
                 <a:latin typeface="Times New Roman" panose="02020603050405020304" pitchFamily="18" charset="0"/>
                 <a:cs typeface="Times New Roman" panose="02020603050405020304" pitchFamily="18" charset="0"/>
               </a:rPr>
@@ -15320,6 +16099,9 @@
             </a:r>
             <a:r>
               <a:rPr lang="en-US" sz="1600" dirty="0" err="1">
+                <a:solidFill>
+                  <a:schemeClr val="tx1"/>
+                </a:solidFill>
                 <a:latin typeface="Times New Roman" panose="02020603050405020304" pitchFamily="18" charset="0"/>
                 <a:cs typeface="Times New Roman" panose="02020603050405020304" pitchFamily="18" charset="0"/>
               </a:rPr>
@@ -15327,6 +16109,9 @@
             </a:r>
             <a:r>
               <a:rPr lang="en-US" sz="1600" dirty="0">
+                <a:solidFill>
+                  <a:schemeClr val="tx1"/>
+                </a:solidFill>
                 <a:latin typeface="Times New Roman" panose="02020603050405020304" pitchFamily="18" charset="0"/>
                 <a:cs typeface="Times New Roman" panose="02020603050405020304" pitchFamily="18" charset="0"/>
               </a:rPr>
@@ -15334,6 +16119,9 @@
             </a:r>
             <a:r>
               <a:rPr lang="en-US" sz="1600" dirty="0" err="1">
+                <a:solidFill>
+                  <a:schemeClr val="tx1"/>
+                </a:solidFill>
                 <a:latin typeface="Times New Roman" panose="02020603050405020304" pitchFamily="18" charset="0"/>
                 <a:cs typeface="Times New Roman" panose="02020603050405020304" pitchFamily="18" charset="0"/>
               </a:rPr>
@@ -15341,6 +16129,9 @@
             </a:r>
             <a:r>
               <a:rPr lang="en-US" sz="1600" dirty="0">
+                <a:solidFill>
+                  <a:schemeClr val="tx1"/>
+                </a:solidFill>
                 <a:latin typeface="Times New Roman" panose="02020603050405020304" pitchFamily="18" charset="0"/>
                 <a:cs typeface="Times New Roman" panose="02020603050405020304" pitchFamily="18" charset="0"/>
               </a:rPr>
@@ -15348,6 +16139,9 @@
             </a:r>
             <a:r>
               <a:rPr lang="en-US" sz="1600" dirty="0" err="1">
+                <a:solidFill>
+                  <a:schemeClr val="tx1"/>
+                </a:solidFill>
                 <a:latin typeface="Times New Roman" panose="02020603050405020304" pitchFamily="18" charset="0"/>
                 <a:cs typeface="Times New Roman" panose="02020603050405020304" pitchFamily="18" charset="0"/>
               </a:rPr>
@@ -15355,6 +16149,9 @@
             </a:r>
             <a:r>
               <a:rPr lang="en-US" sz="1600" dirty="0">
+                <a:solidFill>
+                  <a:schemeClr val="tx1"/>
+                </a:solidFill>
                 <a:latin typeface="Times New Roman" panose="02020603050405020304" pitchFamily="18" charset="0"/>
                 <a:cs typeface="Times New Roman" panose="02020603050405020304" pitchFamily="18" charset="0"/>
               </a:rPr>
@@ -15362,6 +16159,9 @@
             </a:r>
             <a:r>
               <a:rPr lang="en-US" sz="1600" dirty="0" err="1">
+                <a:solidFill>
+                  <a:schemeClr val="tx1"/>
+                </a:solidFill>
                 <a:latin typeface="Times New Roman" panose="02020603050405020304" pitchFamily="18" charset="0"/>
                 <a:cs typeface="Times New Roman" panose="02020603050405020304" pitchFamily="18" charset="0"/>
               </a:rPr>
@@ -15369,6 +16169,9 @@
             </a:r>
             <a:r>
               <a:rPr lang="en-US" sz="1600" dirty="0">
+                <a:solidFill>
+                  <a:schemeClr val="tx1"/>
+                </a:solidFill>
                 <a:latin typeface="Times New Roman" panose="02020603050405020304" pitchFamily="18" charset="0"/>
                 <a:cs typeface="Times New Roman" panose="02020603050405020304" pitchFamily="18" charset="0"/>
               </a:rPr>
@@ -15376,6 +16179,9 @@
             </a:r>
             <a:r>
               <a:rPr lang="en-US" sz="1600" dirty="0" err="1">
+                <a:solidFill>
+                  <a:schemeClr val="tx1"/>
+                </a:solidFill>
                 <a:latin typeface="Times New Roman" panose="02020603050405020304" pitchFamily="18" charset="0"/>
                 <a:cs typeface="Times New Roman" panose="02020603050405020304" pitchFamily="18" charset="0"/>
               </a:rPr>
@@ -15383,6 +16189,9 @@
             </a:r>
             <a:r>
               <a:rPr lang="en-US" sz="1600" dirty="0">
+                <a:solidFill>
+                  <a:schemeClr val="tx1"/>
+                </a:solidFill>
                 <a:latin typeface="Times New Roman" panose="02020603050405020304" pitchFamily="18" charset="0"/>
                 <a:cs typeface="Times New Roman" panose="02020603050405020304" pitchFamily="18" charset="0"/>
               </a:rPr>
@@ -15390,6 +16199,9 @@
             </a:r>
             <a:r>
               <a:rPr lang="en-US" sz="1600" dirty="0" err="1">
+                <a:solidFill>
+                  <a:schemeClr val="tx1"/>
+                </a:solidFill>
                 <a:latin typeface="Times New Roman" panose="02020603050405020304" pitchFamily="18" charset="0"/>
                 <a:cs typeface="Times New Roman" panose="02020603050405020304" pitchFamily="18" charset="0"/>
               </a:rPr>
@@ -15397,6 +16209,9 @@
             </a:r>
             <a:r>
               <a:rPr lang="en-US" sz="1600" dirty="0">
+                <a:solidFill>
+                  <a:schemeClr val="tx1"/>
+                </a:solidFill>
                 <a:latin typeface="Times New Roman" panose="02020603050405020304" pitchFamily="18" charset="0"/>
                 <a:cs typeface="Times New Roman" panose="02020603050405020304" pitchFamily="18" charset="0"/>
               </a:rPr>
@@ -15404,6 +16219,9 @@
             </a:r>
             <a:r>
               <a:rPr lang="en-US" sz="1600" dirty="0" err="1">
+                <a:solidFill>
+                  <a:schemeClr val="tx1"/>
+                </a:solidFill>
                 <a:latin typeface="Times New Roman" panose="02020603050405020304" pitchFamily="18" charset="0"/>
                 <a:cs typeface="Times New Roman" panose="02020603050405020304" pitchFamily="18" charset="0"/>
               </a:rPr>
@@ -15411,6 +16229,9 @@
             </a:r>
             <a:r>
               <a:rPr lang="en-US" sz="1600" dirty="0">
+                <a:solidFill>
+                  <a:schemeClr val="tx1"/>
+                </a:solidFill>
                 <a:latin typeface="Times New Roman" panose="02020603050405020304" pitchFamily="18" charset="0"/>
                 <a:cs typeface="Times New Roman" panose="02020603050405020304" pitchFamily="18" charset="0"/>
               </a:rPr>
@@ -15418,6 +16239,9 @@
             </a:r>
             <a:r>
               <a:rPr lang="en-US" sz="1600" dirty="0" err="1">
+                <a:solidFill>
+                  <a:schemeClr val="tx1"/>
+                </a:solidFill>
                 <a:latin typeface="Times New Roman" panose="02020603050405020304" pitchFamily="18" charset="0"/>
                 <a:cs typeface="Times New Roman" panose="02020603050405020304" pitchFamily="18" charset="0"/>
               </a:rPr>
@@ -15425,6 +16249,9 @@
             </a:r>
             <a:r>
               <a:rPr lang="en-US" sz="1600" dirty="0">
+                <a:solidFill>
+                  <a:schemeClr val="tx1"/>
+                </a:solidFill>
                 <a:latin typeface="Times New Roman" panose="02020603050405020304" pitchFamily="18" charset="0"/>
                 <a:cs typeface="Times New Roman" panose="02020603050405020304" pitchFamily="18" charset="0"/>
               </a:rPr>
@@ -15432,6 +16259,9 @@
             </a:r>
             <a:r>
               <a:rPr lang="en-US" sz="1600" dirty="0" err="1">
+                <a:solidFill>
+                  <a:schemeClr val="tx1"/>
+                </a:solidFill>
                 <a:latin typeface="Times New Roman" panose="02020603050405020304" pitchFamily="18" charset="0"/>
                 <a:cs typeface="Times New Roman" panose="02020603050405020304" pitchFamily="18" charset="0"/>
               </a:rPr>
@@ -15439,6 +16269,9 @@
             </a:r>
             <a:r>
               <a:rPr lang="en-US" sz="1600" dirty="0">
+                <a:solidFill>
+                  <a:schemeClr val="tx1"/>
+                </a:solidFill>
                 <a:latin typeface="Times New Roman" panose="02020603050405020304" pitchFamily="18" charset="0"/>
                 <a:cs typeface="Times New Roman" panose="02020603050405020304" pitchFamily="18" charset="0"/>
               </a:rPr>
@@ -15446,6 +16279,9 @@
             </a:r>
             <a:r>
               <a:rPr lang="en-US" sz="1600" dirty="0" err="1">
+                <a:solidFill>
+                  <a:schemeClr val="tx1"/>
+                </a:solidFill>
                 <a:latin typeface="Times New Roman" panose="02020603050405020304" pitchFamily="18" charset="0"/>
                 <a:cs typeface="Times New Roman" panose="02020603050405020304" pitchFamily="18" charset="0"/>
               </a:rPr>
@@ -15453,6 +16289,9 @@
             </a:r>
             <a:r>
               <a:rPr lang="en-US" sz="1600" dirty="0">
+                <a:solidFill>
+                  <a:schemeClr val="tx1"/>
+                </a:solidFill>
                 <a:latin typeface="Times New Roman" panose="02020603050405020304" pitchFamily="18" charset="0"/>
                 <a:cs typeface="Times New Roman" panose="02020603050405020304" pitchFamily="18" charset="0"/>
               </a:rPr>
@@ -15460,6 +16299,9 @@
             </a:r>
             <a:r>
               <a:rPr lang="en-US" sz="1600" dirty="0" err="1">
+                <a:solidFill>
+                  <a:schemeClr val="tx1"/>
+                </a:solidFill>
                 <a:latin typeface="Times New Roman" panose="02020603050405020304" pitchFamily="18" charset="0"/>
                 <a:cs typeface="Times New Roman" panose="02020603050405020304" pitchFamily="18" charset="0"/>
               </a:rPr>
@@ -15467,6 +16309,9 @@
             </a:r>
             <a:r>
               <a:rPr lang="en-US" sz="1600" dirty="0">
+                <a:solidFill>
+                  <a:schemeClr val="tx1"/>
+                </a:solidFill>
                 <a:latin typeface="Times New Roman" panose="02020603050405020304" pitchFamily="18" charset="0"/>
                 <a:cs typeface="Times New Roman" panose="02020603050405020304" pitchFamily="18" charset="0"/>
               </a:rPr>
@@ -15474,6 +16319,9 @@
             </a:r>
             <a:r>
               <a:rPr lang="en-US" sz="1600" dirty="0" err="1">
+                <a:solidFill>
+                  <a:schemeClr val="tx1"/>
+                </a:solidFill>
                 <a:latin typeface="Times New Roman" panose="02020603050405020304" pitchFamily="18" charset="0"/>
                 <a:cs typeface="Times New Roman" panose="02020603050405020304" pitchFamily="18" charset="0"/>
               </a:rPr>
@@ -15481,6 +16329,9 @@
             </a:r>
             <a:r>
               <a:rPr lang="en-US" sz="1600" dirty="0">
+                <a:solidFill>
+                  <a:schemeClr val="tx1"/>
+                </a:solidFill>
                 <a:latin typeface="Times New Roman" panose="02020603050405020304" pitchFamily="18" charset="0"/>
                 <a:cs typeface="Times New Roman" panose="02020603050405020304" pitchFamily="18" charset="0"/>
               </a:rPr>
@@ -15488,6 +16339,9 @@
             </a:r>
             <a:r>
               <a:rPr lang="en-US" sz="1600" dirty="0" err="1">
+                <a:solidFill>
+                  <a:schemeClr val="tx1"/>
+                </a:solidFill>
                 <a:latin typeface="Times New Roman" panose="02020603050405020304" pitchFamily="18" charset="0"/>
                 <a:cs typeface="Times New Roman" panose="02020603050405020304" pitchFamily="18" charset="0"/>
               </a:rPr>
@@ -15495,6 +16349,9 @@
             </a:r>
             <a:r>
               <a:rPr lang="en-US" sz="1600" dirty="0">
+                <a:solidFill>
+                  <a:schemeClr val="tx1"/>
+                </a:solidFill>
                 <a:latin typeface="Times New Roman" panose="02020603050405020304" pitchFamily="18" charset="0"/>
                 <a:cs typeface="Times New Roman" panose="02020603050405020304" pitchFamily="18" charset="0"/>
               </a:rPr>
@@ -15502,6 +16359,9 @@
             </a:r>
             <a:r>
               <a:rPr lang="en-US" sz="1600" dirty="0" err="1">
+                <a:solidFill>
+                  <a:schemeClr val="tx1"/>
+                </a:solidFill>
                 <a:latin typeface="Times New Roman" panose="02020603050405020304" pitchFamily="18" charset="0"/>
                 <a:cs typeface="Times New Roman" panose="02020603050405020304" pitchFamily="18" charset="0"/>
               </a:rPr>
@@ -15509,6 +16369,9 @@
             </a:r>
             <a:r>
               <a:rPr lang="en-US" sz="1600" dirty="0">
+                <a:solidFill>
+                  <a:schemeClr val="tx1"/>
+                </a:solidFill>
                 <a:latin typeface="Times New Roman" panose="02020603050405020304" pitchFamily="18" charset="0"/>
                 <a:cs typeface="Times New Roman" panose="02020603050405020304" pitchFamily="18" charset="0"/>
               </a:rPr>
@@ -15516,6 +16379,9 @@
             </a:r>
             <a:r>
               <a:rPr lang="en-US" sz="1600" dirty="0" err="1">
+                <a:solidFill>
+                  <a:schemeClr val="tx1"/>
+                </a:solidFill>
                 <a:latin typeface="Times New Roman" panose="02020603050405020304" pitchFamily="18" charset="0"/>
                 <a:cs typeface="Times New Roman" panose="02020603050405020304" pitchFamily="18" charset="0"/>
               </a:rPr>
@@ -15523,6 +16389,9 @@
             </a:r>
             <a:r>
               <a:rPr lang="en-US" sz="1600" dirty="0">
+                <a:solidFill>
+                  <a:schemeClr val="tx1"/>
+                </a:solidFill>
                 <a:latin typeface="Times New Roman" panose="02020603050405020304" pitchFamily="18" charset="0"/>
                 <a:cs typeface="Times New Roman" panose="02020603050405020304" pitchFamily="18" charset="0"/>
               </a:rPr>
@@ -15530,6 +16399,9 @@
             </a:r>
             <a:r>
               <a:rPr lang="en-US" sz="1600" dirty="0" err="1">
+                <a:solidFill>
+                  <a:schemeClr val="tx1"/>
+                </a:solidFill>
                 <a:latin typeface="Times New Roman" panose="02020603050405020304" pitchFamily="18" charset="0"/>
                 <a:cs typeface="Times New Roman" panose="02020603050405020304" pitchFamily="18" charset="0"/>
               </a:rPr>
@@ -15537,12 +16409,18 @@
             </a:r>
             <a:r>
               <a:rPr lang="en-US" sz="1600" dirty="0">
+                <a:solidFill>
+                  <a:schemeClr val="tx1"/>
+                </a:solidFill>
                 <a:latin typeface="Times New Roman" panose="02020603050405020304" pitchFamily="18" charset="0"/>
                 <a:cs typeface="Times New Roman" panose="02020603050405020304" pitchFamily="18" charset="0"/>
               </a:rPr>
               <a:t> </a:t>
             </a:r>
             <a:endParaRPr lang="en-ID" sz="1600" dirty="0">
+              <a:solidFill>
+                <a:schemeClr val="tx1"/>
+              </a:solidFill>
               <a:latin typeface="Times New Roman" panose="02020603050405020304" pitchFamily="18" charset="0"/>
               <a:cs typeface="Times New Roman" panose="02020603050405020304" pitchFamily="18" charset="0"/>
             </a:endParaRPr>
@@ -15728,7 +16606,7 @@
             <a:r>
               <a:rPr lang="en-US" sz="1600" dirty="0" err="1">
                 <a:solidFill>
-                  <a:schemeClr val="dk1"/>
+                  <a:schemeClr val="tx1"/>
                 </a:solidFill>
                 <a:latin typeface="Times New Roman" panose="02020603050405020304" pitchFamily="18" charset="0"/>
                 <a:cs typeface="Times New Roman" panose="02020603050405020304" pitchFamily="18" charset="0"/>
@@ -15739,7 +16617,7 @@
             <a:r>
               <a:rPr lang="en-US" sz="1600" dirty="0">
                 <a:solidFill>
-                  <a:schemeClr val="dk1"/>
+                  <a:schemeClr val="tx1"/>
                 </a:solidFill>
                 <a:latin typeface="Times New Roman" panose="02020603050405020304" pitchFamily="18" charset="0"/>
                 <a:cs typeface="Times New Roman" panose="02020603050405020304" pitchFamily="18" charset="0"/>
@@ -15750,7 +16628,7 @@
             <a:r>
               <a:rPr lang="en-US" sz="1600" dirty="0" err="1">
                 <a:solidFill>
-                  <a:schemeClr val="dk1"/>
+                  <a:schemeClr val="tx1"/>
                 </a:solidFill>
                 <a:latin typeface="Times New Roman" panose="02020603050405020304" pitchFamily="18" charset="0"/>
                 <a:cs typeface="Times New Roman" panose="02020603050405020304" pitchFamily="18" charset="0"/>
@@ -15761,7 +16639,7 @@
             <a:r>
               <a:rPr lang="en-US" sz="1600" dirty="0">
                 <a:solidFill>
-                  <a:schemeClr val="dk1"/>
+                  <a:schemeClr val="tx1"/>
                 </a:solidFill>
                 <a:latin typeface="Times New Roman" panose="02020603050405020304" pitchFamily="18" charset="0"/>
                 <a:cs typeface="Times New Roman" panose="02020603050405020304" pitchFamily="18" charset="0"/>
@@ -15788,7 +16666,7 @@
             <a:r>
               <a:rPr lang="en-US" sz="1600" dirty="0" err="1">
                 <a:solidFill>
-                  <a:schemeClr val="dk1"/>
+                  <a:schemeClr val="tx1"/>
                 </a:solidFill>
                 <a:latin typeface="Times New Roman" panose="02020603050405020304" pitchFamily="18" charset="0"/>
                 <a:cs typeface="Times New Roman" panose="02020603050405020304" pitchFamily="18" charset="0"/>
@@ -15799,7 +16677,7 @@
             <a:r>
               <a:rPr lang="en-US" sz="1600" dirty="0">
                 <a:solidFill>
-                  <a:schemeClr val="dk1"/>
+                  <a:schemeClr val="tx1"/>
                 </a:solidFill>
                 <a:latin typeface="Times New Roman" panose="02020603050405020304" pitchFamily="18" charset="0"/>
                 <a:cs typeface="Times New Roman" panose="02020603050405020304" pitchFamily="18" charset="0"/>
@@ -15810,7 +16688,7 @@
             <a:r>
               <a:rPr lang="en-US" sz="1600" dirty="0" err="1">
                 <a:solidFill>
-                  <a:schemeClr val="dk1"/>
+                  <a:schemeClr val="tx1"/>
                 </a:solidFill>
                 <a:latin typeface="Times New Roman" panose="02020603050405020304" pitchFamily="18" charset="0"/>
                 <a:cs typeface="Times New Roman" panose="02020603050405020304" pitchFamily="18" charset="0"/>
@@ -15821,7 +16699,7 @@
             <a:r>
               <a:rPr lang="en-US" sz="1600" dirty="0">
                 <a:solidFill>
-                  <a:schemeClr val="dk1"/>
+                  <a:schemeClr val="tx1"/>
                 </a:solidFill>
                 <a:latin typeface="Times New Roman" panose="02020603050405020304" pitchFamily="18" charset="0"/>
                 <a:cs typeface="Times New Roman" panose="02020603050405020304" pitchFamily="18" charset="0"/>
@@ -15832,7 +16710,7 @@
             <a:r>
               <a:rPr lang="en-US" sz="1600" dirty="0" err="1">
                 <a:solidFill>
-                  <a:schemeClr val="dk1"/>
+                  <a:schemeClr val="tx1"/>
                 </a:solidFill>
                 <a:latin typeface="Times New Roman" panose="02020603050405020304" pitchFamily="18" charset="0"/>
                 <a:cs typeface="Times New Roman" panose="02020603050405020304" pitchFamily="18" charset="0"/>
@@ -15843,7 +16721,7 @@
             <a:r>
               <a:rPr lang="en-US" sz="1600" dirty="0">
                 <a:solidFill>
-                  <a:schemeClr val="dk1"/>
+                  <a:schemeClr val="tx1"/>
                 </a:solidFill>
                 <a:latin typeface="Times New Roman" panose="02020603050405020304" pitchFamily="18" charset="0"/>
                 <a:cs typeface="Times New Roman" panose="02020603050405020304" pitchFamily="18" charset="0"/>
@@ -15854,7 +16732,7 @@
             <a:r>
               <a:rPr lang="en-US" sz="1600" dirty="0" err="1">
                 <a:solidFill>
-                  <a:schemeClr val="dk1"/>
+                  <a:schemeClr val="tx1"/>
                 </a:solidFill>
                 <a:latin typeface="Times New Roman" panose="02020603050405020304" pitchFamily="18" charset="0"/>
                 <a:cs typeface="Times New Roman" panose="02020603050405020304" pitchFamily="18" charset="0"/>
@@ -15865,7 +16743,7 @@
             <a:r>
               <a:rPr lang="en-US" sz="1600" dirty="0">
                 <a:solidFill>
-                  <a:schemeClr val="dk1"/>
+                  <a:schemeClr val="tx1"/>
                 </a:solidFill>
                 <a:latin typeface="Times New Roman" panose="02020603050405020304" pitchFamily="18" charset="0"/>
                 <a:cs typeface="Times New Roman" panose="02020603050405020304" pitchFamily="18" charset="0"/>
@@ -15876,7 +16754,7 @@
             <a:r>
               <a:rPr lang="en-US" sz="1600" dirty="0" err="1">
                 <a:solidFill>
-                  <a:schemeClr val="dk1"/>
+                  <a:schemeClr val="tx1"/>
                 </a:solidFill>
                 <a:latin typeface="Times New Roman" panose="02020603050405020304" pitchFamily="18" charset="0"/>
                 <a:cs typeface="Times New Roman" panose="02020603050405020304" pitchFamily="18" charset="0"/>
@@ -15887,7 +16765,7 @@
             <a:r>
               <a:rPr lang="en-US" sz="1600" dirty="0">
                 <a:solidFill>
-                  <a:schemeClr val="dk1"/>
+                  <a:schemeClr val="tx1"/>
                 </a:solidFill>
                 <a:latin typeface="Times New Roman" panose="02020603050405020304" pitchFamily="18" charset="0"/>
                 <a:cs typeface="Times New Roman" panose="02020603050405020304" pitchFamily="18" charset="0"/>
@@ -15898,7 +16776,7 @@
             <a:r>
               <a:rPr lang="en-US" sz="1600" dirty="0" err="1">
                 <a:solidFill>
-                  <a:schemeClr val="dk1"/>
+                  <a:schemeClr val="tx1"/>
                 </a:solidFill>
                 <a:latin typeface="Times New Roman" panose="02020603050405020304" pitchFamily="18" charset="0"/>
                 <a:cs typeface="Times New Roman" panose="02020603050405020304" pitchFamily="18" charset="0"/>
@@ -15909,7 +16787,7 @@
             <a:r>
               <a:rPr lang="en-US" sz="1600" dirty="0">
                 <a:solidFill>
-                  <a:schemeClr val="dk1"/>
+                  <a:schemeClr val="tx1"/>
                 </a:solidFill>
                 <a:latin typeface="Times New Roman" panose="02020603050405020304" pitchFamily="18" charset="0"/>
                 <a:cs typeface="Times New Roman" panose="02020603050405020304" pitchFamily="18" charset="0"/>
@@ -15920,7 +16798,7 @@
             <a:r>
               <a:rPr lang="en-US" sz="1600" dirty="0" err="1">
                 <a:solidFill>
-                  <a:schemeClr val="dk1"/>
+                  <a:schemeClr val="tx1"/>
                 </a:solidFill>
                 <a:latin typeface="Times New Roman" panose="02020603050405020304" pitchFamily="18" charset="0"/>
                 <a:cs typeface="Times New Roman" panose="02020603050405020304" pitchFamily="18" charset="0"/>
@@ -15931,7 +16809,7 @@
             <a:r>
               <a:rPr lang="en-US" sz="1600" dirty="0">
                 <a:solidFill>
-                  <a:schemeClr val="dk1"/>
+                  <a:schemeClr val="tx1"/>
                 </a:solidFill>
                 <a:latin typeface="Times New Roman" panose="02020603050405020304" pitchFamily="18" charset="0"/>
                 <a:cs typeface="Times New Roman" panose="02020603050405020304" pitchFamily="18" charset="0"/>
@@ -15942,7 +16820,7 @@
             <a:r>
               <a:rPr lang="en-US" sz="1600" dirty="0" err="1">
                 <a:solidFill>
-                  <a:schemeClr val="dk1"/>
+                  <a:schemeClr val="tx1"/>
                 </a:solidFill>
                 <a:latin typeface="Times New Roman" panose="02020603050405020304" pitchFamily="18" charset="0"/>
                 <a:cs typeface="Times New Roman" panose="02020603050405020304" pitchFamily="18" charset="0"/>
@@ -15953,7 +16831,7 @@
             <a:r>
               <a:rPr lang="en-US" sz="1600" dirty="0">
                 <a:solidFill>
-                  <a:schemeClr val="dk1"/>
+                  <a:schemeClr val="tx1"/>
                 </a:solidFill>
                 <a:latin typeface="Times New Roman" panose="02020603050405020304" pitchFamily="18" charset="0"/>
                 <a:cs typeface="Times New Roman" panose="02020603050405020304" pitchFamily="18" charset="0"/>
@@ -15979,6 +16857,9 @@
             </a:pPr>
             <a:r>
               <a:rPr lang="en-US" sz="1600" dirty="0" err="1">
+                <a:solidFill>
+                  <a:schemeClr val="tx1"/>
+                </a:solidFill>
                 <a:latin typeface="Times New Roman" panose="02020603050405020304" pitchFamily="18" charset="0"/>
                 <a:cs typeface="Times New Roman" panose="02020603050405020304" pitchFamily="18" charset="0"/>
               </a:rPr>
@@ -15986,6 +16867,9 @@
             </a:r>
             <a:r>
               <a:rPr lang="en-US" sz="1600" dirty="0">
+                <a:solidFill>
+                  <a:schemeClr val="tx1"/>
+                </a:solidFill>
                 <a:latin typeface="Times New Roman" panose="02020603050405020304" pitchFamily="18" charset="0"/>
                 <a:cs typeface="Times New Roman" panose="02020603050405020304" pitchFamily="18" charset="0"/>
               </a:rPr>
@@ -15993,6 +16877,9 @@
             </a:r>
             <a:r>
               <a:rPr lang="en-US" sz="1600" dirty="0" err="1">
+                <a:solidFill>
+                  <a:schemeClr val="tx1"/>
+                </a:solidFill>
                 <a:latin typeface="Times New Roman" panose="02020603050405020304" pitchFamily="18" charset="0"/>
                 <a:cs typeface="Times New Roman" panose="02020603050405020304" pitchFamily="18" charset="0"/>
               </a:rPr>
@@ -16000,6 +16887,9 @@
             </a:r>
             <a:r>
               <a:rPr lang="en-US" sz="1600" dirty="0">
+                <a:solidFill>
+                  <a:schemeClr val="tx1"/>
+                </a:solidFill>
                 <a:latin typeface="Times New Roman" panose="02020603050405020304" pitchFamily="18" charset="0"/>
                 <a:cs typeface="Times New Roman" panose="02020603050405020304" pitchFamily="18" charset="0"/>
               </a:rPr>
@@ -16007,6 +16897,9 @@
             </a:r>
             <a:r>
               <a:rPr lang="en-US" sz="1600" dirty="0" err="1">
+                <a:solidFill>
+                  <a:schemeClr val="tx1"/>
+                </a:solidFill>
                 <a:latin typeface="Times New Roman" panose="02020603050405020304" pitchFamily="18" charset="0"/>
                 <a:cs typeface="Times New Roman" panose="02020603050405020304" pitchFamily="18" charset="0"/>
               </a:rPr>
@@ -16014,6 +16907,9 @@
             </a:r>
             <a:r>
               <a:rPr lang="en-US" sz="1600" dirty="0">
+                <a:solidFill>
+                  <a:schemeClr val="tx1"/>
+                </a:solidFill>
                 <a:latin typeface="Times New Roman" panose="02020603050405020304" pitchFamily="18" charset="0"/>
                 <a:cs typeface="Times New Roman" panose="02020603050405020304" pitchFamily="18" charset="0"/>
               </a:rPr>
@@ -16021,6 +16917,9 @@
             </a:r>
             <a:r>
               <a:rPr lang="en-US" sz="1600" i="1" dirty="0">
+                <a:solidFill>
+                  <a:schemeClr val="tx1"/>
+                </a:solidFill>
                 <a:latin typeface="Times New Roman" panose="02020603050405020304" pitchFamily="18" charset="0"/>
                 <a:cs typeface="Times New Roman" panose="02020603050405020304" pitchFamily="18" charset="0"/>
               </a:rPr>
@@ -16028,6 +16927,9 @@
             </a:r>
             <a:r>
               <a:rPr lang="en-US" sz="1600" dirty="0">
+                <a:solidFill>
+                  <a:schemeClr val="tx1"/>
+                </a:solidFill>
                 <a:latin typeface="Times New Roman" panose="02020603050405020304" pitchFamily="18" charset="0"/>
                 <a:cs typeface="Times New Roman" panose="02020603050405020304" pitchFamily="18" charset="0"/>
               </a:rPr>
@@ -16035,6 +16937,9 @@
             </a:r>
             <a:r>
               <a:rPr lang="en-US" sz="1600" dirty="0" err="1">
+                <a:solidFill>
+                  <a:schemeClr val="tx1"/>
+                </a:solidFill>
                 <a:latin typeface="Times New Roman" panose="02020603050405020304" pitchFamily="18" charset="0"/>
                 <a:cs typeface="Times New Roman" panose="02020603050405020304" pitchFamily="18" charset="0"/>
               </a:rPr>
@@ -16042,6 +16947,9 @@
             </a:r>
             <a:r>
               <a:rPr lang="en-US" sz="1600" dirty="0">
+                <a:solidFill>
+                  <a:schemeClr val="tx1"/>
+                </a:solidFill>
                 <a:latin typeface="Times New Roman" panose="02020603050405020304" pitchFamily="18" charset="0"/>
                 <a:cs typeface="Times New Roman" panose="02020603050405020304" pitchFamily="18" charset="0"/>
               </a:rPr>
@@ -16049,6 +16957,9 @@
             </a:r>
             <a:r>
               <a:rPr lang="en-US" sz="1600" dirty="0" err="1">
+                <a:solidFill>
+                  <a:schemeClr val="tx1"/>
+                </a:solidFill>
                 <a:latin typeface="Times New Roman" panose="02020603050405020304" pitchFamily="18" charset="0"/>
                 <a:cs typeface="Times New Roman" panose="02020603050405020304" pitchFamily="18" charset="0"/>
               </a:rPr>
@@ -16056,6 +16967,9 @@
             </a:r>
             <a:r>
               <a:rPr lang="en-US" sz="1600" dirty="0">
+                <a:solidFill>
+                  <a:schemeClr val="tx1"/>
+                </a:solidFill>
                 <a:latin typeface="Times New Roman" panose="02020603050405020304" pitchFamily="18" charset="0"/>
                 <a:cs typeface="Times New Roman" panose="02020603050405020304" pitchFamily="18" charset="0"/>
               </a:rPr>
@@ -16078,6 +16992,9 @@
             </a:pPr>
             <a:r>
               <a:rPr lang="en-US" sz="1600" dirty="0">
+                <a:solidFill>
+                  <a:schemeClr val="tx1"/>
+                </a:solidFill>
                 <a:latin typeface="Times New Roman" panose="02020603050405020304" pitchFamily="18" charset="0"/>
                 <a:cs typeface="Times New Roman" panose="02020603050405020304" pitchFamily="18" charset="0"/>
               </a:rPr>
@@ -16085,6 +17002,9 @@
             </a:r>
             <a:r>
               <a:rPr lang="en-US" sz="1600" dirty="0" err="1">
+                <a:solidFill>
+                  <a:schemeClr val="tx1"/>
+                </a:solidFill>
                 <a:latin typeface="Times New Roman" panose="02020603050405020304" pitchFamily="18" charset="0"/>
                 <a:cs typeface="Times New Roman" panose="02020603050405020304" pitchFamily="18" charset="0"/>
               </a:rPr>
@@ -16092,6 +17012,9 @@
             </a:r>
             <a:r>
               <a:rPr lang="en-US" sz="1600" dirty="0">
+                <a:solidFill>
+                  <a:schemeClr val="tx1"/>
+                </a:solidFill>
                 <a:latin typeface="Times New Roman" panose="02020603050405020304" pitchFamily="18" charset="0"/>
                 <a:cs typeface="Times New Roman" panose="02020603050405020304" pitchFamily="18" charset="0"/>
               </a:rPr>
@@ -16111,6 +17034,9 @@
             </a:pPr>
             <a:r>
               <a:rPr lang="en-US" sz="1600" dirty="0" err="1">
+                <a:solidFill>
+                  <a:schemeClr val="tx1"/>
+                </a:solidFill>
                 <a:latin typeface="Times New Roman" panose="02020603050405020304" pitchFamily="18" charset="0"/>
                 <a:cs typeface="Times New Roman" panose="02020603050405020304" pitchFamily="18" charset="0"/>
               </a:rPr>
@@ -16118,6 +17044,9 @@
             </a:r>
             <a:r>
               <a:rPr lang="en-US" sz="1600" dirty="0">
+                <a:solidFill>
+                  <a:schemeClr val="tx1"/>
+                </a:solidFill>
                 <a:latin typeface="Times New Roman" panose="02020603050405020304" pitchFamily="18" charset="0"/>
                 <a:cs typeface="Times New Roman" panose="02020603050405020304" pitchFamily="18" charset="0"/>
               </a:rPr>
@@ -16125,6 +17054,9 @@
             </a:r>
             <a:r>
               <a:rPr lang="en-US" sz="1600" dirty="0" err="1">
+                <a:solidFill>
+                  <a:schemeClr val="tx1"/>
+                </a:solidFill>
                 <a:latin typeface="Times New Roman" panose="02020603050405020304" pitchFamily="18" charset="0"/>
                 <a:cs typeface="Times New Roman" panose="02020603050405020304" pitchFamily="18" charset="0"/>
               </a:rPr>
@@ -16132,6 +17064,9 @@
             </a:r>
             <a:r>
               <a:rPr lang="en-US" sz="1600" dirty="0">
+                <a:solidFill>
+                  <a:schemeClr val="tx1"/>
+                </a:solidFill>
                 <a:latin typeface="Times New Roman" panose="02020603050405020304" pitchFamily="18" charset="0"/>
                 <a:cs typeface="Times New Roman" panose="02020603050405020304" pitchFamily="18" charset="0"/>
               </a:rPr>
@@ -16139,12 +17074,18 @@
             </a:r>
             <a:r>
               <a:rPr lang="en-US" sz="1600" dirty="0" err="1">
+                <a:solidFill>
+                  <a:schemeClr val="tx1"/>
+                </a:solidFill>
                 <a:latin typeface="Times New Roman" panose="02020603050405020304" pitchFamily="18" charset="0"/>
                 <a:cs typeface="Times New Roman" panose="02020603050405020304" pitchFamily="18" charset="0"/>
               </a:rPr>
               <a:t>sejarah</a:t>
             </a:r>
             <a:endParaRPr lang="en-US" sz="1600" dirty="0">
+              <a:solidFill>
+                <a:schemeClr val="tx1"/>
+              </a:solidFill>
               <a:latin typeface="Times New Roman" panose="02020603050405020304" pitchFamily="18" charset="0"/>
               <a:cs typeface="Times New Roman" panose="02020603050405020304" pitchFamily="18" charset="0"/>
             </a:endParaRPr>
@@ -16162,6 +17103,9 @@
             </a:pPr>
             <a:r>
               <a:rPr lang="en-US" sz="1600" dirty="0">
+                <a:solidFill>
+                  <a:schemeClr val="tx1"/>
+                </a:solidFill>
                 <a:latin typeface="Times New Roman" panose="02020603050405020304" pitchFamily="18" charset="0"/>
                 <a:cs typeface="Times New Roman" panose="02020603050405020304" pitchFamily="18" charset="0"/>
               </a:rPr>
@@ -16169,6 +17113,9 @@
             </a:r>
             <a:r>
               <a:rPr lang="en-US" sz="1600" dirty="0" err="1">
+                <a:solidFill>
+                  <a:schemeClr val="tx1"/>
+                </a:solidFill>
                 <a:latin typeface="Times New Roman" panose="02020603050405020304" pitchFamily="18" charset="0"/>
                 <a:cs typeface="Times New Roman" panose="02020603050405020304" pitchFamily="18" charset="0"/>
               </a:rPr>
@@ -16176,6 +17123,9 @@
             </a:r>
             <a:r>
               <a:rPr lang="en-US" sz="1600" dirty="0">
+                <a:solidFill>
+                  <a:schemeClr val="tx1"/>
+                </a:solidFill>
                 <a:latin typeface="Times New Roman" panose="02020603050405020304" pitchFamily="18" charset="0"/>
                 <a:cs typeface="Times New Roman" panose="02020603050405020304" pitchFamily="18" charset="0"/>
               </a:rPr>
@@ -16183,6 +17133,9 @@
             </a:r>
             <a:r>
               <a:rPr lang="en-US" sz="1600" dirty="0" err="1">
+                <a:solidFill>
+                  <a:schemeClr val="tx1"/>
+                </a:solidFill>
                 <a:latin typeface="Times New Roman" panose="02020603050405020304" pitchFamily="18" charset="0"/>
                 <a:cs typeface="Times New Roman" panose="02020603050405020304" pitchFamily="18" charset="0"/>
               </a:rPr>
@@ -16190,6 +17143,9 @@
             </a:r>
             <a:r>
               <a:rPr lang="en-US" sz="1600" dirty="0">
+                <a:solidFill>
+                  <a:schemeClr val="tx1"/>
+                </a:solidFill>
                 <a:latin typeface="Times New Roman" panose="02020603050405020304" pitchFamily="18" charset="0"/>
                 <a:cs typeface="Times New Roman" panose="02020603050405020304" pitchFamily="18" charset="0"/>
               </a:rPr>
@@ -16351,6 +17307,9 @@
             </a:pPr>
             <a:r>
               <a:rPr lang="en-US" sz="1600" dirty="0" err="1">
+                <a:solidFill>
+                  <a:schemeClr val="tx1"/>
+                </a:solidFill>
                 <a:latin typeface="Times New Roman" panose="02020603050405020304" pitchFamily="18" charset="0"/>
                 <a:cs typeface="Times New Roman" panose="02020603050405020304" pitchFamily="18" charset="0"/>
               </a:rPr>
@@ -16358,6 +17317,9 @@
             </a:r>
             <a:r>
               <a:rPr lang="en-US" sz="1600" dirty="0">
+                <a:solidFill>
+                  <a:schemeClr val="tx1"/>
+                </a:solidFill>
                 <a:latin typeface="Times New Roman" panose="02020603050405020304" pitchFamily="18" charset="0"/>
                 <a:cs typeface="Times New Roman" panose="02020603050405020304" pitchFamily="18" charset="0"/>
               </a:rPr>
@@ -16365,6 +17327,9 @@
             </a:r>
             <a:r>
               <a:rPr lang="en-US" sz="1600" dirty="0" err="1">
+                <a:solidFill>
+                  <a:schemeClr val="tx1"/>
+                </a:solidFill>
                 <a:latin typeface="Times New Roman" panose="02020603050405020304" pitchFamily="18" charset="0"/>
                 <a:cs typeface="Times New Roman" panose="02020603050405020304" pitchFamily="18" charset="0"/>
               </a:rPr>
@@ -16372,6 +17337,9 @@
             </a:r>
             <a:r>
               <a:rPr lang="en-US" sz="1600" dirty="0">
+                <a:solidFill>
+                  <a:schemeClr val="tx1"/>
+                </a:solidFill>
                 <a:latin typeface="Times New Roman" panose="02020603050405020304" pitchFamily="18" charset="0"/>
                 <a:cs typeface="Times New Roman" panose="02020603050405020304" pitchFamily="18" charset="0"/>
               </a:rPr>
@@ -16379,6 +17347,9 @@
             </a:r>
             <a:r>
               <a:rPr lang="en-US" sz="1600" dirty="0" err="1">
+                <a:solidFill>
+                  <a:schemeClr val="tx1"/>
+                </a:solidFill>
                 <a:latin typeface="Times New Roman" panose="02020603050405020304" pitchFamily="18" charset="0"/>
                 <a:cs typeface="Times New Roman" panose="02020603050405020304" pitchFamily="18" charset="0"/>
               </a:rPr>
@@ -16386,6 +17357,9 @@
             </a:r>
             <a:r>
               <a:rPr lang="en-US" sz="1600" dirty="0">
+                <a:solidFill>
+                  <a:schemeClr val="tx1"/>
+                </a:solidFill>
                 <a:latin typeface="Times New Roman" panose="02020603050405020304" pitchFamily="18" charset="0"/>
                 <a:cs typeface="Times New Roman" panose="02020603050405020304" pitchFamily="18" charset="0"/>
               </a:rPr>
@@ -16393,6 +17367,9 @@
             </a:r>
             <a:r>
               <a:rPr lang="en-US" sz="1600" dirty="0" err="1">
+                <a:solidFill>
+                  <a:schemeClr val="tx1"/>
+                </a:solidFill>
                 <a:latin typeface="Times New Roman" panose="02020603050405020304" pitchFamily="18" charset="0"/>
                 <a:cs typeface="Times New Roman" panose="02020603050405020304" pitchFamily="18" charset="0"/>
               </a:rPr>
@@ -16400,6 +17377,9 @@
             </a:r>
             <a:r>
               <a:rPr lang="en-US" sz="1600" dirty="0">
+                <a:solidFill>
+                  <a:schemeClr val="tx1"/>
+                </a:solidFill>
                 <a:latin typeface="Times New Roman" panose="02020603050405020304" pitchFamily="18" charset="0"/>
                 <a:cs typeface="Times New Roman" panose="02020603050405020304" pitchFamily="18" charset="0"/>
               </a:rPr>
@@ -16407,12 +17387,18 @@
             </a:r>
             <a:r>
               <a:rPr lang="en-US" sz="1600" dirty="0" err="1">
+                <a:solidFill>
+                  <a:schemeClr val="tx1"/>
+                </a:solidFill>
                 <a:latin typeface="Times New Roman" panose="02020603050405020304" pitchFamily="18" charset="0"/>
                 <a:cs typeface="Times New Roman" panose="02020603050405020304" pitchFamily="18" charset="0"/>
               </a:rPr>
               <a:t>terstruktur</a:t>
             </a:r>
             <a:endParaRPr lang="en-US" sz="1600" dirty="0">
+              <a:solidFill>
+                <a:schemeClr val="tx1"/>
+              </a:solidFill>
               <a:latin typeface="Times New Roman" panose="02020603050405020304" pitchFamily="18" charset="0"/>
               <a:cs typeface="Times New Roman" panose="02020603050405020304" pitchFamily="18" charset="0"/>
             </a:endParaRPr>
@@ -16433,6 +17419,9 @@
             </a:pPr>
             <a:r>
               <a:rPr lang="en-US" sz="1600" dirty="0" err="1">
+                <a:solidFill>
+                  <a:schemeClr val="tx1"/>
+                </a:solidFill>
                 <a:latin typeface="Times New Roman" panose="02020603050405020304" pitchFamily="18" charset="0"/>
                 <a:cs typeface="Times New Roman" panose="02020603050405020304" pitchFamily="18" charset="0"/>
               </a:rPr>
@@ -16440,6 +17429,9 @@
             </a:r>
             <a:r>
               <a:rPr lang="en-US" sz="1600" dirty="0">
+                <a:solidFill>
+                  <a:schemeClr val="tx1"/>
+                </a:solidFill>
                 <a:latin typeface="Times New Roman" panose="02020603050405020304" pitchFamily="18" charset="0"/>
                 <a:cs typeface="Times New Roman" panose="02020603050405020304" pitchFamily="18" charset="0"/>
               </a:rPr>
@@ -16454,6 +17446,9 @@
             </a:pPr>
             <a:r>
               <a:rPr lang="en-US" sz="1600" dirty="0">
+                <a:solidFill>
+                  <a:schemeClr val="tx1"/>
+                </a:solidFill>
                 <a:latin typeface="Times New Roman" panose="02020603050405020304" pitchFamily="18" charset="0"/>
                 <a:cs typeface="Times New Roman" panose="02020603050405020304" pitchFamily="18" charset="0"/>
               </a:rPr>
@@ -16468,6 +17463,9 @@
             </a:pPr>
             <a:r>
               <a:rPr lang="en-US" sz="1600" dirty="0" err="1">
+                <a:solidFill>
+                  <a:schemeClr val="tx1"/>
+                </a:solidFill>
                 <a:latin typeface="Times New Roman" panose="02020603050405020304" pitchFamily="18" charset="0"/>
                 <a:cs typeface="Times New Roman" panose="02020603050405020304" pitchFamily="18" charset="0"/>
               </a:rPr>
@@ -16475,6 +17473,9 @@
             </a:r>
             <a:r>
               <a:rPr lang="en-US" sz="1600" dirty="0">
+                <a:solidFill>
+                  <a:schemeClr val="tx1"/>
+                </a:solidFill>
                 <a:latin typeface="Times New Roman" panose="02020603050405020304" pitchFamily="18" charset="0"/>
                 <a:cs typeface="Times New Roman" panose="02020603050405020304" pitchFamily="18" charset="0"/>
               </a:rPr>
@@ -16482,6 +17483,9 @@
             </a:r>
             <a:r>
               <a:rPr lang="en-US" sz="1600" dirty="0" err="1">
+                <a:solidFill>
+                  <a:schemeClr val="tx1"/>
+                </a:solidFill>
                 <a:latin typeface="Times New Roman" panose="02020603050405020304" pitchFamily="18" charset="0"/>
                 <a:cs typeface="Times New Roman" panose="02020603050405020304" pitchFamily="18" charset="0"/>
               </a:rPr>
@@ -16489,6 +17493,9 @@
             </a:r>
             <a:r>
               <a:rPr lang="en-US" sz="1600" dirty="0">
+                <a:solidFill>
+                  <a:schemeClr val="tx1"/>
+                </a:solidFill>
                 <a:latin typeface="Times New Roman" panose="02020603050405020304" pitchFamily="18" charset="0"/>
                 <a:cs typeface="Times New Roman" panose="02020603050405020304" pitchFamily="18" charset="0"/>
               </a:rPr>
@@ -16503,6 +17510,9 @@
             </a:pPr>
             <a:r>
               <a:rPr lang="en-US" sz="1600" dirty="0" err="1">
+                <a:solidFill>
+                  <a:schemeClr val="tx1"/>
+                </a:solidFill>
                 <a:latin typeface="Times New Roman" panose="02020603050405020304" pitchFamily="18" charset="0"/>
                 <a:cs typeface="Times New Roman" panose="02020603050405020304" pitchFamily="18" charset="0"/>
               </a:rPr>
@@ -16510,6 +17520,9 @@
             </a:r>
             <a:r>
               <a:rPr lang="en-US" sz="1600" dirty="0">
+                <a:solidFill>
+                  <a:schemeClr val="tx1"/>
+                </a:solidFill>
                 <a:latin typeface="Times New Roman" panose="02020603050405020304" pitchFamily="18" charset="0"/>
                 <a:cs typeface="Times New Roman" panose="02020603050405020304" pitchFamily="18" charset="0"/>
               </a:rPr>
@@ -16517,6 +17530,9 @@
             </a:r>
             <a:r>
               <a:rPr lang="en-US" sz="1600" dirty="0" err="1">
+                <a:solidFill>
+                  <a:schemeClr val="tx1"/>
+                </a:solidFill>
                 <a:latin typeface="Times New Roman" panose="02020603050405020304" pitchFamily="18" charset="0"/>
                 <a:cs typeface="Times New Roman" panose="02020603050405020304" pitchFamily="18" charset="0"/>
               </a:rPr>
@@ -16524,6 +17540,9 @@
             </a:r>
             <a:r>
               <a:rPr lang="en-US" sz="1600" dirty="0">
+                <a:solidFill>
+                  <a:schemeClr val="tx1"/>
+                </a:solidFill>
                 <a:latin typeface="Times New Roman" panose="02020603050405020304" pitchFamily="18" charset="0"/>
                 <a:cs typeface="Times New Roman" panose="02020603050405020304" pitchFamily="18" charset="0"/>
               </a:rPr>
@@ -16538,6 +17557,9 @@
               <a:buNone/>
             </a:pPr>
             <a:endParaRPr lang="en-US" sz="1600" dirty="0">
+              <a:solidFill>
+                <a:schemeClr val="tx1"/>
+              </a:solidFill>
               <a:latin typeface="Times New Roman" panose="02020603050405020304" pitchFamily="18" charset="0"/>
               <a:cs typeface="Times New Roman" panose="02020603050405020304" pitchFamily="18" charset="0"/>
             </a:endParaRPr>
@@ -16802,6 +17824,9 @@
             </a:pPr>
             <a:r>
               <a:rPr lang="en-US" sz="1600" dirty="0" err="1">
+                <a:solidFill>
+                  <a:schemeClr val="tx1"/>
+                </a:solidFill>
                 <a:latin typeface="Times New Roman" panose="02020603050405020304" pitchFamily="18" charset="0"/>
                 <a:cs typeface="Times New Roman" panose="02020603050405020304" pitchFamily="18" charset="0"/>
               </a:rPr>
@@ -16809,6 +17834,9 @@
             </a:r>
             <a:r>
               <a:rPr lang="en-US" sz="1600" dirty="0">
+                <a:solidFill>
+                  <a:schemeClr val="tx1"/>
+                </a:solidFill>
                 <a:latin typeface="Times New Roman" panose="02020603050405020304" pitchFamily="18" charset="0"/>
                 <a:cs typeface="Times New Roman" panose="02020603050405020304" pitchFamily="18" charset="0"/>
               </a:rPr>
@@ -16816,6 +17844,9 @@
             </a:r>
             <a:r>
               <a:rPr lang="en-US" sz="1600" dirty="0" err="1">
+                <a:solidFill>
+                  <a:schemeClr val="tx1"/>
+                </a:solidFill>
                 <a:latin typeface="Times New Roman" panose="02020603050405020304" pitchFamily="18" charset="0"/>
                 <a:cs typeface="Times New Roman" panose="02020603050405020304" pitchFamily="18" charset="0"/>
               </a:rPr>
@@ -16823,6 +17854,9 @@
             </a:r>
             <a:r>
               <a:rPr lang="en-US" sz="1600" dirty="0">
+                <a:solidFill>
+                  <a:schemeClr val="tx1"/>
+                </a:solidFill>
                 <a:latin typeface="Times New Roman" panose="02020603050405020304" pitchFamily="18" charset="0"/>
                 <a:cs typeface="Times New Roman" panose="02020603050405020304" pitchFamily="18" charset="0"/>
               </a:rPr>
@@ -16830,6 +17864,9 @@
             </a:r>
             <a:r>
               <a:rPr lang="en-US" sz="1600" dirty="0" err="1">
+                <a:solidFill>
+                  <a:schemeClr val="tx1"/>
+                </a:solidFill>
                 <a:latin typeface="Times New Roman" panose="02020603050405020304" pitchFamily="18" charset="0"/>
                 <a:cs typeface="Times New Roman" panose="02020603050405020304" pitchFamily="18" charset="0"/>
               </a:rPr>
@@ -16837,6 +17874,9 @@
             </a:r>
             <a:r>
               <a:rPr lang="en-US" sz="1600" dirty="0">
+                <a:solidFill>
+                  <a:schemeClr val="tx1"/>
+                </a:solidFill>
                 <a:latin typeface="Times New Roman" panose="02020603050405020304" pitchFamily="18" charset="0"/>
                 <a:cs typeface="Times New Roman" panose="02020603050405020304" pitchFamily="18" charset="0"/>
               </a:rPr>
@@ -16850,6 +17890,9 @@
             </a:pPr>
             <a:r>
               <a:rPr lang="en-US" sz="1600" dirty="0">
+                <a:solidFill>
+                  <a:schemeClr val="tx1"/>
+                </a:solidFill>
                 <a:latin typeface="Times New Roman" panose="02020603050405020304" pitchFamily="18" charset="0"/>
                 <a:cs typeface="Times New Roman" panose="02020603050405020304" pitchFamily="18" charset="0"/>
               </a:rPr>
@@ -16857,6 +17900,9 @@
             </a:r>
             <a:r>
               <a:rPr lang="en-US" sz="1600" dirty="0" err="1">
+                <a:solidFill>
+                  <a:schemeClr val="tx1"/>
+                </a:solidFill>
                 <a:latin typeface="Times New Roman" panose="02020603050405020304" pitchFamily="18" charset="0"/>
                 <a:cs typeface="Times New Roman" panose="02020603050405020304" pitchFamily="18" charset="0"/>
               </a:rPr>
@@ -16864,6 +17910,9 @@
             </a:r>
             <a:r>
               <a:rPr lang="en-US" sz="1600" dirty="0">
+                <a:solidFill>
+                  <a:schemeClr val="tx1"/>
+                </a:solidFill>
                 <a:latin typeface="Times New Roman" panose="02020603050405020304" pitchFamily="18" charset="0"/>
                 <a:cs typeface="Times New Roman" panose="02020603050405020304" pitchFamily="18" charset="0"/>
               </a:rPr>
@@ -16871,6 +17920,9 @@
             </a:r>
             <a:r>
               <a:rPr lang="en-US" sz="1600" dirty="0" err="1">
+                <a:solidFill>
+                  <a:schemeClr val="tx1"/>
+                </a:solidFill>
                 <a:latin typeface="Times New Roman" panose="02020603050405020304" pitchFamily="18" charset="0"/>
                 <a:cs typeface="Times New Roman" panose="02020603050405020304" pitchFamily="18" charset="0"/>
               </a:rPr>
@@ -16878,6 +17930,9 @@
             </a:r>
             <a:r>
               <a:rPr lang="en-US" sz="1600" dirty="0">
+                <a:solidFill>
+                  <a:schemeClr val="tx1"/>
+                </a:solidFill>
                 <a:latin typeface="Times New Roman" panose="02020603050405020304" pitchFamily="18" charset="0"/>
                 <a:cs typeface="Times New Roman" panose="02020603050405020304" pitchFamily="18" charset="0"/>
               </a:rPr>
@@ -16885,6 +17940,9 @@
             </a:r>
             <a:r>
               <a:rPr lang="en-US" sz="1600" dirty="0" err="1">
+                <a:solidFill>
+                  <a:schemeClr val="tx1"/>
+                </a:solidFill>
                 <a:latin typeface="Times New Roman" panose="02020603050405020304" pitchFamily="18" charset="0"/>
                 <a:cs typeface="Times New Roman" panose="02020603050405020304" pitchFamily="18" charset="0"/>
               </a:rPr>
@@ -16892,6 +17950,9 @@
             </a:r>
             <a:r>
               <a:rPr lang="en-US" sz="1600" dirty="0">
+                <a:solidFill>
+                  <a:schemeClr val="tx1"/>
+                </a:solidFill>
                 <a:latin typeface="Times New Roman" panose="02020603050405020304" pitchFamily="18" charset="0"/>
                 <a:cs typeface="Times New Roman" panose="02020603050405020304" pitchFamily="18" charset="0"/>
               </a:rPr>
@@ -16899,6 +17960,9 @@
             </a:r>
             <a:r>
               <a:rPr lang="en-US" sz="1600" dirty="0" err="1">
+                <a:solidFill>
+                  <a:schemeClr val="tx1"/>
+                </a:solidFill>
                 <a:latin typeface="Times New Roman" panose="02020603050405020304" pitchFamily="18" charset="0"/>
                 <a:cs typeface="Times New Roman" panose="02020603050405020304" pitchFamily="18" charset="0"/>
               </a:rPr>
@@ -16906,6 +17970,9 @@
             </a:r>
             <a:r>
               <a:rPr lang="en-US" sz="1600" dirty="0">
+                <a:solidFill>
+                  <a:schemeClr val="tx1"/>
+                </a:solidFill>
                 <a:latin typeface="Times New Roman" panose="02020603050405020304" pitchFamily="18" charset="0"/>
                 <a:cs typeface="Times New Roman" panose="02020603050405020304" pitchFamily="18" charset="0"/>
               </a:rPr>
@@ -16913,6 +17980,9 @@
             </a:r>
             <a:r>
               <a:rPr lang="en-US" sz="1600" dirty="0" err="1">
+                <a:solidFill>
+                  <a:schemeClr val="tx1"/>
+                </a:solidFill>
                 <a:latin typeface="Times New Roman" panose="02020603050405020304" pitchFamily="18" charset="0"/>
                 <a:cs typeface="Times New Roman" panose="02020603050405020304" pitchFamily="18" charset="0"/>
               </a:rPr>
@@ -16920,6 +17990,9 @@
             </a:r>
             <a:r>
               <a:rPr lang="en-US" sz="1600" dirty="0">
+                <a:solidFill>
+                  <a:schemeClr val="tx1"/>
+                </a:solidFill>
                 <a:latin typeface="Times New Roman" panose="02020603050405020304" pitchFamily="18" charset="0"/>
                 <a:cs typeface="Times New Roman" panose="02020603050405020304" pitchFamily="18" charset="0"/>
               </a:rPr>
@@ -16927,6 +18000,9 @@
             </a:r>
             <a:r>
               <a:rPr lang="en-US" sz="1600" dirty="0" err="1">
+                <a:solidFill>
+                  <a:schemeClr val="tx1"/>
+                </a:solidFill>
                 <a:latin typeface="Times New Roman" panose="02020603050405020304" pitchFamily="18" charset="0"/>
                 <a:cs typeface="Times New Roman" panose="02020603050405020304" pitchFamily="18" charset="0"/>
               </a:rPr>
@@ -16934,6 +18010,9 @@
             </a:r>
             <a:r>
               <a:rPr lang="en-US" sz="1600" dirty="0">
+                <a:solidFill>
+                  <a:schemeClr val="tx1"/>
+                </a:solidFill>
                 <a:latin typeface="Times New Roman" panose="02020603050405020304" pitchFamily="18" charset="0"/>
                 <a:cs typeface="Times New Roman" panose="02020603050405020304" pitchFamily="18" charset="0"/>
               </a:rPr>
@@ -16941,6 +18020,9 @@
             </a:r>
             <a:r>
               <a:rPr lang="en-US" sz="1600" dirty="0" err="1">
+                <a:solidFill>
+                  <a:schemeClr val="tx1"/>
+                </a:solidFill>
                 <a:latin typeface="Times New Roman" panose="02020603050405020304" pitchFamily="18" charset="0"/>
                 <a:cs typeface="Times New Roman" panose="02020603050405020304" pitchFamily="18" charset="0"/>
               </a:rPr>
@@ -16948,6 +18030,9 @@
             </a:r>
             <a:r>
               <a:rPr lang="en-US" sz="1600" dirty="0">
+                <a:solidFill>
+                  <a:schemeClr val="tx1"/>
+                </a:solidFill>
                 <a:latin typeface="Times New Roman" panose="02020603050405020304" pitchFamily="18" charset="0"/>
                 <a:cs typeface="Times New Roman" panose="02020603050405020304" pitchFamily="18" charset="0"/>
               </a:rPr>
@@ -16955,6 +18040,9 @@
             </a:r>
             <a:r>
               <a:rPr lang="en-US" sz="1600" dirty="0" err="1">
+                <a:solidFill>
+                  <a:schemeClr val="tx1"/>
+                </a:solidFill>
                 <a:latin typeface="Times New Roman" panose="02020603050405020304" pitchFamily="18" charset="0"/>
                 <a:cs typeface="Times New Roman" panose="02020603050405020304" pitchFamily="18" charset="0"/>
               </a:rPr>
@@ -16962,6 +18050,29 @@
             </a:r>
             <a:r>
               <a:rPr lang="en-US" sz="1600" dirty="0">
+                <a:solidFill>
+                  <a:schemeClr val="tx1"/>
+                </a:solidFill>
+                <a:latin typeface="Times New Roman" panose="02020603050405020304" pitchFamily="18" charset="0"/>
+                <a:cs typeface="Times New Roman" panose="02020603050405020304" pitchFamily="18" charset="0"/>
+              </a:rPr>
+              <a:t> 				  </a:t>
+            </a:r>
+            <a:r>
+              <a:rPr lang="en-US" sz="1600" dirty="0" err="1">
+                <a:solidFill>
+                  <a:schemeClr val="tx1"/>
+                </a:solidFill>
+                <a:latin typeface="Times New Roman" panose="02020603050405020304" pitchFamily="18" charset="0"/>
+                <a:cs typeface="Times New Roman" panose="02020603050405020304" pitchFamily="18" charset="0"/>
+              </a:rPr>
+              <a:t>peristiwa</a:t>
+            </a:r>
+            <a:r>
+              <a:rPr lang="en-US" sz="1600" dirty="0">
+                <a:solidFill>
+                  <a:schemeClr val="tx1"/>
+                </a:solidFill>
                 <a:latin typeface="Times New Roman" panose="02020603050405020304" pitchFamily="18" charset="0"/>
                 <a:cs typeface="Times New Roman" panose="02020603050405020304" pitchFamily="18" charset="0"/>
               </a:rPr>
@@ -16969,20 +18080,9 @@
             </a:r>
             <a:r>
               <a:rPr lang="en-US" sz="1600" dirty="0" err="1">
-                <a:latin typeface="Times New Roman" panose="02020603050405020304" pitchFamily="18" charset="0"/>
-                <a:cs typeface="Times New Roman" panose="02020603050405020304" pitchFamily="18" charset="0"/>
-              </a:rPr>
-              <a:t>peristiwa</a:t>
-            </a:r>
-            <a:r>
-              <a:rPr lang="en-US" sz="1600" dirty="0">
-                <a:latin typeface="Times New Roman" panose="02020603050405020304" pitchFamily="18" charset="0"/>
-                <a:cs typeface="Times New Roman" panose="02020603050405020304" pitchFamily="18" charset="0"/>
-              </a:rPr>
-              <a:t> </a:t>
-            </a:r>
-            <a:r>
-              <a:rPr lang="en-US" sz="1600" dirty="0" err="1">
+                <a:solidFill>
+                  <a:schemeClr val="tx1"/>
+                </a:solidFill>
                 <a:latin typeface="Times New Roman" panose="02020603050405020304" pitchFamily="18" charset="0"/>
                 <a:cs typeface="Times New Roman" panose="02020603050405020304" pitchFamily="18" charset="0"/>
               </a:rPr>
@@ -16990,6 +18090,9 @@
             </a:r>
             <a:r>
               <a:rPr lang="en-US" sz="1600" dirty="0">
+                <a:solidFill>
+                  <a:schemeClr val="tx1"/>
+                </a:solidFill>
                 <a:latin typeface="Times New Roman" panose="02020603050405020304" pitchFamily="18" charset="0"/>
                 <a:cs typeface="Times New Roman" panose="02020603050405020304" pitchFamily="18" charset="0"/>
               </a:rPr>
@@ -16997,6 +18100,9 @@
             </a:r>
             <a:r>
               <a:rPr lang="en-US" sz="1600" dirty="0" err="1">
+                <a:solidFill>
+                  <a:schemeClr val="tx1"/>
+                </a:solidFill>
                 <a:latin typeface="Times New Roman" panose="02020603050405020304" pitchFamily="18" charset="0"/>
                 <a:cs typeface="Times New Roman" panose="02020603050405020304" pitchFamily="18" charset="0"/>
               </a:rPr>
@@ -17004,6 +18110,9 @@
             </a:r>
             <a:r>
               <a:rPr lang="en-US" sz="1600" dirty="0">
+                <a:solidFill>
+                  <a:schemeClr val="tx1"/>
+                </a:solidFill>
                 <a:latin typeface="Times New Roman" panose="02020603050405020304" pitchFamily="18" charset="0"/>
                 <a:cs typeface="Times New Roman" panose="02020603050405020304" pitchFamily="18" charset="0"/>
               </a:rPr>
@@ -17011,6 +18120,9 @@
             </a:r>
             <a:r>
               <a:rPr lang="en-US" sz="1600" dirty="0" err="1">
+                <a:solidFill>
+                  <a:schemeClr val="tx1"/>
+                </a:solidFill>
                 <a:latin typeface="Times New Roman" panose="02020603050405020304" pitchFamily="18" charset="0"/>
                 <a:cs typeface="Times New Roman" panose="02020603050405020304" pitchFamily="18" charset="0"/>
               </a:rPr>
@@ -17018,6 +18130,9 @@
             </a:r>
             <a:r>
               <a:rPr lang="en-US" sz="1600" dirty="0">
+                <a:solidFill>
+                  <a:schemeClr val="tx1"/>
+                </a:solidFill>
                 <a:latin typeface="Times New Roman" panose="02020603050405020304" pitchFamily="18" charset="0"/>
                 <a:cs typeface="Times New Roman" panose="02020603050405020304" pitchFamily="18" charset="0"/>
               </a:rPr>
@@ -17025,6 +18140,9 @@
             </a:r>
             <a:r>
               <a:rPr lang="en-US" sz="1600" dirty="0" err="1">
+                <a:solidFill>
+                  <a:schemeClr val="tx1"/>
+                </a:solidFill>
                 <a:latin typeface="Times New Roman" panose="02020603050405020304" pitchFamily="18" charset="0"/>
                 <a:cs typeface="Times New Roman" panose="02020603050405020304" pitchFamily="18" charset="0"/>
               </a:rPr>
@@ -17032,6 +18150,9 @@
             </a:r>
             <a:r>
               <a:rPr lang="en-US" sz="1600" dirty="0">
+                <a:solidFill>
+                  <a:schemeClr val="tx1"/>
+                </a:solidFill>
                 <a:latin typeface="Times New Roman" panose="02020603050405020304" pitchFamily="18" charset="0"/>
                 <a:cs typeface="Times New Roman" panose="02020603050405020304" pitchFamily="18" charset="0"/>
               </a:rPr>
@@ -17039,6 +18160,9 @@
             </a:r>
             <a:r>
               <a:rPr lang="en-US" sz="1600" dirty="0" err="1">
+                <a:solidFill>
+                  <a:schemeClr val="tx1"/>
+                </a:solidFill>
                 <a:latin typeface="Times New Roman" panose="02020603050405020304" pitchFamily="18" charset="0"/>
                 <a:cs typeface="Times New Roman" panose="02020603050405020304" pitchFamily="18" charset="0"/>
               </a:rPr>
@@ -17046,6 +18170,9 @@
             </a:r>
             <a:r>
               <a:rPr lang="en-US" sz="1600" dirty="0">
+                <a:solidFill>
+                  <a:schemeClr val="tx1"/>
+                </a:solidFill>
                 <a:latin typeface="Times New Roman" panose="02020603050405020304" pitchFamily="18" charset="0"/>
                 <a:cs typeface="Times New Roman" panose="02020603050405020304" pitchFamily="18" charset="0"/>
               </a:rPr>
@@ -17059,6 +18186,9 @@
             </a:pPr>
             <a:r>
               <a:rPr lang="en-US" sz="1600" dirty="0" err="1">
+                <a:solidFill>
+                  <a:schemeClr val="tx1"/>
+                </a:solidFill>
                 <a:latin typeface="Times New Roman" panose="02020603050405020304" pitchFamily="18" charset="0"/>
                 <a:cs typeface="Times New Roman" panose="02020603050405020304" pitchFamily="18" charset="0"/>
               </a:rPr>
@@ -17066,6 +18196,9 @@
             </a:r>
             <a:r>
               <a:rPr lang="en-US" sz="1600" dirty="0">
+                <a:solidFill>
+                  <a:schemeClr val="tx1"/>
+                </a:solidFill>
                 <a:latin typeface="Times New Roman" panose="02020603050405020304" pitchFamily="18" charset="0"/>
                 <a:cs typeface="Times New Roman" panose="02020603050405020304" pitchFamily="18" charset="0"/>
               </a:rPr>
@@ -17073,6 +18206,9 @@
             </a:r>
             <a:r>
               <a:rPr lang="en-US" sz="1600" dirty="0" err="1">
+                <a:solidFill>
+                  <a:schemeClr val="tx1"/>
+                </a:solidFill>
                 <a:latin typeface="Times New Roman" panose="02020603050405020304" pitchFamily="18" charset="0"/>
                 <a:cs typeface="Times New Roman" panose="02020603050405020304" pitchFamily="18" charset="0"/>
               </a:rPr>
@@ -17080,6 +18216,9 @@
             </a:r>
             <a:r>
               <a:rPr lang="en-US" sz="1600" dirty="0">
+                <a:solidFill>
+                  <a:schemeClr val="tx1"/>
+                </a:solidFill>
                 <a:latin typeface="Times New Roman" panose="02020603050405020304" pitchFamily="18" charset="0"/>
                 <a:cs typeface="Times New Roman" panose="02020603050405020304" pitchFamily="18" charset="0"/>
               </a:rPr>
@@ -17087,6 +18226,9 @@
             </a:r>
             <a:r>
               <a:rPr lang="en-US" sz="1600" dirty="0" err="1">
+                <a:solidFill>
+                  <a:schemeClr val="tx1"/>
+                </a:solidFill>
                 <a:latin typeface="Times New Roman" panose="02020603050405020304" pitchFamily="18" charset="0"/>
                 <a:cs typeface="Times New Roman" panose="02020603050405020304" pitchFamily="18" charset="0"/>
               </a:rPr>
@@ -17094,6 +18236,9 @@
             </a:r>
             <a:r>
               <a:rPr lang="en-US" sz="1600" dirty="0">
+                <a:solidFill>
+                  <a:schemeClr val="tx1"/>
+                </a:solidFill>
                 <a:latin typeface="Times New Roman" panose="02020603050405020304" pitchFamily="18" charset="0"/>
                 <a:cs typeface="Times New Roman" panose="02020603050405020304" pitchFamily="18" charset="0"/>
               </a:rPr>
@@ -17101,6 +18246,9 @@
             </a:r>
             <a:r>
               <a:rPr lang="en-US" sz="1600" dirty="0" err="1">
+                <a:solidFill>
+                  <a:schemeClr val="tx1"/>
+                </a:solidFill>
                 <a:latin typeface="Times New Roman" panose="02020603050405020304" pitchFamily="18" charset="0"/>
                 <a:cs typeface="Times New Roman" panose="02020603050405020304" pitchFamily="18" charset="0"/>
               </a:rPr>
@@ -17108,6 +18256,9 @@
             </a:r>
             <a:r>
               <a:rPr lang="en-US" sz="1600" dirty="0">
+                <a:solidFill>
+                  <a:schemeClr val="tx1"/>
+                </a:solidFill>
                 <a:latin typeface="Times New Roman" panose="02020603050405020304" pitchFamily="18" charset="0"/>
                 <a:cs typeface="Times New Roman" panose="02020603050405020304" pitchFamily="18" charset="0"/>
               </a:rPr>
@@ -17121,6 +18272,9 @@
             </a:pPr>
             <a:r>
               <a:rPr lang="en-US" sz="1600" dirty="0" err="1">
+                <a:solidFill>
+                  <a:schemeClr val="tx1"/>
+                </a:solidFill>
                 <a:latin typeface="Times New Roman" panose="02020603050405020304" pitchFamily="18" charset="0"/>
                 <a:cs typeface="Times New Roman" panose="02020603050405020304" pitchFamily="18" charset="0"/>
               </a:rPr>
@@ -17128,6 +18282,9 @@
             </a:r>
             <a:r>
               <a:rPr lang="en-US" sz="1600" dirty="0">
+                <a:solidFill>
+                  <a:schemeClr val="tx1"/>
+                </a:solidFill>
                 <a:latin typeface="Times New Roman" panose="02020603050405020304" pitchFamily="18" charset="0"/>
                 <a:cs typeface="Times New Roman" panose="02020603050405020304" pitchFamily="18" charset="0"/>
               </a:rPr>
@@ -17135,6 +18292,9 @@
             </a:r>
             <a:r>
               <a:rPr lang="en-US" sz="1600" dirty="0" err="1">
+                <a:solidFill>
+                  <a:schemeClr val="tx1"/>
+                </a:solidFill>
                 <a:latin typeface="Times New Roman" panose="02020603050405020304" pitchFamily="18" charset="0"/>
                 <a:cs typeface="Times New Roman" panose="02020603050405020304" pitchFamily="18" charset="0"/>
               </a:rPr>
@@ -17142,6 +18302,9 @@
             </a:r>
             <a:r>
               <a:rPr lang="en-US" sz="1600" dirty="0">
+                <a:solidFill>
+                  <a:schemeClr val="tx1"/>
+                </a:solidFill>
                 <a:latin typeface="Times New Roman" panose="02020603050405020304" pitchFamily="18" charset="0"/>
                 <a:cs typeface="Times New Roman" panose="02020603050405020304" pitchFamily="18" charset="0"/>
               </a:rPr>
@@ -17149,6 +18312,9 @@
             </a:r>
             <a:r>
               <a:rPr lang="en-US" sz="1600" dirty="0" err="1">
+                <a:solidFill>
+                  <a:schemeClr val="tx1"/>
+                </a:solidFill>
                 <a:latin typeface="Times New Roman" panose="02020603050405020304" pitchFamily="18" charset="0"/>
                 <a:cs typeface="Times New Roman" panose="02020603050405020304" pitchFamily="18" charset="0"/>
               </a:rPr>
@@ -17156,6 +18322,9 @@
             </a:r>
             <a:r>
               <a:rPr lang="en-US" sz="1600" dirty="0">
+                <a:solidFill>
+                  <a:schemeClr val="tx1"/>
+                </a:solidFill>
                 <a:latin typeface="Times New Roman" panose="02020603050405020304" pitchFamily="18" charset="0"/>
                 <a:cs typeface="Times New Roman" panose="02020603050405020304" pitchFamily="18" charset="0"/>
               </a:rPr>
@@ -17163,6 +18332,9 @@
             </a:r>
             <a:r>
               <a:rPr lang="en-US" sz="1600" dirty="0" err="1">
+                <a:solidFill>
+                  <a:schemeClr val="tx1"/>
+                </a:solidFill>
                 <a:latin typeface="Times New Roman" panose="02020603050405020304" pitchFamily="18" charset="0"/>
                 <a:cs typeface="Times New Roman" panose="02020603050405020304" pitchFamily="18" charset="0"/>
               </a:rPr>
@@ -17170,6 +18342,9 @@
             </a:r>
             <a:r>
               <a:rPr lang="en-US" sz="1600" dirty="0">
+                <a:solidFill>
+                  <a:schemeClr val="tx1"/>
+                </a:solidFill>
                 <a:latin typeface="Times New Roman" panose="02020603050405020304" pitchFamily="18" charset="0"/>
                 <a:cs typeface="Times New Roman" panose="02020603050405020304" pitchFamily="18" charset="0"/>
               </a:rPr>
@@ -17177,6 +18352,9 @@
             </a:r>
             <a:r>
               <a:rPr lang="en-US" sz="1600" dirty="0" err="1">
+                <a:solidFill>
+                  <a:schemeClr val="tx1"/>
+                </a:solidFill>
                 <a:latin typeface="Times New Roman" panose="02020603050405020304" pitchFamily="18" charset="0"/>
                 <a:cs typeface="Times New Roman" panose="02020603050405020304" pitchFamily="18" charset="0"/>
               </a:rPr>
@@ -17184,6 +18362,9 @@
             </a:r>
             <a:r>
               <a:rPr lang="en-US" sz="1600" dirty="0">
+                <a:solidFill>
+                  <a:schemeClr val="tx1"/>
+                </a:solidFill>
                 <a:latin typeface="Times New Roman" panose="02020603050405020304" pitchFamily="18" charset="0"/>
                 <a:cs typeface="Times New Roman" panose="02020603050405020304" pitchFamily="18" charset="0"/>
               </a:rPr>
@@ -17191,6 +18372,9 @@
             </a:r>
             <a:r>
               <a:rPr lang="en-US" sz="1600" dirty="0" err="1">
+                <a:solidFill>
+                  <a:schemeClr val="tx1"/>
+                </a:solidFill>
                 <a:latin typeface="Times New Roman" panose="02020603050405020304" pitchFamily="18" charset="0"/>
                 <a:cs typeface="Times New Roman" panose="02020603050405020304" pitchFamily="18" charset="0"/>
               </a:rPr>
@@ -17198,6 +18382,9 @@
             </a:r>
             <a:r>
               <a:rPr lang="en-US" sz="1600" dirty="0">
+                <a:solidFill>
+                  <a:schemeClr val="tx1"/>
+                </a:solidFill>
                 <a:latin typeface="Times New Roman" panose="02020603050405020304" pitchFamily="18" charset="0"/>
                 <a:cs typeface="Times New Roman" panose="02020603050405020304" pitchFamily="18" charset="0"/>
               </a:rPr>
@@ -17205,6 +18392,9 @@
             </a:r>
             <a:r>
               <a:rPr lang="en-US" sz="1600" dirty="0" err="1">
+                <a:solidFill>
+                  <a:schemeClr val="tx1"/>
+                </a:solidFill>
                 <a:latin typeface="Times New Roman" panose="02020603050405020304" pitchFamily="18" charset="0"/>
                 <a:cs typeface="Times New Roman" panose="02020603050405020304" pitchFamily="18" charset="0"/>
               </a:rPr>
@@ -17212,6 +18402,9 @@
             </a:r>
             <a:r>
               <a:rPr lang="en-US" sz="1600" dirty="0">
+                <a:solidFill>
+                  <a:schemeClr val="tx1"/>
+                </a:solidFill>
                 <a:latin typeface="Times New Roman" panose="02020603050405020304" pitchFamily="18" charset="0"/>
                 <a:cs typeface="Times New Roman" panose="02020603050405020304" pitchFamily="18" charset="0"/>
               </a:rPr>
@@ -17224,6 +18417,9 @@
               <a:buAutoNum type="arabicPeriod"/>
             </a:pPr>
             <a:endParaRPr lang="en-ID" sz="1600" dirty="0">
+              <a:solidFill>
+                <a:schemeClr val="tx1"/>
+              </a:solidFill>
               <a:latin typeface="Times New Roman" panose="02020603050405020304" pitchFamily="18" charset="0"/>
               <a:cs typeface="Times New Roman" panose="02020603050405020304" pitchFamily="18" charset="0"/>
             </a:endParaRPr>
